--- a/Презентация.pptx
+++ b/Презентация.pptx
@@ -238,6 +238,11 @@
       </a:defRPr>
     </a:lvl9pPr>
   </p:defaultTextStyle>
+  <p:extLst>
+    <p:ext uri="{EFAFB233-063F-42B5-8137-9DF3F51BA10A}">
+      <p15:sldGuideLst xmlns:p15="http://schemas.microsoft.com/office/powerpoint/2012/main"/>
+    </p:ext>
+  </p:extLst>
 </p:presentation>
 </file>
 
@@ -648,7 +653,7 @@
         </p:nvSpPr>
         <p:spPr>
           <a:xfrm>
-            <a:off x="1143309" y="685800"/>
+            <a:off x="1143000" y="685800"/>
             <a:ext cx="4572000" cy="3429000"/>
           </a:xfrm>
           <a:custGeom>
@@ -764,7 +769,7 @@
         </p:nvSpPr>
         <p:spPr>
           <a:xfrm>
-            <a:off x="1143309" y="685800"/>
+            <a:off x="1143000" y="685800"/>
             <a:ext cx="4572000" cy="3429000"/>
           </a:xfrm>
           <a:custGeom>
@@ -880,7 +885,7 @@
         </p:nvSpPr>
         <p:spPr>
           <a:xfrm>
-            <a:off x="1143309" y="685800"/>
+            <a:off x="1143000" y="685800"/>
             <a:ext cx="4572000" cy="3429000"/>
           </a:xfrm>
           <a:custGeom>
@@ -996,7 +1001,7 @@
         </p:nvSpPr>
         <p:spPr>
           <a:xfrm>
-            <a:off x="1143309" y="685800"/>
+            <a:off x="1143000" y="685800"/>
             <a:ext cx="4572000" cy="3429000"/>
           </a:xfrm>
           <a:custGeom>
@@ -1112,7 +1117,7 @@
         </p:nvSpPr>
         <p:spPr>
           <a:xfrm>
-            <a:off x="1143309" y="685800"/>
+            <a:off x="1143000" y="685800"/>
             <a:ext cx="4572000" cy="3429000"/>
           </a:xfrm>
           <a:custGeom>
@@ -1228,7 +1233,7 @@
         </p:nvSpPr>
         <p:spPr>
           <a:xfrm>
-            <a:off x="1143309" y="685800"/>
+            <a:off x="1143000" y="685800"/>
             <a:ext cx="4572000" cy="3429000"/>
           </a:xfrm>
           <a:custGeom>
@@ -1460,7 +1465,7 @@
         </p:nvSpPr>
         <p:spPr>
           <a:xfrm>
-            <a:off x="1143309" y="685800"/>
+            <a:off x="1143000" y="685800"/>
             <a:ext cx="4572000" cy="3429000"/>
           </a:xfrm>
           <a:custGeom>
@@ -1576,7 +1581,7 @@
         </p:nvSpPr>
         <p:spPr>
           <a:xfrm>
-            <a:off x="1143309" y="685800"/>
+            <a:off x="1143000" y="685800"/>
             <a:ext cx="4572000" cy="3429000"/>
           </a:xfrm>
           <a:custGeom>
@@ -1692,7 +1697,7 @@
         </p:nvSpPr>
         <p:spPr>
           <a:xfrm>
-            <a:off x="1143309" y="685800"/>
+            <a:off x="1143000" y="685800"/>
             <a:ext cx="4572000" cy="3429000"/>
           </a:xfrm>
           <a:custGeom>
@@ -1808,7 +1813,7 @@
         </p:nvSpPr>
         <p:spPr>
           <a:xfrm>
-            <a:off x="1143309" y="685800"/>
+            <a:off x="1143000" y="685800"/>
             <a:ext cx="4572000" cy="3429000"/>
           </a:xfrm>
           <a:custGeom>
@@ -1924,7 +1929,7 @@
         </p:nvSpPr>
         <p:spPr>
           <a:xfrm>
-            <a:off x="1143309" y="685800"/>
+            <a:off x="1143000" y="685800"/>
             <a:ext cx="4572000" cy="3429000"/>
           </a:xfrm>
           <a:custGeom>
@@ -2040,7 +2045,7 @@
         </p:nvSpPr>
         <p:spPr>
           <a:xfrm>
-            <a:off x="1143309" y="685800"/>
+            <a:off x="1143000" y="685800"/>
             <a:ext cx="4572000" cy="3429000"/>
           </a:xfrm>
           <a:custGeom>
@@ -2156,7 +2161,7 @@
         </p:nvSpPr>
         <p:spPr>
           <a:xfrm>
-            <a:off x="1143309" y="685800"/>
+            <a:off x="1143000" y="685800"/>
             <a:ext cx="4572000" cy="3429000"/>
           </a:xfrm>
           <a:custGeom>
@@ -6821,12 +6826,7 @@
             </a:r>
           </a:p>
           <a:p>
-            <a:pPr lvl="0" rtl="0">
-              <a:spcBef>
-                <a:spcPts val="0"/>
-              </a:spcBef>
-              <a:buNone/>
-            </a:pPr>
+            <a:pPr lvl="0"/>
             <a:r>
               <a:rPr lang="ru" b="1" dirty="0">
                 <a:solidFill>
@@ -6836,8 +6836,49 @@
                   </a:schemeClr>
                 </a:solidFill>
               </a:rPr>
-              <a:t>Руководитель: к.т.н., доц. Челпанов А.В.</a:t>
+              <a:t>Руководитель: </a:t>
             </a:r>
+            <a:r>
+              <a:rPr lang="ru-RU" b="1" dirty="0" err="1" smtClean="0">
+                <a:solidFill>
+                  <a:schemeClr val="bg2">
+                    <a:lumMod val="20000"/>
+                    <a:lumOff val="80000"/>
+                  </a:schemeClr>
+                </a:solidFill>
+              </a:rPr>
+              <a:t>к.ф.м.н</a:t>
+            </a:r>
+            <a:r>
+              <a:rPr lang="ru-RU" b="1" dirty="0">
+                <a:solidFill>
+                  <a:schemeClr val="bg2">
+                    <a:lumMod val="20000"/>
+                    <a:lumOff val="80000"/>
+                  </a:schemeClr>
+                </a:solidFill>
+              </a:rPr>
+              <a:t>., </a:t>
+            </a:r>
+            <a:r>
+              <a:rPr lang="ru" b="1" dirty="0" smtClean="0">
+                <a:solidFill>
+                  <a:schemeClr val="bg2">
+                    <a:lumMod val="20000"/>
+                    <a:lumOff val="80000"/>
+                  </a:schemeClr>
+                </a:solidFill>
+              </a:rPr>
+              <a:t> Павлов В.Ю.</a:t>
+            </a:r>
+            <a:endParaRPr lang="ru" b="1" dirty="0">
+              <a:solidFill>
+                <a:schemeClr val="bg2">
+                  <a:lumMod val="20000"/>
+                  <a:lumOff val="80000"/>
+                </a:schemeClr>
+              </a:solidFill>
+            </a:endParaRPr>
           </a:p>
         </p:txBody>
       </p:sp>
@@ -9155,7 +9196,6 @@
               <a:rPr lang="ru" dirty="0"/>
               <a:t>Модернизация и оптимизация компонентов системы.</a:t>
             </a:r>
-            <a:endParaRPr lang="ru" dirty="0"/>
           </a:p>
         </p:txBody>
       </p:sp>

--- a/Презентация.pptx
+++ b/Презентация.pptx
@@ -5,7 +5,7 @@
     <p:sldMasterId id="2147483654" r:id="rId1"/>
   </p:sldMasterIdLst>
   <p:notesMasterIdLst>
-    <p:notesMasterId r:id="rId18"/>
+    <p:notesMasterId r:id="rId16"/>
   </p:notesMasterIdLst>
   <p:sldIdLst>
     <p:sldId id="256" r:id="rId2"/>
@@ -13,17 +13,15 @@
     <p:sldId id="271" r:id="rId4"/>
     <p:sldId id="259" r:id="rId5"/>
     <p:sldId id="260" r:id="rId6"/>
-    <p:sldId id="261" r:id="rId7"/>
-    <p:sldId id="263" r:id="rId8"/>
-    <p:sldId id="264" r:id="rId9"/>
-    <p:sldId id="262" r:id="rId10"/>
-    <p:sldId id="258" r:id="rId11"/>
-    <p:sldId id="265" r:id="rId12"/>
-    <p:sldId id="266" r:id="rId13"/>
-    <p:sldId id="267" r:id="rId14"/>
-    <p:sldId id="268" r:id="rId15"/>
-    <p:sldId id="269" r:id="rId16"/>
-    <p:sldId id="270" r:id="rId17"/>
+    <p:sldId id="263" r:id="rId7"/>
+    <p:sldId id="272" r:id="rId8"/>
+    <p:sldId id="273" r:id="rId9"/>
+    <p:sldId id="264" r:id="rId10"/>
+    <p:sldId id="262" r:id="rId11"/>
+    <p:sldId id="258" r:id="rId12"/>
+    <p:sldId id="265" r:id="rId13"/>
+    <p:sldId id="269" r:id="rId14"/>
+    <p:sldId id="270" r:id="rId15"/>
   </p:sldIdLst>
   <p:sldSz cx="9144000" cy="6858000" type="screen4x3"/>
   <p:notesSz cx="6858000" cy="9144000"/>
@@ -629,6 +627,122 @@
   <p:cSld>
     <p:spTree>
       <p:nvGrpSpPr>
+        <p:cNvPr id="1" name="Shape 101"/>
+        <p:cNvGrpSpPr/>
+        <p:nvPr/>
+      </p:nvGrpSpPr>
+      <p:grpSpPr>
+        <a:xfrm>
+          <a:off x="0" y="0"/>
+          <a:ext cx="0" cy="0"/>
+          <a:chOff x="0" y="0"/>
+          <a:chExt cx="0" cy="0"/>
+        </a:xfrm>
+      </p:grpSpPr>
+      <p:sp>
+        <p:nvSpPr>
+          <p:cNvPr id="102" name="Shape 102"/>
+          <p:cNvSpPr>
+            <a:spLocks noGrp="1" noRot="1" noChangeAspect="1"/>
+          </p:cNvSpPr>
+          <p:nvPr>
+            <p:ph type="sldImg" idx="2"/>
+          </p:nvPr>
+        </p:nvSpPr>
+        <p:spPr>
+          <a:xfrm>
+            <a:off x="1143000" y="685800"/>
+            <a:ext cx="4572000" cy="3429000"/>
+          </a:xfrm>
+          <a:custGeom>
+            <a:avLst/>
+            <a:gdLst/>
+            <a:ahLst/>
+            <a:cxnLst/>
+            <a:rect l="0" t="0" r="0" b="0"/>
+            <a:pathLst>
+              <a:path w="120000" h="120000" extrusionOk="0">
+                <a:moveTo>
+                  <a:pt x="0" y="0"/>
+                </a:moveTo>
+                <a:lnTo>
+                  <a:pt x="120000" y="0"/>
+                </a:lnTo>
+                <a:lnTo>
+                  <a:pt x="120000" y="120000"/>
+                </a:lnTo>
+                <a:lnTo>
+                  <a:pt x="0" y="120000"/>
+                </a:lnTo>
+                <a:close/>
+              </a:path>
+            </a:pathLst>
+          </a:custGeom>
+          <a:noFill/>
+          <a:ln w="9525" cap="flat" cmpd="sng">
+            <a:solidFill>
+              <a:srgbClr val="000000"/>
+            </a:solidFill>
+            <a:prstDash val="solid"/>
+            <a:round/>
+            <a:headEnd type="none" w="med" len="med"/>
+            <a:tailEnd type="none" w="med" len="med"/>
+          </a:ln>
+        </p:spPr>
+      </p:sp>
+      <p:sp>
+        <p:nvSpPr>
+          <p:cNvPr id="103" name="Shape 103"/>
+          <p:cNvSpPr txBox="1">
+            <a:spLocks noGrp="1"/>
+          </p:cNvSpPr>
+          <p:nvPr>
+            <p:ph type="body" idx="1"/>
+          </p:nvPr>
+        </p:nvSpPr>
+        <p:spPr>
+          <a:xfrm>
+            <a:off x="685800" y="4343400"/>
+            <a:ext cx="5486399" cy="4114800"/>
+          </a:xfrm>
+          <a:prstGeom prst="rect">
+            <a:avLst/>
+          </a:prstGeom>
+        </p:spPr>
+        <p:txBody>
+          <a:bodyPr lIns="91425" tIns="91425" rIns="91425" bIns="91425" anchor="t" anchorCtr="0">
+            <a:noAutofit/>
+          </a:bodyPr>
+          <a:lstStyle/>
+          <a:p>
+            <a:pPr>
+              <a:spcBef>
+                <a:spcPts val="0"/>
+              </a:spcBef>
+              <a:buNone/>
+            </a:pPr>
+            <a:endParaRPr/>
+          </a:p>
+        </p:txBody>
+      </p:sp>
+    </p:spTree>
+    <p:extLst>
+      <p:ext uri="{BB962C8B-B14F-4D97-AF65-F5344CB8AC3E}">
+        <p14:creationId xmlns:p14="http://schemas.microsoft.com/office/powerpoint/2010/main" val="1419160547"/>
+      </p:ext>
+    </p:extLst>
+  </p:cSld>
+  <p:clrMapOvr>
+    <a:masterClrMapping/>
+  </p:clrMapOvr>
+</p:notes>
+</file>
+
+<file path=ppt/notesSlides/notesSlide11.xml><?xml version="1.0" encoding="utf-8"?>
+<p:notes xmlns:a="http://schemas.openxmlformats.org/drawingml/2006/main" xmlns:r="http://schemas.openxmlformats.org/officeDocument/2006/relationships" xmlns:p="http://schemas.openxmlformats.org/presentationml/2006/main" showMasterSp="0" showMasterPhAnim="0">
+  <p:cSld>
+    <p:spTree>
+      <p:nvGrpSpPr>
         <p:cNvPr id="1" name="Shape 200"/>
         <p:cNvGrpSpPr/>
         <p:nvPr/>
@@ -740,355 +854,7 @@
 </p:notes>
 </file>
 
-<file path=ppt/notesSlides/notesSlide11.xml><?xml version="1.0" encoding="utf-8"?>
-<p:notes xmlns:a="http://schemas.openxmlformats.org/drawingml/2006/main" xmlns:r="http://schemas.openxmlformats.org/officeDocument/2006/relationships" xmlns:p="http://schemas.openxmlformats.org/presentationml/2006/main" showMasterSp="0" showMasterPhAnim="0">
-  <p:cSld>
-    <p:spTree>
-      <p:nvGrpSpPr>
-        <p:cNvPr id="1" name="Shape 210"/>
-        <p:cNvGrpSpPr/>
-        <p:nvPr/>
-      </p:nvGrpSpPr>
-      <p:grpSpPr>
-        <a:xfrm>
-          <a:off x="0" y="0"/>
-          <a:ext cx="0" cy="0"/>
-          <a:chOff x="0" y="0"/>
-          <a:chExt cx="0" cy="0"/>
-        </a:xfrm>
-      </p:grpSpPr>
-      <p:sp>
-        <p:nvSpPr>
-          <p:cNvPr id="211" name="Shape 211"/>
-          <p:cNvSpPr>
-            <a:spLocks noGrp="1" noRot="1" noChangeAspect="1"/>
-          </p:cNvSpPr>
-          <p:nvPr>
-            <p:ph type="sldImg" idx="2"/>
-          </p:nvPr>
-        </p:nvSpPr>
-        <p:spPr>
-          <a:xfrm>
-            <a:off x="1143000" y="685800"/>
-            <a:ext cx="4572000" cy="3429000"/>
-          </a:xfrm>
-          <a:custGeom>
-            <a:avLst/>
-            <a:gdLst/>
-            <a:ahLst/>
-            <a:cxnLst/>
-            <a:rect l="0" t="0" r="0" b="0"/>
-            <a:pathLst>
-              <a:path w="120000" h="120000" extrusionOk="0">
-                <a:moveTo>
-                  <a:pt x="0" y="0"/>
-                </a:moveTo>
-                <a:lnTo>
-                  <a:pt x="120000" y="0"/>
-                </a:lnTo>
-                <a:lnTo>
-                  <a:pt x="120000" y="120000"/>
-                </a:lnTo>
-                <a:lnTo>
-                  <a:pt x="0" y="120000"/>
-                </a:lnTo>
-                <a:close/>
-              </a:path>
-            </a:pathLst>
-          </a:custGeom>
-          <a:noFill/>
-          <a:ln w="9525" cap="flat" cmpd="sng">
-            <a:solidFill>
-              <a:srgbClr val="000000"/>
-            </a:solidFill>
-            <a:prstDash val="solid"/>
-            <a:round/>
-            <a:headEnd type="none" w="med" len="med"/>
-            <a:tailEnd type="none" w="med" len="med"/>
-          </a:ln>
-        </p:spPr>
-      </p:sp>
-      <p:sp>
-        <p:nvSpPr>
-          <p:cNvPr id="212" name="Shape 212"/>
-          <p:cNvSpPr txBox="1">
-            <a:spLocks noGrp="1"/>
-          </p:cNvSpPr>
-          <p:nvPr>
-            <p:ph type="body" idx="1"/>
-          </p:nvPr>
-        </p:nvSpPr>
-        <p:spPr>
-          <a:xfrm>
-            <a:off x="685800" y="4343400"/>
-            <a:ext cx="5486399" cy="4114800"/>
-          </a:xfrm>
-          <a:prstGeom prst="rect">
-            <a:avLst/>
-          </a:prstGeom>
-        </p:spPr>
-        <p:txBody>
-          <a:bodyPr lIns="91425" tIns="91425" rIns="91425" bIns="91425" anchor="t" anchorCtr="0">
-            <a:noAutofit/>
-          </a:bodyPr>
-          <a:lstStyle/>
-          <a:p>
-            <a:pPr>
-              <a:spcBef>
-                <a:spcPts val="0"/>
-              </a:spcBef>
-              <a:buNone/>
-            </a:pPr>
-            <a:endParaRPr/>
-          </a:p>
-        </p:txBody>
-      </p:sp>
-    </p:spTree>
-    <p:extLst>
-      <p:ext uri="{BB962C8B-B14F-4D97-AF65-F5344CB8AC3E}">
-        <p14:creationId xmlns:p14="http://schemas.microsoft.com/office/powerpoint/2010/main" val="3688879529"/>
-      </p:ext>
-    </p:extLst>
-  </p:cSld>
-  <p:clrMapOvr>
-    <a:masterClrMapping/>
-  </p:clrMapOvr>
-</p:notes>
-</file>
-
 <file path=ppt/notesSlides/notesSlide12.xml><?xml version="1.0" encoding="utf-8"?>
-<p:notes xmlns:a="http://schemas.openxmlformats.org/drawingml/2006/main" xmlns:r="http://schemas.openxmlformats.org/officeDocument/2006/relationships" xmlns:p="http://schemas.openxmlformats.org/presentationml/2006/main" showMasterSp="0" showMasterPhAnim="0">
-  <p:cSld>
-    <p:spTree>
-      <p:nvGrpSpPr>
-        <p:cNvPr id="1" name="Shape 217"/>
-        <p:cNvGrpSpPr/>
-        <p:nvPr/>
-      </p:nvGrpSpPr>
-      <p:grpSpPr>
-        <a:xfrm>
-          <a:off x="0" y="0"/>
-          <a:ext cx="0" cy="0"/>
-          <a:chOff x="0" y="0"/>
-          <a:chExt cx="0" cy="0"/>
-        </a:xfrm>
-      </p:grpSpPr>
-      <p:sp>
-        <p:nvSpPr>
-          <p:cNvPr id="218" name="Shape 218"/>
-          <p:cNvSpPr>
-            <a:spLocks noGrp="1" noRot="1" noChangeAspect="1"/>
-          </p:cNvSpPr>
-          <p:nvPr>
-            <p:ph type="sldImg" idx="2"/>
-          </p:nvPr>
-        </p:nvSpPr>
-        <p:spPr>
-          <a:xfrm>
-            <a:off x="1143000" y="685800"/>
-            <a:ext cx="4572000" cy="3429000"/>
-          </a:xfrm>
-          <a:custGeom>
-            <a:avLst/>
-            <a:gdLst/>
-            <a:ahLst/>
-            <a:cxnLst/>
-            <a:rect l="0" t="0" r="0" b="0"/>
-            <a:pathLst>
-              <a:path w="120000" h="120000" extrusionOk="0">
-                <a:moveTo>
-                  <a:pt x="0" y="0"/>
-                </a:moveTo>
-                <a:lnTo>
-                  <a:pt x="120000" y="0"/>
-                </a:lnTo>
-                <a:lnTo>
-                  <a:pt x="120000" y="120000"/>
-                </a:lnTo>
-                <a:lnTo>
-                  <a:pt x="0" y="120000"/>
-                </a:lnTo>
-                <a:close/>
-              </a:path>
-            </a:pathLst>
-          </a:custGeom>
-          <a:noFill/>
-          <a:ln w="9525" cap="flat" cmpd="sng">
-            <a:solidFill>
-              <a:srgbClr val="000000"/>
-            </a:solidFill>
-            <a:prstDash val="solid"/>
-            <a:round/>
-            <a:headEnd type="none" w="med" len="med"/>
-            <a:tailEnd type="none" w="med" len="med"/>
-          </a:ln>
-        </p:spPr>
-      </p:sp>
-      <p:sp>
-        <p:nvSpPr>
-          <p:cNvPr id="219" name="Shape 219"/>
-          <p:cNvSpPr txBox="1">
-            <a:spLocks noGrp="1"/>
-          </p:cNvSpPr>
-          <p:nvPr>
-            <p:ph type="body" idx="1"/>
-          </p:nvPr>
-        </p:nvSpPr>
-        <p:spPr>
-          <a:xfrm>
-            <a:off x="685800" y="4343400"/>
-            <a:ext cx="5486399" cy="4114800"/>
-          </a:xfrm>
-          <a:prstGeom prst="rect">
-            <a:avLst/>
-          </a:prstGeom>
-        </p:spPr>
-        <p:txBody>
-          <a:bodyPr lIns="91425" tIns="91425" rIns="91425" bIns="91425" anchor="t" anchorCtr="0">
-            <a:noAutofit/>
-          </a:bodyPr>
-          <a:lstStyle/>
-          <a:p>
-            <a:pPr>
-              <a:spcBef>
-                <a:spcPts val="0"/>
-              </a:spcBef>
-              <a:buNone/>
-            </a:pPr>
-            <a:endParaRPr/>
-          </a:p>
-        </p:txBody>
-      </p:sp>
-    </p:spTree>
-    <p:extLst>
-      <p:ext uri="{BB962C8B-B14F-4D97-AF65-F5344CB8AC3E}">
-        <p14:creationId xmlns:p14="http://schemas.microsoft.com/office/powerpoint/2010/main" val="2631641434"/>
-      </p:ext>
-    </p:extLst>
-  </p:cSld>
-  <p:clrMapOvr>
-    <a:masterClrMapping/>
-  </p:clrMapOvr>
-</p:notes>
-</file>
-
-<file path=ppt/notesSlides/notesSlide13.xml><?xml version="1.0" encoding="utf-8"?>
-<p:notes xmlns:a="http://schemas.openxmlformats.org/drawingml/2006/main" xmlns:r="http://schemas.openxmlformats.org/officeDocument/2006/relationships" xmlns:p="http://schemas.openxmlformats.org/presentationml/2006/main" showMasterSp="0" showMasterPhAnim="0">
-  <p:cSld>
-    <p:spTree>
-      <p:nvGrpSpPr>
-        <p:cNvPr id="1" name="Shape 226"/>
-        <p:cNvGrpSpPr/>
-        <p:nvPr/>
-      </p:nvGrpSpPr>
-      <p:grpSpPr>
-        <a:xfrm>
-          <a:off x="0" y="0"/>
-          <a:ext cx="0" cy="0"/>
-          <a:chOff x="0" y="0"/>
-          <a:chExt cx="0" cy="0"/>
-        </a:xfrm>
-      </p:grpSpPr>
-      <p:sp>
-        <p:nvSpPr>
-          <p:cNvPr id="227" name="Shape 227"/>
-          <p:cNvSpPr>
-            <a:spLocks noGrp="1" noRot="1" noChangeAspect="1"/>
-          </p:cNvSpPr>
-          <p:nvPr>
-            <p:ph type="sldImg" idx="2"/>
-          </p:nvPr>
-        </p:nvSpPr>
-        <p:spPr>
-          <a:xfrm>
-            <a:off x="1143000" y="685800"/>
-            <a:ext cx="4572000" cy="3429000"/>
-          </a:xfrm>
-          <a:custGeom>
-            <a:avLst/>
-            <a:gdLst/>
-            <a:ahLst/>
-            <a:cxnLst/>
-            <a:rect l="0" t="0" r="0" b="0"/>
-            <a:pathLst>
-              <a:path w="120000" h="120000" extrusionOk="0">
-                <a:moveTo>
-                  <a:pt x="0" y="0"/>
-                </a:moveTo>
-                <a:lnTo>
-                  <a:pt x="120000" y="0"/>
-                </a:lnTo>
-                <a:lnTo>
-                  <a:pt x="120000" y="120000"/>
-                </a:lnTo>
-                <a:lnTo>
-                  <a:pt x="0" y="120000"/>
-                </a:lnTo>
-                <a:close/>
-              </a:path>
-            </a:pathLst>
-          </a:custGeom>
-          <a:noFill/>
-          <a:ln w="9525" cap="flat" cmpd="sng">
-            <a:solidFill>
-              <a:srgbClr val="000000"/>
-            </a:solidFill>
-            <a:prstDash val="solid"/>
-            <a:round/>
-            <a:headEnd type="none" w="med" len="med"/>
-            <a:tailEnd type="none" w="med" len="med"/>
-          </a:ln>
-        </p:spPr>
-      </p:sp>
-      <p:sp>
-        <p:nvSpPr>
-          <p:cNvPr id="228" name="Shape 228"/>
-          <p:cNvSpPr txBox="1">
-            <a:spLocks noGrp="1"/>
-          </p:cNvSpPr>
-          <p:nvPr>
-            <p:ph type="body" idx="1"/>
-          </p:nvPr>
-        </p:nvSpPr>
-        <p:spPr>
-          <a:xfrm>
-            <a:off x="685800" y="4343400"/>
-            <a:ext cx="5486399" cy="4114800"/>
-          </a:xfrm>
-          <a:prstGeom prst="rect">
-            <a:avLst/>
-          </a:prstGeom>
-        </p:spPr>
-        <p:txBody>
-          <a:bodyPr lIns="91425" tIns="91425" rIns="91425" bIns="91425" anchor="t" anchorCtr="0">
-            <a:noAutofit/>
-          </a:bodyPr>
-          <a:lstStyle/>
-          <a:p>
-            <a:pPr>
-              <a:spcBef>
-                <a:spcPts val="0"/>
-              </a:spcBef>
-              <a:buNone/>
-            </a:pPr>
-            <a:endParaRPr/>
-          </a:p>
-        </p:txBody>
-      </p:sp>
-    </p:spTree>
-    <p:extLst>
-      <p:ext uri="{BB962C8B-B14F-4D97-AF65-F5344CB8AC3E}">
-        <p14:creationId xmlns:p14="http://schemas.microsoft.com/office/powerpoint/2010/main" val="3640908979"/>
-      </p:ext>
-    </p:extLst>
-  </p:cSld>
-  <p:clrMapOvr>
-    <a:masterClrMapping/>
-  </p:clrMapOvr>
-</p:notes>
-</file>
-
-<file path=ppt/notesSlides/notesSlide14.xml><?xml version="1.0" encoding="utf-8"?>
 <p:notes xmlns:a="http://schemas.openxmlformats.org/drawingml/2006/main" xmlns:r="http://schemas.openxmlformats.org/officeDocument/2006/relationships" xmlns:p="http://schemas.openxmlformats.org/presentationml/2006/main" showMasterSp="0" showMasterPhAnim="0">
   <p:cSld>
     <p:spTree>
@@ -1204,7 +970,7 @@
 </p:notes>
 </file>
 
-<file path=ppt/notesSlides/notesSlide15.xml><?xml version="1.0" encoding="utf-8"?>
+<file path=ppt/notesSlides/notesSlide13.xml><?xml version="1.0" encoding="utf-8"?>
 <p:notes xmlns:a="http://schemas.openxmlformats.org/drawingml/2006/main" xmlns:r="http://schemas.openxmlformats.org/officeDocument/2006/relationships" xmlns:p="http://schemas.openxmlformats.org/presentationml/2006/main" showMasterSp="0" showMasterPhAnim="0">
   <p:cSld>
     <p:spTree>
@@ -1673,122 +1439,6 @@
   <p:cSld>
     <p:spTree>
       <p:nvGrpSpPr>
-        <p:cNvPr id="1" name="Shape 161"/>
-        <p:cNvGrpSpPr/>
-        <p:nvPr/>
-      </p:nvGrpSpPr>
-      <p:grpSpPr>
-        <a:xfrm>
-          <a:off x="0" y="0"/>
-          <a:ext cx="0" cy="0"/>
-          <a:chOff x="0" y="0"/>
-          <a:chExt cx="0" cy="0"/>
-        </a:xfrm>
-      </p:grpSpPr>
-      <p:sp>
-        <p:nvSpPr>
-          <p:cNvPr id="162" name="Shape 162"/>
-          <p:cNvSpPr>
-            <a:spLocks noGrp="1" noRot="1" noChangeAspect="1"/>
-          </p:cNvSpPr>
-          <p:nvPr>
-            <p:ph type="sldImg" idx="2"/>
-          </p:nvPr>
-        </p:nvSpPr>
-        <p:spPr>
-          <a:xfrm>
-            <a:off x="1143000" y="685800"/>
-            <a:ext cx="4572000" cy="3429000"/>
-          </a:xfrm>
-          <a:custGeom>
-            <a:avLst/>
-            <a:gdLst/>
-            <a:ahLst/>
-            <a:cxnLst/>
-            <a:rect l="0" t="0" r="0" b="0"/>
-            <a:pathLst>
-              <a:path w="120000" h="120000" extrusionOk="0">
-                <a:moveTo>
-                  <a:pt x="0" y="0"/>
-                </a:moveTo>
-                <a:lnTo>
-                  <a:pt x="120000" y="0"/>
-                </a:lnTo>
-                <a:lnTo>
-                  <a:pt x="120000" y="120000"/>
-                </a:lnTo>
-                <a:lnTo>
-                  <a:pt x="0" y="120000"/>
-                </a:lnTo>
-                <a:close/>
-              </a:path>
-            </a:pathLst>
-          </a:custGeom>
-          <a:noFill/>
-          <a:ln w="9525" cap="flat" cmpd="sng">
-            <a:solidFill>
-              <a:srgbClr val="000000"/>
-            </a:solidFill>
-            <a:prstDash val="solid"/>
-            <a:round/>
-            <a:headEnd type="none" w="med" len="med"/>
-            <a:tailEnd type="none" w="med" len="med"/>
-          </a:ln>
-        </p:spPr>
-      </p:sp>
-      <p:sp>
-        <p:nvSpPr>
-          <p:cNvPr id="163" name="Shape 163"/>
-          <p:cNvSpPr txBox="1">
-            <a:spLocks noGrp="1"/>
-          </p:cNvSpPr>
-          <p:nvPr>
-            <p:ph type="body" idx="1"/>
-          </p:nvPr>
-        </p:nvSpPr>
-        <p:spPr>
-          <a:xfrm>
-            <a:off x="685800" y="4343400"/>
-            <a:ext cx="5486399" cy="4114800"/>
-          </a:xfrm>
-          <a:prstGeom prst="rect">
-            <a:avLst/>
-          </a:prstGeom>
-        </p:spPr>
-        <p:txBody>
-          <a:bodyPr lIns="91425" tIns="91425" rIns="91425" bIns="91425" anchor="t" anchorCtr="0">
-            <a:noAutofit/>
-          </a:bodyPr>
-          <a:lstStyle/>
-          <a:p>
-            <a:pPr>
-              <a:spcBef>
-                <a:spcPts val="0"/>
-              </a:spcBef>
-              <a:buNone/>
-            </a:pPr>
-            <a:endParaRPr/>
-          </a:p>
-        </p:txBody>
-      </p:sp>
-    </p:spTree>
-    <p:extLst>
-      <p:ext uri="{BB962C8B-B14F-4D97-AF65-F5344CB8AC3E}">
-        <p14:creationId xmlns:p14="http://schemas.microsoft.com/office/powerpoint/2010/main" val="306478678"/>
-      </p:ext>
-    </p:extLst>
-  </p:cSld>
-  <p:clrMapOvr>
-    <a:masterClrMapping/>
-  </p:clrMapOvr>
-</p:notes>
-</file>
-
-<file path=ppt/notesSlides/notesSlide6.xml><?xml version="1.0" encoding="utf-8"?>
-<p:notes xmlns:a="http://schemas.openxmlformats.org/drawingml/2006/main" xmlns:r="http://schemas.openxmlformats.org/officeDocument/2006/relationships" xmlns:p="http://schemas.openxmlformats.org/presentationml/2006/main" showMasterSp="0" showMasterPhAnim="0">
-  <p:cSld>
-    <p:spTree>
-      <p:nvGrpSpPr>
         <p:cNvPr id="1" name="Shape 178"/>
         <p:cNvGrpSpPr/>
         <p:nvPr/>
@@ -1900,7 +1550,239 @@
 </p:notes>
 </file>
 
+<file path=ppt/notesSlides/notesSlide6.xml><?xml version="1.0" encoding="utf-8"?>
+<p:notes xmlns:a="http://schemas.openxmlformats.org/drawingml/2006/main" xmlns:r="http://schemas.openxmlformats.org/officeDocument/2006/relationships" xmlns:p="http://schemas.openxmlformats.org/presentationml/2006/main" showMasterSp="0" showMasterPhAnim="0">
+  <p:cSld>
+    <p:spTree>
+      <p:nvGrpSpPr>
+        <p:cNvPr id="1" name="Shape 178"/>
+        <p:cNvGrpSpPr/>
+        <p:nvPr/>
+      </p:nvGrpSpPr>
+      <p:grpSpPr>
+        <a:xfrm>
+          <a:off x="0" y="0"/>
+          <a:ext cx="0" cy="0"/>
+          <a:chOff x="0" y="0"/>
+          <a:chExt cx="0" cy="0"/>
+        </a:xfrm>
+      </p:grpSpPr>
+      <p:sp>
+        <p:nvSpPr>
+          <p:cNvPr id="179" name="Shape 179"/>
+          <p:cNvSpPr>
+            <a:spLocks noGrp="1" noRot="1" noChangeAspect="1"/>
+          </p:cNvSpPr>
+          <p:nvPr>
+            <p:ph type="sldImg" idx="2"/>
+          </p:nvPr>
+        </p:nvSpPr>
+        <p:spPr>
+          <a:xfrm>
+            <a:off x="1143000" y="685800"/>
+            <a:ext cx="4572000" cy="3429000"/>
+          </a:xfrm>
+          <a:custGeom>
+            <a:avLst/>
+            <a:gdLst/>
+            <a:ahLst/>
+            <a:cxnLst/>
+            <a:rect l="0" t="0" r="0" b="0"/>
+            <a:pathLst>
+              <a:path w="120000" h="120000" extrusionOk="0">
+                <a:moveTo>
+                  <a:pt x="0" y="0"/>
+                </a:moveTo>
+                <a:lnTo>
+                  <a:pt x="120000" y="0"/>
+                </a:lnTo>
+                <a:lnTo>
+                  <a:pt x="120000" y="120000"/>
+                </a:lnTo>
+                <a:lnTo>
+                  <a:pt x="0" y="120000"/>
+                </a:lnTo>
+                <a:close/>
+              </a:path>
+            </a:pathLst>
+          </a:custGeom>
+          <a:noFill/>
+          <a:ln w="9525" cap="flat" cmpd="sng">
+            <a:solidFill>
+              <a:srgbClr val="000000"/>
+            </a:solidFill>
+            <a:prstDash val="solid"/>
+            <a:round/>
+            <a:headEnd type="none" w="med" len="med"/>
+            <a:tailEnd type="none" w="med" len="med"/>
+          </a:ln>
+        </p:spPr>
+      </p:sp>
+      <p:sp>
+        <p:nvSpPr>
+          <p:cNvPr id="180" name="Shape 180"/>
+          <p:cNvSpPr txBox="1">
+            <a:spLocks noGrp="1"/>
+          </p:cNvSpPr>
+          <p:nvPr>
+            <p:ph type="body" idx="1"/>
+          </p:nvPr>
+        </p:nvSpPr>
+        <p:spPr>
+          <a:xfrm>
+            <a:off x="685800" y="4343400"/>
+            <a:ext cx="5486399" cy="4114800"/>
+          </a:xfrm>
+          <a:prstGeom prst="rect">
+            <a:avLst/>
+          </a:prstGeom>
+        </p:spPr>
+        <p:txBody>
+          <a:bodyPr lIns="91425" tIns="91425" rIns="91425" bIns="91425" anchor="t" anchorCtr="0">
+            <a:noAutofit/>
+          </a:bodyPr>
+          <a:lstStyle/>
+          <a:p>
+            <a:pPr>
+              <a:spcBef>
+                <a:spcPts val="0"/>
+              </a:spcBef>
+              <a:buNone/>
+            </a:pPr>
+            <a:endParaRPr/>
+          </a:p>
+        </p:txBody>
+      </p:sp>
+    </p:spTree>
+    <p:extLst>
+      <p:ext uri="{BB962C8B-B14F-4D97-AF65-F5344CB8AC3E}">
+        <p14:creationId xmlns:p14="http://schemas.microsoft.com/office/powerpoint/2010/main" val="2351939799"/>
+      </p:ext>
+    </p:extLst>
+  </p:cSld>
+  <p:clrMapOvr>
+    <a:masterClrMapping/>
+  </p:clrMapOvr>
+</p:notes>
+</file>
+
 <file path=ppt/notesSlides/notesSlide7.xml><?xml version="1.0" encoding="utf-8"?>
+<p:notes xmlns:a="http://schemas.openxmlformats.org/drawingml/2006/main" xmlns:r="http://schemas.openxmlformats.org/officeDocument/2006/relationships" xmlns:p="http://schemas.openxmlformats.org/presentationml/2006/main" showMasterSp="0" showMasterPhAnim="0">
+  <p:cSld>
+    <p:spTree>
+      <p:nvGrpSpPr>
+        <p:cNvPr id="1" name="Shape 178"/>
+        <p:cNvGrpSpPr/>
+        <p:nvPr/>
+      </p:nvGrpSpPr>
+      <p:grpSpPr>
+        <a:xfrm>
+          <a:off x="0" y="0"/>
+          <a:ext cx="0" cy="0"/>
+          <a:chOff x="0" y="0"/>
+          <a:chExt cx="0" cy="0"/>
+        </a:xfrm>
+      </p:grpSpPr>
+      <p:sp>
+        <p:nvSpPr>
+          <p:cNvPr id="179" name="Shape 179"/>
+          <p:cNvSpPr>
+            <a:spLocks noGrp="1" noRot="1" noChangeAspect="1"/>
+          </p:cNvSpPr>
+          <p:nvPr>
+            <p:ph type="sldImg" idx="2"/>
+          </p:nvPr>
+        </p:nvSpPr>
+        <p:spPr>
+          <a:xfrm>
+            <a:off x="1143000" y="685800"/>
+            <a:ext cx="4572000" cy="3429000"/>
+          </a:xfrm>
+          <a:custGeom>
+            <a:avLst/>
+            <a:gdLst/>
+            <a:ahLst/>
+            <a:cxnLst/>
+            <a:rect l="0" t="0" r="0" b="0"/>
+            <a:pathLst>
+              <a:path w="120000" h="120000" extrusionOk="0">
+                <a:moveTo>
+                  <a:pt x="0" y="0"/>
+                </a:moveTo>
+                <a:lnTo>
+                  <a:pt x="120000" y="0"/>
+                </a:lnTo>
+                <a:lnTo>
+                  <a:pt x="120000" y="120000"/>
+                </a:lnTo>
+                <a:lnTo>
+                  <a:pt x="0" y="120000"/>
+                </a:lnTo>
+                <a:close/>
+              </a:path>
+            </a:pathLst>
+          </a:custGeom>
+          <a:noFill/>
+          <a:ln w="9525" cap="flat" cmpd="sng">
+            <a:solidFill>
+              <a:srgbClr val="000000"/>
+            </a:solidFill>
+            <a:prstDash val="solid"/>
+            <a:round/>
+            <a:headEnd type="none" w="med" len="med"/>
+            <a:tailEnd type="none" w="med" len="med"/>
+          </a:ln>
+        </p:spPr>
+      </p:sp>
+      <p:sp>
+        <p:nvSpPr>
+          <p:cNvPr id="180" name="Shape 180"/>
+          <p:cNvSpPr txBox="1">
+            <a:spLocks noGrp="1"/>
+          </p:cNvSpPr>
+          <p:nvPr>
+            <p:ph type="body" idx="1"/>
+          </p:nvPr>
+        </p:nvSpPr>
+        <p:spPr>
+          <a:xfrm>
+            <a:off x="685800" y="4343400"/>
+            <a:ext cx="5486399" cy="4114800"/>
+          </a:xfrm>
+          <a:prstGeom prst="rect">
+            <a:avLst/>
+          </a:prstGeom>
+        </p:spPr>
+        <p:txBody>
+          <a:bodyPr lIns="91425" tIns="91425" rIns="91425" bIns="91425" anchor="t" anchorCtr="0">
+            <a:noAutofit/>
+          </a:bodyPr>
+          <a:lstStyle/>
+          <a:p>
+            <a:pPr>
+              <a:spcBef>
+                <a:spcPts val="0"/>
+              </a:spcBef>
+              <a:buNone/>
+            </a:pPr>
+            <a:endParaRPr/>
+          </a:p>
+        </p:txBody>
+      </p:sp>
+    </p:spTree>
+    <p:extLst>
+      <p:ext uri="{BB962C8B-B14F-4D97-AF65-F5344CB8AC3E}">
+        <p14:creationId xmlns:p14="http://schemas.microsoft.com/office/powerpoint/2010/main" val="2885109427"/>
+      </p:ext>
+    </p:extLst>
+  </p:cSld>
+  <p:clrMapOvr>
+    <a:masterClrMapping/>
+  </p:clrMapOvr>
+</p:notes>
+</file>
+
+<file path=ppt/notesSlides/notesSlide8.xml><?xml version="1.0" encoding="utf-8"?>
 <p:notes xmlns:a="http://schemas.openxmlformats.org/drawingml/2006/main" xmlns:r="http://schemas.openxmlformats.org/officeDocument/2006/relationships" xmlns:p="http://schemas.openxmlformats.org/presentationml/2006/main" showMasterSp="0" showMasterPhAnim="0">
   <p:cSld>
     <p:spTree>
@@ -2016,7 +1898,7 @@
 </p:notes>
 </file>
 
-<file path=ppt/notesSlides/notesSlide8.xml><?xml version="1.0" encoding="utf-8"?>
+<file path=ppt/notesSlides/notesSlide9.xml><?xml version="1.0" encoding="utf-8"?>
 <p:notes xmlns:a="http://schemas.openxmlformats.org/drawingml/2006/main" xmlns:r="http://schemas.openxmlformats.org/officeDocument/2006/relationships" xmlns:p="http://schemas.openxmlformats.org/presentationml/2006/main" showMasterSp="0" showMasterPhAnim="0">
   <p:cSld>
     <p:spTree>
@@ -2123,122 +2005,6 @@
     <p:extLst>
       <p:ext uri="{BB962C8B-B14F-4D97-AF65-F5344CB8AC3E}">
         <p14:creationId xmlns:p14="http://schemas.microsoft.com/office/powerpoint/2010/main" val="146940413"/>
-      </p:ext>
-    </p:extLst>
-  </p:cSld>
-  <p:clrMapOvr>
-    <a:masterClrMapping/>
-  </p:clrMapOvr>
-</p:notes>
-</file>
-
-<file path=ppt/notesSlides/notesSlide9.xml><?xml version="1.0" encoding="utf-8"?>
-<p:notes xmlns:a="http://schemas.openxmlformats.org/drawingml/2006/main" xmlns:r="http://schemas.openxmlformats.org/officeDocument/2006/relationships" xmlns:p="http://schemas.openxmlformats.org/presentationml/2006/main" showMasterSp="0" showMasterPhAnim="0">
-  <p:cSld>
-    <p:spTree>
-      <p:nvGrpSpPr>
-        <p:cNvPr id="1" name="Shape 101"/>
-        <p:cNvGrpSpPr/>
-        <p:nvPr/>
-      </p:nvGrpSpPr>
-      <p:grpSpPr>
-        <a:xfrm>
-          <a:off x="0" y="0"/>
-          <a:ext cx="0" cy="0"/>
-          <a:chOff x="0" y="0"/>
-          <a:chExt cx="0" cy="0"/>
-        </a:xfrm>
-      </p:grpSpPr>
-      <p:sp>
-        <p:nvSpPr>
-          <p:cNvPr id="102" name="Shape 102"/>
-          <p:cNvSpPr>
-            <a:spLocks noGrp="1" noRot="1" noChangeAspect="1"/>
-          </p:cNvSpPr>
-          <p:nvPr>
-            <p:ph type="sldImg" idx="2"/>
-          </p:nvPr>
-        </p:nvSpPr>
-        <p:spPr>
-          <a:xfrm>
-            <a:off x="1143000" y="685800"/>
-            <a:ext cx="4572000" cy="3429000"/>
-          </a:xfrm>
-          <a:custGeom>
-            <a:avLst/>
-            <a:gdLst/>
-            <a:ahLst/>
-            <a:cxnLst/>
-            <a:rect l="0" t="0" r="0" b="0"/>
-            <a:pathLst>
-              <a:path w="120000" h="120000" extrusionOk="0">
-                <a:moveTo>
-                  <a:pt x="0" y="0"/>
-                </a:moveTo>
-                <a:lnTo>
-                  <a:pt x="120000" y="0"/>
-                </a:lnTo>
-                <a:lnTo>
-                  <a:pt x="120000" y="120000"/>
-                </a:lnTo>
-                <a:lnTo>
-                  <a:pt x="0" y="120000"/>
-                </a:lnTo>
-                <a:close/>
-              </a:path>
-            </a:pathLst>
-          </a:custGeom>
-          <a:noFill/>
-          <a:ln w="9525" cap="flat" cmpd="sng">
-            <a:solidFill>
-              <a:srgbClr val="000000"/>
-            </a:solidFill>
-            <a:prstDash val="solid"/>
-            <a:round/>
-            <a:headEnd type="none" w="med" len="med"/>
-            <a:tailEnd type="none" w="med" len="med"/>
-          </a:ln>
-        </p:spPr>
-      </p:sp>
-      <p:sp>
-        <p:nvSpPr>
-          <p:cNvPr id="103" name="Shape 103"/>
-          <p:cNvSpPr txBox="1">
-            <a:spLocks noGrp="1"/>
-          </p:cNvSpPr>
-          <p:nvPr>
-            <p:ph type="body" idx="1"/>
-          </p:nvPr>
-        </p:nvSpPr>
-        <p:spPr>
-          <a:xfrm>
-            <a:off x="685800" y="4343400"/>
-            <a:ext cx="5486399" cy="4114800"/>
-          </a:xfrm>
-          <a:prstGeom prst="rect">
-            <a:avLst/>
-          </a:prstGeom>
-        </p:spPr>
-        <p:txBody>
-          <a:bodyPr lIns="91425" tIns="91425" rIns="91425" bIns="91425" anchor="t" anchorCtr="0">
-            <a:noAutofit/>
-          </a:bodyPr>
-          <a:lstStyle/>
-          <a:p>
-            <a:pPr>
-              <a:spcBef>
-                <a:spcPts val="0"/>
-              </a:spcBef>
-              <a:buNone/>
-            </a:pPr>
-            <a:endParaRPr/>
-          </a:p>
-        </p:txBody>
-      </p:sp>
-    </p:spTree>
-    <p:extLst>
-      <p:ext uri="{BB962C8B-B14F-4D97-AF65-F5344CB8AC3E}">
-        <p14:creationId xmlns:p14="http://schemas.microsoft.com/office/powerpoint/2010/main" val="1419160547"/>
       </p:ext>
     </p:extLst>
   </p:cSld>
@@ -6890,10 +6656,521 @@
   <p:transition spd="slow">
     <p:cut/>
   </p:transition>
+  <p:timing>
+    <p:tnLst>
+      <p:par>
+        <p:cTn id="1" dur="indefinite" restart="never" nodeType="tmRoot"/>
+      </p:par>
+    </p:tnLst>
+  </p:timing>
 </p:sld>
 </file>
 
 <file path=ppt/slides/slide10.xml><?xml version="1.0" encoding="utf-8"?>
+<p:sld xmlns:a="http://schemas.openxmlformats.org/drawingml/2006/main" xmlns:r="http://schemas.openxmlformats.org/officeDocument/2006/relationships" xmlns:p="http://schemas.openxmlformats.org/presentationml/2006/main">
+  <p:cSld>
+    <p:spTree>
+      <p:nvGrpSpPr>
+        <p:cNvPr id="1" name="Shape 164"/>
+        <p:cNvGrpSpPr/>
+        <p:nvPr/>
+      </p:nvGrpSpPr>
+      <p:grpSpPr>
+        <a:xfrm>
+          <a:off x="0" y="0"/>
+          <a:ext cx="0" cy="0"/>
+          <a:chOff x="0" y="0"/>
+          <a:chExt cx="0" cy="0"/>
+        </a:xfrm>
+      </p:grpSpPr>
+      <p:sp>
+        <p:nvSpPr>
+          <p:cNvPr id="165" name="Shape 165"/>
+          <p:cNvSpPr txBox="1">
+            <a:spLocks noGrp="1"/>
+          </p:cNvSpPr>
+          <p:nvPr>
+            <p:ph type="title"/>
+          </p:nvPr>
+        </p:nvSpPr>
+        <p:spPr>
+          <a:xfrm>
+            <a:off x="457200" y="274637"/>
+            <a:ext cx="8229600" cy="1143000"/>
+          </a:xfrm>
+          <a:prstGeom prst="rect">
+            <a:avLst/>
+          </a:prstGeom>
+        </p:spPr>
+        <p:txBody>
+          <a:bodyPr lIns="91425" tIns="91425" rIns="91425" bIns="91425" anchor="b" anchorCtr="0">
+            <a:noAutofit/>
+          </a:bodyPr>
+          <a:lstStyle/>
+          <a:p>
+            <a:pPr>
+              <a:spcBef>
+                <a:spcPts val="0"/>
+              </a:spcBef>
+              <a:buNone/>
+            </a:pPr>
+            <a:r>
+              <a:rPr lang="ru"/>
+              <a:t>Web-сайт “Coordinate”</a:t>
+            </a:r>
+          </a:p>
+        </p:txBody>
+      </p:sp>
+      <p:sp>
+        <p:nvSpPr>
+          <p:cNvPr id="166" name="Shape 166"/>
+          <p:cNvSpPr txBox="1">
+            <a:spLocks noGrp="1"/>
+          </p:cNvSpPr>
+          <p:nvPr>
+            <p:ph type="body" idx="1"/>
+          </p:nvPr>
+        </p:nvSpPr>
+        <p:spPr>
+          <a:xfrm>
+            <a:off x="457200" y="1530925"/>
+            <a:ext cx="3534600" cy="1465200"/>
+          </a:xfrm>
+          <a:prstGeom prst="rect">
+            <a:avLst/>
+          </a:prstGeom>
+        </p:spPr>
+        <p:txBody>
+          <a:bodyPr lIns="91425" tIns="91425" rIns="91425" bIns="91425" anchor="t" anchorCtr="0">
+            <a:noAutofit/>
+          </a:bodyPr>
+          <a:lstStyle/>
+          <a:p>
+            <a:pPr marL="457200" lvl="0" indent="-342900" rtl="0">
+              <a:spcBef>
+                <a:spcPts val="0"/>
+              </a:spcBef>
+              <a:buClr>
+                <a:srgbClr val="CAD3E4"/>
+              </a:buClr>
+              <a:buSzPct val="100000"/>
+              <a:buFont typeface="Arial"/>
+              <a:buChar char="●"/>
+            </a:pPr>
+            <a:r>
+              <a:rPr lang="ru" sz="1800">
+                <a:solidFill>
+                  <a:srgbClr val="CAD3E4"/>
+                </a:solidFill>
+              </a:rPr>
+              <a:t>Адаптивная верстка</a:t>
+            </a:r>
+          </a:p>
+          <a:p>
+            <a:pPr marL="457200" lvl="0" indent="-342900" rtl="0">
+              <a:spcBef>
+                <a:spcPts val="0"/>
+              </a:spcBef>
+              <a:buClr>
+                <a:srgbClr val="CAD3E4"/>
+              </a:buClr>
+              <a:buSzPct val="100000"/>
+              <a:buFont typeface="Arial"/>
+              <a:buChar char="●"/>
+            </a:pPr>
+            <a:r>
+              <a:rPr lang="ru" sz="1800">
+                <a:solidFill>
+                  <a:srgbClr val="CAD3E4"/>
+                </a:solidFill>
+              </a:rPr>
+              <a:t>Простота интерфейса</a:t>
+            </a:r>
+          </a:p>
+          <a:p>
+            <a:pPr marL="457200" lvl="0" indent="-342900" rtl="0">
+              <a:spcBef>
+                <a:spcPts val="0"/>
+              </a:spcBef>
+              <a:buClr>
+                <a:srgbClr val="CAD3E4"/>
+              </a:buClr>
+              <a:buSzPct val="100000"/>
+              <a:buFont typeface="Arial"/>
+              <a:buChar char="●"/>
+            </a:pPr>
+            <a:r>
+              <a:rPr lang="ru" sz="1800">
+                <a:solidFill>
+                  <a:srgbClr val="CAD3E4"/>
+                </a:solidFill>
+              </a:rPr>
+              <a:t>Локализация </a:t>
+            </a:r>
+          </a:p>
+          <a:p>
+            <a:pPr marL="457200" lvl="0" indent="-342900" rtl="0">
+              <a:spcBef>
+                <a:spcPts val="0"/>
+              </a:spcBef>
+              <a:buClr>
+                <a:srgbClr val="CAD3E4"/>
+              </a:buClr>
+              <a:buSzPct val="100000"/>
+              <a:buFont typeface="Arial"/>
+              <a:buChar char="●"/>
+            </a:pPr>
+            <a:r>
+              <a:rPr lang="ru" sz="1800">
+                <a:solidFill>
+                  <a:srgbClr val="CAD3E4"/>
+                </a:solidFill>
+              </a:rPr>
+              <a:t>Подробный FAQ</a:t>
+            </a:r>
+          </a:p>
+          <a:p>
+            <a:pPr lvl="0">
+              <a:spcBef>
+                <a:spcPts val="0"/>
+              </a:spcBef>
+              <a:buNone/>
+            </a:pPr>
+            <a:endParaRPr sz="1800">
+              <a:solidFill>
+                <a:srgbClr val="CAD3E4"/>
+              </a:solidFill>
+            </a:endParaRPr>
+          </a:p>
+        </p:txBody>
+      </p:sp>
+      <p:sp>
+        <p:nvSpPr>
+          <p:cNvPr id="167" name="Shape 167"/>
+          <p:cNvSpPr txBox="1"/>
+          <p:nvPr/>
+        </p:nvSpPr>
+        <p:spPr>
+          <a:xfrm>
+            <a:off x="457200" y="2996125"/>
+            <a:ext cx="3534600" cy="1368000"/>
+          </a:xfrm>
+          <a:prstGeom prst="rect">
+            <a:avLst/>
+          </a:prstGeom>
+          <a:noFill/>
+          <a:ln>
+            <a:noFill/>
+          </a:ln>
+        </p:spPr>
+        <p:txBody>
+          <a:bodyPr lIns="91425" tIns="91425" rIns="91425" bIns="91425" anchor="t" anchorCtr="0">
+            <a:noAutofit/>
+          </a:bodyPr>
+          <a:lstStyle/>
+          <a:p>
+            <a:pPr marL="457200" lvl="0" indent="-342900" rtl="0">
+              <a:spcBef>
+                <a:spcPts val="600"/>
+              </a:spcBef>
+              <a:buClr>
+                <a:srgbClr val="CAD3E4"/>
+              </a:buClr>
+              <a:buSzPct val="100000"/>
+              <a:buFont typeface="Arial"/>
+              <a:buChar char="●"/>
+            </a:pPr>
+            <a:r>
+              <a:rPr lang="ru" sz="1800">
+                <a:solidFill>
+                  <a:srgbClr val="CAD3E4"/>
+                </a:solidFill>
+                <a:latin typeface="Trebuchet MS"/>
+                <a:ea typeface="Trebuchet MS"/>
+                <a:cs typeface="Trebuchet MS"/>
+                <a:sym typeface="Trebuchet MS"/>
+              </a:rPr>
+              <a:t>Управление автомобилями</a:t>
+            </a:r>
+          </a:p>
+          <a:p>
+            <a:pPr marL="457200" lvl="0" indent="-342900" rtl="0">
+              <a:spcBef>
+                <a:spcPts val="600"/>
+              </a:spcBef>
+              <a:buClr>
+                <a:srgbClr val="CAD3E4"/>
+              </a:buClr>
+              <a:buSzPct val="100000"/>
+              <a:buFont typeface="Arial"/>
+              <a:buChar char="●"/>
+            </a:pPr>
+            <a:r>
+              <a:rPr lang="ru" sz="1800">
+                <a:solidFill>
+                  <a:srgbClr val="CAD3E4"/>
+                </a:solidFill>
+                <a:latin typeface="Trebuchet MS"/>
+                <a:ea typeface="Trebuchet MS"/>
+                <a:cs typeface="Trebuchet MS"/>
+                <a:sym typeface="Trebuchet MS"/>
+              </a:rPr>
+              <a:t>Интерактивная карта</a:t>
+            </a:r>
+          </a:p>
+          <a:p>
+            <a:pPr marL="457200" lvl="0" indent="-342900" rtl="0">
+              <a:spcBef>
+                <a:spcPts val="600"/>
+              </a:spcBef>
+              <a:buClr>
+                <a:srgbClr val="CAD3E4"/>
+              </a:buClr>
+              <a:buSzPct val="100000"/>
+              <a:buFont typeface="Arial"/>
+              <a:buChar char="●"/>
+            </a:pPr>
+            <a:r>
+              <a:rPr lang="ru" sz="1800">
+                <a:solidFill>
+                  <a:srgbClr val="CAD3E4"/>
+                </a:solidFill>
+                <a:latin typeface="Trebuchet MS"/>
+                <a:ea typeface="Trebuchet MS"/>
+                <a:cs typeface="Trebuchet MS"/>
+                <a:sym typeface="Trebuchet MS"/>
+              </a:rPr>
+              <a:t>Статистические данные</a:t>
+            </a:r>
+          </a:p>
+          <a:p>
+            <a:pPr marL="457200" lvl="0" indent="-342900" rtl="0">
+              <a:spcBef>
+                <a:spcPts val="600"/>
+              </a:spcBef>
+              <a:buClr>
+                <a:srgbClr val="CAD3E4"/>
+              </a:buClr>
+              <a:buSzPct val="100000"/>
+              <a:buFont typeface="Arial"/>
+              <a:buChar char="●"/>
+            </a:pPr>
+            <a:r>
+              <a:rPr lang="ru" sz="1800">
+                <a:solidFill>
+                  <a:srgbClr val="CAD3E4"/>
+                </a:solidFill>
+                <a:latin typeface="Trebuchet MS"/>
+                <a:ea typeface="Trebuchet MS"/>
+                <a:cs typeface="Trebuchet MS"/>
+                <a:sym typeface="Trebuchet MS"/>
+              </a:rPr>
+              <a:t>Графики и диаграммы</a:t>
+            </a:r>
+          </a:p>
+        </p:txBody>
+      </p:sp>
+      <p:sp>
+        <p:nvSpPr>
+          <p:cNvPr id="168" name="Shape 168"/>
+          <p:cNvSpPr txBox="1"/>
+          <p:nvPr/>
+        </p:nvSpPr>
+        <p:spPr>
+          <a:xfrm>
+            <a:off x="389650" y="4563325"/>
+            <a:ext cx="3534600" cy="1593299"/>
+          </a:xfrm>
+          <a:prstGeom prst="rect">
+            <a:avLst/>
+          </a:prstGeom>
+          <a:noFill/>
+          <a:ln>
+            <a:noFill/>
+          </a:ln>
+        </p:spPr>
+        <p:txBody>
+          <a:bodyPr lIns="91425" tIns="91425" rIns="91425" bIns="91425" anchor="t" anchorCtr="0">
+            <a:noAutofit/>
+          </a:bodyPr>
+          <a:lstStyle/>
+          <a:p>
+            <a:pPr marL="457200" lvl="0" indent="-342900" rtl="0">
+              <a:spcBef>
+                <a:spcPts val="600"/>
+              </a:spcBef>
+              <a:buClr>
+                <a:srgbClr val="CAD3E4"/>
+              </a:buClr>
+              <a:buSzPct val="100000"/>
+              <a:buFont typeface="Arial"/>
+              <a:buChar char="●"/>
+            </a:pPr>
+            <a:r>
+              <a:rPr lang="ru" sz="1800">
+                <a:solidFill>
+                  <a:srgbClr val="CAD3E4"/>
+                </a:solidFill>
+                <a:latin typeface="Trebuchet MS"/>
+                <a:ea typeface="Trebuchet MS"/>
+                <a:cs typeface="Trebuchet MS"/>
+                <a:sym typeface="Trebuchet MS"/>
+              </a:rPr>
+              <a:t>Защита от автоматической регистрации</a:t>
+            </a:r>
+          </a:p>
+          <a:p>
+            <a:pPr marL="457200" lvl="0" indent="-342900" rtl="0">
+              <a:spcBef>
+                <a:spcPts val="600"/>
+              </a:spcBef>
+              <a:buClr>
+                <a:srgbClr val="CAD3E4"/>
+              </a:buClr>
+              <a:buSzPct val="100000"/>
+              <a:buFont typeface="Arial"/>
+              <a:buChar char="●"/>
+            </a:pPr>
+            <a:r>
+              <a:rPr lang="ru" sz="1800">
+                <a:solidFill>
+                  <a:srgbClr val="CAD3E4"/>
+                </a:solidFill>
+                <a:latin typeface="Trebuchet MS"/>
+                <a:ea typeface="Trebuchet MS"/>
+                <a:cs typeface="Trebuchet MS"/>
+                <a:sym typeface="Trebuchet MS"/>
+              </a:rPr>
+              <a:t>Защита  от CSRF</a:t>
+            </a:r>
+          </a:p>
+          <a:p>
+            <a:pPr marL="457200" lvl="0" indent="-342900" rtl="0">
+              <a:spcBef>
+                <a:spcPts val="600"/>
+              </a:spcBef>
+              <a:buClr>
+                <a:srgbClr val="CAD3E4"/>
+              </a:buClr>
+              <a:buSzPct val="100000"/>
+              <a:buFont typeface="Arial"/>
+              <a:buChar char="●"/>
+            </a:pPr>
+            <a:r>
+              <a:rPr lang="ru" sz="1800">
+                <a:solidFill>
+                  <a:srgbClr val="CAD3E4"/>
+                </a:solidFill>
+                <a:latin typeface="Trebuchet MS"/>
+                <a:ea typeface="Trebuchet MS"/>
+                <a:cs typeface="Trebuchet MS"/>
+                <a:sym typeface="Trebuchet MS"/>
+              </a:rPr>
+              <a:t>e-mail оповещение</a:t>
+            </a:r>
+          </a:p>
+          <a:p>
+            <a:pPr marL="457200" lvl="0" indent="-342900" rtl="0">
+              <a:spcBef>
+                <a:spcPts val="600"/>
+              </a:spcBef>
+              <a:buClr>
+                <a:srgbClr val="CAD3E4"/>
+              </a:buClr>
+              <a:buSzPct val="100000"/>
+              <a:buFont typeface="Arial"/>
+              <a:buChar char="●"/>
+            </a:pPr>
+            <a:r>
+              <a:rPr lang="ru" sz="1800">
+                <a:solidFill>
+                  <a:srgbClr val="CAD3E4"/>
+                </a:solidFill>
+                <a:latin typeface="Trebuchet MS"/>
+                <a:ea typeface="Trebuchet MS"/>
+                <a:cs typeface="Trebuchet MS"/>
+                <a:sym typeface="Trebuchet MS"/>
+              </a:rPr>
+              <a:t>Административная зона</a:t>
+            </a:r>
+          </a:p>
+        </p:txBody>
+      </p:sp>
+      <p:pic>
+        <p:nvPicPr>
+          <p:cNvPr id="169" name="Shape 169"/>
+          <p:cNvPicPr preferRelativeResize="0"/>
+          <p:nvPr/>
+        </p:nvPicPr>
+        <p:blipFill>
+          <a:blip r:embed="rId3">
+            <a:alphaModFix/>
+          </a:blip>
+          <a:stretch>
+            <a:fillRect/>
+          </a:stretch>
+        </p:blipFill>
+        <p:spPr>
+          <a:xfrm>
+            <a:off x="6108799" y="1530935"/>
+            <a:ext cx="2810822" cy="4780628"/>
+          </a:xfrm>
+          <a:prstGeom prst="rect">
+            <a:avLst/>
+          </a:prstGeom>
+          <a:noFill/>
+          <a:ln>
+            <a:noFill/>
+          </a:ln>
+        </p:spPr>
+      </p:pic>
+      <p:pic>
+        <p:nvPicPr>
+          <p:cNvPr id="170" name="Shape 170"/>
+          <p:cNvPicPr preferRelativeResize="0"/>
+          <p:nvPr/>
+        </p:nvPicPr>
+        <p:blipFill>
+          <a:blip r:embed="rId4">
+            <a:alphaModFix/>
+          </a:blip>
+          <a:stretch>
+            <a:fillRect/>
+          </a:stretch>
+        </p:blipFill>
+        <p:spPr>
+          <a:xfrm>
+            <a:off x="6008187" y="251873"/>
+            <a:ext cx="2911449" cy="1188575"/>
+          </a:xfrm>
+          <a:prstGeom prst="rect">
+            <a:avLst/>
+          </a:prstGeom>
+          <a:noFill/>
+          <a:ln>
+            <a:noFill/>
+          </a:ln>
+        </p:spPr>
+      </p:pic>
+    </p:spTree>
+  </p:cSld>
+  <p:clrMapOvr>
+    <a:masterClrMapping/>
+  </p:clrMapOvr>
+  <p:transition spd="slow">
+    <p:cut/>
+  </p:transition>
+  <p:timing>
+    <p:tnLst>
+      <p:par>
+        <p:cTn id="1" dur="indefinite" restart="never" nodeType="tmRoot"/>
+      </p:par>
+    </p:tnLst>
+  </p:timing>
+</p:sld>
+</file>
+
+<file path=ppt/slides/slide11.xml><?xml version="1.0" encoding="utf-8"?>
 <p:sld xmlns:a="http://schemas.openxmlformats.org/drawingml/2006/main" xmlns:r="http://schemas.openxmlformats.org/officeDocument/2006/relationships" xmlns:p="http://schemas.openxmlformats.org/presentationml/2006/main">
   <p:cSld>
     <p:spTree>
@@ -7188,9 +7465,11 @@
               <a:buChar char="●"/>
             </a:pPr>
             <a:r>
-              <a:rPr lang="ru">
+              <a:rPr lang="ru" dirty="0">
                 <a:solidFill>
-                  <a:schemeClr val="lt2"/>
+                  <a:schemeClr val="bg1">
+                    <a:lumMod val="95000"/>
+                  </a:schemeClr>
                 </a:solidFill>
               </a:rPr>
               <a:t>Свободный проект</a:t>
@@ -7209,9 +7488,11 @@
               <a:buChar char="●"/>
             </a:pPr>
             <a:r>
-              <a:rPr lang="ru">
+              <a:rPr lang="ru" dirty="0">
                 <a:solidFill>
-                  <a:schemeClr val="lt2"/>
+                  <a:schemeClr val="bg1">
+                    <a:lumMod val="95000"/>
+                  </a:schemeClr>
                 </a:solidFill>
               </a:rPr>
               <a:t>API: Leaflet</a:t>
@@ -7230,9 +7511,11 @@
               <a:buChar char="●"/>
             </a:pPr>
             <a:r>
-              <a:rPr lang="ru">
+              <a:rPr lang="ru" dirty="0">
                 <a:solidFill>
-                  <a:schemeClr val="lt2"/>
+                  <a:schemeClr val="bg1">
+                    <a:lumMod val="95000"/>
+                  </a:schemeClr>
                 </a:solidFill>
               </a:rPr>
               <a:t>Большое  сообщество</a:t>
@@ -7251,9 +7534,11 @@
               <a:buChar char="●"/>
             </a:pPr>
             <a:r>
-              <a:rPr lang="ru">
+              <a:rPr lang="ru" dirty="0">
                 <a:solidFill>
-                  <a:schemeClr val="lt2"/>
+                  <a:schemeClr val="bg1">
+                    <a:lumMod val="95000"/>
+                  </a:schemeClr>
                 </a:solidFill>
               </a:rPr>
               <a:t>Сравнительно малый функционал</a:t>
@@ -7298,9 +7583,11 @@
               <a:buChar char="●"/>
             </a:pPr>
             <a:r>
-              <a:rPr lang="ru">
+              <a:rPr lang="ru" dirty="0">
                 <a:solidFill>
-                  <a:schemeClr val="lt2"/>
+                  <a:schemeClr val="bg1">
+                    <a:lumMod val="95000"/>
+                  </a:schemeClr>
                 </a:solidFill>
               </a:rPr>
               <a:t>Коммерческий проект</a:t>
@@ -7319,9 +7606,11 @@
               <a:buChar char="●"/>
             </a:pPr>
             <a:r>
-              <a:rPr lang="ru">
+              <a:rPr lang="ru" dirty="0">
                 <a:solidFill>
-                  <a:schemeClr val="lt2"/>
+                  <a:schemeClr val="bg1">
+                    <a:lumMod val="95000"/>
+                  </a:schemeClr>
                 </a:solidFill>
               </a:rPr>
               <a:t>Free for non-comercial use</a:t>
@@ -7340,9 +7629,11 @@
               <a:buChar char="●"/>
             </a:pPr>
             <a:r>
-              <a:rPr lang="ru">
+              <a:rPr lang="ru" dirty="0">
                 <a:solidFill>
-                  <a:schemeClr val="lt2"/>
+                  <a:schemeClr val="bg1">
+                    <a:lumMod val="95000"/>
+                  </a:schemeClr>
                 </a:solidFill>
               </a:rPr>
               <a:t>API: Leaflet</a:t>
@@ -7361,9 +7652,11 @@
               <a:buChar char="●"/>
             </a:pPr>
             <a:r>
-              <a:rPr lang="ru">
+              <a:rPr lang="ru" dirty="0">
                 <a:solidFill>
-                  <a:schemeClr val="lt2"/>
+                  <a:schemeClr val="bg1">
+                    <a:lumMod val="95000"/>
+                  </a:schemeClr>
                 </a:solidFill>
               </a:rPr>
               <a:t>Крупное  сообщество</a:t>
@@ -7382,9 +7675,11 @@
               <a:buChar char="●"/>
             </a:pPr>
             <a:r>
-              <a:rPr lang="ru">
+              <a:rPr lang="ru" dirty="0">
                 <a:solidFill>
-                  <a:schemeClr val="lt2"/>
+                  <a:schemeClr val="bg1">
+                    <a:lumMod val="95000"/>
+                  </a:schemeClr>
                 </a:solidFill>
               </a:rPr>
               <a:t>Качественная документация</a:t>
@@ -7403,9 +7698,11 @@
               <a:buChar char="●"/>
             </a:pPr>
             <a:r>
-              <a:rPr lang="ru">
+              <a:rPr lang="ru" dirty="0">
                 <a:solidFill>
-                  <a:schemeClr val="lt2"/>
+                  <a:schemeClr val="bg1">
+                    <a:lumMod val="95000"/>
+                  </a:schemeClr>
                 </a:solidFill>
               </a:rPr>
               <a:t>Широкий функционал</a:t>
@@ -7424,9 +7721,11 @@
               <a:buChar char="●"/>
             </a:pPr>
             <a:r>
-              <a:rPr lang="ru">
+              <a:rPr lang="ru" dirty="0">
                 <a:solidFill>
-                  <a:schemeClr val="lt2"/>
+                  <a:schemeClr val="bg1">
+                    <a:lumMod val="95000"/>
+                  </a:schemeClr>
                 </a:solidFill>
               </a:rPr>
               <a:t>Простота использования</a:t>
@@ -7471,9 +7770,11 @@
               <a:buChar char="●"/>
             </a:pPr>
             <a:r>
-              <a:rPr lang="ru">
+              <a:rPr lang="ru" dirty="0">
                 <a:solidFill>
-                  <a:schemeClr val="lt2"/>
+                  <a:schemeClr val="bg1">
+                    <a:lumMod val="95000"/>
+                  </a:schemeClr>
                 </a:solidFill>
               </a:rPr>
               <a:t>Коммерческий проект</a:t>
@@ -7492,9 +7793,11 @@
               <a:buChar char="●"/>
             </a:pPr>
             <a:r>
-              <a:rPr lang="ru">
+              <a:rPr lang="ru" dirty="0">
                 <a:solidFill>
-                  <a:schemeClr val="lt2"/>
+                  <a:schemeClr val="bg1">
+                    <a:lumMod val="95000"/>
+                  </a:schemeClr>
                 </a:solidFill>
               </a:rPr>
               <a:t>Free for non-comercial use</a:t>
@@ -7513,9 +7816,11 @@
               <a:buChar char="●"/>
             </a:pPr>
             <a:r>
-              <a:rPr lang="ru">
+              <a:rPr lang="ru" dirty="0">
                 <a:solidFill>
-                  <a:schemeClr val="lt2"/>
+                  <a:schemeClr val="bg1">
+                    <a:lumMod val="95000"/>
+                  </a:schemeClr>
                 </a:solidFill>
               </a:rPr>
               <a:t>API: Google maps API</a:t>
@@ -7534,9 +7839,11 @@
               <a:buChar char="●"/>
             </a:pPr>
             <a:r>
-              <a:rPr lang="ru">
+              <a:rPr lang="ru" dirty="0">
                 <a:solidFill>
-                  <a:schemeClr val="lt2"/>
+                  <a:schemeClr val="bg1">
+                    <a:lumMod val="95000"/>
+                  </a:schemeClr>
                 </a:solidFill>
               </a:rPr>
               <a:t>Качественная документация</a:t>
@@ -7555,9 +7862,11 @@
               <a:buChar char="●"/>
             </a:pPr>
             <a:r>
-              <a:rPr lang="ru">
+              <a:rPr lang="ru" dirty="0">
                 <a:solidFill>
-                  <a:schemeClr val="lt2"/>
+                  <a:schemeClr val="bg1">
+                    <a:lumMod val="95000"/>
+                  </a:schemeClr>
                 </a:solidFill>
               </a:rPr>
               <a:t>Наличие тех. поддержки</a:t>
@@ -7576,9 +7885,11 @@
               <a:buChar char="●"/>
             </a:pPr>
             <a:r>
-              <a:rPr lang="ru">
+              <a:rPr lang="ru" dirty="0">
                 <a:solidFill>
-                  <a:schemeClr val="lt2"/>
+                  <a:schemeClr val="bg1">
+                    <a:lumMod val="95000"/>
+                  </a:schemeClr>
                 </a:solidFill>
               </a:rPr>
               <a:t>Широкий функционал</a:t>
@@ -7597,9 +7908,11 @@
               <a:buChar char="●"/>
             </a:pPr>
             <a:r>
-              <a:rPr lang="ru">
+              <a:rPr lang="ru" dirty="0">
                 <a:solidFill>
-                  <a:schemeClr val="lt2"/>
+                  <a:schemeClr val="bg1">
+                    <a:lumMod val="95000"/>
+                  </a:schemeClr>
                 </a:solidFill>
               </a:rPr>
               <a:t>Ограничения на показы</a:t>
@@ -7615,10 +7928,17 @@
   <p:transition spd="slow">
     <p:cut/>
   </p:transition>
+  <p:timing>
+    <p:tnLst>
+      <p:par>
+        <p:cTn id="1" dur="indefinite" restart="never" nodeType="tmRoot"/>
+      </p:par>
+    </p:tnLst>
+  </p:timing>
 </p:sld>
 </file>
 
-<file path=ppt/slides/slide11.xml><?xml version="1.0" encoding="utf-8"?>
+<file path=ppt/slides/slide12.xml><?xml version="1.0" encoding="utf-8"?>
 <p:sld xmlns:a="http://schemas.openxmlformats.org/drawingml/2006/main" xmlns:r="http://schemas.openxmlformats.org/officeDocument/2006/relationships" xmlns:p="http://schemas.openxmlformats.org/presentationml/2006/main">
   <p:cSld>
     <p:spTree>
@@ -7793,947 +8113,17 @@
   <p:transition spd="slow">
     <p:cut/>
   </p:transition>
-</p:sld>
-</file>
-
-<file path=ppt/slides/slide12.xml><?xml version="1.0" encoding="utf-8"?>
-<p:sld xmlns:a="http://schemas.openxmlformats.org/drawingml/2006/main" xmlns:r="http://schemas.openxmlformats.org/officeDocument/2006/relationships" xmlns:p="http://schemas.openxmlformats.org/presentationml/2006/main">
-  <p:cSld>
-    <p:spTree>
-      <p:nvGrpSpPr>
-        <p:cNvPr id="1" name="Shape 203"/>
-        <p:cNvGrpSpPr/>
-        <p:nvPr/>
-      </p:nvGrpSpPr>
-      <p:grpSpPr>
-        <a:xfrm>
-          <a:off x="0" y="0"/>
-          <a:ext cx="0" cy="0"/>
-          <a:chOff x="0" y="0"/>
-          <a:chExt cx="0" cy="0"/>
-        </a:xfrm>
-      </p:grpSpPr>
-      <p:sp>
-        <p:nvSpPr>
-          <p:cNvPr id="204" name="Shape 204"/>
-          <p:cNvSpPr txBox="1">
-            <a:spLocks noGrp="1"/>
-          </p:cNvSpPr>
-          <p:nvPr>
-            <p:ph type="title"/>
-          </p:nvPr>
-        </p:nvSpPr>
-        <p:spPr>
-          <a:xfrm>
-            <a:off x="457200" y="274637"/>
-            <a:ext cx="8229600" cy="1143000"/>
-          </a:xfrm>
-          <a:prstGeom prst="rect">
-            <a:avLst/>
-          </a:prstGeom>
-        </p:spPr>
-        <p:txBody>
-          <a:bodyPr lIns="91425" tIns="91425" rIns="91425" bIns="91425" anchor="b" anchorCtr="0">
-            <a:noAutofit/>
-          </a:bodyPr>
-          <a:lstStyle/>
-          <a:p>
-            <a:pPr rtl="0">
-              <a:spcBef>
-                <a:spcPts val="0"/>
-              </a:spcBef>
-              <a:buNone/>
-            </a:pPr>
-            <a:r>
-              <a:rPr lang="ru"/>
-              <a:t>Контроль исключений</a:t>
-            </a:r>
-          </a:p>
-          <a:p>
-            <a:pPr>
-              <a:spcBef>
-                <a:spcPts val="0"/>
-              </a:spcBef>
-              <a:buNone/>
-            </a:pPr>
-            <a:r>
-              <a:rPr lang="ru" sz="1200"/>
-              <a:t>Hello, Exception!</a:t>
-            </a:r>
-          </a:p>
-        </p:txBody>
-      </p:sp>
-      <p:sp>
-        <p:nvSpPr>
-          <p:cNvPr id="205" name="Shape 205"/>
-          <p:cNvSpPr txBox="1">
-            <a:spLocks noGrp="1"/>
-          </p:cNvSpPr>
-          <p:nvPr>
-            <p:ph type="body" idx="1"/>
-          </p:nvPr>
-        </p:nvSpPr>
-        <p:spPr>
-          <a:xfrm>
-            <a:off x="457200" y="1600200"/>
-            <a:ext cx="3994500" cy="3144900"/>
-          </a:xfrm>
-          <a:prstGeom prst="rect">
-            <a:avLst/>
-          </a:prstGeom>
-        </p:spPr>
-        <p:txBody>
-          <a:bodyPr lIns="91425" tIns="91425" rIns="91425" bIns="91425" anchor="t" anchorCtr="0">
-            <a:noAutofit/>
-          </a:bodyPr>
-          <a:lstStyle/>
-          <a:p>
-            <a:pPr rtl="0">
-              <a:spcBef>
-                <a:spcPts val="0"/>
-              </a:spcBef>
-              <a:buNone/>
-            </a:pPr>
-            <a:r>
-              <a:rPr lang="ru" sz="1800">
-                <a:solidFill>
-                  <a:schemeClr val="lt2"/>
-                </a:solidFill>
-              </a:rPr>
-              <a:t>Исключения фиксируются:</a:t>
-            </a:r>
-          </a:p>
-          <a:p>
-            <a:pPr marL="457200" lvl="0" indent="-419100" rtl="0">
-              <a:spcBef>
-                <a:spcPts val="0"/>
-              </a:spcBef>
-              <a:buClr>
-                <a:schemeClr val="lt2"/>
-              </a:buClr>
-              <a:buSzPct val="100000"/>
-              <a:buFont typeface="Arial"/>
-              <a:buChar char="●"/>
-            </a:pPr>
-            <a:r>
-              <a:rPr lang="ru">
-                <a:solidFill>
-                  <a:schemeClr val="lt2"/>
-                </a:solidFill>
-              </a:rPr>
-              <a:t>В логах</a:t>
-            </a:r>
-          </a:p>
-          <a:p>
-            <a:pPr marL="457200" lvl="0" indent="-419100" rtl="0">
-              <a:spcBef>
-                <a:spcPts val="0"/>
-              </a:spcBef>
-              <a:buClr>
-                <a:schemeClr val="lt2"/>
-              </a:buClr>
-              <a:buSzPct val="100000"/>
-              <a:buFont typeface="Arial"/>
-              <a:buChar char="●"/>
-            </a:pPr>
-            <a:r>
-              <a:rPr lang="ru">
-                <a:solidFill>
-                  <a:schemeClr val="lt2"/>
-                </a:solidFill>
-              </a:rPr>
-              <a:t>В базе данных </a:t>
-            </a:r>
-            <a:r>
-              <a:rPr lang="ru" sz="1400">
-                <a:solidFill>
-                  <a:schemeClr val="lt2"/>
-                </a:solidFill>
-              </a:rPr>
-              <a:t>(ExceptionLogger::LoggedException)</a:t>
-            </a:r>
-          </a:p>
-          <a:p>
-            <a:pPr marL="457200" lvl="0" indent="-419100" rtl="0">
-              <a:spcBef>
-                <a:spcPts val="0"/>
-              </a:spcBef>
-              <a:buClr>
-                <a:schemeClr val="lt2"/>
-              </a:buClr>
-              <a:buSzPct val="100000"/>
-              <a:buFont typeface="Arial"/>
-              <a:buChar char="●"/>
-            </a:pPr>
-            <a:r>
-              <a:rPr lang="ru">
-                <a:solidFill>
-                  <a:schemeClr val="lt2"/>
-                </a:solidFill>
-              </a:rPr>
-              <a:t>В E-mail уведомлении администратору</a:t>
-            </a:r>
-          </a:p>
-          <a:p>
-            <a:pPr>
-              <a:spcBef>
-                <a:spcPts val="0"/>
-              </a:spcBef>
-              <a:buNone/>
-            </a:pPr>
-            <a:endParaRPr/>
-          </a:p>
-        </p:txBody>
-      </p:sp>
-      <p:sp>
-        <p:nvSpPr>
-          <p:cNvPr id="206" name="Shape 206"/>
-          <p:cNvSpPr txBox="1"/>
-          <p:nvPr/>
-        </p:nvSpPr>
-        <p:spPr>
-          <a:xfrm>
-            <a:off x="666750" y="5030925"/>
-            <a:ext cx="4217099" cy="1298999"/>
-          </a:xfrm>
-          <a:prstGeom prst="rect">
-            <a:avLst/>
-          </a:prstGeom>
-          <a:noFill/>
-          <a:ln>
-            <a:noFill/>
-          </a:ln>
-        </p:spPr>
-        <p:txBody>
-          <a:bodyPr lIns="91425" tIns="91425" rIns="91425" bIns="91425" anchor="t" anchorCtr="0">
-            <a:noAutofit/>
-          </a:bodyPr>
-          <a:lstStyle/>
-          <a:p>
-            <a:pPr rtl="0">
-              <a:spcBef>
-                <a:spcPts val="0"/>
-              </a:spcBef>
-              <a:buNone/>
-            </a:pPr>
-            <a:r>
-              <a:rPr lang="ru" sz="1800">
-                <a:solidFill>
-                  <a:schemeClr val="lt2"/>
-                </a:solidFill>
-              </a:rPr>
-              <a:t>Исключение не обрабатывается!</a:t>
-            </a:r>
-          </a:p>
-          <a:p>
-            <a:pPr>
-              <a:spcBef>
-                <a:spcPts val="0"/>
-              </a:spcBef>
-              <a:buNone/>
-            </a:pPr>
-            <a:r>
-              <a:rPr lang="ru" sz="1800">
-                <a:solidFill>
-                  <a:schemeClr val="lt2"/>
-                </a:solidFill>
-              </a:rPr>
-              <a:t>После фиксации, оно вновь будет выброшено на уровень выше</a:t>
-            </a:r>
-          </a:p>
-        </p:txBody>
-      </p:sp>
-      <p:grpSp>
-        <p:nvGrpSpPr>
-          <p:cNvPr id="207" name="Shape 207"/>
-          <p:cNvGrpSpPr/>
-          <p:nvPr/>
-        </p:nvGrpSpPr>
-        <p:grpSpPr>
-          <a:xfrm>
-            <a:off x="4294175" y="1701937"/>
-            <a:ext cx="4489874" cy="3536845"/>
-            <a:chOff x="4294175" y="1701937"/>
-            <a:chExt cx="4489874" cy="3536845"/>
-          </a:xfrm>
-        </p:grpSpPr>
-        <p:sp>
-          <p:nvSpPr>
-            <p:cNvPr id="208" name="Shape 208"/>
-            <p:cNvSpPr txBox="1"/>
-            <p:nvPr/>
-          </p:nvSpPr>
-          <p:spPr>
-            <a:xfrm>
-              <a:off x="4559080" y="4562351"/>
-              <a:ext cx="3960057" cy="676431"/>
-            </a:xfrm>
-            <a:prstGeom prst="rect">
-              <a:avLst/>
-            </a:prstGeom>
-            <a:noFill/>
-            <a:ln>
-              <a:noFill/>
-            </a:ln>
-          </p:spPr>
-          <p:txBody>
-            <a:bodyPr lIns="91425" tIns="91425" rIns="91425" bIns="91425" anchor="t" anchorCtr="0">
-              <a:noAutofit/>
-            </a:bodyPr>
-            <a:lstStyle/>
-            <a:p>
-              <a:pPr algn="ctr">
-                <a:spcBef>
-                  <a:spcPts val="0"/>
-                </a:spcBef>
-                <a:buNone/>
-              </a:pPr>
-              <a:r>
-                <a:rPr lang="ru">
-                  <a:solidFill>
-                    <a:schemeClr val="lt2"/>
-                  </a:solidFill>
-                </a:rPr>
-                <a:t>Часть письма с информацией об исключении</a:t>
-              </a:r>
-            </a:p>
-          </p:txBody>
-        </p:sp>
-        <p:pic>
-          <p:nvPicPr>
-            <p:cNvPr id="209" name="Shape 209"/>
-            <p:cNvPicPr preferRelativeResize="0"/>
-            <p:nvPr/>
-          </p:nvPicPr>
-          <p:blipFill>
-            <a:blip r:embed="rId3">
-              <a:alphaModFix/>
-            </a:blip>
-            <a:stretch>
-              <a:fillRect/>
-            </a:stretch>
-          </p:blipFill>
-          <p:spPr>
-            <a:xfrm>
-              <a:off x="4294175" y="1701937"/>
-              <a:ext cx="4489874" cy="2941425"/>
-            </a:xfrm>
-            <a:prstGeom prst="rect">
-              <a:avLst/>
-            </a:prstGeom>
-            <a:noFill/>
-            <a:ln>
-              <a:noFill/>
-            </a:ln>
-          </p:spPr>
-        </p:pic>
-      </p:grpSp>
-    </p:spTree>
-  </p:cSld>
-  <p:clrMapOvr>
-    <a:masterClrMapping/>
-  </p:clrMapOvr>
-  <p:transition spd="slow">
-    <p:cut/>
-  </p:transition>
+  <p:timing>
+    <p:tnLst>
+      <p:par>
+        <p:cTn id="1" dur="indefinite" restart="never" nodeType="tmRoot"/>
+      </p:par>
+    </p:tnLst>
+  </p:timing>
 </p:sld>
 </file>
 
 <file path=ppt/slides/slide13.xml><?xml version="1.0" encoding="utf-8"?>
-<p:sld xmlns:a="http://schemas.openxmlformats.org/drawingml/2006/main" xmlns:r="http://schemas.openxmlformats.org/officeDocument/2006/relationships" xmlns:p="http://schemas.openxmlformats.org/presentationml/2006/main">
-  <p:cSld>
-    <p:spTree>
-      <p:nvGrpSpPr>
-        <p:cNvPr id="1" name="Shape 213"/>
-        <p:cNvGrpSpPr/>
-        <p:nvPr/>
-      </p:nvGrpSpPr>
-      <p:grpSpPr>
-        <a:xfrm>
-          <a:off x="0" y="0"/>
-          <a:ext cx="0" cy="0"/>
-          <a:chOff x="0" y="0"/>
-          <a:chExt cx="0" cy="0"/>
-        </a:xfrm>
-      </p:grpSpPr>
-      <p:sp>
-        <p:nvSpPr>
-          <p:cNvPr id="214" name="Shape 214"/>
-          <p:cNvSpPr txBox="1">
-            <a:spLocks noGrp="1"/>
-          </p:cNvSpPr>
-          <p:nvPr>
-            <p:ph type="title"/>
-          </p:nvPr>
-        </p:nvSpPr>
-        <p:spPr>
-          <a:xfrm>
-            <a:off x="457200" y="274637"/>
-            <a:ext cx="8229600" cy="1143000"/>
-          </a:xfrm>
-          <a:prstGeom prst="rect">
-            <a:avLst/>
-          </a:prstGeom>
-        </p:spPr>
-        <p:txBody>
-          <a:bodyPr lIns="91425" tIns="91425" rIns="91425" bIns="91425" anchor="b" anchorCtr="0">
-            <a:noAutofit/>
-          </a:bodyPr>
-          <a:lstStyle/>
-          <a:p>
-            <a:pPr>
-              <a:spcBef>
-                <a:spcPts val="0"/>
-              </a:spcBef>
-              <a:buNone/>
-            </a:pPr>
-            <a:r>
-              <a:rPr lang="ru"/>
-              <a:t>Администрирование проекта</a:t>
-            </a:r>
-          </a:p>
-        </p:txBody>
-      </p:sp>
-      <p:pic>
-        <p:nvPicPr>
-          <p:cNvPr id="215" name="Shape 215"/>
-          <p:cNvPicPr preferRelativeResize="0"/>
-          <p:nvPr/>
-        </p:nvPicPr>
-        <p:blipFill>
-          <a:blip r:embed="rId3">
-            <a:alphaModFix/>
-          </a:blip>
-          <a:stretch>
-            <a:fillRect/>
-          </a:stretch>
-        </p:blipFill>
-        <p:spPr>
-          <a:xfrm>
-            <a:off x="4540675" y="1600200"/>
-            <a:ext cx="4215426" cy="3768424"/>
-          </a:xfrm>
-          <a:prstGeom prst="rect">
-            <a:avLst/>
-          </a:prstGeom>
-          <a:noFill/>
-          <a:ln>
-            <a:noFill/>
-          </a:ln>
-        </p:spPr>
-      </p:pic>
-      <p:sp>
-        <p:nvSpPr>
-          <p:cNvPr id="216" name="Shape 216"/>
-          <p:cNvSpPr txBox="1">
-            <a:spLocks noGrp="1"/>
-          </p:cNvSpPr>
-          <p:nvPr>
-            <p:ph type="body" idx="1"/>
-          </p:nvPr>
-        </p:nvSpPr>
-        <p:spPr>
-          <a:xfrm>
-            <a:off x="457200" y="1600200"/>
-            <a:ext cx="3994500" cy="4395000"/>
-          </a:xfrm>
-          <a:prstGeom prst="rect">
-            <a:avLst/>
-          </a:prstGeom>
-        </p:spPr>
-        <p:txBody>
-          <a:bodyPr lIns="91425" tIns="91425" rIns="91425" bIns="91425" anchor="t" anchorCtr="0">
-            <a:noAutofit/>
-          </a:bodyPr>
-          <a:lstStyle/>
-          <a:p>
-            <a:pPr rtl="0">
-              <a:spcBef>
-                <a:spcPts val="0"/>
-              </a:spcBef>
-              <a:buNone/>
-            </a:pPr>
-            <a:r>
-              <a:rPr lang="ru" sz="1800">
-                <a:solidFill>
-                  <a:schemeClr val="lt2"/>
-                </a:solidFill>
-              </a:rPr>
-              <a:t>Админ-панель доступна по адресу</a:t>
-            </a:r>
-          </a:p>
-          <a:p>
-            <a:pPr rtl="0">
-              <a:spcBef>
-                <a:spcPts val="0"/>
-              </a:spcBef>
-              <a:buNone/>
-            </a:pPr>
-            <a:r>
-              <a:rPr lang="ru" sz="1800">
-                <a:solidFill>
-                  <a:schemeClr val="lt2"/>
-                </a:solidFill>
-              </a:rPr>
-              <a:t>[COORDINATE_ROOT]/admin для пользователей с правами администратора</a:t>
-            </a:r>
-          </a:p>
-          <a:p>
-            <a:pPr rtl="0">
-              <a:spcBef>
-                <a:spcPts val="0"/>
-              </a:spcBef>
-              <a:buNone/>
-            </a:pPr>
-            <a:endParaRPr sz="1800">
-              <a:solidFill>
-                <a:schemeClr val="lt2"/>
-              </a:solidFill>
-            </a:endParaRPr>
-          </a:p>
-          <a:p>
-            <a:pPr marL="457200" lvl="0" indent="-381000" rtl="0">
-              <a:lnSpc>
-                <a:spcPct val="115000"/>
-              </a:lnSpc>
-              <a:spcBef>
-                <a:spcPts val="0"/>
-              </a:spcBef>
-              <a:buClr>
-                <a:schemeClr val="lt2"/>
-              </a:buClr>
-              <a:buSzPct val="100000"/>
-              <a:buFont typeface="Arial"/>
-              <a:buChar char="●"/>
-            </a:pPr>
-            <a:r>
-              <a:rPr lang="ru" sz="2400">
-                <a:solidFill>
-                  <a:schemeClr val="lt2"/>
-                </a:solidFill>
-              </a:rPr>
-              <a:t>Управление ресурсами</a:t>
-            </a:r>
-          </a:p>
-          <a:p>
-            <a:pPr marL="457200" lvl="0" indent="-381000" rtl="0">
-              <a:lnSpc>
-                <a:spcPct val="115000"/>
-              </a:lnSpc>
-              <a:spcBef>
-                <a:spcPts val="0"/>
-              </a:spcBef>
-              <a:buClr>
-                <a:schemeClr val="lt2"/>
-              </a:buClr>
-              <a:buSzPct val="100000"/>
-              <a:buFont typeface="Arial"/>
-              <a:buChar char="●"/>
-            </a:pPr>
-            <a:r>
-              <a:rPr lang="ru" sz="2400">
-                <a:solidFill>
-                  <a:schemeClr val="lt2"/>
-                </a:solidFill>
-              </a:rPr>
-              <a:t>Просмотр внутренней статистики  сервиса</a:t>
-            </a:r>
-          </a:p>
-          <a:p>
-            <a:pPr marL="457200" lvl="0" indent="-381000" rtl="0">
-              <a:lnSpc>
-                <a:spcPct val="115000"/>
-              </a:lnSpc>
-              <a:spcBef>
-                <a:spcPts val="0"/>
-              </a:spcBef>
-              <a:buClr>
-                <a:schemeClr val="lt2"/>
-              </a:buClr>
-              <a:buSzPct val="100000"/>
-              <a:buFont typeface="Arial"/>
-              <a:buChar char="●"/>
-            </a:pPr>
-            <a:r>
-              <a:rPr lang="ru" sz="2400">
-                <a:solidFill>
-                  <a:schemeClr val="lt2"/>
-                </a:solidFill>
-              </a:rPr>
-              <a:t>Отображение состояния БД</a:t>
-            </a:r>
-          </a:p>
-          <a:p>
-            <a:pPr>
-              <a:spcBef>
-                <a:spcPts val="0"/>
-              </a:spcBef>
-              <a:buNone/>
-            </a:pPr>
-            <a:endParaRPr sz="1800">
-              <a:solidFill>
-                <a:schemeClr val="lt2"/>
-              </a:solidFill>
-            </a:endParaRPr>
-          </a:p>
-        </p:txBody>
-      </p:sp>
-    </p:spTree>
-  </p:cSld>
-  <p:clrMapOvr>
-    <a:masterClrMapping/>
-  </p:clrMapOvr>
-  <p:transition spd="slow">
-    <p:cut/>
-  </p:transition>
-</p:sld>
-</file>
-
-<file path=ppt/slides/slide14.xml><?xml version="1.0" encoding="utf-8"?>
-<p:sld xmlns:a="http://schemas.openxmlformats.org/drawingml/2006/main" xmlns:r="http://schemas.openxmlformats.org/officeDocument/2006/relationships" xmlns:p="http://schemas.openxmlformats.org/presentationml/2006/main">
-  <p:cSld>
-    <p:spTree>
-      <p:nvGrpSpPr>
-        <p:cNvPr id="1" name="Shape 220"/>
-        <p:cNvGrpSpPr/>
-        <p:nvPr/>
-      </p:nvGrpSpPr>
-      <p:grpSpPr>
-        <a:xfrm>
-          <a:off x="0" y="0"/>
-          <a:ext cx="0" cy="0"/>
-          <a:chOff x="0" y="0"/>
-          <a:chExt cx="0" cy="0"/>
-        </a:xfrm>
-      </p:grpSpPr>
-      <p:sp>
-        <p:nvSpPr>
-          <p:cNvPr id="221" name="Shape 221"/>
-          <p:cNvSpPr txBox="1">
-            <a:spLocks noGrp="1"/>
-          </p:cNvSpPr>
-          <p:nvPr>
-            <p:ph type="title"/>
-          </p:nvPr>
-        </p:nvSpPr>
-        <p:spPr>
-          <a:xfrm>
-            <a:off x="457200" y="274637"/>
-            <a:ext cx="8229600" cy="1143000"/>
-          </a:xfrm>
-          <a:prstGeom prst="rect">
-            <a:avLst/>
-          </a:prstGeom>
-        </p:spPr>
-        <p:txBody>
-          <a:bodyPr lIns="91425" tIns="91425" rIns="91425" bIns="91425" anchor="b" anchorCtr="0">
-            <a:noAutofit/>
-          </a:bodyPr>
-          <a:lstStyle/>
-          <a:p>
-            <a:pPr lvl="0" rtl="0">
-              <a:spcBef>
-                <a:spcPts val="0"/>
-              </a:spcBef>
-              <a:buNone/>
-            </a:pPr>
-            <a:r>
-              <a:rPr lang="ru"/>
-              <a:t>Администрирование сервера</a:t>
-            </a:r>
-          </a:p>
-        </p:txBody>
-      </p:sp>
-      <p:sp>
-        <p:nvSpPr>
-          <p:cNvPr id="222" name="Shape 222"/>
-          <p:cNvSpPr txBox="1">
-            <a:spLocks noGrp="1"/>
-          </p:cNvSpPr>
-          <p:nvPr>
-            <p:ph type="body" idx="1"/>
-          </p:nvPr>
-        </p:nvSpPr>
-        <p:spPr>
-          <a:xfrm>
-            <a:off x="491850" y="1610600"/>
-            <a:ext cx="4114800" cy="4892400"/>
-          </a:xfrm>
-          <a:prstGeom prst="rect">
-            <a:avLst/>
-          </a:prstGeom>
-        </p:spPr>
-        <p:txBody>
-          <a:bodyPr lIns="91425" tIns="91425" rIns="91425" bIns="91425" anchor="t" anchorCtr="0">
-            <a:noAutofit/>
-          </a:bodyPr>
-          <a:lstStyle/>
-          <a:p>
-            <a:pPr lvl="0" rtl="0">
-              <a:spcBef>
-                <a:spcPts val="0"/>
-              </a:spcBef>
-              <a:buNone/>
-            </a:pPr>
-            <a:r>
-              <a:rPr lang="ru" sz="1800">
-                <a:solidFill>
-                  <a:schemeClr val="lt2"/>
-                </a:solidFill>
-              </a:rPr>
-              <a:t>Администрирование сервера ведется по SSH</a:t>
-            </a:r>
-          </a:p>
-          <a:p>
-            <a:pPr lvl="0" rtl="0">
-              <a:spcBef>
-                <a:spcPts val="0"/>
-              </a:spcBef>
-              <a:buNone/>
-            </a:pPr>
-            <a:endParaRPr sz="1800">
-              <a:solidFill>
-                <a:schemeClr val="lt2"/>
-              </a:solidFill>
-            </a:endParaRPr>
-          </a:p>
-          <a:p>
-            <a:pPr rtl="0">
-              <a:spcBef>
-                <a:spcPts val="0"/>
-              </a:spcBef>
-              <a:buNone/>
-            </a:pPr>
-            <a:r>
-              <a:rPr lang="ru" sz="1800">
-                <a:solidFill>
-                  <a:schemeClr val="lt2"/>
-                </a:solidFill>
-              </a:rPr>
-              <a:t>Для защиты от внешних атак используются iptables</a:t>
-            </a:r>
-          </a:p>
-          <a:p>
-            <a:pPr lvl="0" rtl="0">
-              <a:spcBef>
-                <a:spcPts val="0"/>
-              </a:spcBef>
-              <a:buNone/>
-            </a:pPr>
-            <a:endParaRPr sz="1800">
-              <a:solidFill>
-                <a:schemeClr val="lt2"/>
-              </a:solidFill>
-            </a:endParaRPr>
-          </a:p>
-          <a:p>
-            <a:pPr rtl="0">
-              <a:spcBef>
-                <a:spcPts val="0"/>
-              </a:spcBef>
-              <a:buNone/>
-            </a:pPr>
-            <a:r>
-              <a:rPr lang="ru" sz="1800">
-                <a:solidFill>
-                  <a:schemeClr val="lt2"/>
-                </a:solidFill>
-              </a:rPr>
-              <a:t>Для защиты ssh используется fail2ban</a:t>
-            </a:r>
-          </a:p>
-          <a:p>
-            <a:pPr lvl="0" rtl="0">
-              <a:spcBef>
-                <a:spcPts val="0"/>
-              </a:spcBef>
-              <a:buClr>
-                <a:schemeClr val="dk1"/>
-              </a:buClr>
-              <a:buFont typeface="Arial"/>
-              <a:buNone/>
-            </a:pPr>
-            <a:endParaRPr sz="1800">
-              <a:solidFill>
-                <a:schemeClr val="lt2"/>
-              </a:solidFill>
-            </a:endParaRPr>
-          </a:p>
-          <a:p>
-            <a:pPr lvl="0" rtl="0">
-              <a:spcBef>
-                <a:spcPts val="0"/>
-              </a:spcBef>
-              <a:buClr>
-                <a:schemeClr val="dk1"/>
-              </a:buClr>
-              <a:buSzPct val="61111"/>
-              <a:buFont typeface="Arial"/>
-              <a:buNone/>
-            </a:pPr>
-            <a:r>
-              <a:rPr lang="ru" sz="1800">
-                <a:solidFill>
-                  <a:schemeClr val="lt2"/>
-                </a:solidFill>
-              </a:rPr>
-              <a:t>Для администрирования  СУБД применяются стандартные утилиты (pg_dump, psql) и PgAdmin</a:t>
-            </a:r>
-          </a:p>
-        </p:txBody>
-      </p:sp>
-      <p:sp>
-        <p:nvSpPr>
-          <p:cNvPr id="223" name="Shape 223"/>
-          <p:cNvSpPr txBox="1"/>
-          <p:nvPr/>
-        </p:nvSpPr>
-        <p:spPr>
-          <a:xfrm>
-            <a:off x="4605375" y="4959725"/>
-            <a:ext cx="3726900" cy="812999"/>
-          </a:xfrm>
-          <a:prstGeom prst="rect">
-            <a:avLst/>
-          </a:prstGeom>
-          <a:noFill/>
-          <a:ln>
-            <a:noFill/>
-          </a:ln>
-        </p:spPr>
-        <p:txBody>
-          <a:bodyPr lIns="91425" tIns="91425" rIns="91425" bIns="91425" anchor="t" anchorCtr="0">
-            <a:noAutofit/>
-          </a:bodyPr>
-          <a:lstStyle/>
-          <a:p>
-            <a:pPr>
-              <a:spcBef>
-                <a:spcPts val="0"/>
-              </a:spcBef>
-              <a:buNone/>
-            </a:pPr>
-            <a:r>
-              <a:rPr lang="ru" sz="1800">
-                <a:solidFill>
-                  <a:schemeClr val="lt2"/>
-                </a:solidFill>
-                <a:latin typeface="Trebuchet MS"/>
-                <a:ea typeface="Trebuchet MS"/>
-                <a:cs typeface="Trebuchet MS"/>
-                <a:sym typeface="Trebuchet MS"/>
-              </a:rPr>
-              <a:t>Резервирование заключается в создании резервных копий БД</a:t>
-            </a:r>
-          </a:p>
-        </p:txBody>
-      </p:sp>
-      <p:sp>
-        <p:nvSpPr>
-          <p:cNvPr id="224" name="Shape 224"/>
-          <p:cNvSpPr txBox="1"/>
-          <p:nvPr/>
-        </p:nvSpPr>
-        <p:spPr>
-          <a:xfrm>
-            <a:off x="4911075" y="4117650"/>
-            <a:ext cx="3115499" cy="605700"/>
-          </a:xfrm>
-          <a:prstGeom prst="rect">
-            <a:avLst/>
-          </a:prstGeom>
-          <a:noFill/>
-          <a:ln>
-            <a:noFill/>
-          </a:ln>
-        </p:spPr>
-        <p:txBody>
-          <a:bodyPr lIns="91425" tIns="91425" rIns="91425" bIns="91425" anchor="t" anchorCtr="0">
-            <a:noAutofit/>
-          </a:bodyPr>
-          <a:lstStyle/>
-          <a:p>
-            <a:pPr algn="ctr" rtl="0">
-              <a:spcBef>
-                <a:spcPts val="0"/>
-              </a:spcBef>
-              <a:buNone/>
-            </a:pPr>
-            <a:r>
-              <a:rPr lang="ru">
-                <a:solidFill>
-                  <a:schemeClr val="lt2"/>
-                </a:solidFill>
-                <a:latin typeface="Trebuchet MS"/>
-                <a:ea typeface="Trebuchet MS"/>
-                <a:cs typeface="Trebuchet MS"/>
-                <a:sym typeface="Trebuchet MS"/>
-              </a:rPr>
-              <a:t>Создание дампа БД и сохранение </a:t>
-            </a:r>
-          </a:p>
-          <a:p>
-            <a:pPr lvl="0" algn="ctr" rtl="0">
-              <a:spcBef>
-                <a:spcPts val="0"/>
-              </a:spcBef>
-              <a:buNone/>
-            </a:pPr>
-            <a:r>
-              <a:rPr lang="ru">
-                <a:solidFill>
-                  <a:schemeClr val="lt2"/>
-                </a:solidFill>
-                <a:latin typeface="Trebuchet MS"/>
-                <a:ea typeface="Trebuchet MS"/>
-                <a:cs typeface="Trebuchet MS"/>
-                <a:sym typeface="Trebuchet MS"/>
-              </a:rPr>
-              <a:t>в Яндекс.диск</a:t>
-            </a:r>
-          </a:p>
-        </p:txBody>
-      </p:sp>
-      <p:pic>
-        <p:nvPicPr>
-          <p:cNvPr id="225" name="Shape 225"/>
-          <p:cNvPicPr preferRelativeResize="0"/>
-          <p:nvPr/>
-        </p:nvPicPr>
-        <p:blipFill>
-          <a:blip r:embed="rId3">
-            <a:alphaModFix/>
-          </a:blip>
-          <a:stretch>
-            <a:fillRect/>
-          </a:stretch>
-        </p:blipFill>
-        <p:spPr>
-          <a:xfrm>
-            <a:off x="4135200" y="1610600"/>
-            <a:ext cx="4667250" cy="2447925"/>
-          </a:xfrm>
-          <a:prstGeom prst="rect">
-            <a:avLst/>
-          </a:prstGeom>
-          <a:noFill/>
-          <a:ln>
-            <a:noFill/>
-          </a:ln>
-        </p:spPr>
-      </p:pic>
-    </p:spTree>
-  </p:cSld>
-  <p:clrMapOvr>
-    <a:masterClrMapping/>
-  </p:clrMapOvr>
-  <p:transition spd="slow">
-    <p:cut/>
-  </p:transition>
-</p:sld>
-</file>
-
-<file path=ppt/slides/slide15.xml><?xml version="1.0" encoding="utf-8"?>
 <p:sld xmlns:a="http://schemas.openxmlformats.org/drawingml/2006/main" xmlns:r="http://schemas.openxmlformats.org/officeDocument/2006/relationships" xmlns:p="http://schemas.openxmlformats.org/presentationml/2006/main">
   <p:cSld>
     <p:spTree>
@@ -8782,110 +8172,925 @@
               <a:buNone/>
             </a:pPr>
             <a:r>
-              <a:rPr lang="ru"/>
+              <a:rPr lang="ru" dirty="0"/>
               <a:t>Достигнутые результаты</a:t>
             </a:r>
           </a:p>
         </p:txBody>
       </p:sp>
-      <p:sp>
-        <p:nvSpPr>
-          <p:cNvPr id="231" name="Shape 231"/>
-          <p:cNvSpPr txBox="1">
-            <a:spLocks noGrp="1"/>
-          </p:cNvSpPr>
+      <p:graphicFrame>
+        <p:nvGraphicFramePr>
+          <p:cNvPr id="3" name="Таблица 2"/>
+          <p:cNvGraphicFramePr>
+            <a:graphicFrameLocks noGrp="1"/>
+          </p:cNvGraphicFramePr>
           <p:nvPr>
-            <p:ph type="body" idx="1"/>
+            <p:extLst>
+              <p:ext uri="{D42A27DB-BD31-4B8C-83A1-F6EECF244321}">
+                <p14:modId xmlns:p14="http://schemas.microsoft.com/office/powerpoint/2010/main" val="4025069443"/>
+              </p:ext>
+            </p:extLst>
           </p:nvPr>
-        </p:nvSpPr>
-        <p:spPr>
-          <a:xfrm>
-            <a:off x="457200" y="2630625"/>
-            <a:ext cx="8229600" cy="2919899"/>
-          </a:xfrm>
-          <a:prstGeom prst="rect">
-            <a:avLst/>
-          </a:prstGeom>
-        </p:spPr>
-        <p:txBody>
-          <a:bodyPr lIns="91425" tIns="91425" rIns="91425" bIns="91425" anchor="t" anchorCtr="0">
-            <a:noAutofit/>
-          </a:bodyPr>
-          <a:lstStyle/>
-          <a:p>
-            <a:pPr marL="457200" lvl="0" indent="-381000" rtl="0">
-              <a:lnSpc>
-                <a:spcPct val="150000"/>
-              </a:lnSpc>
-              <a:spcBef>
-                <a:spcPts val="0"/>
-              </a:spcBef>
-              <a:buClr>
-                <a:schemeClr val="lt2"/>
-              </a:buClr>
-              <a:buSzPct val="100000"/>
-              <a:buFont typeface="Arial"/>
-              <a:buChar char="●"/>
-            </a:pPr>
-            <a:r>
-              <a:rPr lang="ru" sz="2400">
-                <a:solidFill>
-                  <a:schemeClr val="lt2"/>
-                </a:solidFill>
-              </a:rPr>
-              <a:t>Web-приложение разработано и развернуто в публичном доступе</a:t>
-            </a:r>
-          </a:p>
-          <a:p>
-            <a:pPr marL="457200" lvl="0" indent="-381000" rtl="0">
-              <a:lnSpc>
-                <a:spcPct val="150000"/>
-              </a:lnSpc>
-              <a:spcBef>
-                <a:spcPts val="0"/>
-              </a:spcBef>
-              <a:buClr>
-                <a:schemeClr val="lt2"/>
-              </a:buClr>
-              <a:buSzPct val="100000"/>
-              <a:buFont typeface="Arial"/>
-              <a:buChar char="●"/>
-            </a:pPr>
-            <a:r>
-              <a:rPr lang="ru" sz="2400">
-                <a:solidFill>
-                  <a:schemeClr val="lt2"/>
-                </a:solidFill>
-              </a:rPr>
-              <a:t>Разработано мобильное приложение для трекера</a:t>
-            </a:r>
-          </a:p>
-          <a:p>
-            <a:pPr marL="457200" lvl="0" indent="-381000">
-              <a:lnSpc>
-                <a:spcPct val="150000"/>
-              </a:lnSpc>
-              <a:spcBef>
-                <a:spcPts val="0"/>
-              </a:spcBef>
-              <a:buClr>
-                <a:schemeClr val="lt2"/>
-              </a:buClr>
-              <a:buSzPct val="100000"/>
-              <a:buFont typeface="Arial"/>
-              <a:buChar char="●"/>
-            </a:pPr>
-            <a:r>
-              <a:rPr lang="ru" sz="2400">
-                <a:solidFill>
-                  <a:schemeClr val="lt2"/>
-                </a:solidFill>
-              </a:rPr>
-              <a:t>Проработаны вопросы надежности, отказоустойчивости и резервного копирования</a:t>
-            </a:r>
-          </a:p>
-        </p:txBody>
-      </p:sp>
+        </p:nvGraphicFramePr>
+        <p:xfrm>
+          <a:off x="547737" y="2075556"/>
+          <a:ext cx="8340624" cy="3145665"/>
+        </p:xfrm>
+        <a:graphic>
+          <a:graphicData uri="http://schemas.openxmlformats.org/drawingml/2006/table">
+            <a:tbl>
+              <a:tblPr firstRow="1" firstCol="1" bandRow="1">
+                <a:tableStyleId>{073A0DAA-6AF3-43AB-8588-CEC1D06C72B9}</a:tableStyleId>
+              </a:tblPr>
+              <a:tblGrid>
+                <a:gridCol w="2085156"/>
+                <a:gridCol w="2085156"/>
+                <a:gridCol w="2085156"/>
+                <a:gridCol w="2085156"/>
+              </a:tblGrid>
+              <a:tr h="771525">
+                <a:tc>
+                  <a:txBody>
+                    <a:bodyPr/>
+                    <a:lstStyle/>
+                    <a:p>
+                      <a:pPr algn="ctr">
+                        <a:lnSpc>
+                          <a:spcPct val="115000"/>
+                        </a:lnSpc>
+                        <a:spcAft>
+                          <a:spcPts val="0"/>
+                        </a:spcAft>
+                      </a:pPr>
+                      <a:r>
+                        <a:rPr lang="ru-RU" sz="1400" b="1" dirty="0">
+                          <a:ln>
+                            <a:noFill/>
+                          </a:ln>
+                          <a:solidFill>
+                            <a:schemeClr val="bg1"/>
+                          </a:solidFill>
+                          <a:effectLst/>
+                        </a:rPr>
+                        <a:t>Фактор</a:t>
+                      </a:r>
+                      <a:endParaRPr lang="ru-RU" sz="1400" b="1" dirty="0">
+                        <a:ln>
+                          <a:noFill/>
+                        </a:ln>
+                        <a:solidFill>
+                          <a:schemeClr val="bg1"/>
+                        </a:solidFill>
+                        <a:effectLst/>
+                        <a:latin typeface="Times New Roman" panose="02020603050405020304" pitchFamily="18" charset="0"/>
+                        <a:ea typeface="Times New Roman" panose="02020603050405020304" pitchFamily="18" charset="0"/>
+                        <a:cs typeface="Calibri" panose="020F0502020204030204" pitchFamily="34" charset="0"/>
+                      </a:endParaRPr>
+                    </a:p>
+                  </a:txBody>
+                  <a:tcPr marL="68580" marR="68580" marT="0" marB="0" anchor="ctr">
+                    <a:solidFill>
+                      <a:schemeClr val="tx1">
+                        <a:lumMod val="50000"/>
+                        <a:lumOff val="50000"/>
+                      </a:schemeClr>
+                    </a:solidFill>
+                  </a:tcPr>
+                </a:tc>
+                <a:tc>
+                  <a:txBody>
+                    <a:bodyPr/>
+                    <a:lstStyle/>
+                    <a:p>
+                      <a:pPr algn="ctr">
+                        <a:lnSpc>
+                          <a:spcPct val="115000"/>
+                        </a:lnSpc>
+                        <a:spcAft>
+                          <a:spcPts val="0"/>
+                        </a:spcAft>
+                      </a:pPr>
+                      <a:r>
+                        <a:rPr lang="ru-RU" sz="1400" b="1" dirty="0">
+                          <a:ln>
+                            <a:noFill/>
+                          </a:ln>
+                          <a:solidFill>
+                            <a:schemeClr val="bg1"/>
+                          </a:solidFill>
+                          <a:effectLst/>
+                        </a:rPr>
+                        <a:t>Значение до модернизации</a:t>
+                      </a:r>
+                      <a:endParaRPr lang="ru-RU" sz="1400" b="1" dirty="0">
+                        <a:ln>
+                          <a:noFill/>
+                        </a:ln>
+                        <a:solidFill>
+                          <a:schemeClr val="bg1"/>
+                        </a:solidFill>
+                        <a:effectLst/>
+                        <a:latin typeface="Times New Roman" panose="02020603050405020304" pitchFamily="18" charset="0"/>
+                        <a:ea typeface="Times New Roman" panose="02020603050405020304" pitchFamily="18" charset="0"/>
+                        <a:cs typeface="Calibri" panose="020F0502020204030204" pitchFamily="34" charset="0"/>
+                      </a:endParaRPr>
+                    </a:p>
+                  </a:txBody>
+                  <a:tcPr marL="68580" marR="68580" marT="0" marB="0" anchor="ctr">
+                    <a:solidFill>
+                      <a:schemeClr val="tx1">
+                        <a:lumMod val="50000"/>
+                        <a:lumOff val="50000"/>
+                      </a:schemeClr>
+                    </a:solidFill>
+                  </a:tcPr>
+                </a:tc>
+                <a:tc>
+                  <a:txBody>
+                    <a:bodyPr/>
+                    <a:lstStyle/>
+                    <a:p>
+                      <a:pPr algn="ctr">
+                        <a:lnSpc>
+                          <a:spcPct val="115000"/>
+                        </a:lnSpc>
+                        <a:spcAft>
+                          <a:spcPts val="0"/>
+                        </a:spcAft>
+                      </a:pPr>
+                      <a:r>
+                        <a:rPr lang="ru-RU" sz="1400" b="1" dirty="0">
+                          <a:ln>
+                            <a:noFill/>
+                          </a:ln>
+                          <a:solidFill>
+                            <a:schemeClr val="bg1"/>
+                          </a:solidFill>
+                          <a:effectLst/>
+                        </a:rPr>
+                        <a:t>Значение после модернизации</a:t>
+                      </a:r>
+                      <a:endParaRPr lang="ru-RU" sz="1400" b="1" dirty="0">
+                        <a:ln>
+                          <a:noFill/>
+                        </a:ln>
+                        <a:solidFill>
+                          <a:schemeClr val="bg1"/>
+                        </a:solidFill>
+                        <a:effectLst/>
+                        <a:latin typeface="Times New Roman" panose="02020603050405020304" pitchFamily="18" charset="0"/>
+                        <a:ea typeface="Times New Roman" panose="02020603050405020304" pitchFamily="18" charset="0"/>
+                        <a:cs typeface="Calibri" panose="020F0502020204030204" pitchFamily="34" charset="0"/>
+                      </a:endParaRPr>
+                    </a:p>
+                  </a:txBody>
+                  <a:tcPr marL="68580" marR="68580" marT="0" marB="0" anchor="ctr">
+                    <a:solidFill>
+                      <a:schemeClr val="tx1">
+                        <a:lumMod val="50000"/>
+                        <a:lumOff val="50000"/>
+                      </a:schemeClr>
+                    </a:solidFill>
+                  </a:tcPr>
+                </a:tc>
+                <a:tc>
+                  <a:txBody>
+                    <a:bodyPr/>
+                    <a:lstStyle/>
+                    <a:p>
+                      <a:pPr algn="ctr">
+                        <a:lnSpc>
+                          <a:spcPct val="115000"/>
+                        </a:lnSpc>
+                        <a:spcAft>
+                          <a:spcPts val="0"/>
+                        </a:spcAft>
+                      </a:pPr>
+                      <a:r>
+                        <a:rPr lang="ru-RU" sz="1400" b="1" dirty="0">
+                          <a:ln>
+                            <a:noFill/>
+                          </a:ln>
+                          <a:solidFill>
+                            <a:schemeClr val="bg1"/>
+                          </a:solidFill>
+                          <a:effectLst/>
+                        </a:rPr>
+                        <a:t>Прирост производительности</a:t>
+                      </a:r>
+                      <a:endParaRPr lang="ru-RU" sz="1400" b="1" dirty="0">
+                        <a:ln>
+                          <a:noFill/>
+                        </a:ln>
+                        <a:solidFill>
+                          <a:schemeClr val="bg1"/>
+                        </a:solidFill>
+                        <a:effectLst/>
+                        <a:latin typeface="Times New Roman" panose="02020603050405020304" pitchFamily="18" charset="0"/>
+                        <a:ea typeface="Times New Roman" panose="02020603050405020304" pitchFamily="18" charset="0"/>
+                        <a:cs typeface="Calibri" panose="020F0502020204030204" pitchFamily="34" charset="0"/>
+                      </a:endParaRPr>
+                    </a:p>
+                  </a:txBody>
+                  <a:tcPr marL="68580" marR="68580" marT="0" marB="0" anchor="ctr">
+                    <a:solidFill>
+                      <a:schemeClr val="tx1">
+                        <a:lumMod val="50000"/>
+                        <a:lumOff val="50000"/>
+                      </a:schemeClr>
+                    </a:solidFill>
+                  </a:tcPr>
+                </a:tc>
+              </a:tr>
+              <a:tr h="470853">
+                <a:tc>
+                  <a:txBody>
+                    <a:bodyPr/>
+                    <a:lstStyle/>
+                    <a:p>
+                      <a:pPr>
+                        <a:lnSpc>
+                          <a:spcPct val="115000"/>
+                        </a:lnSpc>
+                        <a:spcAft>
+                          <a:spcPts val="0"/>
+                        </a:spcAft>
+                      </a:pPr>
+                      <a:r>
+                        <a:rPr lang="ru-RU" sz="1400" dirty="0">
+                          <a:ln>
+                            <a:noFill/>
+                          </a:ln>
+                          <a:effectLst/>
+                        </a:rPr>
+                        <a:t>Оптимизация БД</a:t>
+                      </a:r>
+                      <a:endParaRPr lang="ru-RU" sz="1400" dirty="0">
+                        <a:ln>
+                          <a:noFill/>
+                        </a:ln>
+                        <a:solidFill>
+                          <a:schemeClr val="bg1">
+                            <a:lumMod val="95000"/>
+                          </a:schemeClr>
+                        </a:solidFill>
+                        <a:effectLst/>
+                        <a:latin typeface="Times New Roman" panose="02020603050405020304" pitchFamily="18" charset="0"/>
+                        <a:ea typeface="Times New Roman" panose="02020603050405020304" pitchFamily="18" charset="0"/>
+                        <a:cs typeface="Calibri" panose="020F0502020204030204" pitchFamily="34" charset="0"/>
+                      </a:endParaRPr>
+                    </a:p>
+                  </a:txBody>
+                  <a:tcPr marL="68580" marR="68580" marT="0" marB="0" anchor="ctr">
+                    <a:solidFill>
+                      <a:schemeClr val="tx1">
+                        <a:lumMod val="50000"/>
+                        <a:lumOff val="50000"/>
+                      </a:schemeClr>
+                    </a:solidFill>
+                  </a:tcPr>
+                </a:tc>
+                <a:tc>
+                  <a:txBody>
+                    <a:bodyPr/>
+                    <a:lstStyle/>
+                    <a:p>
+                      <a:pPr algn="ctr">
+                        <a:lnSpc>
+                          <a:spcPct val="115000"/>
+                        </a:lnSpc>
+                        <a:spcAft>
+                          <a:spcPts val="0"/>
+                        </a:spcAft>
+                      </a:pPr>
+                      <a:r>
+                        <a:rPr lang="ru-RU" sz="1600" dirty="0">
+                          <a:ln>
+                            <a:noFill/>
+                          </a:ln>
+                          <a:effectLst/>
+                        </a:rPr>
+                        <a:t>100,00%</a:t>
+                      </a:r>
+                      <a:endParaRPr lang="ru-RU" sz="1600" dirty="0">
+                        <a:ln>
+                          <a:noFill/>
+                        </a:ln>
+                        <a:solidFill>
+                          <a:schemeClr val="bg1">
+                            <a:lumMod val="95000"/>
+                          </a:schemeClr>
+                        </a:solidFill>
+                        <a:effectLst/>
+                        <a:latin typeface="Times New Roman" panose="02020603050405020304" pitchFamily="18" charset="0"/>
+                        <a:ea typeface="Times New Roman" panose="02020603050405020304" pitchFamily="18" charset="0"/>
+                        <a:cs typeface="Calibri" panose="020F0502020204030204" pitchFamily="34" charset="0"/>
+                      </a:endParaRPr>
+                    </a:p>
+                  </a:txBody>
+                  <a:tcPr marL="68580" marR="68580" marT="0" marB="0" anchor="ctr"/>
+                </a:tc>
+                <a:tc>
+                  <a:txBody>
+                    <a:bodyPr/>
+                    <a:lstStyle/>
+                    <a:p>
+                      <a:pPr algn="ctr">
+                        <a:lnSpc>
+                          <a:spcPct val="115000"/>
+                        </a:lnSpc>
+                        <a:spcAft>
+                          <a:spcPts val="0"/>
+                        </a:spcAft>
+                      </a:pPr>
+                      <a:r>
+                        <a:rPr lang="ru-RU" sz="1600" dirty="0">
+                          <a:ln>
+                            <a:noFill/>
+                          </a:ln>
+                          <a:effectLst/>
+                        </a:rPr>
+                        <a:t>83,33%</a:t>
+                      </a:r>
+                      <a:endParaRPr lang="ru-RU" sz="1600" dirty="0">
+                        <a:ln>
+                          <a:noFill/>
+                        </a:ln>
+                        <a:solidFill>
+                          <a:schemeClr val="bg1">
+                            <a:lumMod val="95000"/>
+                          </a:schemeClr>
+                        </a:solidFill>
+                        <a:effectLst/>
+                        <a:latin typeface="Times New Roman" panose="02020603050405020304" pitchFamily="18" charset="0"/>
+                        <a:ea typeface="Times New Roman" panose="02020603050405020304" pitchFamily="18" charset="0"/>
+                        <a:cs typeface="Calibri" panose="020F0502020204030204" pitchFamily="34" charset="0"/>
+                      </a:endParaRPr>
+                    </a:p>
+                  </a:txBody>
+                  <a:tcPr marL="68580" marR="68580" marT="0" marB="0" anchor="ctr"/>
+                </a:tc>
+                <a:tc>
+                  <a:txBody>
+                    <a:bodyPr/>
+                    <a:lstStyle/>
+                    <a:p>
+                      <a:pPr algn="ctr">
+                        <a:lnSpc>
+                          <a:spcPct val="115000"/>
+                        </a:lnSpc>
+                        <a:spcAft>
+                          <a:spcPts val="0"/>
+                        </a:spcAft>
+                      </a:pPr>
+                      <a:r>
+                        <a:rPr lang="ru-RU" sz="1600" dirty="0">
+                          <a:ln>
+                            <a:noFill/>
+                          </a:ln>
+                          <a:effectLst/>
+                        </a:rPr>
+                        <a:t>16,67%</a:t>
+                      </a:r>
+                      <a:endParaRPr lang="ru-RU" sz="1600" dirty="0">
+                        <a:ln>
+                          <a:noFill/>
+                        </a:ln>
+                        <a:solidFill>
+                          <a:schemeClr val="bg1">
+                            <a:lumMod val="95000"/>
+                          </a:schemeClr>
+                        </a:solidFill>
+                        <a:effectLst/>
+                        <a:latin typeface="Times New Roman" panose="02020603050405020304" pitchFamily="18" charset="0"/>
+                        <a:ea typeface="Times New Roman" panose="02020603050405020304" pitchFamily="18" charset="0"/>
+                        <a:cs typeface="Calibri" panose="020F0502020204030204" pitchFamily="34" charset="0"/>
+                      </a:endParaRPr>
+                    </a:p>
+                  </a:txBody>
+                  <a:tcPr marL="68580" marR="68580" marT="0" marB="0" anchor="ctr"/>
+                </a:tc>
+              </a:tr>
+              <a:tr h="470853">
+                <a:tc>
+                  <a:txBody>
+                    <a:bodyPr/>
+                    <a:lstStyle/>
+                    <a:p>
+                      <a:pPr>
+                        <a:lnSpc>
+                          <a:spcPct val="115000"/>
+                        </a:lnSpc>
+                        <a:spcAft>
+                          <a:spcPts val="0"/>
+                        </a:spcAft>
+                      </a:pPr>
+                      <a:r>
+                        <a:rPr lang="ru-RU" sz="1400" dirty="0">
+                          <a:ln>
+                            <a:noFill/>
+                          </a:ln>
+                          <a:effectLst/>
+                        </a:rPr>
+                        <a:t>Оптимизация серверных процессов</a:t>
+                      </a:r>
+                      <a:endParaRPr lang="ru-RU" sz="1400" dirty="0">
+                        <a:ln>
+                          <a:noFill/>
+                        </a:ln>
+                        <a:solidFill>
+                          <a:schemeClr val="bg1">
+                            <a:lumMod val="95000"/>
+                          </a:schemeClr>
+                        </a:solidFill>
+                        <a:effectLst/>
+                        <a:latin typeface="Times New Roman" panose="02020603050405020304" pitchFamily="18" charset="0"/>
+                        <a:ea typeface="Times New Roman" panose="02020603050405020304" pitchFamily="18" charset="0"/>
+                        <a:cs typeface="Calibri" panose="020F0502020204030204" pitchFamily="34" charset="0"/>
+                      </a:endParaRPr>
+                    </a:p>
+                  </a:txBody>
+                  <a:tcPr marL="68580" marR="68580" marT="0" marB="0" anchor="ctr">
+                    <a:solidFill>
+                      <a:schemeClr val="tx1">
+                        <a:lumMod val="50000"/>
+                        <a:lumOff val="50000"/>
+                      </a:schemeClr>
+                    </a:solidFill>
+                  </a:tcPr>
+                </a:tc>
+                <a:tc>
+                  <a:txBody>
+                    <a:bodyPr/>
+                    <a:lstStyle/>
+                    <a:p>
+                      <a:pPr algn="ctr">
+                        <a:lnSpc>
+                          <a:spcPct val="115000"/>
+                        </a:lnSpc>
+                        <a:spcAft>
+                          <a:spcPts val="0"/>
+                        </a:spcAft>
+                      </a:pPr>
+                      <a:r>
+                        <a:rPr lang="ru-RU" sz="1600" dirty="0">
+                          <a:ln>
+                            <a:noFill/>
+                          </a:ln>
+                          <a:effectLst/>
+                        </a:rPr>
+                        <a:t>100,00%</a:t>
+                      </a:r>
+                      <a:endParaRPr lang="ru-RU" sz="1600" dirty="0">
+                        <a:ln>
+                          <a:noFill/>
+                        </a:ln>
+                        <a:solidFill>
+                          <a:schemeClr val="bg1">
+                            <a:lumMod val="95000"/>
+                          </a:schemeClr>
+                        </a:solidFill>
+                        <a:effectLst/>
+                        <a:latin typeface="Times New Roman" panose="02020603050405020304" pitchFamily="18" charset="0"/>
+                        <a:ea typeface="Times New Roman" panose="02020603050405020304" pitchFamily="18" charset="0"/>
+                        <a:cs typeface="Calibri" panose="020F0502020204030204" pitchFamily="34" charset="0"/>
+                      </a:endParaRPr>
+                    </a:p>
+                  </a:txBody>
+                  <a:tcPr marL="68580" marR="68580" marT="0" marB="0" anchor="ctr"/>
+                </a:tc>
+                <a:tc>
+                  <a:txBody>
+                    <a:bodyPr/>
+                    <a:lstStyle/>
+                    <a:p>
+                      <a:pPr algn="ctr">
+                        <a:lnSpc>
+                          <a:spcPct val="115000"/>
+                        </a:lnSpc>
+                        <a:spcAft>
+                          <a:spcPts val="0"/>
+                        </a:spcAft>
+                      </a:pPr>
+                      <a:r>
+                        <a:rPr lang="ru-RU" sz="1600" dirty="0">
+                          <a:ln>
+                            <a:noFill/>
+                          </a:ln>
+                          <a:effectLst/>
+                        </a:rPr>
+                        <a:t>60,00%</a:t>
+                      </a:r>
+                      <a:endParaRPr lang="ru-RU" sz="1600" dirty="0">
+                        <a:ln>
+                          <a:noFill/>
+                        </a:ln>
+                        <a:solidFill>
+                          <a:schemeClr val="bg1">
+                            <a:lumMod val="95000"/>
+                          </a:schemeClr>
+                        </a:solidFill>
+                        <a:effectLst/>
+                        <a:latin typeface="Times New Roman" panose="02020603050405020304" pitchFamily="18" charset="0"/>
+                        <a:ea typeface="Times New Roman" panose="02020603050405020304" pitchFamily="18" charset="0"/>
+                        <a:cs typeface="Calibri" panose="020F0502020204030204" pitchFamily="34" charset="0"/>
+                      </a:endParaRPr>
+                    </a:p>
+                  </a:txBody>
+                  <a:tcPr marL="68580" marR="68580" marT="0" marB="0" anchor="ctr"/>
+                </a:tc>
+                <a:tc>
+                  <a:txBody>
+                    <a:bodyPr/>
+                    <a:lstStyle/>
+                    <a:p>
+                      <a:pPr algn="ctr">
+                        <a:lnSpc>
+                          <a:spcPct val="115000"/>
+                        </a:lnSpc>
+                        <a:spcAft>
+                          <a:spcPts val="0"/>
+                        </a:spcAft>
+                      </a:pPr>
+                      <a:r>
+                        <a:rPr lang="ru-RU" sz="1600" dirty="0">
+                          <a:ln>
+                            <a:noFill/>
+                          </a:ln>
+                          <a:effectLst/>
+                        </a:rPr>
+                        <a:t>40,00%</a:t>
+                      </a:r>
+                      <a:endParaRPr lang="ru-RU" sz="1600" dirty="0">
+                        <a:ln>
+                          <a:noFill/>
+                        </a:ln>
+                        <a:solidFill>
+                          <a:schemeClr val="bg1">
+                            <a:lumMod val="95000"/>
+                          </a:schemeClr>
+                        </a:solidFill>
+                        <a:effectLst/>
+                        <a:latin typeface="Times New Roman" panose="02020603050405020304" pitchFamily="18" charset="0"/>
+                        <a:ea typeface="Times New Roman" panose="02020603050405020304" pitchFamily="18" charset="0"/>
+                        <a:cs typeface="Calibri" panose="020F0502020204030204" pitchFamily="34" charset="0"/>
+                      </a:endParaRPr>
+                    </a:p>
+                  </a:txBody>
+                  <a:tcPr marL="68580" marR="68580" marT="0" marB="0" anchor="ctr"/>
+                </a:tc>
+              </a:tr>
+              <a:tr h="470853">
+                <a:tc>
+                  <a:txBody>
+                    <a:bodyPr/>
+                    <a:lstStyle/>
+                    <a:p>
+                      <a:pPr>
+                        <a:lnSpc>
+                          <a:spcPct val="115000"/>
+                        </a:lnSpc>
+                        <a:spcAft>
+                          <a:spcPts val="0"/>
+                        </a:spcAft>
+                      </a:pPr>
+                      <a:r>
+                        <a:rPr lang="ru-RU" sz="1400" dirty="0">
+                          <a:ln>
+                            <a:noFill/>
+                          </a:ln>
+                          <a:effectLst/>
+                        </a:rPr>
+                        <a:t>Оптимизация построения представления</a:t>
+                      </a:r>
+                      <a:endParaRPr lang="ru-RU" sz="1400" dirty="0">
+                        <a:ln>
+                          <a:noFill/>
+                        </a:ln>
+                        <a:solidFill>
+                          <a:schemeClr val="bg1">
+                            <a:lumMod val="95000"/>
+                          </a:schemeClr>
+                        </a:solidFill>
+                        <a:effectLst/>
+                        <a:latin typeface="Times New Roman" panose="02020603050405020304" pitchFamily="18" charset="0"/>
+                        <a:ea typeface="Times New Roman" panose="02020603050405020304" pitchFamily="18" charset="0"/>
+                        <a:cs typeface="Calibri" panose="020F0502020204030204" pitchFamily="34" charset="0"/>
+                      </a:endParaRPr>
+                    </a:p>
+                  </a:txBody>
+                  <a:tcPr marL="68580" marR="68580" marT="0" marB="0" anchor="ctr">
+                    <a:solidFill>
+                      <a:schemeClr val="tx1">
+                        <a:lumMod val="50000"/>
+                        <a:lumOff val="50000"/>
+                      </a:schemeClr>
+                    </a:solidFill>
+                  </a:tcPr>
+                </a:tc>
+                <a:tc>
+                  <a:txBody>
+                    <a:bodyPr/>
+                    <a:lstStyle/>
+                    <a:p>
+                      <a:pPr algn="ctr">
+                        <a:lnSpc>
+                          <a:spcPct val="115000"/>
+                        </a:lnSpc>
+                        <a:spcAft>
+                          <a:spcPts val="0"/>
+                        </a:spcAft>
+                      </a:pPr>
+                      <a:r>
+                        <a:rPr lang="ru-RU" sz="1600" dirty="0">
+                          <a:ln>
+                            <a:noFill/>
+                          </a:ln>
+                          <a:effectLst/>
+                        </a:rPr>
+                        <a:t>100,00%</a:t>
+                      </a:r>
+                      <a:endParaRPr lang="ru-RU" sz="1600" dirty="0">
+                        <a:ln>
+                          <a:noFill/>
+                        </a:ln>
+                        <a:solidFill>
+                          <a:schemeClr val="bg1">
+                            <a:lumMod val="95000"/>
+                          </a:schemeClr>
+                        </a:solidFill>
+                        <a:effectLst/>
+                        <a:latin typeface="Times New Roman" panose="02020603050405020304" pitchFamily="18" charset="0"/>
+                        <a:ea typeface="Times New Roman" panose="02020603050405020304" pitchFamily="18" charset="0"/>
+                        <a:cs typeface="Calibri" panose="020F0502020204030204" pitchFamily="34" charset="0"/>
+                      </a:endParaRPr>
+                    </a:p>
+                  </a:txBody>
+                  <a:tcPr marL="68580" marR="68580" marT="0" marB="0" anchor="ctr"/>
+                </a:tc>
+                <a:tc>
+                  <a:txBody>
+                    <a:bodyPr/>
+                    <a:lstStyle/>
+                    <a:p>
+                      <a:pPr algn="ctr">
+                        <a:lnSpc>
+                          <a:spcPct val="115000"/>
+                        </a:lnSpc>
+                        <a:spcAft>
+                          <a:spcPts val="0"/>
+                        </a:spcAft>
+                      </a:pPr>
+                      <a:r>
+                        <a:rPr lang="ru-RU" sz="1600" dirty="0">
+                          <a:ln>
+                            <a:noFill/>
+                          </a:ln>
+                          <a:effectLst/>
+                        </a:rPr>
+                        <a:t>80,00%</a:t>
+                      </a:r>
+                      <a:endParaRPr lang="ru-RU" sz="1600" dirty="0">
+                        <a:ln>
+                          <a:noFill/>
+                        </a:ln>
+                        <a:solidFill>
+                          <a:schemeClr val="bg1">
+                            <a:lumMod val="95000"/>
+                          </a:schemeClr>
+                        </a:solidFill>
+                        <a:effectLst/>
+                        <a:latin typeface="Times New Roman" panose="02020603050405020304" pitchFamily="18" charset="0"/>
+                        <a:ea typeface="Times New Roman" panose="02020603050405020304" pitchFamily="18" charset="0"/>
+                        <a:cs typeface="Calibri" panose="020F0502020204030204" pitchFamily="34" charset="0"/>
+                      </a:endParaRPr>
+                    </a:p>
+                  </a:txBody>
+                  <a:tcPr marL="68580" marR="68580" marT="0" marB="0" anchor="ctr"/>
+                </a:tc>
+                <a:tc>
+                  <a:txBody>
+                    <a:bodyPr/>
+                    <a:lstStyle/>
+                    <a:p>
+                      <a:pPr algn="ctr">
+                        <a:lnSpc>
+                          <a:spcPct val="115000"/>
+                        </a:lnSpc>
+                        <a:spcAft>
+                          <a:spcPts val="0"/>
+                        </a:spcAft>
+                      </a:pPr>
+                      <a:r>
+                        <a:rPr lang="ru-RU" sz="1600" dirty="0">
+                          <a:ln>
+                            <a:noFill/>
+                          </a:ln>
+                          <a:effectLst/>
+                        </a:rPr>
+                        <a:t>20,00%</a:t>
+                      </a:r>
+                      <a:endParaRPr lang="ru-RU" sz="1600" dirty="0">
+                        <a:ln>
+                          <a:noFill/>
+                        </a:ln>
+                        <a:solidFill>
+                          <a:schemeClr val="bg1">
+                            <a:lumMod val="95000"/>
+                          </a:schemeClr>
+                        </a:solidFill>
+                        <a:effectLst/>
+                        <a:latin typeface="Times New Roman" panose="02020603050405020304" pitchFamily="18" charset="0"/>
+                        <a:ea typeface="Times New Roman" panose="02020603050405020304" pitchFamily="18" charset="0"/>
+                        <a:cs typeface="Calibri" panose="020F0502020204030204" pitchFamily="34" charset="0"/>
+                      </a:endParaRPr>
+                    </a:p>
+                  </a:txBody>
+                  <a:tcPr marL="68580" marR="68580" marT="0" marB="0" anchor="ctr"/>
+                </a:tc>
+              </a:tr>
+              <a:tr h="470853">
+                <a:tc>
+                  <a:txBody>
+                    <a:bodyPr/>
+                    <a:lstStyle/>
+                    <a:p>
+                      <a:pPr>
+                        <a:lnSpc>
+                          <a:spcPct val="115000"/>
+                        </a:lnSpc>
+                        <a:spcAft>
+                          <a:spcPts val="0"/>
+                        </a:spcAft>
+                      </a:pPr>
+                      <a:r>
+                        <a:rPr lang="ru-RU" sz="1400" dirty="0">
+                          <a:ln>
+                            <a:noFill/>
+                          </a:ln>
+                          <a:effectLst/>
+                        </a:rPr>
+                        <a:t>Объем трафика GPS-</a:t>
+                      </a:r>
+                      <a:r>
+                        <a:rPr lang="ru-RU" sz="1400" dirty="0" err="1">
+                          <a:ln>
+                            <a:noFill/>
+                          </a:ln>
+                          <a:effectLst/>
+                        </a:rPr>
+                        <a:t>трекера</a:t>
+                      </a:r>
+                      <a:endParaRPr lang="ru-RU" sz="1400" dirty="0">
+                        <a:ln>
+                          <a:noFill/>
+                        </a:ln>
+                        <a:solidFill>
+                          <a:schemeClr val="bg1">
+                            <a:lumMod val="95000"/>
+                          </a:schemeClr>
+                        </a:solidFill>
+                        <a:effectLst/>
+                        <a:latin typeface="Times New Roman" panose="02020603050405020304" pitchFamily="18" charset="0"/>
+                        <a:ea typeface="Times New Roman" panose="02020603050405020304" pitchFamily="18" charset="0"/>
+                        <a:cs typeface="Calibri" panose="020F0502020204030204" pitchFamily="34" charset="0"/>
+                      </a:endParaRPr>
+                    </a:p>
+                  </a:txBody>
+                  <a:tcPr marL="68580" marR="68580" marT="0" marB="0" anchor="ctr">
+                    <a:solidFill>
+                      <a:schemeClr val="tx1">
+                        <a:lumMod val="50000"/>
+                        <a:lumOff val="50000"/>
+                      </a:schemeClr>
+                    </a:solidFill>
+                  </a:tcPr>
+                </a:tc>
+                <a:tc>
+                  <a:txBody>
+                    <a:bodyPr/>
+                    <a:lstStyle/>
+                    <a:p>
+                      <a:pPr algn="ctr">
+                        <a:lnSpc>
+                          <a:spcPct val="115000"/>
+                        </a:lnSpc>
+                        <a:spcAft>
+                          <a:spcPts val="0"/>
+                        </a:spcAft>
+                      </a:pPr>
+                      <a:r>
+                        <a:rPr lang="ru-RU" sz="1600" dirty="0">
+                          <a:ln>
+                            <a:noFill/>
+                          </a:ln>
+                          <a:effectLst/>
+                        </a:rPr>
+                        <a:t>100,00%</a:t>
+                      </a:r>
+                      <a:endParaRPr lang="ru-RU" sz="1600" dirty="0">
+                        <a:ln>
+                          <a:noFill/>
+                        </a:ln>
+                        <a:solidFill>
+                          <a:schemeClr val="bg1">
+                            <a:lumMod val="95000"/>
+                          </a:schemeClr>
+                        </a:solidFill>
+                        <a:effectLst/>
+                        <a:latin typeface="Times New Roman" panose="02020603050405020304" pitchFamily="18" charset="0"/>
+                        <a:ea typeface="Times New Roman" panose="02020603050405020304" pitchFamily="18" charset="0"/>
+                        <a:cs typeface="Calibri" panose="020F0502020204030204" pitchFamily="34" charset="0"/>
+                      </a:endParaRPr>
+                    </a:p>
+                  </a:txBody>
+                  <a:tcPr marL="68580" marR="68580" marT="0" marB="0" anchor="ctr"/>
+                </a:tc>
+                <a:tc>
+                  <a:txBody>
+                    <a:bodyPr/>
+                    <a:lstStyle/>
+                    <a:p>
+                      <a:pPr algn="ctr">
+                        <a:lnSpc>
+                          <a:spcPct val="115000"/>
+                        </a:lnSpc>
+                        <a:spcAft>
+                          <a:spcPts val="0"/>
+                        </a:spcAft>
+                      </a:pPr>
+                      <a:r>
+                        <a:rPr lang="ru-RU" sz="1600" dirty="0">
+                          <a:ln>
+                            <a:noFill/>
+                          </a:ln>
+                          <a:effectLst/>
+                        </a:rPr>
+                        <a:t>60,00%</a:t>
+                      </a:r>
+                      <a:endParaRPr lang="ru-RU" sz="1600" dirty="0">
+                        <a:ln>
+                          <a:noFill/>
+                        </a:ln>
+                        <a:solidFill>
+                          <a:schemeClr val="bg1">
+                            <a:lumMod val="95000"/>
+                          </a:schemeClr>
+                        </a:solidFill>
+                        <a:effectLst/>
+                        <a:latin typeface="Times New Roman" panose="02020603050405020304" pitchFamily="18" charset="0"/>
+                        <a:ea typeface="Times New Roman" panose="02020603050405020304" pitchFamily="18" charset="0"/>
+                        <a:cs typeface="Calibri" panose="020F0502020204030204" pitchFamily="34" charset="0"/>
+                      </a:endParaRPr>
+                    </a:p>
+                  </a:txBody>
+                  <a:tcPr marL="68580" marR="68580" marT="0" marB="0" anchor="ctr"/>
+                </a:tc>
+                <a:tc>
+                  <a:txBody>
+                    <a:bodyPr/>
+                    <a:lstStyle/>
+                    <a:p>
+                      <a:pPr algn="ctr">
+                        <a:lnSpc>
+                          <a:spcPct val="115000"/>
+                        </a:lnSpc>
+                        <a:spcAft>
+                          <a:spcPts val="0"/>
+                        </a:spcAft>
+                      </a:pPr>
+                      <a:r>
+                        <a:rPr lang="ru-RU" sz="1600" dirty="0">
+                          <a:ln>
+                            <a:noFill/>
+                          </a:ln>
+                          <a:effectLst/>
+                        </a:rPr>
+                        <a:t>40,00%</a:t>
+                      </a:r>
+                      <a:endParaRPr lang="ru-RU" sz="1600" dirty="0">
+                        <a:ln>
+                          <a:noFill/>
+                        </a:ln>
+                        <a:solidFill>
+                          <a:schemeClr val="bg1">
+                            <a:lumMod val="95000"/>
+                          </a:schemeClr>
+                        </a:solidFill>
+                        <a:effectLst/>
+                        <a:latin typeface="Times New Roman" panose="02020603050405020304" pitchFamily="18" charset="0"/>
+                        <a:ea typeface="Times New Roman" panose="02020603050405020304" pitchFamily="18" charset="0"/>
+                        <a:cs typeface="Calibri" panose="020F0502020204030204" pitchFamily="34" charset="0"/>
+                      </a:endParaRPr>
+                    </a:p>
+                  </a:txBody>
+                  <a:tcPr marL="68580" marR="68580" marT="0" marB="0" anchor="ctr"/>
+                </a:tc>
+              </a:tr>
+            </a:tbl>
+          </a:graphicData>
+        </a:graphic>
+      </p:graphicFrame>
     </p:spTree>
   </p:cSld>
   <p:clrMapOvr>
@@ -8894,10 +9099,17 @@
   <p:transition spd="slow">
     <p:cut/>
   </p:transition>
+  <p:timing>
+    <p:tnLst>
+      <p:par>
+        <p:cTn id="1" dur="indefinite" restart="never" nodeType="tmRoot"/>
+      </p:par>
+    </p:tnLst>
+  </p:timing>
 </p:sld>
 </file>
 
-<file path=ppt/slides/slide16.xml><?xml version="1.0" encoding="utf-8"?>
+<file path=ppt/slides/slide14.xml><?xml version="1.0" encoding="utf-8"?>
 <p:sld xmlns:a="http://schemas.openxmlformats.org/drawingml/2006/main" xmlns:r="http://schemas.openxmlformats.org/officeDocument/2006/relationships" xmlns:p="http://schemas.openxmlformats.org/presentationml/2006/main">
   <p:cSld>
     <p:spTree>
@@ -8946,7 +9158,7 @@
               <a:buNone/>
             </a:pPr>
             <a:r>
-              <a:rPr lang="ru"/>
+              <a:rPr lang="ru" dirty="0"/>
               <a:t>Благодарю за внимание!</a:t>
             </a:r>
           </a:p>
@@ -8954,13 +9166,15 @@
       </p:sp>
       <p:sp>
         <p:nvSpPr>
-          <p:cNvPr id="237" name="Shape 237"/>
+          <p:cNvPr id="237" name="Shape 237">
+            <a:hlinkClick r:id="rId3"/>
+          </p:cNvPr>
           <p:cNvSpPr txBox="1"/>
           <p:nvPr/>
         </p:nvSpPr>
         <p:spPr>
           <a:xfrm>
-            <a:off x="337950" y="2908075"/>
+            <a:off x="218700" y="3419352"/>
             <a:ext cx="8468100" cy="1405499"/>
           </a:xfrm>
           <a:prstGeom prst="rect">
@@ -8977,36 +9191,56 @@
           </a:bodyPr>
           <a:lstStyle/>
           <a:p>
-            <a:pPr rtl="0">
-              <a:spcBef>
-                <a:spcPts val="0"/>
-              </a:spcBef>
-              <a:buNone/>
-            </a:pPr>
             <a:r>
-              <a:rPr lang="ru" sz="1800" u="sng">
+              <a:rPr lang="ru" sz="2000" u="sng" dirty="0">
                 <a:solidFill>
-                  <a:srgbClr val="F3F3F3"/>
+                  <a:schemeClr val="bg1">
+                    <a:lumMod val="95000"/>
+                  </a:schemeClr>
                 </a:solidFill>
-                <a:hlinkClick r:id="rId3"/>
+                <a:hlinkClick r:id="rId4"/>
               </a:rPr>
               <a:t>Coordinate</a:t>
             </a:r>
             <a:r>
-              <a:rPr lang="ru" sz="1800">
+              <a:rPr lang="ru" sz="2000" dirty="0">
                 <a:solidFill>
-                  <a:srgbClr val="F3F3F3"/>
+                  <a:schemeClr val="bg1">
+                    <a:lumMod val="95000"/>
+                  </a:schemeClr>
                 </a:solidFill>
               </a:rPr>
               <a:t> </a:t>
             </a:r>
             <a:r>
-              <a:rPr lang="ru" sz="1800">
+              <a:rPr lang="ru" sz="2000" dirty="0" smtClean="0">
                 <a:solidFill>
-                  <a:schemeClr val="lt2"/>
+                  <a:schemeClr val="bg1">
+                    <a:lumMod val="95000"/>
+                  </a:schemeClr>
                 </a:solidFill>
               </a:rPr>
-              <a:t>- Ссылка на Web-сайт проекта</a:t>
+              <a:t>– </a:t>
+            </a:r>
+            <a:r>
+              <a:rPr lang="ru" sz="2000" dirty="0" smtClean="0">
+                <a:solidFill>
+                  <a:schemeClr val="bg1">
+                    <a:lumMod val="95000"/>
+                  </a:schemeClr>
+                </a:solidFill>
+              </a:rPr>
+              <a:t>Web-сайт </a:t>
+            </a:r>
+            <a:r>
+              <a:rPr lang="ru" sz="2000" dirty="0">
+                <a:solidFill>
+                  <a:schemeClr val="bg1">
+                    <a:lumMod val="95000"/>
+                  </a:schemeClr>
+                </a:solidFill>
+              </a:rPr>
+              <a:t>проекта</a:t>
             </a:r>
           </a:p>
           <a:p>
@@ -9017,29 +9251,45 @@
               <a:buNone/>
             </a:pPr>
             <a:r>
-              <a:rPr lang="ru" sz="1800" u="sng">
+              <a:rPr lang="ru" sz="2000" u="sng" dirty="0">
                 <a:solidFill>
-                  <a:srgbClr val="EFEFEF"/>
+                  <a:schemeClr val="bg1">
+                    <a:lumMod val="95000"/>
+                  </a:schemeClr>
                 </a:solidFill>
-                <a:hlinkClick r:id="rId4"/>
+                <a:hlinkClick r:id="rId5"/>
               </a:rPr>
               <a:t>GitHub-Coordinate</a:t>
             </a:r>
             <a:r>
-              <a:rPr lang="ru" sz="1800">
+              <a:rPr lang="ru" sz="2000" dirty="0">
                 <a:solidFill>
-                  <a:srgbClr val="EFEFEF"/>
+                  <a:schemeClr val="bg1">
+                    <a:lumMod val="95000"/>
+                  </a:schemeClr>
                 </a:solidFill>
               </a:rPr>
               <a:t> </a:t>
             </a:r>
             <a:r>
-              <a:rPr lang="ru" sz="1800">
+              <a:rPr lang="ru" sz="2000" dirty="0" smtClean="0">
                 <a:solidFill>
-                  <a:schemeClr val="lt2"/>
+                  <a:schemeClr val="bg1">
+                    <a:lumMod val="95000"/>
+                  </a:schemeClr>
                 </a:solidFill>
               </a:rPr>
-              <a:t>- Ссылка на репозиторий Rails-приложения</a:t>
+              <a:t>– репозиторий </a:t>
+            </a:r>
+            <a:r>
+              <a:rPr lang="ru" sz="2000" dirty="0">
+                <a:solidFill>
+                  <a:schemeClr val="bg1">
+                    <a:lumMod val="95000"/>
+                  </a:schemeClr>
+                </a:solidFill>
+              </a:rPr>
+              <a:t>Rails-приложения</a:t>
             </a:r>
           </a:p>
           <a:p>
@@ -9050,22 +9300,52 @@
               <a:buNone/>
             </a:pPr>
             <a:r>
-              <a:rPr lang="ru" sz="1800" u="sng">
+              <a:rPr lang="ru" sz="2000" u="sng" dirty="0" smtClean="0">
                 <a:solidFill>
-                  <a:srgbClr val="F3F3F3"/>
+                  <a:schemeClr val="bg1">
+                    <a:lumMod val="95000"/>
+                  </a:schemeClr>
                 </a:solidFill>
-                <a:hlinkClick r:id="rId5"/>
               </a:rPr>
-              <a:t>GitHub-Coordinate-Tracker </a:t>
+              <a:t>GitHub-Coordinate-Tracker</a:t>
             </a:r>
             <a:r>
-              <a:rPr lang="ru" sz="1800">
+              <a:rPr lang="ru" sz="2000" dirty="0" smtClean="0">
                 <a:solidFill>
-                  <a:schemeClr val="lt2"/>
+                  <a:schemeClr val="bg1">
+                    <a:lumMod val="95000"/>
+                  </a:schemeClr>
                 </a:solidFill>
               </a:rPr>
-              <a:t>- Ссылка на репозиторий мобильного приложения</a:t>
+              <a:t> – репозиторий </a:t>
             </a:r>
+            <a:r>
+              <a:rPr lang="ru" sz="2000" dirty="0">
+                <a:solidFill>
+                  <a:schemeClr val="bg1">
+                    <a:lumMod val="95000"/>
+                  </a:schemeClr>
+                </a:solidFill>
+              </a:rPr>
+              <a:t>мобильного </a:t>
+            </a:r>
+            <a:r>
+              <a:rPr lang="ru" sz="2000" dirty="0" smtClean="0">
+                <a:solidFill>
+                  <a:schemeClr val="bg1">
+                    <a:lumMod val="95000"/>
+                  </a:schemeClr>
+                </a:solidFill>
+              </a:rPr>
+              <a:t>приложения-трекера</a:t>
+            </a:r>
+            <a:endParaRPr lang="ru" sz="2000" dirty="0">
+              <a:solidFill>
+                <a:schemeClr val="bg1">
+                  <a:lumMod val="95000"/>
+                </a:schemeClr>
+              </a:solidFill>
+            </a:endParaRPr>
           </a:p>
         </p:txBody>
       </p:sp>
@@ -9077,6 +9357,13 @@
   <p:transition spd="slow">
     <p:cut/>
   </p:transition>
+  <p:timing>
+    <p:tnLst>
+      <p:par>
+        <p:cTn id="1" dur="indefinite" restart="never" nodeType="tmRoot"/>
+      </p:par>
+    </p:tnLst>
+  </p:timing>
 </p:sld>
 </file>
 
@@ -9207,6 +9494,13 @@
   <p:transition spd="slow">
     <p:cut/>
   </p:transition>
+  <p:timing>
+    <p:tnLst>
+      <p:par>
+        <p:cTn id="1" dur="indefinite" restart="never" nodeType="tmRoot"/>
+      </p:par>
+    </p:tnLst>
+  </p:timing>
 </p:sld>
 </file>
 
@@ -9339,6 +9633,13 @@
   <p:clrMapOvr>
     <a:masterClrMapping/>
   </p:clrMapOvr>
+  <p:timing>
+    <p:tnLst>
+      <p:par>
+        <p:cTn id="1" dur="indefinite" restart="never" nodeType="tmRoot"/>
+      </p:par>
+    </p:tnLst>
+  </p:timing>
 </p:sld>
 </file>
 
@@ -10277,6 +10578,13 @@
   <p:transition spd="slow">
     <p:cut/>
   </p:transition>
+  <p:timing>
+    <p:tnLst>
+      <p:par>
+        <p:cTn id="1" dur="indefinite" restart="never" nodeType="tmRoot"/>
+      </p:par>
+    </p:tnLst>
+  </p:timing>
 </p:sld>
 </file>
 
@@ -11039,226 +11347,17 @@
   <p:transition spd="slow">
     <p:cut/>
   </p:transition>
+  <p:timing>
+    <p:tnLst>
+      <p:par>
+        <p:cTn id="1" dur="indefinite" restart="never" nodeType="tmRoot"/>
+      </p:par>
+    </p:tnLst>
+  </p:timing>
 </p:sld>
 </file>
 
 <file path=ppt/slides/slide6.xml><?xml version="1.0" encoding="utf-8"?>
-<p:sld xmlns:a="http://schemas.openxmlformats.org/drawingml/2006/main" xmlns:r="http://schemas.openxmlformats.org/officeDocument/2006/relationships" xmlns:p="http://schemas.openxmlformats.org/presentationml/2006/main">
-  <p:cSld>
-    <p:spTree>
-      <p:nvGrpSpPr>
-        <p:cNvPr id="1" name="Shape 158"/>
-        <p:cNvGrpSpPr/>
-        <p:nvPr/>
-      </p:nvGrpSpPr>
-      <p:grpSpPr>
-        <a:xfrm>
-          <a:off x="0" y="0"/>
-          <a:ext cx="0" cy="0"/>
-          <a:chOff x="0" y="0"/>
-          <a:chExt cx="0" cy="0"/>
-        </a:xfrm>
-      </p:grpSpPr>
-      <p:sp>
-        <p:nvSpPr>
-          <p:cNvPr id="159" name="Shape 159"/>
-          <p:cNvSpPr txBox="1">
-            <a:spLocks noGrp="1"/>
-          </p:cNvSpPr>
-          <p:nvPr>
-            <p:ph type="title"/>
-          </p:nvPr>
-        </p:nvSpPr>
-        <p:spPr>
-          <a:xfrm>
-            <a:off x="457200" y="274637"/>
-            <a:ext cx="8229600" cy="1143000"/>
-          </a:xfrm>
-          <a:prstGeom prst="rect">
-            <a:avLst/>
-          </a:prstGeom>
-        </p:spPr>
-        <p:txBody>
-          <a:bodyPr lIns="91425" tIns="91425" rIns="91425" bIns="91425" anchor="b" anchorCtr="0">
-            <a:noAutofit/>
-          </a:bodyPr>
-          <a:lstStyle/>
-          <a:p>
-            <a:pPr>
-              <a:spcBef>
-                <a:spcPts val="0"/>
-              </a:spcBef>
-              <a:buNone/>
-            </a:pPr>
-            <a:r>
-              <a:rPr lang="ru"/>
-              <a:t>Backend “Coordinate”</a:t>
-            </a:r>
-          </a:p>
-        </p:txBody>
-      </p:sp>
-      <p:sp>
-        <p:nvSpPr>
-          <p:cNvPr id="160" name="Shape 160"/>
-          <p:cNvSpPr txBox="1">
-            <a:spLocks noGrp="1"/>
-          </p:cNvSpPr>
-          <p:nvPr>
-            <p:ph type="body" idx="1"/>
-          </p:nvPr>
-        </p:nvSpPr>
-        <p:spPr>
-          <a:xfrm>
-            <a:off x="457200" y="1694100"/>
-            <a:ext cx="8108699" cy="3469799"/>
-          </a:xfrm>
-          <a:prstGeom prst="rect">
-            <a:avLst/>
-          </a:prstGeom>
-        </p:spPr>
-        <p:txBody>
-          <a:bodyPr lIns="91425" tIns="91425" rIns="91425" bIns="91425" anchor="t" anchorCtr="0">
-            <a:noAutofit/>
-          </a:bodyPr>
-          <a:lstStyle/>
-          <a:p>
-            <a:pPr marL="457200" lvl="0" indent="-419100" rtl="0">
-              <a:lnSpc>
-                <a:spcPct val="150000"/>
-              </a:lnSpc>
-              <a:spcBef>
-                <a:spcPts val="0"/>
-              </a:spcBef>
-              <a:buClr>
-                <a:schemeClr val="lt2"/>
-              </a:buClr>
-              <a:buSzPct val="100000"/>
-              <a:buFont typeface="Arial"/>
-              <a:buChar char="●"/>
-            </a:pPr>
-            <a:r>
-              <a:rPr lang="ru">
-                <a:solidFill>
-                  <a:schemeClr val="lt2"/>
-                </a:solidFill>
-              </a:rPr>
-              <a:t>Ruby - простой и продуктивный ООП</a:t>
-            </a:r>
-          </a:p>
-          <a:p>
-            <a:pPr marL="457200" lvl="0" indent="-419100" rtl="0">
-              <a:lnSpc>
-                <a:spcPct val="150000"/>
-              </a:lnSpc>
-              <a:spcBef>
-                <a:spcPts val="0"/>
-              </a:spcBef>
-              <a:buClr>
-                <a:schemeClr val="lt2"/>
-              </a:buClr>
-              <a:buSzPct val="100000"/>
-              <a:buFont typeface="Arial"/>
-              <a:buChar char="●"/>
-            </a:pPr>
-            <a:r>
-              <a:rPr lang="ru">
-                <a:solidFill>
-                  <a:schemeClr val="lt2"/>
-                </a:solidFill>
-              </a:rPr>
-              <a:t>Реализует шаблон проектирования MVC</a:t>
-            </a:r>
-          </a:p>
-          <a:p>
-            <a:pPr marL="457200" lvl="0" indent="-419100" rtl="0">
-              <a:lnSpc>
-                <a:spcPct val="150000"/>
-              </a:lnSpc>
-              <a:spcBef>
-                <a:spcPts val="0"/>
-              </a:spcBef>
-              <a:buClr>
-                <a:schemeClr val="lt2"/>
-              </a:buClr>
-              <a:buSzPct val="100000"/>
-              <a:buFont typeface="Arial"/>
-              <a:buChar char="●"/>
-            </a:pPr>
-            <a:r>
-              <a:rPr lang="ru">
-                <a:solidFill>
-                  <a:schemeClr val="lt2"/>
-                </a:solidFill>
-              </a:rPr>
-              <a:t>Взаимодействие REST-запросами </a:t>
-            </a:r>
-            <a:br>
-              <a:rPr lang="ru">
-                <a:solidFill>
-                  <a:schemeClr val="lt2"/>
-                </a:solidFill>
-              </a:rPr>
-            </a:br>
-            <a:r>
-              <a:rPr lang="ru" sz="1800">
-                <a:solidFill>
-                  <a:schemeClr val="lt2"/>
-                </a:solidFill>
-              </a:rPr>
-              <a:t>(GET, POST, PUT, DELETE)</a:t>
-            </a:r>
-          </a:p>
-          <a:p>
-            <a:pPr marL="457200" lvl="0" indent="-419100" rtl="0">
-              <a:lnSpc>
-                <a:spcPct val="150000"/>
-              </a:lnSpc>
-              <a:spcBef>
-                <a:spcPts val="0"/>
-              </a:spcBef>
-              <a:buClr>
-                <a:schemeClr val="lt2"/>
-              </a:buClr>
-              <a:buSzPct val="100000"/>
-              <a:buFont typeface="Arial"/>
-              <a:buChar char="●"/>
-            </a:pPr>
-            <a:r>
-              <a:rPr lang="ru">
-                <a:solidFill>
-                  <a:schemeClr val="lt2"/>
-                </a:solidFill>
-              </a:rPr>
-              <a:t>SSL шифрование канала</a:t>
-            </a:r>
-          </a:p>
-          <a:p>
-            <a:pPr lvl="0" rtl="0">
-              <a:spcBef>
-                <a:spcPts val="0"/>
-              </a:spcBef>
-              <a:buNone/>
-            </a:pPr>
-            <a:endParaRPr>
-              <a:solidFill>
-                <a:schemeClr val="lt2"/>
-              </a:solidFill>
-            </a:endParaRPr>
-          </a:p>
-        </p:txBody>
-      </p:sp>
-    </p:spTree>
-  </p:cSld>
-  <p:clrMapOvr>
-    <a:masterClrMapping/>
-  </p:clrMapOvr>
-  <p:transition spd="slow">
-    <p:cut/>
-  </p:transition>
-</p:sld>
-</file>
-
-<file path=ppt/slides/slide7.xml><?xml version="1.0" encoding="utf-8"?>
 <p:sld xmlns:a="http://schemas.openxmlformats.org/drawingml/2006/main" xmlns:r="http://schemas.openxmlformats.org/officeDocument/2006/relationships" xmlns:p="http://schemas.openxmlformats.org/presentationml/2006/main">
   <p:cSld>
     <p:spTree>
@@ -11307,147 +11406,28 @@
               <a:buNone/>
             </a:pPr>
             <a:r>
-              <a:rPr lang="ru"/>
-              <a:t>“Coordinate-tracker”</a:t>
+              <a:rPr lang="ru" sz="3200" dirty="0" smtClean="0"/>
+              <a:t>Алгоритм поиска целевого маршрута</a:t>
             </a:r>
-          </a:p>
-        </p:txBody>
-      </p:sp>
-      <p:sp>
-        <p:nvSpPr>
-          <p:cNvPr id="176" name="Shape 176"/>
-          <p:cNvSpPr txBox="1">
-            <a:spLocks noGrp="1"/>
-          </p:cNvSpPr>
-          <p:nvPr>
-            <p:ph type="body" idx="1"/>
-          </p:nvPr>
-        </p:nvSpPr>
-        <p:spPr>
-          <a:xfrm>
-            <a:off x="457200" y="1879025"/>
-            <a:ext cx="5032800" cy="4130399"/>
-          </a:xfrm>
-          <a:prstGeom prst="rect">
-            <a:avLst/>
-          </a:prstGeom>
-        </p:spPr>
-        <p:txBody>
-          <a:bodyPr lIns="91425" tIns="91425" rIns="91425" bIns="91425" anchor="t" anchorCtr="0">
-            <a:noAutofit/>
-          </a:bodyPr>
-          <a:lstStyle/>
-          <a:p>
-            <a:pPr marL="457200" lvl="0" indent="-419100" rtl="0">
-              <a:lnSpc>
-                <a:spcPct val="115000"/>
-              </a:lnSpc>
-              <a:spcBef>
-                <a:spcPts val="0"/>
-              </a:spcBef>
-              <a:buClr>
-                <a:schemeClr val="lt2"/>
-              </a:buClr>
-              <a:buSzPct val="100000"/>
-              <a:buFont typeface="Arial"/>
-              <a:buChar char="●"/>
-            </a:pPr>
-            <a:r>
-              <a:rPr lang="ru">
-                <a:solidFill>
-                  <a:schemeClr val="lt2"/>
-                </a:solidFill>
-              </a:rPr>
-              <a:t>OS: Android 2.3 и старше</a:t>
-            </a:r>
-          </a:p>
-          <a:p>
-            <a:pPr marL="457200" lvl="0" indent="-419100" rtl="0">
-              <a:lnSpc>
-                <a:spcPct val="115000"/>
-              </a:lnSpc>
-              <a:spcBef>
-                <a:spcPts val="0"/>
-              </a:spcBef>
-              <a:buClr>
-                <a:schemeClr val="lt2"/>
-              </a:buClr>
-              <a:buSzPct val="100000"/>
-              <a:buFont typeface="Arial"/>
-              <a:buChar char="●"/>
-            </a:pPr>
-            <a:r>
-              <a:rPr lang="ru">
-                <a:solidFill>
-                  <a:schemeClr val="lt2"/>
-                </a:solidFill>
-              </a:rPr>
-              <a:t>Получение и отправка </a:t>
-            </a:r>
-            <a:br>
-              <a:rPr lang="ru">
-                <a:solidFill>
-                  <a:schemeClr val="lt2"/>
-                </a:solidFill>
-              </a:rPr>
-            </a:br>
-            <a:r>
-              <a:rPr lang="ru">
-                <a:solidFill>
-                  <a:schemeClr val="lt2"/>
-                </a:solidFill>
-              </a:rPr>
-              <a:t>GPS координат на сервер</a:t>
-            </a:r>
-          </a:p>
-          <a:p>
-            <a:pPr marL="457200" lvl="0" indent="-419100" rtl="0">
-              <a:lnSpc>
-                <a:spcPct val="115000"/>
-              </a:lnSpc>
-              <a:spcBef>
-                <a:spcPts val="0"/>
-              </a:spcBef>
-              <a:buClr>
-                <a:schemeClr val="lt2"/>
-              </a:buClr>
-              <a:buSzPct val="100000"/>
-              <a:buFont typeface="Arial"/>
-              <a:buChar char="●"/>
-            </a:pPr>
-            <a:r>
-              <a:rPr lang="ru">
-                <a:solidFill>
-                  <a:schemeClr val="lt2"/>
-                </a:solidFill>
-              </a:rPr>
-              <a:t>Резервирование при неуспешной передаче</a:t>
-            </a:r>
-          </a:p>
-          <a:p>
-            <a:pPr lvl="0">
-              <a:spcBef>
-                <a:spcPts val="0"/>
-              </a:spcBef>
-              <a:buNone/>
-            </a:pPr>
-            <a:endParaRPr>
-              <a:solidFill>
-                <a:schemeClr val="lt2"/>
-              </a:solidFill>
-            </a:endParaRPr>
+            <a:endParaRPr lang="ru" sz="3200" dirty="0"/>
           </a:p>
         </p:txBody>
       </p:sp>
       <p:pic>
         <p:nvPicPr>
-          <p:cNvPr id="177" name="Shape 177"/>
-          <p:cNvPicPr preferRelativeResize="0"/>
+          <p:cNvPr id="7" name="Рисунок 6"/>
+          <p:cNvPicPr>
+            <a:picLocks noChangeAspect="1"/>
+          </p:cNvPicPr>
           <p:nvPr/>
         </p:nvPicPr>
         <p:blipFill>
           <a:blip r:embed="rId3">
-            <a:alphaModFix/>
+            <a:extLst>
+              <a:ext uri="{28A0092B-C50C-407E-A947-70E740481C1C}">
+                <a14:useLocalDpi xmlns:a14="http://schemas.microsoft.com/office/drawing/2010/main" val="0"/>
+              </a:ext>
+            </a:extLst>
           </a:blip>
           <a:stretch>
             <a:fillRect/>
@@ -11455,18 +11435,128 @@
         </p:blipFill>
         <p:spPr>
           <a:xfrm>
-            <a:off x="6183475" y="1714800"/>
-            <a:ext cx="2503325" cy="4491850"/>
+            <a:off x="378544" y="1563330"/>
+            <a:ext cx="4795950" cy="3898490"/>
+          </a:xfrm>
+          <a:prstGeom prst="rect">
+            <a:avLst/>
+          </a:prstGeom>
+        </p:spPr>
+      </p:pic>
+      <p:pic>
+        <p:nvPicPr>
+          <p:cNvPr id="8" name="Рисунок 7"/>
+          <p:cNvPicPr>
+            <a:picLocks noChangeAspect="1"/>
+          </p:cNvPicPr>
+          <p:nvPr/>
+        </p:nvPicPr>
+        <p:blipFill>
+          <a:blip r:embed="rId4">
+            <a:extLst>
+              <a:ext uri="{28A0092B-C50C-407E-A947-70E740481C1C}">
+                <a14:useLocalDpi xmlns:a14="http://schemas.microsoft.com/office/drawing/2010/main" val="0"/>
+              </a:ext>
+            </a:extLst>
+          </a:blip>
+          <a:stretch>
+            <a:fillRect/>
+          </a:stretch>
+        </p:blipFill>
+        <p:spPr>
+          <a:xfrm>
+            <a:off x="5416007" y="1563330"/>
+            <a:ext cx="3403532" cy="3898490"/>
+          </a:xfrm>
+          <a:prstGeom prst="rect">
+            <a:avLst/>
+          </a:prstGeom>
+        </p:spPr>
+      </p:pic>
+      <p:sp>
+        <p:nvSpPr>
+          <p:cNvPr id="9" name="TextBox 8"/>
+          <p:cNvSpPr txBox="1"/>
+          <p:nvPr/>
+        </p:nvSpPr>
+        <p:spPr>
+          <a:xfrm>
+            <a:off x="1729383" y="5572863"/>
+            <a:ext cx="2094271" cy="338554"/>
           </a:xfrm>
           <a:prstGeom prst="rect">
             <a:avLst/>
           </a:prstGeom>
           <a:noFill/>
-          <a:ln>
-            <a:noFill/>
-          </a:ln>
         </p:spPr>
-      </p:pic>
+        <p:txBody>
+          <a:bodyPr wrap="square" rtlCol="0">
+            <a:spAutoFit/>
+          </a:bodyPr>
+          <a:lstStyle/>
+          <a:p>
+            <a:r>
+              <a:rPr lang="ru-RU" sz="1600" dirty="0" smtClean="0">
+                <a:solidFill>
+                  <a:schemeClr val="bg1">
+                    <a:lumMod val="95000"/>
+                  </a:schemeClr>
+                </a:solidFill>
+              </a:rPr>
+              <a:t>До оптимизации</a:t>
+            </a:r>
+            <a:endParaRPr lang="ru-RU" sz="1600" dirty="0">
+              <a:solidFill>
+                <a:schemeClr val="bg1">
+                  <a:lumMod val="95000"/>
+                </a:schemeClr>
+              </a:solidFill>
+            </a:endParaRPr>
+          </a:p>
+        </p:txBody>
+      </p:sp>
+      <p:sp>
+        <p:nvSpPr>
+          <p:cNvPr id="13" name="TextBox 12"/>
+          <p:cNvSpPr txBox="1"/>
+          <p:nvPr/>
+        </p:nvSpPr>
+        <p:spPr>
+          <a:xfrm>
+            <a:off x="6070637" y="5572863"/>
+            <a:ext cx="2094271" cy="338554"/>
+          </a:xfrm>
+          <a:prstGeom prst="rect">
+            <a:avLst/>
+          </a:prstGeom>
+          <a:noFill/>
+        </p:spPr>
+        <p:txBody>
+          <a:bodyPr wrap="square" rtlCol="0">
+            <a:spAutoFit/>
+          </a:bodyPr>
+          <a:lstStyle/>
+          <a:p>
+            <a:r>
+              <a:rPr lang="ru-RU" sz="1600" dirty="0" smtClean="0">
+                <a:solidFill>
+                  <a:schemeClr val="bg1">
+                    <a:lumMod val="95000"/>
+                  </a:schemeClr>
+                </a:solidFill>
+              </a:rPr>
+              <a:t>После оптимизации</a:t>
+            </a:r>
+            <a:endParaRPr lang="ru-RU" sz="1600" dirty="0">
+              <a:solidFill>
+                <a:schemeClr val="bg1">
+                  <a:lumMod val="95000"/>
+                </a:schemeClr>
+              </a:solidFill>
+            </a:endParaRPr>
+          </a:p>
+        </p:txBody>
+      </p:sp>
     </p:spTree>
   </p:cSld>
   <p:clrMapOvr>
@@ -11475,10 +11565,745 @@
   <p:transition spd="slow">
     <p:cut/>
   </p:transition>
+  <p:timing>
+    <p:tnLst>
+      <p:par>
+        <p:cTn id="1" dur="indefinite" restart="never" nodeType="tmRoot"/>
+      </p:par>
+    </p:tnLst>
+  </p:timing>
+</p:sld>
+</file>
+
+<file path=ppt/slides/slide7.xml><?xml version="1.0" encoding="utf-8"?>
+<p:sld xmlns:a="http://schemas.openxmlformats.org/drawingml/2006/main" xmlns:r="http://schemas.openxmlformats.org/officeDocument/2006/relationships" xmlns:p="http://schemas.openxmlformats.org/presentationml/2006/main">
+  <p:cSld>
+    <p:spTree>
+      <p:nvGrpSpPr>
+        <p:cNvPr id="1" name="Shape 174"/>
+        <p:cNvGrpSpPr/>
+        <p:nvPr/>
+      </p:nvGrpSpPr>
+      <p:grpSpPr>
+        <a:xfrm>
+          <a:off x="0" y="0"/>
+          <a:ext cx="0" cy="0"/>
+          <a:chOff x="0" y="0"/>
+          <a:chExt cx="0" cy="0"/>
+        </a:xfrm>
+      </p:grpSpPr>
+      <p:grpSp>
+        <p:nvGrpSpPr>
+          <p:cNvPr id="10" name="Группа 9"/>
+          <p:cNvGrpSpPr/>
+          <p:nvPr/>
+        </p:nvGrpSpPr>
+        <p:grpSpPr>
+          <a:xfrm>
+            <a:off x="457200" y="1600671"/>
+            <a:ext cx="2620297" cy="3946524"/>
+            <a:chOff x="457200" y="1600671"/>
+            <a:chExt cx="2620297" cy="3946524"/>
+          </a:xfrm>
+        </p:grpSpPr>
+        <p:sp>
+          <p:nvSpPr>
+            <p:cNvPr id="4" name="Блок-схема: процесс 3"/>
+            <p:cNvSpPr/>
+            <p:nvPr/>
+          </p:nvSpPr>
+          <p:spPr>
+            <a:xfrm>
+              <a:off x="457200" y="1600671"/>
+              <a:ext cx="2620297" cy="3946524"/>
+            </a:xfrm>
+            <a:prstGeom prst="flowChartProcess">
+              <a:avLst/>
+            </a:prstGeom>
+            <a:solidFill>
+              <a:schemeClr val="bg1"/>
+            </a:solidFill>
+            <a:ln>
+              <a:solidFill>
+                <a:schemeClr val="bg1"/>
+              </a:solidFill>
+            </a:ln>
+          </p:spPr>
+          <p:style>
+            <a:lnRef idx="2">
+              <a:schemeClr val="dk1">
+                <a:shade val="50000"/>
+              </a:schemeClr>
+            </a:lnRef>
+            <a:fillRef idx="1">
+              <a:schemeClr val="dk1"/>
+            </a:fillRef>
+            <a:effectRef idx="0">
+              <a:schemeClr val="dk1"/>
+            </a:effectRef>
+            <a:fontRef idx="minor">
+              <a:schemeClr val="lt1"/>
+            </a:fontRef>
+          </p:style>
+          <p:txBody>
+            <a:bodyPr rtlCol="0" anchor="ctr"/>
+            <a:lstStyle/>
+            <a:p>
+              <a:pPr algn="ctr"/>
+              <a:endParaRPr lang="ru-RU"/>
+            </a:p>
+          </p:txBody>
+        </p:sp>
+        <p:pic>
+          <p:nvPicPr>
+            <p:cNvPr id="2" name="Рисунок 1"/>
+            <p:cNvPicPr>
+              <a:picLocks noChangeAspect="1"/>
+            </p:cNvPicPr>
+            <p:nvPr/>
+          </p:nvPicPr>
+          <p:blipFill>
+            <a:blip r:embed="rId3">
+              <a:extLst>
+                <a:ext uri="{28A0092B-C50C-407E-A947-70E740481C1C}">
+                  <a14:useLocalDpi xmlns:a14="http://schemas.microsoft.com/office/drawing/2010/main" val="0"/>
+                </a:ext>
+              </a:extLst>
+            </a:blip>
+            <a:stretch>
+              <a:fillRect/>
+            </a:stretch>
+          </p:blipFill>
+          <p:spPr>
+            <a:xfrm>
+              <a:off x="844503" y="1662029"/>
+              <a:ext cx="1769755" cy="3823808"/>
+            </a:xfrm>
+            <a:prstGeom prst="rect">
+              <a:avLst/>
+            </a:prstGeom>
+          </p:spPr>
+        </p:pic>
+      </p:grpSp>
+      <p:sp>
+        <p:nvSpPr>
+          <p:cNvPr id="175" name="Shape 175"/>
+          <p:cNvSpPr txBox="1">
+            <a:spLocks noGrp="1"/>
+          </p:cNvSpPr>
+          <p:nvPr>
+            <p:ph type="title"/>
+          </p:nvPr>
+        </p:nvSpPr>
+        <p:spPr>
+          <a:xfrm>
+            <a:off x="457200" y="309287"/>
+            <a:ext cx="8229600" cy="1143000"/>
+          </a:xfrm>
+          <a:prstGeom prst="rect">
+            <a:avLst/>
+          </a:prstGeom>
+        </p:spPr>
+        <p:txBody>
+          <a:bodyPr lIns="91425" tIns="91425" rIns="91425" bIns="91425" anchor="b" anchorCtr="0">
+            <a:noAutofit/>
+          </a:bodyPr>
+          <a:lstStyle/>
+          <a:p>
+            <a:pPr>
+              <a:spcBef>
+                <a:spcPts val="0"/>
+              </a:spcBef>
+              <a:buNone/>
+            </a:pPr>
+            <a:r>
+              <a:rPr lang="ru" sz="3200" dirty="0" smtClean="0"/>
+              <a:t>Алгоритм передачи геоданных</a:t>
+            </a:r>
+            <a:endParaRPr lang="ru" sz="3200" dirty="0"/>
+          </a:p>
+        </p:txBody>
+      </p:sp>
+      <p:sp>
+        <p:nvSpPr>
+          <p:cNvPr id="9" name="TextBox 8"/>
+          <p:cNvSpPr txBox="1"/>
+          <p:nvPr/>
+        </p:nvSpPr>
+        <p:spPr>
+          <a:xfrm>
+            <a:off x="682244" y="5695579"/>
+            <a:ext cx="2094271" cy="338554"/>
+          </a:xfrm>
+          <a:prstGeom prst="rect">
+            <a:avLst/>
+          </a:prstGeom>
+          <a:noFill/>
+        </p:spPr>
+        <p:txBody>
+          <a:bodyPr wrap="square" rtlCol="0">
+            <a:spAutoFit/>
+          </a:bodyPr>
+          <a:lstStyle/>
+          <a:p>
+            <a:r>
+              <a:rPr lang="ru-RU" sz="1600" dirty="0" smtClean="0">
+                <a:solidFill>
+                  <a:schemeClr val="bg1">
+                    <a:lumMod val="95000"/>
+                  </a:schemeClr>
+                </a:solidFill>
+              </a:rPr>
+              <a:t>До оптимизации</a:t>
+            </a:r>
+            <a:endParaRPr lang="ru-RU" sz="1600" dirty="0">
+              <a:solidFill>
+                <a:schemeClr val="bg1">
+                  <a:lumMod val="95000"/>
+                </a:schemeClr>
+              </a:solidFill>
+            </a:endParaRPr>
+          </a:p>
+        </p:txBody>
+      </p:sp>
+      <p:sp>
+        <p:nvSpPr>
+          <p:cNvPr id="13" name="TextBox 12"/>
+          <p:cNvSpPr txBox="1"/>
+          <p:nvPr/>
+        </p:nvSpPr>
+        <p:spPr>
+          <a:xfrm>
+            <a:off x="5028664" y="5695579"/>
+            <a:ext cx="2094271" cy="338554"/>
+          </a:xfrm>
+          <a:prstGeom prst="rect">
+            <a:avLst/>
+          </a:prstGeom>
+          <a:noFill/>
+        </p:spPr>
+        <p:txBody>
+          <a:bodyPr wrap="square" rtlCol="0">
+            <a:spAutoFit/>
+          </a:bodyPr>
+          <a:lstStyle/>
+          <a:p>
+            <a:r>
+              <a:rPr lang="ru-RU" sz="1600" dirty="0" smtClean="0">
+                <a:solidFill>
+                  <a:schemeClr val="bg1">
+                    <a:lumMod val="95000"/>
+                  </a:schemeClr>
+                </a:solidFill>
+              </a:rPr>
+              <a:t>После оптимизации</a:t>
+            </a:r>
+            <a:endParaRPr lang="ru-RU" sz="1600" dirty="0">
+              <a:solidFill>
+                <a:schemeClr val="bg1">
+                  <a:lumMod val="95000"/>
+                </a:schemeClr>
+              </a:solidFill>
+            </a:endParaRPr>
+          </a:p>
+        </p:txBody>
+      </p:sp>
+      <p:grpSp>
+        <p:nvGrpSpPr>
+          <p:cNvPr id="6" name="Группа 5"/>
+          <p:cNvGrpSpPr/>
+          <p:nvPr/>
+        </p:nvGrpSpPr>
+        <p:grpSpPr>
+          <a:xfrm>
+            <a:off x="3464800" y="1600671"/>
+            <a:ext cx="5222000" cy="3946524"/>
+            <a:chOff x="3464800" y="1600671"/>
+            <a:chExt cx="5222000" cy="3946524"/>
+          </a:xfrm>
+        </p:grpSpPr>
+        <p:sp>
+          <p:nvSpPr>
+            <p:cNvPr id="11" name="Блок-схема: процесс 10"/>
+            <p:cNvSpPr/>
+            <p:nvPr/>
+          </p:nvSpPr>
+          <p:spPr>
+            <a:xfrm>
+              <a:off x="3464800" y="1600671"/>
+              <a:ext cx="5222000" cy="3946524"/>
+            </a:xfrm>
+            <a:prstGeom prst="flowChartProcess">
+              <a:avLst/>
+            </a:prstGeom>
+            <a:solidFill>
+              <a:schemeClr val="bg1"/>
+            </a:solidFill>
+            <a:ln>
+              <a:solidFill>
+                <a:schemeClr val="bg1"/>
+              </a:solidFill>
+            </a:ln>
+          </p:spPr>
+          <p:style>
+            <a:lnRef idx="2">
+              <a:schemeClr val="dk1">
+                <a:shade val="50000"/>
+              </a:schemeClr>
+            </a:lnRef>
+            <a:fillRef idx="1">
+              <a:schemeClr val="dk1"/>
+            </a:fillRef>
+            <a:effectRef idx="0">
+              <a:schemeClr val="dk1"/>
+            </a:effectRef>
+            <a:fontRef idx="minor">
+              <a:schemeClr val="lt1"/>
+            </a:fontRef>
+          </p:style>
+          <p:txBody>
+            <a:bodyPr rtlCol="0" anchor="ctr"/>
+            <a:lstStyle/>
+            <a:p>
+              <a:pPr algn="ctr"/>
+              <a:endParaRPr lang="ru-RU"/>
+            </a:p>
+          </p:txBody>
+        </p:sp>
+        <p:pic>
+          <p:nvPicPr>
+            <p:cNvPr id="3" name="Рисунок 2"/>
+            <p:cNvPicPr>
+              <a:picLocks noChangeAspect="1"/>
+            </p:cNvPicPr>
+            <p:nvPr/>
+          </p:nvPicPr>
+          <p:blipFill>
+            <a:blip r:embed="rId4">
+              <a:extLst>
+                <a:ext uri="{28A0092B-C50C-407E-A947-70E740481C1C}">
+                  <a14:useLocalDpi xmlns:a14="http://schemas.microsoft.com/office/drawing/2010/main" val="0"/>
+                </a:ext>
+              </a:extLst>
+            </a:blip>
+            <a:stretch>
+              <a:fillRect/>
+            </a:stretch>
+          </p:blipFill>
+          <p:spPr>
+            <a:xfrm>
+              <a:off x="3911869" y="1684059"/>
+              <a:ext cx="4489795" cy="3823808"/>
+            </a:xfrm>
+            <a:prstGeom prst="rect">
+              <a:avLst/>
+            </a:prstGeom>
+          </p:spPr>
+        </p:pic>
+      </p:grpSp>
+    </p:spTree>
+    <p:extLst>
+      <p:ext uri="{BB962C8B-B14F-4D97-AF65-F5344CB8AC3E}">
+        <p14:creationId xmlns:p14="http://schemas.microsoft.com/office/powerpoint/2010/main" val="670284820"/>
+      </p:ext>
+    </p:extLst>
+  </p:cSld>
+  <p:clrMapOvr>
+    <a:masterClrMapping/>
+  </p:clrMapOvr>
+  <p:transition spd="slow">
+    <p:cut/>
+  </p:transition>
+  <p:timing>
+    <p:tnLst>
+      <p:par>
+        <p:cTn id="1" dur="indefinite" restart="never" nodeType="tmRoot"/>
+      </p:par>
+    </p:tnLst>
+  </p:timing>
 </p:sld>
 </file>
 
 <file path=ppt/slides/slide8.xml><?xml version="1.0" encoding="utf-8"?>
+<p:sld xmlns:a="http://schemas.openxmlformats.org/drawingml/2006/main" xmlns:r="http://schemas.openxmlformats.org/officeDocument/2006/relationships" xmlns:p="http://schemas.openxmlformats.org/presentationml/2006/main">
+  <p:cSld>
+    <p:spTree>
+      <p:nvGrpSpPr>
+        <p:cNvPr id="1" name="Shape 174"/>
+        <p:cNvGrpSpPr/>
+        <p:nvPr/>
+      </p:nvGrpSpPr>
+      <p:grpSpPr>
+        <a:xfrm>
+          <a:off x="0" y="0"/>
+          <a:ext cx="0" cy="0"/>
+          <a:chOff x="0" y="0"/>
+          <a:chExt cx="0" cy="0"/>
+        </a:xfrm>
+      </p:grpSpPr>
+      <p:sp>
+        <p:nvSpPr>
+          <p:cNvPr id="175" name="Shape 175"/>
+          <p:cNvSpPr txBox="1">
+            <a:spLocks noGrp="1"/>
+          </p:cNvSpPr>
+          <p:nvPr>
+            <p:ph type="title"/>
+          </p:nvPr>
+        </p:nvSpPr>
+        <p:spPr>
+          <a:xfrm>
+            <a:off x="457200" y="309287"/>
+            <a:ext cx="8229600" cy="1143000"/>
+          </a:xfrm>
+          <a:prstGeom prst="rect">
+            <a:avLst/>
+          </a:prstGeom>
+        </p:spPr>
+        <p:txBody>
+          <a:bodyPr lIns="91425" tIns="91425" rIns="91425" bIns="91425" anchor="b" anchorCtr="0">
+            <a:noAutofit/>
+          </a:bodyPr>
+          <a:lstStyle/>
+          <a:p>
+            <a:pPr>
+              <a:spcBef>
+                <a:spcPts val="0"/>
+              </a:spcBef>
+              <a:buNone/>
+            </a:pPr>
+            <a:r>
+              <a:rPr lang="ru" sz="3200" dirty="0" smtClean="0"/>
+              <a:t>Алгоритм синхронизации локального хранилища с сервером</a:t>
+            </a:r>
+            <a:endParaRPr lang="ru" sz="3200" dirty="0"/>
+          </a:p>
+        </p:txBody>
+      </p:sp>
+      <p:grpSp>
+        <p:nvGrpSpPr>
+          <p:cNvPr id="20" name="Группа 19"/>
+          <p:cNvGrpSpPr/>
+          <p:nvPr/>
+        </p:nvGrpSpPr>
+        <p:grpSpPr>
+          <a:xfrm>
+            <a:off x="988148" y="1600671"/>
+            <a:ext cx="2620297" cy="4792944"/>
+            <a:chOff x="457200" y="1600671"/>
+            <a:chExt cx="2620297" cy="4792944"/>
+          </a:xfrm>
+        </p:grpSpPr>
+        <p:sp>
+          <p:nvSpPr>
+            <p:cNvPr id="9" name="TextBox 8"/>
+            <p:cNvSpPr txBox="1"/>
+            <p:nvPr/>
+          </p:nvSpPr>
+          <p:spPr>
+            <a:xfrm>
+              <a:off x="720212" y="6055061"/>
+              <a:ext cx="2094271" cy="338554"/>
+            </a:xfrm>
+            <a:prstGeom prst="rect">
+              <a:avLst/>
+            </a:prstGeom>
+            <a:noFill/>
+          </p:spPr>
+          <p:txBody>
+            <a:bodyPr wrap="square" rtlCol="0">
+              <a:spAutoFit/>
+            </a:bodyPr>
+            <a:lstStyle/>
+            <a:p>
+              <a:r>
+                <a:rPr lang="ru-RU" sz="1600" dirty="0" smtClean="0">
+                  <a:solidFill>
+                    <a:schemeClr val="bg1">
+                      <a:lumMod val="95000"/>
+                    </a:schemeClr>
+                  </a:solidFill>
+                </a:rPr>
+                <a:t>До оптимизации</a:t>
+              </a:r>
+              <a:endParaRPr lang="ru-RU" sz="1600" dirty="0">
+                <a:solidFill>
+                  <a:schemeClr val="bg1">
+                    <a:lumMod val="95000"/>
+                  </a:schemeClr>
+                </a:solidFill>
+              </a:endParaRPr>
+            </a:p>
+          </p:txBody>
+        </p:sp>
+        <p:grpSp>
+          <p:nvGrpSpPr>
+            <p:cNvPr id="7" name="Группа 6"/>
+            <p:cNvGrpSpPr/>
+            <p:nvPr/>
+          </p:nvGrpSpPr>
+          <p:grpSpPr>
+            <a:xfrm>
+              <a:off x="457200" y="1600671"/>
+              <a:ext cx="2620297" cy="4259355"/>
+              <a:chOff x="457200" y="1600671"/>
+              <a:chExt cx="2620297" cy="4259355"/>
+            </a:xfrm>
+          </p:grpSpPr>
+          <p:sp>
+            <p:nvSpPr>
+              <p:cNvPr id="14" name="Блок-схема: процесс 13"/>
+              <p:cNvSpPr/>
+              <p:nvPr/>
+            </p:nvSpPr>
+            <p:spPr>
+              <a:xfrm>
+                <a:off x="457200" y="1600671"/>
+                <a:ext cx="2620297" cy="4259355"/>
+              </a:xfrm>
+              <a:prstGeom prst="flowChartProcess">
+                <a:avLst/>
+              </a:prstGeom>
+              <a:solidFill>
+                <a:schemeClr val="bg1"/>
+              </a:solidFill>
+              <a:ln>
+                <a:solidFill>
+                  <a:schemeClr val="bg1"/>
+                </a:solidFill>
+              </a:ln>
+            </p:spPr>
+            <p:style>
+              <a:lnRef idx="2">
+                <a:schemeClr val="dk1">
+                  <a:shade val="50000"/>
+                </a:schemeClr>
+              </a:lnRef>
+              <a:fillRef idx="1">
+                <a:schemeClr val="dk1"/>
+              </a:fillRef>
+              <a:effectRef idx="0">
+                <a:schemeClr val="dk1"/>
+              </a:effectRef>
+              <a:fontRef idx="minor">
+                <a:schemeClr val="lt1"/>
+              </a:fontRef>
+            </p:style>
+            <p:txBody>
+              <a:bodyPr rtlCol="0" anchor="ctr"/>
+              <a:lstStyle/>
+              <a:p>
+                <a:pPr algn="ctr"/>
+                <a:endParaRPr lang="ru-RU"/>
+              </a:p>
+            </p:txBody>
+          </p:sp>
+          <p:pic>
+            <p:nvPicPr>
+              <p:cNvPr id="5" name="Рисунок 4"/>
+              <p:cNvPicPr>
+                <a:picLocks noChangeAspect="1"/>
+              </p:cNvPicPr>
+              <p:nvPr/>
+            </p:nvPicPr>
+            <p:blipFill>
+              <a:blip r:embed="rId3">
+                <a:extLst>
+                  <a:ext uri="{28A0092B-C50C-407E-A947-70E740481C1C}">
+                    <a14:useLocalDpi xmlns:a14="http://schemas.microsoft.com/office/drawing/2010/main" val="0"/>
+                  </a:ext>
+                </a:extLst>
+              </a:blip>
+              <a:stretch>
+                <a:fillRect/>
+              </a:stretch>
+            </p:blipFill>
+            <p:spPr>
+              <a:xfrm>
+                <a:off x="674728" y="1687555"/>
+                <a:ext cx="2185240" cy="4008024"/>
+              </a:xfrm>
+              <a:prstGeom prst="rect">
+                <a:avLst/>
+              </a:prstGeom>
+            </p:spPr>
+          </p:pic>
+        </p:grpSp>
+      </p:grpSp>
+      <p:grpSp>
+        <p:nvGrpSpPr>
+          <p:cNvPr id="21" name="Группа 20"/>
+          <p:cNvGrpSpPr/>
+          <p:nvPr/>
+        </p:nvGrpSpPr>
+        <p:grpSpPr>
+          <a:xfrm>
+            <a:off x="5077824" y="1611702"/>
+            <a:ext cx="3063284" cy="4766769"/>
+            <a:chOff x="5028664" y="1552710"/>
+            <a:chExt cx="3063284" cy="4766769"/>
+          </a:xfrm>
+        </p:grpSpPr>
+        <p:sp>
+          <p:nvSpPr>
+            <p:cNvPr id="13" name="TextBox 12"/>
+            <p:cNvSpPr txBox="1"/>
+            <p:nvPr/>
+          </p:nvSpPr>
+          <p:spPr>
+            <a:xfrm>
+              <a:off x="5536565" y="5980925"/>
+              <a:ext cx="2094271" cy="338554"/>
+            </a:xfrm>
+            <a:prstGeom prst="rect">
+              <a:avLst/>
+            </a:prstGeom>
+            <a:noFill/>
+          </p:spPr>
+          <p:txBody>
+            <a:bodyPr wrap="square" rtlCol="0">
+              <a:spAutoFit/>
+            </a:bodyPr>
+            <a:lstStyle/>
+            <a:p>
+              <a:r>
+                <a:rPr lang="ru-RU" sz="1600" dirty="0" smtClean="0">
+                  <a:solidFill>
+                    <a:schemeClr val="bg1">
+                      <a:lumMod val="95000"/>
+                    </a:schemeClr>
+                  </a:solidFill>
+                </a:rPr>
+                <a:t>После оптимизации</a:t>
+              </a:r>
+              <a:endParaRPr lang="ru-RU" sz="1600" dirty="0">
+                <a:solidFill>
+                  <a:schemeClr val="bg1">
+                    <a:lumMod val="95000"/>
+                  </a:schemeClr>
+                </a:solidFill>
+              </a:endParaRPr>
+            </a:p>
+          </p:txBody>
+        </p:sp>
+        <p:grpSp>
+          <p:nvGrpSpPr>
+            <p:cNvPr id="16" name="Группа 15"/>
+            <p:cNvGrpSpPr/>
+            <p:nvPr/>
+          </p:nvGrpSpPr>
+          <p:grpSpPr>
+            <a:xfrm>
+              <a:off x="5028664" y="1552710"/>
+              <a:ext cx="3063284" cy="4307316"/>
+              <a:chOff x="5028664" y="1552710"/>
+              <a:chExt cx="3063284" cy="4307316"/>
+            </a:xfrm>
+          </p:grpSpPr>
+          <p:sp>
+            <p:nvSpPr>
+              <p:cNvPr id="18" name="Блок-схема: процесс 17"/>
+              <p:cNvSpPr/>
+              <p:nvPr/>
+            </p:nvSpPr>
+            <p:spPr>
+              <a:xfrm>
+                <a:off x="5028664" y="1552710"/>
+                <a:ext cx="3063284" cy="4307316"/>
+              </a:xfrm>
+              <a:prstGeom prst="flowChartProcess">
+                <a:avLst/>
+              </a:prstGeom>
+              <a:solidFill>
+                <a:schemeClr val="bg1"/>
+              </a:solidFill>
+              <a:ln>
+                <a:solidFill>
+                  <a:schemeClr val="bg1"/>
+                </a:solidFill>
+              </a:ln>
+            </p:spPr>
+            <p:style>
+              <a:lnRef idx="2">
+                <a:schemeClr val="dk1">
+                  <a:shade val="50000"/>
+                </a:schemeClr>
+              </a:lnRef>
+              <a:fillRef idx="1">
+                <a:schemeClr val="dk1"/>
+              </a:fillRef>
+              <a:effectRef idx="0">
+                <a:schemeClr val="dk1"/>
+              </a:effectRef>
+              <a:fontRef idx="minor">
+                <a:schemeClr val="lt1"/>
+              </a:fontRef>
+            </p:style>
+            <p:txBody>
+              <a:bodyPr rtlCol="0" anchor="ctr"/>
+              <a:lstStyle/>
+              <a:p>
+                <a:pPr algn="ctr"/>
+                <a:endParaRPr lang="ru-RU"/>
+              </a:p>
+            </p:txBody>
+          </p:sp>
+          <p:pic>
+            <p:nvPicPr>
+              <p:cNvPr id="8" name="Рисунок 7"/>
+              <p:cNvPicPr>
+                <a:picLocks noChangeAspect="1"/>
+              </p:cNvPicPr>
+              <p:nvPr/>
+            </p:nvPicPr>
+            <p:blipFill>
+              <a:blip r:embed="rId4">
+                <a:extLst>
+                  <a:ext uri="{28A0092B-C50C-407E-A947-70E740481C1C}">
+                    <a14:useLocalDpi xmlns:a14="http://schemas.microsoft.com/office/drawing/2010/main" val="0"/>
+                  </a:ext>
+                </a:extLst>
+              </a:blip>
+              <a:stretch>
+                <a:fillRect/>
+              </a:stretch>
+            </p:blipFill>
+            <p:spPr>
+              <a:xfrm>
+                <a:off x="5183305" y="1644113"/>
+                <a:ext cx="2800792" cy="4094908"/>
+              </a:xfrm>
+              <a:prstGeom prst="rect">
+                <a:avLst/>
+              </a:prstGeom>
+            </p:spPr>
+          </p:pic>
+        </p:grpSp>
+      </p:grpSp>
+    </p:spTree>
+    <p:extLst>
+      <p:ext uri="{BB962C8B-B14F-4D97-AF65-F5344CB8AC3E}">
+        <p14:creationId xmlns:p14="http://schemas.microsoft.com/office/powerpoint/2010/main" val="1035334989"/>
+      </p:ext>
+    </p:extLst>
+  </p:cSld>
+  <p:clrMapOvr>
+    <a:masterClrMapping/>
+  </p:clrMapOvr>
+  <p:transition spd="slow">
+    <p:cut/>
+  </p:transition>
+  <p:timing>
+    <p:tnLst>
+      <p:par>
+        <p:cTn id="1" dur="indefinite" restart="never" nodeType="tmRoot"/>
+      </p:par>
+    </p:tnLst>
+  </p:timing>
+</p:sld>
+</file>
+
+<file path=ppt/slides/slide9.xml><?xml version="1.0" encoding="utf-8"?>
 <p:sld xmlns:a="http://schemas.openxmlformats.org/drawingml/2006/main" xmlns:r="http://schemas.openxmlformats.org/officeDocument/2006/relationships" xmlns:p="http://schemas.openxmlformats.org/presentationml/2006/main">
   <p:cSld>
     <p:spTree>
@@ -12015,510 +12840,20 @@
   <p:transition spd="slow">
     <p:cut/>
   </p:transition>
-</p:sld>
-</file>
-
-<file path=ppt/slides/slide9.xml><?xml version="1.0" encoding="utf-8"?>
-<p:sld xmlns:a="http://schemas.openxmlformats.org/drawingml/2006/main" xmlns:r="http://schemas.openxmlformats.org/officeDocument/2006/relationships" xmlns:p="http://schemas.openxmlformats.org/presentationml/2006/main">
-  <p:cSld>
-    <p:spTree>
-      <p:nvGrpSpPr>
-        <p:cNvPr id="1" name="Shape 164"/>
-        <p:cNvGrpSpPr/>
-        <p:nvPr/>
-      </p:nvGrpSpPr>
-      <p:grpSpPr>
-        <a:xfrm>
-          <a:off x="0" y="0"/>
-          <a:ext cx="0" cy="0"/>
-          <a:chOff x="0" y="0"/>
-          <a:chExt cx="0" cy="0"/>
-        </a:xfrm>
-      </p:grpSpPr>
-      <p:sp>
-        <p:nvSpPr>
-          <p:cNvPr id="165" name="Shape 165"/>
-          <p:cNvSpPr txBox="1">
-            <a:spLocks noGrp="1"/>
-          </p:cNvSpPr>
-          <p:nvPr>
-            <p:ph type="title"/>
-          </p:nvPr>
-        </p:nvSpPr>
-        <p:spPr>
-          <a:xfrm>
-            <a:off x="457200" y="274637"/>
-            <a:ext cx="8229600" cy="1143000"/>
-          </a:xfrm>
-          <a:prstGeom prst="rect">
-            <a:avLst/>
-          </a:prstGeom>
-        </p:spPr>
-        <p:txBody>
-          <a:bodyPr lIns="91425" tIns="91425" rIns="91425" bIns="91425" anchor="b" anchorCtr="0">
-            <a:noAutofit/>
-          </a:bodyPr>
-          <a:lstStyle/>
-          <a:p>
-            <a:pPr>
-              <a:spcBef>
-                <a:spcPts val="0"/>
-              </a:spcBef>
-              <a:buNone/>
-            </a:pPr>
-            <a:r>
-              <a:rPr lang="ru"/>
-              <a:t>Web-сайт “Coordinate”</a:t>
-            </a:r>
-          </a:p>
-        </p:txBody>
-      </p:sp>
-      <p:sp>
-        <p:nvSpPr>
-          <p:cNvPr id="166" name="Shape 166"/>
-          <p:cNvSpPr txBox="1">
-            <a:spLocks noGrp="1"/>
-          </p:cNvSpPr>
-          <p:nvPr>
-            <p:ph type="body" idx="1"/>
-          </p:nvPr>
-        </p:nvSpPr>
-        <p:spPr>
-          <a:xfrm>
-            <a:off x="457200" y="1530925"/>
-            <a:ext cx="3534600" cy="1465200"/>
-          </a:xfrm>
-          <a:prstGeom prst="rect">
-            <a:avLst/>
-          </a:prstGeom>
-        </p:spPr>
-        <p:txBody>
-          <a:bodyPr lIns="91425" tIns="91425" rIns="91425" bIns="91425" anchor="t" anchorCtr="0">
-            <a:noAutofit/>
-          </a:bodyPr>
-          <a:lstStyle/>
-          <a:p>
-            <a:pPr marL="457200" lvl="0" indent="-342900" rtl="0">
-              <a:spcBef>
-                <a:spcPts val="0"/>
-              </a:spcBef>
-              <a:buClr>
-                <a:srgbClr val="CAD3E4"/>
-              </a:buClr>
-              <a:buSzPct val="100000"/>
-              <a:buFont typeface="Arial"/>
-              <a:buChar char="●"/>
-            </a:pPr>
-            <a:r>
-              <a:rPr lang="ru" sz="1800">
-                <a:solidFill>
-                  <a:srgbClr val="CAD3E4"/>
-                </a:solidFill>
-              </a:rPr>
-              <a:t>Адаптивная верстка</a:t>
-            </a:r>
-          </a:p>
-          <a:p>
-            <a:pPr marL="457200" lvl="0" indent="-342900" rtl="0">
-              <a:spcBef>
-                <a:spcPts val="0"/>
-              </a:spcBef>
-              <a:buClr>
-                <a:srgbClr val="CAD3E4"/>
-              </a:buClr>
-              <a:buSzPct val="100000"/>
-              <a:buFont typeface="Arial"/>
-              <a:buChar char="●"/>
-            </a:pPr>
-            <a:r>
-              <a:rPr lang="ru" sz="1800">
-                <a:solidFill>
-                  <a:srgbClr val="CAD3E4"/>
-                </a:solidFill>
-              </a:rPr>
-              <a:t>Простота интерфейса</a:t>
-            </a:r>
-          </a:p>
-          <a:p>
-            <a:pPr marL="457200" lvl="0" indent="-342900" rtl="0">
-              <a:spcBef>
-                <a:spcPts val="0"/>
-              </a:spcBef>
-              <a:buClr>
-                <a:srgbClr val="CAD3E4"/>
-              </a:buClr>
-              <a:buSzPct val="100000"/>
-              <a:buFont typeface="Arial"/>
-              <a:buChar char="●"/>
-            </a:pPr>
-            <a:r>
-              <a:rPr lang="ru" sz="1800">
-                <a:solidFill>
-                  <a:srgbClr val="CAD3E4"/>
-                </a:solidFill>
-              </a:rPr>
-              <a:t>Локализация </a:t>
-            </a:r>
-          </a:p>
-          <a:p>
-            <a:pPr marL="457200" lvl="0" indent="-342900" rtl="0">
-              <a:spcBef>
-                <a:spcPts val="0"/>
-              </a:spcBef>
-              <a:buClr>
-                <a:srgbClr val="CAD3E4"/>
-              </a:buClr>
-              <a:buSzPct val="100000"/>
-              <a:buFont typeface="Arial"/>
-              <a:buChar char="●"/>
-            </a:pPr>
-            <a:r>
-              <a:rPr lang="ru" sz="1800">
-                <a:solidFill>
-                  <a:srgbClr val="CAD3E4"/>
-                </a:solidFill>
-              </a:rPr>
-              <a:t>Подробный FAQ</a:t>
-            </a:r>
-          </a:p>
-          <a:p>
-            <a:pPr lvl="0">
-              <a:spcBef>
-                <a:spcPts val="0"/>
-              </a:spcBef>
-              <a:buNone/>
-            </a:pPr>
-            <a:endParaRPr sz="1800">
-              <a:solidFill>
-                <a:srgbClr val="CAD3E4"/>
-              </a:solidFill>
-            </a:endParaRPr>
-          </a:p>
-        </p:txBody>
-      </p:sp>
-      <p:sp>
-        <p:nvSpPr>
-          <p:cNvPr id="167" name="Shape 167"/>
-          <p:cNvSpPr txBox="1"/>
-          <p:nvPr/>
-        </p:nvSpPr>
-        <p:spPr>
-          <a:xfrm>
-            <a:off x="457200" y="2996125"/>
-            <a:ext cx="3534600" cy="1368000"/>
-          </a:xfrm>
-          <a:prstGeom prst="rect">
-            <a:avLst/>
-          </a:prstGeom>
-          <a:noFill/>
-          <a:ln>
-            <a:noFill/>
-          </a:ln>
-        </p:spPr>
-        <p:txBody>
-          <a:bodyPr lIns="91425" tIns="91425" rIns="91425" bIns="91425" anchor="t" anchorCtr="0">
-            <a:noAutofit/>
-          </a:bodyPr>
-          <a:lstStyle/>
-          <a:p>
-            <a:pPr marL="457200" lvl="0" indent="-342900" rtl="0">
-              <a:spcBef>
-                <a:spcPts val="600"/>
-              </a:spcBef>
-              <a:buClr>
-                <a:srgbClr val="CAD3E4"/>
-              </a:buClr>
-              <a:buSzPct val="100000"/>
-              <a:buFont typeface="Arial"/>
-              <a:buChar char="●"/>
-            </a:pPr>
-            <a:r>
-              <a:rPr lang="ru" sz="1800">
-                <a:solidFill>
-                  <a:srgbClr val="CAD3E4"/>
-                </a:solidFill>
-                <a:latin typeface="Trebuchet MS"/>
-                <a:ea typeface="Trebuchet MS"/>
-                <a:cs typeface="Trebuchet MS"/>
-                <a:sym typeface="Trebuchet MS"/>
-              </a:rPr>
-              <a:t>Управление автомобилями</a:t>
-            </a:r>
-          </a:p>
-          <a:p>
-            <a:pPr marL="457200" lvl="0" indent="-342900" rtl="0">
-              <a:spcBef>
-                <a:spcPts val="600"/>
-              </a:spcBef>
-              <a:buClr>
-                <a:srgbClr val="CAD3E4"/>
-              </a:buClr>
-              <a:buSzPct val="100000"/>
-              <a:buFont typeface="Arial"/>
-              <a:buChar char="●"/>
-            </a:pPr>
-            <a:r>
-              <a:rPr lang="ru" sz="1800">
-                <a:solidFill>
-                  <a:srgbClr val="CAD3E4"/>
-                </a:solidFill>
-                <a:latin typeface="Trebuchet MS"/>
-                <a:ea typeface="Trebuchet MS"/>
-                <a:cs typeface="Trebuchet MS"/>
-                <a:sym typeface="Trebuchet MS"/>
-              </a:rPr>
-              <a:t>Интерактивная карта</a:t>
-            </a:r>
-          </a:p>
-          <a:p>
-            <a:pPr marL="457200" lvl="0" indent="-342900" rtl="0">
-              <a:spcBef>
-                <a:spcPts val="600"/>
-              </a:spcBef>
-              <a:buClr>
-                <a:srgbClr val="CAD3E4"/>
-              </a:buClr>
-              <a:buSzPct val="100000"/>
-              <a:buFont typeface="Arial"/>
-              <a:buChar char="●"/>
-            </a:pPr>
-            <a:r>
-              <a:rPr lang="ru" sz="1800">
-                <a:solidFill>
-                  <a:srgbClr val="CAD3E4"/>
-                </a:solidFill>
-                <a:latin typeface="Trebuchet MS"/>
-                <a:ea typeface="Trebuchet MS"/>
-                <a:cs typeface="Trebuchet MS"/>
-                <a:sym typeface="Trebuchet MS"/>
-              </a:rPr>
-              <a:t>Статистические данные</a:t>
-            </a:r>
-          </a:p>
-          <a:p>
-            <a:pPr marL="457200" lvl="0" indent="-342900" rtl="0">
-              <a:spcBef>
-                <a:spcPts val="600"/>
-              </a:spcBef>
-              <a:buClr>
-                <a:srgbClr val="CAD3E4"/>
-              </a:buClr>
-              <a:buSzPct val="100000"/>
-              <a:buFont typeface="Arial"/>
-              <a:buChar char="●"/>
-            </a:pPr>
-            <a:r>
-              <a:rPr lang="ru" sz="1800">
-                <a:solidFill>
-                  <a:srgbClr val="CAD3E4"/>
-                </a:solidFill>
-                <a:latin typeface="Trebuchet MS"/>
-                <a:ea typeface="Trebuchet MS"/>
-                <a:cs typeface="Trebuchet MS"/>
-                <a:sym typeface="Trebuchet MS"/>
-              </a:rPr>
-              <a:t>Графики и диаграммы</a:t>
-            </a:r>
-          </a:p>
-        </p:txBody>
-      </p:sp>
-      <p:sp>
-        <p:nvSpPr>
-          <p:cNvPr id="168" name="Shape 168"/>
-          <p:cNvSpPr txBox="1"/>
-          <p:nvPr/>
-        </p:nvSpPr>
-        <p:spPr>
-          <a:xfrm>
-            <a:off x="389650" y="4563325"/>
-            <a:ext cx="3534600" cy="1593299"/>
-          </a:xfrm>
-          <a:prstGeom prst="rect">
-            <a:avLst/>
-          </a:prstGeom>
-          <a:noFill/>
-          <a:ln>
-            <a:noFill/>
-          </a:ln>
-        </p:spPr>
-        <p:txBody>
-          <a:bodyPr lIns="91425" tIns="91425" rIns="91425" bIns="91425" anchor="t" anchorCtr="0">
-            <a:noAutofit/>
-          </a:bodyPr>
-          <a:lstStyle/>
-          <a:p>
-            <a:pPr marL="457200" lvl="0" indent="-342900" rtl="0">
-              <a:spcBef>
-                <a:spcPts val="600"/>
-              </a:spcBef>
-              <a:buClr>
-                <a:srgbClr val="CAD3E4"/>
-              </a:buClr>
-              <a:buSzPct val="100000"/>
-              <a:buFont typeface="Arial"/>
-              <a:buChar char="●"/>
-            </a:pPr>
-            <a:r>
-              <a:rPr lang="ru" sz="1800">
-                <a:solidFill>
-                  <a:srgbClr val="CAD3E4"/>
-                </a:solidFill>
-                <a:latin typeface="Trebuchet MS"/>
-                <a:ea typeface="Trebuchet MS"/>
-                <a:cs typeface="Trebuchet MS"/>
-                <a:sym typeface="Trebuchet MS"/>
-              </a:rPr>
-              <a:t>Защита от автоматической регистрации</a:t>
-            </a:r>
-          </a:p>
-          <a:p>
-            <a:pPr marL="457200" lvl="0" indent="-342900" rtl="0">
-              <a:spcBef>
-                <a:spcPts val="600"/>
-              </a:spcBef>
-              <a:buClr>
-                <a:srgbClr val="CAD3E4"/>
-              </a:buClr>
-              <a:buSzPct val="100000"/>
-              <a:buFont typeface="Arial"/>
-              <a:buChar char="●"/>
-            </a:pPr>
-            <a:r>
-              <a:rPr lang="ru" sz="1800">
-                <a:solidFill>
-                  <a:srgbClr val="CAD3E4"/>
-                </a:solidFill>
-                <a:latin typeface="Trebuchet MS"/>
-                <a:ea typeface="Trebuchet MS"/>
-                <a:cs typeface="Trebuchet MS"/>
-                <a:sym typeface="Trebuchet MS"/>
-              </a:rPr>
-              <a:t>Защита  от CSRF</a:t>
-            </a:r>
-          </a:p>
-          <a:p>
-            <a:pPr marL="457200" lvl="0" indent="-342900" rtl="0">
-              <a:spcBef>
-                <a:spcPts val="600"/>
-              </a:spcBef>
-              <a:buClr>
-                <a:srgbClr val="CAD3E4"/>
-              </a:buClr>
-              <a:buSzPct val="100000"/>
-              <a:buFont typeface="Arial"/>
-              <a:buChar char="●"/>
-            </a:pPr>
-            <a:r>
-              <a:rPr lang="ru" sz="1800">
-                <a:solidFill>
-                  <a:srgbClr val="CAD3E4"/>
-                </a:solidFill>
-                <a:latin typeface="Trebuchet MS"/>
-                <a:ea typeface="Trebuchet MS"/>
-                <a:cs typeface="Trebuchet MS"/>
-                <a:sym typeface="Trebuchet MS"/>
-              </a:rPr>
-              <a:t>e-mail оповещение</a:t>
-            </a:r>
-          </a:p>
-          <a:p>
-            <a:pPr marL="457200" lvl="0" indent="-342900" rtl="0">
-              <a:spcBef>
-                <a:spcPts val="600"/>
-              </a:spcBef>
-              <a:buClr>
-                <a:srgbClr val="CAD3E4"/>
-              </a:buClr>
-              <a:buSzPct val="100000"/>
-              <a:buFont typeface="Arial"/>
-              <a:buChar char="●"/>
-            </a:pPr>
-            <a:r>
-              <a:rPr lang="ru" sz="1800">
-                <a:solidFill>
-                  <a:srgbClr val="CAD3E4"/>
-                </a:solidFill>
-                <a:latin typeface="Trebuchet MS"/>
-                <a:ea typeface="Trebuchet MS"/>
-                <a:cs typeface="Trebuchet MS"/>
-                <a:sym typeface="Trebuchet MS"/>
-              </a:rPr>
-              <a:t>Административная зона</a:t>
-            </a:r>
-          </a:p>
-        </p:txBody>
-      </p:sp>
-      <p:pic>
-        <p:nvPicPr>
-          <p:cNvPr id="169" name="Shape 169"/>
-          <p:cNvPicPr preferRelativeResize="0"/>
-          <p:nvPr/>
-        </p:nvPicPr>
-        <p:blipFill>
-          <a:blip r:embed="rId3">
-            <a:alphaModFix/>
-          </a:blip>
-          <a:stretch>
-            <a:fillRect/>
-          </a:stretch>
-        </p:blipFill>
-        <p:spPr>
-          <a:xfrm>
-            <a:off x="6108799" y="1530935"/>
-            <a:ext cx="2810822" cy="4780628"/>
-          </a:xfrm>
-          <a:prstGeom prst="rect">
-            <a:avLst/>
-          </a:prstGeom>
-          <a:noFill/>
-          <a:ln>
-            <a:noFill/>
-          </a:ln>
-        </p:spPr>
-      </p:pic>
-      <p:pic>
-        <p:nvPicPr>
-          <p:cNvPr id="170" name="Shape 170"/>
-          <p:cNvPicPr preferRelativeResize="0"/>
-          <p:nvPr/>
-        </p:nvPicPr>
-        <p:blipFill>
-          <a:blip r:embed="rId4">
-            <a:alphaModFix/>
-          </a:blip>
-          <a:stretch>
-            <a:fillRect/>
-          </a:stretch>
-        </p:blipFill>
-        <p:spPr>
-          <a:xfrm>
-            <a:off x="6008187" y="251873"/>
-            <a:ext cx="2911449" cy="1188575"/>
-          </a:xfrm>
-          <a:prstGeom prst="rect">
-            <a:avLst/>
-          </a:prstGeom>
-          <a:noFill/>
-          <a:ln>
-            <a:noFill/>
-          </a:ln>
-        </p:spPr>
-      </p:pic>
-    </p:spTree>
-  </p:cSld>
-  <p:clrMapOvr>
-    <a:masterClrMapping/>
-  </p:clrMapOvr>
-  <p:transition spd="slow">
-    <p:cut/>
-  </p:transition>
+  <p:timing>
+    <p:tnLst>
+      <p:par>
+        <p:cTn id="1" dur="indefinite" restart="never" nodeType="tmRoot"/>
+      </p:par>
+    </p:tnLst>
+  </p:timing>
 </p:sld>
 </file>
 
 <file path=ppt/theme/theme1.xml><?xml version="1.0" encoding="utf-8"?>
 <a:theme xmlns:a="http://schemas.openxmlformats.org/drawingml/2006/main" name="spotlight">
   <a:themeElements>
-    <a:clrScheme name="Custom 439">
+    <a:clrScheme name="Другая 2">
       <a:dk1>
         <a:srgbClr val="000000"/>
       </a:dk1>
@@ -12550,10 +12885,10 @@
         <a:srgbClr val="A25642"/>
       </a:accent6>
       <a:hlink>
-        <a:srgbClr val="5173A5"/>
+        <a:srgbClr val="FFFFFF"/>
       </a:hlink>
       <a:folHlink>
-        <a:srgbClr val="687282"/>
+        <a:srgbClr val="F2F2F2"/>
       </a:folHlink>
     </a:clrScheme>
     <a:fontScheme name="Office">

--- a/Презентация.pptx
+++ b/Презентация.pptx
@@ -5,23 +5,22 @@
     <p:sldMasterId id="2147483654" r:id="rId1"/>
   </p:sldMasterIdLst>
   <p:notesMasterIdLst>
-    <p:notesMasterId r:id="rId16"/>
+    <p:notesMasterId r:id="rId15"/>
   </p:notesMasterIdLst>
   <p:sldIdLst>
     <p:sldId id="256" r:id="rId2"/>
     <p:sldId id="257" r:id="rId3"/>
     <p:sldId id="271" r:id="rId4"/>
-    <p:sldId id="259" r:id="rId5"/>
-    <p:sldId id="260" r:id="rId6"/>
-    <p:sldId id="263" r:id="rId7"/>
-    <p:sldId id="272" r:id="rId8"/>
-    <p:sldId id="273" r:id="rId9"/>
-    <p:sldId id="264" r:id="rId10"/>
+    <p:sldId id="260" r:id="rId5"/>
+    <p:sldId id="274" r:id="rId6"/>
+    <p:sldId id="275" r:id="rId7"/>
+    <p:sldId id="276" r:id="rId8"/>
+    <p:sldId id="258" r:id="rId9"/>
+    <p:sldId id="259" r:id="rId10"/>
     <p:sldId id="262" r:id="rId11"/>
-    <p:sldId id="258" r:id="rId12"/>
-    <p:sldId id="265" r:id="rId13"/>
-    <p:sldId id="269" r:id="rId14"/>
-    <p:sldId id="270" r:id="rId15"/>
+    <p:sldId id="265" r:id="rId12"/>
+    <p:sldId id="269" r:id="rId13"/>
+    <p:sldId id="270" r:id="rId14"/>
   </p:sldIdLst>
   <p:sldSz cx="9144000" cy="6858000" type="screen4x3"/>
   <p:notesSz cx="6858000" cy="9144000"/>
@@ -622,470 +621,6 @@
 </p:notes>
 </file>
 
-<file path=ppt/notesSlides/notesSlide10.xml><?xml version="1.0" encoding="utf-8"?>
-<p:notes xmlns:a="http://schemas.openxmlformats.org/drawingml/2006/main" xmlns:r="http://schemas.openxmlformats.org/officeDocument/2006/relationships" xmlns:p="http://schemas.openxmlformats.org/presentationml/2006/main" showMasterSp="0" showMasterPhAnim="0">
-  <p:cSld>
-    <p:spTree>
-      <p:nvGrpSpPr>
-        <p:cNvPr id="1" name="Shape 101"/>
-        <p:cNvGrpSpPr/>
-        <p:nvPr/>
-      </p:nvGrpSpPr>
-      <p:grpSpPr>
-        <a:xfrm>
-          <a:off x="0" y="0"/>
-          <a:ext cx="0" cy="0"/>
-          <a:chOff x="0" y="0"/>
-          <a:chExt cx="0" cy="0"/>
-        </a:xfrm>
-      </p:grpSpPr>
-      <p:sp>
-        <p:nvSpPr>
-          <p:cNvPr id="102" name="Shape 102"/>
-          <p:cNvSpPr>
-            <a:spLocks noGrp="1" noRot="1" noChangeAspect="1"/>
-          </p:cNvSpPr>
-          <p:nvPr>
-            <p:ph type="sldImg" idx="2"/>
-          </p:nvPr>
-        </p:nvSpPr>
-        <p:spPr>
-          <a:xfrm>
-            <a:off x="1143000" y="685800"/>
-            <a:ext cx="4572000" cy="3429000"/>
-          </a:xfrm>
-          <a:custGeom>
-            <a:avLst/>
-            <a:gdLst/>
-            <a:ahLst/>
-            <a:cxnLst/>
-            <a:rect l="0" t="0" r="0" b="0"/>
-            <a:pathLst>
-              <a:path w="120000" h="120000" extrusionOk="0">
-                <a:moveTo>
-                  <a:pt x="0" y="0"/>
-                </a:moveTo>
-                <a:lnTo>
-                  <a:pt x="120000" y="0"/>
-                </a:lnTo>
-                <a:lnTo>
-                  <a:pt x="120000" y="120000"/>
-                </a:lnTo>
-                <a:lnTo>
-                  <a:pt x="0" y="120000"/>
-                </a:lnTo>
-                <a:close/>
-              </a:path>
-            </a:pathLst>
-          </a:custGeom>
-          <a:noFill/>
-          <a:ln w="9525" cap="flat" cmpd="sng">
-            <a:solidFill>
-              <a:srgbClr val="000000"/>
-            </a:solidFill>
-            <a:prstDash val="solid"/>
-            <a:round/>
-            <a:headEnd type="none" w="med" len="med"/>
-            <a:tailEnd type="none" w="med" len="med"/>
-          </a:ln>
-        </p:spPr>
-      </p:sp>
-      <p:sp>
-        <p:nvSpPr>
-          <p:cNvPr id="103" name="Shape 103"/>
-          <p:cNvSpPr txBox="1">
-            <a:spLocks noGrp="1"/>
-          </p:cNvSpPr>
-          <p:nvPr>
-            <p:ph type="body" idx="1"/>
-          </p:nvPr>
-        </p:nvSpPr>
-        <p:spPr>
-          <a:xfrm>
-            <a:off x="685800" y="4343400"/>
-            <a:ext cx="5486399" cy="4114800"/>
-          </a:xfrm>
-          <a:prstGeom prst="rect">
-            <a:avLst/>
-          </a:prstGeom>
-        </p:spPr>
-        <p:txBody>
-          <a:bodyPr lIns="91425" tIns="91425" rIns="91425" bIns="91425" anchor="t" anchorCtr="0">
-            <a:noAutofit/>
-          </a:bodyPr>
-          <a:lstStyle/>
-          <a:p>
-            <a:pPr>
-              <a:spcBef>
-                <a:spcPts val="0"/>
-              </a:spcBef>
-              <a:buNone/>
-            </a:pPr>
-            <a:endParaRPr/>
-          </a:p>
-        </p:txBody>
-      </p:sp>
-    </p:spTree>
-    <p:extLst>
-      <p:ext uri="{BB962C8B-B14F-4D97-AF65-F5344CB8AC3E}">
-        <p14:creationId xmlns:p14="http://schemas.microsoft.com/office/powerpoint/2010/main" val="1419160547"/>
-      </p:ext>
-    </p:extLst>
-  </p:cSld>
-  <p:clrMapOvr>
-    <a:masterClrMapping/>
-  </p:clrMapOvr>
-</p:notes>
-</file>
-
-<file path=ppt/notesSlides/notesSlide11.xml><?xml version="1.0" encoding="utf-8"?>
-<p:notes xmlns:a="http://schemas.openxmlformats.org/drawingml/2006/main" xmlns:r="http://schemas.openxmlformats.org/officeDocument/2006/relationships" xmlns:p="http://schemas.openxmlformats.org/presentationml/2006/main" showMasterSp="0" showMasterPhAnim="0">
-  <p:cSld>
-    <p:spTree>
-      <p:nvGrpSpPr>
-        <p:cNvPr id="1" name="Shape 200"/>
-        <p:cNvGrpSpPr/>
-        <p:nvPr/>
-      </p:nvGrpSpPr>
-      <p:grpSpPr>
-        <a:xfrm>
-          <a:off x="0" y="0"/>
-          <a:ext cx="0" cy="0"/>
-          <a:chOff x="0" y="0"/>
-          <a:chExt cx="0" cy="0"/>
-        </a:xfrm>
-      </p:grpSpPr>
-      <p:sp>
-        <p:nvSpPr>
-          <p:cNvPr id="201" name="Shape 201"/>
-          <p:cNvSpPr>
-            <a:spLocks noGrp="1" noRot="1" noChangeAspect="1"/>
-          </p:cNvSpPr>
-          <p:nvPr>
-            <p:ph type="sldImg" idx="2"/>
-          </p:nvPr>
-        </p:nvSpPr>
-        <p:spPr>
-          <a:xfrm>
-            <a:off x="1143000" y="685800"/>
-            <a:ext cx="4572000" cy="3429000"/>
-          </a:xfrm>
-          <a:custGeom>
-            <a:avLst/>
-            <a:gdLst/>
-            <a:ahLst/>
-            <a:cxnLst/>
-            <a:rect l="0" t="0" r="0" b="0"/>
-            <a:pathLst>
-              <a:path w="120000" h="120000" extrusionOk="0">
-                <a:moveTo>
-                  <a:pt x="0" y="0"/>
-                </a:moveTo>
-                <a:lnTo>
-                  <a:pt x="120000" y="0"/>
-                </a:lnTo>
-                <a:lnTo>
-                  <a:pt x="120000" y="120000"/>
-                </a:lnTo>
-                <a:lnTo>
-                  <a:pt x="0" y="120000"/>
-                </a:lnTo>
-                <a:close/>
-              </a:path>
-            </a:pathLst>
-          </a:custGeom>
-          <a:noFill/>
-          <a:ln w="9525" cap="flat" cmpd="sng">
-            <a:solidFill>
-              <a:srgbClr val="000000"/>
-            </a:solidFill>
-            <a:prstDash val="solid"/>
-            <a:round/>
-            <a:headEnd type="none" w="med" len="med"/>
-            <a:tailEnd type="none" w="med" len="med"/>
-          </a:ln>
-        </p:spPr>
-      </p:sp>
-      <p:sp>
-        <p:nvSpPr>
-          <p:cNvPr id="202" name="Shape 202"/>
-          <p:cNvSpPr txBox="1">
-            <a:spLocks noGrp="1"/>
-          </p:cNvSpPr>
-          <p:nvPr>
-            <p:ph type="body" idx="1"/>
-          </p:nvPr>
-        </p:nvSpPr>
-        <p:spPr>
-          <a:xfrm>
-            <a:off x="685800" y="4343400"/>
-            <a:ext cx="5486399" cy="4114800"/>
-          </a:xfrm>
-          <a:prstGeom prst="rect">
-            <a:avLst/>
-          </a:prstGeom>
-        </p:spPr>
-        <p:txBody>
-          <a:bodyPr lIns="91425" tIns="91425" rIns="91425" bIns="91425" anchor="t" anchorCtr="0">
-            <a:noAutofit/>
-          </a:bodyPr>
-          <a:lstStyle/>
-          <a:p>
-            <a:pPr>
-              <a:spcBef>
-                <a:spcPts val="0"/>
-              </a:spcBef>
-              <a:buNone/>
-            </a:pPr>
-            <a:endParaRPr/>
-          </a:p>
-        </p:txBody>
-      </p:sp>
-    </p:spTree>
-    <p:extLst>
-      <p:ext uri="{BB962C8B-B14F-4D97-AF65-F5344CB8AC3E}">
-        <p14:creationId xmlns:p14="http://schemas.microsoft.com/office/powerpoint/2010/main" val="1706812778"/>
-      </p:ext>
-    </p:extLst>
-  </p:cSld>
-  <p:clrMapOvr>
-    <a:masterClrMapping/>
-  </p:clrMapOvr>
-</p:notes>
-</file>
-
-<file path=ppt/notesSlides/notesSlide12.xml><?xml version="1.0" encoding="utf-8"?>
-<p:notes xmlns:a="http://schemas.openxmlformats.org/drawingml/2006/main" xmlns:r="http://schemas.openxmlformats.org/officeDocument/2006/relationships" xmlns:p="http://schemas.openxmlformats.org/presentationml/2006/main" showMasterSp="0" showMasterPhAnim="0">
-  <p:cSld>
-    <p:spTree>
-      <p:nvGrpSpPr>
-        <p:cNvPr id="1" name="Shape 232"/>
-        <p:cNvGrpSpPr/>
-        <p:nvPr/>
-      </p:nvGrpSpPr>
-      <p:grpSpPr>
-        <a:xfrm>
-          <a:off x="0" y="0"/>
-          <a:ext cx="0" cy="0"/>
-          <a:chOff x="0" y="0"/>
-          <a:chExt cx="0" cy="0"/>
-        </a:xfrm>
-      </p:grpSpPr>
-      <p:sp>
-        <p:nvSpPr>
-          <p:cNvPr id="233" name="Shape 233"/>
-          <p:cNvSpPr>
-            <a:spLocks noGrp="1" noRot="1" noChangeAspect="1"/>
-          </p:cNvSpPr>
-          <p:nvPr>
-            <p:ph type="sldImg" idx="2"/>
-          </p:nvPr>
-        </p:nvSpPr>
-        <p:spPr>
-          <a:xfrm>
-            <a:off x="1143000" y="685800"/>
-            <a:ext cx="4572000" cy="3429000"/>
-          </a:xfrm>
-          <a:custGeom>
-            <a:avLst/>
-            <a:gdLst/>
-            <a:ahLst/>
-            <a:cxnLst/>
-            <a:rect l="0" t="0" r="0" b="0"/>
-            <a:pathLst>
-              <a:path w="120000" h="120000" extrusionOk="0">
-                <a:moveTo>
-                  <a:pt x="0" y="0"/>
-                </a:moveTo>
-                <a:lnTo>
-                  <a:pt x="120000" y="0"/>
-                </a:lnTo>
-                <a:lnTo>
-                  <a:pt x="120000" y="120000"/>
-                </a:lnTo>
-                <a:lnTo>
-                  <a:pt x="0" y="120000"/>
-                </a:lnTo>
-                <a:close/>
-              </a:path>
-            </a:pathLst>
-          </a:custGeom>
-          <a:noFill/>
-          <a:ln w="9525" cap="flat" cmpd="sng">
-            <a:solidFill>
-              <a:srgbClr val="000000"/>
-            </a:solidFill>
-            <a:prstDash val="solid"/>
-            <a:round/>
-            <a:headEnd type="none" w="med" len="med"/>
-            <a:tailEnd type="none" w="med" len="med"/>
-          </a:ln>
-        </p:spPr>
-      </p:sp>
-      <p:sp>
-        <p:nvSpPr>
-          <p:cNvPr id="234" name="Shape 234"/>
-          <p:cNvSpPr txBox="1">
-            <a:spLocks noGrp="1"/>
-          </p:cNvSpPr>
-          <p:nvPr>
-            <p:ph type="body" idx="1"/>
-          </p:nvPr>
-        </p:nvSpPr>
-        <p:spPr>
-          <a:xfrm>
-            <a:off x="685800" y="4343400"/>
-            <a:ext cx="5486399" cy="4114800"/>
-          </a:xfrm>
-          <a:prstGeom prst="rect">
-            <a:avLst/>
-          </a:prstGeom>
-        </p:spPr>
-        <p:txBody>
-          <a:bodyPr lIns="91425" tIns="91425" rIns="91425" bIns="91425" anchor="t" anchorCtr="0">
-            <a:noAutofit/>
-          </a:bodyPr>
-          <a:lstStyle/>
-          <a:p>
-            <a:pPr>
-              <a:spcBef>
-                <a:spcPts val="0"/>
-              </a:spcBef>
-              <a:buNone/>
-            </a:pPr>
-            <a:endParaRPr/>
-          </a:p>
-        </p:txBody>
-      </p:sp>
-    </p:spTree>
-    <p:extLst>
-      <p:ext uri="{BB962C8B-B14F-4D97-AF65-F5344CB8AC3E}">
-        <p14:creationId xmlns:p14="http://schemas.microsoft.com/office/powerpoint/2010/main" val="4188285711"/>
-      </p:ext>
-    </p:extLst>
-  </p:cSld>
-  <p:clrMapOvr>
-    <a:masterClrMapping/>
-  </p:clrMapOvr>
-</p:notes>
-</file>
-
-<file path=ppt/notesSlides/notesSlide13.xml><?xml version="1.0" encoding="utf-8"?>
-<p:notes xmlns:a="http://schemas.openxmlformats.org/drawingml/2006/main" xmlns:r="http://schemas.openxmlformats.org/officeDocument/2006/relationships" xmlns:p="http://schemas.openxmlformats.org/presentationml/2006/main" showMasterSp="0" showMasterPhAnim="0">
-  <p:cSld>
-    <p:spTree>
-      <p:nvGrpSpPr>
-        <p:cNvPr id="1" name="Shape 238"/>
-        <p:cNvGrpSpPr/>
-        <p:nvPr/>
-      </p:nvGrpSpPr>
-      <p:grpSpPr>
-        <a:xfrm>
-          <a:off x="0" y="0"/>
-          <a:ext cx="0" cy="0"/>
-          <a:chOff x="0" y="0"/>
-          <a:chExt cx="0" cy="0"/>
-        </a:xfrm>
-      </p:grpSpPr>
-      <p:sp>
-        <p:nvSpPr>
-          <p:cNvPr id="239" name="Shape 239"/>
-          <p:cNvSpPr>
-            <a:spLocks noGrp="1" noRot="1" noChangeAspect="1"/>
-          </p:cNvSpPr>
-          <p:nvPr>
-            <p:ph type="sldImg" idx="2"/>
-          </p:nvPr>
-        </p:nvSpPr>
-        <p:spPr>
-          <a:xfrm>
-            <a:off x="1143000" y="685800"/>
-            <a:ext cx="4572000" cy="3429000"/>
-          </a:xfrm>
-          <a:custGeom>
-            <a:avLst/>
-            <a:gdLst/>
-            <a:ahLst/>
-            <a:cxnLst/>
-            <a:rect l="0" t="0" r="0" b="0"/>
-            <a:pathLst>
-              <a:path w="120000" h="120000" extrusionOk="0">
-                <a:moveTo>
-                  <a:pt x="0" y="0"/>
-                </a:moveTo>
-                <a:lnTo>
-                  <a:pt x="120000" y="0"/>
-                </a:lnTo>
-                <a:lnTo>
-                  <a:pt x="120000" y="120000"/>
-                </a:lnTo>
-                <a:lnTo>
-                  <a:pt x="0" y="120000"/>
-                </a:lnTo>
-                <a:close/>
-              </a:path>
-            </a:pathLst>
-          </a:custGeom>
-          <a:noFill/>
-          <a:ln w="9525" cap="flat" cmpd="sng">
-            <a:solidFill>
-              <a:srgbClr val="000000"/>
-            </a:solidFill>
-            <a:prstDash val="solid"/>
-            <a:round/>
-            <a:headEnd type="none" w="med" len="med"/>
-            <a:tailEnd type="none" w="med" len="med"/>
-          </a:ln>
-        </p:spPr>
-      </p:sp>
-      <p:sp>
-        <p:nvSpPr>
-          <p:cNvPr id="240" name="Shape 240"/>
-          <p:cNvSpPr txBox="1">
-            <a:spLocks noGrp="1"/>
-          </p:cNvSpPr>
-          <p:nvPr>
-            <p:ph type="body" idx="1"/>
-          </p:nvPr>
-        </p:nvSpPr>
-        <p:spPr>
-          <a:xfrm>
-            <a:off x="685800" y="4343400"/>
-            <a:ext cx="5486399" cy="4114800"/>
-          </a:xfrm>
-          <a:prstGeom prst="rect">
-            <a:avLst/>
-          </a:prstGeom>
-        </p:spPr>
-        <p:txBody>
-          <a:bodyPr lIns="91425" tIns="91425" rIns="91425" bIns="91425" anchor="t" anchorCtr="0">
-            <a:noAutofit/>
-          </a:bodyPr>
-          <a:lstStyle/>
-          <a:p>
-            <a:pPr>
-              <a:spcBef>
-                <a:spcPts val="0"/>
-              </a:spcBef>
-              <a:buNone/>
-            </a:pPr>
-            <a:endParaRPr/>
-          </a:p>
-        </p:txBody>
-      </p:sp>
-    </p:spTree>
-    <p:extLst>
-      <p:ext uri="{BB962C8B-B14F-4D97-AF65-F5344CB8AC3E}">
-        <p14:creationId xmlns:p14="http://schemas.microsoft.com/office/powerpoint/2010/main" val="2873920213"/>
-      </p:ext>
-    </p:extLst>
-  </p:cSld>
-  <p:clrMapOvr>
-    <a:masterClrMapping/>
-  </p:clrMapOvr>
-</p:notes>
-</file>
-
 <file path=ppt/notesSlides/notesSlide2.xml><?xml version="1.0" encoding="utf-8"?>
 <p:notes xmlns:a="http://schemas.openxmlformats.org/drawingml/2006/main" xmlns:r="http://schemas.openxmlformats.org/officeDocument/2006/relationships" xmlns:p="http://schemas.openxmlformats.org/presentationml/2006/main" showMasterSp="0" showMasterPhAnim="0">
   <p:cSld>
@@ -1207,6 +742,238 @@
   <p:cSld>
     <p:spTree>
       <p:nvGrpSpPr>
+        <p:cNvPr id="1" name="Shape 155"/>
+        <p:cNvGrpSpPr/>
+        <p:nvPr/>
+      </p:nvGrpSpPr>
+      <p:grpSpPr>
+        <a:xfrm>
+          <a:off x="0" y="0"/>
+          <a:ext cx="0" cy="0"/>
+          <a:chOff x="0" y="0"/>
+          <a:chExt cx="0" cy="0"/>
+        </a:xfrm>
+      </p:grpSpPr>
+      <p:sp>
+        <p:nvSpPr>
+          <p:cNvPr id="156" name="Shape 156"/>
+          <p:cNvSpPr>
+            <a:spLocks noGrp="1" noRot="1" noChangeAspect="1"/>
+          </p:cNvSpPr>
+          <p:nvPr>
+            <p:ph type="sldImg" idx="2"/>
+          </p:nvPr>
+        </p:nvSpPr>
+        <p:spPr>
+          <a:xfrm>
+            <a:off x="1143000" y="685800"/>
+            <a:ext cx="4572000" cy="3429000"/>
+          </a:xfrm>
+          <a:custGeom>
+            <a:avLst/>
+            <a:gdLst/>
+            <a:ahLst/>
+            <a:cxnLst/>
+            <a:rect l="0" t="0" r="0" b="0"/>
+            <a:pathLst>
+              <a:path w="120000" h="120000" extrusionOk="0">
+                <a:moveTo>
+                  <a:pt x="0" y="0"/>
+                </a:moveTo>
+                <a:lnTo>
+                  <a:pt x="120000" y="0"/>
+                </a:lnTo>
+                <a:lnTo>
+                  <a:pt x="120000" y="120000"/>
+                </a:lnTo>
+                <a:lnTo>
+                  <a:pt x="0" y="120000"/>
+                </a:lnTo>
+                <a:close/>
+              </a:path>
+            </a:pathLst>
+          </a:custGeom>
+          <a:noFill/>
+          <a:ln w="9525" cap="flat" cmpd="sng">
+            <a:solidFill>
+              <a:srgbClr val="000000"/>
+            </a:solidFill>
+            <a:prstDash val="solid"/>
+            <a:round/>
+            <a:headEnd type="none" w="med" len="med"/>
+            <a:tailEnd type="none" w="med" len="med"/>
+          </a:ln>
+        </p:spPr>
+      </p:sp>
+      <p:sp>
+        <p:nvSpPr>
+          <p:cNvPr id="157" name="Shape 157"/>
+          <p:cNvSpPr txBox="1">
+            <a:spLocks noGrp="1"/>
+          </p:cNvSpPr>
+          <p:nvPr>
+            <p:ph type="body" idx="1"/>
+          </p:nvPr>
+        </p:nvSpPr>
+        <p:spPr>
+          <a:xfrm>
+            <a:off x="685800" y="4343400"/>
+            <a:ext cx="5486399" cy="4114800"/>
+          </a:xfrm>
+          <a:prstGeom prst="rect">
+            <a:avLst/>
+          </a:prstGeom>
+        </p:spPr>
+        <p:txBody>
+          <a:bodyPr lIns="91425" tIns="91425" rIns="91425" bIns="91425" anchor="t" anchorCtr="0">
+            <a:noAutofit/>
+          </a:bodyPr>
+          <a:lstStyle/>
+          <a:p>
+            <a:pPr>
+              <a:spcBef>
+                <a:spcPts val="0"/>
+              </a:spcBef>
+              <a:buNone/>
+            </a:pPr>
+            <a:endParaRPr/>
+          </a:p>
+        </p:txBody>
+      </p:sp>
+    </p:spTree>
+    <p:extLst>
+      <p:ext uri="{BB962C8B-B14F-4D97-AF65-F5344CB8AC3E}">
+        <p14:creationId xmlns:p14="http://schemas.microsoft.com/office/powerpoint/2010/main" val="3306436371"/>
+      </p:ext>
+    </p:extLst>
+  </p:cSld>
+  <p:clrMapOvr>
+    <a:masterClrMapping/>
+  </p:clrMapOvr>
+</p:notes>
+</file>
+
+<file path=ppt/notesSlides/notesSlide4.xml><?xml version="1.0" encoding="utf-8"?>
+<p:notes xmlns:a="http://schemas.openxmlformats.org/drawingml/2006/main" xmlns:r="http://schemas.openxmlformats.org/officeDocument/2006/relationships" xmlns:p="http://schemas.openxmlformats.org/presentationml/2006/main" showMasterSp="0" showMasterPhAnim="0">
+  <p:cSld>
+    <p:spTree>
+      <p:nvGrpSpPr>
+        <p:cNvPr id="1" name="Shape 101"/>
+        <p:cNvGrpSpPr/>
+        <p:nvPr/>
+      </p:nvGrpSpPr>
+      <p:grpSpPr>
+        <a:xfrm>
+          <a:off x="0" y="0"/>
+          <a:ext cx="0" cy="0"/>
+          <a:chOff x="0" y="0"/>
+          <a:chExt cx="0" cy="0"/>
+        </a:xfrm>
+      </p:grpSpPr>
+      <p:sp>
+        <p:nvSpPr>
+          <p:cNvPr id="102" name="Shape 102"/>
+          <p:cNvSpPr>
+            <a:spLocks noGrp="1" noRot="1" noChangeAspect="1"/>
+          </p:cNvSpPr>
+          <p:nvPr>
+            <p:ph type="sldImg" idx="2"/>
+          </p:nvPr>
+        </p:nvSpPr>
+        <p:spPr>
+          <a:xfrm>
+            <a:off x="1143000" y="685800"/>
+            <a:ext cx="4572000" cy="3429000"/>
+          </a:xfrm>
+          <a:custGeom>
+            <a:avLst/>
+            <a:gdLst/>
+            <a:ahLst/>
+            <a:cxnLst/>
+            <a:rect l="0" t="0" r="0" b="0"/>
+            <a:pathLst>
+              <a:path w="120000" h="120000" extrusionOk="0">
+                <a:moveTo>
+                  <a:pt x="0" y="0"/>
+                </a:moveTo>
+                <a:lnTo>
+                  <a:pt x="120000" y="0"/>
+                </a:lnTo>
+                <a:lnTo>
+                  <a:pt x="120000" y="120000"/>
+                </a:lnTo>
+                <a:lnTo>
+                  <a:pt x="0" y="120000"/>
+                </a:lnTo>
+                <a:close/>
+              </a:path>
+            </a:pathLst>
+          </a:custGeom>
+          <a:noFill/>
+          <a:ln w="9525" cap="flat" cmpd="sng">
+            <a:solidFill>
+              <a:srgbClr val="000000"/>
+            </a:solidFill>
+            <a:prstDash val="solid"/>
+            <a:round/>
+            <a:headEnd type="none" w="med" len="med"/>
+            <a:tailEnd type="none" w="med" len="med"/>
+          </a:ln>
+        </p:spPr>
+      </p:sp>
+      <p:sp>
+        <p:nvSpPr>
+          <p:cNvPr id="103" name="Shape 103"/>
+          <p:cNvSpPr txBox="1">
+            <a:spLocks noGrp="1"/>
+          </p:cNvSpPr>
+          <p:nvPr>
+            <p:ph type="body" idx="1"/>
+          </p:nvPr>
+        </p:nvSpPr>
+        <p:spPr>
+          <a:xfrm>
+            <a:off x="685800" y="4343400"/>
+            <a:ext cx="5486399" cy="4114800"/>
+          </a:xfrm>
+          <a:prstGeom prst="rect">
+            <a:avLst/>
+          </a:prstGeom>
+        </p:spPr>
+        <p:txBody>
+          <a:bodyPr lIns="91425" tIns="91425" rIns="91425" bIns="91425" anchor="t" anchorCtr="0">
+            <a:noAutofit/>
+          </a:bodyPr>
+          <a:lstStyle/>
+          <a:p>
+            <a:pPr>
+              <a:spcBef>
+                <a:spcPts val="0"/>
+              </a:spcBef>
+              <a:buNone/>
+            </a:pPr>
+            <a:endParaRPr/>
+          </a:p>
+        </p:txBody>
+      </p:sp>
+    </p:spTree>
+    <p:extLst>
+      <p:ext uri="{BB962C8B-B14F-4D97-AF65-F5344CB8AC3E}">
+        <p14:creationId xmlns:p14="http://schemas.microsoft.com/office/powerpoint/2010/main" val="1419160547"/>
+      </p:ext>
+    </p:extLst>
+  </p:cSld>
+  <p:clrMapOvr>
+    <a:masterClrMapping/>
+  </p:clrMapOvr>
+</p:notes>
+</file>
+
+<file path=ppt/notesSlides/notesSlide5.xml><?xml version="1.0" encoding="utf-8"?>
+<p:notes xmlns:a="http://schemas.openxmlformats.org/drawingml/2006/main" xmlns:r="http://schemas.openxmlformats.org/officeDocument/2006/relationships" xmlns:p="http://schemas.openxmlformats.org/presentationml/2006/main" showMasterSp="0" showMasterPhAnim="0">
+  <p:cSld>
+    <p:spTree>
+      <p:nvGrpSpPr>
         <p:cNvPr id="1" name="Shape 136"/>
         <p:cNvGrpSpPr/>
         <p:nvPr/>
@@ -1318,587 +1085,7 @@
 </p:notes>
 </file>
 
-<file path=ppt/notesSlides/notesSlide4.xml><?xml version="1.0" encoding="utf-8"?>
-<p:notes xmlns:a="http://schemas.openxmlformats.org/drawingml/2006/main" xmlns:r="http://schemas.openxmlformats.org/officeDocument/2006/relationships" xmlns:p="http://schemas.openxmlformats.org/presentationml/2006/main" showMasterSp="0" showMasterPhAnim="0">
-  <p:cSld>
-    <p:spTree>
-      <p:nvGrpSpPr>
-        <p:cNvPr id="1" name="Shape 155"/>
-        <p:cNvGrpSpPr/>
-        <p:nvPr/>
-      </p:nvGrpSpPr>
-      <p:grpSpPr>
-        <a:xfrm>
-          <a:off x="0" y="0"/>
-          <a:ext cx="0" cy="0"/>
-          <a:chOff x="0" y="0"/>
-          <a:chExt cx="0" cy="0"/>
-        </a:xfrm>
-      </p:grpSpPr>
-      <p:sp>
-        <p:nvSpPr>
-          <p:cNvPr id="156" name="Shape 156"/>
-          <p:cNvSpPr>
-            <a:spLocks noGrp="1" noRot="1" noChangeAspect="1"/>
-          </p:cNvSpPr>
-          <p:nvPr>
-            <p:ph type="sldImg" idx="2"/>
-          </p:nvPr>
-        </p:nvSpPr>
-        <p:spPr>
-          <a:xfrm>
-            <a:off x="1143000" y="685800"/>
-            <a:ext cx="4572000" cy="3429000"/>
-          </a:xfrm>
-          <a:custGeom>
-            <a:avLst/>
-            <a:gdLst/>
-            <a:ahLst/>
-            <a:cxnLst/>
-            <a:rect l="0" t="0" r="0" b="0"/>
-            <a:pathLst>
-              <a:path w="120000" h="120000" extrusionOk="0">
-                <a:moveTo>
-                  <a:pt x="0" y="0"/>
-                </a:moveTo>
-                <a:lnTo>
-                  <a:pt x="120000" y="0"/>
-                </a:lnTo>
-                <a:lnTo>
-                  <a:pt x="120000" y="120000"/>
-                </a:lnTo>
-                <a:lnTo>
-                  <a:pt x="0" y="120000"/>
-                </a:lnTo>
-                <a:close/>
-              </a:path>
-            </a:pathLst>
-          </a:custGeom>
-          <a:noFill/>
-          <a:ln w="9525" cap="flat" cmpd="sng">
-            <a:solidFill>
-              <a:srgbClr val="000000"/>
-            </a:solidFill>
-            <a:prstDash val="solid"/>
-            <a:round/>
-            <a:headEnd type="none" w="med" len="med"/>
-            <a:tailEnd type="none" w="med" len="med"/>
-          </a:ln>
-        </p:spPr>
-      </p:sp>
-      <p:sp>
-        <p:nvSpPr>
-          <p:cNvPr id="157" name="Shape 157"/>
-          <p:cNvSpPr txBox="1">
-            <a:spLocks noGrp="1"/>
-          </p:cNvSpPr>
-          <p:nvPr>
-            <p:ph type="body" idx="1"/>
-          </p:nvPr>
-        </p:nvSpPr>
-        <p:spPr>
-          <a:xfrm>
-            <a:off x="685800" y="4343400"/>
-            <a:ext cx="5486399" cy="4114800"/>
-          </a:xfrm>
-          <a:prstGeom prst="rect">
-            <a:avLst/>
-          </a:prstGeom>
-        </p:spPr>
-        <p:txBody>
-          <a:bodyPr lIns="91425" tIns="91425" rIns="91425" bIns="91425" anchor="t" anchorCtr="0">
-            <a:noAutofit/>
-          </a:bodyPr>
-          <a:lstStyle/>
-          <a:p>
-            <a:pPr>
-              <a:spcBef>
-                <a:spcPts val="0"/>
-              </a:spcBef>
-              <a:buNone/>
-            </a:pPr>
-            <a:endParaRPr/>
-          </a:p>
-        </p:txBody>
-      </p:sp>
-    </p:spTree>
-    <p:extLst>
-      <p:ext uri="{BB962C8B-B14F-4D97-AF65-F5344CB8AC3E}">
-        <p14:creationId xmlns:p14="http://schemas.microsoft.com/office/powerpoint/2010/main" val="3306436371"/>
-      </p:ext>
-    </p:extLst>
-  </p:cSld>
-  <p:clrMapOvr>
-    <a:masterClrMapping/>
-  </p:clrMapOvr>
-</p:notes>
-</file>
-
-<file path=ppt/notesSlides/notesSlide5.xml><?xml version="1.0" encoding="utf-8"?>
-<p:notes xmlns:a="http://schemas.openxmlformats.org/drawingml/2006/main" xmlns:r="http://schemas.openxmlformats.org/officeDocument/2006/relationships" xmlns:p="http://schemas.openxmlformats.org/presentationml/2006/main" showMasterSp="0" showMasterPhAnim="0">
-  <p:cSld>
-    <p:spTree>
-      <p:nvGrpSpPr>
-        <p:cNvPr id="1" name="Shape 178"/>
-        <p:cNvGrpSpPr/>
-        <p:nvPr/>
-      </p:nvGrpSpPr>
-      <p:grpSpPr>
-        <a:xfrm>
-          <a:off x="0" y="0"/>
-          <a:ext cx="0" cy="0"/>
-          <a:chOff x="0" y="0"/>
-          <a:chExt cx="0" cy="0"/>
-        </a:xfrm>
-      </p:grpSpPr>
-      <p:sp>
-        <p:nvSpPr>
-          <p:cNvPr id="179" name="Shape 179"/>
-          <p:cNvSpPr>
-            <a:spLocks noGrp="1" noRot="1" noChangeAspect="1"/>
-          </p:cNvSpPr>
-          <p:nvPr>
-            <p:ph type="sldImg" idx="2"/>
-          </p:nvPr>
-        </p:nvSpPr>
-        <p:spPr>
-          <a:xfrm>
-            <a:off x="1143000" y="685800"/>
-            <a:ext cx="4572000" cy="3429000"/>
-          </a:xfrm>
-          <a:custGeom>
-            <a:avLst/>
-            <a:gdLst/>
-            <a:ahLst/>
-            <a:cxnLst/>
-            <a:rect l="0" t="0" r="0" b="0"/>
-            <a:pathLst>
-              <a:path w="120000" h="120000" extrusionOk="0">
-                <a:moveTo>
-                  <a:pt x="0" y="0"/>
-                </a:moveTo>
-                <a:lnTo>
-                  <a:pt x="120000" y="0"/>
-                </a:lnTo>
-                <a:lnTo>
-                  <a:pt x="120000" y="120000"/>
-                </a:lnTo>
-                <a:lnTo>
-                  <a:pt x="0" y="120000"/>
-                </a:lnTo>
-                <a:close/>
-              </a:path>
-            </a:pathLst>
-          </a:custGeom>
-          <a:noFill/>
-          <a:ln w="9525" cap="flat" cmpd="sng">
-            <a:solidFill>
-              <a:srgbClr val="000000"/>
-            </a:solidFill>
-            <a:prstDash val="solid"/>
-            <a:round/>
-            <a:headEnd type="none" w="med" len="med"/>
-            <a:tailEnd type="none" w="med" len="med"/>
-          </a:ln>
-        </p:spPr>
-      </p:sp>
-      <p:sp>
-        <p:nvSpPr>
-          <p:cNvPr id="180" name="Shape 180"/>
-          <p:cNvSpPr txBox="1">
-            <a:spLocks noGrp="1"/>
-          </p:cNvSpPr>
-          <p:nvPr>
-            <p:ph type="body" idx="1"/>
-          </p:nvPr>
-        </p:nvSpPr>
-        <p:spPr>
-          <a:xfrm>
-            <a:off x="685800" y="4343400"/>
-            <a:ext cx="5486399" cy="4114800"/>
-          </a:xfrm>
-          <a:prstGeom prst="rect">
-            <a:avLst/>
-          </a:prstGeom>
-        </p:spPr>
-        <p:txBody>
-          <a:bodyPr lIns="91425" tIns="91425" rIns="91425" bIns="91425" anchor="t" anchorCtr="0">
-            <a:noAutofit/>
-          </a:bodyPr>
-          <a:lstStyle/>
-          <a:p>
-            <a:pPr>
-              <a:spcBef>
-                <a:spcPts val="0"/>
-              </a:spcBef>
-              <a:buNone/>
-            </a:pPr>
-            <a:endParaRPr/>
-          </a:p>
-        </p:txBody>
-      </p:sp>
-    </p:spTree>
-    <p:extLst>
-      <p:ext uri="{BB962C8B-B14F-4D97-AF65-F5344CB8AC3E}">
-        <p14:creationId xmlns:p14="http://schemas.microsoft.com/office/powerpoint/2010/main" val="2498379007"/>
-      </p:ext>
-    </p:extLst>
-  </p:cSld>
-  <p:clrMapOvr>
-    <a:masterClrMapping/>
-  </p:clrMapOvr>
-</p:notes>
-</file>
-
 <file path=ppt/notesSlides/notesSlide6.xml><?xml version="1.0" encoding="utf-8"?>
-<p:notes xmlns:a="http://schemas.openxmlformats.org/drawingml/2006/main" xmlns:r="http://schemas.openxmlformats.org/officeDocument/2006/relationships" xmlns:p="http://schemas.openxmlformats.org/presentationml/2006/main" showMasterSp="0" showMasterPhAnim="0">
-  <p:cSld>
-    <p:spTree>
-      <p:nvGrpSpPr>
-        <p:cNvPr id="1" name="Shape 178"/>
-        <p:cNvGrpSpPr/>
-        <p:nvPr/>
-      </p:nvGrpSpPr>
-      <p:grpSpPr>
-        <a:xfrm>
-          <a:off x="0" y="0"/>
-          <a:ext cx="0" cy="0"/>
-          <a:chOff x="0" y="0"/>
-          <a:chExt cx="0" cy="0"/>
-        </a:xfrm>
-      </p:grpSpPr>
-      <p:sp>
-        <p:nvSpPr>
-          <p:cNvPr id="179" name="Shape 179"/>
-          <p:cNvSpPr>
-            <a:spLocks noGrp="1" noRot="1" noChangeAspect="1"/>
-          </p:cNvSpPr>
-          <p:nvPr>
-            <p:ph type="sldImg" idx="2"/>
-          </p:nvPr>
-        </p:nvSpPr>
-        <p:spPr>
-          <a:xfrm>
-            <a:off x="1143000" y="685800"/>
-            <a:ext cx="4572000" cy="3429000"/>
-          </a:xfrm>
-          <a:custGeom>
-            <a:avLst/>
-            <a:gdLst/>
-            <a:ahLst/>
-            <a:cxnLst/>
-            <a:rect l="0" t="0" r="0" b="0"/>
-            <a:pathLst>
-              <a:path w="120000" h="120000" extrusionOk="0">
-                <a:moveTo>
-                  <a:pt x="0" y="0"/>
-                </a:moveTo>
-                <a:lnTo>
-                  <a:pt x="120000" y="0"/>
-                </a:lnTo>
-                <a:lnTo>
-                  <a:pt x="120000" y="120000"/>
-                </a:lnTo>
-                <a:lnTo>
-                  <a:pt x="0" y="120000"/>
-                </a:lnTo>
-                <a:close/>
-              </a:path>
-            </a:pathLst>
-          </a:custGeom>
-          <a:noFill/>
-          <a:ln w="9525" cap="flat" cmpd="sng">
-            <a:solidFill>
-              <a:srgbClr val="000000"/>
-            </a:solidFill>
-            <a:prstDash val="solid"/>
-            <a:round/>
-            <a:headEnd type="none" w="med" len="med"/>
-            <a:tailEnd type="none" w="med" len="med"/>
-          </a:ln>
-        </p:spPr>
-      </p:sp>
-      <p:sp>
-        <p:nvSpPr>
-          <p:cNvPr id="180" name="Shape 180"/>
-          <p:cNvSpPr txBox="1">
-            <a:spLocks noGrp="1"/>
-          </p:cNvSpPr>
-          <p:nvPr>
-            <p:ph type="body" idx="1"/>
-          </p:nvPr>
-        </p:nvSpPr>
-        <p:spPr>
-          <a:xfrm>
-            <a:off x="685800" y="4343400"/>
-            <a:ext cx="5486399" cy="4114800"/>
-          </a:xfrm>
-          <a:prstGeom prst="rect">
-            <a:avLst/>
-          </a:prstGeom>
-        </p:spPr>
-        <p:txBody>
-          <a:bodyPr lIns="91425" tIns="91425" rIns="91425" bIns="91425" anchor="t" anchorCtr="0">
-            <a:noAutofit/>
-          </a:bodyPr>
-          <a:lstStyle/>
-          <a:p>
-            <a:pPr>
-              <a:spcBef>
-                <a:spcPts val="0"/>
-              </a:spcBef>
-              <a:buNone/>
-            </a:pPr>
-            <a:endParaRPr/>
-          </a:p>
-        </p:txBody>
-      </p:sp>
-    </p:spTree>
-    <p:extLst>
-      <p:ext uri="{BB962C8B-B14F-4D97-AF65-F5344CB8AC3E}">
-        <p14:creationId xmlns:p14="http://schemas.microsoft.com/office/powerpoint/2010/main" val="2351939799"/>
-      </p:ext>
-    </p:extLst>
-  </p:cSld>
-  <p:clrMapOvr>
-    <a:masterClrMapping/>
-  </p:clrMapOvr>
-</p:notes>
-</file>
-
-<file path=ppt/notesSlides/notesSlide7.xml><?xml version="1.0" encoding="utf-8"?>
-<p:notes xmlns:a="http://schemas.openxmlformats.org/drawingml/2006/main" xmlns:r="http://schemas.openxmlformats.org/officeDocument/2006/relationships" xmlns:p="http://schemas.openxmlformats.org/presentationml/2006/main" showMasterSp="0" showMasterPhAnim="0">
-  <p:cSld>
-    <p:spTree>
-      <p:nvGrpSpPr>
-        <p:cNvPr id="1" name="Shape 178"/>
-        <p:cNvGrpSpPr/>
-        <p:nvPr/>
-      </p:nvGrpSpPr>
-      <p:grpSpPr>
-        <a:xfrm>
-          <a:off x="0" y="0"/>
-          <a:ext cx="0" cy="0"/>
-          <a:chOff x="0" y="0"/>
-          <a:chExt cx="0" cy="0"/>
-        </a:xfrm>
-      </p:grpSpPr>
-      <p:sp>
-        <p:nvSpPr>
-          <p:cNvPr id="179" name="Shape 179"/>
-          <p:cNvSpPr>
-            <a:spLocks noGrp="1" noRot="1" noChangeAspect="1"/>
-          </p:cNvSpPr>
-          <p:nvPr>
-            <p:ph type="sldImg" idx="2"/>
-          </p:nvPr>
-        </p:nvSpPr>
-        <p:spPr>
-          <a:xfrm>
-            <a:off x="1143000" y="685800"/>
-            <a:ext cx="4572000" cy="3429000"/>
-          </a:xfrm>
-          <a:custGeom>
-            <a:avLst/>
-            <a:gdLst/>
-            <a:ahLst/>
-            <a:cxnLst/>
-            <a:rect l="0" t="0" r="0" b="0"/>
-            <a:pathLst>
-              <a:path w="120000" h="120000" extrusionOk="0">
-                <a:moveTo>
-                  <a:pt x="0" y="0"/>
-                </a:moveTo>
-                <a:lnTo>
-                  <a:pt x="120000" y="0"/>
-                </a:lnTo>
-                <a:lnTo>
-                  <a:pt x="120000" y="120000"/>
-                </a:lnTo>
-                <a:lnTo>
-                  <a:pt x="0" y="120000"/>
-                </a:lnTo>
-                <a:close/>
-              </a:path>
-            </a:pathLst>
-          </a:custGeom>
-          <a:noFill/>
-          <a:ln w="9525" cap="flat" cmpd="sng">
-            <a:solidFill>
-              <a:srgbClr val="000000"/>
-            </a:solidFill>
-            <a:prstDash val="solid"/>
-            <a:round/>
-            <a:headEnd type="none" w="med" len="med"/>
-            <a:tailEnd type="none" w="med" len="med"/>
-          </a:ln>
-        </p:spPr>
-      </p:sp>
-      <p:sp>
-        <p:nvSpPr>
-          <p:cNvPr id="180" name="Shape 180"/>
-          <p:cNvSpPr txBox="1">
-            <a:spLocks noGrp="1"/>
-          </p:cNvSpPr>
-          <p:nvPr>
-            <p:ph type="body" idx="1"/>
-          </p:nvPr>
-        </p:nvSpPr>
-        <p:spPr>
-          <a:xfrm>
-            <a:off x="685800" y="4343400"/>
-            <a:ext cx="5486399" cy="4114800"/>
-          </a:xfrm>
-          <a:prstGeom prst="rect">
-            <a:avLst/>
-          </a:prstGeom>
-        </p:spPr>
-        <p:txBody>
-          <a:bodyPr lIns="91425" tIns="91425" rIns="91425" bIns="91425" anchor="t" anchorCtr="0">
-            <a:noAutofit/>
-          </a:bodyPr>
-          <a:lstStyle/>
-          <a:p>
-            <a:pPr>
-              <a:spcBef>
-                <a:spcPts val="0"/>
-              </a:spcBef>
-              <a:buNone/>
-            </a:pPr>
-            <a:endParaRPr/>
-          </a:p>
-        </p:txBody>
-      </p:sp>
-    </p:spTree>
-    <p:extLst>
-      <p:ext uri="{BB962C8B-B14F-4D97-AF65-F5344CB8AC3E}">
-        <p14:creationId xmlns:p14="http://schemas.microsoft.com/office/powerpoint/2010/main" val="2885109427"/>
-      </p:ext>
-    </p:extLst>
-  </p:cSld>
-  <p:clrMapOvr>
-    <a:masterClrMapping/>
-  </p:clrMapOvr>
-</p:notes>
-</file>
-
-<file path=ppt/notesSlides/notesSlide8.xml><?xml version="1.0" encoding="utf-8"?>
-<p:notes xmlns:a="http://schemas.openxmlformats.org/drawingml/2006/main" xmlns:r="http://schemas.openxmlformats.org/officeDocument/2006/relationships" xmlns:p="http://schemas.openxmlformats.org/presentationml/2006/main" showMasterSp="0" showMasterPhAnim="0">
-  <p:cSld>
-    <p:spTree>
-      <p:nvGrpSpPr>
-        <p:cNvPr id="1" name="Shape 191"/>
-        <p:cNvGrpSpPr/>
-        <p:nvPr/>
-      </p:nvGrpSpPr>
-      <p:grpSpPr>
-        <a:xfrm>
-          <a:off x="0" y="0"/>
-          <a:ext cx="0" cy="0"/>
-          <a:chOff x="0" y="0"/>
-          <a:chExt cx="0" cy="0"/>
-        </a:xfrm>
-      </p:grpSpPr>
-      <p:sp>
-        <p:nvSpPr>
-          <p:cNvPr id="192" name="Shape 192"/>
-          <p:cNvSpPr>
-            <a:spLocks noGrp="1" noRot="1" noChangeAspect="1"/>
-          </p:cNvSpPr>
-          <p:nvPr>
-            <p:ph type="sldImg" idx="2"/>
-          </p:nvPr>
-        </p:nvSpPr>
-        <p:spPr>
-          <a:xfrm>
-            <a:off x="1143000" y="685800"/>
-            <a:ext cx="4572000" cy="3429000"/>
-          </a:xfrm>
-          <a:custGeom>
-            <a:avLst/>
-            <a:gdLst/>
-            <a:ahLst/>
-            <a:cxnLst/>
-            <a:rect l="0" t="0" r="0" b="0"/>
-            <a:pathLst>
-              <a:path w="120000" h="120000" extrusionOk="0">
-                <a:moveTo>
-                  <a:pt x="0" y="0"/>
-                </a:moveTo>
-                <a:lnTo>
-                  <a:pt x="120000" y="0"/>
-                </a:lnTo>
-                <a:lnTo>
-                  <a:pt x="120000" y="120000"/>
-                </a:lnTo>
-                <a:lnTo>
-                  <a:pt x="0" y="120000"/>
-                </a:lnTo>
-                <a:close/>
-              </a:path>
-            </a:pathLst>
-          </a:custGeom>
-          <a:noFill/>
-          <a:ln w="9525" cap="flat" cmpd="sng">
-            <a:solidFill>
-              <a:srgbClr val="000000"/>
-            </a:solidFill>
-            <a:prstDash val="solid"/>
-            <a:round/>
-            <a:headEnd type="none" w="med" len="med"/>
-            <a:tailEnd type="none" w="med" len="med"/>
-          </a:ln>
-        </p:spPr>
-      </p:sp>
-      <p:sp>
-        <p:nvSpPr>
-          <p:cNvPr id="193" name="Shape 193"/>
-          <p:cNvSpPr txBox="1">
-            <a:spLocks noGrp="1"/>
-          </p:cNvSpPr>
-          <p:nvPr>
-            <p:ph type="body" idx="1"/>
-          </p:nvPr>
-        </p:nvSpPr>
-        <p:spPr>
-          <a:xfrm>
-            <a:off x="685800" y="4343400"/>
-            <a:ext cx="5486399" cy="4114800"/>
-          </a:xfrm>
-          <a:prstGeom prst="rect">
-            <a:avLst/>
-          </a:prstGeom>
-        </p:spPr>
-        <p:txBody>
-          <a:bodyPr lIns="91425" tIns="91425" rIns="91425" bIns="91425" anchor="t" anchorCtr="0">
-            <a:noAutofit/>
-          </a:bodyPr>
-          <a:lstStyle/>
-          <a:p>
-            <a:pPr>
-              <a:spcBef>
-                <a:spcPts val="0"/>
-              </a:spcBef>
-              <a:buNone/>
-            </a:pPr>
-            <a:endParaRPr/>
-          </a:p>
-        </p:txBody>
-      </p:sp>
-    </p:spTree>
-    <p:extLst>
-      <p:ext uri="{BB962C8B-B14F-4D97-AF65-F5344CB8AC3E}">
-        <p14:creationId xmlns:p14="http://schemas.microsoft.com/office/powerpoint/2010/main" val="3207660342"/>
-      </p:ext>
-    </p:extLst>
-  </p:cSld>
-  <p:clrMapOvr>
-    <a:masterClrMapping/>
-  </p:clrMapOvr>
-</p:notes>
-</file>
-
-<file path=ppt/notesSlides/notesSlide9.xml><?xml version="1.0" encoding="utf-8"?>
 <p:notes xmlns:a="http://schemas.openxmlformats.org/drawingml/2006/main" xmlns:r="http://schemas.openxmlformats.org/officeDocument/2006/relationships" xmlns:p="http://schemas.openxmlformats.org/presentationml/2006/main" showMasterSp="0" showMasterPhAnim="0">
   <p:cSld>
     <p:spTree>
@@ -2005,6 +1192,354 @@
     <p:extLst>
       <p:ext uri="{BB962C8B-B14F-4D97-AF65-F5344CB8AC3E}">
         <p14:creationId xmlns:p14="http://schemas.microsoft.com/office/powerpoint/2010/main" val="146940413"/>
+      </p:ext>
+    </p:extLst>
+  </p:cSld>
+  <p:clrMapOvr>
+    <a:masterClrMapping/>
+  </p:clrMapOvr>
+</p:notes>
+</file>
+
+<file path=ppt/notesSlides/notesSlide7.xml><?xml version="1.0" encoding="utf-8"?>
+<p:notes xmlns:a="http://schemas.openxmlformats.org/drawingml/2006/main" xmlns:r="http://schemas.openxmlformats.org/officeDocument/2006/relationships" xmlns:p="http://schemas.openxmlformats.org/presentationml/2006/main" showMasterSp="0" showMasterPhAnim="0">
+  <p:cSld>
+    <p:spTree>
+      <p:nvGrpSpPr>
+        <p:cNvPr id="1" name="Shape 200"/>
+        <p:cNvGrpSpPr/>
+        <p:nvPr/>
+      </p:nvGrpSpPr>
+      <p:grpSpPr>
+        <a:xfrm>
+          <a:off x="0" y="0"/>
+          <a:ext cx="0" cy="0"/>
+          <a:chOff x="0" y="0"/>
+          <a:chExt cx="0" cy="0"/>
+        </a:xfrm>
+      </p:grpSpPr>
+      <p:sp>
+        <p:nvSpPr>
+          <p:cNvPr id="201" name="Shape 201"/>
+          <p:cNvSpPr>
+            <a:spLocks noGrp="1" noRot="1" noChangeAspect="1"/>
+          </p:cNvSpPr>
+          <p:nvPr>
+            <p:ph type="sldImg" idx="2"/>
+          </p:nvPr>
+        </p:nvSpPr>
+        <p:spPr>
+          <a:xfrm>
+            <a:off x="1143000" y="685800"/>
+            <a:ext cx="4572000" cy="3429000"/>
+          </a:xfrm>
+          <a:custGeom>
+            <a:avLst/>
+            <a:gdLst/>
+            <a:ahLst/>
+            <a:cxnLst/>
+            <a:rect l="0" t="0" r="0" b="0"/>
+            <a:pathLst>
+              <a:path w="120000" h="120000" extrusionOk="0">
+                <a:moveTo>
+                  <a:pt x="0" y="0"/>
+                </a:moveTo>
+                <a:lnTo>
+                  <a:pt x="120000" y="0"/>
+                </a:lnTo>
+                <a:lnTo>
+                  <a:pt x="120000" y="120000"/>
+                </a:lnTo>
+                <a:lnTo>
+                  <a:pt x="0" y="120000"/>
+                </a:lnTo>
+                <a:close/>
+              </a:path>
+            </a:pathLst>
+          </a:custGeom>
+          <a:noFill/>
+          <a:ln w="9525" cap="flat" cmpd="sng">
+            <a:solidFill>
+              <a:srgbClr val="000000"/>
+            </a:solidFill>
+            <a:prstDash val="solid"/>
+            <a:round/>
+            <a:headEnd type="none" w="med" len="med"/>
+            <a:tailEnd type="none" w="med" len="med"/>
+          </a:ln>
+        </p:spPr>
+      </p:sp>
+      <p:sp>
+        <p:nvSpPr>
+          <p:cNvPr id="202" name="Shape 202"/>
+          <p:cNvSpPr txBox="1">
+            <a:spLocks noGrp="1"/>
+          </p:cNvSpPr>
+          <p:nvPr>
+            <p:ph type="body" idx="1"/>
+          </p:nvPr>
+        </p:nvSpPr>
+        <p:spPr>
+          <a:xfrm>
+            <a:off x="685800" y="4343400"/>
+            <a:ext cx="5486399" cy="4114800"/>
+          </a:xfrm>
+          <a:prstGeom prst="rect">
+            <a:avLst/>
+          </a:prstGeom>
+        </p:spPr>
+        <p:txBody>
+          <a:bodyPr lIns="91425" tIns="91425" rIns="91425" bIns="91425" anchor="t" anchorCtr="0">
+            <a:noAutofit/>
+          </a:bodyPr>
+          <a:lstStyle/>
+          <a:p>
+            <a:pPr>
+              <a:spcBef>
+                <a:spcPts val="0"/>
+              </a:spcBef>
+              <a:buNone/>
+            </a:pPr>
+            <a:endParaRPr/>
+          </a:p>
+        </p:txBody>
+      </p:sp>
+    </p:spTree>
+    <p:extLst>
+      <p:ext uri="{BB962C8B-B14F-4D97-AF65-F5344CB8AC3E}">
+        <p14:creationId xmlns:p14="http://schemas.microsoft.com/office/powerpoint/2010/main" val="1706812778"/>
+      </p:ext>
+    </p:extLst>
+  </p:cSld>
+  <p:clrMapOvr>
+    <a:masterClrMapping/>
+  </p:clrMapOvr>
+</p:notes>
+</file>
+
+<file path=ppt/notesSlides/notesSlide8.xml><?xml version="1.0" encoding="utf-8"?>
+<p:notes xmlns:a="http://schemas.openxmlformats.org/drawingml/2006/main" xmlns:r="http://schemas.openxmlformats.org/officeDocument/2006/relationships" xmlns:p="http://schemas.openxmlformats.org/presentationml/2006/main" showMasterSp="0" showMasterPhAnim="0">
+  <p:cSld>
+    <p:spTree>
+      <p:nvGrpSpPr>
+        <p:cNvPr id="1" name="Shape 232"/>
+        <p:cNvGrpSpPr/>
+        <p:nvPr/>
+      </p:nvGrpSpPr>
+      <p:grpSpPr>
+        <a:xfrm>
+          <a:off x="0" y="0"/>
+          <a:ext cx="0" cy="0"/>
+          <a:chOff x="0" y="0"/>
+          <a:chExt cx="0" cy="0"/>
+        </a:xfrm>
+      </p:grpSpPr>
+      <p:sp>
+        <p:nvSpPr>
+          <p:cNvPr id="233" name="Shape 233"/>
+          <p:cNvSpPr>
+            <a:spLocks noGrp="1" noRot="1" noChangeAspect="1"/>
+          </p:cNvSpPr>
+          <p:nvPr>
+            <p:ph type="sldImg" idx="2"/>
+          </p:nvPr>
+        </p:nvSpPr>
+        <p:spPr>
+          <a:xfrm>
+            <a:off x="1143000" y="685800"/>
+            <a:ext cx="4572000" cy="3429000"/>
+          </a:xfrm>
+          <a:custGeom>
+            <a:avLst/>
+            <a:gdLst/>
+            <a:ahLst/>
+            <a:cxnLst/>
+            <a:rect l="0" t="0" r="0" b="0"/>
+            <a:pathLst>
+              <a:path w="120000" h="120000" extrusionOk="0">
+                <a:moveTo>
+                  <a:pt x="0" y="0"/>
+                </a:moveTo>
+                <a:lnTo>
+                  <a:pt x="120000" y="0"/>
+                </a:lnTo>
+                <a:lnTo>
+                  <a:pt x="120000" y="120000"/>
+                </a:lnTo>
+                <a:lnTo>
+                  <a:pt x="0" y="120000"/>
+                </a:lnTo>
+                <a:close/>
+              </a:path>
+            </a:pathLst>
+          </a:custGeom>
+          <a:noFill/>
+          <a:ln w="9525" cap="flat" cmpd="sng">
+            <a:solidFill>
+              <a:srgbClr val="000000"/>
+            </a:solidFill>
+            <a:prstDash val="solid"/>
+            <a:round/>
+            <a:headEnd type="none" w="med" len="med"/>
+            <a:tailEnd type="none" w="med" len="med"/>
+          </a:ln>
+        </p:spPr>
+      </p:sp>
+      <p:sp>
+        <p:nvSpPr>
+          <p:cNvPr id="234" name="Shape 234"/>
+          <p:cNvSpPr txBox="1">
+            <a:spLocks noGrp="1"/>
+          </p:cNvSpPr>
+          <p:nvPr>
+            <p:ph type="body" idx="1"/>
+          </p:nvPr>
+        </p:nvSpPr>
+        <p:spPr>
+          <a:xfrm>
+            <a:off x="685800" y="4343400"/>
+            <a:ext cx="5486399" cy="4114800"/>
+          </a:xfrm>
+          <a:prstGeom prst="rect">
+            <a:avLst/>
+          </a:prstGeom>
+        </p:spPr>
+        <p:txBody>
+          <a:bodyPr lIns="91425" tIns="91425" rIns="91425" bIns="91425" anchor="t" anchorCtr="0">
+            <a:noAutofit/>
+          </a:bodyPr>
+          <a:lstStyle/>
+          <a:p>
+            <a:pPr>
+              <a:spcBef>
+                <a:spcPts val="0"/>
+              </a:spcBef>
+              <a:buNone/>
+            </a:pPr>
+            <a:endParaRPr/>
+          </a:p>
+        </p:txBody>
+      </p:sp>
+    </p:spTree>
+    <p:extLst>
+      <p:ext uri="{BB962C8B-B14F-4D97-AF65-F5344CB8AC3E}">
+        <p14:creationId xmlns:p14="http://schemas.microsoft.com/office/powerpoint/2010/main" val="4188285711"/>
+      </p:ext>
+    </p:extLst>
+  </p:cSld>
+  <p:clrMapOvr>
+    <a:masterClrMapping/>
+  </p:clrMapOvr>
+</p:notes>
+</file>
+
+<file path=ppt/notesSlides/notesSlide9.xml><?xml version="1.0" encoding="utf-8"?>
+<p:notes xmlns:a="http://schemas.openxmlformats.org/drawingml/2006/main" xmlns:r="http://schemas.openxmlformats.org/officeDocument/2006/relationships" xmlns:p="http://schemas.openxmlformats.org/presentationml/2006/main" showMasterSp="0" showMasterPhAnim="0">
+  <p:cSld>
+    <p:spTree>
+      <p:nvGrpSpPr>
+        <p:cNvPr id="1" name="Shape 238"/>
+        <p:cNvGrpSpPr/>
+        <p:nvPr/>
+      </p:nvGrpSpPr>
+      <p:grpSpPr>
+        <a:xfrm>
+          <a:off x="0" y="0"/>
+          <a:ext cx="0" cy="0"/>
+          <a:chOff x="0" y="0"/>
+          <a:chExt cx="0" cy="0"/>
+        </a:xfrm>
+      </p:grpSpPr>
+      <p:sp>
+        <p:nvSpPr>
+          <p:cNvPr id="239" name="Shape 239"/>
+          <p:cNvSpPr>
+            <a:spLocks noGrp="1" noRot="1" noChangeAspect="1"/>
+          </p:cNvSpPr>
+          <p:nvPr>
+            <p:ph type="sldImg" idx="2"/>
+          </p:nvPr>
+        </p:nvSpPr>
+        <p:spPr>
+          <a:xfrm>
+            <a:off x="1143000" y="685800"/>
+            <a:ext cx="4572000" cy="3429000"/>
+          </a:xfrm>
+          <a:custGeom>
+            <a:avLst/>
+            <a:gdLst/>
+            <a:ahLst/>
+            <a:cxnLst/>
+            <a:rect l="0" t="0" r="0" b="0"/>
+            <a:pathLst>
+              <a:path w="120000" h="120000" extrusionOk="0">
+                <a:moveTo>
+                  <a:pt x="0" y="0"/>
+                </a:moveTo>
+                <a:lnTo>
+                  <a:pt x="120000" y="0"/>
+                </a:lnTo>
+                <a:lnTo>
+                  <a:pt x="120000" y="120000"/>
+                </a:lnTo>
+                <a:lnTo>
+                  <a:pt x="0" y="120000"/>
+                </a:lnTo>
+                <a:close/>
+              </a:path>
+            </a:pathLst>
+          </a:custGeom>
+          <a:noFill/>
+          <a:ln w="9525" cap="flat" cmpd="sng">
+            <a:solidFill>
+              <a:srgbClr val="000000"/>
+            </a:solidFill>
+            <a:prstDash val="solid"/>
+            <a:round/>
+            <a:headEnd type="none" w="med" len="med"/>
+            <a:tailEnd type="none" w="med" len="med"/>
+          </a:ln>
+        </p:spPr>
+      </p:sp>
+      <p:sp>
+        <p:nvSpPr>
+          <p:cNvPr id="240" name="Shape 240"/>
+          <p:cNvSpPr txBox="1">
+            <a:spLocks noGrp="1"/>
+          </p:cNvSpPr>
+          <p:nvPr>
+            <p:ph type="body" idx="1"/>
+          </p:nvPr>
+        </p:nvSpPr>
+        <p:spPr>
+          <a:xfrm>
+            <a:off x="685800" y="4343400"/>
+            <a:ext cx="5486399" cy="4114800"/>
+          </a:xfrm>
+          <a:prstGeom prst="rect">
+            <a:avLst/>
+          </a:prstGeom>
+        </p:spPr>
+        <p:txBody>
+          <a:bodyPr lIns="91425" tIns="91425" rIns="91425" bIns="91425" anchor="t" anchorCtr="0">
+            <a:noAutofit/>
+          </a:bodyPr>
+          <a:lstStyle/>
+          <a:p>
+            <a:pPr>
+              <a:spcBef>
+                <a:spcPts val="0"/>
+              </a:spcBef>
+              <a:buNone/>
+            </a:pPr>
+            <a:endParaRPr/>
+          </a:p>
+        </p:txBody>
+      </p:sp>
+    </p:spTree>
+    <p:extLst>
+      <p:ext uri="{BB962C8B-B14F-4D97-AF65-F5344CB8AC3E}">
+        <p14:creationId xmlns:p14="http://schemas.microsoft.com/office/powerpoint/2010/main" val="2873920213"/>
       </p:ext>
     </p:extLst>
   </p:cSld>
@@ -7175,774 +6710,6 @@
   <p:cSld>
     <p:spTree>
       <p:nvGrpSpPr>
-        <p:cNvPr id="1" name="Shape 89"/>
-        <p:cNvGrpSpPr/>
-        <p:nvPr/>
-      </p:nvGrpSpPr>
-      <p:grpSpPr>
-        <a:xfrm>
-          <a:off x="0" y="0"/>
-          <a:ext cx="0" cy="0"/>
-          <a:chOff x="0" y="0"/>
-          <a:chExt cx="0" cy="0"/>
-        </a:xfrm>
-      </p:grpSpPr>
-      <p:sp>
-        <p:nvSpPr>
-          <p:cNvPr id="90" name="Shape 90"/>
-          <p:cNvSpPr txBox="1">
-            <a:spLocks noGrp="1"/>
-          </p:cNvSpPr>
-          <p:nvPr>
-            <p:ph type="title"/>
-          </p:nvPr>
-        </p:nvSpPr>
-        <p:spPr>
-          <a:xfrm>
-            <a:off x="457200" y="274637"/>
-            <a:ext cx="8229600" cy="1143000"/>
-          </a:xfrm>
-          <a:prstGeom prst="rect">
-            <a:avLst/>
-          </a:prstGeom>
-        </p:spPr>
-        <p:txBody>
-          <a:bodyPr lIns="91425" tIns="91425" rIns="91425" bIns="91425" anchor="b" anchorCtr="0">
-            <a:noAutofit/>
-          </a:bodyPr>
-          <a:lstStyle/>
-          <a:p>
-            <a:pPr>
-              <a:spcBef>
-                <a:spcPts val="0"/>
-              </a:spcBef>
-              <a:buNone/>
-            </a:pPr>
-            <a:r>
-              <a:rPr lang="ru"/>
-              <a:t>Анализ картографических решений</a:t>
-            </a:r>
-          </a:p>
-        </p:txBody>
-      </p:sp>
-      <p:pic>
-        <p:nvPicPr>
-          <p:cNvPr id="91" name="Shape 91"/>
-          <p:cNvPicPr preferRelativeResize="0"/>
-          <p:nvPr/>
-        </p:nvPicPr>
-        <p:blipFill>
-          <a:blip r:embed="rId3">
-            <a:alphaModFix/>
-          </a:blip>
-          <a:stretch>
-            <a:fillRect/>
-          </a:stretch>
-        </p:blipFill>
-        <p:spPr>
-          <a:xfrm>
-            <a:off x="405225" y="1622698"/>
-            <a:ext cx="2552699" cy="420163"/>
-          </a:xfrm>
-          <a:prstGeom prst="rect">
-            <a:avLst/>
-          </a:prstGeom>
-          <a:noFill/>
-          <a:ln>
-            <a:noFill/>
-          </a:ln>
-        </p:spPr>
-      </p:pic>
-      <p:pic>
-        <p:nvPicPr>
-          <p:cNvPr id="92" name="Shape 92"/>
-          <p:cNvPicPr preferRelativeResize="0"/>
-          <p:nvPr/>
-        </p:nvPicPr>
-        <p:blipFill>
-          <a:blip r:embed="rId4">
-            <a:alphaModFix/>
-          </a:blip>
-          <a:stretch>
-            <a:fillRect/>
-          </a:stretch>
-        </p:blipFill>
-        <p:spPr>
-          <a:xfrm>
-            <a:off x="3489761" y="1278425"/>
-            <a:ext cx="2136224" cy="1250024"/>
-          </a:xfrm>
-          <a:prstGeom prst="rect">
-            <a:avLst/>
-          </a:prstGeom>
-          <a:noFill/>
-          <a:ln>
-            <a:noFill/>
-          </a:ln>
-        </p:spPr>
-      </p:pic>
-      <p:sp>
-        <p:nvSpPr>
-          <p:cNvPr id="93" name="Shape 93"/>
-          <p:cNvSpPr txBox="1"/>
-          <p:nvPr/>
-        </p:nvSpPr>
-        <p:spPr>
-          <a:xfrm>
-            <a:off x="5862200" y="3870625"/>
-            <a:ext cx="60599" cy="17399"/>
-          </a:xfrm>
-          <a:prstGeom prst="rect">
-            <a:avLst/>
-          </a:prstGeom>
-          <a:noFill/>
-          <a:ln>
-            <a:noFill/>
-          </a:ln>
-        </p:spPr>
-        <p:txBody>
-          <a:bodyPr lIns="91425" tIns="91425" rIns="91425" bIns="91425" anchor="t" anchorCtr="0">
-            <a:noAutofit/>
-          </a:bodyPr>
-          <a:lstStyle/>
-          <a:p>
-            <a:pPr>
-              <a:spcBef>
-                <a:spcPts val="0"/>
-              </a:spcBef>
-              <a:buNone/>
-            </a:pPr>
-            <a:endParaRPr/>
-          </a:p>
-        </p:txBody>
-      </p:sp>
-      <p:pic>
-        <p:nvPicPr>
-          <p:cNvPr id="94" name="Shape 94"/>
-          <p:cNvPicPr preferRelativeResize="0"/>
-          <p:nvPr/>
-        </p:nvPicPr>
-        <p:blipFill>
-          <a:blip r:embed="rId5">
-            <a:alphaModFix/>
-          </a:blip>
-          <a:stretch>
-            <a:fillRect/>
-          </a:stretch>
-        </p:blipFill>
-        <p:spPr>
-          <a:xfrm>
-            <a:off x="6157850" y="1403771"/>
-            <a:ext cx="2754599" cy="999353"/>
-          </a:xfrm>
-          <a:prstGeom prst="rect">
-            <a:avLst/>
-          </a:prstGeom>
-          <a:noFill/>
-          <a:ln>
-            <a:noFill/>
-          </a:ln>
-        </p:spPr>
-      </p:pic>
-      <p:pic>
-        <p:nvPicPr>
-          <p:cNvPr id="95" name="Shape 95"/>
-          <p:cNvPicPr preferRelativeResize="0"/>
-          <p:nvPr/>
-        </p:nvPicPr>
-        <p:blipFill>
-          <a:blip r:embed="rId6">
-            <a:alphaModFix/>
-          </a:blip>
-          <a:stretch>
-            <a:fillRect/>
-          </a:stretch>
-        </p:blipFill>
-        <p:spPr>
-          <a:xfrm>
-            <a:off x="591525" y="2360475"/>
-            <a:ext cx="1957699" cy="1834000"/>
-          </a:xfrm>
-          <a:prstGeom prst="rect">
-            <a:avLst/>
-          </a:prstGeom>
-          <a:noFill/>
-          <a:ln>
-            <a:noFill/>
-          </a:ln>
-        </p:spPr>
-      </p:pic>
-      <p:pic>
-        <p:nvPicPr>
-          <p:cNvPr id="96" name="Shape 96"/>
-          <p:cNvPicPr preferRelativeResize="0"/>
-          <p:nvPr/>
-        </p:nvPicPr>
-        <p:blipFill>
-          <a:blip r:embed="rId7">
-            <a:alphaModFix/>
-          </a:blip>
-          <a:stretch>
-            <a:fillRect/>
-          </a:stretch>
-        </p:blipFill>
-        <p:spPr>
-          <a:xfrm>
-            <a:off x="3402983" y="2360475"/>
-            <a:ext cx="2093542" cy="1833999"/>
-          </a:xfrm>
-          <a:prstGeom prst="rect">
-            <a:avLst/>
-          </a:prstGeom>
-          <a:noFill/>
-          <a:ln>
-            <a:noFill/>
-          </a:ln>
-        </p:spPr>
-      </p:pic>
-      <p:pic>
-        <p:nvPicPr>
-          <p:cNvPr id="97" name="Shape 97"/>
-          <p:cNvPicPr preferRelativeResize="0"/>
-          <p:nvPr/>
-        </p:nvPicPr>
-        <p:blipFill>
-          <a:blip r:embed="rId8">
-            <a:alphaModFix/>
-          </a:blip>
-          <a:stretch>
-            <a:fillRect/>
-          </a:stretch>
-        </p:blipFill>
-        <p:spPr>
-          <a:xfrm>
-            <a:off x="6438875" y="2360475"/>
-            <a:ext cx="2083394" cy="1834000"/>
-          </a:xfrm>
-          <a:prstGeom prst="rect">
-            <a:avLst/>
-          </a:prstGeom>
-          <a:noFill/>
-          <a:ln>
-            <a:noFill/>
-          </a:ln>
-        </p:spPr>
-      </p:pic>
-      <p:sp>
-        <p:nvSpPr>
-          <p:cNvPr id="98" name="Shape 98"/>
-          <p:cNvSpPr txBox="1"/>
-          <p:nvPr/>
-        </p:nvSpPr>
-        <p:spPr>
-          <a:xfrm>
-            <a:off x="162775" y="4450775"/>
-            <a:ext cx="2552699" cy="1878899"/>
-          </a:xfrm>
-          <a:prstGeom prst="rect">
-            <a:avLst/>
-          </a:prstGeom>
-          <a:noFill/>
-          <a:ln>
-            <a:noFill/>
-          </a:ln>
-        </p:spPr>
-        <p:txBody>
-          <a:bodyPr lIns="91425" tIns="91425" rIns="91425" bIns="91425" anchor="t" anchorCtr="0">
-            <a:noAutofit/>
-          </a:bodyPr>
-          <a:lstStyle/>
-          <a:p>
-            <a:pPr marL="457200" lvl="0" indent="-317500" rtl="0">
-              <a:spcBef>
-                <a:spcPts val="0"/>
-              </a:spcBef>
-              <a:buClr>
-                <a:schemeClr val="lt2"/>
-              </a:buClr>
-              <a:buSzPct val="100000"/>
-              <a:buFont typeface="Arial"/>
-              <a:buChar char="●"/>
-            </a:pPr>
-            <a:r>
-              <a:rPr lang="ru" dirty="0">
-                <a:solidFill>
-                  <a:schemeClr val="bg1">
-                    <a:lumMod val="95000"/>
-                  </a:schemeClr>
-                </a:solidFill>
-              </a:rPr>
-              <a:t>Свободный проект</a:t>
-            </a:r>
-          </a:p>
-          <a:p>
-            <a:pPr marL="457200" lvl="0" indent="-317500" rtl="0">
-              <a:spcBef>
-                <a:spcPts val="0"/>
-              </a:spcBef>
-              <a:buClr>
-                <a:schemeClr val="lt2"/>
-              </a:buClr>
-              <a:buSzPct val="100000"/>
-              <a:buFont typeface="Arial"/>
-              <a:buChar char="●"/>
-            </a:pPr>
-            <a:r>
-              <a:rPr lang="ru" dirty="0">
-                <a:solidFill>
-                  <a:schemeClr val="bg1">
-                    <a:lumMod val="95000"/>
-                  </a:schemeClr>
-                </a:solidFill>
-              </a:rPr>
-              <a:t>API: Leaflet</a:t>
-            </a:r>
-          </a:p>
-          <a:p>
-            <a:pPr marL="457200" lvl="0" indent="-317500" rtl="0">
-              <a:spcBef>
-                <a:spcPts val="0"/>
-              </a:spcBef>
-              <a:buClr>
-                <a:schemeClr val="lt2"/>
-              </a:buClr>
-              <a:buSzPct val="100000"/>
-              <a:buFont typeface="Arial"/>
-              <a:buChar char="●"/>
-            </a:pPr>
-            <a:r>
-              <a:rPr lang="ru" dirty="0">
-                <a:solidFill>
-                  <a:schemeClr val="bg1">
-                    <a:lumMod val="95000"/>
-                  </a:schemeClr>
-                </a:solidFill>
-              </a:rPr>
-              <a:t>Большое  сообщество</a:t>
-            </a:r>
-          </a:p>
-          <a:p>
-            <a:pPr marL="457200" lvl="0" indent="-317500">
-              <a:spcBef>
-                <a:spcPts val="0"/>
-              </a:spcBef>
-              <a:buClr>
-                <a:schemeClr val="lt2"/>
-              </a:buClr>
-              <a:buSzPct val="100000"/>
-              <a:buFont typeface="Arial"/>
-              <a:buChar char="●"/>
-            </a:pPr>
-            <a:r>
-              <a:rPr lang="ru" dirty="0">
-                <a:solidFill>
-                  <a:schemeClr val="bg1">
-                    <a:lumMod val="95000"/>
-                  </a:schemeClr>
-                </a:solidFill>
-              </a:rPr>
-              <a:t>Сравнительно малый функционал</a:t>
-            </a:r>
-          </a:p>
-        </p:txBody>
-      </p:sp>
-      <p:sp>
-        <p:nvSpPr>
-          <p:cNvPr id="99" name="Shape 99"/>
-          <p:cNvSpPr txBox="1"/>
-          <p:nvPr/>
-        </p:nvSpPr>
-        <p:spPr>
-          <a:xfrm>
-            <a:off x="2838800" y="4450775"/>
-            <a:ext cx="2896199" cy="1878899"/>
-          </a:xfrm>
-          <a:prstGeom prst="rect">
-            <a:avLst/>
-          </a:prstGeom>
-          <a:noFill/>
-          <a:ln>
-            <a:noFill/>
-          </a:ln>
-        </p:spPr>
-        <p:txBody>
-          <a:bodyPr lIns="91425" tIns="91425" rIns="91425" bIns="91425" anchor="t" anchorCtr="0">
-            <a:noAutofit/>
-          </a:bodyPr>
-          <a:lstStyle/>
-          <a:p>
-            <a:pPr marL="457200" lvl="0" indent="-317500" rtl="0">
-              <a:spcBef>
-                <a:spcPts val="0"/>
-              </a:spcBef>
-              <a:buClr>
-                <a:schemeClr val="lt2"/>
-              </a:buClr>
-              <a:buSzPct val="100000"/>
-              <a:buFont typeface="Arial"/>
-              <a:buChar char="●"/>
-            </a:pPr>
-            <a:r>
-              <a:rPr lang="ru" dirty="0">
-                <a:solidFill>
-                  <a:schemeClr val="bg1">
-                    <a:lumMod val="95000"/>
-                  </a:schemeClr>
-                </a:solidFill>
-              </a:rPr>
-              <a:t>Коммерческий проект</a:t>
-            </a:r>
-          </a:p>
-          <a:p>
-            <a:pPr marL="457200" lvl="0" indent="-317500" rtl="0">
-              <a:spcBef>
-                <a:spcPts val="0"/>
-              </a:spcBef>
-              <a:buClr>
-                <a:schemeClr val="lt2"/>
-              </a:buClr>
-              <a:buSzPct val="100000"/>
-              <a:buFont typeface="Arial"/>
-              <a:buChar char="●"/>
-            </a:pPr>
-            <a:r>
-              <a:rPr lang="ru" dirty="0">
-                <a:solidFill>
-                  <a:schemeClr val="bg1">
-                    <a:lumMod val="95000"/>
-                  </a:schemeClr>
-                </a:solidFill>
-              </a:rPr>
-              <a:t>Free for non-comercial use</a:t>
-            </a:r>
-          </a:p>
-          <a:p>
-            <a:pPr marL="457200" lvl="0" indent="-317500" rtl="0">
-              <a:spcBef>
-                <a:spcPts val="0"/>
-              </a:spcBef>
-              <a:buClr>
-                <a:schemeClr val="lt2"/>
-              </a:buClr>
-              <a:buSzPct val="100000"/>
-              <a:buFont typeface="Arial"/>
-              <a:buChar char="●"/>
-            </a:pPr>
-            <a:r>
-              <a:rPr lang="ru" dirty="0">
-                <a:solidFill>
-                  <a:schemeClr val="bg1">
-                    <a:lumMod val="95000"/>
-                  </a:schemeClr>
-                </a:solidFill>
-              </a:rPr>
-              <a:t>API: Leaflet</a:t>
-            </a:r>
-          </a:p>
-          <a:p>
-            <a:pPr marL="457200" lvl="0" indent="-317500" rtl="0">
-              <a:spcBef>
-                <a:spcPts val="0"/>
-              </a:spcBef>
-              <a:buClr>
-                <a:schemeClr val="lt2"/>
-              </a:buClr>
-              <a:buSzPct val="100000"/>
-              <a:buFont typeface="Arial"/>
-              <a:buChar char="●"/>
-            </a:pPr>
-            <a:r>
-              <a:rPr lang="ru" dirty="0">
-                <a:solidFill>
-                  <a:schemeClr val="bg1">
-                    <a:lumMod val="95000"/>
-                  </a:schemeClr>
-                </a:solidFill>
-              </a:rPr>
-              <a:t>Крупное  сообщество</a:t>
-            </a:r>
-          </a:p>
-          <a:p>
-            <a:pPr marL="457200" lvl="0" indent="-317500" rtl="0">
-              <a:spcBef>
-                <a:spcPts val="0"/>
-              </a:spcBef>
-              <a:buClr>
-                <a:schemeClr val="lt2"/>
-              </a:buClr>
-              <a:buSzPct val="100000"/>
-              <a:buFont typeface="Arial"/>
-              <a:buChar char="●"/>
-            </a:pPr>
-            <a:r>
-              <a:rPr lang="ru" dirty="0">
-                <a:solidFill>
-                  <a:schemeClr val="bg1">
-                    <a:lumMod val="95000"/>
-                  </a:schemeClr>
-                </a:solidFill>
-              </a:rPr>
-              <a:t>Качественная документация</a:t>
-            </a:r>
-          </a:p>
-          <a:p>
-            <a:pPr marL="457200" lvl="0" indent="-317500" rtl="0">
-              <a:spcBef>
-                <a:spcPts val="0"/>
-              </a:spcBef>
-              <a:buClr>
-                <a:schemeClr val="lt2"/>
-              </a:buClr>
-              <a:buSzPct val="100000"/>
-              <a:buFont typeface="Arial"/>
-              <a:buChar char="●"/>
-            </a:pPr>
-            <a:r>
-              <a:rPr lang="ru" dirty="0">
-                <a:solidFill>
-                  <a:schemeClr val="bg1">
-                    <a:lumMod val="95000"/>
-                  </a:schemeClr>
-                </a:solidFill>
-              </a:rPr>
-              <a:t>Широкий функционал</a:t>
-            </a:r>
-          </a:p>
-          <a:p>
-            <a:pPr marL="457200" lvl="0" indent="-317500" rtl="0">
-              <a:spcBef>
-                <a:spcPts val="0"/>
-              </a:spcBef>
-              <a:buClr>
-                <a:schemeClr val="lt2"/>
-              </a:buClr>
-              <a:buSzPct val="100000"/>
-              <a:buFont typeface="Arial"/>
-              <a:buChar char="●"/>
-            </a:pPr>
-            <a:r>
-              <a:rPr lang="ru" dirty="0">
-                <a:solidFill>
-                  <a:schemeClr val="bg1">
-                    <a:lumMod val="95000"/>
-                  </a:schemeClr>
-                </a:solidFill>
-              </a:rPr>
-              <a:t>Простота использования</a:t>
-            </a:r>
-          </a:p>
-        </p:txBody>
-      </p:sp>
-      <p:sp>
-        <p:nvSpPr>
-          <p:cNvPr id="100" name="Shape 100"/>
-          <p:cNvSpPr txBox="1"/>
-          <p:nvPr/>
-        </p:nvSpPr>
-        <p:spPr>
-          <a:xfrm>
-            <a:off x="5994775" y="4450775"/>
-            <a:ext cx="2838900" cy="1878899"/>
-          </a:xfrm>
-          <a:prstGeom prst="rect">
-            <a:avLst/>
-          </a:prstGeom>
-          <a:noFill/>
-          <a:ln>
-            <a:noFill/>
-          </a:ln>
-        </p:spPr>
-        <p:txBody>
-          <a:bodyPr lIns="91425" tIns="91425" rIns="91425" bIns="91425" anchor="t" anchorCtr="0">
-            <a:noAutofit/>
-          </a:bodyPr>
-          <a:lstStyle/>
-          <a:p>
-            <a:pPr marL="457200" lvl="0" indent="-317500" rtl="0">
-              <a:spcBef>
-                <a:spcPts val="0"/>
-              </a:spcBef>
-              <a:buClr>
-                <a:schemeClr val="lt2"/>
-              </a:buClr>
-              <a:buSzPct val="100000"/>
-              <a:buFont typeface="Arial"/>
-              <a:buChar char="●"/>
-            </a:pPr>
-            <a:r>
-              <a:rPr lang="ru" dirty="0">
-                <a:solidFill>
-                  <a:schemeClr val="bg1">
-                    <a:lumMod val="95000"/>
-                  </a:schemeClr>
-                </a:solidFill>
-              </a:rPr>
-              <a:t>Коммерческий проект</a:t>
-            </a:r>
-          </a:p>
-          <a:p>
-            <a:pPr marL="457200" lvl="0" indent="-317500" rtl="0">
-              <a:spcBef>
-                <a:spcPts val="0"/>
-              </a:spcBef>
-              <a:buClr>
-                <a:schemeClr val="lt2"/>
-              </a:buClr>
-              <a:buSzPct val="100000"/>
-              <a:buFont typeface="Arial"/>
-              <a:buChar char="●"/>
-            </a:pPr>
-            <a:r>
-              <a:rPr lang="ru" dirty="0">
-                <a:solidFill>
-                  <a:schemeClr val="bg1">
-                    <a:lumMod val="95000"/>
-                  </a:schemeClr>
-                </a:solidFill>
-              </a:rPr>
-              <a:t>Free for non-comercial use</a:t>
-            </a:r>
-          </a:p>
-          <a:p>
-            <a:pPr marL="457200" lvl="0" indent="-317500" rtl="0">
-              <a:spcBef>
-                <a:spcPts val="0"/>
-              </a:spcBef>
-              <a:buClr>
-                <a:schemeClr val="lt2"/>
-              </a:buClr>
-              <a:buSzPct val="100000"/>
-              <a:buFont typeface="Arial"/>
-              <a:buChar char="●"/>
-            </a:pPr>
-            <a:r>
-              <a:rPr lang="ru" dirty="0">
-                <a:solidFill>
-                  <a:schemeClr val="bg1">
-                    <a:lumMod val="95000"/>
-                  </a:schemeClr>
-                </a:solidFill>
-              </a:rPr>
-              <a:t>API: Google maps API</a:t>
-            </a:r>
-          </a:p>
-          <a:p>
-            <a:pPr marL="457200" lvl="0" indent="-317500" rtl="0">
-              <a:spcBef>
-                <a:spcPts val="0"/>
-              </a:spcBef>
-              <a:buClr>
-                <a:schemeClr val="lt2"/>
-              </a:buClr>
-              <a:buSzPct val="100000"/>
-              <a:buFont typeface="Arial"/>
-              <a:buChar char="●"/>
-            </a:pPr>
-            <a:r>
-              <a:rPr lang="ru" dirty="0">
-                <a:solidFill>
-                  <a:schemeClr val="bg1">
-                    <a:lumMod val="95000"/>
-                  </a:schemeClr>
-                </a:solidFill>
-              </a:rPr>
-              <a:t>Качественная документация</a:t>
-            </a:r>
-          </a:p>
-          <a:p>
-            <a:pPr marL="457200" lvl="0" indent="-317500" rtl="0">
-              <a:spcBef>
-                <a:spcPts val="0"/>
-              </a:spcBef>
-              <a:buClr>
-                <a:schemeClr val="lt2"/>
-              </a:buClr>
-              <a:buSzPct val="100000"/>
-              <a:buFont typeface="Arial"/>
-              <a:buChar char="●"/>
-            </a:pPr>
-            <a:r>
-              <a:rPr lang="ru" dirty="0">
-                <a:solidFill>
-                  <a:schemeClr val="bg1">
-                    <a:lumMod val="95000"/>
-                  </a:schemeClr>
-                </a:solidFill>
-              </a:rPr>
-              <a:t>Наличие тех. поддержки</a:t>
-            </a:r>
-          </a:p>
-          <a:p>
-            <a:pPr marL="457200" lvl="0" indent="-317500" rtl="0">
-              <a:spcBef>
-                <a:spcPts val="0"/>
-              </a:spcBef>
-              <a:buClr>
-                <a:schemeClr val="lt2"/>
-              </a:buClr>
-              <a:buSzPct val="100000"/>
-              <a:buFont typeface="Arial"/>
-              <a:buChar char="●"/>
-            </a:pPr>
-            <a:r>
-              <a:rPr lang="ru" dirty="0">
-                <a:solidFill>
-                  <a:schemeClr val="bg1">
-                    <a:lumMod val="95000"/>
-                  </a:schemeClr>
-                </a:solidFill>
-              </a:rPr>
-              <a:t>Широкий функционал</a:t>
-            </a:r>
-          </a:p>
-          <a:p>
-            <a:pPr marL="457200" lvl="0" indent="-317500" rtl="0">
-              <a:spcBef>
-                <a:spcPts val="0"/>
-              </a:spcBef>
-              <a:buClr>
-                <a:schemeClr val="lt2"/>
-              </a:buClr>
-              <a:buSzPct val="100000"/>
-              <a:buFont typeface="Arial"/>
-              <a:buChar char="●"/>
-            </a:pPr>
-            <a:r>
-              <a:rPr lang="ru" dirty="0">
-                <a:solidFill>
-                  <a:schemeClr val="bg1">
-                    <a:lumMod val="95000"/>
-                  </a:schemeClr>
-                </a:solidFill>
-              </a:rPr>
-              <a:t>Ограничения на показы</a:t>
-            </a:r>
-          </a:p>
-        </p:txBody>
-      </p:sp>
-    </p:spTree>
-  </p:cSld>
-  <p:clrMapOvr>
-    <a:masterClrMapping/>
-  </p:clrMapOvr>
-  <p:transition spd="slow">
-    <p:cut/>
-  </p:transition>
-  <p:timing>
-    <p:tnLst>
-      <p:par>
-        <p:cTn id="1" dur="indefinite" restart="never" nodeType="tmRoot"/>
-      </p:par>
-    </p:tnLst>
-  </p:timing>
-</p:sld>
-</file>
-
-<file path=ppt/slides/slide12.xml><?xml version="1.0" encoding="utf-8"?>
-<p:sld xmlns:a="http://schemas.openxmlformats.org/drawingml/2006/main" xmlns:r="http://schemas.openxmlformats.org/officeDocument/2006/relationships" xmlns:p="http://schemas.openxmlformats.org/presentationml/2006/main">
-  <p:cSld>
-    <p:spTree>
-      <p:nvGrpSpPr>
         <p:cNvPr id="1" name="Shape 194"/>
         <p:cNvGrpSpPr/>
         <p:nvPr/>
@@ -8123,7 +6890,7 @@
 </p:sld>
 </file>
 
-<file path=ppt/slides/slide13.xml><?xml version="1.0" encoding="utf-8"?>
+<file path=ppt/slides/slide12.xml><?xml version="1.0" encoding="utf-8"?>
 <p:sld xmlns:a="http://schemas.openxmlformats.org/drawingml/2006/main" xmlns:r="http://schemas.openxmlformats.org/officeDocument/2006/relationships" xmlns:p="http://schemas.openxmlformats.org/presentationml/2006/main">
   <p:cSld>
     <p:spTree>
@@ -8194,7 +6961,7 @@
         </p:nvGraphicFramePr>
         <p:xfrm>
           <a:off x="547737" y="2075556"/>
-          <a:ext cx="8340624" cy="3145665"/>
+          <a:ext cx="8340624" cy="3205290"/>
         </p:xfrm>
         <a:graphic>
           <a:graphicData uri="http://schemas.openxmlformats.org/drawingml/2006/table">
@@ -9109,7 +7876,7 @@
 </p:sld>
 </file>
 
-<file path=ppt/slides/slide14.xml><?xml version="1.0" encoding="utf-8"?>
+<file path=ppt/slides/slide13.xml><?xml version="1.0" encoding="utf-8"?>
 <p:sld xmlns:a="http://schemas.openxmlformats.org/drawingml/2006/main" xmlns:r="http://schemas.openxmlformats.org/officeDocument/2006/relationships" xmlns:p="http://schemas.openxmlformats.org/presentationml/2006/main">
   <p:cSld>
     <p:spTree>
@@ -9220,17 +7987,7 @@
                   </a:schemeClr>
                 </a:solidFill>
               </a:rPr>
-              <a:t>– </a:t>
-            </a:r>
-            <a:r>
-              <a:rPr lang="ru" sz="2000" dirty="0" smtClean="0">
-                <a:solidFill>
-                  <a:schemeClr val="bg1">
-                    <a:lumMod val="95000"/>
-                  </a:schemeClr>
-                </a:solidFill>
-              </a:rPr>
-              <a:t>Web-сайт </a:t>
+              <a:t>– Web-сайт </a:t>
             </a:r>
             <a:r>
               <a:rPr lang="ru" sz="2000" dirty="0">
@@ -9538,11 +8295,19 @@
           <a:p>
             <a:r>
               <a:rPr lang="ru-RU" dirty="0" smtClean="0"/>
-              <a:t>О СИСТЕМЕ </a:t>
+              <a:t>О </a:t>
+            </a:r>
+            <a:r>
+              <a:rPr lang="ru-RU" dirty="0" smtClean="0"/>
+              <a:t>системе </a:t>
             </a:r>
             <a:r>
               <a:rPr lang="en-US" dirty="0" smtClean="0"/>
-              <a:t>“Coordinate”</a:t>
+              <a:t>“Coordinate</a:t>
+            </a:r>
+            <a:r>
+              <a:rPr lang="en-US" dirty="0" smtClean="0"/>
+              <a:t>”</a:t>
             </a:r>
             <a:endParaRPr lang="ru-RU" dirty="0"/>
           </a:p>
@@ -9644,6 +8409,2036 @@
 </file>
 
 <file path=ppt/slides/slide4.xml><?xml version="1.0" encoding="utf-8"?>
+<p:sld xmlns:a="http://schemas.openxmlformats.org/drawingml/2006/main" xmlns:r="http://schemas.openxmlformats.org/officeDocument/2006/relationships" xmlns:p="http://schemas.openxmlformats.org/presentationml/2006/main">
+  <p:cSld>
+    <p:spTree>
+      <p:nvGrpSpPr>
+        <p:cNvPr id="1" name="Shape 139"/>
+        <p:cNvGrpSpPr/>
+        <p:nvPr/>
+      </p:nvGrpSpPr>
+      <p:grpSpPr>
+        <a:xfrm>
+          <a:off x="0" y="0"/>
+          <a:ext cx="0" cy="0"/>
+          <a:chOff x="0" y="0"/>
+          <a:chExt cx="0" cy="0"/>
+        </a:xfrm>
+      </p:grpSpPr>
+      <p:sp>
+        <p:nvSpPr>
+          <p:cNvPr id="140" name="Shape 140"/>
+          <p:cNvSpPr txBox="1">
+            <a:spLocks noGrp="1"/>
+          </p:cNvSpPr>
+          <p:nvPr>
+            <p:ph type="title"/>
+          </p:nvPr>
+        </p:nvSpPr>
+        <p:spPr>
+          <a:xfrm>
+            <a:off x="457200" y="274637"/>
+            <a:ext cx="8229600" cy="1143000"/>
+          </a:xfrm>
+          <a:prstGeom prst="rect">
+            <a:avLst/>
+          </a:prstGeom>
+        </p:spPr>
+        <p:txBody>
+          <a:bodyPr lIns="91425" tIns="91425" rIns="91425" bIns="91425" anchor="b" anchorCtr="0">
+            <a:noAutofit/>
+          </a:bodyPr>
+          <a:lstStyle/>
+          <a:p>
+            <a:pPr>
+              <a:spcBef>
+                <a:spcPts val="0"/>
+              </a:spcBef>
+              <a:buNone/>
+            </a:pPr>
+            <a:r>
+              <a:rPr lang="ru"/>
+              <a:t>Архитектура сервиса</a:t>
+            </a:r>
+          </a:p>
+        </p:txBody>
+      </p:sp>
+      <p:sp>
+        <p:nvSpPr>
+          <p:cNvPr id="141" name="Shape 141"/>
+          <p:cNvSpPr txBox="1"/>
+          <p:nvPr/>
+        </p:nvSpPr>
+        <p:spPr>
+          <a:xfrm>
+            <a:off x="528200" y="1636575"/>
+            <a:ext cx="1697099" cy="1082399"/>
+          </a:xfrm>
+          <a:prstGeom prst="rect">
+            <a:avLst/>
+          </a:prstGeom>
+          <a:noFill/>
+          <a:ln>
+            <a:noFill/>
+          </a:ln>
+        </p:spPr>
+        <p:txBody>
+          <a:bodyPr lIns="91425" tIns="91425" rIns="91425" bIns="91425" anchor="t" anchorCtr="0">
+            <a:noAutofit/>
+          </a:bodyPr>
+          <a:lstStyle/>
+          <a:p>
+            <a:pPr>
+              <a:spcBef>
+                <a:spcPts val="0"/>
+              </a:spcBef>
+              <a:buNone/>
+            </a:pPr>
+            <a:r>
+              <a:rPr lang="ru" u="sng">
+                <a:solidFill>
+                  <a:schemeClr val="lt2"/>
+                </a:solidFill>
+              </a:rPr>
+              <a:t>Backend</a:t>
+            </a:r>
+            <a:r>
+              <a:rPr lang="ru">
+                <a:solidFill>
+                  <a:schemeClr val="lt2"/>
+                </a:solidFill>
+              </a:rPr>
+              <a:t> - серверная часть сервиса</a:t>
+            </a:r>
+          </a:p>
+        </p:txBody>
+      </p:sp>
+      <p:sp>
+        <p:nvSpPr>
+          <p:cNvPr id="142" name="Shape 142"/>
+          <p:cNvSpPr txBox="1"/>
+          <p:nvPr/>
+        </p:nvSpPr>
+        <p:spPr>
+          <a:xfrm>
+            <a:off x="528200" y="2611575"/>
+            <a:ext cx="1697099" cy="1082399"/>
+          </a:xfrm>
+          <a:prstGeom prst="rect">
+            <a:avLst/>
+          </a:prstGeom>
+          <a:noFill/>
+          <a:ln>
+            <a:noFill/>
+          </a:ln>
+        </p:spPr>
+        <p:txBody>
+          <a:bodyPr lIns="91425" tIns="91425" rIns="91425" bIns="91425" anchor="t" anchorCtr="0">
+            <a:noAutofit/>
+          </a:bodyPr>
+          <a:lstStyle/>
+          <a:p>
+            <a:pPr lvl="0" rtl="0">
+              <a:spcBef>
+                <a:spcPts val="0"/>
+              </a:spcBef>
+              <a:buNone/>
+            </a:pPr>
+            <a:r>
+              <a:rPr lang="ru" u="sng">
+                <a:solidFill>
+                  <a:schemeClr val="lt2"/>
+                </a:solidFill>
+              </a:rPr>
+              <a:t>Frontend</a:t>
+            </a:r>
+            <a:r>
+              <a:rPr lang="ru">
+                <a:solidFill>
+                  <a:schemeClr val="lt2"/>
+                </a:solidFill>
+              </a:rPr>
+              <a:t> - интерфейс, между пользователем и backend</a:t>
+            </a:r>
+          </a:p>
+        </p:txBody>
+      </p:sp>
+      <p:sp>
+        <p:nvSpPr>
+          <p:cNvPr id="143" name="Shape 143"/>
+          <p:cNvSpPr txBox="1"/>
+          <p:nvPr/>
+        </p:nvSpPr>
+        <p:spPr>
+          <a:xfrm>
+            <a:off x="528200" y="3993575"/>
+            <a:ext cx="1783800" cy="1082399"/>
+          </a:xfrm>
+          <a:prstGeom prst="rect">
+            <a:avLst/>
+          </a:prstGeom>
+          <a:noFill/>
+          <a:ln>
+            <a:noFill/>
+          </a:ln>
+        </p:spPr>
+        <p:txBody>
+          <a:bodyPr lIns="91425" tIns="91425" rIns="91425" bIns="91425" anchor="t" anchorCtr="0">
+            <a:noAutofit/>
+          </a:bodyPr>
+          <a:lstStyle/>
+          <a:p>
+            <a:pPr lvl="0" rtl="0">
+              <a:spcBef>
+                <a:spcPts val="0"/>
+              </a:spcBef>
+              <a:buNone/>
+            </a:pPr>
+            <a:r>
+              <a:rPr lang="ru" u="sng">
+                <a:solidFill>
+                  <a:schemeClr val="lt2"/>
+                </a:solidFill>
+              </a:rPr>
+              <a:t>API</a:t>
+            </a:r>
+            <a:r>
+              <a:rPr lang="ru">
+                <a:solidFill>
+                  <a:schemeClr val="lt2"/>
+                </a:solidFill>
+              </a:rPr>
+              <a:t> - интерфейс программирования приложений</a:t>
+            </a:r>
+          </a:p>
+        </p:txBody>
+      </p:sp>
+      <p:grpSp>
+        <p:nvGrpSpPr>
+          <p:cNvPr id="144" name="Shape 144"/>
+          <p:cNvGrpSpPr/>
+          <p:nvPr/>
+        </p:nvGrpSpPr>
+        <p:grpSpPr>
+          <a:xfrm>
+            <a:off x="2875019" y="1475875"/>
+            <a:ext cx="5065515" cy="4836624"/>
+            <a:chOff x="2875019" y="1475875"/>
+            <a:chExt cx="5065515" cy="4836624"/>
+          </a:xfrm>
+        </p:grpSpPr>
+        <p:sp>
+          <p:nvSpPr>
+            <p:cNvPr id="145" name="Shape 145"/>
+            <p:cNvSpPr/>
+            <p:nvPr/>
+          </p:nvSpPr>
+          <p:spPr>
+            <a:xfrm>
+              <a:off x="4628450" y="1475875"/>
+              <a:ext cx="1558650" cy="714875"/>
+            </a:xfrm>
+            <a:prstGeom prst="flowChartMagneticDisk">
+              <a:avLst/>
+            </a:prstGeom>
+            <a:solidFill>
+              <a:schemeClr val="lt2"/>
+            </a:solidFill>
+            <a:ln w="19050" cap="flat" cmpd="sng">
+              <a:solidFill>
+                <a:schemeClr val="dk2"/>
+              </a:solidFill>
+              <a:prstDash val="solid"/>
+              <a:round/>
+              <a:headEnd type="none" w="med" len="med"/>
+              <a:tailEnd type="none" w="med" len="med"/>
+            </a:ln>
+          </p:spPr>
+          <p:txBody>
+            <a:bodyPr lIns="91425" tIns="91425" rIns="91425" bIns="91425" anchor="ctr" anchorCtr="0">
+              <a:noAutofit/>
+            </a:bodyPr>
+            <a:lstStyle/>
+            <a:p>
+              <a:pPr algn="ctr" rtl="0">
+                <a:spcBef>
+                  <a:spcPts val="0"/>
+                </a:spcBef>
+                <a:buNone/>
+              </a:pPr>
+              <a:r>
+                <a:rPr lang="ru">
+                  <a:solidFill>
+                    <a:srgbClr val="434343"/>
+                  </a:solidFill>
+                </a:rPr>
+                <a:t>СУБД</a:t>
+              </a:r>
+            </a:p>
+            <a:p>
+              <a:pPr algn="ctr">
+                <a:spcBef>
+                  <a:spcPts val="0"/>
+                </a:spcBef>
+                <a:buNone/>
+              </a:pPr>
+              <a:r>
+                <a:rPr lang="ru" sz="1200">
+                  <a:solidFill>
+                    <a:srgbClr val="434343"/>
+                  </a:solidFill>
+                </a:rPr>
+                <a:t>(PostgreSQL)</a:t>
+              </a:r>
+            </a:p>
+          </p:txBody>
+        </p:sp>
+        <p:grpSp>
+          <p:nvGrpSpPr>
+            <p:cNvPr id="146" name="Shape 146"/>
+            <p:cNvGrpSpPr/>
+            <p:nvPr/>
+          </p:nvGrpSpPr>
+          <p:grpSpPr>
+            <a:xfrm>
+              <a:off x="2875019" y="2437525"/>
+              <a:ext cx="5065515" cy="1268700"/>
+              <a:chOff x="2875019" y="2437525"/>
+              <a:chExt cx="5065515" cy="1268700"/>
+            </a:xfrm>
+          </p:grpSpPr>
+          <p:sp>
+            <p:nvSpPr>
+              <p:cNvPr id="147" name="Shape 147"/>
+              <p:cNvSpPr/>
+              <p:nvPr/>
+            </p:nvSpPr>
+            <p:spPr>
+              <a:xfrm>
+                <a:off x="2875019" y="2437525"/>
+                <a:ext cx="5065515" cy="1082399"/>
+              </a:xfrm>
+              <a:prstGeom prst="flowChartAlternateProcess">
+                <a:avLst/>
+              </a:prstGeom>
+              <a:solidFill>
+                <a:schemeClr val="lt2"/>
+              </a:solidFill>
+              <a:ln w="19050" cap="flat" cmpd="sng">
+                <a:solidFill>
+                  <a:schemeClr val="dk2"/>
+                </a:solidFill>
+                <a:prstDash val="solid"/>
+                <a:round/>
+                <a:headEnd type="none" w="med" len="med"/>
+                <a:tailEnd type="none" w="med" len="med"/>
+              </a:ln>
+            </p:spPr>
+            <p:txBody>
+              <a:bodyPr lIns="91425" tIns="91425" rIns="91425" bIns="91425" anchor="t" anchorCtr="0">
+                <a:noAutofit/>
+              </a:bodyPr>
+              <a:lstStyle/>
+              <a:p>
+                <a:pPr algn="ctr">
+                  <a:spcBef>
+                    <a:spcPts val="0"/>
+                  </a:spcBef>
+                  <a:buNone/>
+                </a:pPr>
+                <a:r>
+                  <a:rPr lang="ru">
+                    <a:solidFill>
+                      <a:srgbClr val="434343"/>
+                    </a:solidFill>
+                  </a:rPr>
+                  <a:t>Backend (Ruby on Rails)</a:t>
+                </a:r>
+              </a:p>
+            </p:txBody>
+          </p:sp>
+          <p:sp>
+            <p:nvSpPr>
+              <p:cNvPr id="148" name="Shape 148"/>
+              <p:cNvSpPr/>
+              <p:nvPr/>
+            </p:nvSpPr>
+            <p:spPr>
+              <a:xfrm>
+                <a:off x="2875019" y="3108625"/>
+                <a:ext cx="2549430" cy="597600"/>
+              </a:xfrm>
+              <a:prstGeom prst="flowChartAlternateProcess">
+                <a:avLst/>
+              </a:prstGeom>
+              <a:solidFill>
+                <a:schemeClr val="lt2"/>
+              </a:solidFill>
+              <a:ln w="19050" cap="flat" cmpd="sng">
+                <a:solidFill>
+                  <a:schemeClr val="dk2"/>
+                </a:solidFill>
+                <a:prstDash val="solid"/>
+                <a:round/>
+                <a:headEnd type="none" w="med" len="med"/>
+                <a:tailEnd type="none" w="med" len="med"/>
+              </a:ln>
+            </p:spPr>
+            <p:txBody>
+              <a:bodyPr lIns="91425" tIns="91425" rIns="91425" bIns="91425" anchor="ctr" anchorCtr="0">
+                <a:noAutofit/>
+              </a:bodyPr>
+              <a:lstStyle/>
+              <a:p>
+                <a:pPr algn="ctr">
+                  <a:spcBef>
+                    <a:spcPts val="0"/>
+                  </a:spcBef>
+                  <a:buNone/>
+                </a:pPr>
+                <a:r>
+                  <a:rPr lang="ru">
+                    <a:solidFill>
+                      <a:srgbClr val="434343"/>
+                    </a:solidFill>
+                  </a:rPr>
+                  <a:t>Web-site controller</a:t>
+                </a:r>
+              </a:p>
+            </p:txBody>
+          </p:sp>
+          <p:sp>
+            <p:nvSpPr>
+              <p:cNvPr id="149" name="Shape 149"/>
+              <p:cNvSpPr/>
+              <p:nvPr/>
+            </p:nvSpPr>
+            <p:spPr>
+              <a:xfrm>
+                <a:off x="5424444" y="3108625"/>
+                <a:ext cx="2516084" cy="597600"/>
+              </a:xfrm>
+              <a:prstGeom prst="flowChartAlternateProcess">
+                <a:avLst/>
+              </a:prstGeom>
+              <a:solidFill>
+                <a:schemeClr val="lt2"/>
+              </a:solidFill>
+              <a:ln w="19050" cap="flat" cmpd="sng">
+                <a:solidFill>
+                  <a:schemeClr val="dk2"/>
+                </a:solidFill>
+                <a:prstDash val="solid"/>
+                <a:round/>
+                <a:headEnd type="none" w="med" len="med"/>
+                <a:tailEnd type="none" w="med" len="med"/>
+              </a:ln>
+            </p:spPr>
+            <p:txBody>
+              <a:bodyPr lIns="91425" tIns="91425" rIns="91425" bIns="91425" anchor="ctr" anchorCtr="0">
+                <a:noAutofit/>
+              </a:bodyPr>
+              <a:lstStyle/>
+              <a:p>
+                <a:pPr algn="ctr" rtl="0">
+                  <a:spcBef>
+                    <a:spcPts val="0"/>
+                  </a:spcBef>
+                  <a:buNone/>
+                </a:pPr>
+                <a:r>
+                  <a:rPr lang="ru">
+                    <a:solidFill>
+                      <a:srgbClr val="434343"/>
+                    </a:solidFill>
+                  </a:rPr>
+                  <a:t>Mobile API</a:t>
+                </a:r>
+              </a:p>
+              <a:p>
+                <a:pPr algn="ctr">
+                  <a:spcBef>
+                    <a:spcPts val="0"/>
+                  </a:spcBef>
+                  <a:buNone/>
+                </a:pPr>
+                <a:r>
+                  <a:rPr lang="ru">
+                    <a:solidFill>
+                      <a:srgbClr val="434343"/>
+                    </a:solidFill>
+                  </a:rPr>
+                  <a:t>controller</a:t>
+                </a:r>
+              </a:p>
+            </p:txBody>
+          </p:sp>
+        </p:grpSp>
+        <p:sp>
+          <p:nvSpPr>
+            <p:cNvPr id="150" name="Shape 150"/>
+            <p:cNvSpPr/>
+            <p:nvPr/>
+          </p:nvSpPr>
+          <p:spPr>
+            <a:xfrm>
+              <a:off x="3877037" y="3679150"/>
+              <a:ext cx="545399" cy="1387199"/>
+            </a:xfrm>
+            <a:prstGeom prst="upDownArrow">
+              <a:avLst>
+                <a:gd name="adj1" fmla="val 50000"/>
+                <a:gd name="adj2" fmla="val 50000"/>
+              </a:avLst>
+            </a:prstGeom>
+            <a:solidFill>
+              <a:schemeClr val="lt2"/>
+            </a:solidFill>
+            <a:ln w="19050" cap="flat" cmpd="sng">
+              <a:solidFill>
+                <a:schemeClr val="dk2"/>
+              </a:solidFill>
+              <a:prstDash val="solid"/>
+              <a:round/>
+              <a:headEnd type="none" w="med" len="med"/>
+              <a:tailEnd type="none" w="med" len="med"/>
+            </a:ln>
+          </p:spPr>
+          <p:txBody>
+            <a:bodyPr lIns="91425" tIns="91425" rIns="91425" bIns="91425" anchor="ctr" anchorCtr="0">
+              <a:noAutofit/>
+            </a:bodyPr>
+            <a:lstStyle/>
+            <a:p>
+              <a:pPr>
+                <a:spcBef>
+                  <a:spcPts val="0"/>
+                </a:spcBef>
+                <a:buNone/>
+              </a:pPr>
+              <a:r>
+                <a:rPr lang="ru">
+                  <a:solidFill>
+                    <a:srgbClr val="434343"/>
+                  </a:solidFill>
+                </a:rPr>
+                <a:t>HTTPS</a:t>
+              </a:r>
+            </a:p>
+          </p:txBody>
+        </p:sp>
+        <p:sp>
+          <p:nvSpPr>
+            <p:cNvPr id="151" name="Shape 151"/>
+            <p:cNvSpPr/>
+            <p:nvPr/>
+          </p:nvSpPr>
+          <p:spPr>
+            <a:xfrm>
+              <a:off x="3032700" y="5093300"/>
+              <a:ext cx="2234100" cy="1219199"/>
+            </a:xfrm>
+            <a:prstGeom prst="ellipse">
+              <a:avLst/>
+            </a:prstGeom>
+            <a:solidFill>
+              <a:schemeClr val="lt2"/>
+            </a:solidFill>
+            <a:ln w="19050" cap="flat" cmpd="sng">
+              <a:solidFill>
+                <a:schemeClr val="dk2"/>
+              </a:solidFill>
+              <a:prstDash val="solid"/>
+              <a:round/>
+              <a:headEnd type="none" w="med" len="med"/>
+              <a:tailEnd type="none" w="med" len="med"/>
+            </a:ln>
+          </p:spPr>
+          <p:txBody>
+            <a:bodyPr lIns="91425" tIns="91425" rIns="91425" bIns="91425" anchor="ctr" anchorCtr="0">
+              <a:noAutofit/>
+            </a:bodyPr>
+            <a:lstStyle/>
+            <a:p>
+              <a:pPr algn="ctr" rtl="0">
+                <a:spcBef>
+                  <a:spcPts val="0"/>
+                </a:spcBef>
+                <a:buNone/>
+              </a:pPr>
+              <a:r>
+                <a:rPr lang="ru">
+                  <a:solidFill>
+                    <a:srgbClr val="434343"/>
+                  </a:solidFill>
+                </a:rPr>
+                <a:t>Web сайт</a:t>
+              </a:r>
+            </a:p>
+            <a:p>
+              <a:pPr algn="ctr">
+                <a:spcBef>
+                  <a:spcPts val="0"/>
+                </a:spcBef>
+                <a:buNone/>
+              </a:pPr>
+              <a:r>
+                <a:rPr lang="ru">
+                  <a:solidFill>
+                    <a:srgbClr val="434343"/>
+                  </a:solidFill>
+                </a:rPr>
+                <a:t>(HTML, JS, CSS)</a:t>
+              </a:r>
+            </a:p>
+          </p:txBody>
+        </p:sp>
+        <p:sp>
+          <p:nvSpPr>
+            <p:cNvPr id="152" name="Shape 152"/>
+            <p:cNvSpPr/>
+            <p:nvPr/>
+          </p:nvSpPr>
+          <p:spPr>
+            <a:xfrm>
+              <a:off x="5470187" y="5093300"/>
+              <a:ext cx="2424600" cy="1219199"/>
+            </a:xfrm>
+            <a:prstGeom prst="ellipse">
+              <a:avLst/>
+            </a:prstGeom>
+            <a:solidFill>
+              <a:schemeClr val="lt2"/>
+            </a:solidFill>
+            <a:ln w="19050" cap="flat" cmpd="sng">
+              <a:solidFill>
+                <a:schemeClr val="dk2"/>
+              </a:solidFill>
+              <a:prstDash val="solid"/>
+              <a:round/>
+              <a:headEnd type="none" w="med" len="med"/>
+              <a:tailEnd type="none" w="med" len="med"/>
+            </a:ln>
+          </p:spPr>
+          <p:txBody>
+            <a:bodyPr lIns="91425" tIns="91425" rIns="91425" bIns="91425" anchor="ctr" anchorCtr="0">
+              <a:noAutofit/>
+            </a:bodyPr>
+            <a:lstStyle/>
+            <a:p>
+              <a:pPr algn="ctr" rtl="0">
+                <a:spcBef>
+                  <a:spcPts val="0"/>
+                </a:spcBef>
+                <a:buNone/>
+              </a:pPr>
+              <a:r>
+                <a:rPr lang="ru">
+                  <a:solidFill>
+                    <a:srgbClr val="434343"/>
+                  </a:solidFill>
+                </a:rPr>
+                <a:t>Coordinate-tracker</a:t>
+              </a:r>
+            </a:p>
+            <a:p>
+              <a:pPr lvl="0" algn="ctr" rtl="0">
+                <a:spcBef>
+                  <a:spcPts val="0"/>
+                </a:spcBef>
+                <a:buNone/>
+              </a:pPr>
+              <a:r>
+                <a:rPr lang="ru">
+                  <a:solidFill>
+                    <a:srgbClr val="434343"/>
+                  </a:solidFill>
+                </a:rPr>
+                <a:t>(Android)</a:t>
+              </a:r>
+            </a:p>
+          </p:txBody>
+        </p:sp>
+        <p:sp>
+          <p:nvSpPr>
+            <p:cNvPr id="153" name="Shape 153"/>
+            <p:cNvSpPr/>
+            <p:nvPr/>
+          </p:nvSpPr>
+          <p:spPr>
+            <a:xfrm>
+              <a:off x="6409787" y="3706225"/>
+              <a:ext cx="545399" cy="1387199"/>
+            </a:xfrm>
+            <a:prstGeom prst="upDownArrow">
+              <a:avLst>
+                <a:gd name="adj1" fmla="val 50000"/>
+                <a:gd name="adj2" fmla="val 50000"/>
+              </a:avLst>
+            </a:prstGeom>
+            <a:solidFill>
+              <a:schemeClr val="lt2"/>
+            </a:solidFill>
+            <a:ln w="19050" cap="flat" cmpd="sng">
+              <a:solidFill>
+                <a:schemeClr val="dk2"/>
+              </a:solidFill>
+              <a:prstDash val="solid"/>
+              <a:round/>
+              <a:headEnd type="none" w="med" len="med"/>
+              <a:tailEnd type="none" w="med" len="med"/>
+            </a:ln>
+          </p:spPr>
+          <p:txBody>
+            <a:bodyPr lIns="91425" tIns="91425" rIns="91425" bIns="91425" anchor="ctr" anchorCtr="0">
+              <a:noAutofit/>
+            </a:bodyPr>
+            <a:lstStyle/>
+            <a:p>
+              <a:pPr lvl="0" rtl="0">
+                <a:spcBef>
+                  <a:spcPts val="0"/>
+                </a:spcBef>
+                <a:buNone/>
+              </a:pPr>
+              <a:r>
+                <a:rPr lang="ru">
+                  <a:solidFill>
+                    <a:srgbClr val="434343"/>
+                  </a:solidFill>
+                </a:rPr>
+                <a:t>HTTPS</a:t>
+              </a:r>
+            </a:p>
+          </p:txBody>
+        </p:sp>
+        <p:sp>
+          <p:nvSpPr>
+            <p:cNvPr id="154" name="Shape 154"/>
+            <p:cNvSpPr/>
+            <p:nvPr/>
+          </p:nvSpPr>
+          <p:spPr>
+            <a:xfrm rot="5400000">
+              <a:off x="5234674" y="2172264"/>
+              <a:ext cx="346200" cy="233699"/>
+            </a:xfrm>
+            <a:prstGeom prst="leftRightArrow">
+              <a:avLst>
+                <a:gd name="adj1" fmla="val 50000"/>
+                <a:gd name="adj2" fmla="val 50000"/>
+              </a:avLst>
+            </a:prstGeom>
+            <a:solidFill>
+              <a:schemeClr val="lt2"/>
+            </a:solidFill>
+            <a:ln w="19050" cap="flat" cmpd="sng">
+              <a:solidFill>
+                <a:schemeClr val="dk2"/>
+              </a:solidFill>
+              <a:prstDash val="solid"/>
+              <a:round/>
+              <a:headEnd type="none" w="med" len="med"/>
+              <a:tailEnd type="none" w="med" len="med"/>
+            </a:ln>
+          </p:spPr>
+          <p:txBody>
+            <a:bodyPr lIns="91425" tIns="91425" rIns="91425" bIns="91425" anchor="ctr" anchorCtr="0">
+              <a:noAutofit/>
+            </a:bodyPr>
+            <a:lstStyle/>
+            <a:p>
+              <a:pPr>
+                <a:spcBef>
+                  <a:spcPts val="0"/>
+                </a:spcBef>
+                <a:buNone/>
+              </a:pPr>
+              <a:endParaRPr/>
+            </a:p>
+          </p:txBody>
+        </p:sp>
+      </p:grpSp>
+    </p:spTree>
+  </p:cSld>
+  <p:clrMapOvr>
+    <a:masterClrMapping/>
+  </p:clrMapOvr>
+  <p:transition spd="slow">
+    <p:cut/>
+  </p:transition>
+  <p:timing>
+    <p:tnLst>
+      <p:par>
+        <p:cTn id="1" dur="indefinite" restart="never" nodeType="tmRoot"/>
+      </p:par>
+    </p:tnLst>
+  </p:timing>
+</p:sld>
+</file>
+
+<file path=ppt/slides/slide5.xml><?xml version="1.0" encoding="utf-8"?>
+<p:sld xmlns:a="http://schemas.openxmlformats.org/drawingml/2006/main" xmlns:r="http://schemas.openxmlformats.org/officeDocument/2006/relationships" xmlns:p="http://schemas.openxmlformats.org/presentationml/2006/main">
+  <p:cSld>
+    <p:spTree>
+      <p:nvGrpSpPr>
+        <p:cNvPr id="1" name=""/>
+        <p:cNvGrpSpPr/>
+        <p:nvPr/>
+      </p:nvGrpSpPr>
+      <p:grpSpPr>
+        <a:xfrm>
+          <a:off x="0" y="0"/>
+          <a:ext cx="0" cy="0"/>
+          <a:chOff x="0" y="0"/>
+          <a:chExt cx="0" cy="0"/>
+        </a:xfrm>
+      </p:grpSpPr>
+      <p:sp>
+        <p:nvSpPr>
+          <p:cNvPr id="2" name="Заголовок 1"/>
+          <p:cNvSpPr>
+            <a:spLocks noGrp="1"/>
+          </p:cNvSpPr>
+          <p:nvPr>
+            <p:ph type="title"/>
+          </p:nvPr>
+        </p:nvSpPr>
+        <p:spPr/>
+        <p:txBody>
+          <a:bodyPr/>
+          <a:lstStyle/>
+          <a:p>
+            <a:r>
+              <a:rPr lang="ru-RU" dirty="0" smtClean="0"/>
+              <a:t>Анализ алгоритма распределения </a:t>
+            </a:r>
+            <a:r>
+              <a:rPr lang="ru-RU" dirty="0" err="1" smtClean="0"/>
+              <a:t>геоданных</a:t>
+            </a:r>
+            <a:r>
+              <a:rPr lang="ru-RU" dirty="0" smtClean="0"/>
+              <a:t> по маршрутам</a:t>
+            </a:r>
+            <a:endParaRPr lang="ru-RU" dirty="0"/>
+          </a:p>
+        </p:txBody>
+      </p:sp>
+      <p:pic>
+        <p:nvPicPr>
+          <p:cNvPr id="5" name="Рисунок 4"/>
+          <p:cNvPicPr>
+            <a:picLocks noChangeAspect="1"/>
+          </p:cNvPicPr>
+          <p:nvPr/>
+        </p:nvPicPr>
+        <p:blipFill>
+          <a:blip r:embed="rId2">
+            <a:extLst>
+              <a:ext uri="{28A0092B-C50C-407E-A947-70E740481C1C}">
+                <a14:useLocalDpi xmlns:a14="http://schemas.microsoft.com/office/drawing/2010/main" val="0"/>
+              </a:ext>
+            </a:extLst>
+          </a:blip>
+          <a:stretch>
+            <a:fillRect/>
+          </a:stretch>
+        </p:blipFill>
+        <p:spPr>
+          <a:xfrm>
+            <a:off x="260529" y="1533833"/>
+            <a:ext cx="5151412" cy="4798142"/>
+          </a:xfrm>
+          <a:prstGeom prst="rect">
+            <a:avLst/>
+          </a:prstGeom>
+        </p:spPr>
+      </p:pic>
+      <p:sp>
+        <p:nvSpPr>
+          <p:cNvPr id="6" name="Текст 2"/>
+          <p:cNvSpPr>
+            <a:spLocks noGrp="1"/>
+          </p:cNvSpPr>
+          <p:nvPr>
+            <p:ph type="body" idx="1"/>
+          </p:nvPr>
+        </p:nvSpPr>
+        <p:spPr>
+          <a:xfrm>
+            <a:off x="5411941" y="1533833"/>
+            <a:ext cx="3456756" cy="4798142"/>
+          </a:xfrm>
+        </p:spPr>
+        <p:txBody>
+          <a:bodyPr/>
+          <a:lstStyle/>
+          <a:p>
+            <a:pPr marL="457200" indent="-457200">
+              <a:spcAft>
+                <a:spcPts val="1800"/>
+              </a:spcAft>
+              <a:buFont typeface="Arial" panose="020B0604020202020204" pitchFamily="34" charset="0"/>
+              <a:buChar char="•"/>
+            </a:pPr>
+            <a:r>
+              <a:rPr lang="ru-RU" sz="1800" dirty="0" smtClean="0"/>
+              <a:t>Динамическое вычисление времени начала, конца, длительности и протяжённости маршрута</a:t>
+            </a:r>
+          </a:p>
+          <a:p>
+            <a:pPr marL="457200" indent="-457200">
+              <a:spcAft>
+                <a:spcPts val="1800"/>
+              </a:spcAft>
+              <a:buFont typeface="Arial" panose="020B0604020202020204" pitchFamily="34" charset="0"/>
+              <a:buChar char="•"/>
+            </a:pPr>
+            <a:r>
+              <a:rPr lang="ru-RU" sz="1800" dirty="0" smtClean="0"/>
+              <a:t>Высокая скорость поиска целевого трека</a:t>
+            </a:r>
+          </a:p>
+          <a:p>
+            <a:pPr marL="457200" indent="-457200">
+              <a:spcAft>
+                <a:spcPts val="1800"/>
+              </a:spcAft>
+              <a:buFont typeface="Arial" panose="020B0604020202020204" pitchFamily="34" charset="0"/>
+              <a:buChar char="•"/>
+            </a:pPr>
+            <a:r>
+              <a:rPr lang="ru-RU" sz="1800" dirty="0" smtClean="0"/>
+              <a:t>Возможность объединения более двух треков.</a:t>
+            </a:r>
+          </a:p>
+          <a:p>
+            <a:pPr marL="457200" indent="-457200">
+              <a:spcAft>
+                <a:spcPts val="1800"/>
+              </a:spcAft>
+              <a:buFont typeface="Arial" panose="020B0604020202020204" pitchFamily="34" charset="0"/>
+              <a:buChar char="•"/>
+            </a:pPr>
+            <a:r>
+              <a:rPr lang="ru-RU" sz="1800" dirty="0" smtClean="0"/>
+              <a:t>Устойчивость к коллизиям</a:t>
+            </a:r>
+          </a:p>
+          <a:p>
+            <a:pPr marL="457200" indent="-457200">
+              <a:buFont typeface="Arial" panose="020B0604020202020204" pitchFamily="34" charset="0"/>
+              <a:buChar char="•"/>
+            </a:pPr>
+            <a:endParaRPr lang="ru-RU" sz="1800" dirty="0"/>
+          </a:p>
+        </p:txBody>
+      </p:sp>
+    </p:spTree>
+    <p:extLst>
+      <p:ext uri="{BB962C8B-B14F-4D97-AF65-F5344CB8AC3E}">
+        <p14:creationId xmlns:p14="http://schemas.microsoft.com/office/powerpoint/2010/main" val="2689130680"/>
+      </p:ext>
+    </p:extLst>
+  </p:cSld>
+  <p:clrMapOvr>
+    <a:masterClrMapping/>
+  </p:clrMapOvr>
+  <p:timing>
+    <p:tnLst>
+      <p:par>
+        <p:cTn id="1" dur="indefinite" restart="never" nodeType="tmRoot"/>
+      </p:par>
+    </p:tnLst>
+  </p:timing>
+</p:sld>
+</file>
+
+<file path=ppt/slides/slide6.xml><?xml version="1.0" encoding="utf-8"?>
+<p:sld xmlns:a="http://schemas.openxmlformats.org/drawingml/2006/main" xmlns:r="http://schemas.openxmlformats.org/officeDocument/2006/relationships" xmlns:p="http://schemas.openxmlformats.org/presentationml/2006/main">
+  <p:cSld>
+    <p:spTree>
+      <p:nvGrpSpPr>
+        <p:cNvPr id="1" name=""/>
+        <p:cNvGrpSpPr/>
+        <p:nvPr/>
+      </p:nvGrpSpPr>
+      <p:grpSpPr>
+        <a:xfrm>
+          <a:off x="0" y="0"/>
+          <a:ext cx="0" cy="0"/>
+          <a:chOff x="0" y="0"/>
+          <a:chExt cx="0" cy="0"/>
+        </a:xfrm>
+      </p:grpSpPr>
+      <p:sp>
+        <p:nvSpPr>
+          <p:cNvPr id="2" name="Заголовок 1"/>
+          <p:cNvSpPr>
+            <a:spLocks noGrp="1"/>
+          </p:cNvSpPr>
+          <p:nvPr>
+            <p:ph type="title"/>
+          </p:nvPr>
+        </p:nvSpPr>
+        <p:spPr/>
+        <p:txBody>
+          <a:bodyPr/>
+          <a:lstStyle/>
+          <a:p>
+            <a:r>
+              <a:rPr lang="ru-RU" dirty="0" smtClean="0"/>
+              <a:t>Анализ алгоритма фильтрации и предобработки </a:t>
+            </a:r>
+            <a:r>
+              <a:rPr lang="ru-RU" dirty="0" err="1" smtClean="0"/>
+              <a:t>геоданных</a:t>
+            </a:r>
+            <a:endParaRPr lang="ru-RU" dirty="0"/>
+          </a:p>
+        </p:txBody>
+      </p:sp>
+      <p:pic>
+        <p:nvPicPr>
+          <p:cNvPr id="3" name="Рисунок 2"/>
+          <p:cNvPicPr>
+            <a:picLocks noChangeAspect="1"/>
+          </p:cNvPicPr>
+          <p:nvPr/>
+        </p:nvPicPr>
+        <p:blipFill>
+          <a:blip r:embed="rId2">
+            <a:extLst>
+              <a:ext uri="{28A0092B-C50C-407E-A947-70E740481C1C}">
+                <a14:useLocalDpi xmlns:a14="http://schemas.microsoft.com/office/drawing/2010/main" val="0"/>
+              </a:ext>
+            </a:extLst>
+          </a:blip>
+          <a:stretch>
+            <a:fillRect/>
+          </a:stretch>
+        </p:blipFill>
+        <p:spPr>
+          <a:xfrm>
+            <a:off x="580559" y="1509014"/>
+            <a:ext cx="3466939" cy="2485229"/>
+          </a:xfrm>
+          <a:prstGeom prst="rect">
+            <a:avLst/>
+          </a:prstGeom>
+        </p:spPr>
+      </p:pic>
+      <p:pic>
+        <p:nvPicPr>
+          <p:cNvPr id="4" name="Рисунок 3"/>
+          <p:cNvPicPr>
+            <a:picLocks noChangeAspect="1"/>
+          </p:cNvPicPr>
+          <p:nvPr/>
+        </p:nvPicPr>
+        <p:blipFill>
+          <a:blip r:embed="rId3">
+            <a:extLst>
+              <a:ext uri="{28A0092B-C50C-407E-A947-70E740481C1C}">
+                <a14:useLocalDpi xmlns:a14="http://schemas.microsoft.com/office/drawing/2010/main" val="0"/>
+              </a:ext>
+            </a:extLst>
+          </a:blip>
+          <a:stretch>
+            <a:fillRect/>
+          </a:stretch>
+        </p:blipFill>
+        <p:spPr>
+          <a:xfrm>
+            <a:off x="4994786" y="1550680"/>
+            <a:ext cx="3466938" cy="2485229"/>
+          </a:xfrm>
+          <a:prstGeom prst="rect">
+            <a:avLst/>
+          </a:prstGeom>
+        </p:spPr>
+      </p:pic>
+      <p:pic>
+        <p:nvPicPr>
+          <p:cNvPr id="8" name="Рисунок 7"/>
+          <p:cNvPicPr>
+            <a:picLocks noChangeAspect="1"/>
+          </p:cNvPicPr>
+          <p:nvPr/>
+        </p:nvPicPr>
+        <p:blipFill>
+          <a:blip r:embed="rId4">
+            <a:extLst>
+              <a:ext uri="{28A0092B-C50C-407E-A947-70E740481C1C}">
+                <a14:useLocalDpi xmlns:a14="http://schemas.microsoft.com/office/drawing/2010/main" val="0"/>
+              </a:ext>
+            </a:extLst>
+          </a:blip>
+          <a:stretch>
+            <a:fillRect/>
+          </a:stretch>
+        </p:blipFill>
+        <p:spPr>
+          <a:xfrm>
+            <a:off x="2723535" y="4171763"/>
+            <a:ext cx="3466938" cy="2485228"/>
+          </a:xfrm>
+          <a:prstGeom prst="rect">
+            <a:avLst/>
+          </a:prstGeom>
+        </p:spPr>
+      </p:pic>
+    </p:spTree>
+    <p:extLst>
+      <p:ext uri="{BB962C8B-B14F-4D97-AF65-F5344CB8AC3E}">
+        <p14:creationId xmlns:p14="http://schemas.microsoft.com/office/powerpoint/2010/main" val="2870576481"/>
+      </p:ext>
+    </p:extLst>
+  </p:cSld>
+  <p:clrMapOvr>
+    <a:masterClrMapping/>
+  </p:clrMapOvr>
+  <p:timing>
+    <p:tnLst>
+      <p:par>
+        <p:cTn id="1" dur="indefinite" restart="never" nodeType="tmRoot"/>
+      </p:par>
+    </p:tnLst>
+  </p:timing>
+</p:sld>
+</file>
+
+<file path=ppt/slides/slide7.xml><?xml version="1.0" encoding="utf-8"?>
+<p:sld xmlns:a="http://schemas.openxmlformats.org/drawingml/2006/main" xmlns:r="http://schemas.openxmlformats.org/officeDocument/2006/relationships" xmlns:p="http://schemas.openxmlformats.org/presentationml/2006/main">
+  <p:cSld>
+    <p:spTree>
+      <p:nvGrpSpPr>
+        <p:cNvPr id="1" name=""/>
+        <p:cNvGrpSpPr/>
+        <p:nvPr/>
+      </p:nvGrpSpPr>
+      <p:grpSpPr>
+        <a:xfrm>
+          <a:off x="0" y="0"/>
+          <a:ext cx="0" cy="0"/>
+          <a:chOff x="0" y="0"/>
+          <a:chExt cx="0" cy="0"/>
+        </a:xfrm>
+      </p:grpSpPr>
+      <p:sp>
+        <p:nvSpPr>
+          <p:cNvPr id="2" name="Заголовок 1"/>
+          <p:cNvSpPr>
+            <a:spLocks noGrp="1"/>
+          </p:cNvSpPr>
+          <p:nvPr>
+            <p:ph type="title"/>
+          </p:nvPr>
+        </p:nvSpPr>
+        <p:spPr/>
+        <p:txBody>
+          <a:bodyPr/>
+          <a:lstStyle/>
+          <a:p>
+            <a:r>
+              <a:rPr lang="ru-RU" dirty="0" smtClean="0"/>
+              <a:t>Анализ и модернизация БД</a:t>
+            </a:r>
+            <a:endParaRPr lang="ru-RU" dirty="0"/>
+          </a:p>
+        </p:txBody>
+      </p:sp>
+      <p:sp>
+        <p:nvSpPr>
+          <p:cNvPr id="3" name="Текст 2"/>
+          <p:cNvSpPr>
+            <a:spLocks noGrp="1"/>
+          </p:cNvSpPr>
+          <p:nvPr>
+            <p:ph type="body" idx="1"/>
+          </p:nvPr>
+        </p:nvSpPr>
+        <p:spPr>
+          <a:xfrm>
+            <a:off x="457200" y="1417637"/>
+            <a:ext cx="8229600" cy="4914337"/>
+          </a:xfrm>
+        </p:spPr>
+        <p:txBody>
+          <a:bodyPr/>
+          <a:lstStyle/>
+          <a:p>
+            <a:pPr marL="457200" indent="-457200">
+              <a:buFont typeface="Arial" panose="020B0604020202020204" pitchFamily="34" charset="0"/>
+              <a:buChar char="•"/>
+            </a:pPr>
+            <a:r>
+              <a:rPr lang="ru-RU" dirty="0" smtClean="0"/>
+              <a:t>Был проведен анализ и </a:t>
+            </a:r>
+            <a:r>
+              <a:rPr lang="ru-RU" dirty="0" err="1" smtClean="0"/>
+              <a:t>профайлинг</a:t>
+            </a:r>
+            <a:r>
+              <a:rPr lang="ru-RU" dirty="0" smtClean="0"/>
+              <a:t> запросов на основе журналов сервера</a:t>
+            </a:r>
+          </a:p>
+          <a:p>
+            <a:pPr marL="457200" indent="-457200">
+              <a:buFont typeface="Arial" panose="020B0604020202020204" pitchFamily="34" charset="0"/>
+              <a:buChar char="•"/>
+            </a:pPr>
+            <a:endParaRPr lang="ru-RU" dirty="0" smtClean="0"/>
+          </a:p>
+          <a:p>
+            <a:pPr marL="457200" indent="-457200">
+              <a:buFont typeface="Arial" panose="020B0604020202020204" pitchFamily="34" charset="0"/>
+              <a:buChar char="•"/>
+            </a:pPr>
+            <a:r>
+              <a:rPr lang="ru-RU" dirty="0" smtClean="0"/>
+              <a:t>По результатам тестирования была проведена оптимизация связей и структуры хранения данных.</a:t>
+            </a:r>
+          </a:p>
+          <a:p>
+            <a:pPr marL="457200" indent="-457200">
+              <a:buFont typeface="Arial" panose="020B0604020202020204" pitchFamily="34" charset="0"/>
+              <a:buChar char="•"/>
+            </a:pPr>
+            <a:endParaRPr lang="ru-RU" dirty="0" smtClean="0"/>
+          </a:p>
+          <a:p>
+            <a:pPr marL="457200" indent="-457200">
+              <a:buFont typeface="Arial" panose="020B0604020202020204" pitchFamily="34" charset="0"/>
+              <a:buChar char="•"/>
+            </a:pPr>
+            <a:r>
+              <a:rPr lang="ru-RU" dirty="0" smtClean="0"/>
+              <a:t>Наиболее объемные и медленные запросы были переработаны</a:t>
+            </a:r>
+          </a:p>
+          <a:p>
+            <a:pPr marL="457200" indent="-457200">
+              <a:buFont typeface="Arial" panose="020B0604020202020204" pitchFamily="34" charset="0"/>
+              <a:buChar char="•"/>
+            </a:pPr>
+            <a:endParaRPr lang="ru-RU" dirty="0" smtClean="0"/>
+          </a:p>
+          <a:p>
+            <a:pPr marL="457200" indent="-457200">
+              <a:buFont typeface="Arial" panose="020B0604020202020204" pitchFamily="34" charset="0"/>
+              <a:buChar char="•"/>
+            </a:pPr>
+            <a:endParaRPr lang="ru-RU" dirty="0" smtClean="0"/>
+          </a:p>
+          <a:p>
+            <a:pPr marL="457200" indent="-457200">
+              <a:buFont typeface="Arial" panose="020B0604020202020204" pitchFamily="34" charset="0"/>
+              <a:buChar char="•"/>
+            </a:pPr>
+            <a:endParaRPr lang="ru-RU" dirty="0" smtClean="0"/>
+          </a:p>
+          <a:p>
+            <a:pPr marL="457200" indent="-457200">
+              <a:buFont typeface="Arial" panose="020B0604020202020204" pitchFamily="34" charset="0"/>
+              <a:buChar char="•"/>
+            </a:pPr>
+            <a:endParaRPr lang="ru-RU" dirty="0"/>
+          </a:p>
+        </p:txBody>
+      </p:sp>
+    </p:spTree>
+    <p:extLst>
+      <p:ext uri="{BB962C8B-B14F-4D97-AF65-F5344CB8AC3E}">
+        <p14:creationId xmlns:p14="http://schemas.microsoft.com/office/powerpoint/2010/main" val="2165145386"/>
+      </p:ext>
+    </p:extLst>
+  </p:cSld>
+  <p:clrMapOvr>
+    <a:masterClrMapping/>
+  </p:clrMapOvr>
+  <p:timing>
+    <p:tnLst>
+      <p:par>
+        <p:cTn id="1" dur="indefinite" restart="never" nodeType="tmRoot"/>
+      </p:par>
+    </p:tnLst>
+  </p:timing>
+</p:sld>
+</file>
+
+<file path=ppt/slides/slide8.xml><?xml version="1.0" encoding="utf-8"?>
+<p:sld xmlns:a="http://schemas.openxmlformats.org/drawingml/2006/main" xmlns:r="http://schemas.openxmlformats.org/officeDocument/2006/relationships" xmlns:p="http://schemas.openxmlformats.org/presentationml/2006/main">
+  <p:cSld>
+    <p:spTree>
+      <p:nvGrpSpPr>
+        <p:cNvPr id="1" name="Shape 89"/>
+        <p:cNvGrpSpPr/>
+        <p:nvPr/>
+      </p:nvGrpSpPr>
+      <p:grpSpPr>
+        <a:xfrm>
+          <a:off x="0" y="0"/>
+          <a:ext cx="0" cy="0"/>
+          <a:chOff x="0" y="0"/>
+          <a:chExt cx="0" cy="0"/>
+        </a:xfrm>
+      </p:grpSpPr>
+      <p:sp>
+        <p:nvSpPr>
+          <p:cNvPr id="90" name="Shape 90"/>
+          <p:cNvSpPr txBox="1">
+            <a:spLocks noGrp="1"/>
+          </p:cNvSpPr>
+          <p:nvPr>
+            <p:ph type="title"/>
+          </p:nvPr>
+        </p:nvSpPr>
+        <p:spPr>
+          <a:xfrm>
+            <a:off x="457200" y="274637"/>
+            <a:ext cx="8229600" cy="1143000"/>
+          </a:xfrm>
+          <a:prstGeom prst="rect">
+            <a:avLst/>
+          </a:prstGeom>
+        </p:spPr>
+        <p:txBody>
+          <a:bodyPr lIns="91425" tIns="91425" rIns="91425" bIns="91425" anchor="b" anchorCtr="0">
+            <a:noAutofit/>
+          </a:bodyPr>
+          <a:lstStyle/>
+          <a:p>
+            <a:pPr>
+              <a:spcBef>
+                <a:spcPts val="0"/>
+              </a:spcBef>
+              <a:buNone/>
+            </a:pPr>
+            <a:r>
+              <a:rPr lang="ru"/>
+              <a:t>Анализ картографических решений</a:t>
+            </a:r>
+          </a:p>
+        </p:txBody>
+      </p:sp>
+      <p:pic>
+        <p:nvPicPr>
+          <p:cNvPr id="91" name="Shape 91"/>
+          <p:cNvPicPr preferRelativeResize="0"/>
+          <p:nvPr/>
+        </p:nvPicPr>
+        <p:blipFill>
+          <a:blip r:embed="rId3">
+            <a:alphaModFix/>
+          </a:blip>
+          <a:stretch>
+            <a:fillRect/>
+          </a:stretch>
+        </p:blipFill>
+        <p:spPr>
+          <a:xfrm>
+            <a:off x="405225" y="1622698"/>
+            <a:ext cx="2552699" cy="420163"/>
+          </a:xfrm>
+          <a:prstGeom prst="rect">
+            <a:avLst/>
+          </a:prstGeom>
+          <a:noFill/>
+          <a:ln>
+            <a:noFill/>
+          </a:ln>
+        </p:spPr>
+      </p:pic>
+      <p:pic>
+        <p:nvPicPr>
+          <p:cNvPr id="92" name="Shape 92"/>
+          <p:cNvPicPr preferRelativeResize="0"/>
+          <p:nvPr/>
+        </p:nvPicPr>
+        <p:blipFill>
+          <a:blip r:embed="rId4">
+            <a:alphaModFix/>
+          </a:blip>
+          <a:stretch>
+            <a:fillRect/>
+          </a:stretch>
+        </p:blipFill>
+        <p:spPr>
+          <a:xfrm>
+            <a:off x="3489761" y="1278425"/>
+            <a:ext cx="2136224" cy="1250024"/>
+          </a:xfrm>
+          <a:prstGeom prst="rect">
+            <a:avLst/>
+          </a:prstGeom>
+          <a:noFill/>
+          <a:ln>
+            <a:noFill/>
+          </a:ln>
+        </p:spPr>
+      </p:pic>
+      <p:sp>
+        <p:nvSpPr>
+          <p:cNvPr id="93" name="Shape 93"/>
+          <p:cNvSpPr txBox="1"/>
+          <p:nvPr/>
+        </p:nvSpPr>
+        <p:spPr>
+          <a:xfrm>
+            <a:off x="5862200" y="3870625"/>
+            <a:ext cx="60599" cy="17399"/>
+          </a:xfrm>
+          <a:prstGeom prst="rect">
+            <a:avLst/>
+          </a:prstGeom>
+          <a:noFill/>
+          <a:ln>
+            <a:noFill/>
+          </a:ln>
+        </p:spPr>
+        <p:txBody>
+          <a:bodyPr lIns="91425" tIns="91425" rIns="91425" bIns="91425" anchor="t" anchorCtr="0">
+            <a:noAutofit/>
+          </a:bodyPr>
+          <a:lstStyle/>
+          <a:p>
+            <a:pPr>
+              <a:spcBef>
+                <a:spcPts val="0"/>
+              </a:spcBef>
+              <a:buNone/>
+            </a:pPr>
+            <a:endParaRPr/>
+          </a:p>
+        </p:txBody>
+      </p:sp>
+      <p:pic>
+        <p:nvPicPr>
+          <p:cNvPr id="94" name="Shape 94"/>
+          <p:cNvPicPr preferRelativeResize="0"/>
+          <p:nvPr/>
+        </p:nvPicPr>
+        <p:blipFill>
+          <a:blip r:embed="rId5">
+            <a:alphaModFix/>
+          </a:blip>
+          <a:stretch>
+            <a:fillRect/>
+          </a:stretch>
+        </p:blipFill>
+        <p:spPr>
+          <a:xfrm>
+            <a:off x="6157850" y="1403771"/>
+            <a:ext cx="2754599" cy="999353"/>
+          </a:xfrm>
+          <a:prstGeom prst="rect">
+            <a:avLst/>
+          </a:prstGeom>
+          <a:noFill/>
+          <a:ln>
+            <a:noFill/>
+          </a:ln>
+        </p:spPr>
+      </p:pic>
+      <p:pic>
+        <p:nvPicPr>
+          <p:cNvPr id="95" name="Shape 95"/>
+          <p:cNvPicPr preferRelativeResize="0"/>
+          <p:nvPr/>
+        </p:nvPicPr>
+        <p:blipFill>
+          <a:blip r:embed="rId6">
+            <a:alphaModFix/>
+          </a:blip>
+          <a:stretch>
+            <a:fillRect/>
+          </a:stretch>
+        </p:blipFill>
+        <p:spPr>
+          <a:xfrm>
+            <a:off x="591525" y="2360475"/>
+            <a:ext cx="1957699" cy="1834000"/>
+          </a:xfrm>
+          <a:prstGeom prst="rect">
+            <a:avLst/>
+          </a:prstGeom>
+          <a:noFill/>
+          <a:ln>
+            <a:noFill/>
+          </a:ln>
+        </p:spPr>
+      </p:pic>
+      <p:pic>
+        <p:nvPicPr>
+          <p:cNvPr id="96" name="Shape 96"/>
+          <p:cNvPicPr preferRelativeResize="0"/>
+          <p:nvPr/>
+        </p:nvPicPr>
+        <p:blipFill>
+          <a:blip r:embed="rId7">
+            <a:alphaModFix/>
+          </a:blip>
+          <a:stretch>
+            <a:fillRect/>
+          </a:stretch>
+        </p:blipFill>
+        <p:spPr>
+          <a:xfrm>
+            <a:off x="3402983" y="2360475"/>
+            <a:ext cx="2093542" cy="1833999"/>
+          </a:xfrm>
+          <a:prstGeom prst="rect">
+            <a:avLst/>
+          </a:prstGeom>
+          <a:noFill/>
+          <a:ln>
+            <a:noFill/>
+          </a:ln>
+        </p:spPr>
+      </p:pic>
+      <p:pic>
+        <p:nvPicPr>
+          <p:cNvPr id="97" name="Shape 97"/>
+          <p:cNvPicPr preferRelativeResize="0"/>
+          <p:nvPr/>
+        </p:nvPicPr>
+        <p:blipFill>
+          <a:blip r:embed="rId8">
+            <a:alphaModFix/>
+          </a:blip>
+          <a:stretch>
+            <a:fillRect/>
+          </a:stretch>
+        </p:blipFill>
+        <p:spPr>
+          <a:xfrm>
+            <a:off x="6438875" y="2360475"/>
+            <a:ext cx="2083394" cy="1834000"/>
+          </a:xfrm>
+          <a:prstGeom prst="rect">
+            <a:avLst/>
+          </a:prstGeom>
+          <a:noFill/>
+          <a:ln>
+            <a:noFill/>
+          </a:ln>
+        </p:spPr>
+      </p:pic>
+      <p:sp>
+        <p:nvSpPr>
+          <p:cNvPr id="98" name="Shape 98"/>
+          <p:cNvSpPr txBox="1"/>
+          <p:nvPr/>
+        </p:nvSpPr>
+        <p:spPr>
+          <a:xfrm>
+            <a:off x="162775" y="4450775"/>
+            <a:ext cx="2552699" cy="1878899"/>
+          </a:xfrm>
+          <a:prstGeom prst="rect">
+            <a:avLst/>
+          </a:prstGeom>
+          <a:noFill/>
+          <a:ln>
+            <a:noFill/>
+          </a:ln>
+        </p:spPr>
+        <p:txBody>
+          <a:bodyPr lIns="91425" tIns="91425" rIns="91425" bIns="91425" anchor="t" anchorCtr="0">
+            <a:noAutofit/>
+          </a:bodyPr>
+          <a:lstStyle/>
+          <a:p>
+            <a:pPr marL="457200" lvl="0" indent="-317500" rtl="0">
+              <a:spcBef>
+                <a:spcPts val="0"/>
+              </a:spcBef>
+              <a:buClr>
+                <a:schemeClr val="lt2"/>
+              </a:buClr>
+              <a:buSzPct val="100000"/>
+              <a:buFont typeface="Arial"/>
+              <a:buChar char="●"/>
+            </a:pPr>
+            <a:r>
+              <a:rPr lang="ru" dirty="0">
+                <a:solidFill>
+                  <a:schemeClr val="bg1">
+                    <a:lumMod val="95000"/>
+                  </a:schemeClr>
+                </a:solidFill>
+              </a:rPr>
+              <a:t>Свободный проект</a:t>
+            </a:r>
+          </a:p>
+          <a:p>
+            <a:pPr marL="457200" lvl="0" indent="-317500" rtl="0">
+              <a:spcBef>
+                <a:spcPts val="0"/>
+              </a:spcBef>
+              <a:buClr>
+                <a:schemeClr val="lt2"/>
+              </a:buClr>
+              <a:buSzPct val="100000"/>
+              <a:buFont typeface="Arial"/>
+              <a:buChar char="●"/>
+            </a:pPr>
+            <a:r>
+              <a:rPr lang="ru" dirty="0">
+                <a:solidFill>
+                  <a:schemeClr val="bg1">
+                    <a:lumMod val="95000"/>
+                  </a:schemeClr>
+                </a:solidFill>
+              </a:rPr>
+              <a:t>API: Leaflet</a:t>
+            </a:r>
+          </a:p>
+          <a:p>
+            <a:pPr marL="457200" lvl="0" indent="-317500" rtl="0">
+              <a:spcBef>
+                <a:spcPts val="0"/>
+              </a:spcBef>
+              <a:buClr>
+                <a:schemeClr val="lt2"/>
+              </a:buClr>
+              <a:buSzPct val="100000"/>
+              <a:buFont typeface="Arial"/>
+              <a:buChar char="●"/>
+            </a:pPr>
+            <a:r>
+              <a:rPr lang="ru" dirty="0">
+                <a:solidFill>
+                  <a:schemeClr val="bg1">
+                    <a:lumMod val="95000"/>
+                  </a:schemeClr>
+                </a:solidFill>
+              </a:rPr>
+              <a:t>Большое  сообщество</a:t>
+            </a:r>
+          </a:p>
+          <a:p>
+            <a:pPr marL="457200" lvl="0" indent="-317500">
+              <a:spcBef>
+                <a:spcPts val="0"/>
+              </a:spcBef>
+              <a:buClr>
+                <a:schemeClr val="lt2"/>
+              </a:buClr>
+              <a:buSzPct val="100000"/>
+              <a:buFont typeface="Arial"/>
+              <a:buChar char="●"/>
+            </a:pPr>
+            <a:r>
+              <a:rPr lang="ru" dirty="0">
+                <a:solidFill>
+                  <a:schemeClr val="bg1">
+                    <a:lumMod val="95000"/>
+                  </a:schemeClr>
+                </a:solidFill>
+              </a:rPr>
+              <a:t>Сравнительно малый функционал</a:t>
+            </a:r>
+          </a:p>
+        </p:txBody>
+      </p:sp>
+      <p:sp>
+        <p:nvSpPr>
+          <p:cNvPr id="99" name="Shape 99"/>
+          <p:cNvSpPr txBox="1"/>
+          <p:nvPr/>
+        </p:nvSpPr>
+        <p:spPr>
+          <a:xfrm>
+            <a:off x="2838800" y="4450775"/>
+            <a:ext cx="2896199" cy="1878899"/>
+          </a:xfrm>
+          <a:prstGeom prst="rect">
+            <a:avLst/>
+          </a:prstGeom>
+          <a:noFill/>
+          <a:ln>
+            <a:noFill/>
+          </a:ln>
+        </p:spPr>
+        <p:txBody>
+          <a:bodyPr lIns="91425" tIns="91425" rIns="91425" bIns="91425" anchor="t" anchorCtr="0">
+            <a:noAutofit/>
+          </a:bodyPr>
+          <a:lstStyle/>
+          <a:p>
+            <a:pPr marL="457200" lvl="0" indent="-317500" rtl="0">
+              <a:spcBef>
+                <a:spcPts val="0"/>
+              </a:spcBef>
+              <a:buClr>
+                <a:schemeClr val="lt2"/>
+              </a:buClr>
+              <a:buSzPct val="100000"/>
+              <a:buFont typeface="Arial"/>
+              <a:buChar char="●"/>
+            </a:pPr>
+            <a:r>
+              <a:rPr lang="ru" dirty="0">
+                <a:solidFill>
+                  <a:schemeClr val="bg1">
+                    <a:lumMod val="95000"/>
+                  </a:schemeClr>
+                </a:solidFill>
+              </a:rPr>
+              <a:t>Коммерческий проект</a:t>
+            </a:r>
+          </a:p>
+          <a:p>
+            <a:pPr marL="457200" lvl="0" indent="-317500" rtl="0">
+              <a:spcBef>
+                <a:spcPts val="0"/>
+              </a:spcBef>
+              <a:buClr>
+                <a:schemeClr val="lt2"/>
+              </a:buClr>
+              <a:buSzPct val="100000"/>
+              <a:buFont typeface="Arial"/>
+              <a:buChar char="●"/>
+            </a:pPr>
+            <a:r>
+              <a:rPr lang="ru" dirty="0">
+                <a:solidFill>
+                  <a:schemeClr val="bg1">
+                    <a:lumMod val="95000"/>
+                  </a:schemeClr>
+                </a:solidFill>
+              </a:rPr>
+              <a:t>Free for non-comercial use</a:t>
+            </a:r>
+          </a:p>
+          <a:p>
+            <a:pPr marL="457200" lvl="0" indent="-317500" rtl="0">
+              <a:spcBef>
+                <a:spcPts val="0"/>
+              </a:spcBef>
+              <a:buClr>
+                <a:schemeClr val="lt2"/>
+              </a:buClr>
+              <a:buSzPct val="100000"/>
+              <a:buFont typeface="Arial"/>
+              <a:buChar char="●"/>
+            </a:pPr>
+            <a:r>
+              <a:rPr lang="ru" dirty="0">
+                <a:solidFill>
+                  <a:schemeClr val="bg1">
+                    <a:lumMod val="95000"/>
+                  </a:schemeClr>
+                </a:solidFill>
+              </a:rPr>
+              <a:t>API: Leaflet</a:t>
+            </a:r>
+          </a:p>
+          <a:p>
+            <a:pPr marL="457200" lvl="0" indent="-317500" rtl="0">
+              <a:spcBef>
+                <a:spcPts val="0"/>
+              </a:spcBef>
+              <a:buClr>
+                <a:schemeClr val="lt2"/>
+              </a:buClr>
+              <a:buSzPct val="100000"/>
+              <a:buFont typeface="Arial"/>
+              <a:buChar char="●"/>
+            </a:pPr>
+            <a:r>
+              <a:rPr lang="ru" dirty="0">
+                <a:solidFill>
+                  <a:schemeClr val="bg1">
+                    <a:lumMod val="95000"/>
+                  </a:schemeClr>
+                </a:solidFill>
+              </a:rPr>
+              <a:t>Крупное  сообщество</a:t>
+            </a:r>
+          </a:p>
+          <a:p>
+            <a:pPr marL="457200" lvl="0" indent="-317500" rtl="0">
+              <a:spcBef>
+                <a:spcPts val="0"/>
+              </a:spcBef>
+              <a:buClr>
+                <a:schemeClr val="lt2"/>
+              </a:buClr>
+              <a:buSzPct val="100000"/>
+              <a:buFont typeface="Arial"/>
+              <a:buChar char="●"/>
+            </a:pPr>
+            <a:r>
+              <a:rPr lang="ru" dirty="0">
+                <a:solidFill>
+                  <a:schemeClr val="bg1">
+                    <a:lumMod val="95000"/>
+                  </a:schemeClr>
+                </a:solidFill>
+              </a:rPr>
+              <a:t>Качественная документация</a:t>
+            </a:r>
+          </a:p>
+          <a:p>
+            <a:pPr marL="457200" lvl="0" indent="-317500" rtl="0">
+              <a:spcBef>
+                <a:spcPts val="0"/>
+              </a:spcBef>
+              <a:buClr>
+                <a:schemeClr val="lt2"/>
+              </a:buClr>
+              <a:buSzPct val="100000"/>
+              <a:buFont typeface="Arial"/>
+              <a:buChar char="●"/>
+            </a:pPr>
+            <a:r>
+              <a:rPr lang="ru" dirty="0">
+                <a:solidFill>
+                  <a:schemeClr val="bg1">
+                    <a:lumMod val="95000"/>
+                  </a:schemeClr>
+                </a:solidFill>
+              </a:rPr>
+              <a:t>Широкий функционал</a:t>
+            </a:r>
+          </a:p>
+          <a:p>
+            <a:pPr marL="457200" lvl="0" indent="-317500" rtl="0">
+              <a:spcBef>
+                <a:spcPts val="0"/>
+              </a:spcBef>
+              <a:buClr>
+                <a:schemeClr val="lt2"/>
+              </a:buClr>
+              <a:buSzPct val="100000"/>
+              <a:buFont typeface="Arial"/>
+              <a:buChar char="●"/>
+            </a:pPr>
+            <a:r>
+              <a:rPr lang="ru" dirty="0">
+                <a:solidFill>
+                  <a:schemeClr val="bg1">
+                    <a:lumMod val="95000"/>
+                  </a:schemeClr>
+                </a:solidFill>
+              </a:rPr>
+              <a:t>Простота использования</a:t>
+            </a:r>
+          </a:p>
+        </p:txBody>
+      </p:sp>
+      <p:sp>
+        <p:nvSpPr>
+          <p:cNvPr id="100" name="Shape 100"/>
+          <p:cNvSpPr txBox="1"/>
+          <p:nvPr/>
+        </p:nvSpPr>
+        <p:spPr>
+          <a:xfrm>
+            <a:off x="5994775" y="4450775"/>
+            <a:ext cx="2838900" cy="1878899"/>
+          </a:xfrm>
+          <a:prstGeom prst="rect">
+            <a:avLst/>
+          </a:prstGeom>
+          <a:noFill/>
+          <a:ln>
+            <a:noFill/>
+          </a:ln>
+        </p:spPr>
+        <p:txBody>
+          <a:bodyPr lIns="91425" tIns="91425" rIns="91425" bIns="91425" anchor="t" anchorCtr="0">
+            <a:noAutofit/>
+          </a:bodyPr>
+          <a:lstStyle/>
+          <a:p>
+            <a:pPr marL="457200" lvl="0" indent="-317500" rtl="0">
+              <a:spcBef>
+                <a:spcPts val="0"/>
+              </a:spcBef>
+              <a:buClr>
+                <a:schemeClr val="lt2"/>
+              </a:buClr>
+              <a:buSzPct val="100000"/>
+              <a:buFont typeface="Arial"/>
+              <a:buChar char="●"/>
+            </a:pPr>
+            <a:r>
+              <a:rPr lang="ru" dirty="0">
+                <a:solidFill>
+                  <a:schemeClr val="bg1">
+                    <a:lumMod val="95000"/>
+                  </a:schemeClr>
+                </a:solidFill>
+              </a:rPr>
+              <a:t>Коммерческий проект</a:t>
+            </a:r>
+          </a:p>
+          <a:p>
+            <a:pPr marL="457200" lvl="0" indent="-317500" rtl="0">
+              <a:spcBef>
+                <a:spcPts val="0"/>
+              </a:spcBef>
+              <a:buClr>
+                <a:schemeClr val="lt2"/>
+              </a:buClr>
+              <a:buSzPct val="100000"/>
+              <a:buFont typeface="Arial"/>
+              <a:buChar char="●"/>
+            </a:pPr>
+            <a:r>
+              <a:rPr lang="ru" dirty="0">
+                <a:solidFill>
+                  <a:schemeClr val="bg1">
+                    <a:lumMod val="95000"/>
+                  </a:schemeClr>
+                </a:solidFill>
+              </a:rPr>
+              <a:t>Free for non-comercial use</a:t>
+            </a:r>
+          </a:p>
+          <a:p>
+            <a:pPr marL="457200" lvl="0" indent="-317500" rtl="0">
+              <a:spcBef>
+                <a:spcPts val="0"/>
+              </a:spcBef>
+              <a:buClr>
+                <a:schemeClr val="lt2"/>
+              </a:buClr>
+              <a:buSzPct val="100000"/>
+              <a:buFont typeface="Arial"/>
+              <a:buChar char="●"/>
+            </a:pPr>
+            <a:r>
+              <a:rPr lang="ru" dirty="0">
+                <a:solidFill>
+                  <a:schemeClr val="bg1">
+                    <a:lumMod val="95000"/>
+                  </a:schemeClr>
+                </a:solidFill>
+              </a:rPr>
+              <a:t>API: Google maps API</a:t>
+            </a:r>
+          </a:p>
+          <a:p>
+            <a:pPr marL="457200" lvl="0" indent="-317500" rtl="0">
+              <a:spcBef>
+                <a:spcPts val="0"/>
+              </a:spcBef>
+              <a:buClr>
+                <a:schemeClr val="lt2"/>
+              </a:buClr>
+              <a:buSzPct val="100000"/>
+              <a:buFont typeface="Arial"/>
+              <a:buChar char="●"/>
+            </a:pPr>
+            <a:r>
+              <a:rPr lang="ru" dirty="0">
+                <a:solidFill>
+                  <a:schemeClr val="bg1">
+                    <a:lumMod val="95000"/>
+                  </a:schemeClr>
+                </a:solidFill>
+              </a:rPr>
+              <a:t>Качественная документация</a:t>
+            </a:r>
+          </a:p>
+          <a:p>
+            <a:pPr marL="457200" lvl="0" indent="-317500" rtl="0">
+              <a:spcBef>
+                <a:spcPts val="0"/>
+              </a:spcBef>
+              <a:buClr>
+                <a:schemeClr val="lt2"/>
+              </a:buClr>
+              <a:buSzPct val="100000"/>
+              <a:buFont typeface="Arial"/>
+              <a:buChar char="●"/>
+            </a:pPr>
+            <a:r>
+              <a:rPr lang="ru" dirty="0">
+                <a:solidFill>
+                  <a:schemeClr val="bg1">
+                    <a:lumMod val="95000"/>
+                  </a:schemeClr>
+                </a:solidFill>
+              </a:rPr>
+              <a:t>Наличие тех. поддержки</a:t>
+            </a:r>
+          </a:p>
+          <a:p>
+            <a:pPr marL="457200" lvl="0" indent="-317500" rtl="0">
+              <a:spcBef>
+                <a:spcPts val="0"/>
+              </a:spcBef>
+              <a:buClr>
+                <a:schemeClr val="lt2"/>
+              </a:buClr>
+              <a:buSzPct val="100000"/>
+              <a:buFont typeface="Arial"/>
+              <a:buChar char="●"/>
+            </a:pPr>
+            <a:r>
+              <a:rPr lang="ru" dirty="0">
+                <a:solidFill>
+                  <a:schemeClr val="bg1">
+                    <a:lumMod val="95000"/>
+                  </a:schemeClr>
+                </a:solidFill>
+              </a:rPr>
+              <a:t>Широкий функционал</a:t>
+            </a:r>
+          </a:p>
+          <a:p>
+            <a:pPr marL="457200" lvl="0" indent="-317500" rtl="0">
+              <a:spcBef>
+                <a:spcPts val="0"/>
+              </a:spcBef>
+              <a:buClr>
+                <a:schemeClr val="lt2"/>
+              </a:buClr>
+              <a:buSzPct val="100000"/>
+              <a:buFont typeface="Arial"/>
+              <a:buChar char="●"/>
+            </a:pPr>
+            <a:r>
+              <a:rPr lang="ru" dirty="0">
+                <a:solidFill>
+                  <a:schemeClr val="bg1">
+                    <a:lumMod val="95000"/>
+                  </a:schemeClr>
+                </a:solidFill>
+              </a:rPr>
+              <a:t>Ограничения на показы</a:t>
+            </a:r>
+          </a:p>
+        </p:txBody>
+      </p:sp>
+    </p:spTree>
+  </p:cSld>
+  <p:clrMapOvr>
+    <a:masterClrMapping/>
+  </p:clrMapOvr>
+  <p:transition spd="slow">
+    <p:cut/>
+  </p:transition>
+  <p:timing>
+    <p:tnLst>
+      <p:par>
+        <p:cTn id="1" dur="indefinite" restart="never" nodeType="tmRoot"/>
+      </p:par>
+    </p:tnLst>
+  </p:timing>
+</p:sld>
+</file>
+
+<file path=ppt/slides/slide9.xml><?xml version="1.0" encoding="utf-8"?>
 <p:sld xmlns:a="http://schemas.openxmlformats.org/drawingml/2006/main" xmlns:r="http://schemas.openxmlformats.org/officeDocument/2006/relationships" xmlns:p="http://schemas.openxmlformats.org/presentationml/2006/main">
   <p:cSld>
     <p:spTree>
@@ -10588,2268 +11383,6 @@
 </p:sld>
 </file>
 
-<file path=ppt/slides/slide5.xml><?xml version="1.0" encoding="utf-8"?>
-<p:sld xmlns:a="http://schemas.openxmlformats.org/drawingml/2006/main" xmlns:r="http://schemas.openxmlformats.org/officeDocument/2006/relationships" xmlns:p="http://schemas.openxmlformats.org/presentationml/2006/main">
-  <p:cSld>
-    <p:spTree>
-      <p:nvGrpSpPr>
-        <p:cNvPr id="1" name="Shape 139"/>
-        <p:cNvGrpSpPr/>
-        <p:nvPr/>
-      </p:nvGrpSpPr>
-      <p:grpSpPr>
-        <a:xfrm>
-          <a:off x="0" y="0"/>
-          <a:ext cx="0" cy="0"/>
-          <a:chOff x="0" y="0"/>
-          <a:chExt cx="0" cy="0"/>
-        </a:xfrm>
-      </p:grpSpPr>
-      <p:sp>
-        <p:nvSpPr>
-          <p:cNvPr id="140" name="Shape 140"/>
-          <p:cNvSpPr txBox="1">
-            <a:spLocks noGrp="1"/>
-          </p:cNvSpPr>
-          <p:nvPr>
-            <p:ph type="title"/>
-          </p:nvPr>
-        </p:nvSpPr>
-        <p:spPr>
-          <a:xfrm>
-            <a:off x="457200" y="274637"/>
-            <a:ext cx="8229600" cy="1143000"/>
-          </a:xfrm>
-          <a:prstGeom prst="rect">
-            <a:avLst/>
-          </a:prstGeom>
-        </p:spPr>
-        <p:txBody>
-          <a:bodyPr lIns="91425" tIns="91425" rIns="91425" bIns="91425" anchor="b" anchorCtr="0">
-            <a:noAutofit/>
-          </a:bodyPr>
-          <a:lstStyle/>
-          <a:p>
-            <a:pPr>
-              <a:spcBef>
-                <a:spcPts val="0"/>
-              </a:spcBef>
-              <a:buNone/>
-            </a:pPr>
-            <a:r>
-              <a:rPr lang="ru"/>
-              <a:t>Архитектура сервиса</a:t>
-            </a:r>
-          </a:p>
-        </p:txBody>
-      </p:sp>
-      <p:sp>
-        <p:nvSpPr>
-          <p:cNvPr id="141" name="Shape 141"/>
-          <p:cNvSpPr txBox="1"/>
-          <p:nvPr/>
-        </p:nvSpPr>
-        <p:spPr>
-          <a:xfrm>
-            <a:off x="528200" y="1636575"/>
-            <a:ext cx="1697099" cy="1082399"/>
-          </a:xfrm>
-          <a:prstGeom prst="rect">
-            <a:avLst/>
-          </a:prstGeom>
-          <a:noFill/>
-          <a:ln>
-            <a:noFill/>
-          </a:ln>
-        </p:spPr>
-        <p:txBody>
-          <a:bodyPr lIns="91425" tIns="91425" rIns="91425" bIns="91425" anchor="t" anchorCtr="0">
-            <a:noAutofit/>
-          </a:bodyPr>
-          <a:lstStyle/>
-          <a:p>
-            <a:pPr>
-              <a:spcBef>
-                <a:spcPts val="0"/>
-              </a:spcBef>
-              <a:buNone/>
-            </a:pPr>
-            <a:r>
-              <a:rPr lang="ru" u="sng">
-                <a:solidFill>
-                  <a:schemeClr val="lt2"/>
-                </a:solidFill>
-              </a:rPr>
-              <a:t>Backend</a:t>
-            </a:r>
-            <a:r>
-              <a:rPr lang="ru">
-                <a:solidFill>
-                  <a:schemeClr val="lt2"/>
-                </a:solidFill>
-              </a:rPr>
-              <a:t> - серверная часть сервиса</a:t>
-            </a:r>
-          </a:p>
-        </p:txBody>
-      </p:sp>
-      <p:sp>
-        <p:nvSpPr>
-          <p:cNvPr id="142" name="Shape 142"/>
-          <p:cNvSpPr txBox="1"/>
-          <p:nvPr/>
-        </p:nvSpPr>
-        <p:spPr>
-          <a:xfrm>
-            <a:off x="528200" y="2611575"/>
-            <a:ext cx="1697099" cy="1082399"/>
-          </a:xfrm>
-          <a:prstGeom prst="rect">
-            <a:avLst/>
-          </a:prstGeom>
-          <a:noFill/>
-          <a:ln>
-            <a:noFill/>
-          </a:ln>
-        </p:spPr>
-        <p:txBody>
-          <a:bodyPr lIns="91425" tIns="91425" rIns="91425" bIns="91425" anchor="t" anchorCtr="0">
-            <a:noAutofit/>
-          </a:bodyPr>
-          <a:lstStyle/>
-          <a:p>
-            <a:pPr lvl="0" rtl="0">
-              <a:spcBef>
-                <a:spcPts val="0"/>
-              </a:spcBef>
-              <a:buNone/>
-            </a:pPr>
-            <a:r>
-              <a:rPr lang="ru" u="sng">
-                <a:solidFill>
-                  <a:schemeClr val="lt2"/>
-                </a:solidFill>
-              </a:rPr>
-              <a:t>Frontend</a:t>
-            </a:r>
-            <a:r>
-              <a:rPr lang="ru">
-                <a:solidFill>
-                  <a:schemeClr val="lt2"/>
-                </a:solidFill>
-              </a:rPr>
-              <a:t> - интерфейс, между пользователем и backend</a:t>
-            </a:r>
-          </a:p>
-        </p:txBody>
-      </p:sp>
-      <p:sp>
-        <p:nvSpPr>
-          <p:cNvPr id="143" name="Shape 143"/>
-          <p:cNvSpPr txBox="1"/>
-          <p:nvPr/>
-        </p:nvSpPr>
-        <p:spPr>
-          <a:xfrm>
-            <a:off x="528200" y="3993575"/>
-            <a:ext cx="1783800" cy="1082399"/>
-          </a:xfrm>
-          <a:prstGeom prst="rect">
-            <a:avLst/>
-          </a:prstGeom>
-          <a:noFill/>
-          <a:ln>
-            <a:noFill/>
-          </a:ln>
-        </p:spPr>
-        <p:txBody>
-          <a:bodyPr lIns="91425" tIns="91425" rIns="91425" bIns="91425" anchor="t" anchorCtr="0">
-            <a:noAutofit/>
-          </a:bodyPr>
-          <a:lstStyle/>
-          <a:p>
-            <a:pPr lvl="0" rtl="0">
-              <a:spcBef>
-                <a:spcPts val="0"/>
-              </a:spcBef>
-              <a:buNone/>
-            </a:pPr>
-            <a:r>
-              <a:rPr lang="ru" u="sng">
-                <a:solidFill>
-                  <a:schemeClr val="lt2"/>
-                </a:solidFill>
-              </a:rPr>
-              <a:t>API</a:t>
-            </a:r>
-            <a:r>
-              <a:rPr lang="ru">
-                <a:solidFill>
-                  <a:schemeClr val="lt2"/>
-                </a:solidFill>
-              </a:rPr>
-              <a:t> - интерфейс программирования приложений</a:t>
-            </a:r>
-          </a:p>
-        </p:txBody>
-      </p:sp>
-      <p:grpSp>
-        <p:nvGrpSpPr>
-          <p:cNvPr id="144" name="Shape 144"/>
-          <p:cNvGrpSpPr/>
-          <p:nvPr/>
-        </p:nvGrpSpPr>
-        <p:grpSpPr>
-          <a:xfrm>
-            <a:off x="2875019" y="1475875"/>
-            <a:ext cx="5065515" cy="4836624"/>
-            <a:chOff x="2875019" y="1475875"/>
-            <a:chExt cx="5065515" cy="4836624"/>
-          </a:xfrm>
-        </p:grpSpPr>
-        <p:sp>
-          <p:nvSpPr>
-            <p:cNvPr id="145" name="Shape 145"/>
-            <p:cNvSpPr/>
-            <p:nvPr/>
-          </p:nvSpPr>
-          <p:spPr>
-            <a:xfrm>
-              <a:off x="4628450" y="1475875"/>
-              <a:ext cx="1558650" cy="714875"/>
-            </a:xfrm>
-            <a:prstGeom prst="flowChartMagneticDisk">
-              <a:avLst/>
-            </a:prstGeom>
-            <a:solidFill>
-              <a:schemeClr val="lt2"/>
-            </a:solidFill>
-            <a:ln w="19050" cap="flat" cmpd="sng">
-              <a:solidFill>
-                <a:schemeClr val="dk2"/>
-              </a:solidFill>
-              <a:prstDash val="solid"/>
-              <a:round/>
-              <a:headEnd type="none" w="med" len="med"/>
-              <a:tailEnd type="none" w="med" len="med"/>
-            </a:ln>
-          </p:spPr>
-          <p:txBody>
-            <a:bodyPr lIns="91425" tIns="91425" rIns="91425" bIns="91425" anchor="ctr" anchorCtr="0">
-              <a:noAutofit/>
-            </a:bodyPr>
-            <a:lstStyle/>
-            <a:p>
-              <a:pPr algn="ctr" rtl="0">
-                <a:spcBef>
-                  <a:spcPts val="0"/>
-                </a:spcBef>
-                <a:buNone/>
-              </a:pPr>
-              <a:r>
-                <a:rPr lang="ru">
-                  <a:solidFill>
-                    <a:srgbClr val="434343"/>
-                  </a:solidFill>
-                </a:rPr>
-                <a:t>СУБД</a:t>
-              </a:r>
-            </a:p>
-            <a:p>
-              <a:pPr algn="ctr">
-                <a:spcBef>
-                  <a:spcPts val="0"/>
-                </a:spcBef>
-                <a:buNone/>
-              </a:pPr>
-              <a:r>
-                <a:rPr lang="ru" sz="1200">
-                  <a:solidFill>
-                    <a:srgbClr val="434343"/>
-                  </a:solidFill>
-                </a:rPr>
-                <a:t>(PostgreSQL)</a:t>
-              </a:r>
-            </a:p>
-          </p:txBody>
-        </p:sp>
-        <p:grpSp>
-          <p:nvGrpSpPr>
-            <p:cNvPr id="146" name="Shape 146"/>
-            <p:cNvGrpSpPr/>
-            <p:nvPr/>
-          </p:nvGrpSpPr>
-          <p:grpSpPr>
-            <a:xfrm>
-              <a:off x="2875019" y="2437525"/>
-              <a:ext cx="5065515" cy="1268700"/>
-              <a:chOff x="2875019" y="2437525"/>
-              <a:chExt cx="5065515" cy="1268700"/>
-            </a:xfrm>
-          </p:grpSpPr>
-          <p:sp>
-            <p:nvSpPr>
-              <p:cNvPr id="147" name="Shape 147"/>
-              <p:cNvSpPr/>
-              <p:nvPr/>
-            </p:nvSpPr>
-            <p:spPr>
-              <a:xfrm>
-                <a:off x="2875019" y="2437525"/>
-                <a:ext cx="5065515" cy="1082399"/>
-              </a:xfrm>
-              <a:prstGeom prst="flowChartAlternateProcess">
-                <a:avLst/>
-              </a:prstGeom>
-              <a:solidFill>
-                <a:schemeClr val="lt2"/>
-              </a:solidFill>
-              <a:ln w="19050" cap="flat" cmpd="sng">
-                <a:solidFill>
-                  <a:schemeClr val="dk2"/>
-                </a:solidFill>
-                <a:prstDash val="solid"/>
-                <a:round/>
-                <a:headEnd type="none" w="med" len="med"/>
-                <a:tailEnd type="none" w="med" len="med"/>
-              </a:ln>
-            </p:spPr>
-            <p:txBody>
-              <a:bodyPr lIns="91425" tIns="91425" rIns="91425" bIns="91425" anchor="t" anchorCtr="0">
-                <a:noAutofit/>
-              </a:bodyPr>
-              <a:lstStyle/>
-              <a:p>
-                <a:pPr algn="ctr">
-                  <a:spcBef>
-                    <a:spcPts val="0"/>
-                  </a:spcBef>
-                  <a:buNone/>
-                </a:pPr>
-                <a:r>
-                  <a:rPr lang="ru">
-                    <a:solidFill>
-                      <a:srgbClr val="434343"/>
-                    </a:solidFill>
-                  </a:rPr>
-                  <a:t>Backend (Ruby on Rails)</a:t>
-                </a:r>
-              </a:p>
-            </p:txBody>
-          </p:sp>
-          <p:sp>
-            <p:nvSpPr>
-              <p:cNvPr id="148" name="Shape 148"/>
-              <p:cNvSpPr/>
-              <p:nvPr/>
-            </p:nvSpPr>
-            <p:spPr>
-              <a:xfrm>
-                <a:off x="2875019" y="3108625"/>
-                <a:ext cx="2549430" cy="597600"/>
-              </a:xfrm>
-              <a:prstGeom prst="flowChartAlternateProcess">
-                <a:avLst/>
-              </a:prstGeom>
-              <a:solidFill>
-                <a:schemeClr val="lt2"/>
-              </a:solidFill>
-              <a:ln w="19050" cap="flat" cmpd="sng">
-                <a:solidFill>
-                  <a:schemeClr val="dk2"/>
-                </a:solidFill>
-                <a:prstDash val="solid"/>
-                <a:round/>
-                <a:headEnd type="none" w="med" len="med"/>
-                <a:tailEnd type="none" w="med" len="med"/>
-              </a:ln>
-            </p:spPr>
-            <p:txBody>
-              <a:bodyPr lIns="91425" tIns="91425" rIns="91425" bIns="91425" anchor="ctr" anchorCtr="0">
-                <a:noAutofit/>
-              </a:bodyPr>
-              <a:lstStyle/>
-              <a:p>
-                <a:pPr algn="ctr">
-                  <a:spcBef>
-                    <a:spcPts val="0"/>
-                  </a:spcBef>
-                  <a:buNone/>
-                </a:pPr>
-                <a:r>
-                  <a:rPr lang="ru">
-                    <a:solidFill>
-                      <a:srgbClr val="434343"/>
-                    </a:solidFill>
-                  </a:rPr>
-                  <a:t>Web-site controller</a:t>
-                </a:r>
-              </a:p>
-            </p:txBody>
-          </p:sp>
-          <p:sp>
-            <p:nvSpPr>
-              <p:cNvPr id="149" name="Shape 149"/>
-              <p:cNvSpPr/>
-              <p:nvPr/>
-            </p:nvSpPr>
-            <p:spPr>
-              <a:xfrm>
-                <a:off x="5424444" y="3108625"/>
-                <a:ext cx="2516084" cy="597600"/>
-              </a:xfrm>
-              <a:prstGeom prst="flowChartAlternateProcess">
-                <a:avLst/>
-              </a:prstGeom>
-              <a:solidFill>
-                <a:schemeClr val="lt2"/>
-              </a:solidFill>
-              <a:ln w="19050" cap="flat" cmpd="sng">
-                <a:solidFill>
-                  <a:schemeClr val="dk2"/>
-                </a:solidFill>
-                <a:prstDash val="solid"/>
-                <a:round/>
-                <a:headEnd type="none" w="med" len="med"/>
-                <a:tailEnd type="none" w="med" len="med"/>
-              </a:ln>
-            </p:spPr>
-            <p:txBody>
-              <a:bodyPr lIns="91425" tIns="91425" rIns="91425" bIns="91425" anchor="ctr" anchorCtr="0">
-                <a:noAutofit/>
-              </a:bodyPr>
-              <a:lstStyle/>
-              <a:p>
-                <a:pPr algn="ctr" rtl="0">
-                  <a:spcBef>
-                    <a:spcPts val="0"/>
-                  </a:spcBef>
-                  <a:buNone/>
-                </a:pPr>
-                <a:r>
-                  <a:rPr lang="ru">
-                    <a:solidFill>
-                      <a:srgbClr val="434343"/>
-                    </a:solidFill>
-                  </a:rPr>
-                  <a:t>Mobile API</a:t>
-                </a:r>
-              </a:p>
-              <a:p>
-                <a:pPr algn="ctr">
-                  <a:spcBef>
-                    <a:spcPts val="0"/>
-                  </a:spcBef>
-                  <a:buNone/>
-                </a:pPr>
-                <a:r>
-                  <a:rPr lang="ru">
-                    <a:solidFill>
-                      <a:srgbClr val="434343"/>
-                    </a:solidFill>
-                  </a:rPr>
-                  <a:t>controller</a:t>
-                </a:r>
-              </a:p>
-            </p:txBody>
-          </p:sp>
-        </p:grpSp>
-        <p:sp>
-          <p:nvSpPr>
-            <p:cNvPr id="150" name="Shape 150"/>
-            <p:cNvSpPr/>
-            <p:nvPr/>
-          </p:nvSpPr>
-          <p:spPr>
-            <a:xfrm>
-              <a:off x="3877037" y="3679150"/>
-              <a:ext cx="545399" cy="1387199"/>
-            </a:xfrm>
-            <a:prstGeom prst="upDownArrow">
-              <a:avLst>
-                <a:gd name="adj1" fmla="val 50000"/>
-                <a:gd name="adj2" fmla="val 50000"/>
-              </a:avLst>
-            </a:prstGeom>
-            <a:solidFill>
-              <a:schemeClr val="lt2"/>
-            </a:solidFill>
-            <a:ln w="19050" cap="flat" cmpd="sng">
-              <a:solidFill>
-                <a:schemeClr val="dk2"/>
-              </a:solidFill>
-              <a:prstDash val="solid"/>
-              <a:round/>
-              <a:headEnd type="none" w="med" len="med"/>
-              <a:tailEnd type="none" w="med" len="med"/>
-            </a:ln>
-          </p:spPr>
-          <p:txBody>
-            <a:bodyPr lIns="91425" tIns="91425" rIns="91425" bIns="91425" anchor="ctr" anchorCtr="0">
-              <a:noAutofit/>
-            </a:bodyPr>
-            <a:lstStyle/>
-            <a:p>
-              <a:pPr>
-                <a:spcBef>
-                  <a:spcPts val="0"/>
-                </a:spcBef>
-                <a:buNone/>
-              </a:pPr>
-              <a:r>
-                <a:rPr lang="ru">
-                  <a:solidFill>
-                    <a:srgbClr val="434343"/>
-                  </a:solidFill>
-                </a:rPr>
-                <a:t>HTTPS</a:t>
-              </a:r>
-            </a:p>
-          </p:txBody>
-        </p:sp>
-        <p:sp>
-          <p:nvSpPr>
-            <p:cNvPr id="151" name="Shape 151"/>
-            <p:cNvSpPr/>
-            <p:nvPr/>
-          </p:nvSpPr>
-          <p:spPr>
-            <a:xfrm>
-              <a:off x="3032700" y="5093300"/>
-              <a:ext cx="2234100" cy="1219199"/>
-            </a:xfrm>
-            <a:prstGeom prst="ellipse">
-              <a:avLst/>
-            </a:prstGeom>
-            <a:solidFill>
-              <a:schemeClr val="lt2"/>
-            </a:solidFill>
-            <a:ln w="19050" cap="flat" cmpd="sng">
-              <a:solidFill>
-                <a:schemeClr val="dk2"/>
-              </a:solidFill>
-              <a:prstDash val="solid"/>
-              <a:round/>
-              <a:headEnd type="none" w="med" len="med"/>
-              <a:tailEnd type="none" w="med" len="med"/>
-            </a:ln>
-          </p:spPr>
-          <p:txBody>
-            <a:bodyPr lIns="91425" tIns="91425" rIns="91425" bIns="91425" anchor="ctr" anchorCtr="0">
-              <a:noAutofit/>
-            </a:bodyPr>
-            <a:lstStyle/>
-            <a:p>
-              <a:pPr algn="ctr" rtl="0">
-                <a:spcBef>
-                  <a:spcPts val="0"/>
-                </a:spcBef>
-                <a:buNone/>
-              </a:pPr>
-              <a:r>
-                <a:rPr lang="ru">
-                  <a:solidFill>
-                    <a:srgbClr val="434343"/>
-                  </a:solidFill>
-                </a:rPr>
-                <a:t>Web сайт</a:t>
-              </a:r>
-            </a:p>
-            <a:p>
-              <a:pPr algn="ctr">
-                <a:spcBef>
-                  <a:spcPts val="0"/>
-                </a:spcBef>
-                <a:buNone/>
-              </a:pPr>
-              <a:r>
-                <a:rPr lang="ru">
-                  <a:solidFill>
-                    <a:srgbClr val="434343"/>
-                  </a:solidFill>
-                </a:rPr>
-                <a:t>(HTML, JS, CSS)</a:t>
-              </a:r>
-            </a:p>
-          </p:txBody>
-        </p:sp>
-        <p:sp>
-          <p:nvSpPr>
-            <p:cNvPr id="152" name="Shape 152"/>
-            <p:cNvSpPr/>
-            <p:nvPr/>
-          </p:nvSpPr>
-          <p:spPr>
-            <a:xfrm>
-              <a:off x="5470187" y="5093300"/>
-              <a:ext cx="2424600" cy="1219199"/>
-            </a:xfrm>
-            <a:prstGeom prst="ellipse">
-              <a:avLst/>
-            </a:prstGeom>
-            <a:solidFill>
-              <a:schemeClr val="lt2"/>
-            </a:solidFill>
-            <a:ln w="19050" cap="flat" cmpd="sng">
-              <a:solidFill>
-                <a:schemeClr val="dk2"/>
-              </a:solidFill>
-              <a:prstDash val="solid"/>
-              <a:round/>
-              <a:headEnd type="none" w="med" len="med"/>
-              <a:tailEnd type="none" w="med" len="med"/>
-            </a:ln>
-          </p:spPr>
-          <p:txBody>
-            <a:bodyPr lIns="91425" tIns="91425" rIns="91425" bIns="91425" anchor="ctr" anchorCtr="0">
-              <a:noAutofit/>
-            </a:bodyPr>
-            <a:lstStyle/>
-            <a:p>
-              <a:pPr algn="ctr" rtl="0">
-                <a:spcBef>
-                  <a:spcPts val="0"/>
-                </a:spcBef>
-                <a:buNone/>
-              </a:pPr>
-              <a:r>
-                <a:rPr lang="ru">
-                  <a:solidFill>
-                    <a:srgbClr val="434343"/>
-                  </a:solidFill>
-                </a:rPr>
-                <a:t>Coordinate-tracker</a:t>
-              </a:r>
-            </a:p>
-            <a:p>
-              <a:pPr lvl="0" algn="ctr" rtl="0">
-                <a:spcBef>
-                  <a:spcPts val="0"/>
-                </a:spcBef>
-                <a:buNone/>
-              </a:pPr>
-              <a:r>
-                <a:rPr lang="ru">
-                  <a:solidFill>
-                    <a:srgbClr val="434343"/>
-                  </a:solidFill>
-                </a:rPr>
-                <a:t>(Android)</a:t>
-              </a:r>
-            </a:p>
-          </p:txBody>
-        </p:sp>
-        <p:sp>
-          <p:nvSpPr>
-            <p:cNvPr id="153" name="Shape 153"/>
-            <p:cNvSpPr/>
-            <p:nvPr/>
-          </p:nvSpPr>
-          <p:spPr>
-            <a:xfrm>
-              <a:off x="6409787" y="3706225"/>
-              <a:ext cx="545399" cy="1387199"/>
-            </a:xfrm>
-            <a:prstGeom prst="upDownArrow">
-              <a:avLst>
-                <a:gd name="adj1" fmla="val 50000"/>
-                <a:gd name="adj2" fmla="val 50000"/>
-              </a:avLst>
-            </a:prstGeom>
-            <a:solidFill>
-              <a:schemeClr val="lt2"/>
-            </a:solidFill>
-            <a:ln w="19050" cap="flat" cmpd="sng">
-              <a:solidFill>
-                <a:schemeClr val="dk2"/>
-              </a:solidFill>
-              <a:prstDash val="solid"/>
-              <a:round/>
-              <a:headEnd type="none" w="med" len="med"/>
-              <a:tailEnd type="none" w="med" len="med"/>
-            </a:ln>
-          </p:spPr>
-          <p:txBody>
-            <a:bodyPr lIns="91425" tIns="91425" rIns="91425" bIns="91425" anchor="ctr" anchorCtr="0">
-              <a:noAutofit/>
-            </a:bodyPr>
-            <a:lstStyle/>
-            <a:p>
-              <a:pPr lvl="0" rtl="0">
-                <a:spcBef>
-                  <a:spcPts val="0"/>
-                </a:spcBef>
-                <a:buNone/>
-              </a:pPr>
-              <a:r>
-                <a:rPr lang="ru">
-                  <a:solidFill>
-                    <a:srgbClr val="434343"/>
-                  </a:solidFill>
-                </a:rPr>
-                <a:t>HTTPS</a:t>
-              </a:r>
-            </a:p>
-          </p:txBody>
-        </p:sp>
-        <p:sp>
-          <p:nvSpPr>
-            <p:cNvPr id="154" name="Shape 154"/>
-            <p:cNvSpPr/>
-            <p:nvPr/>
-          </p:nvSpPr>
-          <p:spPr>
-            <a:xfrm rot="5400000">
-              <a:off x="5234674" y="2172264"/>
-              <a:ext cx="346200" cy="233699"/>
-            </a:xfrm>
-            <a:prstGeom prst="leftRightArrow">
-              <a:avLst>
-                <a:gd name="adj1" fmla="val 50000"/>
-                <a:gd name="adj2" fmla="val 50000"/>
-              </a:avLst>
-            </a:prstGeom>
-            <a:solidFill>
-              <a:schemeClr val="lt2"/>
-            </a:solidFill>
-            <a:ln w="19050" cap="flat" cmpd="sng">
-              <a:solidFill>
-                <a:schemeClr val="dk2"/>
-              </a:solidFill>
-              <a:prstDash val="solid"/>
-              <a:round/>
-              <a:headEnd type="none" w="med" len="med"/>
-              <a:tailEnd type="none" w="med" len="med"/>
-            </a:ln>
-          </p:spPr>
-          <p:txBody>
-            <a:bodyPr lIns="91425" tIns="91425" rIns="91425" bIns="91425" anchor="ctr" anchorCtr="0">
-              <a:noAutofit/>
-            </a:bodyPr>
-            <a:lstStyle/>
-            <a:p>
-              <a:pPr>
-                <a:spcBef>
-                  <a:spcPts val="0"/>
-                </a:spcBef>
-                <a:buNone/>
-              </a:pPr>
-              <a:endParaRPr/>
-            </a:p>
-          </p:txBody>
-        </p:sp>
-      </p:grpSp>
-    </p:spTree>
-  </p:cSld>
-  <p:clrMapOvr>
-    <a:masterClrMapping/>
-  </p:clrMapOvr>
-  <p:transition spd="slow">
-    <p:cut/>
-  </p:transition>
-  <p:timing>
-    <p:tnLst>
-      <p:par>
-        <p:cTn id="1" dur="indefinite" restart="never" nodeType="tmRoot"/>
-      </p:par>
-    </p:tnLst>
-  </p:timing>
-</p:sld>
-</file>
-
-<file path=ppt/slides/slide6.xml><?xml version="1.0" encoding="utf-8"?>
-<p:sld xmlns:a="http://schemas.openxmlformats.org/drawingml/2006/main" xmlns:r="http://schemas.openxmlformats.org/officeDocument/2006/relationships" xmlns:p="http://schemas.openxmlformats.org/presentationml/2006/main">
-  <p:cSld>
-    <p:spTree>
-      <p:nvGrpSpPr>
-        <p:cNvPr id="1" name="Shape 174"/>
-        <p:cNvGrpSpPr/>
-        <p:nvPr/>
-      </p:nvGrpSpPr>
-      <p:grpSpPr>
-        <a:xfrm>
-          <a:off x="0" y="0"/>
-          <a:ext cx="0" cy="0"/>
-          <a:chOff x="0" y="0"/>
-          <a:chExt cx="0" cy="0"/>
-        </a:xfrm>
-      </p:grpSpPr>
-      <p:sp>
-        <p:nvSpPr>
-          <p:cNvPr id="175" name="Shape 175"/>
-          <p:cNvSpPr txBox="1">
-            <a:spLocks noGrp="1"/>
-          </p:cNvSpPr>
-          <p:nvPr>
-            <p:ph type="title"/>
-          </p:nvPr>
-        </p:nvSpPr>
-        <p:spPr>
-          <a:xfrm>
-            <a:off x="457200" y="309287"/>
-            <a:ext cx="8229600" cy="1143000"/>
-          </a:xfrm>
-          <a:prstGeom prst="rect">
-            <a:avLst/>
-          </a:prstGeom>
-        </p:spPr>
-        <p:txBody>
-          <a:bodyPr lIns="91425" tIns="91425" rIns="91425" bIns="91425" anchor="b" anchorCtr="0">
-            <a:noAutofit/>
-          </a:bodyPr>
-          <a:lstStyle/>
-          <a:p>
-            <a:pPr>
-              <a:spcBef>
-                <a:spcPts val="0"/>
-              </a:spcBef>
-              <a:buNone/>
-            </a:pPr>
-            <a:r>
-              <a:rPr lang="ru" sz="3200" dirty="0" smtClean="0"/>
-              <a:t>Алгоритм поиска целевого маршрута</a:t>
-            </a:r>
-            <a:endParaRPr lang="ru" sz="3200" dirty="0"/>
-          </a:p>
-        </p:txBody>
-      </p:sp>
-      <p:pic>
-        <p:nvPicPr>
-          <p:cNvPr id="7" name="Рисунок 6"/>
-          <p:cNvPicPr>
-            <a:picLocks noChangeAspect="1"/>
-          </p:cNvPicPr>
-          <p:nvPr/>
-        </p:nvPicPr>
-        <p:blipFill>
-          <a:blip r:embed="rId3">
-            <a:extLst>
-              <a:ext uri="{28A0092B-C50C-407E-A947-70E740481C1C}">
-                <a14:useLocalDpi xmlns:a14="http://schemas.microsoft.com/office/drawing/2010/main" val="0"/>
-              </a:ext>
-            </a:extLst>
-          </a:blip>
-          <a:stretch>
-            <a:fillRect/>
-          </a:stretch>
-        </p:blipFill>
-        <p:spPr>
-          <a:xfrm>
-            <a:off x="378544" y="1563330"/>
-            <a:ext cx="4795950" cy="3898490"/>
-          </a:xfrm>
-          <a:prstGeom prst="rect">
-            <a:avLst/>
-          </a:prstGeom>
-        </p:spPr>
-      </p:pic>
-      <p:pic>
-        <p:nvPicPr>
-          <p:cNvPr id="8" name="Рисунок 7"/>
-          <p:cNvPicPr>
-            <a:picLocks noChangeAspect="1"/>
-          </p:cNvPicPr>
-          <p:nvPr/>
-        </p:nvPicPr>
-        <p:blipFill>
-          <a:blip r:embed="rId4">
-            <a:extLst>
-              <a:ext uri="{28A0092B-C50C-407E-A947-70E740481C1C}">
-                <a14:useLocalDpi xmlns:a14="http://schemas.microsoft.com/office/drawing/2010/main" val="0"/>
-              </a:ext>
-            </a:extLst>
-          </a:blip>
-          <a:stretch>
-            <a:fillRect/>
-          </a:stretch>
-        </p:blipFill>
-        <p:spPr>
-          <a:xfrm>
-            <a:off x="5416007" y="1563330"/>
-            <a:ext cx="3403532" cy="3898490"/>
-          </a:xfrm>
-          <a:prstGeom prst="rect">
-            <a:avLst/>
-          </a:prstGeom>
-        </p:spPr>
-      </p:pic>
-      <p:sp>
-        <p:nvSpPr>
-          <p:cNvPr id="9" name="TextBox 8"/>
-          <p:cNvSpPr txBox="1"/>
-          <p:nvPr/>
-        </p:nvSpPr>
-        <p:spPr>
-          <a:xfrm>
-            <a:off x="1729383" y="5572863"/>
-            <a:ext cx="2094271" cy="338554"/>
-          </a:xfrm>
-          <a:prstGeom prst="rect">
-            <a:avLst/>
-          </a:prstGeom>
-          <a:noFill/>
-        </p:spPr>
-        <p:txBody>
-          <a:bodyPr wrap="square" rtlCol="0">
-            <a:spAutoFit/>
-          </a:bodyPr>
-          <a:lstStyle/>
-          <a:p>
-            <a:r>
-              <a:rPr lang="ru-RU" sz="1600" dirty="0" smtClean="0">
-                <a:solidFill>
-                  <a:schemeClr val="bg1">
-                    <a:lumMod val="95000"/>
-                  </a:schemeClr>
-                </a:solidFill>
-              </a:rPr>
-              <a:t>До оптимизации</a:t>
-            </a:r>
-            <a:endParaRPr lang="ru-RU" sz="1600" dirty="0">
-              <a:solidFill>
-                <a:schemeClr val="bg1">
-                  <a:lumMod val="95000"/>
-                </a:schemeClr>
-              </a:solidFill>
-            </a:endParaRPr>
-          </a:p>
-        </p:txBody>
-      </p:sp>
-      <p:sp>
-        <p:nvSpPr>
-          <p:cNvPr id="13" name="TextBox 12"/>
-          <p:cNvSpPr txBox="1"/>
-          <p:nvPr/>
-        </p:nvSpPr>
-        <p:spPr>
-          <a:xfrm>
-            <a:off x="6070637" y="5572863"/>
-            <a:ext cx="2094271" cy="338554"/>
-          </a:xfrm>
-          <a:prstGeom prst="rect">
-            <a:avLst/>
-          </a:prstGeom>
-          <a:noFill/>
-        </p:spPr>
-        <p:txBody>
-          <a:bodyPr wrap="square" rtlCol="0">
-            <a:spAutoFit/>
-          </a:bodyPr>
-          <a:lstStyle/>
-          <a:p>
-            <a:r>
-              <a:rPr lang="ru-RU" sz="1600" dirty="0" smtClean="0">
-                <a:solidFill>
-                  <a:schemeClr val="bg1">
-                    <a:lumMod val="95000"/>
-                  </a:schemeClr>
-                </a:solidFill>
-              </a:rPr>
-              <a:t>После оптимизации</a:t>
-            </a:r>
-            <a:endParaRPr lang="ru-RU" sz="1600" dirty="0">
-              <a:solidFill>
-                <a:schemeClr val="bg1">
-                  <a:lumMod val="95000"/>
-                </a:schemeClr>
-              </a:solidFill>
-            </a:endParaRPr>
-          </a:p>
-        </p:txBody>
-      </p:sp>
-    </p:spTree>
-  </p:cSld>
-  <p:clrMapOvr>
-    <a:masterClrMapping/>
-  </p:clrMapOvr>
-  <p:transition spd="slow">
-    <p:cut/>
-  </p:transition>
-  <p:timing>
-    <p:tnLst>
-      <p:par>
-        <p:cTn id="1" dur="indefinite" restart="never" nodeType="tmRoot"/>
-      </p:par>
-    </p:tnLst>
-  </p:timing>
-</p:sld>
-</file>
-
-<file path=ppt/slides/slide7.xml><?xml version="1.0" encoding="utf-8"?>
-<p:sld xmlns:a="http://schemas.openxmlformats.org/drawingml/2006/main" xmlns:r="http://schemas.openxmlformats.org/officeDocument/2006/relationships" xmlns:p="http://schemas.openxmlformats.org/presentationml/2006/main">
-  <p:cSld>
-    <p:spTree>
-      <p:nvGrpSpPr>
-        <p:cNvPr id="1" name="Shape 174"/>
-        <p:cNvGrpSpPr/>
-        <p:nvPr/>
-      </p:nvGrpSpPr>
-      <p:grpSpPr>
-        <a:xfrm>
-          <a:off x="0" y="0"/>
-          <a:ext cx="0" cy="0"/>
-          <a:chOff x="0" y="0"/>
-          <a:chExt cx="0" cy="0"/>
-        </a:xfrm>
-      </p:grpSpPr>
-      <p:grpSp>
-        <p:nvGrpSpPr>
-          <p:cNvPr id="10" name="Группа 9"/>
-          <p:cNvGrpSpPr/>
-          <p:nvPr/>
-        </p:nvGrpSpPr>
-        <p:grpSpPr>
-          <a:xfrm>
-            <a:off x="457200" y="1600671"/>
-            <a:ext cx="2620297" cy="3946524"/>
-            <a:chOff x="457200" y="1600671"/>
-            <a:chExt cx="2620297" cy="3946524"/>
-          </a:xfrm>
-        </p:grpSpPr>
-        <p:sp>
-          <p:nvSpPr>
-            <p:cNvPr id="4" name="Блок-схема: процесс 3"/>
-            <p:cNvSpPr/>
-            <p:nvPr/>
-          </p:nvSpPr>
-          <p:spPr>
-            <a:xfrm>
-              <a:off x="457200" y="1600671"/>
-              <a:ext cx="2620297" cy="3946524"/>
-            </a:xfrm>
-            <a:prstGeom prst="flowChartProcess">
-              <a:avLst/>
-            </a:prstGeom>
-            <a:solidFill>
-              <a:schemeClr val="bg1"/>
-            </a:solidFill>
-            <a:ln>
-              <a:solidFill>
-                <a:schemeClr val="bg1"/>
-              </a:solidFill>
-            </a:ln>
-          </p:spPr>
-          <p:style>
-            <a:lnRef idx="2">
-              <a:schemeClr val="dk1">
-                <a:shade val="50000"/>
-              </a:schemeClr>
-            </a:lnRef>
-            <a:fillRef idx="1">
-              <a:schemeClr val="dk1"/>
-            </a:fillRef>
-            <a:effectRef idx="0">
-              <a:schemeClr val="dk1"/>
-            </a:effectRef>
-            <a:fontRef idx="minor">
-              <a:schemeClr val="lt1"/>
-            </a:fontRef>
-          </p:style>
-          <p:txBody>
-            <a:bodyPr rtlCol="0" anchor="ctr"/>
-            <a:lstStyle/>
-            <a:p>
-              <a:pPr algn="ctr"/>
-              <a:endParaRPr lang="ru-RU"/>
-            </a:p>
-          </p:txBody>
-        </p:sp>
-        <p:pic>
-          <p:nvPicPr>
-            <p:cNvPr id="2" name="Рисунок 1"/>
-            <p:cNvPicPr>
-              <a:picLocks noChangeAspect="1"/>
-            </p:cNvPicPr>
-            <p:nvPr/>
-          </p:nvPicPr>
-          <p:blipFill>
-            <a:blip r:embed="rId3">
-              <a:extLst>
-                <a:ext uri="{28A0092B-C50C-407E-A947-70E740481C1C}">
-                  <a14:useLocalDpi xmlns:a14="http://schemas.microsoft.com/office/drawing/2010/main" val="0"/>
-                </a:ext>
-              </a:extLst>
-            </a:blip>
-            <a:stretch>
-              <a:fillRect/>
-            </a:stretch>
-          </p:blipFill>
-          <p:spPr>
-            <a:xfrm>
-              <a:off x="844503" y="1662029"/>
-              <a:ext cx="1769755" cy="3823808"/>
-            </a:xfrm>
-            <a:prstGeom prst="rect">
-              <a:avLst/>
-            </a:prstGeom>
-          </p:spPr>
-        </p:pic>
-      </p:grpSp>
-      <p:sp>
-        <p:nvSpPr>
-          <p:cNvPr id="175" name="Shape 175"/>
-          <p:cNvSpPr txBox="1">
-            <a:spLocks noGrp="1"/>
-          </p:cNvSpPr>
-          <p:nvPr>
-            <p:ph type="title"/>
-          </p:nvPr>
-        </p:nvSpPr>
-        <p:spPr>
-          <a:xfrm>
-            <a:off x="457200" y="309287"/>
-            <a:ext cx="8229600" cy="1143000"/>
-          </a:xfrm>
-          <a:prstGeom prst="rect">
-            <a:avLst/>
-          </a:prstGeom>
-        </p:spPr>
-        <p:txBody>
-          <a:bodyPr lIns="91425" tIns="91425" rIns="91425" bIns="91425" anchor="b" anchorCtr="0">
-            <a:noAutofit/>
-          </a:bodyPr>
-          <a:lstStyle/>
-          <a:p>
-            <a:pPr>
-              <a:spcBef>
-                <a:spcPts val="0"/>
-              </a:spcBef>
-              <a:buNone/>
-            </a:pPr>
-            <a:r>
-              <a:rPr lang="ru" sz="3200" dirty="0" smtClean="0"/>
-              <a:t>Алгоритм передачи геоданных</a:t>
-            </a:r>
-            <a:endParaRPr lang="ru" sz="3200" dirty="0"/>
-          </a:p>
-        </p:txBody>
-      </p:sp>
-      <p:sp>
-        <p:nvSpPr>
-          <p:cNvPr id="9" name="TextBox 8"/>
-          <p:cNvSpPr txBox="1"/>
-          <p:nvPr/>
-        </p:nvSpPr>
-        <p:spPr>
-          <a:xfrm>
-            <a:off x="682244" y="5695579"/>
-            <a:ext cx="2094271" cy="338554"/>
-          </a:xfrm>
-          <a:prstGeom prst="rect">
-            <a:avLst/>
-          </a:prstGeom>
-          <a:noFill/>
-        </p:spPr>
-        <p:txBody>
-          <a:bodyPr wrap="square" rtlCol="0">
-            <a:spAutoFit/>
-          </a:bodyPr>
-          <a:lstStyle/>
-          <a:p>
-            <a:r>
-              <a:rPr lang="ru-RU" sz="1600" dirty="0" smtClean="0">
-                <a:solidFill>
-                  <a:schemeClr val="bg1">
-                    <a:lumMod val="95000"/>
-                  </a:schemeClr>
-                </a:solidFill>
-              </a:rPr>
-              <a:t>До оптимизации</a:t>
-            </a:r>
-            <a:endParaRPr lang="ru-RU" sz="1600" dirty="0">
-              <a:solidFill>
-                <a:schemeClr val="bg1">
-                  <a:lumMod val="95000"/>
-                </a:schemeClr>
-              </a:solidFill>
-            </a:endParaRPr>
-          </a:p>
-        </p:txBody>
-      </p:sp>
-      <p:sp>
-        <p:nvSpPr>
-          <p:cNvPr id="13" name="TextBox 12"/>
-          <p:cNvSpPr txBox="1"/>
-          <p:nvPr/>
-        </p:nvSpPr>
-        <p:spPr>
-          <a:xfrm>
-            <a:off x="5028664" y="5695579"/>
-            <a:ext cx="2094271" cy="338554"/>
-          </a:xfrm>
-          <a:prstGeom prst="rect">
-            <a:avLst/>
-          </a:prstGeom>
-          <a:noFill/>
-        </p:spPr>
-        <p:txBody>
-          <a:bodyPr wrap="square" rtlCol="0">
-            <a:spAutoFit/>
-          </a:bodyPr>
-          <a:lstStyle/>
-          <a:p>
-            <a:r>
-              <a:rPr lang="ru-RU" sz="1600" dirty="0" smtClean="0">
-                <a:solidFill>
-                  <a:schemeClr val="bg1">
-                    <a:lumMod val="95000"/>
-                  </a:schemeClr>
-                </a:solidFill>
-              </a:rPr>
-              <a:t>После оптимизации</a:t>
-            </a:r>
-            <a:endParaRPr lang="ru-RU" sz="1600" dirty="0">
-              <a:solidFill>
-                <a:schemeClr val="bg1">
-                  <a:lumMod val="95000"/>
-                </a:schemeClr>
-              </a:solidFill>
-            </a:endParaRPr>
-          </a:p>
-        </p:txBody>
-      </p:sp>
-      <p:grpSp>
-        <p:nvGrpSpPr>
-          <p:cNvPr id="6" name="Группа 5"/>
-          <p:cNvGrpSpPr/>
-          <p:nvPr/>
-        </p:nvGrpSpPr>
-        <p:grpSpPr>
-          <a:xfrm>
-            <a:off x="3464800" y="1600671"/>
-            <a:ext cx="5222000" cy="3946524"/>
-            <a:chOff x="3464800" y="1600671"/>
-            <a:chExt cx="5222000" cy="3946524"/>
-          </a:xfrm>
-        </p:grpSpPr>
-        <p:sp>
-          <p:nvSpPr>
-            <p:cNvPr id="11" name="Блок-схема: процесс 10"/>
-            <p:cNvSpPr/>
-            <p:nvPr/>
-          </p:nvSpPr>
-          <p:spPr>
-            <a:xfrm>
-              <a:off x="3464800" y="1600671"/>
-              <a:ext cx="5222000" cy="3946524"/>
-            </a:xfrm>
-            <a:prstGeom prst="flowChartProcess">
-              <a:avLst/>
-            </a:prstGeom>
-            <a:solidFill>
-              <a:schemeClr val="bg1"/>
-            </a:solidFill>
-            <a:ln>
-              <a:solidFill>
-                <a:schemeClr val="bg1"/>
-              </a:solidFill>
-            </a:ln>
-          </p:spPr>
-          <p:style>
-            <a:lnRef idx="2">
-              <a:schemeClr val="dk1">
-                <a:shade val="50000"/>
-              </a:schemeClr>
-            </a:lnRef>
-            <a:fillRef idx="1">
-              <a:schemeClr val="dk1"/>
-            </a:fillRef>
-            <a:effectRef idx="0">
-              <a:schemeClr val="dk1"/>
-            </a:effectRef>
-            <a:fontRef idx="minor">
-              <a:schemeClr val="lt1"/>
-            </a:fontRef>
-          </p:style>
-          <p:txBody>
-            <a:bodyPr rtlCol="0" anchor="ctr"/>
-            <a:lstStyle/>
-            <a:p>
-              <a:pPr algn="ctr"/>
-              <a:endParaRPr lang="ru-RU"/>
-            </a:p>
-          </p:txBody>
-        </p:sp>
-        <p:pic>
-          <p:nvPicPr>
-            <p:cNvPr id="3" name="Рисунок 2"/>
-            <p:cNvPicPr>
-              <a:picLocks noChangeAspect="1"/>
-            </p:cNvPicPr>
-            <p:nvPr/>
-          </p:nvPicPr>
-          <p:blipFill>
-            <a:blip r:embed="rId4">
-              <a:extLst>
-                <a:ext uri="{28A0092B-C50C-407E-A947-70E740481C1C}">
-                  <a14:useLocalDpi xmlns:a14="http://schemas.microsoft.com/office/drawing/2010/main" val="0"/>
-                </a:ext>
-              </a:extLst>
-            </a:blip>
-            <a:stretch>
-              <a:fillRect/>
-            </a:stretch>
-          </p:blipFill>
-          <p:spPr>
-            <a:xfrm>
-              <a:off x="3911869" y="1684059"/>
-              <a:ext cx="4489795" cy="3823808"/>
-            </a:xfrm>
-            <a:prstGeom prst="rect">
-              <a:avLst/>
-            </a:prstGeom>
-          </p:spPr>
-        </p:pic>
-      </p:grpSp>
-    </p:spTree>
-    <p:extLst>
-      <p:ext uri="{BB962C8B-B14F-4D97-AF65-F5344CB8AC3E}">
-        <p14:creationId xmlns:p14="http://schemas.microsoft.com/office/powerpoint/2010/main" val="670284820"/>
-      </p:ext>
-    </p:extLst>
-  </p:cSld>
-  <p:clrMapOvr>
-    <a:masterClrMapping/>
-  </p:clrMapOvr>
-  <p:transition spd="slow">
-    <p:cut/>
-  </p:transition>
-  <p:timing>
-    <p:tnLst>
-      <p:par>
-        <p:cTn id="1" dur="indefinite" restart="never" nodeType="tmRoot"/>
-      </p:par>
-    </p:tnLst>
-  </p:timing>
-</p:sld>
-</file>
-
-<file path=ppt/slides/slide8.xml><?xml version="1.0" encoding="utf-8"?>
-<p:sld xmlns:a="http://schemas.openxmlformats.org/drawingml/2006/main" xmlns:r="http://schemas.openxmlformats.org/officeDocument/2006/relationships" xmlns:p="http://schemas.openxmlformats.org/presentationml/2006/main">
-  <p:cSld>
-    <p:spTree>
-      <p:nvGrpSpPr>
-        <p:cNvPr id="1" name="Shape 174"/>
-        <p:cNvGrpSpPr/>
-        <p:nvPr/>
-      </p:nvGrpSpPr>
-      <p:grpSpPr>
-        <a:xfrm>
-          <a:off x="0" y="0"/>
-          <a:ext cx="0" cy="0"/>
-          <a:chOff x="0" y="0"/>
-          <a:chExt cx="0" cy="0"/>
-        </a:xfrm>
-      </p:grpSpPr>
-      <p:sp>
-        <p:nvSpPr>
-          <p:cNvPr id="175" name="Shape 175"/>
-          <p:cNvSpPr txBox="1">
-            <a:spLocks noGrp="1"/>
-          </p:cNvSpPr>
-          <p:nvPr>
-            <p:ph type="title"/>
-          </p:nvPr>
-        </p:nvSpPr>
-        <p:spPr>
-          <a:xfrm>
-            <a:off x="457200" y="309287"/>
-            <a:ext cx="8229600" cy="1143000"/>
-          </a:xfrm>
-          <a:prstGeom prst="rect">
-            <a:avLst/>
-          </a:prstGeom>
-        </p:spPr>
-        <p:txBody>
-          <a:bodyPr lIns="91425" tIns="91425" rIns="91425" bIns="91425" anchor="b" anchorCtr="0">
-            <a:noAutofit/>
-          </a:bodyPr>
-          <a:lstStyle/>
-          <a:p>
-            <a:pPr>
-              <a:spcBef>
-                <a:spcPts val="0"/>
-              </a:spcBef>
-              <a:buNone/>
-            </a:pPr>
-            <a:r>
-              <a:rPr lang="ru" sz="3200" dirty="0" smtClean="0"/>
-              <a:t>Алгоритм синхронизации локального хранилища с сервером</a:t>
-            </a:r>
-            <a:endParaRPr lang="ru" sz="3200" dirty="0"/>
-          </a:p>
-        </p:txBody>
-      </p:sp>
-      <p:grpSp>
-        <p:nvGrpSpPr>
-          <p:cNvPr id="20" name="Группа 19"/>
-          <p:cNvGrpSpPr/>
-          <p:nvPr/>
-        </p:nvGrpSpPr>
-        <p:grpSpPr>
-          <a:xfrm>
-            <a:off x="988148" y="1600671"/>
-            <a:ext cx="2620297" cy="4792944"/>
-            <a:chOff x="457200" y="1600671"/>
-            <a:chExt cx="2620297" cy="4792944"/>
-          </a:xfrm>
-        </p:grpSpPr>
-        <p:sp>
-          <p:nvSpPr>
-            <p:cNvPr id="9" name="TextBox 8"/>
-            <p:cNvSpPr txBox="1"/>
-            <p:nvPr/>
-          </p:nvSpPr>
-          <p:spPr>
-            <a:xfrm>
-              <a:off x="720212" y="6055061"/>
-              <a:ext cx="2094271" cy="338554"/>
-            </a:xfrm>
-            <a:prstGeom prst="rect">
-              <a:avLst/>
-            </a:prstGeom>
-            <a:noFill/>
-          </p:spPr>
-          <p:txBody>
-            <a:bodyPr wrap="square" rtlCol="0">
-              <a:spAutoFit/>
-            </a:bodyPr>
-            <a:lstStyle/>
-            <a:p>
-              <a:r>
-                <a:rPr lang="ru-RU" sz="1600" dirty="0" smtClean="0">
-                  <a:solidFill>
-                    <a:schemeClr val="bg1">
-                      <a:lumMod val="95000"/>
-                    </a:schemeClr>
-                  </a:solidFill>
-                </a:rPr>
-                <a:t>До оптимизации</a:t>
-              </a:r>
-              <a:endParaRPr lang="ru-RU" sz="1600" dirty="0">
-                <a:solidFill>
-                  <a:schemeClr val="bg1">
-                    <a:lumMod val="95000"/>
-                  </a:schemeClr>
-                </a:solidFill>
-              </a:endParaRPr>
-            </a:p>
-          </p:txBody>
-        </p:sp>
-        <p:grpSp>
-          <p:nvGrpSpPr>
-            <p:cNvPr id="7" name="Группа 6"/>
-            <p:cNvGrpSpPr/>
-            <p:nvPr/>
-          </p:nvGrpSpPr>
-          <p:grpSpPr>
-            <a:xfrm>
-              <a:off x="457200" y="1600671"/>
-              <a:ext cx="2620297" cy="4259355"/>
-              <a:chOff x="457200" y="1600671"/>
-              <a:chExt cx="2620297" cy="4259355"/>
-            </a:xfrm>
-          </p:grpSpPr>
-          <p:sp>
-            <p:nvSpPr>
-              <p:cNvPr id="14" name="Блок-схема: процесс 13"/>
-              <p:cNvSpPr/>
-              <p:nvPr/>
-            </p:nvSpPr>
-            <p:spPr>
-              <a:xfrm>
-                <a:off x="457200" y="1600671"/>
-                <a:ext cx="2620297" cy="4259355"/>
-              </a:xfrm>
-              <a:prstGeom prst="flowChartProcess">
-                <a:avLst/>
-              </a:prstGeom>
-              <a:solidFill>
-                <a:schemeClr val="bg1"/>
-              </a:solidFill>
-              <a:ln>
-                <a:solidFill>
-                  <a:schemeClr val="bg1"/>
-                </a:solidFill>
-              </a:ln>
-            </p:spPr>
-            <p:style>
-              <a:lnRef idx="2">
-                <a:schemeClr val="dk1">
-                  <a:shade val="50000"/>
-                </a:schemeClr>
-              </a:lnRef>
-              <a:fillRef idx="1">
-                <a:schemeClr val="dk1"/>
-              </a:fillRef>
-              <a:effectRef idx="0">
-                <a:schemeClr val="dk1"/>
-              </a:effectRef>
-              <a:fontRef idx="minor">
-                <a:schemeClr val="lt1"/>
-              </a:fontRef>
-            </p:style>
-            <p:txBody>
-              <a:bodyPr rtlCol="0" anchor="ctr"/>
-              <a:lstStyle/>
-              <a:p>
-                <a:pPr algn="ctr"/>
-                <a:endParaRPr lang="ru-RU"/>
-              </a:p>
-            </p:txBody>
-          </p:sp>
-          <p:pic>
-            <p:nvPicPr>
-              <p:cNvPr id="5" name="Рисунок 4"/>
-              <p:cNvPicPr>
-                <a:picLocks noChangeAspect="1"/>
-              </p:cNvPicPr>
-              <p:nvPr/>
-            </p:nvPicPr>
-            <p:blipFill>
-              <a:blip r:embed="rId3">
-                <a:extLst>
-                  <a:ext uri="{28A0092B-C50C-407E-A947-70E740481C1C}">
-                    <a14:useLocalDpi xmlns:a14="http://schemas.microsoft.com/office/drawing/2010/main" val="0"/>
-                  </a:ext>
-                </a:extLst>
-              </a:blip>
-              <a:stretch>
-                <a:fillRect/>
-              </a:stretch>
-            </p:blipFill>
-            <p:spPr>
-              <a:xfrm>
-                <a:off x="674728" y="1687555"/>
-                <a:ext cx="2185240" cy="4008024"/>
-              </a:xfrm>
-              <a:prstGeom prst="rect">
-                <a:avLst/>
-              </a:prstGeom>
-            </p:spPr>
-          </p:pic>
-        </p:grpSp>
-      </p:grpSp>
-      <p:grpSp>
-        <p:nvGrpSpPr>
-          <p:cNvPr id="21" name="Группа 20"/>
-          <p:cNvGrpSpPr/>
-          <p:nvPr/>
-        </p:nvGrpSpPr>
-        <p:grpSpPr>
-          <a:xfrm>
-            <a:off x="5077824" y="1611702"/>
-            <a:ext cx="3063284" cy="4766769"/>
-            <a:chOff x="5028664" y="1552710"/>
-            <a:chExt cx="3063284" cy="4766769"/>
-          </a:xfrm>
-        </p:grpSpPr>
-        <p:sp>
-          <p:nvSpPr>
-            <p:cNvPr id="13" name="TextBox 12"/>
-            <p:cNvSpPr txBox="1"/>
-            <p:nvPr/>
-          </p:nvSpPr>
-          <p:spPr>
-            <a:xfrm>
-              <a:off x="5536565" y="5980925"/>
-              <a:ext cx="2094271" cy="338554"/>
-            </a:xfrm>
-            <a:prstGeom prst="rect">
-              <a:avLst/>
-            </a:prstGeom>
-            <a:noFill/>
-          </p:spPr>
-          <p:txBody>
-            <a:bodyPr wrap="square" rtlCol="0">
-              <a:spAutoFit/>
-            </a:bodyPr>
-            <a:lstStyle/>
-            <a:p>
-              <a:r>
-                <a:rPr lang="ru-RU" sz="1600" dirty="0" smtClean="0">
-                  <a:solidFill>
-                    <a:schemeClr val="bg1">
-                      <a:lumMod val="95000"/>
-                    </a:schemeClr>
-                  </a:solidFill>
-                </a:rPr>
-                <a:t>После оптимизации</a:t>
-              </a:r>
-              <a:endParaRPr lang="ru-RU" sz="1600" dirty="0">
-                <a:solidFill>
-                  <a:schemeClr val="bg1">
-                    <a:lumMod val="95000"/>
-                  </a:schemeClr>
-                </a:solidFill>
-              </a:endParaRPr>
-            </a:p>
-          </p:txBody>
-        </p:sp>
-        <p:grpSp>
-          <p:nvGrpSpPr>
-            <p:cNvPr id="16" name="Группа 15"/>
-            <p:cNvGrpSpPr/>
-            <p:nvPr/>
-          </p:nvGrpSpPr>
-          <p:grpSpPr>
-            <a:xfrm>
-              <a:off x="5028664" y="1552710"/>
-              <a:ext cx="3063284" cy="4307316"/>
-              <a:chOff x="5028664" y="1552710"/>
-              <a:chExt cx="3063284" cy="4307316"/>
-            </a:xfrm>
-          </p:grpSpPr>
-          <p:sp>
-            <p:nvSpPr>
-              <p:cNvPr id="18" name="Блок-схема: процесс 17"/>
-              <p:cNvSpPr/>
-              <p:nvPr/>
-            </p:nvSpPr>
-            <p:spPr>
-              <a:xfrm>
-                <a:off x="5028664" y="1552710"/>
-                <a:ext cx="3063284" cy="4307316"/>
-              </a:xfrm>
-              <a:prstGeom prst="flowChartProcess">
-                <a:avLst/>
-              </a:prstGeom>
-              <a:solidFill>
-                <a:schemeClr val="bg1"/>
-              </a:solidFill>
-              <a:ln>
-                <a:solidFill>
-                  <a:schemeClr val="bg1"/>
-                </a:solidFill>
-              </a:ln>
-            </p:spPr>
-            <p:style>
-              <a:lnRef idx="2">
-                <a:schemeClr val="dk1">
-                  <a:shade val="50000"/>
-                </a:schemeClr>
-              </a:lnRef>
-              <a:fillRef idx="1">
-                <a:schemeClr val="dk1"/>
-              </a:fillRef>
-              <a:effectRef idx="0">
-                <a:schemeClr val="dk1"/>
-              </a:effectRef>
-              <a:fontRef idx="minor">
-                <a:schemeClr val="lt1"/>
-              </a:fontRef>
-            </p:style>
-            <p:txBody>
-              <a:bodyPr rtlCol="0" anchor="ctr"/>
-              <a:lstStyle/>
-              <a:p>
-                <a:pPr algn="ctr"/>
-                <a:endParaRPr lang="ru-RU"/>
-              </a:p>
-            </p:txBody>
-          </p:sp>
-          <p:pic>
-            <p:nvPicPr>
-              <p:cNvPr id="8" name="Рисунок 7"/>
-              <p:cNvPicPr>
-                <a:picLocks noChangeAspect="1"/>
-              </p:cNvPicPr>
-              <p:nvPr/>
-            </p:nvPicPr>
-            <p:blipFill>
-              <a:blip r:embed="rId4">
-                <a:extLst>
-                  <a:ext uri="{28A0092B-C50C-407E-A947-70E740481C1C}">
-                    <a14:useLocalDpi xmlns:a14="http://schemas.microsoft.com/office/drawing/2010/main" val="0"/>
-                  </a:ext>
-                </a:extLst>
-              </a:blip>
-              <a:stretch>
-                <a:fillRect/>
-              </a:stretch>
-            </p:blipFill>
-            <p:spPr>
-              <a:xfrm>
-                <a:off x="5183305" y="1644113"/>
-                <a:ext cx="2800792" cy="4094908"/>
-              </a:xfrm>
-              <a:prstGeom prst="rect">
-                <a:avLst/>
-              </a:prstGeom>
-            </p:spPr>
-          </p:pic>
-        </p:grpSp>
-      </p:grpSp>
-    </p:spTree>
-    <p:extLst>
-      <p:ext uri="{BB962C8B-B14F-4D97-AF65-F5344CB8AC3E}">
-        <p14:creationId xmlns:p14="http://schemas.microsoft.com/office/powerpoint/2010/main" val="1035334989"/>
-      </p:ext>
-    </p:extLst>
-  </p:cSld>
-  <p:clrMapOvr>
-    <a:masterClrMapping/>
-  </p:clrMapOvr>
-  <p:transition spd="slow">
-    <p:cut/>
-  </p:transition>
-  <p:timing>
-    <p:tnLst>
-      <p:par>
-        <p:cTn id="1" dur="indefinite" restart="never" nodeType="tmRoot"/>
-      </p:par>
-    </p:tnLst>
-  </p:timing>
-</p:sld>
-</file>
-
-<file path=ppt/slides/slide9.xml><?xml version="1.0" encoding="utf-8"?>
-<p:sld xmlns:a="http://schemas.openxmlformats.org/drawingml/2006/main" xmlns:r="http://schemas.openxmlformats.org/officeDocument/2006/relationships" xmlns:p="http://schemas.openxmlformats.org/presentationml/2006/main">
-  <p:cSld>
-    <p:spTree>
-      <p:nvGrpSpPr>
-        <p:cNvPr id="1" name="Shape 181"/>
-        <p:cNvGrpSpPr/>
-        <p:nvPr/>
-      </p:nvGrpSpPr>
-      <p:grpSpPr>
-        <a:xfrm>
-          <a:off x="0" y="0"/>
-          <a:ext cx="0" cy="0"/>
-          <a:chOff x="0" y="0"/>
-          <a:chExt cx="0" cy="0"/>
-        </a:xfrm>
-      </p:grpSpPr>
-      <p:sp>
-        <p:nvSpPr>
-          <p:cNvPr id="182" name="Shape 182"/>
-          <p:cNvSpPr txBox="1">
-            <a:spLocks noGrp="1"/>
-          </p:cNvSpPr>
-          <p:nvPr>
-            <p:ph type="title"/>
-          </p:nvPr>
-        </p:nvSpPr>
-        <p:spPr>
-          <a:xfrm>
-            <a:off x="457200" y="274637"/>
-            <a:ext cx="8229600" cy="1143000"/>
-          </a:xfrm>
-          <a:prstGeom prst="rect">
-            <a:avLst/>
-          </a:prstGeom>
-        </p:spPr>
-        <p:txBody>
-          <a:bodyPr lIns="91425" tIns="91425" rIns="91425" bIns="91425" anchor="b" anchorCtr="0">
-            <a:noAutofit/>
-          </a:bodyPr>
-          <a:lstStyle/>
-          <a:p>
-            <a:pPr>
-              <a:spcBef>
-                <a:spcPts val="0"/>
-              </a:spcBef>
-              <a:buNone/>
-            </a:pPr>
-            <a:r>
-              <a:rPr lang="ru"/>
-              <a:t>Аутентификация API</a:t>
-            </a:r>
-          </a:p>
-        </p:txBody>
-      </p:sp>
-      <p:sp>
-        <p:nvSpPr>
-          <p:cNvPr id="183" name="Shape 183"/>
-          <p:cNvSpPr/>
-          <p:nvPr/>
-        </p:nvSpPr>
-        <p:spPr>
-          <a:xfrm>
-            <a:off x="457200" y="1498025"/>
-            <a:ext cx="3742499" cy="4909800"/>
-          </a:xfrm>
-          <a:prstGeom prst="rect">
-            <a:avLst/>
-          </a:prstGeom>
-          <a:noFill/>
-          <a:ln w="19050" cap="flat" cmpd="sng">
-            <a:solidFill>
-              <a:srgbClr val="F1C232"/>
-            </a:solidFill>
-            <a:prstDash val="solid"/>
-            <a:round/>
-            <a:headEnd type="none" w="med" len="med"/>
-            <a:tailEnd type="none" w="med" len="med"/>
-          </a:ln>
-        </p:spPr>
-        <p:txBody>
-          <a:bodyPr lIns="91425" tIns="91425" rIns="91425" bIns="91425" anchor="b" anchorCtr="0">
-            <a:noAutofit/>
-          </a:bodyPr>
-          <a:lstStyle/>
-          <a:p>
-            <a:pPr>
-              <a:spcBef>
-                <a:spcPts val="0"/>
-              </a:spcBef>
-              <a:buNone/>
-            </a:pPr>
-            <a:r>
-              <a:rPr lang="ru">
-                <a:solidFill>
-                  <a:srgbClr val="F1C232"/>
-                </a:solidFill>
-              </a:rPr>
-              <a:t>Coordinate-tracker</a:t>
-            </a:r>
-          </a:p>
-        </p:txBody>
-      </p:sp>
-      <p:sp>
-        <p:nvSpPr>
-          <p:cNvPr id="184" name="Shape 184"/>
-          <p:cNvSpPr/>
-          <p:nvPr/>
-        </p:nvSpPr>
-        <p:spPr>
-          <a:xfrm>
-            <a:off x="666750" y="3021925"/>
-            <a:ext cx="1740600" cy="1524000"/>
-          </a:xfrm>
-          <a:prstGeom prst="ellipse">
-            <a:avLst/>
-          </a:prstGeom>
-          <a:solidFill>
-            <a:schemeClr val="lt2"/>
-          </a:solidFill>
-          <a:ln w="19050" cap="flat" cmpd="sng">
-            <a:solidFill>
-              <a:schemeClr val="dk2"/>
-            </a:solidFill>
-            <a:prstDash val="solid"/>
-            <a:round/>
-            <a:headEnd type="none" w="med" len="med"/>
-            <a:tailEnd type="none" w="med" len="med"/>
-          </a:ln>
-        </p:spPr>
-        <p:txBody>
-          <a:bodyPr lIns="91425" tIns="91425" rIns="91425" bIns="91425" anchor="ctr" anchorCtr="0">
-            <a:noAutofit/>
-          </a:bodyPr>
-          <a:lstStyle/>
-          <a:p>
-            <a:pPr rtl="0">
-              <a:spcBef>
-                <a:spcPts val="0"/>
-              </a:spcBef>
-              <a:buNone/>
-            </a:pPr>
-            <a:r>
-              <a:rPr lang="ru">
-                <a:solidFill>
-                  <a:srgbClr val="434343"/>
-                </a:solidFill>
-              </a:rPr>
-              <a:t>SHA256(</a:t>
-            </a:r>
-          </a:p>
-          <a:p>
-            <a:pPr rtl="0">
-              <a:spcBef>
-                <a:spcPts val="0"/>
-              </a:spcBef>
-              <a:buNone/>
-            </a:pPr>
-            <a:r>
-              <a:rPr lang="ru">
-                <a:solidFill>
-                  <a:srgbClr val="434343"/>
-                </a:solidFill>
-              </a:rPr>
-              <a:t>   e-mail,</a:t>
-            </a:r>
-          </a:p>
-          <a:p>
-            <a:pPr rtl="0">
-              <a:spcBef>
-                <a:spcPts val="0"/>
-              </a:spcBef>
-              <a:buNone/>
-            </a:pPr>
-            <a:r>
-              <a:rPr lang="ru">
-                <a:solidFill>
-                  <a:srgbClr val="434343"/>
-                </a:solidFill>
-              </a:rPr>
-              <a:t>   password</a:t>
-            </a:r>
-          </a:p>
-          <a:p>
-            <a:pPr>
-              <a:spcBef>
-                <a:spcPts val="0"/>
-              </a:spcBef>
-              <a:buNone/>
-            </a:pPr>
-            <a:r>
-              <a:rPr lang="ru">
-                <a:solidFill>
-                  <a:srgbClr val="434343"/>
-                </a:solidFill>
-              </a:rPr>
-              <a:t>)</a:t>
-            </a:r>
-          </a:p>
-        </p:txBody>
-      </p:sp>
-      <p:sp>
-        <p:nvSpPr>
-          <p:cNvPr id="185" name="Shape 185"/>
-          <p:cNvSpPr/>
-          <p:nvPr/>
-        </p:nvSpPr>
-        <p:spPr>
-          <a:xfrm>
-            <a:off x="4511412" y="1498025"/>
-            <a:ext cx="4069800" cy="4909800"/>
-          </a:xfrm>
-          <a:prstGeom prst="rect">
-            <a:avLst/>
-          </a:prstGeom>
-          <a:noFill/>
-          <a:ln w="19050" cap="flat" cmpd="sng">
-            <a:solidFill>
-              <a:srgbClr val="E69138"/>
-            </a:solidFill>
-            <a:prstDash val="solid"/>
-            <a:round/>
-            <a:headEnd type="none" w="med" len="med"/>
-            <a:tailEnd type="none" w="med" len="med"/>
-          </a:ln>
-        </p:spPr>
-        <p:txBody>
-          <a:bodyPr lIns="91425" tIns="91425" rIns="91425" bIns="91425" anchor="b" anchorCtr="0">
-            <a:noAutofit/>
-          </a:bodyPr>
-          <a:lstStyle/>
-          <a:p>
-            <a:pPr lvl="0" rtl="0">
-              <a:spcBef>
-                <a:spcPts val="0"/>
-              </a:spcBef>
-              <a:buNone/>
-            </a:pPr>
-            <a:r>
-              <a:rPr lang="ru">
-                <a:solidFill>
-                  <a:srgbClr val="E69138"/>
-                </a:solidFill>
-              </a:rPr>
-              <a:t>Coordinate (backend)</a:t>
-            </a:r>
-          </a:p>
-        </p:txBody>
-      </p:sp>
-      <p:pic>
-        <p:nvPicPr>
-          <p:cNvPr id="186" name="Shape 186"/>
-          <p:cNvPicPr preferRelativeResize="0"/>
-          <p:nvPr/>
-        </p:nvPicPr>
-        <p:blipFill>
-          <a:blip r:embed="rId3">
-            <a:alphaModFix/>
-          </a:blip>
-          <a:stretch>
-            <a:fillRect/>
-          </a:stretch>
-        </p:blipFill>
-        <p:spPr>
-          <a:xfrm>
-            <a:off x="4608720" y="1931225"/>
-            <a:ext cx="3875167" cy="3705399"/>
-          </a:xfrm>
-          <a:prstGeom prst="rect">
-            <a:avLst/>
-          </a:prstGeom>
-          <a:noFill/>
-          <a:ln>
-            <a:noFill/>
-          </a:ln>
-        </p:spPr>
-      </p:pic>
-      <p:sp>
-        <p:nvSpPr>
-          <p:cNvPr id="187" name="Shape 187"/>
-          <p:cNvSpPr/>
-          <p:nvPr/>
-        </p:nvSpPr>
-        <p:spPr>
-          <a:xfrm>
-            <a:off x="744675" y="2030525"/>
-            <a:ext cx="1740600" cy="675299"/>
-          </a:xfrm>
-          <a:prstGeom prst="parallelogram">
-            <a:avLst>
-              <a:gd name="adj" fmla="val 25000"/>
-            </a:avLst>
-          </a:prstGeom>
-          <a:solidFill>
-            <a:schemeClr val="lt2"/>
-          </a:solidFill>
-          <a:ln w="19050" cap="flat" cmpd="sng">
-            <a:solidFill>
-              <a:schemeClr val="dk2"/>
-            </a:solidFill>
-            <a:prstDash val="solid"/>
-            <a:round/>
-            <a:headEnd type="none" w="med" len="med"/>
-            <a:tailEnd type="none" w="med" len="med"/>
-          </a:ln>
-        </p:spPr>
-        <p:txBody>
-          <a:bodyPr lIns="91425" tIns="91425" rIns="91425" bIns="91425" anchor="ctr" anchorCtr="0">
-            <a:noAutofit/>
-          </a:bodyPr>
-          <a:lstStyle/>
-          <a:p>
-            <a:pPr algn="ctr" rtl="0">
-              <a:spcBef>
-                <a:spcPts val="0"/>
-              </a:spcBef>
-              <a:buNone/>
-            </a:pPr>
-            <a:r>
-              <a:rPr lang="ru">
-                <a:solidFill>
-                  <a:srgbClr val="434343"/>
-                </a:solidFill>
-              </a:rPr>
-              <a:t>e-mail</a:t>
-            </a:r>
-          </a:p>
-          <a:p>
-            <a:pPr algn="ctr" rtl="0">
-              <a:spcBef>
-                <a:spcPts val="0"/>
-              </a:spcBef>
-              <a:buNone/>
-            </a:pPr>
-            <a:r>
-              <a:rPr lang="ru">
-                <a:solidFill>
-                  <a:srgbClr val="434343"/>
-                </a:solidFill>
-              </a:rPr>
-              <a:t>password</a:t>
-            </a:r>
-          </a:p>
-          <a:p>
-            <a:pPr algn="ctr">
-              <a:spcBef>
-                <a:spcPts val="0"/>
-              </a:spcBef>
-              <a:buNone/>
-            </a:pPr>
-            <a:r>
-              <a:rPr lang="ru">
-                <a:solidFill>
-                  <a:srgbClr val="434343"/>
-                </a:solidFill>
-              </a:rPr>
-              <a:t>UUID</a:t>
-            </a:r>
-          </a:p>
-        </p:txBody>
-      </p:sp>
-      <p:sp>
-        <p:nvSpPr>
-          <p:cNvPr id="188" name="Shape 188"/>
-          <p:cNvSpPr/>
-          <p:nvPr/>
-        </p:nvSpPr>
-        <p:spPr>
-          <a:xfrm>
-            <a:off x="2644500" y="2749225"/>
-            <a:ext cx="2767500" cy="2069400"/>
-          </a:xfrm>
-          <a:prstGeom prst="rightArrow">
-            <a:avLst>
-              <a:gd name="adj1" fmla="val 50000"/>
-              <a:gd name="adj2" fmla="val 50000"/>
-            </a:avLst>
-          </a:prstGeom>
-          <a:solidFill>
-            <a:schemeClr val="lt2"/>
-          </a:solidFill>
-          <a:ln w="19050" cap="flat" cmpd="sng">
-            <a:solidFill>
-              <a:schemeClr val="dk2"/>
-            </a:solidFill>
-            <a:prstDash val="solid"/>
-            <a:round/>
-            <a:headEnd type="none" w="med" len="med"/>
-            <a:tailEnd type="none" w="med" len="med"/>
-          </a:ln>
-        </p:spPr>
-        <p:txBody>
-          <a:bodyPr lIns="91425" tIns="91425" rIns="91425" bIns="91425" anchor="ctr" anchorCtr="0">
-            <a:noAutofit/>
-          </a:bodyPr>
-          <a:lstStyle/>
-          <a:p>
-            <a:pPr rtl="0">
-              <a:spcBef>
-                <a:spcPts val="0"/>
-              </a:spcBef>
-              <a:buNone/>
-            </a:pPr>
-            <a:r>
-              <a:rPr lang="ru">
-                <a:solidFill>
-                  <a:srgbClr val="434343"/>
-                </a:solidFill>
-              </a:rPr>
-              <a:t>{</a:t>
-            </a:r>
-          </a:p>
-          <a:p>
-            <a:pPr marL="0" indent="0" rtl="0">
-              <a:spcBef>
-                <a:spcPts val="0"/>
-              </a:spcBef>
-              <a:buNone/>
-            </a:pPr>
-            <a:r>
-              <a:rPr lang="ru">
-                <a:solidFill>
-                  <a:srgbClr val="434343"/>
-                </a:solidFill>
-              </a:rPr>
-              <a:t>    logdata:hash_value,</a:t>
-            </a:r>
-          </a:p>
-          <a:p>
-            <a:pPr marL="0" indent="0" rtl="0">
-              <a:spcBef>
-                <a:spcPts val="0"/>
-              </a:spcBef>
-              <a:buNone/>
-            </a:pPr>
-            <a:r>
-              <a:rPr lang="ru">
-                <a:solidFill>
-                  <a:srgbClr val="434343"/>
-                </a:solidFill>
-              </a:rPr>
-              <a:t>    uuid: UUID</a:t>
-            </a:r>
-          </a:p>
-          <a:p>
-            <a:pPr marL="0" indent="0" rtl="0">
-              <a:spcBef>
-                <a:spcPts val="0"/>
-              </a:spcBef>
-              <a:buNone/>
-            </a:pPr>
-            <a:r>
-              <a:rPr lang="ru">
-                <a:solidFill>
-                  <a:srgbClr val="434343"/>
-                </a:solidFill>
-              </a:rPr>
-              <a:t>}</a:t>
-            </a:r>
-          </a:p>
-          <a:p>
-            <a:pPr>
-              <a:spcBef>
-                <a:spcPts val="0"/>
-              </a:spcBef>
-              <a:buNone/>
-            </a:pPr>
-            <a:endParaRPr/>
-          </a:p>
-        </p:txBody>
-      </p:sp>
-      <p:cxnSp>
-        <p:nvCxnSpPr>
-          <p:cNvPr id="189" name="Shape 189"/>
-          <p:cNvCxnSpPr>
-            <a:stCxn id="187" idx="3"/>
-            <a:endCxn id="184" idx="0"/>
-          </p:cNvCxnSpPr>
-          <p:nvPr/>
-        </p:nvCxnSpPr>
-        <p:spPr>
-          <a:xfrm>
-            <a:off x="1530562" y="2705824"/>
-            <a:ext cx="6600" cy="316200"/>
-          </a:xfrm>
-          <a:prstGeom prst="straightConnector1">
-            <a:avLst/>
-          </a:prstGeom>
-          <a:noFill/>
-          <a:ln w="19050" cap="flat" cmpd="sng">
-            <a:solidFill>
-              <a:schemeClr val="dk2"/>
-            </a:solidFill>
-            <a:prstDash val="solid"/>
-            <a:round/>
-            <a:headEnd type="none" w="lg" len="lg"/>
-            <a:tailEnd type="triangle" w="lg" len="lg"/>
-          </a:ln>
-        </p:spPr>
-      </p:cxnSp>
-      <p:cxnSp>
-        <p:nvCxnSpPr>
-          <p:cNvPr id="190" name="Shape 190"/>
-          <p:cNvCxnSpPr>
-            <a:stCxn id="184" idx="6"/>
-            <a:endCxn id="188" idx="1"/>
-          </p:cNvCxnSpPr>
-          <p:nvPr/>
-        </p:nvCxnSpPr>
-        <p:spPr>
-          <a:xfrm>
-            <a:off x="2407350" y="3783925"/>
-            <a:ext cx="237000" cy="0"/>
-          </a:xfrm>
-          <a:prstGeom prst="straightConnector1">
-            <a:avLst/>
-          </a:prstGeom>
-          <a:noFill/>
-          <a:ln w="19050" cap="flat" cmpd="sng">
-            <a:solidFill>
-              <a:schemeClr val="dk2"/>
-            </a:solidFill>
-            <a:prstDash val="solid"/>
-            <a:round/>
-            <a:headEnd type="none" w="lg" len="lg"/>
-            <a:tailEnd type="triangle" w="lg" len="lg"/>
-          </a:ln>
-        </p:spPr>
-      </p:cxnSp>
-    </p:spTree>
-  </p:cSld>
-  <p:clrMapOvr>
-    <a:masterClrMapping/>
-  </p:clrMapOvr>
-  <p:transition spd="slow">
-    <p:cut/>
-  </p:transition>
-  <p:timing>
-    <p:tnLst>
-      <p:par>
-        <p:cTn id="1" dur="indefinite" restart="never" nodeType="tmRoot"/>
-      </p:par>
-    </p:tnLst>
-  </p:timing>
-</p:sld>
-</file>
-
 <file path=ppt/theme/theme1.xml><?xml version="1.0" encoding="utf-8"?>
 <a:theme xmlns:a="http://schemas.openxmlformats.org/drawingml/2006/main" name="spotlight">
   <a:themeElements>

--- a/Презентация.pptx
+++ b/Презентация.pptx
@@ -5,22 +5,24 @@
     <p:sldMasterId id="2147483654" r:id="rId1"/>
   </p:sldMasterIdLst>
   <p:notesMasterIdLst>
-    <p:notesMasterId r:id="rId15"/>
+    <p:notesMasterId r:id="rId17"/>
   </p:notesMasterIdLst>
   <p:sldIdLst>
     <p:sldId id="256" r:id="rId2"/>
     <p:sldId id="257" r:id="rId3"/>
     <p:sldId id="271" r:id="rId4"/>
-    <p:sldId id="260" r:id="rId5"/>
-    <p:sldId id="274" r:id="rId6"/>
-    <p:sldId id="275" r:id="rId7"/>
+    <p:sldId id="259" r:id="rId5"/>
+    <p:sldId id="260" r:id="rId6"/>
+    <p:sldId id="279" r:id="rId7"/>
     <p:sldId id="276" r:id="rId8"/>
-    <p:sldId id="258" r:id="rId9"/>
-    <p:sldId id="259" r:id="rId10"/>
-    <p:sldId id="262" r:id="rId11"/>
-    <p:sldId id="265" r:id="rId12"/>
-    <p:sldId id="269" r:id="rId13"/>
-    <p:sldId id="270" r:id="rId14"/>
+    <p:sldId id="274" r:id="rId9"/>
+    <p:sldId id="280" r:id="rId10"/>
+    <p:sldId id="275" r:id="rId11"/>
+    <p:sldId id="262" r:id="rId12"/>
+    <p:sldId id="258" r:id="rId13"/>
+    <p:sldId id="265" r:id="rId14"/>
+    <p:sldId id="269" r:id="rId15"/>
+    <p:sldId id="270" r:id="rId16"/>
   </p:sldIdLst>
   <p:sldSz cx="9144000" cy="6858000" type="screen4x3"/>
   <p:notesSz cx="6858000" cy="9144000"/>
@@ -621,6 +623,122 @@
 </p:notes>
 </file>
 
+<file path=ppt/notesSlides/notesSlide10.xml><?xml version="1.0" encoding="utf-8"?>
+<p:notes xmlns:a="http://schemas.openxmlformats.org/drawingml/2006/main" xmlns:r="http://schemas.openxmlformats.org/officeDocument/2006/relationships" xmlns:p="http://schemas.openxmlformats.org/presentationml/2006/main" showMasterSp="0" showMasterPhAnim="0">
+  <p:cSld>
+    <p:spTree>
+      <p:nvGrpSpPr>
+        <p:cNvPr id="1" name="Shape 238"/>
+        <p:cNvGrpSpPr/>
+        <p:nvPr/>
+      </p:nvGrpSpPr>
+      <p:grpSpPr>
+        <a:xfrm>
+          <a:off x="0" y="0"/>
+          <a:ext cx="0" cy="0"/>
+          <a:chOff x="0" y="0"/>
+          <a:chExt cx="0" cy="0"/>
+        </a:xfrm>
+      </p:grpSpPr>
+      <p:sp>
+        <p:nvSpPr>
+          <p:cNvPr id="239" name="Shape 239"/>
+          <p:cNvSpPr>
+            <a:spLocks noGrp="1" noRot="1" noChangeAspect="1"/>
+          </p:cNvSpPr>
+          <p:nvPr>
+            <p:ph type="sldImg" idx="2"/>
+          </p:nvPr>
+        </p:nvSpPr>
+        <p:spPr>
+          <a:xfrm>
+            <a:off x="1143000" y="685800"/>
+            <a:ext cx="4572000" cy="3429000"/>
+          </a:xfrm>
+          <a:custGeom>
+            <a:avLst/>
+            <a:gdLst/>
+            <a:ahLst/>
+            <a:cxnLst/>
+            <a:rect l="0" t="0" r="0" b="0"/>
+            <a:pathLst>
+              <a:path w="120000" h="120000" extrusionOk="0">
+                <a:moveTo>
+                  <a:pt x="0" y="0"/>
+                </a:moveTo>
+                <a:lnTo>
+                  <a:pt x="120000" y="0"/>
+                </a:lnTo>
+                <a:lnTo>
+                  <a:pt x="120000" y="120000"/>
+                </a:lnTo>
+                <a:lnTo>
+                  <a:pt x="0" y="120000"/>
+                </a:lnTo>
+                <a:close/>
+              </a:path>
+            </a:pathLst>
+          </a:custGeom>
+          <a:noFill/>
+          <a:ln w="9525" cap="flat" cmpd="sng">
+            <a:solidFill>
+              <a:srgbClr val="000000"/>
+            </a:solidFill>
+            <a:prstDash val="solid"/>
+            <a:round/>
+            <a:headEnd type="none" w="med" len="med"/>
+            <a:tailEnd type="none" w="med" len="med"/>
+          </a:ln>
+        </p:spPr>
+      </p:sp>
+      <p:sp>
+        <p:nvSpPr>
+          <p:cNvPr id="240" name="Shape 240"/>
+          <p:cNvSpPr txBox="1">
+            <a:spLocks noGrp="1"/>
+          </p:cNvSpPr>
+          <p:nvPr>
+            <p:ph type="body" idx="1"/>
+          </p:nvPr>
+        </p:nvSpPr>
+        <p:spPr>
+          <a:xfrm>
+            <a:off x="685800" y="4343400"/>
+            <a:ext cx="5486399" cy="4114800"/>
+          </a:xfrm>
+          <a:prstGeom prst="rect">
+            <a:avLst/>
+          </a:prstGeom>
+        </p:spPr>
+        <p:txBody>
+          <a:bodyPr lIns="91425" tIns="91425" rIns="91425" bIns="91425" anchor="t" anchorCtr="0">
+            <a:noAutofit/>
+          </a:bodyPr>
+          <a:lstStyle/>
+          <a:p>
+            <a:pPr>
+              <a:spcBef>
+                <a:spcPts val="0"/>
+              </a:spcBef>
+              <a:buNone/>
+            </a:pPr>
+            <a:endParaRPr/>
+          </a:p>
+        </p:txBody>
+      </p:sp>
+    </p:spTree>
+    <p:extLst>
+      <p:ext uri="{BB962C8B-B14F-4D97-AF65-F5344CB8AC3E}">
+        <p14:creationId xmlns:p14="http://schemas.microsoft.com/office/powerpoint/2010/main" val="2873920213"/>
+      </p:ext>
+    </p:extLst>
+  </p:cSld>
+  <p:clrMapOvr>
+    <a:masterClrMapping/>
+  </p:clrMapOvr>
+</p:notes>
+</file>
+
 <file path=ppt/notesSlides/notesSlide2.xml><?xml version="1.0" encoding="utf-8"?>
 <p:notes xmlns:a="http://schemas.openxmlformats.org/drawingml/2006/main" xmlns:r="http://schemas.openxmlformats.org/officeDocument/2006/relationships" xmlns:p="http://schemas.openxmlformats.org/presentationml/2006/main" showMasterSp="0" showMasterPhAnim="0">
   <p:cSld>
@@ -742,6 +860,122 @@
   <p:cSld>
     <p:spTree>
       <p:nvGrpSpPr>
+        <p:cNvPr id="1" name="Shape 136"/>
+        <p:cNvGrpSpPr/>
+        <p:nvPr/>
+      </p:nvGrpSpPr>
+      <p:grpSpPr>
+        <a:xfrm>
+          <a:off x="0" y="0"/>
+          <a:ext cx="0" cy="0"/>
+          <a:chOff x="0" y="0"/>
+          <a:chExt cx="0" cy="0"/>
+        </a:xfrm>
+      </p:grpSpPr>
+      <p:sp>
+        <p:nvSpPr>
+          <p:cNvPr id="137" name="Shape 137"/>
+          <p:cNvSpPr>
+            <a:spLocks noGrp="1" noRot="1" noChangeAspect="1"/>
+          </p:cNvSpPr>
+          <p:nvPr>
+            <p:ph type="sldImg" idx="2"/>
+          </p:nvPr>
+        </p:nvSpPr>
+        <p:spPr>
+          <a:xfrm>
+            <a:off x="1143000" y="685800"/>
+            <a:ext cx="4572000" cy="3429000"/>
+          </a:xfrm>
+          <a:custGeom>
+            <a:avLst/>
+            <a:gdLst/>
+            <a:ahLst/>
+            <a:cxnLst/>
+            <a:rect l="0" t="0" r="0" b="0"/>
+            <a:pathLst>
+              <a:path w="120000" h="120000" extrusionOk="0">
+                <a:moveTo>
+                  <a:pt x="0" y="0"/>
+                </a:moveTo>
+                <a:lnTo>
+                  <a:pt x="120000" y="0"/>
+                </a:lnTo>
+                <a:lnTo>
+                  <a:pt x="120000" y="120000"/>
+                </a:lnTo>
+                <a:lnTo>
+                  <a:pt x="0" y="120000"/>
+                </a:lnTo>
+                <a:close/>
+              </a:path>
+            </a:pathLst>
+          </a:custGeom>
+          <a:noFill/>
+          <a:ln w="9525" cap="flat" cmpd="sng">
+            <a:solidFill>
+              <a:srgbClr val="000000"/>
+            </a:solidFill>
+            <a:prstDash val="solid"/>
+            <a:round/>
+            <a:headEnd type="none" w="med" len="med"/>
+            <a:tailEnd type="none" w="med" len="med"/>
+          </a:ln>
+        </p:spPr>
+      </p:sp>
+      <p:sp>
+        <p:nvSpPr>
+          <p:cNvPr id="138" name="Shape 138"/>
+          <p:cNvSpPr txBox="1">
+            <a:spLocks noGrp="1"/>
+          </p:cNvSpPr>
+          <p:nvPr>
+            <p:ph type="body" idx="1"/>
+          </p:nvPr>
+        </p:nvSpPr>
+        <p:spPr>
+          <a:xfrm>
+            <a:off x="685800" y="4343400"/>
+            <a:ext cx="5486399" cy="4114800"/>
+          </a:xfrm>
+          <a:prstGeom prst="rect">
+            <a:avLst/>
+          </a:prstGeom>
+        </p:spPr>
+        <p:txBody>
+          <a:bodyPr lIns="91425" tIns="91425" rIns="91425" bIns="91425" anchor="t" anchorCtr="0">
+            <a:noAutofit/>
+          </a:bodyPr>
+          <a:lstStyle/>
+          <a:p>
+            <a:pPr>
+              <a:spcBef>
+                <a:spcPts val="0"/>
+              </a:spcBef>
+              <a:buNone/>
+            </a:pPr>
+            <a:endParaRPr/>
+          </a:p>
+        </p:txBody>
+      </p:sp>
+    </p:spTree>
+    <p:extLst>
+      <p:ext uri="{BB962C8B-B14F-4D97-AF65-F5344CB8AC3E}">
+        <p14:creationId xmlns:p14="http://schemas.microsoft.com/office/powerpoint/2010/main" val="2116175016"/>
+      </p:ext>
+    </p:extLst>
+  </p:cSld>
+  <p:clrMapOvr>
+    <a:masterClrMapping/>
+  </p:clrMapOvr>
+</p:notes>
+</file>
+
+<file path=ppt/notesSlides/notesSlide4.xml><?xml version="1.0" encoding="utf-8"?>
+<p:notes xmlns:a="http://schemas.openxmlformats.org/drawingml/2006/main" xmlns:r="http://schemas.openxmlformats.org/officeDocument/2006/relationships" xmlns:p="http://schemas.openxmlformats.org/presentationml/2006/main" showMasterSp="0" showMasterPhAnim="0">
+  <p:cSld>
+    <p:spTree>
+      <p:nvGrpSpPr>
         <p:cNvPr id="1" name="Shape 155"/>
         <p:cNvGrpSpPr/>
         <p:nvPr/>
@@ -853,12 +1087,12 @@
 </p:notes>
 </file>
 
-<file path=ppt/notesSlides/notesSlide4.xml><?xml version="1.0" encoding="utf-8"?>
+<file path=ppt/notesSlides/notesSlide5.xml><?xml version="1.0" encoding="utf-8"?>
 <p:notes xmlns:a="http://schemas.openxmlformats.org/drawingml/2006/main" xmlns:r="http://schemas.openxmlformats.org/officeDocument/2006/relationships" xmlns:p="http://schemas.openxmlformats.org/presentationml/2006/main" showMasterSp="0" showMasterPhAnim="0">
   <p:cSld>
     <p:spTree>
       <p:nvGrpSpPr>
-        <p:cNvPr id="1" name="Shape 101"/>
+        <p:cNvPr id="1" name="Shape 155"/>
         <p:cNvGrpSpPr/>
         <p:nvPr/>
       </p:nvGrpSpPr>
@@ -872,7 +1106,7 @@
       </p:grpSpPr>
       <p:sp>
         <p:nvSpPr>
-          <p:cNvPr id="102" name="Shape 102"/>
+          <p:cNvPr id="156" name="Shape 156"/>
           <p:cNvSpPr>
             <a:spLocks noGrp="1" noRot="1" noChangeAspect="1"/>
           </p:cNvSpPr>
@@ -923,7 +1157,7 @@
       </p:sp>
       <p:sp>
         <p:nvSpPr>
-          <p:cNvPr id="103" name="Shape 103"/>
+          <p:cNvPr id="157" name="Shape 157"/>
           <p:cNvSpPr txBox="1">
             <a:spLocks noGrp="1"/>
           </p:cNvSpPr>
@@ -959,123 +1193,7 @@
     </p:spTree>
     <p:extLst>
       <p:ext uri="{BB962C8B-B14F-4D97-AF65-F5344CB8AC3E}">
-        <p14:creationId xmlns:p14="http://schemas.microsoft.com/office/powerpoint/2010/main" val="1419160547"/>
-      </p:ext>
-    </p:extLst>
-  </p:cSld>
-  <p:clrMapOvr>
-    <a:masterClrMapping/>
-  </p:clrMapOvr>
-</p:notes>
-</file>
-
-<file path=ppt/notesSlides/notesSlide5.xml><?xml version="1.0" encoding="utf-8"?>
-<p:notes xmlns:a="http://schemas.openxmlformats.org/drawingml/2006/main" xmlns:r="http://schemas.openxmlformats.org/officeDocument/2006/relationships" xmlns:p="http://schemas.openxmlformats.org/presentationml/2006/main" showMasterSp="0" showMasterPhAnim="0">
-  <p:cSld>
-    <p:spTree>
-      <p:nvGrpSpPr>
-        <p:cNvPr id="1" name="Shape 136"/>
-        <p:cNvGrpSpPr/>
-        <p:nvPr/>
-      </p:nvGrpSpPr>
-      <p:grpSpPr>
-        <a:xfrm>
-          <a:off x="0" y="0"/>
-          <a:ext cx="0" cy="0"/>
-          <a:chOff x="0" y="0"/>
-          <a:chExt cx="0" cy="0"/>
-        </a:xfrm>
-      </p:grpSpPr>
-      <p:sp>
-        <p:nvSpPr>
-          <p:cNvPr id="137" name="Shape 137"/>
-          <p:cNvSpPr>
-            <a:spLocks noGrp="1" noRot="1" noChangeAspect="1"/>
-          </p:cNvSpPr>
-          <p:nvPr>
-            <p:ph type="sldImg" idx="2"/>
-          </p:nvPr>
-        </p:nvSpPr>
-        <p:spPr>
-          <a:xfrm>
-            <a:off x="1143000" y="685800"/>
-            <a:ext cx="4572000" cy="3429000"/>
-          </a:xfrm>
-          <a:custGeom>
-            <a:avLst/>
-            <a:gdLst/>
-            <a:ahLst/>
-            <a:cxnLst/>
-            <a:rect l="0" t="0" r="0" b="0"/>
-            <a:pathLst>
-              <a:path w="120000" h="120000" extrusionOk="0">
-                <a:moveTo>
-                  <a:pt x="0" y="0"/>
-                </a:moveTo>
-                <a:lnTo>
-                  <a:pt x="120000" y="0"/>
-                </a:lnTo>
-                <a:lnTo>
-                  <a:pt x="120000" y="120000"/>
-                </a:lnTo>
-                <a:lnTo>
-                  <a:pt x="0" y="120000"/>
-                </a:lnTo>
-                <a:close/>
-              </a:path>
-            </a:pathLst>
-          </a:custGeom>
-          <a:noFill/>
-          <a:ln w="9525" cap="flat" cmpd="sng">
-            <a:solidFill>
-              <a:srgbClr val="000000"/>
-            </a:solidFill>
-            <a:prstDash val="solid"/>
-            <a:round/>
-            <a:headEnd type="none" w="med" len="med"/>
-            <a:tailEnd type="none" w="med" len="med"/>
-          </a:ln>
-        </p:spPr>
-      </p:sp>
-      <p:sp>
-        <p:nvSpPr>
-          <p:cNvPr id="138" name="Shape 138"/>
-          <p:cNvSpPr txBox="1">
-            <a:spLocks noGrp="1"/>
-          </p:cNvSpPr>
-          <p:nvPr>
-            <p:ph type="body" idx="1"/>
-          </p:nvPr>
-        </p:nvSpPr>
-        <p:spPr>
-          <a:xfrm>
-            <a:off x="685800" y="4343400"/>
-            <a:ext cx="5486399" cy="4114800"/>
-          </a:xfrm>
-          <a:prstGeom prst="rect">
-            <a:avLst/>
-          </a:prstGeom>
-        </p:spPr>
-        <p:txBody>
-          <a:bodyPr lIns="91425" tIns="91425" rIns="91425" bIns="91425" anchor="t" anchorCtr="0">
-            <a:noAutofit/>
-          </a:bodyPr>
-          <a:lstStyle/>
-          <a:p>
-            <a:pPr>
-              <a:spcBef>
-                <a:spcPts val="0"/>
-              </a:spcBef>
-              <a:buNone/>
-            </a:pPr>
-            <a:endParaRPr/>
-          </a:p>
-        </p:txBody>
-      </p:sp>
-    </p:spTree>
-    <p:extLst>
-      <p:ext uri="{BB962C8B-B14F-4D97-AF65-F5344CB8AC3E}">
-        <p14:creationId xmlns:p14="http://schemas.microsoft.com/office/powerpoint/2010/main" val="2116175016"/>
+        <p14:creationId xmlns:p14="http://schemas.microsoft.com/office/powerpoint/2010/main" val="877808179"/>
       </p:ext>
     </p:extLst>
   </p:cSld>
@@ -1206,6 +1324,122 @@
   <p:cSld>
     <p:spTree>
       <p:nvGrpSpPr>
+        <p:cNvPr id="1" name="Shape 101"/>
+        <p:cNvGrpSpPr/>
+        <p:nvPr/>
+      </p:nvGrpSpPr>
+      <p:grpSpPr>
+        <a:xfrm>
+          <a:off x="0" y="0"/>
+          <a:ext cx="0" cy="0"/>
+          <a:chOff x="0" y="0"/>
+          <a:chExt cx="0" cy="0"/>
+        </a:xfrm>
+      </p:grpSpPr>
+      <p:sp>
+        <p:nvSpPr>
+          <p:cNvPr id="102" name="Shape 102"/>
+          <p:cNvSpPr>
+            <a:spLocks noGrp="1" noRot="1" noChangeAspect="1"/>
+          </p:cNvSpPr>
+          <p:nvPr>
+            <p:ph type="sldImg" idx="2"/>
+          </p:nvPr>
+        </p:nvSpPr>
+        <p:spPr>
+          <a:xfrm>
+            <a:off x="1143000" y="685800"/>
+            <a:ext cx="4572000" cy="3429000"/>
+          </a:xfrm>
+          <a:custGeom>
+            <a:avLst/>
+            <a:gdLst/>
+            <a:ahLst/>
+            <a:cxnLst/>
+            <a:rect l="0" t="0" r="0" b="0"/>
+            <a:pathLst>
+              <a:path w="120000" h="120000" extrusionOk="0">
+                <a:moveTo>
+                  <a:pt x="0" y="0"/>
+                </a:moveTo>
+                <a:lnTo>
+                  <a:pt x="120000" y="0"/>
+                </a:lnTo>
+                <a:lnTo>
+                  <a:pt x="120000" y="120000"/>
+                </a:lnTo>
+                <a:lnTo>
+                  <a:pt x="0" y="120000"/>
+                </a:lnTo>
+                <a:close/>
+              </a:path>
+            </a:pathLst>
+          </a:custGeom>
+          <a:noFill/>
+          <a:ln w="9525" cap="flat" cmpd="sng">
+            <a:solidFill>
+              <a:srgbClr val="000000"/>
+            </a:solidFill>
+            <a:prstDash val="solid"/>
+            <a:round/>
+            <a:headEnd type="none" w="med" len="med"/>
+            <a:tailEnd type="none" w="med" len="med"/>
+          </a:ln>
+        </p:spPr>
+      </p:sp>
+      <p:sp>
+        <p:nvSpPr>
+          <p:cNvPr id="103" name="Shape 103"/>
+          <p:cNvSpPr txBox="1">
+            <a:spLocks noGrp="1"/>
+          </p:cNvSpPr>
+          <p:nvPr>
+            <p:ph type="body" idx="1"/>
+          </p:nvPr>
+        </p:nvSpPr>
+        <p:spPr>
+          <a:xfrm>
+            <a:off x="685800" y="4343400"/>
+            <a:ext cx="5486399" cy="4114800"/>
+          </a:xfrm>
+          <a:prstGeom prst="rect">
+            <a:avLst/>
+          </a:prstGeom>
+        </p:spPr>
+        <p:txBody>
+          <a:bodyPr lIns="91425" tIns="91425" rIns="91425" bIns="91425" anchor="t" anchorCtr="0">
+            <a:noAutofit/>
+          </a:bodyPr>
+          <a:lstStyle/>
+          <a:p>
+            <a:pPr>
+              <a:spcBef>
+                <a:spcPts val="0"/>
+              </a:spcBef>
+              <a:buNone/>
+            </a:pPr>
+            <a:endParaRPr/>
+          </a:p>
+        </p:txBody>
+      </p:sp>
+    </p:spTree>
+    <p:extLst>
+      <p:ext uri="{BB962C8B-B14F-4D97-AF65-F5344CB8AC3E}">
+        <p14:creationId xmlns:p14="http://schemas.microsoft.com/office/powerpoint/2010/main" val="1419160547"/>
+      </p:ext>
+    </p:extLst>
+  </p:cSld>
+  <p:clrMapOvr>
+    <a:masterClrMapping/>
+  </p:clrMapOvr>
+</p:notes>
+</file>
+
+<file path=ppt/notesSlides/notesSlide8.xml><?xml version="1.0" encoding="utf-8"?>
+<p:notes xmlns:a="http://schemas.openxmlformats.org/drawingml/2006/main" xmlns:r="http://schemas.openxmlformats.org/officeDocument/2006/relationships" xmlns:p="http://schemas.openxmlformats.org/presentationml/2006/main" showMasterSp="0" showMasterPhAnim="0">
+  <p:cSld>
+    <p:spTree>
+      <p:nvGrpSpPr>
         <p:cNvPr id="1" name="Shape 200"/>
         <p:cNvGrpSpPr/>
         <p:nvPr/>
@@ -1317,7 +1551,7 @@
 </p:notes>
 </file>
 
-<file path=ppt/notesSlides/notesSlide8.xml><?xml version="1.0" encoding="utf-8"?>
+<file path=ppt/notesSlides/notesSlide9.xml><?xml version="1.0" encoding="utf-8"?>
 <p:notes xmlns:a="http://schemas.openxmlformats.org/drawingml/2006/main" xmlns:r="http://schemas.openxmlformats.org/officeDocument/2006/relationships" xmlns:p="http://schemas.openxmlformats.org/presentationml/2006/main" showMasterSp="0" showMasterPhAnim="0">
   <p:cSld>
     <p:spTree>
@@ -1424,122 +1658,6 @@
     <p:extLst>
       <p:ext uri="{BB962C8B-B14F-4D97-AF65-F5344CB8AC3E}">
         <p14:creationId xmlns:p14="http://schemas.microsoft.com/office/powerpoint/2010/main" val="4188285711"/>
-      </p:ext>
-    </p:extLst>
-  </p:cSld>
-  <p:clrMapOvr>
-    <a:masterClrMapping/>
-  </p:clrMapOvr>
-</p:notes>
-</file>
-
-<file path=ppt/notesSlides/notesSlide9.xml><?xml version="1.0" encoding="utf-8"?>
-<p:notes xmlns:a="http://schemas.openxmlformats.org/drawingml/2006/main" xmlns:r="http://schemas.openxmlformats.org/officeDocument/2006/relationships" xmlns:p="http://schemas.openxmlformats.org/presentationml/2006/main" showMasterSp="0" showMasterPhAnim="0">
-  <p:cSld>
-    <p:spTree>
-      <p:nvGrpSpPr>
-        <p:cNvPr id="1" name="Shape 238"/>
-        <p:cNvGrpSpPr/>
-        <p:nvPr/>
-      </p:nvGrpSpPr>
-      <p:grpSpPr>
-        <a:xfrm>
-          <a:off x="0" y="0"/>
-          <a:ext cx="0" cy="0"/>
-          <a:chOff x="0" y="0"/>
-          <a:chExt cx="0" cy="0"/>
-        </a:xfrm>
-      </p:grpSpPr>
-      <p:sp>
-        <p:nvSpPr>
-          <p:cNvPr id="239" name="Shape 239"/>
-          <p:cNvSpPr>
-            <a:spLocks noGrp="1" noRot="1" noChangeAspect="1"/>
-          </p:cNvSpPr>
-          <p:nvPr>
-            <p:ph type="sldImg" idx="2"/>
-          </p:nvPr>
-        </p:nvSpPr>
-        <p:spPr>
-          <a:xfrm>
-            <a:off x="1143000" y="685800"/>
-            <a:ext cx="4572000" cy="3429000"/>
-          </a:xfrm>
-          <a:custGeom>
-            <a:avLst/>
-            <a:gdLst/>
-            <a:ahLst/>
-            <a:cxnLst/>
-            <a:rect l="0" t="0" r="0" b="0"/>
-            <a:pathLst>
-              <a:path w="120000" h="120000" extrusionOk="0">
-                <a:moveTo>
-                  <a:pt x="0" y="0"/>
-                </a:moveTo>
-                <a:lnTo>
-                  <a:pt x="120000" y="0"/>
-                </a:lnTo>
-                <a:lnTo>
-                  <a:pt x="120000" y="120000"/>
-                </a:lnTo>
-                <a:lnTo>
-                  <a:pt x="0" y="120000"/>
-                </a:lnTo>
-                <a:close/>
-              </a:path>
-            </a:pathLst>
-          </a:custGeom>
-          <a:noFill/>
-          <a:ln w="9525" cap="flat" cmpd="sng">
-            <a:solidFill>
-              <a:srgbClr val="000000"/>
-            </a:solidFill>
-            <a:prstDash val="solid"/>
-            <a:round/>
-            <a:headEnd type="none" w="med" len="med"/>
-            <a:tailEnd type="none" w="med" len="med"/>
-          </a:ln>
-        </p:spPr>
-      </p:sp>
-      <p:sp>
-        <p:nvSpPr>
-          <p:cNvPr id="240" name="Shape 240"/>
-          <p:cNvSpPr txBox="1">
-            <a:spLocks noGrp="1"/>
-          </p:cNvSpPr>
-          <p:nvPr>
-            <p:ph type="body" idx="1"/>
-          </p:nvPr>
-        </p:nvSpPr>
-        <p:spPr>
-          <a:xfrm>
-            <a:off x="685800" y="4343400"/>
-            <a:ext cx="5486399" cy="4114800"/>
-          </a:xfrm>
-          <a:prstGeom prst="rect">
-            <a:avLst/>
-          </a:prstGeom>
-        </p:spPr>
-        <p:txBody>
-          <a:bodyPr lIns="91425" tIns="91425" rIns="91425" bIns="91425" anchor="t" anchorCtr="0">
-            <a:noAutofit/>
-          </a:bodyPr>
-          <a:lstStyle/>
-          <a:p>
-            <a:pPr>
-              <a:spcBef>
-                <a:spcPts val="0"/>
-              </a:spcBef>
-              <a:buNone/>
-            </a:pPr>
-            <a:endParaRPr/>
-          </a:p>
-        </p:txBody>
-      </p:sp>
-    </p:spTree>
-    <p:extLst>
-      <p:ext uri="{BB962C8B-B14F-4D97-AF65-F5344CB8AC3E}">
-        <p14:creationId xmlns:p14="http://schemas.microsoft.com/office/powerpoint/2010/main" val="2873920213"/>
       </p:ext>
     </p:extLst>
   </p:cSld>
@@ -6206,6 +6324,340 @@
   <p:cSld>
     <p:spTree>
       <p:nvGrpSpPr>
+        <p:cNvPr id="1" name=""/>
+        <p:cNvGrpSpPr/>
+        <p:nvPr/>
+      </p:nvGrpSpPr>
+      <p:grpSpPr>
+        <a:xfrm>
+          <a:off x="0" y="0"/>
+          <a:ext cx="0" cy="0"/>
+          <a:chOff x="0" y="0"/>
+          <a:chExt cx="0" cy="0"/>
+        </a:xfrm>
+      </p:grpSpPr>
+      <p:sp>
+        <p:nvSpPr>
+          <p:cNvPr id="2" name="Заголовок 1"/>
+          <p:cNvSpPr>
+            <a:spLocks noGrp="1"/>
+          </p:cNvSpPr>
+          <p:nvPr>
+            <p:ph type="title"/>
+          </p:nvPr>
+        </p:nvSpPr>
+        <p:spPr/>
+        <p:txBody>
+          <a:bodyPr/>
+          <a:lstStyle/>
+          <a:p>
+            <a:r>
+              <a:rPr lang="ru-RU" dirty="0" smtClean="0"/>
+              <a:t>Анализ алгоритма фильтрации и предобработки </a:t>
+            </a:r>
+            <a:r>
+              <a:rPr lang="ru-RU" dirty="0" err="1" smtClean="0"/>
+              <a:t>геоданных</a:t>
+            </a:r>
+            <a:endParaRPr lang="ru-RU" dirty="0"/>
+          </a:p>
+        </p:txBody>
+      </p:sp>
+      <p:pic>
+        <p:nvPicPr>
+          <p:cNvPr id="3" name="Рисунок 2"/>
+          <p:cNvPicPr>
+            <a:picLocks noChangeAspect="1"/>
+          </p:cNvPicPr>
+          <p:nvPr/>
+        </p:nvPicPr>
+        <p:blipFill>
+          <a:blip r:embed="rId2">
+            <a:extLst>
+              <a:ext uri="{28A0092B-C50C-407E-A947-70E740481C1C}">
+                <a14:useLocalDpi xmlns:a14="http://schemas.microsoft.com/office/drawing/2010/main" val="0"/>
+              </a:ext>
+            </a:extLst>
+          </a:blip>
+          <a:stretch>
+            <a:fillRect/>
+          </a:stretch>
+        </p:blipFill>
+        <p:spPr>
+          <a:xfrm>
+            <a:off x="580559" y="1509014"/>
+            <a:ext cx="3466939" cy="2485229"/>
+          </a:xfrm>
+          <a:prstGeom prst="rect">
+            <a:avLst/>
+          </a:prstGeom>
+        </p:spPr>
+      </p:pic>
+      <p:pic>
+        <p:nvPicPr>
+          <p:cNvPr id="4" name="Рисунок 3"/>
+          <p:cNvPicPr>
+            <a:picLocks noChangeAspect="1"/>
+          </p:cNvPicPr>
+          <p:nvPr/>
+        </p:nvPicPr>
+        <p:blipFill>
+          <a:blip r:embed="rId3">
+            <a:extLst>
+              <a:ext uri="{28A0092B-C50C-407E-A947-70E740481C1C}">
+                <a14:useLocalDpi xmlns:a14="http://schemas.microsoft.com/office/drawing/2010/main" val="0"/>
+              </a:ext>
+            </a:extLst>
+          </a:blip>
+          <a:stretch>
+            <a:fillRect/>
+          </a:stretch>
+        </p:blipFill>
+        <p:spPr>
+          <a:xfrm>
+            <a:off x="4572000" y="1509013"/>
+            <a:ext cx="3466938" cy="2485229"/>
+          </a:xfrm>
+          <a:prstGeom prst="rect">
+            <a:avLst/>
+          </a:prstGeom>
+        </p:spPr>
+      </p:pic>
+      <p:pic>
+        <p:nvPicPr>
+          <p:cNvPr id="8" name="Рисунок 7"/>
+          <p:cNvPicPr>
+            <a:picLocks noChangeAspect="1"/>
+          </p:cNvPicPr>
+          <p:nvPr/>
+        </p:nvPicPr>
+        <p:blipFill>
+          <a:blip r:embed="rId4">
+            <a:extLst>
+              <a:ext uri="{28A0092B-C50C-407E-A947-70E740481C1C}">
+                <a14:useLocalDpi xmlns:a14="http://schemas.microsoft.com/office/drawing/2010/main" val="0"/>
+              </a:ext>
+            </a:extLst>
+          </a:blip>
+          <a:stretch>
+            <a:fillRect/>
+          </a:stretch>
+        </p:blipFill>
+        <p:spPr>
+          <a:xfrm>
+            <a:off x="580559" y="4201259"/>
+            <a:ext cx="3466938" cy="2485228"/>
+          </a:xfrm>
+          <a:prstGeom prst="rect">
+            <a:avLst/>
+          </a:prstGeom>
+        </p:spPr>
+      </p:pic>
+      <p:sp>
+        <p:nvSpPr>
+          <p:cNvPr id="5" name="TextBox 4"/>
+          <p:cNvSpPr txBox="1"/>
+          <p:nvPr/>
+        </p:nvSpPr>
+        <p:spPr>
+          <a:xfrm>
+            <a:off x="4572000" y="4344787"/>
+            <a:ext cx="4198374" cy="2585323"/>
+          </a:xfrm>
+          <a:prstGeom prst="rect">
+            <a:avLst/>
+          </a:prstGeom>
+          <a:noFill/>
+        </p:spPr>
+        <p:txBody>
+          <a:bodyPr wrap="square" rtlCol="0">
+            <a:spAutoFit/>
+          </a:bodyPr>
+          <a:lstStyle/>
+          <a:p>
+            <a:pPr>
+              <a:spcAft>
+                <a:spcPts val="1200"/>
+              </a:spcAft>
+            </a:pPr>
+            <a:r>
+              <a:rPr lang="ru-RU" dirty="0" smtClean="0">
+                <a:solidFill>
+                  <a:schemeClr val="bg1">
+                    <a:lumMod val="95000"/>
+                  </a:schemeClr>
+                </a:solidFill>
+              </a:rPr>
+              <a:t>Определяется </a:t>
+            </a:r>
+            <a:r>
+              <a:rPr lang="ru-RU" dirty="0">
+                <a:solidFill>
+                  <a:schemeClr val="bg1">
+                    <a:lumMod val="95000"/>
+                  </a:schemeClr>
+                </a:solidFill>
+              </a:rPr>
+              <a:t>д</a:t>
+            </a:r>
+            <a:r>
+              <a:rPr lang="ru-RU" dirty="0" smtClean="0">
+                <a:solidFill>
+                  <a:schemeClr val="bg1">
+                    <a:lumMod val="95000"/>
+                  </a:schemeClr>
+                </a:solidFill>
+              </a:rPr>
+              <a:t>опустимое отдаление (на основе параметра </a:t>
+            </a:r>
+            <a:r>
+              <a:rPr lang="en-US" dirty="0" smtClean="0">
+                <a:solidFill>
+                  <a:schemeClr val="bg1">
+                    <a:lumMod val="95000"/>
+                  </a:schemeClr>
+                </a:solidFill>
+              </a:rPr>
+              <a:t>accuracy)</a:t>
+            </a:r>
+            <a:endParaRPr lang="ru-RU" dirty="0" smtClean="0">
+              <a:solidFill>
+                <a:schemeClr val="bg1">
+                  <a:lumMod val="95000"/>
+                </a:schemeClr>
+              </a:solidFill>
+            </a:endParaRPr>
+          </a:p>
+          <a:p>
+            <a:pPr>
+              <a:spcAft>
+                <a:spcPts val="1200"/>
+              </a:spcAft>
+            </a:pPr>
+            <a:r>
+              <a:rPr lang="ru-RU" dirty="0" smtClean="0">
+                <a:solidFill>
+                  <a:schemeClr val="bg1">
+                    <a:lumMod val="95000"/>
+                  </a:schemeClr>
+                </a:solidFill>
+              </a:rPr>
+              <a:t>Выборка </a:t>
+            </a:r>
+            <a:r>
+              <a:rPr lang="ru-RU" dirty="0" err="1" smtClean="0">
+                <a:solidFill>
+                  <a:schemeClr val="bg1">
+                    <a:lumMod val="95000"/>
+                  </a:schemeClr>
+                </a:solidFill>
+              </a:rPr>
+              <a:t>геоданных</a:t>
+            </a:r>
+            <a:r>
+              <a:rPr lang="ru-RU" dirty="0" smtClean="0">
+                <a:solidFill>
+                  <a:schemeClr val="bg1">
+                    <a:lumMod val="95000"/>
+                  </a:schemeClr>
+                </a:solidFill>
+              </a:rPr>
+              <a:t> с ненулевой скоростью</a:t>
+            </a:r>
+          </a:p>
+          <a:p>
+            <a:pPr>
+              <a:spcAft>
+                <a:spcPts val="1200"/>
+              </a:spcAft>
+            </a:pPr>
+            <a:r>
+              <a:rPr lang="ru-RU" dirty="0" smtClean="0">
+                <a:solidFill>
+                  <a:schemeClr val="bg1">
+                    <a:lumMod val="95000"/>
+                  </a:schemeClr>
+                </a:solidFill>
+              </a:rPr>
+              <a:t>Вычисление геометрического центра полигона</a:t>
+            </a:r>
+          </a:p>
+          <a:p>
+            <a:r>
+              <a:rPr lang="ru-RU" sz="1200" i="1" dirty="0">
+                <a:solidFill>
+                  <a:schemeClr val="bg1">
+                    <a:lumMod val="95000"/>
+                  </a:schemeClr>
+                </a:solidFill>
+              </a:rPr>
+              <a:t>Использование пула координат позволило не только использовать  фильтрацию </a:t>
+            </a:r>
+            <a:r>
+              <a:rPr lang="ru-RU" sz="1200" i="1" dirty="0" err="1">
+                <a:solidFill>
+                  <a:schemeClr val="bg1">
+                    <a:lumMod val="95000"/>
+                  </a:schemeClr>
+                </a:solidFill>
+              </a:rPr>
+              <a:t>геоданных</a:t>
+            </a:r>
+            <a:r>
+              <a:rPr lang="ru-RU" sz="1200" i="1" dirty="0">
+                <a:solidFill>
+                  <a:schemeClr val="bg1">
+                    <a:lumMod val="95000"/>
+                  </a:schemeClr>
+                </a:solidFill>
+              </a:rPr>
+              <a:t>, перед отправкой на сервер, но и уменьшить количество соединений с сервером</a:t>
+            </a:r>
+          </a:p>
+          <a:p>
+            <a:endParaRPr lang="ru-RU" dirty="0"/>
+          </a:p>
+          <a:p>
+            <a:pPr>
+              <a:spcAft>
+                <a:spcPts val="1200"/>
+              </a:spcAft>
+            </a:pPr>
+            <a:endParaRPr lang="ru-RU" dirty="0" smtClean="0">
+              <a:solidFill>
+                <a:schemeClr val="bg1">
+                  <a:lumMod val="95000"/>
+                </a:schemeClr>
+              </a:solidFill>
+            </a:endParaRPr>
+          </a:p>
+        </p:txBody>
+      </p:sp>
+    </p:spTree>
+    <p:extLst>
+      <p:ext uri="{BB962C8B-B14F-4D97-AF65-F5344CB8AC3E}">
+        <p14:creationId xmlns:p14="http://schemas.microsoft.com/office/powerpoint/2010/main" val="2870576481"/>
+      </p:ext>
+    </p:extLst>
+  </p:cSld>
+  <p:clrMapOvr>
+    <a:masterClrMapping/>
+  </p:clrMapOvr>
+  <p:timing>
+    <p:tnLst>
+      <p:par>
+        <p:cTn id="1" dur="indefinite" restart="never" nodeType="tmRoot"/>
+      </p:par>
+    </p:tnLst>
+  </p:timing>
+</p:sld>
+</file>
+
+<file path=ppt/slides/slide11.xml><?xml version="1.0" encoding="utf-8"?>
+<p:sld xmlns:a="http://schemas.openxmlformats.org/drawingml/2006/main" xmlns:r="http://schemas.openxmlformats.org/officeDocument/2006/relationships" xmlns:p="http://schemas.openxmlformats.org/presentationml/2006/main">
+  <p:cSld>
+    <p:spTree>
+      <p:nvGrpSpPr>
         <p:cNvPr id="1" name="Shape 164"/>
         <p:cNvGrpSpPr/>
         <p:nvPr/>
@@ -6705,7 +7157,775 @@
 </p:sld>
 </file>
 
-<file path=ppt/slides/slide11.xml><?xml version="1.0" encoding="utf-8"?>
+<file path=ppt/slides/slide12.xml><?xml version="1.0" encoding="utf-8"?>
+<p:sld xmlns:a="http://schemas.openxmlformats.org/drawingml/2006/main" xmlns:r="http://schemas.openxmlformats.org/officeDocument/2006/relationships" xmlns:p="http://schemas.openxmlformats.org/presentationml/2006/main">
+  <p:cSld>
+    <p:spTree>
+      <p:nvGrpSpPr>
+        <p:cNvPr id="1" name="Shape 89"/>
+        <p:cNvGrpSpPr/>
+        <p:nvPr/>
+      </p:nvGrpSpPr>
+      <p:grpSpPr>
+        <a:xfrm>
+          <a:off x="0" y="0"/>
+          <a:ext cx="0" cy="0"/>
+          <a:chOff x="0" y="0"/>
+          <a:chExt cx="0" cy="0"/>
+        </a:xfrm>
+      </p:grpSpPr>
+      <p:sp>
+        <p:nvSpPr>
+          <p:cNvPr id="90" name="Shape 90"/>
+          <p:cNvSpPr txBox="1">
+            <a:spLocks noGrp="1"/>
+          </p:cNvSpPr>
+          <p:nvPr>
+            <p:ph type="title"/>
+          </p:nvPr>
+        </p:nvSpPr>
+        <p:spPr>
+          <a:xfrm>
+            <a:off x="457200" y="274637"/>
+            <a:ext cx="8229600" cy="1143000"/>
+          </a:xfrm>
+          <a:prstGeom prst="rect">
+            <a:avLst/>
+          </a:prstGeom>
+        </p:spPr>
+        <p:txBody>
+          <a:bodyPr lIns="91425" tIns="91425" rIns="91425" bIns="91425" anchor="b" anchorCtr="0">
+            <a:noAutofit/>
+          </a:bodyPr>
+          <a:lstStyle/>
+          <a:p>
+            <a:pPr>
+              <a:spcBef>
+                <a:spcPts val="0"/>
+              </a:spcBef>
+              <a:buNone/>
+            </a:pPr>
+            <a:r>
+              <a:rPr lang="ru"/>
+              <a:t>Анализ картографических решений</a:t>
+            </a:r>
+          </a:p>
+        </p:txBody>
+      </p:sp>
+      <p:pic>
+        <p:nvPicPr>
+          <p:cNvPr id="91" name="Shape 91"/>
+          <p:cNvPicPr preferRelativeResize="0"/>
+          <p:nvPr/>
+        </p:nvPicPr>
+        <p:blipFill>
+          <a:blip r:embed="rId3">
+            <a:alphaModFix/>
+          </a:blip>
+          <a:stretch>
+            <a:fillRect/>
+          </a:stretch>
+        </p:blipFill>
+        <p:spPr>
+          <a:xfrm>
+            <a:off x="405225" y="1622698"/>
+            <a:ext cx="2552699" cy="420163"/>
+          </a:xfrm>
+          <a:prstGeom prst="rect">
+            <a:avLst/>
+          </a:prstGeom>
+          <a:noFill/>
+          <a:ln>
+            <a:noFill/>
+          </a:ln>
+        </p:spPr>
+      </p:pic>
+      <p:pic>
+        <p:nvPicPr>
+          <p:cNvPr id="92" name="Shape 92"/>
+          <p:cNvPicPr preferRelativeResize="0"/>
+          <p:nvPr/>
+        </p:nvPicPr>
+        <p:blipFill>
+          <a:blip r:embed="rId4">
+            <a:alphaModFix/>
+          </a:blip>
+          <a:stretch>
+            <a:fillRect/>
+          </a:stretch>
+        </p:blipFill>
+        <p:spPr>
+          <a:xfrm>
+            <a:off x="3489761" y="1278425"/>
+            <a:ext cx="2136224" cy="1250024"/>
+          </a:xfrm>
+          <a:prstGeom prst="rect">
+            <a:avLst/>
+          </a:prstGeom>
+          <a:noFill/>
+          <a:ln>
+            <a:noFill/>
+          </a:ln>
+        </p:spPr>
+      </p:pic>
+      <p:sp>
+        <p:nvSpPr>
+          <p:cNvPr id="93" name="Shape 93"/>
+          <p:cNvSpPr txBox="1"/>
+          <p:nvPr/>
+        </p:nvSpPr>
+        <p:spPr>
+          <a:xfrm>
+            <a:off x="5862200" y="3870625"/>
+            <a:ext cx="60599" cy="17399"/>
+          </a:xfrm>
+          <a:prstGeom prst="rect">
+            <a:avLst/>
+          </a:prstGeom>
+          <a:noFill/>
+          <a:ln>
+            <a:noFill/>
+          </a:ln>
+        </p:spPr>
+        <p:txBody>
+          <a:bodyPr lIns="91425" tIns="91425" rIns="91425" bIns="91425" anchor="t" anchorCtr="0">
+            <a:noAutofit/>
+          </a:bodyPr>
+          <a:lstStyle/>
+          <a:p>
+            <a:pPr>
+              <a:spcBef>
+                <a:spcPts val="0"/>
+              </a:spcBef>
+              <a:buNone/>
+            </a:pPr>
+            <a:endParaRPr/>
+          </a:p>
+        </p:txBody>
+      </p:sp>
+      <p:pic>
+        <p:nvPicPr>
+          <p:cNvPr id="94" name="Shape 94"/>
+          <p:cNvPicPr preferRelativeResize="0"/>
+          <p:nvPr/>
+        </p:nvPicPr>
+        <p:blipFill>
+          <a:blip r:embed="rId5">
+            <a:alphaModFix/>
+          </a:blip>
+          <a:stretch>
+            <a:fillRect/>
+          </a:stretch>
+        </p:blipFill>
+        <p:spPr>
+          <a:xfrm>
+            <a:off x="6157850" y="1403771"/>
+            <a:ext cx="2754599" cy="999353"/>
+          </a:xfrm>
+          <a:prstGeom prst="rect">
+            <a:avLst/>
+          </a:prstGeom>
+          <a:noFill/>
+          <a:ln>
+            <a:noFill/>
+          </a:ln>
+        </p:spPr>
+      </p:pic>
+      <p:pic>
+        <p:nvPicPr>
+          <p:cNvPr id="95" name="Shape 95"/>
+          <p:cNvPicPr preferRelativeResize="0"/>
+          <p:nvPr/>
+        </p:nvPicPr>
+        <p:blipFill>
+          <a:blip r:embed="rId6">
+            <a:alphaModFix/>
+          </a:blip>
+          <a:stretch>
+            <a:fillRect/>
+          </a:stretch>
+        </p:blipFill>
+        <p:spPr>
+          <a:xfrm>
+            <a:off x="591525" y="2360475"/>
+            <a:ext cx="1957699" cy="1834000"/>
+          </a:xfrm>
+          <a:prstGeom prst="rect">
+            <a:avLst/>
+          </a:prstGeom>
+          <a:noFill/>
+          <a:ln>
+            <a:noFill/>
+          </a:ln>
+        </p:spPr>
+      </p:pic>
+      <p:pic>
+        <p:nvPicPr>
+          <p:cNvPr id="96" name="Shape 96"/>
+          <p:cNvPicPr preferRelativeResize="0"/>
+          <p:nvPr/>
+        </p:nvPicPr>
+        <p:blipFill>
+          <a:blip r:embed="rId7">
+            <a:alphaModFix/>
+          </a:blip>
+          <a:stretch>
+            <a:fillRect/>
+          </a:stretch>
+        </p:blipFill>
+        <p:spPr>
+          <a:xfrm>
+            <a:off x="3402983" y="2360475"/>
+            <a:ext cx="2093542" cy="1833999"/>
+          </a:xfrm>
+          <a:prstGeom prst="rect">
+            <a:avLst/>
+          </a:prstGeom>
+          <a:noFill/>
+          <a:ln>
+            <a:noFill/>
+          </a:ln>
+        </p:spPr>
+      </p:pic>
+      <p:pic>
+        <p:nvPicPr>
+          <p:cNvPr id="97" name="Shape 97"/>
+          <p:cNvPicPr preferRelativeResize="0"/>
+          <p:nvPr/>
+        </p:nvPicPr>
+        <p:blipFill>
+          <a:blip r:embed="rId8">
+            <a:alphaModFix/>
+          </a:blip>
+          <a:stretch>
+            <a:fillRect/>
+          </a:stretch>
+        </p:blipFill>
+        <p:spPr>
+          <a:xfrm>
+            <a:off x="6438875" y="2360475"/>
+            <a:ext cx="2083394" cy="1834000"/>
+          </a:xfrm>
+          <a:prstGeom prst="rect">
+            <a:avLst/>
+          </a:prstGeom>
+          <a:noFill/>
+          <a:ln>
+            <a:noFill/>
+          </a:ln>
+        </p:spPr>
+      </p:pic>
+      <p:sp>
+        <p:nvSpPr>
+          <p:cNvPr id="98" name="Shape 98"/>
+          <p:cNvSpPr txBox="1"/>
+          <p:nvPr/>
+        </p:nvSpPr>
+        <p:spPr>
+          <a:xfrm>
+            <a:off x="162775" y="4450775"/>
+            <a:ext cx="2552699" cy="1878899"/>
+          </a:xfrm>
+          <a:prstGeom prst="rect">
+            <a:avLst/>
+          </a:prstGeom>
+          <a:noFill/>
+          <a:ln>
+            <a:noFill/>
+          </a:ln>
+        </p:spPr>
+        <p:txBody>
+          <a:bodyPr lIns="91425" tIns="91425" rIns="91425" bIns="91425" anchor="t" anchorCtr="0">
+            <a:noAutofit/>
+          </a:bodyPr>
+          <a:lstStyle/>
+          <a:p>
+            <a:pPr marL="457200" lvl="0" indent="-317500" rtl="0">
+              <a:spcBef>
+                <a:spcPts val="0"/>
+              </a:spcBef>
+              <a:buClr>
+                <a:schemeClr val="lt2"/>
+              </a:buClr>
+              <a:buSzPct val="100000"/>
+              <a:buFont typeface="Arial"/>
+              <a:buChar char="●"/>
+            </a:pPr>
+            <a:r>
+              <a:rPr lang="ru" dirty="0">
+                <a:solidFill>
+                  <a:schemeClr val="bg1">
+                    <a:lumMod val="95000"/>
+                  </a:schemeClr>
+                </a:solidFill>
+              </a:rPr>
+              <a:t>Свободный проект</a:t>
+            </a:r>
+          </a:p>
+          <a:p>
+            <a:pPr marL="457200" lvl="0" indent="-317500" rtl="0">
+              <a:spcBef>
+                <a:spcPts val="0"/>
+              </a:spcBef>
+              <a:buClr>
+                <a:schemeClr val="lt2"/>
+              </a:buClr>
+              <a:buSzPct val="100000"/>
+              <a:buFont typeface="Arial"/>
+              <a:buChar char="●"/>
+            </a:pPr>
+            <a:r>
+              <a:rPr lang="ru" dirty="0">
+                <a:solidFill>
+                  <a:schemeClr val="bg1">
+                    <a:lumMod val="95000"/>
+                  </a:schemeClr>
+                </a:solidFill>
+              </a:rPr>
+              <a:t>API: Leaflet</a:t>
+            </a:r>
+          </a:p>
+          <a:p>
+            <a:pPr marL="457200" lvl="0" indent="-317500" rtl="0">
+              <a:spcBef>
+                <a:spcPts val="0"/>
+              </a:spcBef>
+              <a:buClr>
+                <a:schemeClr val="lt2"/>
+              </a:buClr>
+              <a:buSzPct val="100000"/>
+              <a:buFont typeface="Arial"/>
+              <a:buChar char="●"/>
+            </a:pPr>
+            <a:r>
+              <a:rPr lang="ru" dirty="0">
+                <a:solidFill>
+                  <a:schemeClr val="bg1">
+                    <a:lumMod val="95000"/>
+                  </a:schemeClr>
+                </a:solidFill>
+              </a:rPr>
+              <a:t>Большое  сообщество</a:t>
+            </a:r>
+          </a:p>
+          <a:p>
+            <a:pPr marL="457200" lvl="0" indent="-317500">
+              <a:spcBef>
+                <a:spcPts val="0"/>
+              </a:spcBef>
+              <a:buClr>
+                <a:schemeClr val="lt2"/>
+              </a:buClr>
+              <a:buSzPct val="100000"/>
+              <a:buFont typeface="Arial"/>
+              <a:buChar char="●"/>
+            </a:pPr>
+            <a:r>
+              <a:rPr lang="ru" dirty="0">
+                <a:solidFill>
+                  <a:schemeClr val="bg1">
+                    <a:lumMod val="95000"/>
+                  </a:schemeClr>
+                </a:solidFill>
+              </a:rPr>
+              <a:t>Сравнительно малый функционал</a:t>
+            </a:r>
+          </a:p>
+        </p:txBody>
+      </p:sp>
+      <p:sp>
+        <p:nvSpPr>
+          <p:cNvPr id="99" name="Shape 99"/>
+          <p:cNvSpPr txBox="1"/>
+          <p:nvPr/>
+        </p:nvSpPr>
+        <p:spPr>
+          <a:xfrm>
+            <a:off x="2838800" y="4450775"/>
+            <a:ext cx="2896199" cy="1878899"/>
+          </a:xfrm>
+          <a:prstGeom prst="rect">
+            <a:avLst/>
+          </a:prstGeom>
+          <a:noFill/>
+          <a:ln>
+            <a:noFill/>
+          </a:ln>
+        </p:spPr>
+        <p:txBody>
+          <a:bodyPr lIns="91425" tIns="91425" rIns="91425" bIns="91425" anchor="t" anchorCtr="0">
+            <a:noAutofit/>
+          </a:bodyPr>
+          <a:lstStyle/>
+          <a:p>
+            <a:pPr marL="457200" lvl="0" indent="-317500" rtl="0">
+              <a:spcBef>
+                <a:spcPts val="0"/>
+              </a:spcBef>
+              <a:buClr>
+                <a:schemeClr val="lt2"/>
+              </a:buClr>
+              <a:buSzPct val="100000"/>
+              <a:buFont typeface="Arial"/>
+              <a:buChar char="●"/>
+            </a:pPr>
+            <a:r>
+              <a:rPr lang="ru" dirty="0">
+                <a:solidFill>
+                  <a:schemeClr val="bg1">
+                    <a:lumMod val="95000"/>
+                  </a:schemeClr>
+                </a:solidFill>
+              </a:rPr>
+              <a:t>Коммерческий проект</a:t>
+            </a:r>
+          </a:p>
+          <a:p>
+            <a:pPr marL="457200" lvl="0" indent="-317500" rtl="0">
+              <a:spcBef>
+                <a:spcPts val="0"/>
+              </a:spcBef>
+              <a:buClr>
+                <a:schemeClr val="lt2"/>
+              </a:buClr>
+              <a:buSzPct val="100000"/>
+              <a:buFont typeface="Arial"/>
+              <a:buChar char="●"/>
+            </a:pPr>
+            <a:r>
+              <a:rPr lang="ru" dirty="0">
+                <a:solidFill>
+                  <a:schemeClr val="bg1">
+                    <a:lumMod val="95000"/>
+                  </a:schemeClr>
+                </a:solidFill>
+              </a:rPr>
+              <a:t>Free for non-comercial use</a:t>
+            </a:r>
+          </a:p>
+          <a:p>
+            <a:pPr marL="457200" lvl="0" indent="-317500" rtl="0">
+              <a:spcBef>
+                <a:spcPts val="0"/>
+              </a:spcBef>
+              <a:buClr>
+                <a:schemeClr val="lt2"/>
+              </a:buClr>
+              <a:buSzPct val="100000"/>
+              <a:buFont typeface="Arial"/>
+              <a:buChar char="●"/>
+            </a:pPr>
+            <a:r>
+              <a:rPr lang="ru" dirty="0">
+                <a:solidFill>
+                  <a:schemeClr val="bg1">
+                    <a:lumMod val="95000"/>
+                  </a:schemeClr>
+                </a:solidFill>
+              </a:rPr>
+              <a:t>API: Leaflet</a:t>
+            </a:r>
+          </a:p>
+          <a:p>
+            <a:pPr marL="457200" lvl="0" indent="-317500" rtl="0">
+              <a:spcBef>
+                <a:spcPts val="0"/>
+              </a:spcBef>
+              <a:buClr>
+                <a:schemeClr val="lt2"/>
+              </a:buClr>
+              <a:buSzPct val="100000"/>
+              <a:buFont typeface="Arial"/>
+              <a:buChar char="●"/>
+            </a:pPr>
+            <a:r>
+              <a:rPr lang="ru" dirty="0">
+                <a:solidFill>
+                  <a:schemeClr val="bg1">
+                    <a:lumMod val="95000"/>
+                  </a:schemeClr>
+                </a:solidFill>
+              </a:rPr>
+              <a:t>Крупное  сообщество</a:t>
+            </a:r>
+          </a:p>
+          <a:p>
+            <a:pPr marL="457200" lvl="0" indent="-317500" rtl="0">
+              <a:spcBef>
+                <a:spcPts val="0"/>
+              </a:spcBef>
+              <a:buClr>
+                <a:schemeClr val="lt2"/>
+              </a:buClr>
+              <a:buSzPct val="100000"/>
+              <a:buFont typeface="Arial"/>
+              <a:buChar char="●"/>
+            </a:pPr>
+            <a:r>
+              <a:rPr lang="ru" dirty="0">
+                <a:solidFill>
+                  <a:schemeClr val="bg1">
+                    <a:lumMod val="95000"/>
+                  </a:schemeClr>
+                </a:solidFill>
+              </a:rPr>
+              <a:t>Качественная документация</a:t>
+            </a:r>
+          </a:p>
+          <a:p>
+            <a:pPr marL="457200" lvl="0" indent="-317500" rtl="0">
+              <a:spcBef>
+                <a:spcPts val="0"/>
+              </a:spcBef>
+              <a:buClr>
+                <a:schemeClr val="lt2"/>
+              </a:buClr>
+              <a:buSzPct val="100000"/>
+              <a:buFont typeface="Arial"/>
+              <a:buChar char="●"/>
+            </a:pPr>
+            <a:r>
+              <a:rPr lang="ru" dirty="0">
+                <a:solidFill>
+                  <a:schemeClr val="bg1">
+                    <a:lumMod val="95000"/>
+                  </a:schemeClr>
+                </a:solidFill>
+              </a:rPr>
+              <a:t>Широкий функционал</a:t>
+            </a:r>
+          </a:p>
+          <a:p>
+            <a:pPr marL="457200" lvl="0" indent="-317500" rtl="0">
+              <a:spcBef>
+                <a:spcPts val="0"/>
+              </a:spcBef>
+              <a:buClr>
+                <a:schemeClr val="lt2"/>
+              </a:buClr>
+              <a:buSzPct val="100000"/>
+              <a:buFont typeface="Arial"/>
+              <a:buChar char="●"/>
+            </a:pPr>
+            <a:r>
+              <a:rPr lang="ru" dirty="0">
+                <a:solidFill>
+                  <a:schemeClr val="bg1">
+                    <a:lumMod val="95000"/>
+                  </a:schemeClr>
+                </a:solidFill>
+              </a:rPr>
+              <a:t>Простота использования</a:t>
+            </a:r>
+          </a:p>
+        </p:txBody>
+      </p:sp>
+      <p:sp>
+        <p:nvSpPr>
+          <p:cNvPr id="100" name="Shape 100"/>
+          <p:cNvSpPr txBox="1"/>
+          <p:nvPr/>
+        </p:nvSpPr>
+        <p:spPr>
+          <a:xfrm>
+            <a:off x="5994775" y="4450775"/>
+            <a:ext cx="2838900" cy="1878899"/>
+          </a:xfrm>
+          <a:prstGeom prst="rect">
+            <a:avLst/>
+          </a:prstGeom>
+          <a:noFill/>
+          <a:ln>
+            <a:noFill/>
+          </a:ln>
+        </p:spPr>
+        <p:txBody>
+          <a:bodyPr lIns="91425" tIns="91425" rIns="91425" bIns="91425" anchor="t" anchorCtr="0">
+            <a:noAutofit/>
+          </a:bodyPr>
+          <a:lstStyle/>
+          <a:p>
+            <a:pPr marL="457200" lvl="0" indent="-317500" rtl="0">
+              <a:spcBef>
+                <a:spcPts val="0"/>
+              </a:spcBef>
+              <a:buClr>
+                <a:schemeClr val="lt2"/>
+              </a:buClr>
+              <a:buSzPct val="100000"/>
+              <a:buFont typeface="Arial"/>
+              <a:buChar char="●"/>
+            </a:pPr>
+            <a:r>
+              <a:rPr lang="ru" dirty="0">
+                <a:solidFill>
+                  <a:schemeClr val="bg1">
+                    <a:lumMod val="95000"/>
+                  </a:schemeClr>
+                </a:solidFill>
+              </a:rPr>
+              <a:t>Коммерческий проект</a:t>
+            </a:r>
+          </a:p>
+          <a:p>
+            <a:pPr marL="457200" lvl="0" indent="-317500" rtl="0">
+              <a:spcBef>
+                <a:spcPts val="0"/>
+              </a:spcBef>
+              <a:buClr>
+                <a:schemeClr val="lt2"/>
+              </a:buClr>
+              <a:buSzPct val="100000"/>
+              <a:buFont typeface="Arial"/>
+              <a:buChar char="●"/>
+            </a:pPr>
+            <a:r>
+              <a:rPr lang="ru" dirty="0">
+                <a:solidFill>
+                  <a:schemeClr val="bg1">
+                    <a:lumMod val="95000"/>
+                  </a:schemeClr>
+                </a:solidFill>
+              </a:rPr>
+              <a:t>Free for non-comercial use</a:t>
+            </a:r>
+          </a:p>
+          <a:p>
+            <a:pPr marL="457200" lvl="0" indent="-317500" rtl="0">
+              <a:spcBef>
+                <a:spcPts val="0"/>
+              </a:spcBef>
+              <a:buClr>
+                <a:schemeClr val="lt2"/>
+              </a:buClr>
+              <a:buSzPct val="100000"/>
+              <a:buFont typeface="Arial"/>
+              <a:buChar char="●"/>
+            </a:pPr>
+            <a:r>
+              <a:rPr lang="ru" dirty="0">
+                <a:solidFill>
+                  <a:schemeClr val="bg1">
+                    <a:lumMod val="95000"/>
+                  </a:schemeClr>
+                </a:solidFill>
+              </a:rPr>
+              <a:t>API: Google maps API</a:t>
+            </a:r>
+          </a:p>
+          <a:p>
+            <a:pPr marL="457200" lvl="0" indent="-317500" rtl="0">
+              <a:spcBef>
+                <a:spcPts val="0"/>
+              </a:spcBef>
+              <a:buClr>
+                <a:schemeClr val="lt2"/>
+              </a:buClr>
+              <a:buSzPct val="100000"/>
+              <a:buFont typeface="Arial"/>
+              <a:buChar char="●"/>
+            </a:pPr>
+            <a:r>
+              <a:rPr lang="ru" dirty="0">
+                <a:solidFill>
+                  <a:schemeClr val="bg1">
+                    <a:lumMod val="95000"/>
+                  </a:schemeClr>
+                </a:solidFill>
+              </a:rPr>
+              <a:t>Качественная документация</a:t>
+            </a:r>
+          </a:p>
+          <a:p>
+            <a:pPr marL="457200" lvl="0" indent="-317500" rtl="0">
+              <a:spcBef>
+                <a:spcPts val="0"/>
+              </a:spcBef>
+              <a:buClr>
+                <a:schemeClr val="lt2"/>
+              </a:buClr>
+              <a:buSzPct val="100000"/>
+              <a:buFont typeface="Arial"/>
+              <a:buChar char="●"/>
+            </a:pPr>
+            <a:r>
+              <a:rPr lang="ru" dirty="0">
+                <a:solidFill>
+                  <a:schemeClr val="bg1">
+                    <a:lumMod val="95000"/>
+                  </a:schemeClr>
+                </a:solidFill>
+              </a:rPr>
+              <a:t>Наличие тех. поддержки</a:t>
+            </a:r>
+          </a:p>
+          <a:p>
+            <a:pPr marL="457200" lvl="0" indent="-317500" rtl="0">
+              <a:spcBef>
+                <a:spcPts val="0"/>
+              </a:spcBef>
+              <a:buClr>
+                <a:schemeClr val="lt2"/>
+              </a:buClr>
+              <a:buSzPct val="100000"/>
+              <a:buFont typeface="Arial"/>
+              <a:buChar char="●"/>
+            </a:pPr>
+            <a:r>
+              <a:rPr lang="ru" dirty="0">
+                <a:solidFill>
+                  <a:schemeClr val="bg1">
+                    <a:lumMod val="95000"/>
+                  </a:schemeClr>
+                </a:solidFill>
+              </a:rPr>
+              <a:t>Широкий функционал</a:t>
+            </a:r>
+          </a:p>
+          <a:p>
+            <a:pPr marL="457200" lvl="0" indent="-317500" rtl="0">
+              <a:spcBef>
+                <a:spcPts val="0"/>
+              </a:spcBef>
+              <a:buClr>
+                <a:schemeClr val="lt2"/>
+              </a:buClr>
+              <a:buSzPct val="100000"/>
+              <a:buFont typeface="Arial"/>
+              <a:buChar char="●"/>
+            </a:pPr>
+            <a:r>
+              <a:rPr lang="ru" dirty="0">
+                <a:solidFill>
+                  <a:schemeClr val="bg1">
+                    <a:lumMod val="95000"/>
+                  </a:schemeClr>
+                </a:solidFill>
+              </a:rPr>
+              <a:t>Ограничения на показы</a:t>
+            </a:r>
+          </a:p>
+        </p:txBody>
+      </p:sp>
+    </p:spTree>
+  </p:cSld>
+  <p:clrMapOvr>
+    <a:masterClrMapping/>
+  </p:clrMapOvr>
+  <p:transition spd="slow">
+    <p:cut/>
+  </p:transition>
+  <p:timing>
+    <p:tnLst>
+      <p:par>
+        <p:cTn id="1" dur="indefinite" restart="never" nodeType="tmRoot"/>
+      </p:par>
+    </p:tnLst>
+  </p:timing>
+</p:sld>
+</file>
+
+<file path=ppt/slides/slide13.xml><?xml version="1.0" encoding="utf-8"?>
 <p:sld xmlns:a="http://schemas.openxmlformats.org/drawingml/2006/main" xmlns:r="http://schemas.openxmlformats.org/officeDocument/2006/relationships" xmlns:p="http://schemas.openxmlformats.org/presentationml/2006/main">
   <p:cSld>
     <p:spTree>
@@ -6890,7 +8110,7 @@
 </p:sld>
 </file>
 
-<file path=ppt/slides/slide12.xml><?xml version="1.0" encoding="utf-8"?>
+<file path=ppt/slides/slide14.xml><?xml version="1.0" encoding="utf-8"?>
 <p:sld xmlns:a="http://schemas.openxmlformats.org/drawingml/2006/main" xmlns:r="http://schemas.openxmlformats.org/officeDocument/2006/relationships" xmlns:p="http://schemas.openxmlformats.org/presentationml/2006/main">
   <p:cSld>
     <p:spTree>
@@ -6954,14 +8174,14 @@
           <p:nvPr>
             <p:extLst>
               <p:ext uri="{D42A27DB-BD31-4B8C-83A1-F6EECF244321}">
-                <p14:modId xmlns:p14="http://schemas.microsoft.com/office/powerpoint/2010/main" val="4025069443"/>
+                <p14:modId xmlns:p14="http://schemas.microsoft.com/office/powerpoint/2010/main" val="3347261129"/>
               </p:ext>
             </p:extLst>
           </p:nvPr>
         </p:nvGraphicFramePr>
         <p:xfrm>
-          <a:off x="547737" y="2075556"/>
-          <a:ext cx="8340624" cy="3205290"/>
+          <a:off x="397015" y="2016564"/>
+          <a:ext cx="8340624" cy="3318814"/>
         </p:xfrm>
         <a:graphic>
           <a:graphicData uri="http://schemas.openxmlformats.org/drawingml/2006/table">
@@ -7169,7 +8389,7 @@
                   </a:tcPr>
                 </a:tc>
               </a:tr>
-              <a:tr h="470853">
+              <a:tr h="584377">
                 <a:tc>
                   <a:txBody>
                     <a:bodyPr/>
@@ -7184,13 +8404,13 @@
                         </a:spcAft>
                       </a:pPr>
                       <a:r>
-                        <a:rPr lang="ru-RU" sz="1400" dirty="0">
+                        <a:rPr lang="ru-RU" sz="1400" dirty="0" smtClean="0">
                           <a:ln>
                             <a:noFill/>
                           </a:ln>
                           <a:effectLst/>
                         </a:rPr>
-                        <a:t>Оптимизация БД</a:t>
+                        <a:t>Производительность БД</a:t>
                       </a:r>
                       <a:endParaRPr lang="ru-RU" sz="1400" dirty="0">
                         <a:ln>
@@ -7353,13 +8573,22 @@
                         </a:spcAft>
                       </a:pPr>
                       <a:r>
+                        <a:rPr lang="ru-RU" sz="1400" dirty="0" smtClean="0">
+                          <a:ln>
+                            <a:noFill/>
+                          </a:ln>
+                          <a:effectLst/>
+                        </a:rPr>
+                        <a:t>Производительность серверных </a:t>
+                      </a:r>
+                      <a:r>
                         <a:rPr lang="ru-RU" sz="1400" dirty="0">
                           <a:ln>
                             <a:noFill/>
                           </a:ln>
                           <a:effectLst/>
                         </a:rPr>
-                        <a:t>Оптимизация серверных процессов</a:t>
+                        <a:t>процессов</a:t>
                       </a:r>
                       <a:endParaRPr lang="ru-RU" sz="1400" dirty="0">
                         <a:ln>
@@ -7522,13 +8751,22 @@
                         </a:spcAft>
                       </a:pPr>
                       <a:r>
+                        <a:rPr lang="ru-RU" sz="1400" dirty="0" smtClean="0">
+                          <a:ln>
+                            <a:noFill/>
+                          </a:ln>
+                          <a:effectLst/>
+                        </a:rPr>
+                        <a:t>Производительность построения </a:t>
+                      </a:r>
+                      <a:r>
                         <a:rPr lang="ru-RU" sz="1400" dirty="0">
                           <a:ln>
                             <a:noFill/>
                           </a:ln>
                           <a:effectLst/>
                         </a:rPr>
-                        <a:t>Оптимизация построения представления</a:t>
+                        <a:t>представления</a:t>
                       </a:r>
                       <a:endParaRPr lang="ru-RU" sz="1400" dirty="0">
                         <a:ln>
@@ -7876,7 +9114,7 @@
 </p:sld>
 </file>
 
-<file path=ppt/slides/slide13.xml><?xml version="1.0" encoding="utf-8"?>
+<file path=ppt/slides/slide15.xml><?xml version="1.0" encoding="utf-8"?>
 <p:sld xmlns:a="http://schemas.openxmlformats.org/drawingml/2006/main" xmlns:r="http://schemas.openxmlformats.org/officeDocument/2006/relationships" xmlns:p="http://schemas.openxmlformats.org/presentationml/2006/main">
   <p:cSld>
     <p:spTree>
@@ -8209,13 +9447,31 @@
               <a:buChar char="•"/>
             </a:pPr>
             <a:r>
-              <a:rPr lang="ru" dirty="0"/>
+              <a:rPr lang="ru" dirty="0">
+                <a:solidFill>
+                  <a:schemeClr val="bg1">
+                    <a:lumMod val="95000"/>
+                  </a:schemeClr>
+                </a:solidFill>
+              </a:rPr>
               <a:t>Анализ технологий и решений системы “Coordinate”.</a:t>
             </a:r>
             <a:br>
-              <a:rPr lang="ru" dirty="0"/>
+              <a:rPr lang="ru" dirty="0">
+                <a:solidFill>
+                  <a:schemeClr val="bg1">
+                    <a:lumMod val="95000"/>
+                  </a:schemeClr>
+                </a:solidFill>
+              </a:rPr>
             </a:br>
-            <a:endParaRPr lang="ru" dirty="0"/>
+            <a:endParaRPr lang="ru" dirty="0">
+              <a:solidFill>
+                <a:schemeClr val="bg1">
+                  <a:lumMod val="95000"/>
+                </a:schemeClr>
+              </a:solidFill>
+            </a:endParaRPr>
           </a:p>
           <a:p>
             <a:pPr marL="457200" lvl="0" indent="-457200">
@@ -8223,13 +9479,31 @@
               <a:buChar char="•"/>
             </a:pPr>
             <a:r>
-              <a:rPr lang="ru" dirty="0"/>
+              <a:rPr lang="ru" dirty="0">
+                <a:solidFill>
+                  <a:schemeClr val="bg1">
+                    <a:lumMod val="95000"/>
+                  </a:schemeClr>
+                </a:solidFill>
+              </a:rPr>
               <a:t>Повышение надежности и отказоустойчивости.</a:t>
             </a:r>
             <a:br>
-              <a:rPr lang="ru" dirty="0"/>
+              <a:rPr lang="ru" dirty="0">
+                <a:solidFill>
+                  <a:schemeClr val="bg1">
+                    <a:lumMod val="95000"/>
+                  </a:schemeClr>
+                </a:solidFill>
+              </a:rPr>
             </a:br>
-            <a:endParaRPr lang="ru" dirty="0"/>
+            <a:endParaRPr lang="ru" dirty="0">
+              <a:solidFill>
+                <a:schemeClr val="bg1">
+                  <a:lumMod val="95000"/>
+                </a:schemeClr>
+              </a:solidFill>
+            </a:endParaRPr>
           </a:p>
           <a:p>
             <a:pPr marL="457200" lvl="0" indent="-457200">
@@ -8237,7 +9511,13 @@
               <a:buChar char="•"/>
             </a:pPr>
             <a:r>
-              <a:rPr lang="ru" dirty="0"/>
+              <a:rPr lang="ru" dirty="0">
+                <a:solidFill>
+                  <a:schemeClr val="bg1">
+                    <a:lumMod val="95000"/>
+                  </a:schemeClr>
+                </a:solidFill>
+              </a:rPr>
               <a:t>Модернизация и оптимизация компонентов системы.</a:t>
             </a:r>
           </a:p>
@@ -8295,19 +9575,11 @@
           <a:p>
             <a:r>
               <a:rPr lang="ru-RU" dirty="0" smtClean="0"/>
-              <a:t>О </a:t>
-            </a:r>
-            <a:r>
-              <a:rPr lang="ru-RU" dirty="0" smtClean="0"/>
-              <a:t>системе </a:t>
+              <a:t>О системе </a:t>
             </a:r>
             <a:r>
               <a:rPr lang="en-US" dirty="0" smtClean="0"/>
-              <a:t>“Coordinate</a:t>
-            </a:r>
-            <a:r>
-              <a:rPr lang="en-US" dirty="0" smtClean="0"/>
-              <a:t>”</a:t>
+              <a:t>“Coordinate”</a:t>
             </a:r>
             <a:endParaRPr lang="ru-RU" dirty="0"/>
           </a:p>
@@ -8325,7 +9597,7 @@
         </p:nvSpPr>
         <p:spPr>
           <a:xfrm>
-            <a:off x="457200" y="2082521"/>
+            <a:off x="457200" y="1708895"/>
             <a:ext cx="8229600" cy="4036925"/>
           </a:xfrm>
         </p:spPr>
@@ -8334,57 +9606,111 @@
           <a:lstStyle/>
           <a:p>
             <a:pPr marL="457200" indent="-457200">
+              <a:spcAft>
+                <a:spcPts val="1200"/>
+              </a:spcAft>
               <a:buFont typeface="Arial" panose="020B0604020202020204" pitchFamily="34" charset="0"/>
               <a:buChar char="•"/>
             </a:pPr>
             <a:r>
-              <a:rPr lang="ru-RU" dirty="0" smtClean="0"/>
+              <a:rPr lang="ru-RU" dirty="0" smtClean="0">
+                <a:solidFill>
+                  <a:schemeClr val="bg1">
+                    <a:lumMod val="95000"/>
+                  </a:schemeClr>
+                </a:solidFill>
+              </a:rPr>
               <a:t>Предназначена для мониторинга личного автотранспорта пользователей.</a:t>
             </a:r>
           </a:p>
           <a:p>
             <a:pPr marL="457200" indent="-457200">
+              <a:spcAft>
+                <a:spcPts val="1200"/>
+              </a:spcAft>
               <a:buFont typeface="Arial" panose="020B0604020202020204" pitchFamily="34" charset="0"/>
               <a:buChar char="•"/>
             </a:pPr>
             <a:r>
-              <a:rPr lang="ru-RU" dirty="0" smtClean="0"/>
+              <a:rPr lang="ru-RU" dirty="0" smtClean="0">
+                <a:solidFill>
+                  <a:schemeClr val="bg1">
+                    <a:lumMod val="95000"/>
+                  </a:schemeClr>
+                </a:solidFill>
+              </a:rPr>
               <a:t>Основана на доступных потребителю технологиях.</a:t>
             </a:r>
           </a:p>
           <a:p>
             <a:pPr marL="457200" indent="-457200">
+              <a:spcAft>
+                <a:spcPts val="1200"/>
+              </a:spcAft>
               <a:buFont typeface="Arial" panose="020B0604020202020204" pitchFamily="34" charset="0"/>
               <a:buChar char="•"/>
             </a:pPr>
             <a:r>
-              <a:rPr lang="ru-RU" dirty="0" smtClean="0"/>
+              <a:rPr lang="ru-RU" dirty="0" smtClean="0">
+                <a:solidFill>
+                  <a:schemeClr val="bg1">
+                    <a:lumMod val="95000"/>
+                  </a:schemeClr>
+                </a:solidFill>
+              </a:rPr>
               <a:t>Собирает, вычисляет и анализирует статистику.</a:t>
             </a:r>
           </a:p>
           <a:p>
             <a:pPr marL="457200" indent="-457200">
+              <a:spcAft>
+                <a:spcPts val="1200"/>
+              </a:spcAft>
               <a:buFont typeface="Arial" panose="020B0604020202020204" pitchFamily="34" charset="0"/>
               <a:buChar char="•"/>
             </a:pPr>
             <a:r>
-              <a:rPr lang="ru-RU" dirty="0" smtClean="0"/>
+              <a:rPr lang="ru-RU" dirty="0" smtClean="0">
+                <a:solidFill>
+                  <a:schemeClr val="bg1">
+                    <a:lumMod val="95000"/>
+                  </a:schemeClr>
+                </a:solidFill>
+              </a:rPr>
               <a:t>Содержит интегрированные средства администрирования.</a:t>
             </a:r>
           </a:p>
           <a:p>
             <a:pPr marL="457200" indent="-457200">
+              <a:spcAft>
+                <a:spcPts val="1200"/>
+              </a:spcAft>
               <a:buFont typeface="Arial" panose="020B0604020202020204" pitchFamily="34" charset="0"/>
               <a:buChar char="•"/>
             </a:pPr>
-            <a:endParaRPr lang="ru-RU" dirty="0" smtClean="0"/>
+            <a:endParaRPr lang="ru-RU" dirty="0" smtClean="0">
+              <a:solidFill>
+                <a:schemeClr val="bg1">
+                  <a:lumMod val="95000"/>
+                </a:schemeClr>
+              </a:solidFill>
+            </a:endParaRPr>
           </a:p>
           <a:p>
             <a:pPr marL="457200" indent="-457200">
+              <a:spcAft>
+                <a:spcPts val="1200"/>
+              </a:spcAft>
               <a:buFont typeface="Arial" panose="020B0604020202020204" pitchFamily="34" charset="0"/>
               <a:buChar char="•"/>
             </a:pPr>
-            <a:endParaRPr lang="ru-RU" dirty="0"/>
+            <a:endParaRPr lang="ru-RU" dirty="0">
+              <a:solidFill>
+                <a:schemeClr val="bg1">
+                  <a:lumMod val="95000"/>
+                </a:schemeClr>
+              </a:solidFill>
+            </a:endParaRPr>
           </a:p>
         </p:txBody>
       </p:sp>
@@ -8409,6 +9735,971 @@
 </file>
 
 <file path=ppt/slides/slide4.xml><?xml version="1.0" encoding="utf-8"?>
+<p:sld xmlns:a="http://schemas.openxmlformats.org/drawingml/2006/main" xmlns:r="http://schemas.openxmlformats.org/officeDocument/2006/relationships" xmlns:p="http://schemas.openxmlformats.org/presentationml/2006/main">
+  <p:cSld>
+    <p:spTree>
+      <p:nvGrpSpPr>
+        <p:cNvPr id="1" name="Shape 104"/>
+        <p:cNvGrpSpPr/>
+        <p:nvPr/>
+      </p:nvGrpSpPr>
+      <p:grpSpPr>
+        <a:xfrm>
+          <a:off x="0" y="0"/>
+          <a:ext cx="0" cy="0"/>
+          <a:chOff x="0" y="0"/>
+          <a:chExt cx="0" cy="0"/>
+        </a:xfrm>
+      </p:grpSpPr>
+      <p:sp>
+        <p:nvSpPr>
+          <p:cNvPr id="105" name="Shape 105"/>
+          <p:cNvSpPr txBox="1">
+            <a:spLocks noGrp="1"/>
+          </p:cNvSpPr>
+          <p:nvPr>
+            <p:ph type="title"/>
+          </p:nvPr>
+        </p:nvSpPr>
+        <p:spPr>
+          <a:xfrm>
+            <a:off x="457200" y="274637"/>
+            <a:ext cx="8229600" cy="1143000"/>
+          </a:xfrm>
+          <a:prstGeom prst="rect">
+            <a:avLst/>
+          </a:prstGeom>
+        </p:spPr>
+        <p:txBody>
+          <a:bodyPr lIns="91425" tIns="91425" rIns="91425" bIns="91425" anchor="b" anchorCtr="0">
+            <a:noAutofit/>
+          </a:bodyPr>
+          <a:lstStyle/>
+          <a:p>
+            <a:pPr rtl="0">
+              <a:spcBef>
+                <a:spcPts val="0"/>
+              </a:spcBef>
+              <a:buNone/>
+            </a:pPr>
+            <a:r>
+              <a:rPr lang="ru"/>
+              <a:t>Используемые </a:t>
+            </a:r>
+          </a:p>
+          <a:p>
+            <a:pPr>
+              <a:spcBef>
+                <a:spcPts val="0"/>
+              </a:spcBef>
+              <a:buNone/>
+            </a:pPr>
+            <a:r>
+              <a:rPr lang="ru"/>
+              <a:t>средства и технологии</a:t>
+            </a:r>
+          </a:p>
+        </p:txBody>
+      </p:sp>
+      <p:grpSp>
+        <p:nvGrpSpPr>
+          <p:cNvPr id="106" name="Shape 106"/>
+          <p:cNvGrpSpPr/>
+          <p:nvPr/>
+        </p:nvGrpSpPr>
+        <p:grpSpPr>
+          <a:xfrm>
+            <a:off x="339900" y="2004907"/>
+            <a:ext cx="1553249" cy="1571887"/>
+            <a:chOff x="365875" y="1575662"/>
+            <a:chExt cx="1553249" cy="1571887"/>
+          </a:xfrm>
+        </p:grpSpPr>
+        <p:pic>
+          <p:nvPicPr>
+            <p:cNvPr id="107" name="Shape 107"/>
+            <p:cNvPicPr preferRelativeResize="0"/>
+            <p:nvPr/>
+          </p:nvPicPr>
+          <p:blipFill rotWithShape="1">
+            <a:blip r:embed="rId3">
+              <a:alphaModFix/>
+            </a:blip>
+            <a:srcRect t="13208" b="13208"/>
+            <a:stretch/>
+          </p:blipFill>
+          <p:spPr>
+            <a:xfrm>
+              <a:off x="365875" y="1575662"/>
+              <a:ext cx="1553249" cy="1142999"/>
+            </a:xfrm>
+            <a:prstGeom prst="rect">
+              <a:avLst/>
+            </a:prstGeom>
+            <a:noFill/>
+            <a:ln>
+              <a:noFill/>
+            </a:ln>
+          </p:spPr>
+        </p:pic>
+        <p:sp>
+          <p:nvSpPr>
+            <p:cNvPr id="108" name="Shape 108"/>
+            <p:cNvSpPr txBox="1"/>
+            <p:nvPr/>
+          </p:nvSpPr>
+          <p:spPr>
+            <a:xfrm>
+              <a:off x="475299" y="2702950"/>
+              <a:ext cx="1334399" cy="444600"/>
+            </a:xfrm>
+            <a:prstGeom prst="rect">
+              <a:avLst/>
+            </a:prstGeom>
+            <a:noFill/>
+            <a:ln>
+              <a:noFill/>
+            </a:ln>
+          </p:spPr>
+          <p:txBody>
+            <a:bodyPr lIns="91425" tIns="91425" rIns="91425" bIns="91425" anchor="t" anchorCtr="0">
+              <a:noAutofit/>
+            </a:bodyPr>
+            <a:lstStyle/>
+            <a:p>
+              <a:pPr rtl="0">
+                <a:spcBef>
+                  <a:spcPts val="0"/>
+                </a:spcBef>
+                <a:buNone/>
+              </a:pPr>
+              <a:r>
+                <a:rPr lang="ru" dirty="0">
+                  <a:solidFill>
+                    <a:schemeClr val="bg1">
+                      <a:lumMod val="95000"/>
+                    </a:schemeClr>
+                  </a:solidFill>
+                </a:rPr>
+                <a:t>Ruby on Rails </a:t>
+              </a:r>
+            </a:p>
+            <a:p>
+              <a:pPr>
+                <a:spcBef>
+                  <a:spcPts val="0"/>
+                </a:spcBef>
+                <a:buNone/>
+              </a:pPr>
+              <a:endParaRPr dirty="0">
+                <a:solidFill>
+                  <a:schemeClr val="lt2"/>
+                </a:solidFill>
+              </a:endParaRPr>
+            </a:p>
+          </p:txBody>
+        </p:sp>
+      </p:grpSp>
+      <p:grpSp>
+        <p:nvGrpSpPr>
+          <p:cNvPr id="109" name="Shape 109"/>
+          <p:cNvGrpSpPr/>
+          <p:nvPr/>
+        </p:nvGrpSpPr>
+        <p:grpSpPr>
+          <a:xfrm>
+            <a:off x="2176231" y="2035726"/>
+            <a:ext cx="1086200" cy="1510250"/>
+            <a:chOff x="2201550" y="1637300"/>
+            <a:chExt cx="1086200" cy="1510250"/>
+          </a:xfrm>
+        </p:grpSpPr>
+        <p:pic>
+          <p:nvPicPr>
+            <p:cNvPr id="110" name="Shape 110"/>
+            <p:cNvPicPr preferRelativeResize="0"/>
+            <p:nvPr/>
+          </p:nvPicPr>
+          <p:blipFill rotWithShape="1">
+            <a:blip r:embed="rId4">
+              <a:alphaModFix/>
+            </a:blip>
+            <a:srcRect l="24062" t="24579" r="23875" b="25330"/>
+            <a:stretch/>
+          </p:blipFill>
+          <p:spPr>
+            <a:xfrm>
+              <a:off x="2201550" y="1637300"/>
+              <a:ext cx="1086200" cy="1045100"/>
+            </a:xfrm>
+            <a:prstGeom prst="rect">
+              <a:avLst/>
+            </a:prstGeom>
+            <a:noFill/>
+            <a:ln>
+              <a:noFill/>
+            </a:ln>
+          </p:spPr>
+        </p:pic>
+        <p:sp>
+          <p:nvSpPr>
+            <p:cNvPr id="111" name="Shape 111"/>
+            <p:cNvSpPr txBox="1"/>
+            <p:nvPr/>
+          </p:nvSpPr>
+          <p:spPr>
+            <a:xfrm>
+              <a:off x="2214250" y="2702950"/>
+              <a:ext cx="1060799" cy="444600"/>
+            </a:xfrm>
+            <a:prstGeom prst="rect">
+              <a:avLst/>
+            </a:prstGeom>
+            <a:noFill/>
+            <a:ln>
+              <a:noFill/>
+            </a:ln>
+          </p:spPr>
+          <p:txBody>
+            <a:bodyPr lIns="91425" tIns="91425" rIns="91425" bIns="91425" anchor="t" anchorCtr="0">
+              <a:noAutofit/>
+            </a:bodyPr>
+            <a:lstStyle/>
+            <a:p>
+              <a:pPr lvl="0" rtl="0">
+                <a:spcBef>
+                  <a:spcPts val="0"/>
+                </a:spcBef>
+                <a:buNone/>
+              </a:pPr>
+              <a:r>
+                <a:rPr lang="ru" dirty="0">
+                  <a:solidFill>
+                    <a:schemeClr val="bg1">
+                      <a:lumMod val="95000"/>
+                    </a:schemeClr>
+                  </a:solidFill>
+                </a:rPr>
+                <a:t>Bootstrap</a:t>
+              </a:r>
+            </a:p>
+          </p:txBody>
+        </p:sp>
+      </p:grpSp>
+      <p:grpSp>
+        <p:nvGrpSpPr>
+          <p:cNvPr id="112" name="Shape 112"/>
+          <p:cNvGrpSpPr/>
+          <p:nvPr/>
+        </p:nvGrpSpPr>
+        <p:grpSpPr>
+          <a:xfrm>
+            <a:off x="3720387" y="2025451"/>
+            <a:ext cx="1086200" cy="1530800"/>
+            <a:chOff x="3794250" y="1616750"/>
+            <a:chExt cx="1086200" cy="1530800"/>
+          </a:xfrm>
+        </p:grpSpPr>
+        <p:pic>
+          <p:nvPicPr>
+            <p:cNvPr id="113" name="Shape 113"/>
+            <p:cNvPicPr preferRelativeResize="0"/>
+            <p:nvPr/>
+          </p:nvPicPr>
+          <p:blipFill>
+            <a:blip r:embed="rId5">
+              <a:alphaModFix/>
+            </a:blip>
+            <a:stretch>
+              <a:fillRect/>
+            </a:stretch>
+          </p:blipFill>
+          <p:spPr>
+            <a:xfrm>
+              <a:off x="3794250" y="1616750"/>
+              <a:ext cx="1086200" cy="1086200"/>
+            </a:xfrm>
+            <a:prstGeom prst="rect">
+              <a:avLst/>
+            </a:prstGeom>
+            <a:noFill/>
+            <a:ln>
+              <a:noFill/>
+            </a:ln>
+          </p:spPr>
+        </p:pic>
+        <p:sp>
+          <p:nvSpPr>
+            <p:cNvPr id="114" name="Shape 114"/>
+            <p:cNvSpPr txBox="1"/>
+            <p:nvPr/>
+          </p:nvSpPr>
+          <p:spPr>
+            <a:xfrm>
+              <a:off x="3964750" y="2702950"/>
+              <a:ext cx="745200" cy="444600"/>
+            </a:xfrm>
+            <a:prstGeom prst="rect">
+              <a:avLst/>
+            </a:prstGeom>
+            <a:noFill/>
+            <a:ln>
+              <a:noFill/>
+            </a:ln>
+          </p:spPr>
+          <p:txBody>
+            <a:bodyPr lIns="91425" tIns="91425" rIns="91425" bIns="91425" anchor="t" anchorCtr="0">
+              <a:noAutofit/>
+            </a:bodyPr>
+            <a:lstStyle/>
+            <a:p>
+              <a:pPr lvl="0" rtl="0">
+                <a:spcBef>
+                  <a:spcPts val="0"/>
+                </a:spcBef>
+                <a:buNone/>
+              </a:pPr>
+              <a:r>
+                <a:rPr lang="ru" dirty="0">
+                  <a:solidFill>
+                    <a:schemeClr val="bg1">
+                      <a:lumMod val="95000"/>
+                    </a:schemeClr>
+                  </a:solidFill>
+                </a:rPr>
+                <a:t>Leaflet</a:t>
+              </a:r>
+            </a:p>
+          </p:txBody>
+        </p:sp>
+      </p:grpSp>
+      <p:grpSp>
+        <p:nvGrpSpPr>
+          <p:cNvPr id="115" name="Shape 115"/>
+          <p:cNvGrpSpPr/>
+          <p:nvPr/>
+        </p:nvGrpSpPr>
+        <p:grpSpPr>
+          <a:xfrm>
+            <a:off x="5321149" y="2025451"/>
+            <a:ext cx="1086199" cy="1530800"/>
+            <a:chOff x="5351987" y="1616750"/>
+            <a:chExt cx="1086199" cy="1530800"/>
+          </a:xfrm>
+        </p:grpSpPr>
+        <p:pic>
+          <p:nvPicPr>
+            <p:cNvPr id="116" name="Shape 116"/>
+            <p:cNvPicPr preferRelativeResize="0"/>
+            <p:nvPr/>
+          </p:nvPicPr>
+          <p:blipFill>
+            <a:blip r:embed="rId6">
+              <a:alphaModFix/>
+            </a:blip>
+            <a:stretch>
+              <a:fillRect/>
+            </a:stretch>
+          </p:blipFill>
+          <p:spPr>
+            <a:xfrm>
+              <a:off x="5351987" y="1616750"/>
+              <a:ext cx="1086199" cy="1086199"/>
+            </a:xfrm>
+            <a:prstGeom prst="rect">
+              <a:avLst/>
+            </a:prstGeom>
+            <a:noFill/>
+            <a:ln>
+              <a:noFill/>
+            </a:ln>
+          </p:spPr>
+        </p:pic>
+        <p:sp>
+          <p:nvSpPr>
+            <p:cNvPr id="117" name="Shape 117"/>
+            <p:cNvSpPr txBox="1"/>
+            <p:nvPr/>
+          </p:nvSpPr>
+          <p:spPr>
+            <a:xfrm>
+              <a:off x="5471037" y="2702950"/>
+              <a:ext cx="848100" cy="444600"/>
+            </a:xfrm>
+            <a:prstGeom prst="rect">
+              <a:avLst/>
+            </a:prstGeom>
+            <a:noFill/>
+            <a:ln>
+              <a:noFill/>
+            </a:ln>
+          </p:spPr>
+          <p:txBody>
+            <a:bodyPr lIns="91425" tIns="91425" rIns="91425" bIns="91425" anchor="t" anchorCtr="0">
+              <a:noAutofit/>
+            </a:bodyPr>
+            <a:lstStyle/>
+            <a:p>
+              <a:pPr lvl="0" rtl="0">
+                <a:spcBef>
+                  <a:spcPts val="0"/>
+                </a:spcBef>
+                <a:buNone/>
+              </a:pPr>
+              <a:r>
+                <a:rPr lang="ru" dirty="0">
+                  <a:solidFill>
+                    <a:schemeClr val="bg1">
+                      <a:lumMod val="95000"/>
+                    </a:schemeClr>
+                  </a:solidFill>
+                </a:rPr>
+                <a:t>Mapbox</a:t>
+              </a:r>
+            </a:p>
+          </p:txBody>
+        </p:sp>
+      </p:grpSp>
+      <p:grpSp>
+        <p:nvGrpSpPr>
+          <p:cNvPr id="118" name="Shape 118"/>
+          <p:cNvGrpSpPr/>
+          <p:nvPr/>
+        </p:nvGrpSpPr>
+        <p:grpSpPr>
+          <a:xfrm>
+            <a:off x="6922606" y="2019107"/>
+            <a:ext cx="1256700" cy="1543487"/>
+            <a:chOff x="7020543" y="1604062"/>
+            <a:chExt cx="1256700" cy="1543487"/>
+          </a:xfrm>
+        </p:grpSpPr>
+        <p:pic>
+          <p:nvPicPr>
+            <p:cNvPr id="119" name="Shape 119"/>
+            <p:cNvPicPr preferRelativeResize="0"/>
+            <p:nvPr/>
+          </p:nvPicPr>
+          <p:blipFill>
+            <a:blip r:embed="rId7">
+              <a:alphaModFix/>
+            </a:blip>
+            <a:stretch>
+              <a:fillRect/>
+            </a:stretch>
+          </p:blipFill>
+          <p:spPr>
+            <a:xfrm>
+              <a:off x="7067006" y="1604062"/>
+              <a:ext cx="1163774" cy="1086199"/>
+            </a:xfrm>
+            <a:prstGeom prst="rect">
+              <a:avLst/>
+            </a:prstGeom>
+            <a:noFill/>
+            <a:ln>
+              <a:noFill/>
+            </a:ln>
+          </p:spPr>
+        </p:pic>
+        <p:sp>
+          <p:nvSpPr>
+            <p:cNvPr id="120" name="Shape 120"/>
+            <p:cNvSpPr txBox="1"/>
+            <p:nvPr/>
+          </p:nvSpPr>
+          <p:spPr>
+            <a:xfrm>
+              <a:off x="7020543" y="2702950"/>
+              <a:ext cx="1256700" cy="444600"/>
+            </a:xfrm>
+            <a:prstGeom prst="rect">
+              <a:avLst/>
+            </a:prstGeom>
+            <a:noFill/>
+            <a:ln>
+              <a:noFill/>
+            </a:ln>
+          </p:spPr>
+          <p:txBody>
+            <a:bodyPr lIns="91425" tIns="91425" rIns="91425" bIns="91425" anchor="t" anchorCtr="0">
+              <a:noAutofit/>
+            </a:bodyPr>
+            <a:lstStyle/>
+            <a:p>
+              <a:pPr lvl="0" rtl="0">
+                <a:spcBef>
+                  <a:spcPts val="0"/>
+                </a:spcBef>
+                <a:buNone/>
+              </a:pPr>
+              <a:r>
+                <a:rPr lang="ru" dirty="0">
+                  <a:solidFill>
+                    <a:schemeClr val="bg1">
+                      <a:lumMod val="95000"/>
+                    </a:schemeClr>
+                  </a:solidFill>
+                </a:rPr>
+                <a:t>Android SDK</a:t>
+              </a:r>
+            </a:p>
+          </p:txBody>
+        </p:sp>
+      </p:grpSp>
+      <p:grpSp>
+        <p:nvGrpSpPr>
+          <p:cNvPr id="121" name="Shape 121"/>
+          <p:cNvGrpSpPr/>
+          <p:nvPr/>
+        </p:nvGrpSpPr>
+        <p:grpSpPr>
+          <a:xfrm>
+            <a:off x="1993925" y="4058634"/>
+            <a:ext cx="1210200" cy="1636348"/>
+            <a:chOff x="537387" y="3941100"/>
+            <a:chExt cx="1210200" cy="1636348"/>
+          </a:xfrm>
+        </p:grpSpPr>
+        <p:pic>
+          <p:nvPicPr>
+            <p:cNvPr id="122" name="Shape 122"/>
+            <p:cNvPicPr preferRelativeResize="0"/>
+            <p:nvPr/>
+          </p:nvPicPr>
+          <p:blipFill>
+            <a:blip r:embed="rId8">
+              <a:alphaModFix/>
+            </a:blip>
+            <a:stretch>
+              <a:fillRect/>
+            </a:stretch>
+          </p:blipFill>
+          <p:spPr>
+            <a:xfrm>
+              <a:off x="599400" y="3941100"/>
+              <a:ext cx="1086199" cy="1120788"/>
+            </a:xfrm>
+            <a:prstGeom prst="rect">
+              <a:avLst/>
+            </a:prstGeom>
+            <a:noFill/>
+            <a:ln>
+              <a:noFill/>
+            </a:ln>
+          </p:spPr>
+        </p:pic>
+        <p:sp>
+          <p:nvSpPr>
+            <p:cNvPr id="123" name="Shape 123"/>
+            <p:cNvSpPr txBox="1"/>
+            <p:nvPr/>
+          </p:nvSpPr>
+          <p:spPr>
+            <a:xfrm>
+              <a:off x="537387" y="5161648"/>
+              <a:ext cx="1210200" cy="415800"/>
+            </a:xfrm>
+            <a:prstGeom prst="rect">
+              <a:avLst/>
+            </a:prstGeom>
+            <a:noFill/>
+            <a:ln>
+              <a:noFill/>
+            </a:ln>
+          </p:spPr>
+          <p:txBody>
+            <a:bodyPr lIns="91425" tIns="91425" rIns="91425" bIns="91425" anchor="t" anchorCtr="0">
+              <a:noAutofit/>
+            </a:bodyPr>
+            <a:lstStyle/>
+            <a:p>
+              <a:pPr lvl="0" rtl="0">
+                <a:spcBef>
+                  <a:spcPts val="0"/>
+                </a:spcBef>
+                <a:buNone/>
+              </a:pPr>
+              <a:r>
+                <a:rPr lang="ru" dirty="0">
+                  <a:solidFill>
+                    <a:schemeClr val="bg1">
+                      <a:lumMod val="95000"/>
+                    </a:schemeClr>
+                  </a:solidFill>
+                </a:rPr>
+                <a:t>PostgreSQL</a:t>
+              </a:r>
+            </a:p>
+          </p:txBody>
+        </p:sp>
+      </p:grpSp>
+      <p:grpSp>
+        <p:nvGrpSpPr>
+          <p:cNvPr id="124" name="Shape 124"/>
+          <p:cNvGrpSpPr/>
+          <p:nvPr/>
+        </p:nvGrpSpPr>
+        <p:grpSpPr>
+          <a:xfrm>
+            <a:off x="6799943" y="4034157"/>
+            <a:ext cx="1297500" cy="1660825"/>
+            <a:chOff x="6979718" y="3958400"/>
+            <a:chExt cx="1297500" cy="1660825"/>
+          </a:xfrm>
+        </p:grpSpPr>
+        <p:pic>
+          <p:nvPicPr>
+            <p:cNvPr id="125" name="Shape 125"/>
+            <p:cNvPicPr preferRelativeResize="0"/>
+            <p:nvPr/>
+          </p:nvPicPr>
+          <p:blipFill>
+            <a:blip r:embed="rId9">
+              <a:alphaModFix/>
+            </a:blip>
+            <a:stretch>
+              <a:fillRect/>
+            </a:stretch>
+          </p:blipFill>
+          <p:spPr>
+            <a:xfrm>
+              <a:off x="7105792" y="3958400"/>
+              <a:ext cx="1086200" cy="1086200"/>
+            </a:xfrm>
+            <a:prstGeom prst="rect">
+              <a:avLst/>
+            </a:prstGeom>
+            <a:noFill/>
+            <a:ln>
+              <a:noFill/>
+            </a:ln>
+          </p:spPr>
+        </p:pic>
+        <p:sp>
+          <p:nvSpPr>
+            <p:cNvPr id="126" name="Shape 126"/>
+            <p:cNvSpPr txBox="1"/>
+            <p:nvPr/>
+          </p:nvSpPr>
+          <p:spPr>
+            <a:xfrm>
+              <a:off x="6979718" y="5174625"/>
+              <a:ext cx="1297500" cy="444600"/>
+            </a:xfrm>
+            <a:prstGeom prst="rect">
+              <a:avLst/>
+            </a:prstGeom>
+            <a:noFill/>
+            <a:ln>
+              <a:noFill/>
+            </a:ln>
+          </p:spPr>
+          <p:txBody>
+            <a:bodyPr lIns="91425" tIns="91425" rIns="91425" bIns="91425" anchor="t" anchorCtr="0">
+              <a:noAutofit/>
+            </a:bodyPr>
+            <a:lstStyle/>
+            <a:p>
+              <a:pPr lvl="0" rtl="0">
+                <a:spcBef>
+                  <a:spcPts val="0"/>
+                </a:spcBef>
+                <a:buNone/>
+              </a:pPr>
+              <a:r>
+                <a:rPr lang="ru" dirty="0">
+                  <a:solidFill>
+                    <a:schemeClr val="bg1">
+                      <a:lumMod val="95000"/>
+                    </a:schemeClr>
+                  </a:solidFill>
+                </a:rPr>
+                <a:t>Sublime Text</a:t>
+              </a:r>
+            </a:p>
+          </p:txBody>
+        </p:sp>
+      </p:grpSp>
+      <p:grpSp>
+        <p:nvGrpSpPr>
+          <p:cNvPr id="127" name="Shape 127"/>
+          <p:cNvGrpSpPr/>
+          <p:nvPr/>
+        </p:nvGrpSpPr>
+        <p:grpSpPr>
+          <a:xfrm>
+            <a:off x="3497786" y="4034156"/>
+            <a:ext cx="1406464" cy="1620151"/>
+            <a:chOff x="1943285" y="3924635"/>
+            <a:chExt cx="1406464" cy="1660842"/>
+          </a:xfrm>
+        </p:grpSpPr>
+        <p:pic>
+          <p:nvPicPr>
+            <p:cNvPr id="128" name="Shape 128"/>
+            <p:cNvPicPr preferRelativeResize="0"/>
+            <p:nvPr/>
+          </p:nvPicPr>
+          <p:blipFill>
+            <a:blip r:embed="rId10">
+              <a:alphaModFix/>
+            </a:blip>
+            <a:stretch>
+              <a:fillRect/>
+            </a:stretch>
+          </p:blipFill>
+          <p:spPr>
+            <a:xfrm>
+              <a:off x="2139550" y="3924635"/>
+              <a:ext cx="1210200" cy="1153724"/>
+            </a:xfrm>
+            <a:prstGeom prst="rect">
+              <a:avLst/>
+            </a:prstGeom>
+            <a:noFill/>
+            <a:ln>
+              <a:noFill/>
+            </a:ln>
+          </p:spPr>
+        </p:pic>
+        <p:sp>
+          <p:nvSpPr>
+            <p:cNvPr id="129" name="Shape 129"/>
+            <p:cNvSpPr txBox="1"/>
+            <p:nvPr/>
+          </p:nvSpPr>
+          <p:spPr>
+            <a:xfrm>
+              <a:off x="1943285" y="5177777"/>
+              <a:ext cx="1393500" cy="407700"/>
+            </a:xfrm>
+            <a:prstGeom prst="rect">
+              <a:avLst/>
+            </a:prstGeom>
+            <a:noFill/>
+            <a:ln>
+              <a:noFill/>
+            </a:ln>
+          </p:spPr>
+          <p:txBody>
+            <a:bodyPr lIns="91425" tIns="91425" rIns="91425" bIns="91425" anchor="t" anchorCtr="0">
+              <a:noAutofit/>
+            </a:bodyPr>
+            <a:lstStyle/>
+            <a:p>
+              <a:pPr lvl="0" rtl="0">
+                <a:spcBef>
+                  <a:spcPts val="0"/>
+                </a:spcBef>
+                <a:buNone/>
+              </a:pPr>
+              <a:r>
+                <a:rPr lang="ru" dirty="0">
+                  <a:solidFill>
+                    <a:schemeClr val="bg1">
+                      <a:lumMod val="95000"/>
+                    </a:schemeClr>
+                  </a:solidFill>
+                </a:rPr>
+                <a:t>Apache Server</a:t>
+              </a:r>
+            </a:p>
+          </p:txBody>
+        </p:sp>
+      </p:grpSp>
+      <p:grpSp>
+        <p:nvGrpSpPr>
+          <p:cNvPr id="130" name="Shape 130"/>
+          <p:cNvGrpSpPr/>
+          <p:nvPr/>
+        </p:nvGrpSpPr>
+        <p:grpSpPr>
+          <a:xfrm>
+            <a:off x="477600" y="4053057"/>
+            <a:ext cx="1256699" cy="1641925"/>
+            <a:chOff x="477600" y="3945075"/>
+            <a:chExt cx="1256699" cy="1641925"/>
+          </a:xfrm>
+        </p:grpSpPr>
+        <p:pic>
+          <p:nvPicPr>
+            <p:cNvPr id="131" name="Shape 131"/>
+            <p:cNvPicPr preferRelativeResize="0"/>
+            <p:nvPr/>
+          </p:nvPicPr>
+          <p:blipFill>
+            <a:blip r:embed="rId11">
+              <a:alphaModFix/>
+            </a:blip>
+            <a:stretch>
+              <a:fillRect/>
+            </a:stretch>
+          </p:blipFill>
+          <p:spPr>
+            <a:xfrm>
+              <a:off x="477600" y="3945075"/>
+              <a:ext cx="1256699" cy="1181200"/>
+            </a:xfrm>
+            <a:prstGeom prst="rect">
+              <a:avLst/>
+            </a:prstGeom>
+            <a:noFill/>
+            <a:ln>
+              <a:noFill/>
+            </a:ln>
+          </p:spPr>
+        </p:pic>
+        <p:sp>
+          <p:nvSpPr>
+            <p:cNvPr id="132" name="Shape 132"/>
+            <p:cNvSpPr txBox="1"/>
+            <p:nvPr/>
+          </p:nvSpPr>
+          <p:spPr>
+            <a:xfrm>
+              <a:off x="562800" y="5171200"/>
+              <a:ext cx="1086300" cy="415800"/>
+            </a:xfrm>
+            <a:prstGeom prst="rect">
+              <a:avLst/>
+            </a:prstGeom>
+            <a:noFill/>
+            <a:ln>
+              <a:noFill/>
+            </a:ln>
+          </p:spPr>
+          <p:txBody>
+            <a:bodyPr lIns="91425" tIns="91425" rIns="91425" bIns="91425" anchor="t" anchorCtr="0">
+              <a:noAutofit/>
+            </a:bodyPr>
+            <a:lstStyle/>
+            <a:p>
+              <a:pPr lvl="0" rtl="0">
+                <a:spcBef>
+                  <a:spcPts val="0"/>
+                </a:spcBef>
+                <a:buNone/>
+              </a:pPr>
+              <a:r>
+                <a:rPr lang="ru" dirty="0">
+                  <a:solidFill>
+                    <a:schemeClr val="bg1">
+                      <a:lumMod val="95000"/>
+                    </a:schemeClr>
+                  </a:solidFill>
+                </a:rPr>
+                <a:t>Highcharts</a:t>
+              </a:r>
+            </a:p>
+          </p:txBody>
+        </p:sp>
+      </p:grpSp>
+      <p:grpSp>
+        <p:nvGrpSpPr>
+          <p:cNvPr id="133" name="Shape 133"/>
+          <p:cNvGrpSpPr/>
+          <p:nvPr/>
+        </p:nvGrpSpPr>
+        <p:grpSpPr>
+          <a:xfrm>
+            <a:off x="5197898" y="4088259"/>
+            <a:ext cx="1297513" cy="1606715"/>
+            <a:chOff x="5197898" y="4088259"/>
+            <a:chExt cx="1297513" cy="1606715"/>
+          </a:xfrm>
+        </p:grpSpPr>
+        <p:pic>
+          <p:nvPicPr>
+            <p:cNvPr id="134" name="Shape 134"/>
+            <p:cNvPicPr preferRelativeResize="0"/>
+            <p:nvPr/>
+          </p:nvPicPr>
+          <p:blipFill rotWithShape="1">
+            <a:blip r:embed="rId12">
+              <a:alphaModFix/>
+            </a:blip>
+            <a:srcRect r="-5351" b="-5351"/>
+            <a:stretch/>
+          </p:blipFill>
+          <p:spPr>
+            <a:xfrm>
+              <a:off x="5197898" y="4088259"/>
+              <a:ext cx="1297513" cy="1215560"/>
+            </a:xfrm>
+            <a:prstGeom prst="rect">
+              <a:avLst/>
+            </a:prstGeom>
+            <a:noFill/>
+            <a:ln>
+              <a:noFill/>
+            </a:ln>
+          </p:spPr>
+        </p:pic>
+        <p:sp>
+          <p:nvSpPr>
+            <p:cNvPr id="135" name="Shape 135"/>
+            <p:cNvSpPr txBox="1"/>
+            <p:nvPr/>
+          </p:nvSpPr>
+          <p:spPr>
+            <a:xfrm>
+              <a:off x="5586555" y="5250375"/>
+              <a:ext cx="520199" cy="444600"/>
+            </a:xfrm>
+            <a:prstGeom prst="rect">
+              <a:avLst/>
+            </a:prstGeom>
+            <a:noFill/>
+            <a:ln>
+              <a:noFill/>
+            </a:ln>
+          </p:spPr>
+          <p:txBody>
+            <a:bodyPr lIns="91425" tIns="91425" rIns="91425" bIns="91425" anchor="t" anchorCtr="0">
+              <a:noAutofit/>
+            </a:bodyPr>
+            <a:lstStyle/>
+            <a:p>
+              <a:pPr lvl="0" rtl="0">
+                <a:spcBef>
+                  <a:spcPts val="0"/>
+                </a:spcBef>
+                <a:buNone/>
+              </a:pPr>
+              <a:r>
+                <a:rPr lang="ru" dirty="0">
+                  <a:solidFill>
+                    <a:schemeClr val="bg1">
+                      <a:lumMod val="95000"/>
+                    </a:schemeClr>
+                  </a:solidFill>
+                </a:rPr>
+                <a:t>GIT</a:t>
+              </a:r>
+            </a:p>
+          </p:txBody>
+        </p:sp>
+      </p:grpSp>
+    </p:spTree>
+  </p:cSld>
+  <p:clrMapOvr>
+    <a:masterClrMapping/>
+  </p:clrMapOvr>
+  <p:transition spd="slow">
+    <p:cut/>
+  </p:transition>
+  <p:timing>
+    <p:tnLst>
+      <p:par>
+        <p:cTn id="1" dur="indefinite" restart="never" nodeType="tmRoot"/>
+      </p:par>
+    </p:tnLst>
+  </p:timing>
+</p:sld>
+</file>
+
+<file path=ppt/slides/slide5.xml><?xml version="1.0" encoding="utf-8"?>
 <p:sld xmlns:a="http://schemas.openxmlformats.org/drawingml/2006/main" xmlns:r="http://schemas.openxmlformats.org/officeDocument/2006/relationships" xmlns:p="http://schemas.openxmlformats.org/presentationml/2006/main">
   <p:cSld>
     <p:spTree>
@@ -8495,17 +10786,21 @@
               <a:buNone/>
             </a:pPr>
             <a:r>
-              <a:rPr lang="ru" u="sng">
-                <a:solidFill>
-                  <a:schemeClr val="lt2"/>
+              <a:rPr lang="ru" u="sng" dirty="0">
+                <a:solidFill>
+                  <a:schemeClr val="bg1">
+                    <a:lumMod val="95000"/>
+                  </a:schemeClr>
                 </a:solidFill>
               </a:rPr>
               <a:t>Backend</a:t>
             </a:r>
             <a:r>
-              <a:rPr lang="ru">
-                <a:solidFill>
-                  <a:schemeClr val="lt2"/>
+              <a:rPr lang="ru" dirty="0">
+                <a:solidFill>
+                  <a:schemeClr val="bg1">
+                    <a:lumMod val="95000"/>
+                  </a:schemeClr>
                 </a:solidFill>
               </a:rPr>
               <a:t> - серверная часть сервиса</a:t>
@@ -8545,17 +10840,21 @@
               <a:buNone/>
             </a:pPr>
             <a:r>
-              <a:rPr lang="ru" u="sng">
-                <a:solidFill>
-                  <a:schemeClr val="lt2"/>
+              <a:rPr lang="ru" u="sng" dirty="0">
+                <a:solidFill>
+                  <a:schemeClr val="bg1">
+                    <a:lumMod val="95000"/>
+                  </a:schemeClr>
                 </a:solidFill>
               </a:rPr>
               <a:t>Frontend</a:t>
             </a:r>
             <a:r>
-              <a:rPr lang="ru">
-                <a:solidFill>
-                  <a:schemeClr val="lt2"/>
+              <a:rPr lang="ru" dirty="0">
+                <a:solidFill>
+                  <a:schemeClr val="bg1">
+                    <a:lumMod val="95000"/>
+                  </a:schemeClr>
                 </a:solidFill>
               </a:rPr>
               <a:t> - интерфейс, между пользователем и backend</a:t>
@@ -8595,17 +10894,21 @@
               <a:buNone/>
             </a:pPr>
             <a:r>
-              <a:rPr lang="ru" u="sng">
-                <a:solidFill>
-                  <a:schemeClr val="lt2"/>
+              <a:rPr lang="ru" u="sng" dirty="0">
+                <a:solidFill>
+                  <a:schemeClr val="bg1">
+                    <a:lumMod val="95000"/>
+                  </a:schemeClr>
                 </a:solidFill>
               </a:rPr>
               <a:t>API</a:t>
             </a:r>
             <a:r>
-              <a:rPr lang="ru">
-                <a:solidFill>
-                  <a:schemeClr val="lt2"/>
+              <a:rPr lang="ru" dirty="0">
+                <a:solidFill>
+                  <a:schemeClr val="bg1">
+                    <a:lumMod val="95000"/>
+                  </a:schemeClr>
                 </a:solidFill>
               </a:rPr>
               <a:t> - интерфейс программирования приложений</a:t>
@@ -8667,7 +10970,7 @@
                 <a:buNone/>
               </a:pPr>
               <a:r>
-                <a:rPr lang="ru">
+                <a:rPr lang="ru" dirty="0">
                   <a:solidFill>
                     <a:srgbClr val="434343"/>
                   </a:solidFill>
@@ -8683,7 +10986,7 @@
                 <a:buNone/>
               </a:pPr>
               <a:r>
-                <a:rPr lang="ru" sz="1200">
+                <a:rPr lang="ru" sz="1200" dirty="0">
                   <a:solidFill>
                     <a:srgbClr val="434343"/>
                   </a:solidFill>
@@ -8847,7 +11150,7 @@
                   <a:buNone/>
                 </a:pPr>
                 <a:r>
-                  <a:rPr lang="ru">
+                  <a:rPr lang="ru" dirty="0">
                     <a:solidFill>
                       <a:srgbClr val="434343"/>
                     </a:solidFill>
@@ -8863,7 +11166,7 @@
                   <a:buNone/>
                 </a:pPr>
                 <a:r>
-                  <a:rPr lang="ru">
+                  <a:rPr lang="ru" dirty="0">
                     <a:solidFill>
                       <a:srgbClr val="434343"/>
                     </a:solidFill>
@@ -8967,7 +11270,7 @@
                 <a:buNone/>
               </a:pPr>
               <a:r>
-                <a:rPr lang="ru">
+                <a:rPr lang="ru" dirty="0">
                   <a:solidFill>
                     <a:srgbClr val="434343"/>
                   </a:solidFill>
@@ -8983,7 +11286,7 @@
                 <a:buNone/>
               </a:pPr>
               <a:r>
-                <a:rPr lang="ru">
+                <a:rPr lang="ru" dirty="0">
                   <a:solidFill>
                     <a:srgbClr val="434343"/>
                   </a:solidFill>
@@ -9177,7 +11480,616 @@
 </p:sld>
 </file>
 
-<file path=ppt/slides/slide5.xml><?xml version="1.0" encoding="utf-8"?>
+<file path=ppt/slides/slide6.xml><?xml version="1.0" encoding="utf-8"?>
+<p:sld xmlns:a="http://schemas.openxmlformats.org/drawingml/2006/main" xmlns:r="http://schemas.openxmlformats.org/officeDocument/2006/relationships" xmlns:p="http://schemas.openxmlformats.org/presentationml/2006/main">
+  <p:cSld>
+    <p:spTree>
+      <p:nvGrpSpPr>
+        <p:cNvPr id="1" name="Shape 139"/>
+        <p:cNvGrpSpPr/>
+        <p:nvPr/>
+      </p:nvGrpSpPr>
+      <p:grpSpPr>
+        <a:xfrm>
+          <a:off x="0" y="0"/>
+          <a:ext cx="0" cy="0"/>
+          <a:chOff x="0" y="0"/>
+          <a:chExt cx="0" cy="0"/>
+        </a:xfrm>
+      </p:grpSpPr>
+      <p:sp>
+        <p:nvSpPr>
+          <p:cNvPr id="140" name="Shape 140"/>
+          <p:cNvSpPr txBox="1">
+            <a:spLocks noGrp="1"/>
+          </p:cNvSpPr>
+          <p:nvPr>
+            <p:ph type="title"/>
+          </p:nvPr>
+        </p:nvSpPr>
+        <p:spPr>
+          <a:xfrm>
+            <a:off x="457200" y="274637"/>
+            <a:ext cx="8229600" cy="1143000"/>
+          </a:xfrm>
+          <a:prstGeom prst="rect">
+            <a:avLst/>
+          </a:prstGeom>
+        </p:spPr>
+        <p:txBody>
+          <a:bodyPr lIns="91425" tIns="91425" rIns="91425" bIns="91425" anchor="b" anchorCtr="0">
+            <a:noAutofit/>
+          </a:bodyPr>
+          <a:lstStyle/>
+          <a:p>
+            <a:pPr>
+              <a:spcBef>
+                <a:spcPts val="0"/>
+              </a:spcBef>
+              <a:buNone/>
+            </a:pPr>
+            <a:r>
+              <a:rPr lang="ru-RU" dirty="0" smtClean="0"/>
+              <a:t>Анализ  системы</a:t>
+            </a:r>
+            <a:endParaRPr lang="ru" dirty="0"/>
+          </a:p>
+        </p:txBody>
+      </p:sp>
+      <p:sp>
+        <p:nvSpPr>
+          <p:cNvPr id="2" name="TextBox 1"/>
+          <p:cNvSpPr txBox="1"/>
+          <p:nvPr/>
+        </p:nvSpPr>
+        <p:spPr>
+          <a:xfrm>
+            <a:off x="457200" y="1622323"/>
+            <a:ext cx="4154129" cy="4785926"/>
+          </a:xfrm>
+          <a:prstGeom prst="rect">
+            <a:avLst/>
+          </a:prstGeom>
+          <a:noFill/>
+        </p:spPr>
+        <p:txBody>
+          <a:bodyPr wrap="square" rtlCol="0">
+            <a:spAutoFit/>
+          </a:bodyPr>
+          <a:lstStyle/>
+          <a:p>
+            <a:pPr>
+              <a:spcAft>
+                <a:spcPts val="1800"/>
+              </a:spcAft>
+            </a:pPr>
+            <a:r>
+              <a:rPr lang="ru-RU" sz="2000" dirty="0" smtClean="0">
+                <a:solidFill>
+                  <a:schemeClr val="bg1">
+                    <a:lumMod val="95000"/>
+                  </a:schemeClr>
+                </a:solidFill>
+              </a:rPr>
+              <a:t>Мероприятия, проведенные в ходе анализа системы</a:t>
+            </a:r>
+            <a:r>
+              <a:rPr lang="en-US" sz="2000" dirty="0" smtClean="0">
+                <a:solidFill>
+                  <a:schemeClr val="bg1">
+                    <a:lumMod val="95000"/>
+                  </a:schemeClr>
+                </a:solidFill>
+              </a:rPr>
+              <a:t>:</a:t>
+            </a:r>
+          </a:p>
+          <a:p>
+            <a:pPr marL="285750" indent="-285750">
+              <a:spcAft>
+                <a:spcPts val="1200"/>
+              </a:spcAft>
+              <a:buFont typeface="Arial" panose="020B0604020202020204" pitchFamily="34" charset="0"/>
+              <a:buChar char="•"/>
+            </a:pPr>
+            <a:r>
+              <a:rPr lang="ru-RU" sz="2000" dirty="0" smtClean="0">
+                <a:solidFill>
+                  <a:schemeClr val="bg1">
+                    <a:lumMod val="95000"/>
+                  </a:schemeClr>
+                </a:solidFill>
+              </a:rPr>
+              <a:t>Опрос потенциальных пользователей</a:t>
+            </a:r>
+            <a:endParaRPr lang="en-US" sz="2000" dirty="0" smtClean="0">
+              <a:solidFill>
+                <a:schemeClr val="bg1">
+                  <a:lumMod val="95000"/>
+                </a:schemeClr>
+              </a:solidFill>
+            </a:endParaRPr>
+          </a:p>
+          <a:p>
+            <a:pPr marL="285750" indent="-285750">
+              <a:spcAft>
+                <a:spcPts val="1200"/>
+              </a:spcAft>
+              <a:buFont typeface="Arial" panose="020B0604020202020204" pitchFamily="34" charset="0"/>
+              <a:buChar char="•"/>
+            </a:pPr>
+            <a:r>
+              <a:rPr lang="ru-RU" sz="2000" dirty="0">
+                <a:solidFill>
+                  <a:schemeClr val="bg1">
+                    <a:lumMod val="95000"/>
+                  </a:schemeClr>
+                </a:solidFill>
+              </a:rPr>
+              <a:t>Анализ журналов сервера</a:t>
+            </a:r>
+            <a:endParaRPr lang="ru-RU" sz="2000" dirty="0" smtClean="0">
+              <a:solidFill>
+                <a:schemeClr val="bg1">
+                  <a:lumMod val="95000"/>
+                </a:schemeClr>
+              </a:solidFill>
+            </a:endParaRPr>
+          </a:p>
+          <a:p>
+            <a:pPr marL="285750" indent="-285750">
+              <a:spcAft>
+                <a:spcPts val="1200"/>
+              </a:spcAft>
+              <a:buFont typeface="Arial" panose="020B0604020202020204" pitchFamily="34" charset="0"/>
+              <a:buChar char="•"/>
+            </a:pPr>
+            <a:r>
+              <a:rPr lang="ru-RU" sz="2000" dirty="0" err="1" smtClean="0">
+                <a:solidFill>
+                  <a:schemeClr val="bg1">
+                    <a:lumMod val="95000"/>
+                  </a:schemeClr>
+                </a:solidFill>
+              </a:rPr>
+              <a:t>Профайлинг</a:t>
+            </a:r>
+            <a:r>
+              <a:rPr lang="ru-RU" sz="2000" dirty="0" smtClean="0">
+                <a:solidFill>
+                  <a:schemeClr val="bg1">
+                    <a:lumMod val="95000"/>
+                  </a:schemeClr>
+                </a:solidFill>
+              </a:rPr>
+              <a:t> </a:t>
+            </a:r>
+            <a:r>
+              <a:rPr lang="en-US" sz="2000" dirty="0" smtClean="0">
+                <a:solidFill>
+                  <a:schemeClr val="bg1">
+                    <a:lumMod val="95000"/>
+                  </a:schemeClr>
+                </a:solidFill>
+              </a:rPr>
+              <a:t>SQL</a:t>
+            </a:r>
+            <a:r>
+              <a:rPr lang="ru-RU" sz="2000" dirty="0" smtClean="0">
+                <a:solidFill>
+                  <a:schemeClr val="bg1">
+                    <a:lumMod val="95000"/>
+                  </a:schemeClr>
+                </a:solidFill>
+              </a:rPr>
+              <a:t>-запросов</a:t>
+            </a:r>
+          </a:p>
+          <a:p>
+            <a:pPr marL="285750" indent="-285750">
+              <a:spcAft>
+                <a:spcPts val="1200"/>
+              </a:spcAft>
+              <a:buFont typeface="Arial" panose="020B0604020202020204" pitchFamily="34" charset="0"/>
+              <a:buChar char="•"/>
+            </a:pPr>
+            <a:r>
+              <a:rPr lang="ru-RU" sz="2000" dirty="0" smtClean="0">
+                <a:solidFill>
+                  <a:schemeClr val="bg1">
+                    <a:lumMod val="95000"/>
+                  </a:schemeClr>
+                </a:solidFill>
+              </a:rPr>
+              <a:t>Сбор и анализ системной статистики </a:t>
+            </a:r>
+            <a:r>
+              <a:rPr lang="en-US" sz="2000" dirty="0" err="1" smtClean="0">
+                <a:solidFill>
+                  <a:schemeClr val="bg1">
+                    <a:lumMod val="95000"/>
+                  </a:schemeClr>
+                </a:solidFill>
+              </a:rPr>
+              <a:t>PostgreSQL</a:t>
+            </a:r>
+            <a:endParaRPr lang="ru-RU" sz="2000" dirty="0" smtClean="0">
+              <a:solidFill>
+                <a:schemeClr val="bg1">
+                  <a:lumMod val="95000"/>
+                </a:schemeClr>
+              </a:solidFill>
+            </a:endParaRPr>
+          </a:p>
+          <a:p>
+            <a:pPr marL="285750" indent="-285750">
+              <a:spcAft>
+                <a:spcPts val="1200"/>
+              </a:spcAft>
+              <a:buFont typeface="Arial" panose="020B0604020202020204" pitchFamily="34" charset="0"/>
+              <a:buChar char="•"/>
+            </a:pPr>
+            <a:r>
+              <a:rPr lang="ru-RU" sz="2000" dirty="0" err="1" smtClean="0">
+                <a:solidFill>
+                  <a:schemeClr val="bg1">
+                    <a:lumMod val="95000"/>
+                  </a:schemeClr>
+                </a:solidFill>
+              </a:rPr>
+              <a:t>Профайлинг</a:t>
+            </a:r>
+            <a:r>
+              <a:rPr lang="ru-RU" sz="2000" dirty="0" smtClean="0">
+                <a:solidFill>
+                  <a:schemeClr val="bg1">
+                    <a:lumMod val="95000"/>
+                  </a:schemeClr>
+                </a:solidFill>
+              </a:rPr>
+              <a:t> </a:t>
+            </a:r>
+            <a:r>
+              <a:rPr lang="en-US" sz="2000" dirty="0" smtClean="0">
+                <a:solidFill>
+                  <a:schemeClr val="bg1">
+                    <a:lumMod val="95000"/>
+                  </a:schemeClr>
+                </a:solidFill>
+              </a:rPr>
+              <a:t>WEB-</a:t>
+            </a:r>
+            <a:r>
+              <a:rPr lang="ru-RU" sz="2000" dirty="0" smtClean="0">
+                <a:solidFill>
+                  <a:schemeClr val="bg1">
+                    <a:lumMod val="95000"/>
+                  </a:schemeClr>
+                </a:solidFill>
+              </a:rPr>
+              <a:t>сайта и мобильного приложения-</a:t>
+            </a:r>
+            <a:r>
+              <a:rPr lang="ru-RU" sz="2000" dirty="0" err="1" smtClean="0">
+                <a:solidFill>
+                  <a:schemeClr val="bg1">
+                    <a:lumMod val="95000"/>
+                  </a:schemeClr>
+                </a:solidFill>
+              </a:rPr>
+              <a:t>трекера</a:t>
+            </a:r>
+            <a:endParaRPr lang="ru-RU" sz="2000" dirty="0" smtClean="0">
+              <a:solidFill>
+                <a:schemeClr val="bg1">
+                  <a:lumMod val="95000"/>
+                </a:schemeClr>
+              </a:solidFill>
+            </a:endParaRPr>
+          </a:p>
+          <a:p>
+            <a:pPr marL="285750" indent="-285750">
+              <a:spcAft>
+                <a:spcPts val="1200"/>
+              </a:spcAft>
+              <a:buFont typeface="Arial" panose="020B0604020202020204" pitchFamily="34" charset="0"/>
+              <a:buChar char="•"/>
+            </a:pPr>
+            <a:endParaRPr lang="ru-RU" sz="2000" dirty="0" smtClean="0">
+              <a:solidFill>
+                <a:schemeClr val="bg1">
+                  <a:lumMod val="95000"/>
+                </a:schemeClr>
+              </a:solidFill>
+            </a:endParaRPr>
+          </a:p>
+        </p:txBody>
+      </p:sp>
+      <p:sp>
+        <p:nvSpPr>
+          <p:cNvPr id="18" name="TextBox 17"/>
+          <p:cNvSpPr txBox="1"/>
+          <p:nvPr/>
+        </p:nvSpPr>
+        <p:spPr>
+          <a:xfrm>
+            <a:off x="4611330" y="1622323"/>
+            <a:ext cx="4257368" cy="4770537"/>
+          </a:xfrm>
+          <a:prstGeom prst="rect">
+            <a:avLst/>
+          </a:prstGeom>
+          <a:noFill/>
+        </p:spPr>
+        <p:txBody>
+          <a:bodyPr wrap="square" rtlCol="0">
+            <a:spAutoFit/>
+          </a:bodyPr>
+          <a:lstStyle/>
+          <a:p>
+            <a:pPr>
+              <a:spcAft>
+                <a:spcPts val="1200"/>
+              </a:spcAft>
+            </a:pPr>
+            <a:r>
+              <a:rPr lang="ru-RU" sz="2000" dirty="0" smtClean="0">
+                <a:solidFill>
+                  <a:schemeClr val="bg1">
+                    <a:lumMod val="95000"/>
+                  </a:schemeClr>
+                </a:solidFill>
+              </a:rPr>
+              <a:t>Заключение</a:t>
+            </a:r>
+            <a:r>
+              <a:rPr lang="en-US" sz="2000" dirty="0" smtClean="0">
+                <a:solidFill>
+                  <a:schemeClr val="bg1">
+                    <a:lumMod val="95000"/>
+                  </a:schemeClr>
+                </a:solidFill>
+              </a:rPr>
+              <a:t>:</a:t>
+            </a:r>
+          </a:p>
+          <a:p>
+            <a:pPr marL="285750" indent="-285750">
+              <a:spcAft>
+                <a:spcPts val="1200"/>
+              </a:spcAft>
+              <a:buFont typeface="Arial" panose="020B0604020202020204" pitchFamily="34" charset="0"/>
+              <a:buChar char="•"/>
+            </a:pPr>
+            <a:r>
+              <a:rPr lang="ru-RU" sz="1600" dirty="0" smtClean="0">
+                <a:solidFill>
+                  <a:schemeClr val="bg1">
+                    <a:lumMod val="95000"/>
+                  </a:schemeClr>
+                </a:solidFill>
+              </a:rPr>
+              <a:t>Некоторые </a:t>
+            </a:r>
+            <a:r>
+              <a:rPr lang="en-US" sz="1600" dirty="0" smtClean="0">
+                <a:solidFill>
+                  <a:schemeClr val="bg1">
+                    <a:lumMod val="95000"/>
+                  </a:schemeClr>
+                </a:solidFill>
+              </a:rPr>
+              <a:t>SQL-</a:t>
+            </a:r>
+            <a:r>
+              <a:rPr lang="ru-RU" sz="1600" dirty="0" smtClean="0">
+                <a:solidFill>
+                  <a:schemeClr val="bg1">
+                    <a:lumMod val="95000"/>
+                  </a:schemeClr>
+                </a:solidFill>
+              </a:rPr>
+              <a:t>запросы превышают допустимое время выполнения</a:t>
+            </a:r>
+          </a:p>
+          <a:p>
+            <a:pPr marL="285750" indent="-285750">
+              <a:spcAft>
+                <a:spcPts val="1200"/>
+              </a:spcAft>
+              <a:buFont typeface="Arial" panose="020B0604020202020204" pitchFamily="34" charset="0"/>
+              <a:buChar char="•"/>
+            </a:pPr>
+            <a:r>
+              <a:rPr lang="ru-RU" sz="1600" dirty="0" smtClean="0">
+                <a:solidFill>
+                  <a:schemeClr val="bg1">
+                    <a:lumMod val="95000"/>
+                  </a:schemeClr>
+                </a:solidFill>
+              </a:rPr>
+              <a:t>В алгоритме распределения </a:t>
+            </a:r>
+            <a:r>
+              <a:rPr lang="ru-RU" sz="1600" dirty="0" err="1" smtClean="0">
+                <a:solidFill>
+                  <a:schemeClr val="bg1">
+                    <a:lumMod val="95000"/>
+                  </a:schemeClr>
+                </a:solidFill>
+              </a:rPr>
+              <a:t>геоданных</a:t>
+            </a:r>
+            <a:r>
+              <a:rPr lang="ru-RU" sz="1600" dirty="0" smtClean="0">
+                <a:solidFill>
+                  <a:schemeClr val="bg1">
+                    <a:lumMod val="95000"/>
+                  </a:schemeClr>
+                </a:solidFill>
+              </a:rPr>
+              <a:t>  выявлена ошибка</a:t>
+            </a:r>
+          </a:p>
+          <a:p>
+            <a:pPr marL="285750" indent="-285750">
+              <a:spcAft>
+                <a:spcPts val="1200"/>
+              </a:spcAft>
+              <a:buFont typeface="Arial" panose="020B0604020202020204" pitchFamily="34" charset="0"/>
+              <a:buChar char="•"/>
+            </a:pPr>
+            <a:r>
+              <a:rPr lang="ru-RU" sz="1600" dirty="0" smtClean="0">
+                <a:solidFill>
+                  <a:schemeClr val="bg1">
+                    <a:lumMod val="95000"/>
+                  </a:schemeClr>
+                </a:solidFill>
+              </a:rPr>
+              <a:t>Передаваемые </a:t>
+            </a:r>
+            <a:r>
+              <a:rPr lang="ru-RU" sz="1600" dirty="0" err="1" smtClean="0">
+                <a:solidFill>
+                  <a:schemeClr val="bg1">
+                    <a:lumMod val="95000"/>
+                  </a:schemeClr>
+                </a:solidFill>
+              </a:rPr>
+              <a:t>геоданные</a:t>
+            </a:r>
+            <a:r>
+              <a:rPr lang="ru-RU" sz="1600" dirty="0" smtClean="0">
+                <a:solidFill>
+                  <a:schemeClr val="bg1">
+                    <a:lumMod val="95000"/>
+                  </a:schemeClr>
+                </a:solidFill>
+              </a:rPr>
+              <a:t> нуждаются в фильтрации</a:t>
+            </a:r>
+          </a:p>
+          <a:p>
+            <a:pPr marL="285750" indent="-285750">
+              <a:spcAft>
+                <a:spcPts val="1200"/>
+              </a:spcAft>
+              <a:buFont typeface="Arial" panose="020B0604020202020204" pitchFamily="34" charset="0"/>
+              <a:buChar char="•"/>
+            </a:pPr>
+            <a:r>
+              <a:rPr lang="ru-RU" sz="1600" dirty="0" smtClean="0">
+                <a:solidFill>
+                  <a:schemeClr val="bg1">
+                    <a:lumMod val="95000"/>
+                  </a:schemeClr>
+                </a:solidFill>
+              </a:rPr>
+              <a:t>Алгоритм синхронизации локального хранилища </a:t>
+            </a:r>
+            <a:r>
+              <a:rPr lang="ru-RU" sz="1600" dirty="0" err="1" smtClean="0">
+                <a:solidFill>
+                  <a:schemeClr val="bg1">
+                    <a:lumMod val="95000"/>
+                  </a:schemeClr>
+                </a:solidFill>
+              </a:rPr>
+              <a:t>трекера</a:t>
+            </a:r>
+            <a:r>
+              <a:rPr lang="ru-RU" sz="1600" dirty="0" smtClean="0">
+                <a:solidFill>
+                  <a:schemeClr val="bg1">
+                    <a:lumMod val="95000"/>
+                  </a:schemeClr>
+                </a:solidFill>
+              </a:rPr>
+              <a:t> с сервером нуждается в оптимизации</a:t>
+            </a:r>
+          </a:p>
+          <a:p>
+            <a:pPr marL="285750" indent="-285750">
+              <a:spcAft>
+                <a:spcPts val="1200"/>
+              </a:spcAft>
+              <a:buFont typeface="Arial" panose="020B0604020202020204" pitchFamily="34" charset="0"/>
+              <a:buChar char="•"/>
+            </a:pPr>
+            <a:r>
+              <a:rPr lang="ru-RU" sz="1600" dirty="0" smtClean="0">
+                <a:solidFill>
+                  <a:schemeClr val="bg1">
+                    <a:lumMod val="95000"/>
+                  </a:schemeClr>
+                </a:solidFill>
+              </a:rPr>
+              <a:t>Загрузка страниц </a:t>
+            </a:r>
+            <a:r>
+              <a:rPr lang="en-US" sz="1600" dirty="0" smtClean="0">
+                <a:solidFill>
+                  <a:schemeClr val="bg1">
+                    <a:lumMod val="95000"/>
+                  </a:schemeClr>
+                </a:solidFill>
+              </a:rPr>
+              <a:t>WEB-</a:t>
+            </a:r>
+            <a:r>
+              <a:rPr lang="ru-RU" sz="1600" dirty="0" smtClean="0">
+                <a:solidFill>
+                  <a:schemeClr val="bg1">
+                    <a:lumMod val="95000"/>
+                  </a:schemeClr>
+                </a:solidFill>
+              </a:rPr>
+              <a:t>сайта, содержащих статистическую информацию, превышает допустимое время загрузки</a:t>
+            </a:r>
+          </a:p>
+          <a:p>
+            <a:pPr marL="285750" indent="-285750">
+              <a:spcAft>
+                <a:spcPts val="1200"/>
+              </a:spcAft>
+              <a:buFont typeface="Arial" panose="020B0604020202020204" pitchFamily="34" charset="0"/>
+              <a:buChar char="•"/>
+            </a:pPr>
+            <a:endParaRPr lang="ru-RU" sz="1600" dirty="0" smtClean="0">
+              <a:solidFill>
+                <a:schemeClr val="bg1">
+                  <a:lumMod val="95000"/>
+                </a:schemeClr>
+              </a:solidFill>
+            </a:endParaRPr>
+          </a:p>
+        </p:txBody>
+      </p:sp>
+    </p:spTree>
+    <p:extLst>
+      <p:ext uri="{BB962C8B-B14F-4D97-AF65-F5344CB8AC3E}">
+        <p14:creationId xmlns:p14="http://schemas.microsoft.com/office/powerpoint/2010/main" val="1414482282"/>
+      </p:ext>
+    </p:extLst>
+  </p:cSld>
+  <p:clrMapOvr>
+    <a:masterClrMapping/>
+  </p:clrMapOvr>
+  <p:transition spd="slow">
+    <p:cut/>
+  </p:transition>
+  <p:timing>
+    <p:tnLst>
+      <p:par>
+        <p:cTn id="1" dur="indefinite" restart="never" nodeType="tmRoot"/>
+      </p:par>
+    </p:tnLst>
+  </p:timing>
+</p:sld>
+</file>
+
+<file path=ppt/slides/slide7.xml><?xml version="1.0" encoding="utf-8"?>
 <p:sld xmlns:a="http://schemas.openxmlformats.org/drawingml/2006/main" xmlns:r="http://schemas.openxmlformats.org/officeDocument/2006/relationships" xmlns:p="http://schemas.openxmlformats.org/presentationml/2006/main">
   <p:cSld>
     <p:spTree>
@@ -9211,17 +12123,227 @@
           <a:p>
             <a:r>
               <a:rPr lang="ru-RU" dirty="0" smtClean="0"/>
-              <a:t>Анализ алгоритма распределения </a:t>
-            </a:r>
-            <a:r>
-              <a:rPr lang="ru-RU" dirty="0" err="1" smtClean="0"/>
+              <a:t>Анализ и модернизация БД</a:t>
+            </a:r>
+            <a:endParaRPr lang="ru-RU" dirty="0"/>
+          </a:p>
+        </p:txBody>
+      </p:sp>
+      <p:sp>
+        <p:nvSpPr>
+          <p:cNvPr id="3" name="Текст 2"/>
+          <p:cNvSpPr>
+            <a:spLocks noGrp="1"/>
+          </p:cNvSpPr>
+          <p:nvPr>
+            <p:ph type="body" idx="1"/>
+          </p:nvPr>
+        </p:nvSpPr>
+        <p:spPr>
+          <a:xfrm>
+            <a:off x="457200" y="1417637"/>
+            <a:ext cx="8229600" cy="4914337"/>
+          </a:xfrm>
+        </p:spPr>
+        <p:txBody>
+          <a:bodyPr/>
+          <a:lstStyle/>
+          <a:p>
+            <a:pPr marL="457200" indent="-457200">
+              <a:buFont typeface="Arial" panose="020B0604020202020204" pitchFamily="34" charset="0"/>
+              <a:buChar char="•"/>
+            </a:pPr>
+            <a:r>
+              <a:rPr lang="ru-RU" dirty="0" smtClean="0">
+                <a:solidFill>
+                  <a:schemeClr val="bg1">
+                    <a:lumMod val="95000"/>
+                  </a:schemeClr>
+                </a:solidFill>
+              </a:rPr>
+              <a:t>Был проведен анализ и </a:t>
+            </a:r>
+            <a:r>
+              <a:rPr lang="ru-RU" dirty="0" err="1" smtClean="0">
+                <a:solidFill>
+                  <a:schemeClr val="bg1">
+                    <a:lumMod val="95000"/>
+                  </a:schemeClr>
+                </a:solidFill>
+              </a:rPr>
+              <a:t>профайлинг</a:t>
+            </a:r>
+            <a:r>
+              <a:rPr lang="ru-RU" dirty="0" smtClean="0">
+                <a:solidFill>
+                  <a:schemeClr val="bg1">
+                    <a:lumMod val="95000"/>
+                  </a:schemeClr>
+                </a:solidFill>
+              </a:rPr>
+              <a:t> запросов на основе журналов сервера</a:t>
+            </a:r>
+          </a:p>
+          <a:p>
+            <a:pPr marL="457200" indent="-457200">
+              <a:buFont typeface="Arial" panose="020B0604020202020204" pitchFamily="34" charset="0"/>
+              <a:buChar char="•"/>
+            </a:pPr>
+            <a:endParaRPr lang="ru-RU" dirty="0" smtClean="0">
+              <a:solidFill>
+                <a:schemeClr val="bg1">
+                  <a:lumMod val="95000"/>
+                </a:schemeClr>
+              </a:solidFill>
+            </a:endParaRPr>
+          </a:p>
+          <a:p>
+            <a:pPr marL="457200" indent="-457200">
+              <a:buFont typeface="Arial" panose="020B0604020202020204" pitchFamily="34" charset="0"/>
+              <a:buChar char="•"/>
+            </a:pPr>
+            <a:r>
+              <a:rPr lang="ru-RU" dirty="0" smtClean="0">
+                <a:solidFill>
+                  <a:schemeClr val="bg1">
+                    <a:lumMod val="95000"/>
+                  </a:schemeClr>
+                </a:solidFill>
+              </a:rPr>
+              <a:t>По результатам тестирования была проведена оптимизация связей и структуры хранения данных.</a:t>
+            </a:r>
+          </a:p>
+          <a:p>
+            <a:pPr marL="457200" indent="-457200">
+              <a:buFont typeface="Arial" panose="020B0604020202020204" pitchFamily="34" charset="0"/>
+              <a:buChar char="•"/>
+            </a:pPr>
+            <a:endParaRPr lang="ru-RU" dirty="0" smtClean="0">
+              <a:solidFill>
+                <a:schemeClr val="bg1">
+                  <a:lumMod val="95000"/>
+                </a:schemeClr>
+              </a:solidFill>
+            </a:endParaRPr>
+          </a:p>
+          <a:p>
+            <a:pPr marL="457200" indent="-457200">
+              <a:buFont typeface="Arial" panose="020B0604020202020204" pitchFamily="34" charset="0"/>
+              <a:buChar char="•"/>
+            </a:pPr>
+            <a:r>
+              <a:rPr lang="ru-RU" dirty="0" smtClean="0">
+                <a:solidFill>
+                  <a:schemeClr val="bg1">
+                    <a:lumMod val="95000"/>
+                  </a:schemeClr>
+                </a:solidFill>
+              </a:rPr>
+              <a:t>Наиболее объемные и медленные запросы были переработаны</a:t>
+            </a:r>
+          </a:p>
+          <a:p>
+            <a:pPr marL="457200" indent="-457200">
+              <a:buFont typeface="Arial" panose="020B0604020202020204" pitchFamily="34" charset="0"/>
+              <a:buChar char="•"/>
+            </a:pPr>
+            <a:endParaRPr lang="ru-RU" dirty="0"/>
+          </a:p>
+          <a:p>
+            <a:pPr marL="457200" indent="-457200">
+              <a:buFont typeface="Arial" panose="020B0604020202020204" pitchFamily="34" charset="0"/>
+              <a:buChar char="•"/>
+            </a:pPr>
+            <a:endParaRPr lang="ru-RU" dirty="0" smtClean="0"/>
+          </a:p>
+          <a:p>
+            <a:pPr marL="457200" indent="-457200">
+              <a:buFont typeface="Arial" panose="020B0604020202020204" pitchFamily="34" charset="0"/>
+              <a:buChar char="•"/>
+            </a:pPr>
+            <a:endParaRPr lang="ru-RU" dirty="0" smtClean="0"/>
+          </a:p>
+          <a:p>
+            <a:pPr marL="457200" indent="-457200">
+              <a:buFont typeface="Arial" panose="020B0604020202020204" pitchFamily="34" charset="0"/>
+              <a:buChar char="•"/>
+            </a:pPr>
+            <a:endParaRPr lang="ru-RU" dirty="0" smtClean="0"/>
+          </a:p>
+          <a:p>
+            <a:pPr marL="457200" indent="-457200">
+              <a:buFont typeface="Arial" panose="020B0604020202020204" pitchFamily="34" charset="0"/>
+              <a:buChar char="•"/>
+            </a:pPr>
+            <a:endParaRPr lang="ru-RU" dirty="0"/>
+          </a:p>
+        </p:txBody>
+      </p:sp>
+    </p:spTree>
+    <p:extLst>
+      <p:ext uri="{BB962C8B-B14F-4D97-AF65-F5344CB8AC3E}">
+        <p14:creationId xmlns:p14="http://schemas.microsoft.com/office/powerpoint/2010/main" val="2165145386"/>
+      </p:ext>
+    </p:extLst>
+  </p:cSld>
+  <p:clrMapOvr>
+    <a:masterClrMapping/>
+  </p:clrMapOvr>
+  <p:timing>
+    <p:tnLst>
+      <p:par>
+        <p:cTn id="1" dur="indefinite" restart="never" nodeType="tmRoot"/>
+      </p:par>
+    </p:tnLst>
+  </p:timing>
+</p:sld>
+</file>
+
+<file path=ppt/slides/slide8.xml><?xml version="1.0" encoding="utf-8"?>
+<p:sld xmlns:a="http://schemas.openxmlformats.org/drawingml/2006/main" xmlns:r="http://schemas.openxmlformats.org/officeDocument/2006/relationships" xmlns:p="http://schemas.openxmlformats.org/presentationml/2006/main">
+  <p:cSld>
+    <p:spTree>
+      <p:nvGrpSpPr>
+        <p:cNvPr id="1" name=""/>
+        <p:cNvGrpSpPr/>
+        <p:nvPr/>
+      </p:nvGrpSpPr>
+      <p:grpSpPr>
+        <a:xfrm>
+          <a:off x="0" y="0"/>
+          <a:ext cx="0" cy="0"/>
+          <a:chOff x="0" y="0"/>
+          <a:chExt cx="0" cy="0"/>
+        </a:xfrm>
+      </p:grpSpPr>
+      <p:sp>
+        <p:nvSpPr>
+          <p:cNvPr id="2" name="Заголовок 1"/>
+          <p:cNvSpPr>
+            <a:spLocks noGrp="1"/>
+          </p:cNvSpPr>
+          <p:nvPr>
+            <p:ph type="title"/>
+          </p:nvPr>
+        </p:nvSpPr>
+        <p:spPr/>
+        <p:txBody>
+          <a:bodyPr/>
+          <a:lstStyle/>
+          <a:p>
+            <a:r>
+              <a:rPr lang="ru-RU" sz="3200" dirty="0" smtClean="0"/>
+              <a:t>Распределение </a:t>
+            </a:r>
+            <a:r>
+              <a:rPr lang="ru-RU" sz="3200" dirty="0" err="1" smtClean="0"/>
               <a:t>геоданных</a:t>
             </a:r>
             <a:r>
-              <a:rPr lang="ru-RU" dirty="0" smtClean="0"/>
+              <a:rPr lang="ru-RU" sz="3200" dirty="0" smtClean="0"/>
               <a:t> по маршрутам</a:t>
             </a:r>
-            <a:endParaRPr lang="ru-RU" dirty="0"/>
+            <a:endParaRPr lang="ru-RU" sz="3200" dirty="0"/>
           </a:p>
         </p:txBody>
       </p:sp>
@@ -9267,13 +12389,47 @@
         </p:nvSpPr>
         <p:spPr>
           <a:xfrm>
-            <a:off x="5411941" y="1533833"/>
-            <a:ext cx="3456756" cy="4798142"/>
+            <a:off x="5712541" y="1533833"/>
+            <a:ext cx="3156155" cy="4798142"/>
           </a:xfrm>
         </p:spPr>
         <p:txBody>
           <a:bodyPr/>
           <a:lstStyle/>
+          <a:p>
+            <a:pPr>
+              <a:spcAft>
+                <a:spcPts val="1800"/>
+              </a:spcAft>
+            </a:pPr>
+            <a:r>
+              <a:rPr lang="ru-RU" sz="1800" dirty="0" smtClean="0">
+                <a:solidFill>
+                  <a:schemeClr val="bg1">
+                    <a:lumMod val="95000"/>
+                  </a:schemeClr>
+                </a:solidFill>
+              </a:rPr>
+              <a:t>Результаты оптимизации</a:t>
+            </a:r>
+            <a:r>
+              <a:rPr lang="en-US" sz="1800" dirty="0" smtClean="0">
+                <a:solidFill>
+                  <a:schemeClr val="bg1">
+                    <a:lumMod val="95000"/>
+                  </a:schemeClr>
+                </a:solidFill>
+              </a:rPr>
+              <a:t>:</a:t>
+            </a:r>
+            <a:endParaRPr lang="ru-RU" sz="1800" dirty="0">
+              <a:solidFill>
+                <a:schemeClr val="bg1">
+                  <a:lumMod val="95000"/>
+                </a:schemeClr>
+              </a:solidFill>
+            </a:endParaRPr>
+          </a:p>
           <a:p>
             <a:pPr marL="457200" indent="-457200">
               <a:spcAft>
@@ -9283,7 +12439,13 @@
               <a:buChar char="•"/>
             </a:pPr>
             <a:r>
-              <a:rPr lang="ru-RU" sz="1800" dirty="0" smtClean="0"/>
+              <a:rPr lang="ru-RU" sz="1800" dirty="0" smtClean="0">
+                <a:solidFill>
+                  <a:schemeClr val="bg1">
+                    <a:lumMod val="95000"/>
+                  </a:schemeClr>
+                </a:solidFill>
+              </a:rPr>
               <a:t>Динамическое вычисление времени начала, конца, длительности и протяжённости маршрута</a:t>
             </a:r>
           </a:p>
@@ -9296,7 +12458,13 @@
               <a:buChar char="•"/>
             </a:pPr>
             <a:r>
-              <a:rPr lang="ru-RU" sz="1800" dirty="0" smtClean="0"/>
+              <a:rPr lang="ru-RU" sz="1800" dirty="0" smtClean="0">
+                <a:solidFill>
+                  <a:schemeClr val="bg1">
+                    <a:lumMod val="95000"/>
+                  </a:schemeClr>
+                </a:solidFill>
+              </a:rPr>
               <a:t>Высокая скорость поиска целевого трека</a:t>
             </a:r>
           </a:p>
@@ -9309,7 +12477,13 @@
               <a:buChar char="•"/>
             </a:pPr>
             <a:r>
-              <a:rPr lang="ru-RU" sz="1800" dirty="0" smtClean="0"/>
+              <a:rPr lang="ru-RU" sz="1800" dirty="0" smtClean="0">
+                <a:solidFill>
+                  <a:schemeClr val="bg1">
+                    <a:lumMod val="95000"/>
+                  </a:schemeClr>
+                </a:solidFill>
+              </a:rPr>
               <a:t>Возможность объединения более двух треков.</a:t>
             </a:r>
           </a:p>
@@ -9322,7 +12496,13 @@
               <a:buChar char="•"/>
             </a:pPr>
             <a:r>
-              <a:rPr lang="ru-RU" sz="1800" dirty="0" smtClean="0"/>
+              <a:rPr lang="ru-RU" sz="1800" dirty="0" smtClean="0">
+                <a:solidFill>
+                  <a:schemeClr val="bg1">
+                    <a:lumMod val="95000"/>
+                  </a:schemeClr>
+                </a:solidFill>
+              </a:rPr>
               <a:t>Устойчивость к коллизиям</a:t>
             </a:r>
           </a:p>
@@ -9331,7 +12511,13 @@
               <a:buFont typeface="Arial" panose="020B0604020202020204" pitchFamily="34" charset="0"/>
               <a:buChar char="•"/>
             </a:pPr>
-            <a:endParaRPr lang="ru-RU" sz="1800" dirty="0"/>
+            <a:endParaRPr lang="ru-RU" sz="1800" dirty="0">
+              <a:solidFill>
+                <a:schemeClr val="bg1">
+                  <a:lumMod val="95000"/>
+                </a:schemeClr>
+              </a:solidFill>
+            </a:endParaRPr>
           </a:p>
         </p:txBody>
       </p:sp>
@@ -9355,7 +12541,7 @@
 </p:sld>
 </file>
 
-<file path=ppt/slides/slide6.xml><?xml version="1.0" encoding="utf-8"?>
+<file path=ppt/slides/slide9.xml><?xml version="1.0" encoding="utf-8"?>
 <p:sld xmlns:a="http://schemas.openxmlformats.org/drawingml/2006/main" xmlns:r="http://schemas.openxmlformats.org/officeDocument/2006/relationships" xmlns:p="http://schemas.openxmlformats.org/presentationml/2006/main">
   <p:cSld>
     <p:spTree>
@@ -9389,11 +12575,7 @@
           <a:p>
             <a:r>
               <a:rPr lang="ru-RU" dirty="0" smtClean="0"/>
-              <a:t>Анализ алгоритма фильтрации и предобработки </a:t>
-            </a:r>
-            <a:r>
-              <a:rPr lang="ru-RU" dirty="0" err="1" smtClean="0"/>
-              <a:t>геоданных</a:t>
+              <a:t>Оптимизация алгоритма синхронизации данных</a:t>
             </a:r>
             <a:endParaRPr lang="ru-RU" dirty="0"/>
           </a:p>
@@ -9401,7 +12583,7 @@
       </p:sp>
       <p:pic>
         <p:nvPicPr>
-          <p:cNvPr id="3" name="Рисунок 2"/>
+          <p:cNvPr id="5" name="Рисунок 4"/>
           <p:cNvPicPr>
             <a:picLocks noChangeAspect="1"/>
           </p:cNvPicPr>
@@ -9421,8 +12603,8 @@
         </p:blipFill>
         <p:spPr>
           <a:xfrm>
-            <a:off x="580559" y="1509014"/>
-            <a:ext cx="3466939" cy="2485229"/>
+            <a:off x="590715" y="2037070"/>
+            <a:ext cx="3036619" cy="3505456"/>
           </a:xfrm>
           <a:prstGeom prst="rect">
             <a:avLst/>
@@ -9431,7 +12613,7 @@
       </p:pic>
       <p:pic>
         <p:nvPicPr>
-          <p:cNvPr id="4" name="Рисунок 3"/>
+          <p:cNvPr id="6" name="Рисунок 5"/>
           <p:cNvPicPr>
             <a:picLocks noChangeAspect="1"/>
           </p:cNvPicPr>
@@ -9451,38 +12633,8 @@
         </p:blipFill>
         <p:spPr>
           <a:xfrm>
-            <a:off x="4994786" y="1550680"/>
-            <a:ext cx="3466938" cy="2485229"/>
-          </a:xfrm>
-          <a:prstGeom prst="rect">
-            <a:avLst/>
-          </a:prstGeom>
-        </p:spPr>
-      </p:pic>
-      <p:pic>
-        <p:nvPicPr>
-          <p:cNvPr id="8" name="Рисунок 7"/>
-          <p:cNvPicPr>
-            <a:picLocks noChangeAspect="1"/>
-          </p:cNvPicPr>
-          <p:nvPr/>
-        </p:nvPicPr>
-        <p:blipFill>
-          <a:blip r:embed="rId4">
-            <a:extLst>
-              <a:ext uri="{28A0092B-C50C-407E-A947-70E740481C1C}">
-                <a14:useLocalDpi xmlns:a14="http://schemas.microsoft.com/office/drawing/2010/main" val="0"/>
-              </a:ext>
-            </a:extLst>
-          </a:blip>
-          <a:stretch>
-            <a:fillRect/>
-          </a:stretch>
-        </p:blipFill>
-        <p:spPr>
-          <a:xfrm>
-            <a:off x="2723535" y="4171763"/>
-            <a:ext cx="3466938" cy="2485228"/>
+            <a:off x="4186661" y="2037070"/>
+            <a:ext cx="4500139" cy="3505456"/>
           </a:xfrm>
           <a:prstGeom prst="rect">
             <a:avLst/>
@@ -9492,1887 +12644,13 @@
     </p:spTree>
     <p:extLst>
       <p:ext uri="{BB962C8B-B14F-4D97-AF65-F5344CB8AC3E}">
-        <p14:creationId xmlns:p14="http://schemas.microsoft.com/office/powerpoint/2010/main" val="2870576481"/>
+        <p14:creationId xmlns:p14="http://schemas.microsoft.com/office/powerpoint/2010/main" val="431488912"/>
       </p:ext>
     </p:extLst>
   </p:cSld>
   <p:clrMapOvr>
     <a:masterClrMapping/>
   </p:clrMapOvr>
-  <p:timing>
-    <p:tnLst>
-      <p:par>
-        <p:cTn id="1" dur="indefinite" restart="never" nodeType="tmRoot"/>
-      </p:par>
-    </p:tnLst>
-  </p:timing>
-</p:sld>
-</file>
-
-<file path=ppt/slides/slide7.xml><?xml version="1.0" encoding="utf-8"?>
-<p:sld xmlns:a="http://schemas.openxmlformats.org/drawingml/2006/main" xmlns:r="http://schemas.openxmlformats.org/officeDocument/2006/relationships" xmlns:p="http://schemas.openxmlformats.org/presentationml/2006/main">
-  <p:cSld>
-    <p:spTree>
-      <p:nvGrpSpPr>
-        <p:cNvPr id="1" name=""/>
-        <p:cNvGrpSpPr/>
-        <p:nvPr/>
-      </p:nvGrpSpPr>
-      <p:grpSpPr>
-        <a:xfrm>
-          <a:off x="0" y="0"/>
-          <a:ext cx="0" cy="0"/>
-          <a:chOff x="0" y="0"/>
-          <a:chExt cx="0" cy="0"/>
-        </a:xfrm>
-      </p:grpSpPr>
-      <p:sp>
-        <p:nvSpPr>
-          <p:cNvPr id="2" name="Заголовок 1"/>
-          <p:cNvSpPr>
-            <a:spLocks noGrp="1"/>
-          </p:cNvSpPr>
-          <p:nvPr>
-            <p:ph type="title"/>
-          </p:nvPr>
-        </p:nvSpPr>
-        <p:spPr/>
-        <p:txBody>
-          <a:bodyPr/>
-          <a:lstStyle/>
-          <a:p>
-            <a:r>
-              <a:rPr lang="ru-RU" dirty="0" smtClean="0"/>
-              <a:t>Анализ и модернизация БД</a:t>
-            </a:r>
-            <a:endParaRPr lang="ru-RU" dirty="0"/>
-          </a:p>
-        </p:txBody>
-      </p:sp>
-      <p:sp>
-        <p:nvSpPr>
-          <p:cNvPr id="3" name="Текст 2"/>
-          <p:cNvSpPr>
-            <a:spLocks noGrp="1"/>
-          </p:cNvSpPr>
-          <p:nvPr>
-            <p:ph type="body" idx="1"/>
-          </p:nvPr>
-        </p:nvSpPr>
-        <p:spPr>
-          <a:xfrm>
-            <a:off x="457200" y="1417637"/>
-            <a:ext cx="8229600" cy="4914337"/>
-          </a:xfrm>
-        </p:spPr>
-        <p:txBody>
-          <a:bodyPr/>
-          <a:lstStyle/>
-          <a:p>
-            <a:pPr marL="457200" indent="-457200">
-              <a:buFont typeface="Arial" panose="020B0604020202020204" pitchFamily="34" charset="0"/>
-              <a:buChar char="•"/>
-            </a:pPr>
-            <a:r>
-              <a:rPr lang="ru-RU" dirty="0" smtClean="0"/>
-              <a:t>Был проведен анализ и </a:t>
-            </a:r>
-            <a:r>
-              <a:rPr lang="ru-RU" dirty="0" err="1" smtClean="0"/>
-              <a:t>профайлинг</a:t>
-            </a:r>
-            <a:r>
-              <a:rPr lang="ru-RU" dirty="0" smtClean="0"/>
-              <a:t> запросов на основе журналов сервера</a:t>
-            </a:r>
-          </a:p>
-          <a:p>
-            <a:pPr marL="457200" indent="-457200">
-              <a:buFont typeface="Arial" panose="020B0604020202020204" pitchFamily="34" charset="0"/>
-              <a:buChar char="•"/>
-            </a:pPr>
-            <a:endParaRPr lang="ru-RU" dirty="0" smtClean="0"/>
-          </a:p>
-          <a:p>
-            <a:pPr marL="457200" indent="-457200">
-              <a:buFont typeface="Arial" panose="020B0604020202020204" pitchFamily="34" charset="0"/>
-              <a:buChar char="•"/>
-            </a:pPr>
-            <a:r>
-              <a:rPr lang="ru-RU" dirty="0" smtClean="0"/>
-              <a:t>По результатам тестирования была проведена оптимизация связей и структуры хранения данных.</a:t>
-            </a:r>
-          </a:p>
-          <a:p>
-            <a:pPr marL="457200" indent="-457200">
-              <a:buFont typeface="Arial" panose="020B0604020202020204" pitchFamily="34" charset="0"/>
-              <a:buChar char="•"/>
-            </a:pPr>
-            <a:endParaRPr lang="ru-RU" dirty="0" smtClean="0"/>
-          </a:p>
-          <a:p>
-            <a:pPr marL="457200" indent="-457200">
-              <a:buFont typeface="Arial" panose="020B0604020202020204" pitchFamily="34" charset="0"/>
-              <a:buChar char="•"/>
-            </a:pPr>
-            <a:r>
-              <a:rPr lang="ru-RU" dirty="0" smtClean="0"/>
-              <a:t>Наиболее объемные и медленные запросы были переработаны</a:t>
-            </a:r>
-          </a:p>
-          <a:p>
-            <a:pPr marL="457200" indent="-457200">
-              <a:buFont typeface="Arial" panose="020B0604020202020204" pitchFamily="34" charset="0"/>
-              <a:buChar char="•"/>
-            </a:pPr>
-            <a:endParaRPr lang="ru-RU" dirty="0" smtClean="0"/>
-          </a:p>
-          <a:p>
-            <a:pPr marL="457200" indent="-457200">
-              <a:buFont typeface="Arial" panose="020B0604020202020204" pitchFamily="34" charset="0"/>
-              <a:buChar char="•"/>
-            </a:pPr>
-            <a:endParaRPr lang="ru-RU" dirty="0" smtClean="0"/>
-          </a:p>
-          <a:p>
-            <a:pPr marL="457200" indent="-457200">
-              <a:buFont typeface="Arial" panose="020B0604020202020204" pitchFamily="34" charset="0"/>
-              <a:buChar char="•"/>
-            </a:pPr>
-            <a:endParaRPr lang="ru-RU" dirty="0" smtClean="0"/>
-          </a:p>
-          <a:p>
-            <a:pPr marL="457200" indent="-457200">
-              <a:buFont typeface="Arial" panose="020B0604020202020204" pitchFamily="34" charset="0"/>
-              <a:buChar char="•"/>
-            </a:pPr>
-            <a:endParaRPr lang="ru-RU" dirty="0"/>
-          </a:p>
-        </p:txBody>
-      </p:sp>
-    </p:spTree>
-    <p:extLst>
-      <p:ext uri="{BB962C8B-B14F-4D97-AF65-F5344CB8AC3E}">
-        <p14:creationId xmlns:p14="http://schemas.microsoft.com/office/powerpoint/2010/main" val="2165145386"/>
-      </p:ext>
-    </p:extLst>
-  </p:cSld>
-  <p:clrMapOvr>
-    <a:masterClrMapping/>
-  </p:clrMapOvr>
-  <p:timing>
-    <p:tnLst>
-      <p:par>
-        <p:cTn id="1" dur="indefinite" restart="never" nodeType="tmRoot"/>
-      </p:par>
-    </p:tnLst>
-  </p:timing>
-</p:sld>
-</file>
-
-<file path=ppt/slides/slide8.xml><?xml version="1.0" encoding="utf-8"?>
-<p:sld xmlns:a="http://schemas.openxmlformats.org/drawingml/2006/main" xmlns:r="http://schemas.openxmlformats.org/officeDocument/2006/relationships" xmlns:p="http://schemas.openxmlformats.org/presentationml/2006/main">
-  <p:cSld>
-    <p:spTree>
-      <p:nvGrpSpPr>
-        <p:cNvPr id="1" name="Shape 89"/>
-        <p:cNvGrpSpPr/>
-        <p:nvPr/>
-      </p:nvGrpSpPr>
-      <p:grpSpPr>
-        <a:xfrm>
-          <a:off x="0" y="0"/>
-          <a:ext cx="0" cy="0"/>
-          <a:chOff x="0" y="0"/>
-          <a:chExt cx="0" cy="0"/>
-        </a:xfrm>
-      </p:grpSpPr>
-      <p:sp>
-        <p:nvSpPr>
-          <p:cNvPr id="90" name="Shape 90"/>
-          <p:cNvSpPr txBox="1">
-            <a:spLocks noGrp="1"/>
-          </p:cNvSpPr>
-          <p:nvPr>
-            <p:ph type="title"/>
-          </p:nvPr>
-        </p:nvSpPr>
-        <p:spPr>
-          <a:xfrm>
-            <a:off x="457200" y="274637"/>
-            <a:ext cx="8229600" cy="1143000"/>
-          </a:xfrm>
-          <a:prstGeom prst="rect">
-            <a:avLst/>
-          </a:prstGeom>
-        </p:spPr>
-        <p:txBody>
-          <a:bodyPr lIns="91425" tIns="91425" rIns="91425" bIns="91425" anchor="b" anchorCtr="0">
-            <a:noAutofit/>
-          </a:bodyPr>
-          <a:lstStyle/>
-          <a:p>
-            <a:pPr>
-              <a:spcBef>
-                <a:spcPts val="0"/>
-              </a:spcBef>
-              <a:buNone/>
-            </a:pPr>
-            <a:r>
-              <a:rPr lang="ru"/>
-              <a:t>Анализ картографических решений</a:t>
-            </a:r>
-          </a:p>
-        </p:txBody>
-      </p:sp>
-      <p:pic>
-        <p:nvPicPr>
-          <p:cNvPr id="91" name="Shape 91"/>
-          <p:cNvPicPr preferRelativeResize="0"/>
-          <p:nvPr/>
-        </p:nvPicPr>
-        <p:blipFill>
-          <a:blip r:embed="rId3">
-            <a:alphaModFix/>
-          </a:blip>
-          <a:stretch>
-            <a:fillRect/>
-          </a:stretch>
-        </p:blipFill>
-        <p:spPr>
-          <a:xfrm>
-            <a:off x="405225" y="1622698"/>
-            <a:ext cx="2552699" cy="420163"/>
-          </a:xfrm>
-          <a:prstGeom prst="rect">
-            <a:avLst/>
-          </a:prstGeom>
-          <a:noFill/>
-          <a:ln>
-            <a:noFill/>
-          </a:ln>
-        </p:spPr>
-      </p:pic>
-      <p:pic>
-        <p:nvPicPr>
-          <p:cNvPr id="92" name="Shape 92"/>
-          <p:cNvPicPr preferRelativeResize="0"/>
-          <p:nvPr/>
-        </p:nvPicPr>
-        <p:blipFill>
-          <a:blip r:embed="rId4">
-            <a:alphaModFix/>
-          </a:blip>
-          <a:stretch>
-            <a:fillRect/>
-          </a:stretch>
-        </p:blipFill>
-        <p:spPr>
-          <a:xfrm>
-            <a:off x="3489761" y="1278425"/>
-            <a:ext cx="2136224" cy="1250024"/>
-          </a:xfrm>
-          <a:prstGeom prst="rect">
-            <a:avLst/>
-          </a:prstGeom>
-          <a:noFill/>
-          <a:ln>
-            <a:noFill/>
-          </a:ln>
-        </p:spPr>
-      </p:pic>
-      <p:sp>
-        <p:nvSpPr>
-          <p:cNvPr id="93" name="Shape 93"/>
-          <p:cNvSpPr txBox="1"/>
-          <p:nvPr/>
-        </p:nvSpPr>
-        <p:spPr>
-          <a:xfrm>
-            <a:off x="5862200" y="3870625"/>
-            <a:ext cx="60599" cy="17399"/>
-          </a:xfrm>
-          <a:prstGeom prst="rect">
-            <a:avLst/>
-          </a:prstGeom>
-          <a:noFill/>
-          <a:ln>
-            <a:noFill/>
-          </a:ln>
-        </p:spPr>
-        <p:txBody>
-          <a:bodyPr lIns="91425" tIns="91425" rIns="91425" bIns="91425" anchor="t" anchorCtr="0">
-            <a:noAutofit/>
-          </a:bodyPr>
-          <a:lstStyle/>
-          <a:p>
-            <a:pPr>
-              <a:spcBef>
-                <a:spcPts val="0"/>
-              </a:spcBef>
-              <a:buNone/>
-            </a:pPr>
-            <a:endParaRPr/>
-          </a:p>
-        </p:txBody>
-      </p:sp>
-      <p:pic>
-        <p:nvPicPr>
-          <p:cNvPr id="94" name="Shape 94"/>
-          <p:cNvPicPr preferRelativeResize="0"/>
-          <p:nvPr/>
-        </p:nvPicPr>
-        <p:blipFill>
-          <a:blip r:embed="rId5">
-            <a:alphaModFix/>
-          </a:blip>
-          <a:stretch>
-            <a:fillRect/>
-          </a:stretch>
-        </p:blipFill>
-        <p:spPr>
-          <a:xfrm>
-            <a:off x="6157850" y="1403771"/>
-            <a:ext cx="2754599" cy="999353"/>
-          </a:xfrm>
-          <a:prstGeom prst="rect">
-            <a:avLst/>
-          </a:prstGeom>
-          <a:noFill/>
-          <a:ln>
-            <a:noFill/>
-          </a:ln>
-        </p:spPr>
-      </p:pic>
-      <p:pic>
-        <p:nvPicPr>
-          <p:cNvPr id="95" name="Shape 95"/>
-          <p:cNvPicPr preferRelativeResize="0"/>
-          <p:nvPr/>
-        </p:nvPicPr>
-        <p:blipFill>
-          <a:blip r:embed="rId6">
-            <a:alphaModFix/>
-          </a:blip>
-          <a:stretch>
-            <a:fillRect/>
-          </a:stretch>
-        </p:blipFill>
-        <p:spPr>
-          <a:xfrm>
-            <a:off x="591525" y="2360475"/>
-            <a:ext cx="1957699" cy="1834000"/>
-          </a:xfrm>
-          <a:prstGeom prst="rect">
-            <a:avLst/>
-          </a:prstGeom>
-          <a:noFill/>
-          <a:ln>
-            <a:noFill/>
-          </a:ln>
-        </p:spPr>
-      </p:pic>
-      <p:pic>
-        <p:nvPicPr>
-          <p:cNvPr id="96" name="Shape 96"/>
-          <p:cNvPicPr preferRelativeResize="0"/>
-          <p:nvPr/>
-        </p:nvPicPr>
-        <p:blipFill>
-          <a:blip r:embed="rId7">
-            <a:alphaModFix/>
-          </a:blip>
-          <a:stretch>
-            <a:fillRect/>
-          </a:stretch>
-        </p:blipFill>
-        <p:spPr>
-          <a:xfrm>
-            <a:off x="3402983" y="2360475"/>
-            <a:ext cx="2093542" cy="1833999"/>
-          </a:xfrm>
-          <a:prstGeom prst="rect">
-            <a:avLst/>
-          </a:prstGeom>
-          <a:noFill/>
-          <a:ln>
-            <a:noFill/>
-          </a:ln>
-        </p:spPr>
-      </p:pic>
-      <p:pic>
-        <p:nvPicPr>
-          <p:cNvPr id="97" name="Shape 97"/>
-          <p:cNvPicPr preferRelativeResize="0"/>
-          <p:nvPr/>
-        </p:nvPicPr>
-        <p:blipFill>
-          <a:blip r:embed="rId8">
-            <a:alphaModFix/>
-          </a:blip>
-          <a:stretch>
-            <a:fillRect/>
-          </a:stretch>
-        </p:blipFill>
-        <p:spPr>
-          <a:xfrm>
-            <a:off x="6438875" y="2360475"/>
-            <a:ext cx="2083394" cy="1834000"/>
-          </a:xfrm>
-          <a:prstGeom prst="rect">
-            <a:avLst/>
-          </a:prstGeom>
-          <a:noFill/>
-          <a:ln>
-            <a:noFill/>
-          </a:ln>
-        </p:spPr>
-      </p:pic>
-      <p:sp>
-        <p:nvSpPr>
-          <p:cNvPr id="98" name="Shape 98"/>
-          <p:cNvSpPr txBox="1"/>
-          <p:nvPr/>
-        </p:nvSpPr>
-        <p:spPr>
-          <a:xfrm>
-            <a:off x="162775" y="4450775"/>
-            <a:ext cx="2552699" cy="1878899"/>
-          </a:xfrm>
-          <a:prstGeom prst="rect">
-            <a:avLst/>
-          </a:prstGeom>
-          <a:noFill/>
-          <a:ln>
-            <a:noFill/>
-          </a:ln>
-        </p:spPr>
-        <p:txBody>
-          <a:bodyPr lIns="91425" tIns="91425" rIns="91425" bIns="91425" anchor="t" anchorCtr="0">
-            <a:noAutofit/>
-          </a:bodyPr>
-          <a:lstStyle/>
-          <a:p>
-            <a:pPr marL="457200" lvl="0" indent="-317500" rtl="0">
-              <a:spcBef>
-                <a:spcPts val="0"/>
-              </a:spcBef>
-              <a:buClr>
-                <a:schemeClr val="lt2"/>
-              </a:buClr>
-              <a:buSzPct val="100000"/>
-              <a:buFont typeface="Arial"/>
-              <a:buChar char="●"/>
-            </a:pPr>
-            <a:r>
-              <a:rPr lang="ru" dirty="0">
-                <a:solidFill>
-                  <a:schemeClr val="bg1">
-                    <a:lumMod val="95000"/>
-                  </a:schemeClr>
-                </a:solidFill>
-              </a:rPr>
-              <a:t>Свободный проект</a:t>
-            </a:r>
-          </a:p>
-          <a:p>
-            <a:pPr marL="457200" lvl="0" indent="-317500" rtl="0">
-              <a:spcBef>
-                <a:spcPts val="0"/>
-              </a:spcBef>
-              <a:buClr>
-                <a:schemeClr val="lt2"/>
-              </a:buClr>
-              <a:buSzPct val="100000"/>
-              <a:buFont typeface="Arial"/>
-              <a:buChar char="●"/>
-            </a:pPr>
-            <a:r>
-              <a:rPr lang="ru" dirty="0">
-                <a:solidFill>
-                  <a:schemeClr val="bg1">
-                    <a:lumMod val="95000"/>
-                  </a:schemeClr>
-                </a:solidFill>
-              </a:rPr>
-              <a:t>API: Leaflet</a:t>
-            </a:r>
-          </a:p>
-          <a:p>
-            <a:pPr marL="457200" lvl="0" indent="-317500" rtl="0">
-              <a:spcBef>
-                <a:spcPts val="0"/>
-              </a:spcBef>
-              <a:buClr>
-                <a:schemeClr val="lt2"/>
-              </a:buClr>
-              <a:buSzPct val="100000"/>
-              <a:buFont typeface="Arial"/>
-              <a:buChar char="●"/>
-            </a:pPr>
-            <a:r>
-              <a:rPr lang="ru" dirty="0">
-                <a:solidFill>
-                  <a:schemeClr val="bg1">
-                    <a:lumMod val="95000"/>
-                  </a:schemeClr>
-                </a:solidFill>
-              </a:rPr>
-              <a:t>Большое  сообщество</a:t>
-            </a:r>
-          </a:p>
-          <a:p>
-            <a:pPr marL="457200" lvl="0" indent="-317500">
-              <a:spcBef>
-                <a:spcPts val="0"/>
-              </a:spcBef>
-              <a:buClr>
-                <a:schemeClr val="lt2"/>
-              </a:buClr>
-              <a:buSzPct val="100000"/>
-              <a:buFont typeface="Arial"/>
-              <a:buChar char="●"/>
-            </a:pPr>
-            <a:r>
-              <a:rPr lang="ru" dirty="0">
-                <a:solidFill>
-                  <a:schemeClr val="bg1">
-                    <a:lumMod val="95000"/>
-                  </a:schemeClr>
-                </a:solidFill>
-              </a:rPr>
-              <a:t>Сравнительно малый функционал</a:t>
-            </a:r>
-          </a:p>
-        </p:txBody>
-      </p:sp>
-      <p:sp>
-        <p:nvSpPr>
-          <p:cNvPr id="99" name="Shape 99"/>
-          <p:cNvSpPr txBox="1"/>
-          <p:nvPr/>
-        </p:nvSpPr>
-        <p:spPr>
-          <a:xfrm>
-            <a:off x="2838800" y="4450775"/>
-            <a:ext cx="2896199" cy="1878899"/>
-          </a:xfrm>
-          <a:prstGeom prst="rect">
-            <a:avLst/>
-          </a:prstGeom>
-          <a:noFill/>
-          <a:ln>
-            <a:noFill/>
-          </a:ln>
-        </p:spPr>
-        <p:txBody>
-          <a:bodyPr lIns="91425" tIns="91425" rIns="91425" bIns="91425" anchor="t" anchorCtr="0">
-            <a:noAutofit/>
-          </a:bodyPr>
-          <a:lstStyle/>
-          <a:p>
-            <a:pPr marL="457200" lvl="0" indent="-317500" rtl="0">
-              <a:spcBef>
-                <a:spcPts val="0"/>
-              </a:spcBef>
-              <a:buClr>
-                <a:schemeClr val="lt2"/>
-              </a:buClr>
-              <a:buSzPct val="100000"/>
-              <a:buFont typeface="Arial"/>
-              <a:buChar char="●"/>
-            </a:pPr>
-            <a:r>
-              <a:rPr lang="ru" dirty="0">
-                <a:solidFill>
-                  <a:schemeClr val="bg1">
-                    <a:lumMod val="95000"/>
-                  </a:schemeClr>
-                </a:solidFill>
-              </a:rPr>
-              <a:t>Коммерческий проект</a:t>
-            </a:r>
-          </a:p>
-          <a:p>
-            <a:pPr marL="457200" lvl="0" indent="-317500" rtl="0">
-              <a:spcBef>
-                <a:spcPts val="0"/>
-              </a:spcBef>
-              <a:buClr>
-                <a:schemeClr val="lt2"/>
-              </a:buClr>
-              <a:buSzPct val="100000"/>
-              <a:buFont typeface="Arial"/>
-              <a:buChar char="●"/>
-            </a:pPr>
-            <a:r>
-              <a:rPr lang="ru" dirty="0">
-                <a:solidFill>
-                  <a:schemeClr val="bg1">
-                    <a:lumMod val="95000"/>
-                  </a:schemeClr>
-                </a:solidFill>
-              </a:rPr>
-              <a:t>Free for non-comercial use</a:t>
-            </a:r>
-          </a:p>
-          <a:p>
-            <a:pPr marL="457200" lvl="0" indent="-317500" rtl="0">
-              <a:spcBef>
-                <a:spcPts val="0"/>
-              </a:spcBef>
-              <a:buClr>
-                <a:schemeClr val="lt2"/>
-              </a:buClr>
-              <a:buSzPct val="100000"/>
-              <a:buFont typeface="Arial"/>
-              <a:buChar char="●"/>
-            </a:pPr>
-            <a:r>
-              <a:rPr lang="ru" dirty="0">
-                <a:solidFill>
-                  <a:schemeClr val="bg1">
-                    <a:lumMod val="95000"/>
-                  </a:schemeClr>
-                </a:solidFill>
-              </a:rPr>
-              <a:t>API: Leaflet</a:t>
-            </a:r>
-          </a:p>
-          <a:p>
-            <a:pPr marL="457200" lvl="0" indent="-317500" rtl="0">
-              <a:spcBef>
-                <a:spcPts val="0"/>
-              </a:spcBef>
-              <a:buClr>
-                <a:schemeClr val="lt2"/>
-              </a:buClr>
-              <a:buSzPct val="100000"/>
-              <a:buFont typeface="Arial"/>
-              <a:buChar char="●"/>
-            </a:pPr>
-            <a:r>
-              <a:rPr lang="ru" dirty="0">
-                <a:solidFill>
-                  <a:schemeClr val="bg1">
-                    <a:lumMod val="95000"/>
-                  </a:schemeClr>
-                </a:solidFill>
-              </a:rPr>
-              <a:t>Крупное  сообщество</a:t>
-            </a:r>
-          </a:p>
-          <a:p>
-            <a:pPr marL="457200" lvl="0" indent="-317500" rtl="0">
-              <a:spcBef>
-                <a:spcPts val="0"/>
-              </a:spcBef>
-              <a:buClr>
-                <a:schemeClr val="lt2"/>
-              </a:buClr>
-              <a:buSzPct val="100000"/>
-              <a:buFont typeface="Arial"/>
-              <a:buChar char="●"/>
-            </a:pPr>
-            <a:r>
-              <a:rPr lang="ru" dirty="0">
-                <a:solidFill>
-                  <a:schemeClr val="bg1">
-                    <a:lumMod val="95000"/>
-                  </a:schemeClr>
-                </a:solidFill>
-              </a:rPr>
-              <a:t>Качественная документация</a:t>
-            </a:r>
-          </a:p>
-          <a:p>
-            <a:pPr marL="457200" lvl="0" indent="-317500" rtl="0">
-              <a:spcBef>
-                <a:spcPts val="0"/>
-              </a:spcBef>
-              <a:buClr>
-                <a:schemeClr val="lt2"/>
-              </a:buClr>
-              <a:buSzPct val="100000"/>
-              <a:buFont typeface="Arial"/>
-              <a:buChar char="●"/>
-            </a:pPr>
-            <a:r>
-              <a:rPr lang="ru" dirty="0">
-                <a:solidFill>
-                  <a:schemeClr val="bg1">
-                    <a:lumMod val="95000"/>
-                  </a:schemeClr>
-                </a:solidFill>
-              </a:rPr>
-              <a:t>Широкий функционал</a:t>
-            </a:r>
-          </a:p>
-          <a:p>
-            <a:pPr marL="457200" lvl="0" indent="-317500" rtl="0">
-              <a:spcBef>
-                <a:spcPts val="0"/>
-              </a:spcBef>
-              <a:buClr>
-                <a:schemeClr val="lt2"/>
-              </a:buClr>
-              <a:buSzPct val="100000"/>
-              <a:buFont typeface="Arial"/>
-              <a:buChar char="●"/>
-            </a:pPr>
-            <a:r>
-              <a:rPr lang="ru" dirty="0">
-                <a:solidFill>
-                  <a:schemeClr val="bg1">
-                    <a:lumMod val="95000"/>
-                  </a:schemeClr>
-                </a:solidFill>
-              </a:rPr>
-              <a:t>Простота использования</a:t>
-            </a:r>
-          </a:p>
-        </p:txBody>
-      </p:sp>
-      <p:sp>
-        <p:nvSpPr>
-          <p:cNvPr id="100" name="Shape 100"/>
-          <p:cNvSpPr txBox="1"/>
-          <p:nvPr/>
-        </p:nvSpPr>
-        <p:spPr>
-          <a:xfrm>
-            <a:off x="5994775" y="4450775"/>
-            <a:ext cx="2838900" cy="1878899"/>
-          </a:xfrm>
-          <a:prstGeom prst="rect">
-            <a:avLst/>
-          </a:prstGeom>
-          <a:noFill/>
-          <a:ln>
-            <a:noFill/>
-          </a:ln>
-        </p:spPr>
-        <p:txBody>
-          <a:bodyPr lIns="91425" tIns="91425" rIns="91425" bIns="91425" anchor="t" anchorCtr="0">
-            <a:noAutofit/>
-          </a:bodyPr>
-          <a:lstStyle/>
-          <a:p>
-            <a:pPr marL="457200" lvl="0" indent="-317500" rtl="0">
-              <a:spcBef>
-                <a:spcPts val="0"/>
-              </a:spcBef>
-              <a:buClr>
-                <a:schemeClr val="lt2"/>
-              </a:buClr>
-              <a:buSzPct val="100000"/>
-              <a:buFont typeface="Arial"/>
-              <a:buChar char="●"/>
-            </a:pPr>
-            <a:r>
-              <a:rPr lang="ru" dirty="0">
-                <a:solidFill>
-                  <a:schemeClr val="bg1">
-                    <a:lumMod val="95000"/>
-                  </a:schemeClr>
-                </a:solidFill>
-              </a:rPr>
-              <a:t>Коммерческий проект</a:t>
-            </a:r>
-          </a:p>
-          <a:p>
-            <a:pPr marL="457200" lvl="0" indent="-317500" rtl="0">
-              <a:spcBef>
-                <a:spcPts val="0"/>
-              </a:spcBef>
-              <a:buClr>
-                <a:schemeClr val="lt2"/>
-              </a:buClr>
-              <a:buSzPct val="100000"/>
-              <a:buFont typeface="Arial"/>
-              <a:buChar char="●"/>
-            </a:pPr>
-            <a:r>
-              <a:rPr lang="ru" dirty="0">
-                <a:solidFill>
-                  <a:schemeClr val="bg1">
-                    <a:lumMod val="95000"/>
-                  </a:schemeClr>
-                </a:solidFill>
-              </a:rPr>
-              <a:t>Free for non-comercial use</a:t>
-            </a:r>
-          </a:p>
-          <a:p>
-            <a:pPr marL="457200" lvl="0" indent="-317500" rtl="0">
-              <a:spcBef>
-                <a:spcPts val="0"/>
-              </a:spcBef>
-              <a:buClr>
-                <a:schemeClr val="lt2"/>
-              </a:buClr>
-              <a:buSzPct val="100000"/>
-              <a:buFont typeface="Arial"/>
-              <a:buChar char="●"/>
-            </a:pPr>
-            <a:r>
-              <a:rPr lang="ru" dirty="0">
-                <a:solidFill>
-                  <a:schemeClr val="bg1">
-                    <a:lumMod val="95000"/>
-                  </a:schemeClr>
-                </a:solidFill>
-              </a:rPr>
-              <a:t>API: Google maps API</a:t>
-            </a:r>
-          </a:p>
-          <a:p>
-            <a:pPr marL="457200" lvl="0" indent="-317500" rtl="0">
-              <a:spcBef>
-                <a:spcPts val="0"/>
-              </a:spcBef>
-              <a:buClr>
-                <a:schemeClr val="lt2"/>
-              </a:buClr>
-              <a:buSzPct val="100000"/>
-              <a:buFont typeface="Arial"/>
-              <a:buChar char="●"/>
-            </a:pPr>
-            <a:r>
-              <a:rPr lang="ru" dirty="0">
-                <a:solidFill>
-                  <a:schemeClr val="bg1">
-                    <a:lumMod val="95000"/>
-                  </a:schemeClr>
-                </a:solidFill>
-              </a:rPr>
-              <a:t>Качественная документация</a:t>
-            </a:r>
-          </a:p>
-          <a:p>
-            <a:pPr marL="457200" lvl="0" indent="-317500" rtl="0">
-              <a:spcBef>
-                <a:spcPts val="0"/>
-              </a:spcBef>
-              <a:buClr>
-                <a:schemeClr val="lt2"/>
-              </a:buClr>
-              <a:buSzPct val="100000"/>
-              <a:buFont typeface="Arial"/>
-              <a:buChar char="●"/>
-            </a:pPr>
-            <a:r>
-              <a:rPr lang="ru" dirty="0">
-                <a:solidFill>
-                  <a:schemeClr val="bg1">
-                    <a:lumMod val="95000"/>
-                  </a:schemeClr>
-                </a:solidFill>
-              </a:rPr>
-              <a:t>Наличие тех. поддержки</a:t>
-            </a:r>
-          </a:p>
-          <a:p>
-            <a:pPr marL="457200" lvl="0" indent="-317500" rtl="0">
-              <a:spcBef>
-                <a:spcPts val="0"/>
-              </a:spcBef>
-              <a:buClr>
-                <a:schemeClr val="lt2"/>
-              </a:buClr>
-              <a:buSzPct val="100000"/>
-              <a:buFont typeface="Arial"/>
-              <a:buChar char="●"/>
-            </a:pPr>
-            <a:r>
-              <a:rPr lang="ru" dirty="0">
-                <a:solidFill>
-                  <a:schemeClr val="bg1">
-                    <a:lumMod val="95000"/>
-                  </a:schemeClr>
-                </a:solidFill>
-              </a:rPr>
-              <a:t>Широкий функционал</a:t>
-            </a:r>
-          </a:p>
-          <a:p>
-            <a:pPr marL="457200" lvl="0" indent="-317500" rtl="0">
-              <a:spcBef>
-                <a:spcPts val="0"/>
-              </a:spcBef>
-              <a:buClr>
-                <a:schemeClr val="lt2"/>
-              </a:buClr>
-              <a:buSzPct val="100000"/>
-              <a:buFont typeface="Arial"/>
-              <a:buChar char="●"/>
-            </a:pPr>
-            <a:r>
-              <a:rPr lang="ru" dirty="0">
-                <a:solidFill>
-                  <a:schemeClr val="bg1">
-                    <a:lumMod val="95000"/>
-                  </a:schemeClr>
-                </a:solidFill>
-              </a:rPr>
-              <a:t>Ограничения на показы</a:t>
-            </a:r>
-          </a:p>
-        </p:txBody>
-      </p:sp>
-    </p:spTree>
-  </p:cSld>
-  <p:clrMapOvr>
-    <a:masterClrMapping/>
-  </p:clrMapOvr>
-  <p:transition spd="slow">
-    <p:cut/>
-  </p:transition>
-  <p:timing>
-    <p:tnLst>
-      <p:par>
-        <p:cTn id="1" dur="indefinite" restart="never" nodeType="tmRoot"/>
-      </p:par>
-    </p:tnLst>
-  </p:timing>
-</p:sld>
-</file>
-
-<file path=ppt/slides/slide9.xml><?xml version="1.0" encoding="utf-8"?>
-<p:sld xmlns:a="http://schemas.openxmlformats.org/drawingml/2006/main" xmlns:r="http://schemas.openxmlformats.org/officeDocument/2006/relationships" xmlns:p="http://schemas.openxmlformats.org/presentationml/2006/main">
-  <p:cSld>
-    <p:spTree>
-      <p:nvGrpSpPr>
-        <p:cNvPr id="1" name="Shape 104"/>
-        <p:cNvGrpSpPr/>
-        <p:nvPr/>
-      </p:nvGrpSpPr>
-      <p:grpSpPr>
-        <a:xfrm>
-          <a:off x="0" y="0"/>
-          <a:ext cx="0" cy="0"/>
-          <a:chOff x="0" y="0"/>
-          <a:chExt cx="0" cy="0"/>
-        </a:xfrm>
-      </p:grpSpPr>
-      <p:sp>
-        <p:nvSpPr>
-          <p:cNvPr id="105" name="Shape 105"/>
-          <p:cNvSpPr txBox="1">
-            <a:spLocks noGrp="1"/>
-          </p:cNvSpPr>
-          <p:nvPr>
-            <p:ph type="title"/>
-          </p:nvPr>
-        </p:nvSpPr>
-        <p:spPr>
-          <a:xfrm>
-            <a:off x="457200" y="274637"/>
-            <a:ext cx="8229600" cy="1143000"/>
-          </a:xfrm>
-          <a:prstGeom prst="rect">
-            <a:avLst/>
-          </a:prstGeom>
-        </p:spPr>
-        <p:txBody>
-          <a:bodyPr lIns="91425" tIns="91425" rIns="91425" bIns="91425" anchor="b" anchorCtr="0">
-            <a:noAutofit/>
-          </a:bodyPr>
-          <a:lstStyle/>
-          <a:p>
-            <a:pPr rtl="0">
-              <a:spcBef>
-                <a:spcPts val="0"/>
-              </a:spcBef>
-              <a:buNone/>
-            </a:pPr>
-            <a:r>
-              <a:rPr lang="ru"/>
-              <a:t>Используемые </a:t>
-            </a:r>
-          </a:p>
-          <a:p>
-            <a:pPr>
-              <a:spcBef>
-                <a:spcPts val="0"/>
-              </a:spcBef>
-              <a:buNone/>
-            </a:pPr>
-            <a:r>
-              <a:rPr lang="ru"/>
-              <a:t>средства и технологии</a:t>
-            </a:r>
-          </a:p>
-        </p:txBody>
-      </p:sp>
-      <p:grpSp>
-        <p:nvGrpSpPr>
-          <p:cNvPr id="106" name="Shape 106"/>
-          <p:cNvGrpSpPr/>
-          <p:nvPr/>
-        </p:nvGrpSpPr>
-        <p:grpSpPr>
-          <a:xfrm>
-            <a:off x="339900" y="2004907"/>
-            <a:ext cx="1553249" cy="1571887"/>
-            <a:chOff x="365875" y="1575662"/>
-            <a:chExt cx="1553249" cy="1571887"/>
-          </a:xfrm>
-        </p:grpSpPr>
-        <p:pic>
-          <p:nvPicPr>
-            <p:cNvPr id="107" name="Shape 107"/>
-            <p:cNvPicPr preferRelativeResize="0"/>
-            <p:nvPr/>
-          </p:nvPicPr>
-          <p:blipFill rotWithShape="1">
-            <a:blip r:embed="rId3">
-              <a:alphaModFix/>
-            </a:blip>
-            <a:srcRect t="13208" b="13208"/>
-            <a:stretch/>
-          </p:blipFill>
-          <p:spPr>
-            <a:xfrm>
-              <a:off x="365875" y="1575662"/>
-              <a:ext cx="1553249" cy="1142999"/>
-            </a:xfrm>
-            <a:prstGeom prst="rect">
-              <a:avLst/>
-            </a:prstGeom>
-            <a:noFill/>
-            <a:ln>
-              <a:noFill/>
-            </a:ln>
-          </p:spPr>
-        </p:pic>
-        <p:sp>
-          <p:nvSpPr>
-            <p:cNvPr id="108" name="Shape 108"/>
-            <p:cNvSpPr txBox="1"/>
-            <p:nvPr/>
-          </p:nvSpPr>
-          <p:spPr>
-            <a:xfrm>
-              <a:off x="475299" y="2702950"/>
-              <a:ext cx="1334399" cy="444600"/>
-            </a:xfrm>
-            <a:prstGeom prst="rect">
-              <a:avLst/>
-            </a:prstGeom>
-            <a:noFill/>
-            <a:ln>
-              <a:noFill/>
-            </a:ln>
-          </p:spPr>
-          <p:txBody>
-            <a:bodyPr lIns="91425" tIns="91425" rIns="91425" bIns="91425" anchor="t" anchorCtr="0">
-              <a:noAutofit/>
-            </a:bodyPr>
-            <a:lstStyle/>
-            <a:p>
-              <a:pPr rtl="0">
-                <a:spcBef>
-                  <a:spcPts val="0"/>
-                </a:spcBef>
-                <a:buNone/>
-              </a:pPr>
-              <a:r>
-                <a:rPr lang="ru">
-                  <a:solidFill>
-                    <a:schemeClr val="lt2"/>
-                  </a:solidFill>
-                </a:rPr>
-                <a:t>Ruby on Rails </a:t>
-              </a:r>
-            </a:p>
-            <a:p>
-              <a:pPr>
-                <a:spcBef>
-                  <a:spcPts val="0"/>
-                </a:spcBef>
-                <a:buNone/>
-              </a:pPr>
-              <a:endParaRPr>
-                <a:solidFill>
-                  <a:schemeClr val="lt2"/>
-                </a:solidFill>
-              </a:endParaRPr>
-            </a:p>
-          </p:txBody>
-        </p:sp>
-      </p:grpSp>
-      <p:grpSp>
-        <p:nvGrpSpPr>
-          <p:cNvPr id="109" name="Shape 109"/>
-          <p:cNvGrpSpPr/>
-          <p:nvPr/>
-        </p:nvGrpSpPr>
-        <p:grpSpPr>
-          <a:xfrm>
-            <a:off x="2176231" y="2035726"/>
-            <a:ext cx="1086200" cy="1510250"/>
-            <a:chOff x="2201550" y="1637300"/>
-            <a:chExt cx="1086200" cy="1510250"/>
-          </a:xfrm>
-        </p:grpSpPr>
-        <p:pic>
-          <p:nvPicPr>
-            <p:cNvPr id="110" name="Shape 110"/>
-            <p:cNvPicPr preferRelativeResize="0"/>
-            <p:nvPr/>
-          </p:nvPicPr>
-          <p:blipFill rotWithShape="1">
-            <a:blip r:embed="rId4">
-              <a:alphaModFix/>
-            </a:blip>
-            <a:srcRect l="24062" t="24579" r="23875" b="25330"/>
-            <a:stretch/>
-          </p:blipFill>
-          <p:spPr>
-            <a:xfrm>
-              <a:off x="2201550" y="1637300"/>
-              <a:ext cx="1086200" cy="1045100"/>
-            </a:xfrm>
-            <a:prstGeom prst="rect">
-              <a:avLst/>
-            </a:prstGeom>
-            <a:noFill/>
-            <a:ln>
-              <a:noFill/>
-            </a:ln>
-          </p:spPr>
-        </p:pic>
-        <p:sp>
-          <p:nvSpPr>
-            <p:cNvPr id="111" name="Shape 111"/>
-            <p:cNvSpPr txBox="1"/>
-            <p:nvPr/>
-          </p:nvSpPr>
-          <p:spPr>
-            <a:xfrm>
-              <a:off x="2214250" y="2702950"/>
-              <a:ext cx="1060799" cy="444600"/>
-            </a:xfrm>
-            <a:prstGeom prst="rect">
-              <a:avLst/>
-            </a:prstGeom>
-            <a:noFill/>
-            <a:ln>
-              <a:noFill/>
-            </a:ln>
-          </p:spPr>
-          <p:txBody>
-            <a:bodyPr lIns="91425" tIns="91425" rIns="91425" bIns="91425" anchor="t" anchorCtr="0">
-              <a:noAutofit/>
-            </a:bodyPr>
-            <a:lstStyle/>
-            <a:p>
-              <a:pPr lvl="0" rtl="0">
-                <a:spcBef>
-                  <a:spcPts val="0"/>
-                </a:spcBef>
-                <a:buNone/>
-              </a:pPr>
-              <a:r>
-                <a:rPr lang="ru">
-                  <a:solidFill>
-                    <a:schemeClr val="lt2"/>
-                  </a:solidFill>
-                </a:rPr>
-                <a:t>Bootstrap</a:t>
-              </a:r>
-            </a:p>
-          </p:txBody>
-        </p:sp>
-      </p:grpSp>
-      <p:grpSp>
-        <p:nvGrpSpPr>
-          <p:cNvPr id="112" name="Shape 112"/>
-          <p:cNvGrpSpPr/>
-          <p:nvPr/>
-        </p:nvGrpSpPr>
-        <p:grpSpPr>
-          <a:xfrm>
-            <a:off x="3720387" y="2025451"/>
-            <a:ext cx="1086200" cy="1530800"/>
-            <a:chOff x="3794250" y="1616750"/>
-            <a:chExt cx="1086200" cy="1530800"/>
-          </a:xfrm>
-        </p:grpSpPr>
-        <p:pic>
-          <p:nvPicPr>
-            <p:cNvPr id="113" name="Shape 113"/>
-            <p:cNvPicPr preferRelativeResize="0"/>
-            <p:nvPr/>
-          </p:nvPicPr>
-          <p:blipFill>
-            <a:blip r:embed="rId5">
-              <a:alphaModFix/>
-            </a:blip>
-            <a:stretch>
-              <a:fillRect/>
-            </a:stretch>
-          </p:blipFill>
-          <p:spPr>
-            <a:xfrm>
-              <a:off x="3794250" y="1616750"/>
-              <a:ext cx="1086200" cy="1086200"/>
-            </a:xfrm>
-            <a:prstGeom prst="rect">
-              <a:avLst/>
-            </a:prstGeom>
-            <a:noFill/>
-            <a:ln>
-              <a:noFill/>
-            </a:ln>
-          </p:spPr>
-        </p:pic>
-        <p:sp>
-          <p:nvSpPr>
-            <p:cNvPr id="114" name="Shape 114"/>
-            <p:cNvSpPr txBox="1"/>
-            <p:nvPr/>
-          </p:nvSpPr>
-          <p:spPr>
-            <a:xfrm>
-              <a:off x="3964750" y="2702950"/>
-              <a:ext cx="745200" cy="444600"/>
-            </a:xfrm>
-            <a:prstGeom prst="rect">
-              <a:avLst/>
-            </a:prstGeom>
-            <a:noFill/>
-            <a:ln>
-              <a:noFill/>
-            </a:ln>
-          </p:spPr>
-          <p:txBody>
-            <a:bodyPr lIns="91425" tIns="91425" rIns="91425" bIns="91425" anchor="t" anchorCtr="0">
-              <a:noAutofit/>
-            </a:bodyPr>
-            <a:lstStyle/>
-            <a:p>
-              <a:pPr lvl="0" rtl="0">
-                <a:spcBef>
-                  <a:spcPts val="0"/>
-                </a:spcBef>
-                <a:buNone/>
-              </a:pPr>
-              <a:r>
-                <a:rPr lang="ru">
-                  <a:solidFill>
-                    <a:schemeClr val="lt2"/>
-                  </a:solidFill>
-                </a:rPr>
-                <a:t>Leaflet</a:t>
-              </a:r>
-            </a:p>
-          </p:txBody>
-        </p:sp>
-      </p:grpSp>
-      <p:grpSp>
-        <p:nvGrpSpPr>
-          <p:cNvPr id="115" name="Shape 115"/>
-          <p:cNvGrpSpPr/>
-          <p:nvPr/>
-        </p:nvGrpSpPr>
-        <p:grpSpPr>
-          <a:xfrm>
-            <a:off x="5321149" y="2025451"/>
-            <a:ext cx="1086199" cy="1530800"/>
-            <a:chOff x="5351987" y="1616750"/>
-            <a:chExt cx="1086199" cy="1530800"/>
-          </a:xfrm>
-        </p:grpSpPr>
-        <p:pic>
-          <p:nvPicPr>
-            <p:cNvPr id="116" name="Shape 116"/>
-            <p:cNvPicPr preferRelativeResize="0"/>
-            <p:nvPr/>
-          </p:nvPicPr>
-          <p:blipFill>
-            <a:blip r:embed="rId6">
-              <a:alphaModFix/>
-            </a:blip>
-            <a:stretch>
-              <a:fillRect/>
-            </a:stretch>
-          </p:blipFill>
-          <p:spPr>
-            <a:xfrm>
-              <a:off x="5351987" y="1616750"/>
-              <a:ext cx="1086199" cy="1086199"/>
-            </a:xfrm>
-            <a:prstGeom prst="rect">
-              <a:avLst/>
-            </a:prstGeom>
-            <a:noFill/>
-            <a:ln>
-              <a:noFill/>
-            </a:ln>
-          </p:spPr>
-        </p:pic>
-        <p:sp>
-          <p:nvSpPr>
-            <p:cNvPr id="117" name="Shape 117"/>
-            <p:cNvSpPr txBox="1"/>
-            <p:nvPr/>
-          </p:nvSpPr>
-          <p:spPr>
-            <a:xfrm>
-              <a:off x="5471037" y="2702950"/>
-              <a:ext cx="848100" cy="444600"/>
-            </a:xfrm>
-            <a:prstGeom prst="rect">
-              <a:avLst/>
-            </a:prstGeom>
-            <a:noFill/>
-            <a:ln>
-              <a:noFill/>
-            </a:ln>
-          </p:spPr>
-          <p:txBody>
-            <a:bodyPr lIns="91425" tIns="91425" rIns="91425" bIns="91425" anchor="t" anchorCtr="0">
-              <a:noAutofit/>
-            </a:bodyPr>
-            <a:lstStyle/>
-            <a:p>
-              <a:pPr lvl="0" rtl="0">
-                <a:spcBef>
-                  <a:spcPts val="0"/>
-                </a:spcBef>
-                <a:buNone/>
-              </a:pPr>
-              <a:r>
-                <a:rPr lang="ru">
-                  <a:solidFill>
-                    <a:schemeClr val="lt2"/>
-                  </a:solidFill>
-                </a:rPr>
-                <a:t>Mapbox</a:t>
-              </a:r>
-            </a:p>
-          </p:txBody>
-        </p:sp>
-      </p:grpSp>
-      <p:grpSp>
-        <p:nvGrpSpPr>
-          <p:cNvPr id="118" name="Shape 118"/>
-          <p:cNvGrpSpPr/>
-          <p:nvPr/>
-        </p:nvGrpSpPr>
-        <p:grpSpPr>
-          <a:xfrm>
-            <a:off x="6922606" y="2019107"/>
-            <a:ext cx="1256700" cy="1543487"/>
-            <a:chOff x="7020543" y="1604062"/>
-            <a:chExt cx="1256700" cy="1543487"/>
-          </a:xfrm>
-        </p:grpSpPr>
-        <p:pic>
-          <p:nvPicPr>
-            <p:cNvPr id="119" name="Shape 119"/>
-            <p:cNvPicPr preferRelativeResize="0"/>
-            <p:nvPr/>
-          </p:nvPicPr>
-          <p:blipFill>
-            <a:blip r:embed="rId7">
-              <a:alphaModFix/>
-            </a:blip>
-            <a:stretch>
-              <a:fillRect/>
-            </a:stretch>
-          </p:blipFill>
-          <p:spPr>
-            <a:xfrm>
-              <a:off x="7067006" y="1604062"/>
-              <a:ext cx="1163774" cy="1086199"/>
-            </a:xfrm>
-            <a:prstGeom prst="rect">
-              <a:avLst/>
-            </a:prstGeom>
-            <a:noFill/>
-            <a:ln>
-              <a:noFill/>
-            </a:ln>
-          </p:spPr>
-        </p:pic>
-        <p:sp>
-          <p:nvSpPr>
-            <p:cNvPr id="120" name="Shape 120"/>
-            <p:cNvSpPr txBox="1"/>
-            <p:nvPr/>
-          </p:nvSpPr>
-          <p:spPr>
-            <a:xfrm>
-              <a:off x="7020543" y="2702950"/>
-              <a:ext cx="1256700" cy="444600"/>
-            </a:xfrm>
-            <a:prstGeom prst="rect">
-              <a:avLst/>
-            </a:prstGeom>
-            <a:noFill/>
-            <a:ln>
-              <a:noFill/>
-            </a:ln>
-          </p:spPr>
-          <p:txBody>
-            <a:bodyPr lIns="91425" tIns="91425" rIns="91425" bIns="91425" anchor="t" anchorCtr="0">
-              <a:noAutofit/>
-            </a:bodyPr>
-            <a:lstStyle/>
-            <a:p>
-              <a:pPr lvl="0" rtl="0">
-                <a:spcBef>
-                  <a:spcPts val="0"/>
-                </a:spcBef>
-                <a:buNone/>
-              </a:pPr>
-              <a:r>
-                <a:rPr lang="ru">
-                  <a:solidFill>
-                    <a:schemeClr val="lt2"/>
-                  </a:solidFill>
-                </a:rPr>
-                <a:t>Android SDK</a:t>
-              </a:r>
-            </a:p>
-          </p:txBody>
-        </p:sp>
-      </p:grpSp>
-      <p:grpSp>
-        <p:nvGrpSpPr>
-          <p:cNvPr id="121" name="Shape 121"/>
-          <p:cNvGrpSpPr/>
-          <p:nvPr/>
-        </p:nvGrpSpPr>
-        <p:grpSpPr>
-          <a:xfrm>
-            <a:off x="1993925" y="4058634"/>
-            <a:ext cx="1210200" cy="1636348"/>
-            <a:chOff x="537387" y="3941100"/>
-            <a:chExt cx="1210200" cy="1636348"/>
-          </a:xfrm>
-        </p:grpSpPr>
-        <p:pic>
-          <p:nvPicPr>
-            <p:cNvPr id="122" name="Shape 122"/>
-            <p:cNvPicPr preferRelativeResize="0"/>
-            <p:nvPr/>
-          </p:nvPicPr>
-          <p:blipFill>
-            <a:blip r:embed="rId8">
-              <a:alphaModFix/>
-            </a:blip>
-            <a:stretch>
-              <a:fillRect/>
-            </a:stretch>
-          </p:blipFill>
-          <p:spPr>
-            <a:xfrm>
-              <a:off x="599400" y="3941100"/>
-              <a:ext cx="1086199" cy="1120788"/>
-            </a:xfrm>
-            <a:prstGeom prst="rect">
-              <a:avLst/>
-            </a:prstGeom>
-            <a:noFill/>
-            <a:ln>
-              <a:noFill/>
-            </a:ln>
-          </p:spPr>
-        </p:pic>
-        <p:sp>
-          <p:nvSpPr>
-            <p:cNvPr id="123" name="Shape 123"/>
-            <p:cNvSpPr txBox="1"/>
-            <p:nvPr/>
-          </p:nvSpPr>
-          <p:spPr>
-            <a:xfrm>
-              <a:off x="537387" y="5161648"/>
-              <a:ext cx="1210200" cy="415800"/>
-            </a:xfrm>
-            <a:prstGeom prst="rect">
-              <a:avLst/>
-            </a:prstGeom>
-            <a:noFill/>
-            <a:ln>
-              <a:noFill/>
-            </a:ln>
-          </p:spPr>
-          <p:txBody>
-            <a:bodyPr lIns="91425" tIns="91425" rIns="91425" bIns="91425" anchor="t" anchorCtr="0">
-              <a:noAutofit/>
-            </a:bodyPr>
-            <a:lstStyle/>
-            <a:p>
-              <a:pPr lvl="0" rtl="0">
-                <a:spcBef>
-                  <a:spcPts val="0"/>
-                </a:spcBef>
-                <a:buNone/>
-              </a:pPr>
-              <a:r>
-                <a:rPr lang="ru">
-                  <a:solidFill>
-                    <a:schemeClr val="lt2"/>
-                  </a:solidFill>
-                </a:rPr>
-                <a:t>PostgreSQL</a:t>
-              </a:r>
-            </a:p>
-          </p:txBody>
-        </p:sp>
-      </p:grpSp>
-      <p:grpSp>
-        <p:nvGrpSpPr>
-          <p:cNvPr id="124" name="Shape 124"/>
-          <p:cNvGrpSpPr/>
-          <p:nvPr/>
-        </p:nvGrpSpPr>
-        <p:grpSpPr>
-          <a:xfrm>
-            <a:off x="6799943" y="4034157"/>
-            <a:ext cx="1297500" cy="1660825"/>
-            <a:chOff x="6979718" y="3958400"/>
-            <a:chExt cx="1297500" cy="1660825"/>
-          </a:xfrm>
-        </p:grpSpPr>
-        <p:pic>
-          <p:nvPicPr>
-            <p:cNvPr id="125" name="Shape 125"/>
-            <p:cNvPicPr preferRelativeResize="0"/>
-            <p:nvPr/>
-          </p:nvPicPr>
-          <p:blipFill>
-            <a:blip r:embed="rId9">
-              <a:alphaModFix/>
-            </a:blip>
-            <a:stretch>
-              <a:fillRect/>
-            </a:stretch>
-          </p:blipFill>
-          <p:spPr>
-            <a:xfrm>
-              <a:off x="7105792" y="3958400"/>
-              <a:ext cx="1086200" cy="1086200"/>
-            </a:xfrm>
-            <a:prstGeom prst="rect">
-              <a:avLst/>
-            </a:prstGeom>
-            <a:noFill/>
-            <a:ln>
-              <a:noFill/>
-            </a:ln>
-          </p:spPr>
-        </p:pic>
-        <p:sp>
-          <p:nvSpPr>
-            <p:cNvPr id="126" name="Shape 126"/>
-            <p:cNvSpPr txBox="1"/>
-            <p:nvPr/>
-          </p:nvSpPr>
-          <p:spPr>
-            <a:xfrm>
-              <a:off x="6979718" y="5174625"/>
-              <a:ext cx="1297500" cy="444600"/>
-            </a:xfrm>
-            <a:prstGeom prst="rect">
-              <a:avLst/>
-            </a:prstGeom>
-            <a:noFill/>
-            <a:ln>
-              <a:noFill/>
-            </a:ln>
-          </p:spPr>
-          <p:txBody>
-            <a:bodyPr lIns="91425" tIns="91425" rIns="91425" bIns="91425" anchor="t" anchorCtr="0">
-              <a:noAutofit/>
-            </a:bodyPr>
-            <a:lstStyle/>
-            <a:p>
-              <a:pPr lvl="0" rtl="0">
-                <a:spcBef>
-                  <a:spcPts val="0"/>
-                </a:spcBef>
-                <a:buNone/>
-              </a:pPr>
-              <a:r>
-                <a:rPr lang="ru">
-                  <a:solidFill>
-                    <a:schemeClr val="lt2"/>
-                  </a:solidFill>
-                </a:rPr>
-                <a:t>Sublime Text</a:t>
-              </a:r>
-            </a:p>
-          </p:txBody>
-        </p:sp>
-      </p:grpSp>
-      <p:grpSp>
-        <p:nvGrpSpPr>
-          <p:cNvPr id="127" name="Shape 127"/>
-          <p:cNvGrpSpPr/>
-          <p:nvPr/>
-        </p:nvGrpSpPr>
-        <p:grpSpPr>
-          <a:xfrm>
-            <a:off x="3497786" y="4034156"/>
-            <a:ext cx="1406464" cy="1620151"/>
-            <a:chOff x="1943285" y="3924635"/>
-            <a:chExt cx="1406464" cy="1660842"/>
-          </a:xfrm>
-        </p:grpSpPr>
-        <p:pic>
-          <p:nvPicPr>
-            <p:cNvPr id="128" name="Shape 128"/>
-            <p:cNvPicPr preferRelativeResize="0"/>
-            <p:nvPr/>
-          </p:nvPicPr>
-          <p:blipFill>
-            <a:blip r:embed="rId10">
-              <a:alphaModFix/>
-            </a:blip>
-            <a:stretch>
-              <a:fillRect/>
-            </a:stretch>
-          </p:blipFill>
-          <p:spPr>
-            <a:xfrm>
-              <a:off x="2139550" y="3924635"/>
-              <a:ext cx="1210200" cy="1153724"/>
-            </a:xfrm>
-            <a:prstGeom prst="rect">
-              <a:avLst/>
-            </a:prstGeom>
-            <a:noFill/>
-            <a:ln>
-              <a:noFill/>
-            </a:ln>
-          </p:spPr>
-        </p:pic>
-        <p:sp>
-          <p:nvSpPr>
-            <p:cNvPr id="129" name="Shape 129"/>
-            <p:cNvSpPr txBox="1"/>
-            <p:nvPr/>
-          </p:nvSpPr>
-          <p:spPr>
-            <a:xfrm>
-              <a:off x="1943285" y="5177777"/>
-              <a:ext cx="1393500" cy="407700"/>
-            </a:xfrm>
-            <a:prstGeom prst="rect">
-              <a:avLst/>
-            </a:prstGeom>
-            <a:noFill/>
-            <a:ln>
-              <a:noFill/>
-            </a:ln>
-          </p:spPr>
-          <p:txBody>
-            <a:bodyPr lIns="91425" tIns="91425" rIns="91425" bIns="91425" anchor="t" anchorCtr="0">
-              <a:noAutofit/>
-            </a:bodyPr>
-            <a:lstStyle/>
-            <a:p>
-              <a:pPr lvl="0" rtl="0">
-                <a:spcBef>
-                  <a:spcPts val="0"/>
-                </a:spcBef>
-                <a:buNone/>
-              </a:pPr>
-              <a:r>
-                <a:rPr lang="ru">
-                  <a:solidFill>
-                    <a:schemeClr val="lt2"/>
-                  </a:solidFill>
-                </a:rPr>
-                <a:t>Apache Server</a:t>
-              </a:r>
-            </a:p>
-          </p:txBody>
-        </p:sp>
-      </p:grpSp>
-      <p:grpSp>
-        <p:nvGrpSpPr>
-          <p:cNvPr id="130" name="Shape 130"/>
-          <p:cNvGrpSpPr/>
-          <p:nvPr/>
-        </p:nvGrpSpPr>
-        <p:grpSpPr>
-          <a:xfrm>
-            <a:off x="477600" y="4053057"/>
-            <a:ext cx="1256699" cy="1641925"/>
-            <a:chOff x="477600" y="3945075"/>
-            <a:chExt cx="1256699" cy="1641925"/>
-          </a:xfrm>
-        </p:grpSpPr>
-        <p:pic>
-          <p:nvPicPr>
-            <p:cNvPr id="131" name="Shape 131"/>
-            <p:cNvPicPr preferRelativeResize="0"/>
-            <p:nvPr/>
-          </p:nvPicPr>
-          <p:blipFill>
-            <a:blip r:embed="rId11">
-              <a:alphaModFix/>
-            </a:blip>
-            <a:stretch>
-              <a:fillRect/>
-            </a:stretch>
-          </p:blipFill>
-          <p:spPr>
-            <a:xfrm>
-              <a:off x="477600" y="3945075"/>
-              <a:ext cx="1256699" cy="1181200"/>
-            </a:xfrm>
-            <a:prstGeom prst="rect">
-              <a:avLst/>
-            </a:prstGeom>
-            <a:noFill/>
-            <a:ln>
-              <a:noFill/>
-            </a:ln>
-          </p:spPr>
-        </p:pic>
-        <p:sp>
-          <p:nvSpPr>
-            <p:cNvPr id="132" name="Shape 132"/>
-            <p:cNvSpPr txBox="1"/>
-            <p:nvPr/>
-          </p:nvSpPr>
-          <p:spPr>
-            <a:xfrm>
-              <a:off x="562800" y="5171200"/>
-              <a:ext cx="1086300" cy="415800"/>
-            </a:xfrm>
-            <a:prstGeom prst="rect">
-              <a:avLst/>
-            </a:prstGeom>
-            <a:noFill/>
-            <a:ln>
-              <a:noFill/>
-            </a:ln>
-          </p:spPr>
-          <p:txBody>
-            <a:bodyPr lIns="91425" tIns="91425" rIns="91425" bIns="91425" anchor="t" anchorCtr="0">
-              <a:noAutofit/>
-            </a:bodyPr>
-            <a:lstStyle/>
-            <a:p>
-              <a:pPr lvl="0" rtl="0">
-                <a:spcBef>
-                  <a:spcPts val="0"/>
-                </a:spcBef>
-                <a:buNone/>
-              </a:pPr>
-              <a:r>
-                <a:rPr lang="ru">
-                  <a:solidFill>
-                    <a:schemeClr val="lt2"/>
-                  </a:solidFill>
-                </a:rPr>
-                <a:t>Highcharts</a:t>
-              </a:r>
-            </a:p>
-          </p:txBody>
-        </p:sp>
-      </p:grpSp>
-      <p:grpSp>
-        <p:nvGrpSpPr>
-          <p:cNvPr id="133" name="Shape 133"/>
-          <p:cNvGrpSpPr/>
-          <p:nvPr/>
-        </p:nvGrpSpPr>
-        <p:grpSpPr>
-          <a:xfrm>
-            <a:off x="5197898" y="4088259"/>
-            <a:ext cx="1297513" cy="1606715"/>
-            <a:chOff x="5197898" y="4088259"/>
-            <a:chExt cx="1297513" cy="1606715"/>
-          </a:xfrm>
-        </p:grpSpPr>
-        <p:pic>
-          <p:nvPicPr>
-            <p:cNvPr id="134" name="Shape 134"/>
-            <p:cNvPicPr preferRelativeResize="0"/>
-            <p:nvPr/>
-          </p:nvPicPr>
-          <p:blipFill rotWithShape="1">
-            <a:blip r:embed="rId12">
-              <a:alphaModFix/>
-            </a:blip>
-            <a:srcRect r="-5351" b="-5351"/>
-            <a:stretch/>
-          </p:blipFill>
-          <p:spPr>
-            <a:xfrm>
-              <a:off x="5197898" y="4088259"/>
-              <a:ext cx="1297513" cy="1215560"/>
-            </a:xfrm>
-            <a:prstGeom prst="rect">
-              <a:avLst/>
-            </a:prstGeom>
-            <a:noFill/>
-            <a:ln>
-              <a:noFill/>
-            </a:ln>
-          </p:spPr>
-        </p:pic>
-        <p:sp>
-          <p:nvSpPr>
-            <p:cNvPr id="135" name="Shape 135"/>
-            <p:cNvSpPr txBox="1"/>
-            <p:nvPr/>
-          </p:nvSpPr>
-          <p:spPr>
-            <a:xfrm>
-              <a:off x="5586555" y="5250375"/>
-              <a:ext cx="520199" cy="444600"/>
-            </a:xfrm>
-            <a:prstGeom prst="rect">
-              <a:avLst/>
-            </a:prstGeom>
-            <a:noFill/>
-            <a:ln>
-              <a:noFill/>
-            </a:ln>
-          </p:spPr>
-          <p:txBody>
-            <a:bodyPr lIns="91425" tIns="91425" rIns="91425" bIns="91425" anchor="t" anchorCtr="0">
-              <a:noAutofit/>
-            </a:bodyPr>
-            <a:lstStyle/>
-            <a:p>
-              <a:pPr lvl="0" rtl="0">
-                <a:spcBef>
-                  <a:spcPts val="0"/>
-                </a:spcBef>
-                <a:buNone/>
-              </a:pPr>
-              <a:r>
-                <a:rPr lang="ru">
-                  <a:solidFill>
-                    <a:schemeClr val="lt2"/>
-                  </a:solidFill>
-                </a:rPr>
-                <a:t>GIT</a:t>
-              </a:r>
-            </a:p>
-          </p:txBody>
-        </p:sp>
-      </p:grpSp>
-    </p:spTree>
-  </p:cSld>
-  <p:clrMapOvr>
-    <a:masterClrMapping/>
-  </p:clrMapOvr>
-  <p:transition spd="slow">
-    <p:cut/>
-  </p:transition>
   <p:timing>
     <p:tnLst>
       <p:par>

--- a/Презентация.pptx
+++ b/Презентация.pptx
@@ -5,24 +5,25 @@
     <p:sldMasterId id="2147483654" r:id="rId1"/>
   </p:sldMasterIdLst>
   <p:notesMasterIdLst>
-    <p:notesMasterId r:id="rId17"/>
+    <p:notesMasterId r:id="rId18"/>
   </p:notesMasterIdLst>
   <p:sldIdLst>
     <p:sldId id="256" r:id="rId2"/>
-    <p:sldId id="257" r:id="rId3"/>
-    <p:sldId id="271" r:id="rId4"/>
-    <p:sldId id="259" r:id="rId5"/>
-    <p:sldId id="260" r:id="rId6"/>
-    <p:sldId id="279" r:id="rId7"/>
-    <p:sldId id="276" r:id="rId8"/>
-    <p:sldId id="274" r:id="rId9"/>
-    <p:sldId id="280" r:id="rId10"/>
-    <p:sldId id="275" r:id="rId11"/>
-    <p:sldId id="262" r:id="rId12"/>
-    <p:sldId id="258" r:id="rId13"/>
-    <p:sldId id="265" r:id="rId14"/>
-    <p:sldId id="269" r:id="rId15"/>
-    <p:sldId id="270" r:id="rId16"/>
+    <p:sldId id="271" r:id="rId3"/>
+    <p:sldId id="257" r:id="rId4"/>
+    <p:sldId id="260" r:id="rId5"/>
+    <p:sldId id="279" r:id="rId6"/>
+    <p:sldId id="283" r:id="rId7"/>
+    <p:sldId id="275" r:id="rId8"/>
+    <p:sldId id="280" r:id="rId9"/>
+    <p:sldId id="274" r:id="rId10"/>
+    <p:sldId id="282" r:id="rId11"/>
+    <p:sldId id="276" r:id="rId12"/>
+    <p:sldId id="262" r:id="rId13"/>
+    <p:sldId id="258" r:id="rId14"/>
+    <p:sldId id="259" r:id="rId15"/>
+    <p:sldId id="269" r:id="rId16"/>
+    <p:sldId id="270" r:id="rId17"/>
   </p:sldIdLst>
   <p:sldSz cx="9144000" cy="6858000" type="screen4x3"/>
   <p:notesSz cx="6858000" cy="9144000"/>
@@ -860,7 +861,7 @@
   <p:cSld>
     <p:spTree>
       <p:nvGrpSpPr>
-        <p:cNvPr id="1" name="Shape 136"/>
+        <p:cNvPr id="1" name="Shape 155"/>
         <p:cNvGrpSpPr/>
         <p:nvPr/>
       </p:nvGrpSpPr>
@@ -874,7 +875,7 @@
       </p:grpSpPr>
       <p:sp>
         <p:nvSpPr>
-          <p:cNvPr id="137" name="Shape 137"/>
+          <p:cNvPr id="156" name="Shape 156"/>
           <p:cNvSpPr>
             <a:spLocks noGrp="1" noRot="1" noChangeAspect="1"/>
           </p:cNvSpPr>
@@ -925,7 +926,7 @@
       </p:sp>
       <p:sp>
         <p:nvSpPr>
-          <p:cNvPr id="138" name="Shape 138"/>
+          <p:cNvPr id="157" name="Shape 157"/>
           <p:cNvSpPr txBox="1">
             <a:spLocks noGrp="1"/>
           </p:cNvSpPr>
@@ -961,7 +962,7 @@
     </p:spTree>
     <p:extLst>
       <p:ext uri="{BB962C8B-B14F-4D97-AF65-F5344CB8AC3E}">
-        <p14:creationId xmlns:p14="http://schemas.microsoft.com/office/powerpoint/2010/main" val="2116175016"/>
+        <p14:creationId xmlns:p14="http://schemas.microsoft.com/office/powerpoint/2010/main" val="3306436371"/>
       </p:ext>
     </p:extLst>
   </p:cSld>
@@ -1077,7 +1078,7 @@
     </p:spTree>
     <p:extLst>
       <p:ext uri="{BB962C8B-B14F-4D97-AF65-F5344CB8AC3E}">
-        <p14:creationId xmlns:p14="http://schemas.microsoft.com/office/powerpoint/2010/main" val="3306436371"/>
+        <p14:creationId xmlns:p14="http://schemas.microsoft.com/office/powerpoint/2010/main" val="877808179"/>
       </p:ext>
     </p:extLst>
   </p:cSld>
@@ -1193,7 +1194,7 @@
     </p:spTree>
     <p:extLst>
       <p:ext uri="{BB962C8B-B14F-4D97-AF65-F5344CB8AC3E}">
-        <p14:creationId xmlns:p14="http://schemas.microsoft.com/office/powerpoint/2010/main" val="877808179"/>
+        <p14:creationId xmlns:p14="http://schemas.microsoft.com/office/powerpoint/2010/main" val="1759156659"/>
       </p:ext>
     </p:extLst>
   </p:cSld>
@@ -1440,7 +1441,7 @@
   <p:cSld>
     <p:spTree>
       <p:nvGrpSpPr>
-        <p:cNvPr id="1" name="Shape 200"/>
+        <p:cNvPr id="1" name="Shape 136"/>
         <p:cNvGrpSpPr/>
         <p:nvPr/>
       </p:nvGrpSpPr>
@@ -1454,7 +1455,7 @@
       </p:grpSpPr>
       <p:sp>
         <p:nvSpPr>
-          <p:cNvPr id="201" name="Shape 201"/>
+          <p:cNvPr id="137" name="Shape 137"/>
           <p:cNvSpPr>
             <a:spLocks noGrp="1" noRot="1" noChangeAspect="1"/>
           </p:cNvSpPr>
@@ -1505,7 +1506,7 @@
       </p:sp>
       <p:sp>
         <p:nvSpPr>
-          <p:cNvPr id="202" name="Shape 202"/>
+          <p:cNvPr id="138" name="Shape 138"/>
           <p:cNvSpPr txBox="1">
             <a:spLocks noGrp="1"/>
           </p:cNvSpPr>
@@ -1541,7 +1542,7 @@
     </p:spTree>
     <p:extLst>
       <p:ext uri="{BB962C8B-B14F-4D97-AF65-F5344CB8AC3E}">
-        <p14:creationId xmlns:p14="http://schemas.microsoft.com/office/powerpoint/2010/main" val="1706812778"/>
+        <p14:creationId xmlns:p14="http://schemas.microsoft.com/office/powerpoint/2010/main" val="2116175016"/>
       </p:ext>
     </p:extLst>
   </p:cSld>
@@ -6122,29 +6123,7 @@
                   </a:schemeClr>
                 </a:solidFill>
               </a:rPr>
-              <a:t>Анализ технологии построения системы обработки </a:t>
-            </a:r>
-            <a:r>
-              <a:rPr lang="ru-RU" b="1" dirty="0" err="1">
-                <a:solidFill>
-                  <a:schemeClr val="tx2">
-                    <a:lumMod val="40000"/>
-                    <a:lumOff val="60000"/>
-                  </a:schemeClr>
-                </a:solidFill>
-              </a:rPr>
-              <a:t>геоданных</a:t>
-            </a:r>
-            <a:r>
-              <a:rPr lang="ru-RU" b="1" dirty="0">
-                <a:solidFill>
-                  <a:schemeClr val="tx2">
-                    <a:lumMod val="40000"/>
-                    <a:lumOff val="60000"/>
-                  </a:schemeClr>
-                </a:solidFill>
-              </a:rPr>
-              <a:t> на </a:t>
+              <a:t>Анализ технологии построения системы обработки геоданных на </a:t>
             </a:r>
             <a:r>
               <a:rPr lang="ru-RU" b="1" dirty="0" smtClean="0">
@@ -6352,14 +6331,162 @@
           <a:lstStyle/>
           <a:p>
             <a:r>
-              <a:rPr lang="ru-RU" dirty="0" smtClean="0"/>
-              <a:t>Анализ алгоритма фильтрации и предобработки </a:t>
-            </a:r>
-            <a:r>
-              <a:rPr lang="ru-RU" dirty="0" err="1" smtClean="0"/>
-              <a:t>геоданных</a:t>
-            </a:r>
-            <a:endParaRPr lang="ru-RU" dirty="0"/>
+              <a:rPr lang="ru-RU" sz="3200" dirty="0" smtClean="0"/>
+              <a:t>Оптимизация алгоритма </a:t>
+            </a:r>
+            <a:r>
+              <a:rPr lang="ru-RU" sz="3200" dirty="0"/>
+              <a:t>распределения геоданных по </a:t>
+            </a:r>
+            <a:r>
+              <a:rPr lang="ru-RU" sz="3200" dirty="0" smtClean="0"/>
+              <a:t>маршрутам</a:t>
+            </a:r>
+            <a:endParaRPr lang="ru-RU" sz="3200" dirty="0"/>
+          </a:p>
+        </p:txBody>
+      </p:sp>
+      <p:sp>
+        <p:nvSpPr>
+          <p:cNvPr id="6" name="Текст 2"/>
+          <p:cNvSpPr>
+            <a:spLocks noGrp="1"/>
+          </p:cNvSpPr>
+          <p:nvPr>
+            <p:ph type="body" idx="1"/>
+          </p:nvPr>
+        </p:nvSpPr>
+        <p:spPr>
+          <a:xfrm>
+            <a:off x="5358211" y="1282373"/>
+            <a:ext cx="3156155" cy="4798142"/>
+          </a:xfrm>
+        </p:spPr>
+        <p:txBody>
+          <a:bodyPr/>
+          <a:lstStyle/>
+          <a:p>
+            <a:pPr>
+              <a:spcAft>
+                <a:spcPts val="1800"/>
+              </a:spcAft>
+            </a:pPr>
+            <a:r>
+              <a:rPr lang="ru-RU" sz="1800" dirty="0" smtClean="0">
+                <a:solidFill>
+                  <a:schemeClr val="bg1">
+                    <a:lumMod val="95000"/>
+                  </a:schemeClr>
+                </a:solidFill>
+              </a:rPr>
+              <a:t>Результаты оптимизации</a:t>
+            </a:r>
+            <a:r>
+              <a:rPr lang="en-US" sz="1800" dirty="0" smtClean="0">
+                <a:solidFill>
+                  <a:schemeClr val="bg1">
+                    <a:lumMod val="95000"/>
+                  </a:schemeClr>
+                </a:solidFill>
+              </a:rPr>
+              <a:t>:</a:t>
+            </a:r>
+            <a:endParaRPr lang="ru-RU" sz="1800" dirty="0">
+              <a:solidFill>
+                <a:schemeClr val="bg1">
+                  <a:lumMod val="95000"/>
+                </a:schemeClr>
+              </a:solidFill>
+            </a:endParaRPr>
+          </a:p>
+          <a:p>
+            <a:pPr marL="457200" indent="-457200">
+              <a:spcAft>
+                <a:spcPts val="1800"/>
+              </a:spcAft>
+              <a:buFont typeface="Arial" panose="020B0604020202020204" pitchFamily="34" charset="0"/>
+              <a:buChar char="•"/>
+            </a:pPr>
+            <a:r>
+              <a:rPr lang="ru-RU" sz="1800" dirty="0" smtClean="0">
+                <a:solidFill>
+                  <a:schemeClr val="bg1">
+                    <a:lumMod val="95000"/>
+                  </a:schemeClr>
+                </a:solidFill>
+              </a:rPr>
+              <a:t>Динамическое вычисление времени начала, конца, длительности и протяжённости маршрута</a:t>
+            </a:r>
+          </a:p>
+          <a:p>
+            <a:pPr marL="457200" indent="-457200">
+              <a:spcAft>
+                <a:spcPts val="1800"/>
+              </a:spcAft>
+              <a:buFont typeface="Arial" panose="020B0604020202020204" pitchFamily="34" charset="0"/>
+              <a:buChar char="•"/>
+            </a:pPr>
+            <a:r>
+              <a:rPr lang="ru-RU" sz="1800" dirty="0" smtClean="0">
+                <a:solidFill>
+                  <a:schemeClr val="bg1">
+                    <a:lumMod val="95000"/>
+                  </a:schemeClr>
+                </a:solidFill>
+              </a:rPr>
+              <a:t>Высокая скорость поиска целевого трека</a:t>
+            </a:r>
+          </a:p>
+          <a:p>
+            <a:pPr marL="457200" indent="-457200">
+              <a:spcAft>
+                <a:spcPts val="1800"/>
+              </a:spcAft>
+              <a:buFont typeface="Arial" panose="020B0604020202020204" pitchFamily="34" charset="0"/>
+              <a:buChar char="•"/>
+            </a:pPr>
+            <a:r>
+              <a:rPr lang="ru-RU" sz="1800" dirty="0" smtClean="0">
+                <a:solidFill>
+                  <a:schemeClr val="bg1">
+                    <a:lumMod val="95000"/>
+                  </a:schemeClr>
+                </a:solidFill>
+              </a:rPr>
+              <a:t>Возможность объединения более двух треков.</a:t>
+            </a:r>
+          </a:p>
+          <a:p>
+            <a:pPr marL="457200" indent="-457200">
+              <a:spcAft>
+                <a:spcPts val="1800"/>
+              </a:spcAft>
+              <a:buFont typeface="Arial" panose="020B0604020202020204" pitchFamily="34" charset="0"/>
+              <a:buChar char="•"/>
+            </a:pPr>
+            <a:r>
+              <a:rPr lang="ru-RU" sz="1800" dirty="0" smtClean="0">
+                <a:solidFill>
+                  <a:schemeClr val="bg1">
+                    <a:lumMod val="95000"/>
+                  </a:schemeClr>
+                </a:solidFill>
+              </a:rPr>
+              <a:t>Устойчивость к коллизиям</a:t>
+            </a:r>
+          </a:p>
+          <a:p>
+            <a:pPr marL="457200" indent="-457200">
+              <a:buFont typeface="Arial" panose="020B0604020202020204" pitchFamily="34" charset="0"/>
+              <a:buChar char="•"/>
+            </a:pPr>
+            <a:endParaRPr lang="ru-RU" sz="1800" dirty="0">
+              <a:solidFill>
+                <a:schemeClr val="bg1">
+                  <a:lumMod val="95000"/>
+                </a:schemeClr>
+              </a:solidFill>
+            </a:endParaRPr>
           </a:p>
         </p:txBody>
       </p:sp>
@@ -6385,258 +6512,18 @@
         </p:blipFill>
         <p:spPr>
           <a:xfrm>
-            <a:off x="580559" y="1509014"/>
-            <a:ext cx="3466939" cy="2485229"/>
+            <a:off x="516809" y="1533832"/>
+            <a:ext cx="4203781" cy="4815115"/>
           </a:xfrm>
           <a:prstGeom prst="rect">
             <a:avLst/>
           </a:prstGeom>
         </p:spPr>
       </p:pic>
-      <p:pic>
-        <p:nvPicPr>
-          <p:cNvPr id="4" name="Рисунок 3"/>
-          <p:cNvPicPr>
-            <a:picLocks noChangeAspect="1"/>
-          </p:cNvPicPr>
-          <p:nvPr/>
-        </p:nvPicPr>
-        <p:blipFill>
-          <a:blip r:embed="rId3">
-            <a:extLst>
-              <a:ext uri="{28A0092B-C50C-407E-A947-70E740481C1C}">
-                <a14:useLocalDpi xmlns:a14="http://schemas.microsoft.com/office/drawing/2010/main" val="0"/>
-              </a:ext>
-            </a:extLst>
-          </a:blip>
-          <a:stretch>
-            <a:fillRect/>
-          </a:stretch>
-        </p:blipFill>
-        <p:spPr>
-          <a:xfrm>
-            <a:off x="4572000" y="1509013"/>
-            <a:ext cx="3466938" cy="2485229"/>
-          </a:xfrm>
-          <a:prstGeom prst="rect">
-            <a:avLst/>
-          </a:prstGeom>
-        </p:spPr>
-      </p:pic>
-      <p:pic>
-        <p:nvPicPr>
-          <p:cNvPr id="8" name="Рисунок 7"/>
-          <p:cNvPicPr>
-            <a:picLocks noChangeAspect="1"/>
-          </p:cNvPicPr>
-          <p:nvPr/>
-        </p:nvPicPr>
-        <p:blipFill>
-          <a:blip r:embed="rId4">
-            <a:extLst>
-              <a:ext uri="{28A0092B-C50C-407E-A947-70E740481C1C}">
-                <a14:useLocalDpi xmlns:a14="http://schemas.microsoft.com/office/drawing/2010/main" val="0"/>
-              </a:ext>
-            </a:extLst>
-          </a:blip>
-          <a:stretch>
-            <a:fillRect/>
-          </a:stretch>
-        </p:blipFill>
-        <p:spPr>
-          <a:xfrm>
-            <a:off x="580559" y="4201259"/>
-            <a:ext cx="3466938" cy="2485228"/>
-          </a:xfrm>
-          <a:prstGeom prst="rect">
-            <a:avLst/>
-          </a:prstGeom>
-        </p:spPr>
-      </p:pic>
-      <p:sp>
-        <p:nvSpPr>
-          <p:cNvPr id="5" name="TextBox 4"/>
-          <p:cNvSpPr txBox="1"/>
-          <p:nvPr/>
-        </p:nvSpPr>
-        <p:spPr>
-          <a:xfrm>
-            <a:off x="4572000" y="4344787"/>
-            <a:ext cx="4198374" cy="2585323"/>
-          </a:xfrm>
-          <a:prstGeom prst="rect">
-            <a:avLst/>
-          </a:prstGeom>
-          <a:noFill/>
-        </p:spPr>
-        <p:txBody>
-          <a:bodyPr wrap="square" rtlCol="0">
-            <a:spAutoFit/>
-          </a:bodyPr>
-          <a:lstStyle/>
-          <a:p>
-            <a:pPr>
-              <a:spcAft>
-                <a:spcPts val="1200"/>
-              </a:spcAft>
-            </a:pPr>
-            <a:r>
-              <a:rPr lang="ru-RU" dirty="0" smtClean="0">
-                <a:solidFill>
-                  <a:schemeClr val="bg1">
-                    <a:lumMod val="95000"/>
-                  </a:schemeClr>
-                </a:solidFill>
-              </a:rPr>
-              <a:t>Определяется </a:t>
-            </a:r>
-            <a:r>
-              <a:rPr lang="ru-RU" dirty="0">
-                <a:solidFill>
-                  <a:schemeClr val="bg1">
-                    <a:lumMod val="95000"/>
-                  </a:schemeClr>
-                </a:solidFill>
-              </a:rPr>
-              <a:t>д</a:t>
-            </a:r>
-            <a:r>
-              <a:rPr lang="ru-RU" dirty="0" smtClean="0">
-                <a:solidFill>
-                  <a:schemeClr val="bg1">
-                    <a:lumMod val="95000"/>
-                  </a:schemeClr>
-                </a:solidFill>
-              </a:rPr>
-              <a:t>опустимое отдаление (на основе параметра </a:t>
-            </a:r>
-            <a:r>
-              <a:rPr lang="en-US" dirty="0" smtClean="0">
-                <a:solidFill>
-                  <a:schemeClr val="bg1">
-                    <a:lumMod val="95000"/>
-                  </a:schemeClr>
-                </a:solidFill>
-              </a:rPr>
-              <a:t>accuracy)</a:t>
-            </a:r>
-            <a:endParaRPr lang="ru-RU" dirty="0" smtClean="0">
-              <a:solidFill>
-                <a:schemeClr val="bg1">
-                  <a:lumMod val="95000"/>
-                </a:schemeClr>
-              </a:solidFill>
-            </a:endParaRPr>
-          </a:p>
-          <a:p>
-            <a:pPr>
-              <a:spcAft>
-                <a:spcPts val="1200"/>
-              </a:spcAft>
-            </a:pPr>
-            <a:r>
-              <a:rPr lang="ru-RU" dirty="0" smtClean="0">
-                <a:solidFill>
-                  <a:schemeClr val="bg1">
-                    <a:lumMod val="95000"/>
-                  </a:schemeClr>
-                </a:solidFill>
-              </a:rPr>
-              <a:t>Выборка </a:t>
-            </a:r>
-            <a:r>
-              <a:rPr lang="ru-RU" dirty="0" err="1" smtClean="0">
-                <a:solidFill>
-                  <a:schemeClr val="bg1">
-                    <a:lumMod val="95000"/>
-                  </a:schemeClr>
-                </a:solidFill>
-              </a:rPr>
-              <a:t>геоданных</a:t>
-            </a:r>
-            <a:r>
-              <a:rPr lang="ru-RU" dirty="0" smtClean="0">
-                <a:solidFill>
-                  <a:schemeClr val="bg1">
-                    <a:lumMod val="95000"/>
-                  </a:schemeClr>
-                </a:solidFill>
-              </a:rPr>
-              <a:t> с ненулевой скоростью</a:t>
-            </a:r>
-          </a:p>
-          <a:p>
-            <a:pPr>
-              <a:spcAft>
-                <a:spcPts val="1200"/>
-              </a:spcAft>
-            </a:pPr>
-            <a:r>
-              <a:rPr lang="ru-RU" dirty="0" smtClean="0">
-                <a:solidFill>
-                  <a:schemeClr val="bg1">
-                    <a:lumMod val="95000"/>
-                  </a:schemeClr>
-                </a:solidFill>
-              </a:rPr>
-              <a:t>Вычисление геометрического центра полигона</a:t>
-            </a:r>
-          </a:p>
-          <a:p>
-            <a:r>
-              <a:rPr lang="ru-RU" sz="1200" i="1" dirty="0">
-                <a:solidFill>
-                  <a:schemeClr val="bg1">
-                    <a:lumMod val="95000"/>
-                  </a:schemeClr>
-                </a:solidFill>
-              </a:rPr>
-              <a:t>Использование пула координат позволило не только использовать  фильтрацию </a:t>
-            </a:r>
-            <a:r>
-              <a:rPr lang="ru-RU" sz="1200" i="1" dirty="0" err="1">
-                <a:solidFill>
-                  <a:schemeClr val="bg1">
-                    <a:lumMod val="95000"/>
-                  </a:schemeClr>
-                </a:solidFill>
-              </a:rPr>
-              <a:t>геоданных</a:t>
-            </a:r>
-            <a:r>
-              <a:rPr lang="ru-RU" sz="1200" i="1" dirty="0">
-                <a:solidFill>
-                  <a:schemeClr val="bg1">
-                    <a:lumMod val="95000"/>
-                  </a:schemeClr>
-                </a:solidFill>
-              </a:rPr>
-              <a:t>, перед отправкой на сервер, но и уменьшить количество соединений с сервером</a:t>
-            </a:r>
-          </a:p>
-          <a:p>
-            <a:endParaRPr lang="ru-RU" dirty="0"/>
-          </a:p>
-          <a:p>
-            <a:pPr>
-              <a:spcAft>
-                <a:spcPts val="1200"/>
-              </a:spcAft>
-            </a:pPr>
-            <a:endParaRPr lang="ru-RU" dirty="0" smtClean="0">
-              <a:solidFill>
-                <a:schemeClr val="bg1">
-                  <a:lumMod val="95000"/>
-                </a:schemeClr>
-              </a:solidFill>
-            </a:endParaRPr>
-          </a:p>
-        </p:txBody>
-      </p:sp>
     </p:spTree>
     <p:extLst>
       <p:ext uri="{BB962C8B-B14F-4D97-AF65-F5344CB8AC3E}">
-        <p14:creationId xmlns:p14="http://schemas.microsoft.com/office/powerpoint/2010/main" val="2870576481"/>
+        <p14:creationId xmlns:p14="http://schemas.microsoft.com/office/powerpoint/2010/main" val="2707005660"/>
       </p:ext>
     </p:extLst>
   </p:cSld>
@@ -6654,6 +6541,196 @@
 </file>
 
 <file path=ppt/slides/slide11.xml><?xml version="1.0" encoding="utf-8"?>
+<p:sld xmlns:a="http://schemas.openxmlformats.org/drawingml/2006/main" xmlns:r="http://schemas.openxmlformats.org/officeDocument/2006/relationships" xmlns:p="http://schemas.openxmlformats.org/presentationml/2006/main">
+  <p:cSld>
+    <p:spTree>
+      <p:nvGrpSpPr>
+        <p:cNvPr id="1" name=""/>
+        <p:cNvGrpSpPr/>
+        <p:nvPr/>
+      </p:nvGrpSpPr>
+      <p:grpSpPr>
+        <a:xfrm>
+          <a:off x="0" y="0"/>
+          <a:ext cx="0" cy="0"/>
+          <a:chOff x="0" y="0"/>
+          <a:chExt cx="0" cy="0"/>
+        </a:xfrm>
+      </p:grpSpPr>
+      <p:sp>
+        <p:nvSpPr>
+          <p:cNvPr id="2" name="Заголовок 1"/>
+          <p:cNvSpPr>
+            <a:spLocks noGrp="1"/>
+          </p:cNvSpPr>
+          <p:nvPr>
+            <p:ph type="title"/>
+          </p:nvPr>
+        </p:nvSpPr>
+        <p:spPr/>
+        <p:txBody>
+          <a:bodyPr/>
+          <a:lstStyle/>
+          <a:p>
+            <a:r>
+              <a:rPr lang="ru-RU" dirty="0" smtClean="0"/>
+              <a:t>Анализ и модернизация БД</a:t>
+            </a:r>
+            <a:endParaRPr lang="ru-RU" dirty="0"/>
+          </a:p>
+        </p:txBody>
+      </p:sp>
+      <p:sp>
+        <p:nvSpPr>
+          <p:cNvPr id="3" name="Текст 2"/>
+          <p:cNvSpPr>
+            <a:spLocks noGrp="1"/>
+          </p:cNvSpPr>
+          <p:nvPr>
+            <p:ph type="body" idx="1"/>
+          </p:nvPr>
+        </p:nvSpPr>
+        <p:spPr>
+          <a:xfrm>
+            <a:off x="457200" y="1417637"/>
+            <a:ext cx="8229600" cy="4914337"/>
+          </a:xfrm>
+        </p:spPr>
+        <p:txBody>
+          <a:bodyPr/>
+          <a:lstStyle/>
+          <a:p>
+            <a:pPr marL="457200" indent="-457200">
+              <a:buFont typeface="Arial" panose="020B0604020202020204" pitchFamily="34" charset="0"/>
+              <a:buChar char="•"/>
+            </a:pPr>
+            <a:r>
+              <a:rPr lang="ru-RU" dirty="0" smtClean="0">
+                <a:solidFill>
+                  <a:schemeClr val="bg1">
+                    <a:lumMod val="95000"/>
+                  </a:schemeClr>
+                </a:solidFill>
+              </a:rPr>
+              <a:t>Был проведен анализ и профайлинг запросов на основе журналов сервера</a:t>
+            </a:r>
+          </a:p>
+          <a:p>
+            <a:pPr marL="457200" indent="-457200">
+              <a:buFont typeface="Arial" panose="020B0604020202020204" pitchFamily="34" charset="0"/>
+              <a:buChar char="•"/>
+            </a:pPr>
+            <a:endParaRPr lang="ru-RU" dirty="0" smtClean="0">
+              <a:solidFill>
+                <a:schemeClr val="bg1">
+                  <a:lumMod val="95000"/>
+                </a:schemeClr>
+              </a:solidFill>
+            </a:endParaRPr>
+          </a:p>
+          <a:p>
+            <a:pPr marL="457200" indent="-457200">
+              <a:buFont typeface="Arial" panose="020B0604020202020204" pitchFamily="34" charset="0"/>
+              <a:buChar char="•"/>
+            </a:pPr>
+            <a:r>
+              <a:rPr lang="ru-RU" dirty="0" smtClean="0">
+                <a:solidFill>
+                  <a:schemeClr val="bg1">
+                    <a:lumMod val="95000"/>
+                  </a:schemeClr>
+                </a:solidFill>
+              </a:rPr>
+              <a:t>По результатам анализа была проведена оптимизация связей и структуры хранения данных.</a:t>
+            </a:r>
+          </a:p>
+          <a:p>
+            <a:pPr marL="457200" indent="-457200">
+              <a:buFont typeface="Arial" panose="020B0604020202020204" pitchFamily="34" charset="0"/>
+              <a:buChar char="•"/>
+            </a:pPr>
+            <a:endParaRPr lang="ru-RU" dirty="0" smtClean="0">
+              <a:solidFill>
+                <a:schemeClr val="bg1">
+                  <a:lumMod val="95000"/>
+                </a:schemeClr>
+              </a:solidFill>
+            </a:endParaRPr>
+          </a:p>
+          <a:p>
+            <a:pPr marL="457200" indent="-457200">
+              <a:buFont typeface="Arial" panose="020B0604020202020204" pitchFamily="34" charset="0"/>
+              <a:buChar char="•"/>
+            </a:pPr>
+            <a:r>
+              <a:rPr lang="ru-RU" dirty="0" smtClean="0">
+                <a:solidFill>
+                  <a:schemeClr val="bg1">
+                    <a:lumMod val="95000"/>
+                  </a:schemeClr>
+                </a:solidFill>
+              </a:rPr>
+              <a:t>Наиболее объемные и медленные запросы были переработаны</a:t>
+            </a:r>
+          </a:p>
+          <a:p>
+            <a:pPr marL="457200" indent="-457200">
+              <a:buFont typeface="Arial" panose="020B0604020202020204" pitchFamily="34" charset="0"/>
+              <a:buChar char="•"/>
+            </a:pPr>
+            <a:endParaRPr lang="ru-RU" dirty="0"/>
+          </a:p>
+          <a:p>
+            <a:pPr marL="457200" indent="-457200">
+              <a:buFont typeface="Arial" panose="020B0604020202020204" pitchFamily="34" charset="0"/>
+              <a:buChar char="•"/>
+            </a:pPr>
+            <a:endParaRPr lang="ru-RU" dirty="0" smtClean="0"/>
+          </a:p>
+          <a:p>
+            <a:pPr marL="457200" indent="-457200">
+              <a:buFont typeface="Arial" panose="020B0604020202020204" pitchFamily="34" charset="0"/>
+              <a:buChar char="•"/>
+            </a:pPr>
+            <a:endParaRPr lang="ru-RU" dirty="0" smtClean="0"/>
+          </a:p>
+          <a:p>
+            <a:pPr marL="457200" indent="-457200">
+              <a:buFont typeface="Arial" panose="020B0604020202020204" pitchFamily="34" charset="0"/>
+              <a:buChar char="•"/>
+            </a:pPr>
+            <a:endParaRPr lang="ru-RU" dirty="0" smtClean="0"/>
+          </a:p>
+          <a:p>
+            <a:pPr marL="457200" indent="-457200">
+              <a:buFont typeface="Arial" panose="020B0604020202020204" pitchFamily="34" charset="0"/>
+              <a:buChar char="•"/>
+            </a:pPr>
+            <a:endParaRPr lang="ru-RU" dirty="0"/>
+          </a:p>
+        </p:txBody>
+      </p:sp>
+    </p:spTree>
+    <p:extLst>
+      <p:ext uri="{BB962C8B-B14F-4D97-AF65-F5344CB8AC3E}">
+        <p14:creationId xmlns:p14="http://schemas.microsoft.com/office/powerpoint/2010/main" val="2165145386"/>
+      </p:ext>
+    </p:extLst>
+  </p:cSld>
+  <p:clrMapOvr>
+    <a:masterClrMapping/>
+  </p:clrMapOvr>
+  <p:timing>
+    <p:tnLst>
+      <p:par>
+        <p:cTn id="1" dur="indefinite" restart="never" nodeType="tmRoot"/>
+      </p:par>
+    </p:tnLst>
+  </p:timing>
+</p:sld>
+</file>
+
+<file path=ppt/slides/slide12.xml><?xml version="1.0" encoding="utf-8"?>
 <p:sld xmlns:a="http://schemas.openxmlformats.org/drawingml/2006/main" xmlns:r="http://schemas.openxmlformats.org/officeDocument/2006/relationships" xmlns:p="http://schemas.openxmlformats.org/presentationml/2006/main">
   <p:cSld>
     <p:spTree>
@@ -6745,7 +6822,7 @@
               <a:buChar char="●"/>
             </a:pPr>
             <a:r>
-              <a:rPr lang="ru" sz="1800">
+              <a:rPr lang="ru" sz="1800" dirty="0">
                 <a:solidFill>
                   <a:srgbClr val="CAD3E4"/>
                 </a:solidFill>
@@ -6766,7 +6843,7 @@
               <a:buChar char="●"/>
             </a:pPr>
             <a:r>
-              <a:rPr lang="ru" sz="1800">
+              <a:rPr lang="ru" sz="1800" dirty="0">
                 <a:solidFill>
                   <a:srgbClr val="CAD3E4"/>
                 </a:solidFill>
@@ -6787,7 +6864,7 @@
               <a:buChar char="●"/>
             </a:pPr>
             <a:r>
-              <a:rPr lang="ru" sz="1800">
+              <a:rPr lang="ru" sz="1800" dirty="0">
                 <a:solidFill>
                   <a:srgbClr val="CAD3E4"/>
                 </a:solidFill>
@@ -6808,7 +6885,7 @@
               <a:buChar char="●"/>
             </a:pPr>
             <a:r>
-              <a:rPr lang="ru" sz="1800">
+              <a:rPr lang="ru" sz="1800" dirty="0">
                 <a:solidFill>
                   <a:srgbClr val="CAD3E4"/>
                 </a:solidFill>
@@ -6823,7 +6900,7 @@
               </a:spcBef>
               <a:buNone/>
             </a:pPr>
-            <a:endParaRPr sz="1800">
+            <a:endParaRPr sz="1800" dirty="0">
               <a:solidFill>
                 <a:srgbClr val="CAD3E4"/>
               </a:solidFill>
@@ -6840,7 +6917,7 @@
         <p:spPr>
           <a:xfrm>
             <a:off x="457200" y="2996125"/>
-            <a:ext cx="3534600" cy="1368000"/>
+            <a:ext cx="4754880" cy="1368000"/>
           </a:xfrm>
           <a:prstGeom prst="rect">
             <a:avLst/>
@@ -6868,7 +6945,7 @@
               <a:buChar char="●"/>
             </a:pPr>
             <a:r>
-              <a:rPr lang="ru" sz="1800">
+              <a:rPr lang="ru" sz="1800" dirty="0" smtClean="0">
                 <a:solidFill>
                   <a:srgbClr val="CAD3E4"/>
                 </a:solidFill>
@@ -6877,7 +6954,19 @@
                 <a:cs typeface="Trebuchet MS"/>
                 <a:sym typeface="Trebuchet MS"/>
               </a:rPr>
-              <a:t>Управление автомобилями</a:t>
+              <a:t>Порционное </a:t>
+            </a:r>
+            <a:r>
+              <a:rPr lang="ru" sz="1800" dirty="0" smtClean="0">
+                <a:solidFill>
+                  <a:srgbClr val="CAD3E4"/>
+                </a:solidFill>
+                <a:latin typeface="Trebuchet MS"/>
+                <a:ea typeface="Trebuchet MS"/>
+                <a:cs typeface="Trebuchet MS"/>
+                <a:sym typeface="Trebuchet MS"/>
+              </a:rPr>
+              <a:t>построение представлений</a:t>
             </a:r>
           </a:p>
           <a:p>
@@ -6893,7 +6982,7 @@
               <a:buChar char="●"/>
             </a:pPr>
             <a:r>
-              <a:rPr lang="ru" sz="1800">
+              <a:rPr lang="ru" sz="1800" dirty="0" smtClean="0">
                 <a:solidFill>
                   <a:srgbClr val="CAD3E4"/>
                 </a:solidFill>
@@ -6902,7 +6991,7 @@
                 <a:cs typeface="Trebuchet MS"/>
                 <a:sym typeface="Trebuchet MS"/>
               </a:rPr>
-              <a:t>Интерактивная карта</a:t>
+              <a:t>Асинхронная загрузка данных</a:t>
             </a:r>
           </a:p>
           <a:p>
@@ -6918,7 +7007,7 @@
               <a:buChar char="●"/>
             </a:pPr>
             <a:r>
-              <a:rPr lang="ru" sz="1800">
+              <a:rPr lang="ru" sz="1800" dirty="0" smtClean="0">
                 <a:solidFill>
                   <a:srgbClr val="CAD3E4"/>
                 </a:solidFill>
@@ -6927,7 +7016,7 @@
                 <a:cs typeface="Trebuchet MS"/>
                 <a:sym typeface="Trebuchet MS"/>
               </a:rPr>
-              <a:t>Статистические данные</a:t>
+              <a:t>Кеширование статичных данных</a:t>
             </a:r>
           </a:p>
           <a:p>
@@ -6942,18 +7031,15 @@
               <a:buFont typeface="Arial"/>
               <a:buChar char="●"/>
             </a:pPr>
-            <a:r>
-              <a:rPr lang="ru" sz="1800">
-                <a:solidFill>
-                  <a:srgbClr val="CAD3E4"/>
-                </a:solidFill>
-                <a:latin typeface="Trebuchet MS"/>
-                <a:ea typeface="Trebuchet MS"/>
-                <a:cs typeface="Trebuchet MS"/>
-                <a:sym typeface="Trebuchet MS"/>
-              </a:rPr>
-              <a:t>Графики и диаграммы</a:t>
-            </a:r>
+            <a:endParaRPr lang="ru" sz="1800" dirty="0">
+              <a:solidFill>
+                <a:srgbClr val="CAD3E4"/>
+              </a:solidFill>
+              <a:latin typeface="Trebuchet MS"/>
+              <a:ea typeface="Trebuchet MS"/>
+              <a:cs typeface="Trebuchet MS"/>
+              <a:sym typeface="Trebuchet MS"/>
+            </a:endParaRPr>
           </a:p>
         </p:txBody>
       </p:sp>
@@ -7157,7 +7243,7 @@
 </p:sld>
 </file>
 
-<file path=ppt/slides/slide12.xml><?xml version="1.0" encoding="utf-8"?>
+<file path=ppt/slides/slide13.xml><?xml version="1.0" encoding="utf-8"?>
 <p:sld xmlns:a="http://schemas.openxmlformats.org/drawingml/2006/main" xmlns:r="http://schemas.openxmlformats.org/officeDocument/2006/relationships" xmlns:p="http://schemas.openxmlformats.org/presentationml/2006/main">
   <p:cSld>
     <p:spTree>
@@ -7925,12 +8011,12 @@
 </p:sld>
 </file>
 
-<file path=ppt/slides/slide13.xml><?xml version="1.0" encoding="utf-8"?>
+<file path=ppt/slides/slide14.xml><?xml version="1.0" encoding="utf-8"?>
 <p:sld xmlns:a="http://schemas.openxmlformats.org/drawingml/2006/main" xmlns:r="http://schemas.openxmlformats.org/officeDocument/2006/relationships" xmlns:p="http://schemas.openxmlformats.org/presentationml/2006/main">
   <p:cSld>
     <p:spTree>
       <p:nvGrpSpPr>
-        <p:cNvPr id="1" name="Shape 194"/>
+        <p:cNvPr id="1" name="Shape 104"/>
         <p:cNvGrpSpPr/>
         <p:nvPr/>
       </p:nvGrpSpPr>
@@ -7944,7 +8030,7 @@
       </p:grpSpPr>
       <p:sp>
         <p:nvSpPr>
-          <p:cNvPr id="195" name="Shape 195"/>
+          <p:cNvPr id="105" name="Shape 105"/>
           <p:cNvSpPr txBox="1">
             <a:spLocks noGrp="1"/>
           </p:cNvSpPr>
@@ -7967,6 +8053,18 @@
           </a:bodyPr>
           <a:lstStyle/>
           <a:p>
+            <a:pPr rtl="0">
+              <a:spcBef>
+                <a:spcPts val="0"/>
+              </a:spcBef>
+              <a:buNone/>
+            </a:pPr>
+            <a:r>
+              <a:rPr lang="ru"/>
+              <a:t>Используемые </a:t>
+            </a:r>
+          </a:p>
+          <a:p>
             <a:pPr>
               <a:spcBef>
                 <a:spcPts val="0"/>
@@ -7975,123 +8073,891 @@
             </a:pPr>
             <a:r>
               <a:rPr lang="ru"/>
-              <a:t>Графическое представление статистических данных</a:t>
+              <a:t>средства и технологии</a:t>
             </a:r>
           </a:p>
         </p:txBody>
       </p:sp>
-      <p:pic>
-        <p:nvPicPr>
-          <p:cNvPr id="196" name="Shape 196"/>
-          <p:cNvPicPr preferRelativeResize="0"/>
+      <p:grpSp>
+        <p:nvGrpSpPr>
+          <p:cNvPr id="106" name="Shape 106"/>
+          <p:cNvGrpSpPr/>
           <p:nvPr/>
-        </p:nvPicPr>
-        <p:blipFill>
-          <a:blip r:embed="rId3">
-            <a:alphaModFix/>
-          </a:blip>
-          <a:stretch>
-            <a:fillRect/>
-          </a:stretch>
-        </p:blipFill>
-        <p:spPr>
+        </p:nvGrpSpPr>
+        <p:grpSpPr>
           <a:xfrm>
-            <a:off x="768725" y="4349625"/>
-            <a:ext cx="2179478" cy="1887599"/>
+            <a:off x="339900" y="2004907"/>
+            <a:ext cx="1553249" cy="1571887"/>
+            <a:chOff x="365875" y="1575662"/>
+            <a:chExt cx="1553249" cy="1571887"/>
           </a:xfrm>
-          <a:prstGeom prst="rect">
-            <a:avLst/>
-          </a:prstGeom>
-          <a:noFill/>
-          <a:ln>
+        </p:grpSpPr>
+        <p:pic>
+          <p:nvPicPr>
+            <p:cNvPr id="107" name="Shape 107"/>
+            <p:cNvPicPr preferRelativeResize="0"/>
+            <p:nvPr/>
+          </p:nvPicPr>
+          <p:blipFill rotWithShape="1">
+            <a:blip r:embed="rId3">
+              <a:alphaModFix/>
+            </a:blip>
+            <a:srcRect t="13208" b="13208"/>
+            <a:stretch/>
+          </p:blipFill>
+          <p:spPr>
+            <a:xfrm>
+              <a:off x="365875" y="1575662"/>
+              <a:ext cx="1553249" cy="1142999"/>
+            </a:xfrm>
+            <a:prstGeom prst="rect">
+              <a:avLst/>
+            </a:prstGeom>
             <a:noFill/>
-          </a:ln>
-        </p:spPr>
-      </p:pic>
-      <p:pic>
-        <p:nvPicPr>
-          <p:cNvPr id="197" name="Shape 197"/>
-          <p:cNvPicPr preferRelativeResize="0"/>
+            <a:ln>
+              <a:noFill/>
+            </a:ln>
+          </p:spPr>
+        </p:pic>
+        <p:sp>
+          <p:nvSpPr>
+            <p:cNvPr id="108" name="Shape 108"/>
+            <p:cNvSpPr txBox="1"/>
+            <p:nvPr/>
+          </p:nvSpPr>
+          <p:spPr>
+            <a:xfrm>
+              <a:off x="475299" y="2702950"/>
+              <a:ext cx="1334399" cy="444600"/>
+            </a:xfrm>
+            <a:prstGeom prst="rect">
+              <a:avLst/>
+            </a:prstGeom>
+            <a:noFill/>
+            <a:ln>
+              <a:noFill/>
+            </a:ln>
+          </p:spPr>
+          <p:txBody>
+            <a:bodyPr lIns="91425" tIns="91425" rIns="91425" bIns="91425" anchor="t" anchorCtr="0">
+              <a:noAutofit/>
+            </a:bodyPr>
+            <a:lstStyle/>
+            <a:p>
+              <a:pPr rtl="0">
+                <a:spcBef>
+                  <a:spcPts val="0"/>
+                </a:spcBef>
+                <a:buNone/>
+              </a:pPr>
+              <a:r>
+                <a:rPr lang="ru" dirty="0">
+                  <a:solidFill>
+                    <a:schemeClr val="bg1">
+                      <a:lumMod val="95000"/>
+                    </a:schemeClr>
+                  </a:solidFill>
+                </a:rPr>
+                <a:t>Ruby on Rails </a:t>
+              </a:r>
+            </a:p>
+            <a:p>
+              <a:pPr>
+                <a:spcBef>
+                  <a:spcPts val="0"/>
+                </a:spcBef>
+                <a:buNone/>
+              </a:pPr>
+              <a:endParaRPr dirty="0">
+                <a:solidFill>
+                  <a:schemeClr val="lt2"/>
+                </a:solidFill>
+              </a:endParaRPr>
+            </a:p>
+          </p:txBody>
+        </p:sp>
+      </p:grpSp>
+      <p:grpSp>
+        <p:nvGrpSpPr>
+          <p:cNvPr id="109" name="Shape 109"/>
+          <p:cNvGrpSpPr/>
           <p:nvPr/>
-        </p:nvPicPr>
-        <p:blipFill>
-          <a:blip r:embed="rId4">
-            <a:alphaModFix/>
-          </a:blip>
-          <a:stretch>
-            <a:fillRect/>
-          </a:stretch>
-        </p:blipFill>
-        <p:spPr>
+        </p:nvGrpSpPr>
+        <p:grpSpPr>
           <a:xfrm>
-            <a:off x="6388075" y="1709325"/>
-            <a:ext cx="2364525" cy="1687100"/>
+            <a:off x="2176231" y="2035726"/>
+            <a:ext cx="1086200" cy="1510250"/>
+            <a:chOff x="2201550" y="1637300"/>
+            <a:chExt cx="1086200" cy="1510250"/>
           </a:xfrm>
-          <a:prstGeom prst="rect">
-            <a:avLst/>
-          </a:prstGeom>
-          <a:noFill/>
-          <a:ln>
+        </p:grpSpPr>
+        <p:pic>
+          <p:nvPicPr>
+            <p:cNvPr id="110" name="Shape 110"/>
+            <p:cNvPicPr preferRelativeResize="0"/>
+            <p:nvPr/>
+          </p:nvPicPr>
+          <p:blipFill rotWithShape="1">
+            <a:blip r:embed="rId4">
+              <a:alphaModFix/>
+            </a:blip>
+            <a:srcRect l="24062" t="24579" r="23875" b="25330"/>
+            <a:stretch/>
+          </p:blipFill>
+          <p:spPr>
+            <a:xfrm>
+              <a:off x="2201550" y="1637300"/>
+              <a:ext cx="1086200" cy="1045100"/>
+            </a:xfrm>
+            <a:prstGeom prst="rect">
+              <a:avLst/>
+            </a:prstGeom>
             <a:noFill/>
-          </a:ln>
-        </p:spPr>
-      </p:pic>
-      <p:pic>
-        <p:nvPicPr>
-          <p:cNvPr id="198" name="Shape 198"/>
-          <p:cNvPicPr preferRelativeResize="0"/>
+            <a:ln>
+              <a:noFill/>
+            </a:ln>
+          </p:spPr>
+        </p:pic>
+        <p:sp>
+          <p:nvSpPr>
+            <p:cNvPr id="111" name="Shape 111"/>
+            <p:cNvSpPr txBox="1"/>
+            <p:nvPr/>
+          </p:nvSpPr>
+          <p:spPr>
+            <a:xfrm>
+              <a:off x="2214250" y="2702950"/>
+              <a:ext cx="1060799" cy="444600"/>
+            </a:xfrm>
+            <a:prstGeom prst="rect">
+              <a:avLst/>
+            </a:prstGeom>
+            <a:noFill/>
+            <a:ln>
+              <a:noFill/>
+            </a:ln>
+          </p:spPr>
+          <p:txBody>
+            <a:bodyPr lIns="91425" tIns="91425" rIns="91425" bIns="91425" anchor="t" anchorCtr="0">
+              <a:noAutofit/>
+            </a:bodyPr>
+            <a:lstStyle/>
+            <a:p>
+              <a:pPr lvl="0" rtl="0">
+                <a:spcBef>
+                  <a:spcPts val="0"/>
+                </a:spcBef>
+                <a:buNone/>
+              </a:pPr>
+              <a:r>
+                <a:rPr lang="ru" dirty="0">
+                  <a:solidFill>
+                    <a:schemeClr val="bg1">
+                      <a:lumMod val="95000"/>
+                    </a:schemeClr>
+                  </a:solidFill>
+                </a:rPr>
+                <a:t>Bootstrap</a:t>
+              </a:r>
+            </a:p>
+          </p:txBody>
+        </p:sp>
+      </p:grpSp>
+      <p:grpSp>
+        <p:nvGrpSpPr>
+          <p:cNvPr id="112" name="Shape 112"/>
+          <p:cNvGrpSpPr/>
           <p:nvPr/>
-        </p:nvPicPr>
-        <p:blipFill>
-          <a:blip r:embed="rId5">
-            <a:alphaModFix/>
-          </a:blip>
-          <a:stretch>
-            <a:fillRect/>
-          </a:stretch>
-        </p:blipFill>
-        <p:spPr>
+        </p:nvGrpSpPr>
+        <p:grpSpPr>
           <a:xfrm>
-            <a:off x="3864300" y="4349625"/>
-            <a:ext cx="4822500" cy="1887600"/>
+            <a:off x="3720387" y="2025451"/>
+            <a:ext cx="1086200" cy="1530800"/>
+            <a:chOff x="3794250" y="1616750"/>
+            <a:chExt cx="1086200" cy="1530800"/>
           </a:xfrm>
-          <a:prstGeom prst="rect">
-            <a:avLst/>
-          </a:prstGeom>
-          <a:noFill/>
-          <a:ln>
+        </p:grpSpPr>
+        <p:pic>
+          <p:nvPicPr>
+            <p:cNvPr id="113" name="Shape 113"/>
+            <p:cNvPicPr preferRelativeResize="0"/>
+            <p:nvPr/>
+          </p:nvPicPr>
+          <p:blipFill>
+            <a:blip r:embed="rId5">
+              <a:alphaModFix/>
+            </a:blip>
+            <a:stretch>
+              <a:fillRect/>
+            </a:stretch>
+          </p:blipFill>
+          <p:spPr>
+            <a:xfrm>
+              <a:off x="3794250" y="1616750"/>
+              <a:ext cx="1086200" cy="1086200"/>
+            </a:xfrm>
+            <a:prstGeom prst="rect">
+              <a:avLst/>
+            </a:prstGeom>
             <a:noFill/>
-          </a:ln>
-        </p:spPr>
-      </p:pic>
-      <p:pic>
-        <p:nvPicPr>
-          <p:cNvPr id="199" name="Shape 199"/>
-          <p:cNvPicPr preferRelativeResize="0"/>
+            <a:ln>
+              <a:noFill/>
+            </a:ln>
+          </p:spPr>
+        </p:pic>
+        <p:sp>
+          <p:nvSpPr>
+            <p:cNvPr id="114" name="Shape 114"/>
+            <p:cNvSpPr txBox="1"/>
+            <p:nvPr/>
+          </p:nvSpPr>
+          <p:spPr>
+            <a:xfrm>
+              <a:off x="3964750" y="2702950"/>
+              <a:ext cx="745200" cy="444600"/>
+            </a:xfrm>
+            <a:prstGeom prst="rect">
+              <a:avLst/>
+            </a:prstGeom>
+            <a:noFill/>
+            <a:ln>
+              <a:noFill/>
+            </a:ln>
+          </p:spPr>
+          <p:txBody>
+            <a:bodyPr lIns="91425" tIns="91425" rIns="91425" bIns="91425" anchor="t" anchorCtr="0">
+              <a:noAutofit/>
+            </a:bodyPr>
+            <a:lstStyle/>
+            <a:p>
+              <a:pPr lvl="0" rtl="0">
+                <a:spcBef>
+                  <a:spcPts val="0"/>
+                </a:spcBef>
+                <a:buNone/>
+              </a:pPr>
+              <a:r>
+                <a:rPr lang="ru" dirty="0">
+                  <a:solidFill>
+                    <a:schemeClr val="bg1">
+                      <a:lumMod val="95000"/>
+                    </a:schemeClr>
+                  </a:solidFill>
+                </a:rPr>
+                <a:t>Leaflet</a:t>
+              </a:r>
+            </a:p>
+          </p:txBody>
+        </p:sp>
+      </p:grpSp>
+      <p:grpSp>
+        <p:nvGrpSpPr>
+          <p:cNvPr id="115" name="Shape 115"/>
+          <p:cNvGrpSpPr/>
           <p:nvPr/>
-        </p:nvPicPr>
-        <p:blipFill>
-          <a:blip r:embed="rId6">
-            <a:alphaModFix/>
-          </a:blip>
-          <a:stretch>
-            <a:fillRect/>
-          </a:stretch>
-        </p:blipFill>
-        <p:spPr>
+        </p:nvGrpSpPr>
+        <p:grpSpPr>
           <a:xfrm>
-            <a:off x="768725" y="1709325"/>
-            <a:ext cx="4953309" cy="1687100"/>
+            <a:off x="5321149" y="2025451"/>
+            <a:ext cx="1086199" cy="1530800"/>
+            <a:chOff x="5351987" y="1616750"/>
+            <a:chExt cx="1086199" cy="1530800"/>
           </a:xfrm>
-          <a:prstGeom prst="rect">
-            <a:avLst/>
-          </a:prstGeom>
-          <a:noFill/>
-          <a:ln>
+        </p:grpSpPr>
+        <p:pic>
+          <p:nvPicPr>
+            <p:cNvPr id="116" name="Shape 116"/>
+            <p:cNvPicPr preferRelativeResize="0"/>
+            <p:nvPr/>
+          </p:nvPicPr>
+          <p:blipFill>
+            <a:blip r:embed="rId6">
+              <a:alphaModFix/>
+            </a:blip>
+            <a:stretch>
+              <a:fillRect/>
+            </a:stretch>
+          </p:blipFill>
+          <p:spPr>
+            <a:xfrm>
+              <a:off x="5351987" y="1616750"/>
+              <a:ext cx="1086199" cy="1086199"/>
+            </a:xfrm>
+            <a:prstGeom prst="rect">
+              <a:avLst/>
+            </a:prstGeom>
             <a:noFill/>
-          </a:ln>
-        </p:spPr>
-      </p:pic>
+            <a:ln>
+              <a:noFill/>
+            </a:ln>
+          </p:spPr>
+        </p:pic>
+        <p:sp>
+          <p:nvSpPr>
+            <p:cNvPr id="117" name="Shape 117"/>
+            <p:cNvSpPr txBox="1"/>
+            <p:nvPr/>
+          </p:nvSpPr>
+          <p:spPr>
+            <a:xfrm>
+              <a:off x="5471037" y="2702950"/>
+              <a:ext cx="848100" cy="444600"/>
+            </a:xfrm>
+            <a:prstGeom prst="rect">
+              <a:avLst/>
+            </a:prstGeom>
+            <a:noFill/>
+            <a:ln>
+              <a:noFill/>
+            </a:ln>
+          </p:spPr>
+          <p:txBody>
+            <a:bodyPr lIns="91425" tIns="91425" rIns="91425" bIns="91425" anchor="t" anchorCtr="0">
+              <a:noAutofit/>
+            </a:bodyPr>
+            <a:lstStyle/>
+            <a:p>
+              <a:pPr lvl="0" rtl="0">
+                <a:spcBef>
+                  <a:spcPts val="0"/>
+                </a:spcBef>
+                <a:buNone/>
+              </a:pPr>
+              <a:r>
+                <a:rPr lang="ru" dirty="0">
+                  <a:solidFill>
+                    <a:schemeClr val="bg1">
+                      <a:lumMod val="95000"/>
+                    </a:schemeClr>
+                  </a:solidFill>
+                </a:rPr>
+                <a:t>Mapbox</a:t>
+              </a:r>
+            </a:p>
+          </p:txBody>
+        </p:sp>
+      </p:grpSp>
+      <p:grpSp>
+        <p:nvGrpSpPr>
+          <p:cNvPr id="118" name="Shape 118"/>
+          <p:cNvGrpSpPr/>
+          <p:nvPr/>
+        </p:nvGrpSpPr>
+        <p:grpSpPr>
+          <a:xfrm>
+            <a:off x="6922606" y="2019107"/>
+            <a:ext cx="1256700" cy="1543487"/>
+            <a:chOff x="7020543" y="1604062"/>
+            <a:chExt cx="1256700" cy="1543487"/>
+          </a:xfrm>
+        </p:grpSpPr>
+        <p:pic>
+          <p:nvPicPr>
+            <p:cNvPr id="119" name="Shape 119"/>
+            <p:cNvPicPr preferRelativeResize="0"/>
+            <p:nvPr/>
+          </p:nvPicPr>
+          <p:blipFill>
+            <a:blip r:embed="rId7">
+              <a:alphaModFix/>
+            </a:blip>
+            <a:stretch>
+              <a:fillRect/>
+            </a:stretch>
+          </p:blipFill>
+          <p:spPr>
+            <a:xfrm>
+              <a:off x="7067006" y="1604062"/>
+              <a:ext cx="1163774" cy="1086199"/>
+            </a:xfrm>
+            <a:prstGeom prst="rect">
+              <a:avLst/>
+            </a:prstGeom>
+            <a:noFill/>
+            <a:ln>
+              <a:noFill/>
+            </a:ln>
+          </p:spPr>
+        </p:pic>
+        <p:sp>
+          <p:nvSpPr>
+            <p:cNvPr id="120" name="Shape 120"/>
+            <p:cNvSpPr txBox="1"/>
+            <p:nvPr/>
+          </p:nvSpPr>
+          <p:spPr>
+            <a:xfrm>
+              <a:off x="7020543" y="2702950"/>
+              <a:ext cx="1256700" cy="444600"/>
+            </a:xfrm>
+            <a:prstGeom prst="rect">
+              <a:avLst/>
+            </a:prstGeom>
+            <a:noFill/>
+            <a:ln>
+              <a:noFill/>
+            </a:ln>
+          </p:spPr>
+          <p:txBody>
+            <a:bodyPr lIns="91425" tIns="91425" rIns="91425" bIns="91425" anchor="t" anchorCtr="0">
+              <a:noAutofit/>
+            </a:bodyPr>
+            <a:lstStyle/>
+            <a:p>
+              <a:pPr lvl="0" rtl="0">
+                <a:spcBef>
+                  <a:spcPts val="0"/>
+                </a:spcBef>
+                <a:buNone/>
+              </a:pPr>
+              <a:r>
+                <a:rPr lang="ru" dirty="0">
+                  <a:solidFill>
+                    <a:schemeClr val="bg1">
+                      <a:lumMod val="95000"/>
+                    </a:schemeClr>
+                  </a:solidFill>
+                </a:rPr>
+                <a:t>Android SDK</a:t>
+              </a:r>
+            </a:p>
+          </p:txBody>
+        </p:sp>
+      </p:grpSp>
+      <p:grpSp>
+        <p:nvGrpSpPr>
+          <p:cNvPr id="121" name="Shape 121"/>
+          <p:cNvGrpSpPr/>
+          <p:nvPr/>
+        </p:nvGrpSpPr>
+        <p:grpSpPr>
+          <a:xfrm>
+            <a:off x="1993925" y="4058634"/>
+            <a:ext cx="1210200" cy="1636348"/>
+            <a:chOff x="537387" y="3941100"/>
+            <a:chExt cx="1210200" cy="1636348"/>
+          </a:xfrm>
+        </p:grpSpPr>
+        <p:pic>
+          <p:nvPicPr>
+            <p:cNvPr id="122" name="Shape 122"/>
+            <p:cNvPicPr preferRelativeResize="0"/>
+            <p:nvPr/>
+          </p:nvPicPr>
+          <p:blipFill>
+            <a:blip r:embed="rId8">
+              <a:alphaModFix/>
+            </a:blip>
+            <a:stretch>
+              <a:fillRect/>
+            </a:stretch>
+          </p:blipFill>
+          <p:spPr>
+            <a:xfrm>
+              <a:off x="599400" y="3941100"/>
+              <a:ext cx="1086199" cy="1120788"/>
+            </a:xfrm>
+            <a:prstGeom prst="rect">
+              <a:avLst/>
+            </a:prstGeom>
+            <a:noFill/>
+            <a:ln>
+              <a:noFill/>
+            </a:ln>
+          </p:spPr>
+        </p:pic>
+        <p:sp>
+          <p:nvSpPr>
+            <p:cNvPr id="123" name="Shape 123"/>
+            <p:cNvSpPr txBox="1"/>
+            <p:nvPr/>
+          </p:nvSpPr>
+          <p:spPr>
+            <a:xfrm>
+              <a:off x="537387" y="5161648"/>
+              <a:ext cx="1210200" cy="415800"/>
+            </a:xfrm>
+            <a:prstGeom prst="rect">
+              <a:avLst/>
+            </a:prstGeom>
+            <a:noFill/>
+            <a:ln>
+              <a:noFill/>
+            </a:ln>
+          </p:spPr>
+          <p:txBody>
+            <a:bodyPr lIns="91425" tIns="91425" rIns="91425" bIns="91425" anchor="t" anchorCtr="0">
+              <a:noAutofit/>
+            </a:bodyPr>
+            <a:lstStyle/>
+            <a:p>
+              <a:pPr lvl="0" rtl="0">
+                <a:spcBef>
+                  <a:spcPts val="0"/>
+                </a:spcBef>
+                <a:buNone/>
+              </a:pPr>
+              <a:r>
+                <a:rPr lang="ru" dirty="0">
+                  <a:solidFill>
+                    <a:schemeClr val="bg1">
+                      <a:lumMod val="95000"/>
+                    </a:schemeClr>
+                  </a:solidFill>
+                </a:rPr>
+                <a:t>PostgreSQL</a:t>
+              </a:r>
+            </a:p>
+          </p:txBody>
+        </p:sp>
+      </p:grpSp>
+      <p:grpSp>
+        <p:nvGrpSpPr>
+          <p:cNvPr id="124" name="Shape 124"/>
+          <p:cNvGrpSpPr/>
+          <p:nvPr/>
+        </p:nvGrpSpPr>
+        <p:grpSpPr>
+          <a:xfrm>
+            <a:off x="6799943" y="4034157"/>
+            <a:ext cx="1297500" cy="1660825"/>
+            <a:chOff x="6979718" y="3958400"/>
+            <a:chExt cx="1297500" cy="1660825"/>
+          </a:xfrm>
+        </p:grpSpPr>
+        <p:pic>
+          <p:nvPicPr>
+            <p:cNvPr id="125" name="Shape 125"/>
+            <p:cNvPicPr preferRelativeResize="0"/>
+            <p:nvPr/>
+          </p:nvPicPr>
+          <p:blipFill>
+            <a:blip r:embed="rId9">
+              <a:alphaModFix/>
+            </a:blip>
+            <a:stretch>
+              <a:fillRect/>
+            </a:stretch>
+          </p:blipFill>
+          <p:spPr>
+            <a:xfrm>
+              <a:off x="7105792" y="3958400"/>
+              <a:ext cx="1086200" cy="1086200"/>
+            </a:xfrm>
+            <a:prstGeom prst="rect">
+              <a:avLst/>
+            </a:prstGeom>
+            <a:noFill/>
+            <a:ln>
+              <a:noFill/>
+            </a:ln>
+          </p:spPr>
+        </p:pic>
+        <p:sp>
+          <p:nvSpPr>
+            <p:cNvPr id="126" name="Shape 126"/>
+            <p:cNvSpPr txBox="1"/>
+            <p:nvPr/>
+          </p:nvSpPr>
+          <p:spPr>
+            <a:xfrm>
+              <a:off x="6979718" y="5174625"/>
+              <a:ext cx="1297500" cy="444600"/>
+            </a:xfrm>
+            <a:prstGeom prst="rect">
+              <a:avLst/>
+            </a:prstGeom>
+            <a:noFill/>
+            <a:ln>
+              <a:noFill/>
+            </a:ln>
+          </p:spPr>
+          <p:txBody>
+            <a:bodyPr lIns="91425" tIns="91425" rIns="91425" bIns="91425" anchor="t" anchorCtr="0">
+              <a:noAutofit/>
+            </a:bodyPr>
+            <a:lstStyle/>
+            <a:p>
+              <a:pPr lvl="0" rtl="0">
+                <a:spcBef>
+                  <a:spcPts val="0"/>
+                </a:spcBef>
+                <a:buNone/>
+              </a:pPr>
+              <a:r>
+                <a:rPr lang="ru" dirty="0">
+                  <a:solidFill>
+                    <a:schemeClr val="bg1">
+                      <a:lumMod val="95000"/>
+                    </a:schemeClr>
+                  </a:solidFill>
+                </a:rPr>
+                <a:t>Sublime Text</a:t>
+              </a:r>
+            </a:p>
+          </p:txBody>
+        </p:sp>
+      </p:grpSp>
+      <p:grpSp>
+        <p:nvGrpSpPr>
+          <p:cNvPr id="127" name="Shape 127"/>
+          <p:cNvGrpSpPr/>
+          <p:nvPr/>
+        </p:nvGrpSpPr>
+        <p:grpSpPr>
+          <a:xfrm>
+            <a:off x="3497786" y="4034156"/>
+            <a:ext cx="1406464" cy="1620151"/>
+            <a:chOff x="1943285" y="3924635"/>
+            <a:chExt cx="1406464" cy="1660842"/>
+          </a:xfrm>
+        </p:grpSpPr>
+        <p:pic>
+          <p:nvPicPr>
+            <p:cNvPr id="128" name="Shape 128"/>
+            <p:cNvPicPr preferRelativeResize="0"/>
+            <p:nvPr/>
+          </p:nvPicPr>
+          <p:blipFill>
+            <a:blip r:embed="rId10">
+              <a:alphaModFix/>
+            </a:blip>
+            <a:stretch>
+              <a:fillRect/>
+            </a:stretch>
+          </p:blipFill>
+          <p:spPr>
+            <a:xfrm>
+              <a:off x="2139550" y="3924635"/>
+              <a:ext cx="1210200" cy="1153724"/>
+            </a:xfrm>
+            <a:prstGeom prst="rect">
+              <a:avLst/>
+            </a:prstGeom>
+            <a:noFill/>
+            <a:ln>
+              <a:noFill/>
+            </a:ln>
+          </p:spPr>
+        </p:pic>
+        <p:sp>
+          <p:nvSpPr>
+            <p:cNvPr id="129" name="Shape 129"/>
+            <p:cNvSpPr txBox="1"/>
+            <p:nvPr/>
+          </p:nvSpPr>
+          <p:spPr>
+            <a:xfrm>
+              <a:off x="1943285" y="5177777"/>
+              <a:ext cx="1393500" cy="407700"/>
+            </a:xfrm>
+            <a:prstGeom prst="rect">
+              <a:avLst/>
+            </a:prstGeom>
+            <a:noFill/>
+            <a:ln>
+              <a:noFill/>
+            </a:ln>
+          </p:spPr>
+          <p:txBody>
+            <a:bodyPr lIns="91425" tIns="91425" rIns="91425" bIns="91425" anchor="t" anchorCtr="0">
+              <a:noAutofit/>
+            </a:bodyPr>
+            <a:lstStyle/>
+            <a:p>
+              <a:pPr lvl="0" rtl="0">
+                <a:spcBef>
+                  <a:spcPts val="0"/>
+                </a:spcBef>
+                <a:buNone/>
+              </a:pPr>
+              <a:r>
+                <a:rPr lang="ru" dirty="0">
+                  <a:solidFill>
+                    <a:schemeClr val="bg1">
+                      <a:lumMod val="95000"/>
+                    </a:schemeClr>
+                  </a:solidFill>
+                </a:rPr>
+                <a:t>Apache Server</a:t>
+              </a:r>
+            </a:p>
+          </p:txBody>
+        </p:sp>
+      </p:grpSp>
+      <p:grpSp>
+        <p:nvGrpSpPr>
+          <p:cNvPr id="130" name="Shape 130"/>
+          <p:cNvGrpSpPr/>
+          <p:nvPr/>
+        </p:nvGrpSpPr>
+        <p:grpSpPr>
+          <a:xfrm>
+            <a:off x="477600" y="4053057"/>
+            <a:ext cx="1256699" cy="1641925"/>
+            <a:chOff x="477600" y="3945075"/>
+            <a:chExt cx="1256699" cy="1641925"/>
+          </a:xfrm>
+        </p:grpSpPr>
+        <p:pic>
+          <p:nvPicPr>
+            <p:cNvPr id="131" name="Shape 131"/>
+            <p:cNvPicPr preferRelativeResize="0"/>
+            <p:nvPr/>
+          </p:nvPicPr>
+          <p:blipFill>
+            <a:blip r:embed="rId11">
+              <a:alphaModFix/>
+            </a:blip>
+            <a:stretch>
+              <a:fillRect/>
+            </a:stretch>
+          </p:blipFill>
+          <p:spPr>
+            <a:xfrm>
+              <a:off x="477600" y="3945075"/>
+              <a:ext cx="1256699" cy="1181200"/>
+            </a:xfrm>
+            <a:prstGeom prst="rect">
+              <a:avLst/>
+            </a:prstGeom>
+            <a:noFill/>
+            <a:ln>
+              <a:noFill/>
+            </a:ln>
+          </p:spPr>
+        </p:pic>
+        <p:sp>
+          <p:nvSpPr>
+            <p:cNvPr id="132" name="Shape 132"/>
+            <p:cNvSpPr txBox="1"/>
+            <p:nvPr/>
+          </p:nvSpPr>
+          <p:spPr>
+            <a:xfrm>
+              <a:off x="562800" y="5171200"/>
+              <a:ext cx="1086300" cy="415800"/>
+            </a:xfrm>
+            <a:prstGeom prst="rect">
+              <a:avLst/>
+            </a:prstGeom>
+            <a:noFill/>
+            <a:ln>
+              <a:noFill/>
+            </a:ln>
+          </p:spPr>
+          <p:txBody>
+            <a:bodyPr lIns="91425" tIns="91425" rIns="91425" bIns="91425" anchor="t" anchorCtr="0">
+              <a:noAutofit/>
+            </a:bodyPr>
+            <a:lstStyle/>
+            <a:p>
+              <a:pPr lvl="0" rtl="0">
+                <a:spcBef>
+                  <a:spcPts val="0"/>
+                </a:spcBef>
+                <a:buNone/>
+              </a:pPr>
+              <a:r>
+                <a:rPr lang="ru" dirty="0">
+                  <a:solidFill>
+                    <a:schemeClr val="bg1">
+                      <a:lumMod val="95000"/>
+                    </a:schemeClr>
+                  </a:solidFill>
+                </a:rPr>
+                <a:t>Highcharts</a:t>
+              </a:r>
+            </a:p>
+          </p:txBody>
+        </p:sp>
+      </p:grpSp>
+      <p:grpSp>
+        <p:nvGrpSpPr>
+          <p:cNvPr id="133" name="Shape 133"/>
+          <p:cNvGrpSpPr/>
+          <p:nvPr/>
+        </p:nvGrpSpPr>
+        <p:grpSpPr>
+          <a:xfrm>
+            <a:off x="5197898" y="4088259"/>
+            <a:ext cx="1297513" cy="1606715"/>
+            <a:chOff x="5197898" y="4088259"/>
+            <a:chExt cx="1297513" cy="1606715"/>
+          </a:xfrm>
+        </p:grpSpPr>
+        <p:pic>
+          <p:nvPicPr>
+            <p:cNvPr id="134" name="Shape 134"/>
+            <p:cNvPicPr preferRelativeResize="0"/>
+            <p:nvPr/>
+          </p:nvPicPr>
+          <p:blipFill rotWithShape="1">
+            <a:blip r:embed="rId12">
+              <a:alphaModFix/>
+            </a:blip>
+            <a:srcRect r="-5351" b="-5351"/>
+            <a:stretch/>
+          </p:blipFill>
+          <p:spPr>
+            <a:xfrm>
+              <a:off x="5197898" y="4088259"/>
+              <a:ext cx="1297513" cy="1215560"/>
+            </a:xfrm>
+            <a:prstGeom prst="rect">
+              <a:avLst/>
+            </a:prstGeom>
+            <a:noFill/>
+            <a:ln>
+              <a:noFill/>
+            </a:ln>
+          </p:spPr>
+        </p:pic>
+        <p:sp>
+          <p:nvSpPr>
+            <p:cNvPr id="135" name="Shape 135"/>
+            <p:cNvSpPr txBox="1"/>
+            <p:nvPr/>
+          </p:nvSpPr>
+          <p:spPr>
+            <a:xfrm>
+              <a:off x="5586555" y="5250375"/>
+              <a:ext cx="520199" cy="444600"/>
+            </a:xfrm>
+            <a:prstGeom prst="rect">
+              <a:avLst/>
+            </a:prstGeom>
+            <a:noFill/>
+            <a:ln>
+              <a:noFill/>
+            </a:ln>
+          </p:spPr>
+          <p:txBody>
+            <a:bodyPr lIns="91425" tIns="91425" rIns="91425" bIns="91425" anchor="t" anchorCtr="0">
+              <a:noAutofit/>
+            </a:bodyPr>
+            <a:lstStyle/>
+            <a:p>
+              <a:pPr lvl="0" rtl="0">
+                <a:spcBef>
+                  <a:spcPts val="0"/>
+                </a:spcBef>
+                <a:buNone/>
+              </a:pPr>
+              <a:r>
+                <a:rPr lang="ru" dirty="0">
+                  <a:solidFill>
+                    <a:schemeClr val="bg1">
+                      <a:lumMod val="95000"/>
+                    </a:schemeClr>
+                  </a:solidFill>
+                </a:rPr>
+                <a:t>GIT</a:t>
+              </a:r>
+            </a:p>
+          </p:txBody>
+        </p:sp>
+      </p:grpSp>
     </p:spTree>
   </p:cSld>
   <p:clrMapOvr>
@@ -8110,7 +8976,7 @@
 </p:sld>
 </file>
 
-<file path=ppt/slides/slide14.xml><?xml version="1.0" encoding="utf-8"?>
+<file path=ppt/slides/slide15.xml><?xml version="1.0" encoding="utf-8"?>
 <p:sld xmlns:a="http://schemas.openxmlformats.org/drawingml/2006/main" xmlns:r="http://schemas.openxmlformats.org/officeDocument/2006/relationships" xmlns:p="http://schemas.openxmlformats.org/presentationml/2006/main">
   <p:cSld>
     <p:spTree>
@@ -9114,7 +9980,7 @@
 </p:sld>
 </file>
 
-<file path=ppt/slides/slide15.xml><?xml version="1.0" encoding="utf-8"?>
+<file path=ppt/slides/slide16.xml><?xml version="1.0" encoding="utf-8"?>
 <p:sld xmlns:a="http://schemas.openxmlformats.org/drawingml/2006/main" xmlns:r="http://schemas.openxmlformats.org/officeDocument/2006/relationships" xmlns:p="http://schemas.openxmlformats.org/presentationml/2006/main">
   <p:cSld>
     <p:spTree>
@@ -9179,7 +10045,7 @@
         </p:nvSpPr>
         <p:spPr>
           <a:xfrm>
-            <a:off x="218700" y="3419352"/>
+            <a:off x="218700" y="2790702"/>
             <a:ext cx="8468100" cy="1405499"/>
           </a:xfrm>
           <a:prstGeom prst="rect">
@@ -9196,8 +10062,13 @@
           </a:bodyPr>
           <a:lstStyle/>
           <a:p>
-            <a:r>
-              <a:rPr lang="ru" sz="2000" u="sng" dirty="0">
+            <a:pPr>
+              <a:lnSpc>
+                <a:spcPct val="150000"/>
+              </a:lnSpc>
+            </a:pPr>
+            <a:r>
+              <a:rPr lang="ru" sz="2400" u="sng" dirty="0">
                 <a:solidFill>
                   <a:schemeClr val="bg1">
                     <a:lumMod val="95000"/>
@@ -9208,7 +10079,7 @@
               <a:t>Coordinate</a:t>
             </a:r>
             <a:r>
-              <a:rPr lang="ru" sz="2000" dirty="0">
+              <a:rPr lang="ru" sz="2400" dirty="0">
                 <a:solidFill>
                   <a:schemeClr val="bg1">
                     <a:lumMod val="95000"/>
@@ -9218,7 +10089,7 @@
               <a:t> </a:t>
             </a:r>
             <a:r>
-              <a:rPr lang="ru" sz="2000" dirty="0" smtClean="0">
+              <a:rPr lang="ru" sz="2400" dirty="0" smtClean="0">
                 <a:solidFill>
                   <a:schemeClr val="bg1">
                     <a:lumMod val="95000"/>
@@ -9228,7 +10099,7 @@
               <a:t>– Web-сайт </a:t>
             </a:r>
             <a:r>
-              <a:rPr lang="ru" sz="2000" dirty="0">
+              <a:rPr lang="ru" sz="2400" dirty="0">
                 <a:solidFill>
                   <a:schemeClr val="bg1">
                     <a:lumMod val="95000"/>
@@ -9240,13 +10111,16 @@
           </a:p>
           <a:p>
             <a:pPr rtl="0">
+              <a:lnSpc>
+                <a:spcPct val="150000"/>
+              </a:lnSpc>
               <a:spcBef>
                 <a:spcPts val="0"/>
               </a:spcBef>
               <a:buNone/>
             </a:pPr>
             <a:r>
-              <a:rPr lang="ru" sz="2000" u="sng" dirty="0">
+              <a:rPr lang="ru" sz="2400" u="sng" dirty="0" smtClean="0">
                 <a:solidFill>
                   <a:schemeClr val="bg1">
                     <a:lumMod val="95000"/>
@@ -9254,87 +10128,122 @@
                 </a:solidFill>
                 <a:hlinkClick r:id="rId5"/>
               </a:rPr>
-              <a:t>GitHub-Coordinate</a:t>
-            </a:r>
-            <a:r>
-              <a:rPr lang="ru" sz="2000" dirty="0">
+              <a:t>GitHub</a:t>
+            </a:r>
+            <a:r>
+              <a:rPr lang="en-US" sz="2400" u="sng" dirty="0" smtClean="0">
                 <a:solidFill>
                   <a:schemeClr val="bg1">
                     <a:lumMod val="95000"/>
                   </a:schemeClr>
                 </a:solidFill>
-              </a:rPr>
-              <a:t> </a:t>
-            </a:r>
-            <a:r>
-              <a:rPr lang="ru" sz="2000" dirty="0" smtClean="0">
+                <a:hlinkClick r:id="rId5"/>
+              </a:rPr>
+              <a:t>: </a:t>
+            </a:r>
+            <a:r>
+              <a:rPr lang="ru" sz="2400" u="sng" dirty="0" smtClean="0">
                 <a:solidFill>
                   <a:schemeClr val="bg1">
                     <a:lumMod val="95000"/>
                   </a:schemeClr>
                 </a:solidFill>
-              </a:rPr>
-              <a:t>– репозиторий </a:t>
-            </a:r>
-            <a:r>
-              <a:rPr lang="ru" sz="2000" dirty="0">
+                <a:hlinkClick r:id="rId5"/>
+              </a:rPr>
+              <a:t>Coordinate</a:t>
+            </a:r>
+            <a:r>
+              <a:rPr lang="ru" sz="2400" dirty="0" smtClean="0">
                 <a:solidFill>
                   <a:schemeClr val="bg1">
                     <a:lumMod val="95000"/>
                   </a:schemeClr>
                 </a:solidFill>
               </a:rPr>
-              <a:t>Rails-приложения</a:t>
-            </a:r>
-          </a:p>
-          <a:p>
-            <a:pPr>
-              <a:spcBef>
-                <a:spcPts val="0"/>
-              </a:spcBef>
-              <a:buNone/>
-            </a:pPr>
-            <a:r>
-              <a:rPr lang="ru" sz="2000" u="sng" dirty="0" smtClean="0">
+              <a:t> – репозиторий </a:t>
+            </a:r>
+            <a:r>
+              <a:rPr lang="ru" sz="2400" dirty="0">
                 <a:solidFill>
                   <a:schemeClr val="bg1">
                     <a:lumMod val="95000"/>
                   </a:schemeClr>
                 </a:solidFill>
               </a:rPr>
-              <a:t>GitHub-Coordinate-Tracker</a:t>
-            </a:r>
-            <a:r>
-              <a:rPr lang="ru" sz="2000" dirty="0" smtClean="0">
+              <a:t>Rails-приложения</a:t>
+            </a:r>
+          </a:p>
+          <a:p>
+            <a:pPr>
+              <a:lnSpc>
+                <a:spcPct val="150000"/>
+              </a:lnSpc>
+              <a:spcBef>
+                <a:spcPts val="0"/>
+              </a:spcBef>
+              <a:buNone/>
+            </a:pPr>
+            <a:r>
+              <a:rPr lang="ru" sz="2400" u="sng" dirty="0" smtClean="0">
                 <a:solidFill>
                   <a:schemeClr val="bg1">
                     <a:lumMod val="95000"/>
                   </a:schemeClr>
                 </a:solidFill>
               </a:rPr>
-              <a:t> – репозиторий </a:t>
-            </a:r>
-            <a:r>
-              <a:rPr lang="ru" sz="2000" dirty="0">
+              <a:t>GitHub</a:t>
+            </a:r>
+            <a:r>
+              <a:rPr lang="en-US" sz="2400" u="sng" dirty="0" smtClean="0">
                 <a:solidFill>
                   <a:schemeClr val="bg1">
                     <a:lumMod val="95000"/>
                   </a:schemeClr>
                 </a:solidFill>
               </a:rPr>
-              <a:t>мобильного </a:t>
-            </a:r>
-            <a:r>
-              <a:rPr lang="ru" sz="2000" dirty="0" smtClean="0">
+              <a:t>: </a:t>
+            </a:r>
+            <a:r>
+              <a:rPr lang="ru" sz="2400" u="sng" dirty="0" smtClean="0">
                 <a:solidFill>
                   <a:schemeClr val="bg1">
                     <a:lumMod val="95000"/>
                   </a:schemeClr>
                 </a:solidFill>
               </a:rPr>
+              <a:t>Coordinate-Tracker</a:t>
+            </a:r>
+            <a:r>
+              <a:rPr lang="ru" sz="2400" dirty="0" smtClean="0">
+                <a:solidFill>
+                  <a:schemeClr val="bg1">
+                    <a:lumMod val="95000"/>
+                  </a:schemeClr>
+                </a:solidFill>
+              </a:rPr>
+              <a:t> – репозиторий </a:t>
+            </a:r>
+            <a:r>
+              <a:rPr lang="ru" sz="2400" dirty="0">
+                <a:solidFill>
+                  <a:schemeClr val="bg1">
+                    <a:lumMod val="95000"/>
+                  </a:schemeClr>
+                </a:solidFill>
+              </a:rPr>
+              <a:t>мобильного </a:t>
+            </a:r>
+            <a:r>
+              <a:rPr lang="ru" sz="2400" dirty="0" smtClean="0">
+                <a:solidFill>
+                  <a:schemeClr val="bg1">
+                    <a:lumMod val="95000"/>
+                  </a:schemeClr>
+                </a:solidFill>
+              </a:rPr>
               <a:t>приложения-трекера</a:t>
             </a:r>
-            <a:endParaRPr lang="ru" sz="2000" dirty="0">
+            <a:endParaRPr lang="ru" sz="2400" dirty="0">
               <a:solidFill>
                 <a:schemeClr val="bg1">
                   <a:lumMod val="95000"/>
@@ -9363,6 +10272,199 @@
 </file>
 
 <file path=ppt/slides/slide2.xml><?xml version="1.0" encoding="utf-8"?>
+<p:sld xmlns:a="http://schemas.openxmlformats.org/drawingml/2006/main" xmlns:r="http://schemas.openxmlformats.org/officeDocument/2006/relationships" xmlns:p="http://schemas.openxmlformats.org/presentationml/2006/main">
+  <p:cSld>
+    <p:spTree>
+      <p:nvGrpSpPr>
+        <p:cNvPr id="1" name=""/>
+        <p:cNvGrpSpPr/>
+        <p:nvPr/>
+      </p:nvGrpSpPr>
+      <p:grpSpPr>
+        <a:xfrm>
+          <a:off x="0" y="0"/>
+          <a:ext cx="0" cy="0"/>
+          <a:chOff x="0" y="0"/>
+          <a:chExt cx="0" cy="0"/>
+        </a:xfrm>
+      </p:grpSpPr>
+      <p:sp>
+        <p:nvSpPr>
+          <p:cNvPr id="2" name="Заголовок 1"/>
+          <p:cNvSpPr>
+            <a:spLocks noGrp="1"/>
+          </p:cNvSpPr>
+          <p:nvPr>
+            <p:ph type="title"/>
+          </p:nvPr>
+        </p:nvSpPr>
+        <p:spPr/>
+        <p:txBody>
+          <a:bodyPr/>
+          <a:lstStyle/>
+          <a:p>
+            <a:r>
+              <a:rPr lang="ru-RU" dirty="0" smtClean="0"/>
+              <a:t>О системе </a:t>
+            </a:r>
+            <a:r>
+              <a:rPr lang="en-US" dirty="0" smtClean="0"/>
+              <a:t>“Coordinate”</a:t>
+            </a:r>
+            <a:endParaRPr lang="ru-RU" dirty="0"/>
+          </a:p>
+        </p:txBody>
+      </p:sp>
+      <p:sp>
+        <p:nvSpPr>
+          <p:cNvPr id="3" name="Текст 2"/>
+          <p:cNvSpPr>
+            <a:spLocks noGrp="1"/>
+          </p:cNvSpPr>
+          <p:nvPr>
+            <p:ph type="body" idx="1"/>
+          </p:nvPr>
+        </p:nvSpPr>
+        <p:spPr>
+          <a:xfrm>
+            <a:off x="457200" y="1708895"/>
+            <a:ext cx="8229600" cy="4036925"/>
+          </a:xfrm>
+        </p:spPr>
+        <p:txBody>
+          <a:bodyPr/>
+          <a:lstStyle/>
+          <a:p>
+            <a:pPr marL="457200" indent="-457200">
+              <a:spcAft>
+                <a:spcPts val="1200"/>
+              </a:spcAft>
+              <a:buFont typeface="Arial" panose="020B0604020202020204" pitchFamily="34" charset="0"/>
+              <a:buChar char="•"/>
+            </a:pPr>
+            <a:r>
+              <a:rPr lang="ru-RU" dirty="0" smtClean="0">
+                <a:solidFill>
+                  <a:schemeClr val="bg1">
+                    <a:lumMod val="95000"/>
+                  </a:schemeClr>
+                </a:solidFill>
+              </a:rPr>
+              <a:t>Предназначена для мониторинга личного автотранспорта пользователей.</a:t>
+            </a:r>
+          </a:p>
+          <a:p>
+            <a:pPr marL="457200" indent="-457200">
+              <a:spcAft>
+                <a:spcPts val="1200"/>
+              </a:spcAft>
+              <a:buFont typeface="Arial" panose="020B0604020202020204" pitchFamily="34" charset="0"/>
+              <a:buChar char="•"/>
+            </a:pPr>
+            <a:r>
+              <a:rPr lang="ru-RU" dirty="0" smtClean="0">
+                <a:solidFill>
+                  <a:schemeClr val="bg1">
+                    <a:lumMod val="95000"/>
+                  </a:schemeClr>
+                </a:solidFill>
+              </a:rPr>
+              <a:t>Основана на доступных потребителю технологиях.</a:t>
+            </a:r>
+          </a:p>
+          <a:p>
+            <a:pPr marL="457200" indent="-457200">
+              <a:spcAft>
+                <a:spcPts val="1200"/>
+              </a:spcAft>
+              <a:buFont typeface="Arial" panose="020B0604020202020204" pitchFamily="34" charset="0"/>
+              <a:buChar char="•"/>
+            </a:pPr>
+            <a:r>
+              <a:rPr lang="ru-RU" dirty="0" smtClean="0">
+                <a:solidFill>
+                  <a:schemeClr val="bg1">
+                    <a:lumMod val="95000"/>
+                  </a:schemeClr>
+                </a:solidFill>
+              </a:rPr>
+              <a:t>Собирает, вычисляет и анализирует статистику.</a:t>
+            </a:r>
+          </a:p>
+          <a:p>
+            <a:pPr marL="457200" indent="-457200">
+              <a:spcAft>
+                <a:spcPts val="1200"/>
+              </a:spcAft>
+              <a:buFont typeface="Arial" panose="020B0604020202020204" pitchFamily="34" charset="0"/>
+              <a:buChar char="•"/>
+            </a:pPr>
+            <a:r>
+              <a:rPr lang="ru-RU" dirty="0" smtClean="0">
+                <a:solidFill>
+                  <a:schemeClr val="bg1">
+                    <a:lumMod val="95000"/>
+                  </a:schemeClr>
+                </a:solidFill>
+              </a:rPr>
+              <a:t>Содержит интегрированные средства администрирования.</a:t>
+            </a:r>
+          </a:p>
+          <a:p>
+            <a:pPr marL="457200" indent="-457200">
+              <a:spcAft>
+                <a:spcPts val="1200"/>
+              </a:spcAft>
+              <a:buFont typeface="Arial" panose="020B0604020202020204" pitchFamily="34" charset="0"/>
+              <a:buChar char="•"/>
+            </a:pPr>
+            <a:endParaRPr lang="ru-RU" dirty="0" smtClean="0">
+              <a:solidFill>
+                <a:schemeClr val="bg1">
+                  <a:lumMod val="95000"/>
+                </a:schemeClr>
+              </a:solidFill>
+            </a:endParaRPr>
+          </a:p>
+          <a:p>
+            <a:pPr marL="457200" indent="-457200">
+              <a:spcAft>
+                <a:spcPts val="1200"/>
+              </a:spcAft>
+              <a:buFont typeface="Arial" panose="020B0604020202020204" pitchFamily="34" charset="0"/>
+              <a:buChar char="•"/>
+            </a:pPr>
+            <a:endParaRPr lang="ru-RU" dirty="0">
+              <a:solidFill>
+                <a:schemeClr val="bg1">
+                  <a:lumMod val="95000"/>
+                </a:schemeClr>
+              </a:solidFill>
+            </a:endParaRPr>
+          </a:p>
+        </p:txBody>
+      </p:sp>
+    </p:spTree>
+    <p:extLst>
+      <p:ext uri="{BB962C8B-B14F-4D97-AF65-F5344CB8AC3E}">
+        <p14:creationId xmlns:p14="http://schemas.microsoft.com/office/powerpoint/2010/main" val="3781795624"/>
+      </p:ext>
+    </p:extLst>
+  </p:cSld>
+  <p:clrMapOvr>
+    <a:masterClrMapping/>
+  </p:clrMapOvr>
+  <p:timing>
+    <p:tnLst>
+      <p:par>
+        <p:cTn id="1" dur="indefinite" restart="never" nodeType="tmRoot"/>
+      </p:par>
+    </p:tnLst>
+  </p:timing>
+</p:sld>
+</file>
+
+<file path=ppt/slides/slide3.xml><?xml version="1.0" encoding="utf-8"?>
 <p:sld xmlns:a="http://schemas.openxmlformats.org/drawingml/2006/main" xmlns:r="http://schemas.openxmlformats.org/officeDocument/2006/relationships" xmlns:p="http://schemas.openxmlformats.org/presentationml/2006/main">
   <p:cSld>
     <p:spTree>
@@ -9454,7 +10556,47 @@
                   </a:schemeClr>
                 </a:solidFill>
               </a:rPr>
-              <a:t>Анализ технологий и решений системы “Coordinate”.</a:t>
+              <a:t>Анализ технологий и </a:t>
+            </a:r>
+            <a:r>
+              <a:rPr lang="ru" dirty="0" smtClean="0">
+                <a:solidFill>
+                  <a:schemeClr val="bg1">
+                    <a:lumMod val="95000"/>
+                  </a:schemeClr>
+                </a:solidFill>
+              </a:rPr>
+              <a:t>решений, используемых в системе </a:t>
+            </a:r>
+            <a:r>
+              <a:rPr lang="ru" dirty="0">
+                <a:solidFill>
+                  <a:schemeClr val="bg1">
+                    <a:lumMod val="95000"/>
+                  </a:schemeClr>
+                </a:solidFill>
+              </a:rPr>
+              <a:t>“Coordinate</a:t>
+            </a:r>
+            <a:r>
+              <a:rPr lang="ru" dirty="0" smtClean="0">
+                <a:solidFill>
+                  <a:schemeClr val="bg1">
+                    <a:lumMod val="95000"/>
+                  </a:schemeClr>
+                </a:solidFill>
+              </a:rPr>
+              <a:t>”.</a:t>
+            </a:r>
+            <a:r>
+              <a:rPr lang="ru" dirty="0">
+                <a:solidFill>
+                  <a:schemeClr val="bg1">
+                    <a:lumMod val="95000"/>
+                  </a:schemeClr>
+                </a:solidFill>
+              </a:rPr>
+              <a:t/>
             </a:r>
             <a:br>
               <a:rPr lang="ru" dirty="0">
@@ -9486,7 +10628,56 @@
                   </a:schemeClr>
                 </a:solidFill>
               </a:rPr>
-              <a:t>Повышение надежности и отказоустойчивости.</a:t>
+              <a:t>Повышение надежности и отказоустойчивости</a:t>
+            </a:r>
+            <a:r>
+              <a:rPr lang="ru" dirty="0" smtClean="0">
+                <a:solidFill>
+                  <a:schemeClr val="bg1">
+                    <a:lumMod val="95000"/>
+                  </a:schemeClr>
+                </a:solidFill>
+              </a:rPr>
+              <a:t>.</a:t>
+            </a:r>
+          </a:p>
+          <a:p>
+            <a:pPr marL="457200" lvl="0" indent="-457200">
+              <a:buFont typeface="Arial" panose="020B0604020202020204" pitchFamily="34" charset="0"/>
+              <a:buChar char="•"/>
+            </a:pPr>
+            <a:endParaRPr lang="ru" dirty="0">
+              <a:solidFill>
+                <a:schemeClr val="bg1">
+                  <a:lumMod val="95000"/>
+                </a:schemeClr>
+              </a:solidFill>
+            </a:endParaRPr>
+          </a:p>
+          <a:p>
+            <a:pPr marL="457200" lvl="0" indent="-457200">
+              <a:buFont typeface="Arial" panose="020B0604020202020204" pitchFamily="34" charset="0"/>
+              <a:buChar char="•"/>
+            </a:pPr>
+            <a:r>
+              <a:rPr lang="ru" dirty="0" smtClean="0">
+                <a:solidFill>
+                  <a:schemeClr val="bg1">
+                    <a:lumMod val="95000"/>
+                  </a:schemeClr>
+                </a:solidFill>
+              </a:rPr>
+              <a:t>Устранение выявленных ошибок</a:t>
+            </a:r>
+            <a:r>
+              <a:rPr lang="ru" dirty="0">
+                <a:solidFill>
+                  <a:schemeClr val="bg1">
+                    <a:lumMod val="95000"/>
+                  </a:schemeClr>
+                </a:solidFill>
+              </a:rPr>
+              <a:t/>
             </a:r>
             <a:br>
               <a:rPr lang="ru" dirty="0">
@@ -9541,1165 +10732,7 @@
 </p:sld>
 </file>
 
-<file path=ppt/slides/slide3.xml><?xml version="1.0" encoding="utf-8"?>
-<p:sld xmlns:a="http://schemas.openxmlformats.org/drawingml/2006/main" xmlns:r="http://schemas.openxmlformats.org/officeDocument/2006/relationships" xmlns:p="http://schemas.openxmlformats.org/presentationml/2006/main">
-  <p:cSld>
-    <p:spTree>
-      <p:nvGrpSpPr>
-        <p:cNvPr id="1" name=""/>
-        <p:cNvGrpSpPr/>
-        <p:nvPr/>
-      </p:nvGrpSpPr>
-      <p:grpSpPr>
-        <a:xfrm>
-          <a:off x="0" y="0"/>
-          <a:ext cx="0" cy="0"/>
-          <a:chOff x="0" y="0"/>
-          <a:chExt cx="0" cy="0"/>
-        </a:xfrm>
-      </p:grpSpPr>
-      <p:sp>
-        <p:nvSpPr>
-          <p:cNvPr id="2" name="Заголовок 1"/>
-          <p:cNvSpPr>
-            <a:spLocks noGrp="1"/>
-          </p:cNvSpPr>
-          <p:nvPr>
-            <p:ph type="title"/>
-          </p:nvPr>
-        </p:nvSpPr>
-        <p:spPr/>
-        <p:txBody>
-          <a:bodyPr/>
-          <a:lstStyle/>
-          <a:p>
-            <a:r>
-              <a:rPr lang="ru-RU" dirty="0" smtClean="0"/>
-              <a:t>О системе </a:t>
-            </a:r>
-            <a:r>
-              <a:rPr lang="en-US" dirty="0" smtClean="0"/>
-              <a:t>“Coordinate”</a:t>
-            </a:r>
-            <a:endParaRPr lang="ru-RU" dirty="0"/>
-          </a:p>
-        </p:txBody>
-      </p:sp>
-      <p:sp>
-        <p:nvSpPr>
-          <p:cNvPr id="3" name="Текст 2"/>
-          <p:cNvSpPr>
-            <a:spLocks noGrp="1"/>
-          </p:cNvSpPr>
-          <p:nvPr>
-            <p:ph type="body" idx="1"/>
-          </p:nvPr>
-        </p:nvSpPr>
-        <p:spPr>
-          <a:xfrm>
-            <a:off x="457200" y="1708895"/>
-            <a:ext cx="8229600" cy="4036925"/>
-          </a:xfrm>
-        </p:spPr>
-        <p:txBody>
-          <a:bodyPr/>
-          <a:lstStyle/>
-          <a:p>
-            <a:pPr marL="457200" indent="-457200">
-              <a:spcAft>
-                <a:spcPts val="1200"/>
-              </a:spcAft>
-              <a:buFont typeface="Arial" panose="020B0604020202020204" pitchFamily="34" charset="0"/>
-              <a:buChar char="•"/>
-            </a:pPr>
-            <a:r>
-              <a:rPr lang="ru-RU" dirty="0" smtClean="0">
-                <a:solidFill>
-                  <a:schemeClr val="bg1">
-                    <a:lumMod val="95000"/>
-                  </a:schemeClr>
-                </a:solidFill>
-              </a:rPr>
-              <a:t>Предназначена для мониторинга личного автотранспорта пользователей.</a:t>
-            </a:r>
-          </a:p>
-          <a:p>
-            <a:pPr marL="457200" indent="-457200">
-              <a:spcAft>
-                <a:spcPts val="1200"/>
-              </a:spcAft>
-              <a:buFont typeface="Arial" panose="020B0604020202020204" pitchFamily="34" charset="0"/>
-              <a:buChar char="•"/>
-            </a:pPr>
-            <a:r>
-              <a:rPr lang="ru-RU" dirty="0" smtClean="0">
-                <a:solidFill>
-                  <a:schemeClr val="bg1">
-                    <a:lumMod val="95000"/>
-                  </a:schemeClr>
-                </a:solidFill>
-              </a:rPr>
-              <a:t>Основана на доступных потребителю технологиях.</a:t>
-            </a:r>
-          </a:p>
-          <a:p>
-            <a:pPr marL="457200" indent="-457200">
-              <a:spcAft>
-                <a:spcPts val="1200"/>
-              </a:spcAft>
-              <a:buFont typeface="Arial" panose="020B0604020202020204" pitchFamily="34" charset="0"/>
-              <a:buChar char="•"/>
-            </a:pPr>
-            <a:r>
-              <a:rPr lang="ru-RU" dirty="0" smtClean="0">
-                <a:solidFill>
-                  <a:schemeClr val="bg1">
-                    <a:lumMod val="95000"/>
-                  </a:schemeClr>
-                </a:solidFill>
-              </a:rPr>
-              <a:t>Собирает, вычисляет и анализирует статистику.</a:t>
-            </a:r>
-          </a:p>
-          <a:p>
-            <a:pPr marL="457200" indent="-457200">
-              <a:spcAft>
-                <a:spcPts val="1200"/>
-              </a:spcAft>
-              <a:buFont typeface="Arial" panose="020B0604020202020204" pitchFamily="34" charset="0"/>
-              <a:buChar char="•"/>
-            </a:pPr>
-            <a:r>
-              <a:rPr lang="ru-RU" dirty="0" smtClean="0">
-                <a:solidFill>
-                  <a:schemeClr val="bg1">
-                    <a:lumMod val="95000"/>
-                  </a:schemeClr>
-                </a:solidFill>
-              </a:rPr>
-              <a:t>Содержит интегрированные средства администрирования.</a:t>
-            </a:r>
-          </a:p>
-          <a:p>
-            <a:pPr marL="457200" indent="-457200">
-              <a:spcAft>
-                <a:spcPts val="1200"/>
-              </a:spcAft>
-              <a:buFont typeface="Arial" panose="020B0604020202020204" pitchFamily="34" charset="0"/>
-              <a:buChar char="•"/>
-            </a:pPr>
-            <a:endParaRPr lang="ru-RU" dirty="0" smtClean="0">
-              <a:solidFill>
-                <a:schemeClr val="bg1">
-                  <a:lumMod val="95000"/>
-                </a:schemeClr>
-              </a:solidFill>
-            </a:endParaRPr>
-          </a:p>
-          <a:p>
-            <a:pPr marL="457200" indent="-457200">
-              <a:spcAft>
-                <a:spcPts val="1200"/>
-              </a:spcAft>
-              <a:buFont typeface="Arial" panose="020B0604020202020204" pitchFamily="34" charset="0"/>
-              <a:buChar char="•"/>
-            </a:pPr>
-            <a:endParaRPr lang="ru-RU" dirty="0">
-              <a:solidFill>
-                <a:schemeClr val="bg1">
-                  <a:lumMod val="95000"/>
-                </a:schemeClr>
-              </a:solidFill>
-            </a:endParaRPr>
-          </a:p>
-        </p:txBody>
-      </p:sp>
-    </p:spTree>
-    <p:extLst>
-      <p:ext uri="{BB962C8B-B14F-4D97-AF65-F5344CB8AC3E}">
-        <p14:creationId xmlns:p14="http://schemas.microsoft.com/office/powerpoint/2010/main" val="3781795624"/>
-      </p:ext>
-    </p:extLst>
-  </p:cSld>
-  <p:clrMapOvr>
-    <a:masterClrMapping/>
-  </p:clrMapOvr>
-  <p:timing>
-    <p:tnLst>
-      <p:par>
-        <p:cTn id="1" dur="indefinite" restart="never" nodeType="tmRoot"/>
-      </p:par>
-    </p:tnLst>
-  </p:timing>
-</p:sld>
-</file>
-
 <file path=ppt/slides/slide4.xml><?xml version="1.0" encoding="utf-8"?>
-<p:sld xmlns:a="http://schemas.openxmlformats.org/drawingml/2006/main" xmlns:r="http://schemas.openxmlformats.org/officeDocument/2006/relationships" xmlns:p="http://schemas.openxmlformats.org/presentationml/2006/main">
-  <p:cSld>
-    <p:spTree>
-      <p:nvGrpSpPr>
-        <p:cNvPr id="1" name="Shape 104"/>
-        <p:cNvGrpSpPr/>
-        <p:nvPr/>
-      </p:nvGrpSpPr>
-      <p:grpSpPr>
-        <a:xfrm>
-          <a:off x="0" y="0"/>
-          <a:ext cx="0" cy="0"/>
-          <a:chOff x="0" y="0"/>
-          <a:chExt cx="0" cy="0"/>
-        </a:xfrm>
-      </p:grpSpPr>
-      <p:sp>
-        <p:nvSpPr>
-          <p:cNvPr id="105" name="Shape 105"/>
-          <p:cNvSpPr txBox="1">
-            <a:spLocks noGrp="1"/>
-          </p:cNvSpPr>
-          <p:nvPr>
-            <p:ph type="title"/>
-          </p:nvPr>
-        </p:nvSpPr>
-        <p:spPr>
-          <a:xfrm>
-            <a:off x="457200" y="274637"/>
-            <a:ext cx="8229600" cy="1143000"/>
-          </a:xfrm>
-          <a:prstGeom prst="rect">
-            <a:avLst/>
-          </a:prstGeom>
-        </p:spPr>
-        <p:txBody>
-          <a:bodyPr lIns="91425" tIns="91425" rIns="91425" bIns="91425" anchor="b" anchorCtr="0">
-            <a:noAutofit/>
-          </a:bodyPr>
-          <a:lstStyle/>
-          <a:p>
-            <a:pPr rtl="0">
-              <a:spcBef>
-                <a:spcPts val="0"/>
-              </a:spcBef>
-              <a:buNone/>
-            </a:pPr>
-            <a:r>
-              <a:rPr lang="ru"/>
-              <a:t>Используемые </a:t>
-            </a:r>
-          </a:p>
-          <a:p>
-            <a:pPr>
-              <a:spcBef>
-                <a:spcPts val="0"/>
-              </a:spcBef>
-              <a:buNone/>
-            </a:pPr>
-            <a:r>
-              <a:rPr lang="ru"/>
-              <a:t>средства и технологии</a:t>
-            </a:r>
-          </a:p>
-        </p:txBody>
-      </p:sp>
-      <p:grpSp>
-        <p:nvGrpSpPr>
-          <p:cNvPr id="106" name="Shape 106"/>
-          <p:cNvGrpSpPr/>
-          <p:nvPr/>
-        </p:nvGrpSpPr>
-        <p:grpSpPr>
-          <a:xfrm>
-            <a:off x="339900" y="2004907"/>
-            <a:ext cx="1553249" cy="1571887"/>
-            <a:chOff x="365875" y="1575662"/>
-            <a:chExt cx="1553249" cy="1571887"/>
-          </a:xfrm>
-        </p:grpSpPr>
-        <p:pic>
-          <p:nvPicPr>
-            <p:cNvPr id="107" name="Shape 107"/>
-            <p:cNvPicPr preferRelativeResize="0"/>
-            <p:nvPr/>
-          </p:nvPicPr>
-          <p:blipFill rotWithShape="1">
-            <a:blip r:embed="rId3">
-              <a:alphaModFix/>
-            </a:blip>
-            <a:srcRect t="13208" b="13208"/>
-            <a:stretch/>
-          </p:blipFill>
-          <p:spPr>
-            <a:xfrm>
-              <a:off x="365875" y="1575662"/>
-              <a:ext cx="1553249" cy="1142999"/>
-            </a:xfrm>
-            <a:prstGeom prst="rect">
-              <a:avLst/>
-            </a:prstGeom>
-            <a:noFill/>
-            <a:ln>
-              <a:noFill/>
-            </a:ln>
-          </p:spPr>
-        </p:pic>
-        <p:sp>
-          <p:nvSpPr>
-            <p:cNvPr id="108" name="Shape 108"/>
-            <p:cNvSpPr txBox="1"/>
-            <p:nvPr/>
-          </p:nvSpPr>
-          <p:spPr>
-            <a:xfrm>
-              <a:off x="475299" y="2702950"/>
-              <a:ext cx="1334399" cy="444600"/>
-            </a:xfrm>
-            <a:prstGeom prst="rect">
-              <a:avLst/>
-            </a:prstGeom>
-            <a:noFill/>
-            <a:ln>
-              <a:noFill/>
-            </a:ln>
-          </p:spPr>
-          <p:txBody>
-            <a:bodyPr lIns="91425" tIns="91425" rIns="91425" bIns="91425" anchor="t" anchorCtr="0">
-              <a:noAutofit/>
-            </a:bodyPr>
-            <a:lstStyle/>
-            <a:p>
-              <a:pPr rtl="0">
-                <a:spcBef>
-                  <a:spcPts val="0"/>
-                </a:spcBef>
-                <a:buNone/>
-              </a:pPr>
-              <a:r>
-                <a:rPr lang="ru" dirty="0">
-                  <a:solidFill>
-                    <a:schemeClr val="bg1">
-                      <a:lumMod val="95000"/>
-                    </a:schemeClr>
-                  </a:solidFill>
-                </a:rPr>
-                <a:t>Ruby on Rails </a:t>
-              </a:r>
-            </a:p>
-            <a:p>
-              <a:pPr>
-                <a:spcBef>
-                  <a:spcPts val="0"/>
-                </a:spcBef>
-                <a:buNone/>
-              </a:pPr>
-              <a:endParaRPr dirty="0">
-                <a:solidFill>
-                  <a:schemeClr val="lt2"/>
-                </a:solidFill>
-              </a:endParaRPr>
-            </a:p>
-          </p:txBody>
-        </p:sp>
-      </p:grpSp>
-      <p:grpSp>
-        <p:nvGrpSpPr>
-          <p:cNvPr id="109" name="Shape 109"/>
-          <p:cNvGrpSpPr/>
-          <p:nvPr/>
-        </p:nvGrpSpPr>
-        <p:grpSpPr>
-          <a:xfrm>
-            <a:off x="2176231" y="2035726"/>
-            <a:ext cx="1086200" cy="1510250"/>
-            <a:chOff x="2201550" y="1637300"/>
-            <a:chExt cx="1086200" cy="1510250"/>
-          </a:xfrm>
-        </p:grpSpPr>
-        <p:pic>
-          <p:nvPicPr>
-            <p:cNvPr id="110" name="Shape 110"/>
-            <p:cNvPicPr preferRelativeResize="0"/>
-            <p:nvPr/>
-          </p:nvPicPr>
-          <p:blipFill rotWithShape="1">
-            <a:blip r:embed="rId4">
-              <a:alphaModFix/>
-            </a:blip>
-            <a:srcRect l="24062" t="24579" r="23875" b="25330"/>
-            <a:stretch/>
-          </p:blipFill>
-          <p:spPr>
-            <a:xfrm>
-              <a:off x="2201550" y="1637300"/>
-              <a:ext cx="1086200" cy="1045100"/>
-            </a:xfrm>
-            <a:prstGeom prst="rect">
-              <a:avLst/>
-            </a:prstGeom>
-            <a:noFill/>
-            <a:ln>
-              <a:noFill/>
-            </a:ln>
-          </p:spPr>
-        </p:pic>
-        <p:sp>
-          <p:nvSpPr>
-            <p:cNvPr id="111" name="Shape 111"/>
-            <p:cNvSpPr txBox="1"/>
-            <p:nvPr/>
-          </p:nvSpPr>
-          <p:spPr>
-            <a:xfrm>
-              <a:off x="2214250" y="2702950"/>
-              <a:ext cx="1060799" cy="444600"/>
-            </a:xfrm>
-            <a:prstGeom prst="rect">
-              <a:avLst/>
-            </a:prstGeom>
-            <a:noFill/>
-            <a:ln>
-              <a:noFill/>
-            </a:ln>
-          </p:spPr>
-          <p:txBody>
-            <a:bodyPr lIns="91425" tIns="91425" rIns="91425" bIns="91425" anchor="t" anchorCtr="0">
-              <a:noAutofit/>
-            </a:bodyPr>
-            <a:lstStyle/>
-            <a:p>
-              <a:pPr lvl="0" rtl="0">
-                <a:spcBef>
-                  <a:spcPts val="0"/>
-                </a:spcBef>
-                <a:buNone/>
-              </a:pPr>
-              <a:r>
-                <a:rPr lang="ru" dirty="0">
-                  <a:solidFill>
-                    <a:schemeClr val="bg1">
-                      <a:lumMod val="95000"/>
-                    </a:schemeClr>
-                  </a:solidFill>
-                </a:rPr>
-                <a:t>Bootstrap</a:t>
-              </a:r>
-            </a:p>
-          </p:txBody>
-        </p:sp>
-      </p:grpSp>
-      <p:grpSp>
-        <p:nvGrpSpPr>
-          <p:cNvPr id="112" name="Shape 112"/>
-          <p:cNvGrpSpPr/>
-          <p:nvPr/>
-        </p:nvGrpSpPr>
-        <p:grpSpPr>
-          <a:xfrm>
-            <a:off x="3720387" y="2025451"/>
-            <a:ext cx="1086200" cy="1530800"/>
-            <a:chOff x="3794250" y="1616750"/>
-            <a:chExt cx="1086200" cy="1530800"/>
-          </a:xfrm>
-        </p:grpSpPr>
-        <p:pic>
-          <p:nvPicPr>
-            <p:cNvPr id="113" name="Shape 113"/>
-            <p:cNvPicPr preferRelativeResize="0"/>
-            <p:nvPr/>
-          </p:nvPicPr>
-          <p:blipFill>
-            <a:blip r:embed="rId5">
-              <a:alphaModFix/>
-            </a:blip>
-            <a:stretch>
-              <a:fillRect/>
-            </a:stretch>
-          </p:blipFill>
-          <p:spPr>
-            <a:xfrm>
-              <a:off x="3794250" y="1616750"/>
-              <a:ext cx="1086200" cy="1086200"/>
-            </a:xfrm>
-            <a:prstGeom prst="rect">
-              <a:avLst/>
-            </a:prstGeom>
-            <a:noFill/>
-            <a:ln>
-              <a:noFill/>
-            </a:ln>
-          </p:spPr>
-        </p:pic>
-        <p:sp>
-          <p:nvSpPr>
-            <p:cNvPr id="114" name="Shape 114"/>
-            <p:cNvSpPr txBox="1"/>
-            <p:nvPr/>
-          </p:nvSpPr>
-          <p:spPr>
-            <a:xfrm>
-              <a:off x="3964750" y="2702950"/>
-              <a:ext cx="745200" cy="444600"/>
-            </a:xfrm>
-            <a:prstGeom prst="rect">
-              <a:avLst/>
-            </a:prstGeom>
-            <a:noFill/>
-            <a:ln>
-              <a:noFill/>
-            </a:ln>
-          </p:spPr>
-          <p:txBody>
-            <a:bodyPr lIns="91425" tIns="91425" rIns="91425" bIns="91425" anchor="t" anchorCtr="0">
-              <a:noAutofit/>
-            </a:bodyPr>
-            <a:lstStyle/>
-            <a:p>
-              <a:pPr lvl="0" rtl="0">
-                <a:spcBef>
-                  <a:spcPts val="0"/>
-                </a:spcBef>
-                <a:buNone/>
-              </a:pPr>
-              <a:r>
-                <a:rPr lang="ru" dirty="0">
-                  <a:solidFill>
-                    <a:schemeClr val="bg1">
-                      <a:lumMod val="95000"/>
-                    </a:schemeClr>
-                  </a:solidFill>
-                </a:rPr>
-                <a:t>Leaflet</a:t>
-              </a:r>
-            </a:p>
-          </p:txBody>
-        </p:sp>
-      </p:grpSp>
-      <p:grpSp>
-        <p:nvGrpSpPr>
-          <p:cNvPr id="115" name="Shape 115"/>
-          <p:cNvGrpSpPr/>
-          <p:nvPr/>
-        </p:nvGrpSpPr>
-        <p:grpSpPr>
-          <a:xfrm>
-            <a:off x="5321149" y="2025451"/>
-            <a:ext cx="1086199" cy="1530800"/>
-            <a:chOff x="5351987" y="1616750"/>
-            <a:chExt cx="1086199" cy="1530800"/>
-          </a:xfrm>
-        </p:grpSpPr>
-        <p:pic>
-          <p:nvPicPr>
-            <p:cNvPr id="116" name="Shape 116"/>
-            <p:cNvPicPr preferRelativeResize="0"/>
-            <p:nvPr/>
-          </p:nvPicPr>
-          <p:blipFill>
-            <a:blip r:embed="rId6">
-              <a:alphaModFix/>
-            </a:blip>
-            <a:stretch>
-              <a:fillRect/>
-            </a:stretch>
-          </p:blipFill>
-          <p:spPr>
-            <a:xfrm>
-              <a:off x="5351987" y="1616750"/>
-              <a:ext cx="1086199" cy="1086199"/>
-            </a:xfrm>
-            <a:prstGeom prst="rect">
-              <a:avLst/>
-            </a:prstGeom>
-            <a:noFill/>
-            <a:ln>
-              <a:noFill/>
-            </a:ln>
-          </p:spPr>
-        </p:pic>
-        <p:sp>
-          <p:nvSpPr>
-            <p:cNvPr id="117" name="Shape 117"/>
-            <p:cNvSpPr txBox="1"/>
-            <p:nvPr/>
-          </p:nvSpPr>
-          <p:spPr>
-            <a:xfrm>
-              <a:off x="5471037" y="2702950"/>
-              <a:ext cx="848100" cy="444600"/>
-            </a:xfrm>
-            <a:prstGeom prst="rect">
-              <a:avLst/>
-            </a:prstGeom>
-            <a:noFill/>
-            <a:ln>
-              <a:noFill/>
-            </a:ln>
-          </p:spPr>
-          <p:txBody>
-            <a:bodyPr lIns="91425" tIns="91425" rIns="91425" bIns="91425" anchor="t" anchorCtr="0">
-              <a:noAutofit/>
-            </a:bodyPr>
-            <a:lstStyle/>
-            <a:p>
-              <a:pPr lvl="0" rtl="0">
-                <a:spcBef>
-                  <a:spcPts val="0"/>
-                </a:spcBef>
-                <a:buNone/>
-              </a:pPr>
-              <a:r>
-                <a:rPr lang="ru" dirty="0">
-                  <a:solidFill>
-                    <a:schemeClr val="bg1">
-                      <a:lumMod val="95000"/>
-                    </a:schemeClr>
-                  </a:solidFill>
-                </a:rPr>
-                <a:t>Mapbox</a:t>
-              </a:r>
-            </a:p>
-          </p:txBody>
-        </p:sp>
-      </p:grpSp>
-      <p:grpSp>
-        <p:nvGrpSpPr>
-          <p:cNvPr id="118" name="Shape 118"/>
-          <p:cNvGrpSpPr/>
-          <p:nvPr/>
-        </p:nvGrpSpPr>
-        <p:grpSpPr>
-          <a:xfrm>
-            <a:off x="6922606" y="2019107"/>
-            <a:ext cx="1256700" cy="1543487"/>
-            <a:chOff x="7020543" y="1604062"/>
-            <a:chExt cx="1256700" cy="1543487"/>
-          </a:xfrm>
-        </p:grpSpPr>
-        <p:pic>
-          <p:nvPicPr>
-            <p:cNvPr id="119" name="Shape 119"/>
-            <p:cNvPicPr preferRelativeResize="0"/>
-            <p:nvPr/>
-          </p:nvPicPr>
-          <p:blipFill>
-            <a:blip r:embed="rId7">
-              <a:alphaModFix/>
-            </a:blip>
-            <a:stretch>
-              <a:fillRect/>
-            </a:stretch>
-          </p:blipFill>
-          <p:spPr>
-            <a:xfrm>
-              <a:off x="7067006" y="1604062"/>
-              <a:ext cx="1163774" cy="1086199"/>
-            </a:xfrm>
-            <a:prstGeom prst="rect">
-              <a:avLst/>
-            </a:prstGeom>
-            <a:noFill/>
-            <a:ln>
-              <a:noFill/>
-            </a:ln>
-          </p:spPr>
-        </p:pic>
-        <p:sp>
-          <p:nvSpPr>
-            <p:cNvPr id="120" name="Shape 120"/>
-            <p:cNvSpPr txBox="1"/>
-            <p:nvPr/>
-          </p:nvSpPr>
-          <p:spPr>
-            <a:xfrm>
-              <a:off x="7020543" y="2702950"/>
-              <a:ext cx="1256700" cy="444600"/>
-            </a:xfrm>
-            <a:prstGeom prst="rect">
-              <a:avLst/>
-            </a:prstGeom>
-            <a:noFill/>
-            <a:ln>
-              <a:noFill/>
-            </a:ln>
-          </p:spPr>
-          <p:txBody>
-            <a:bodyPr lIns="91425" tIns="91425" rIns="91425" bIns="91425" anchor="t" anchorCtr="0">
-              <a:noAutofit/>
-            </a:bodyPr>
-            <a:lstStyle/>
-            <a:p>
-              <a:pPr lvl="0" rtl="0">
-                <a:spcBef>
-                  <a:spcPts val="0"/>
-                </a:spcBef>
-                <a:buNone/>
-              </a:pPr>
-              <a:r>
-                <a:rPr lang="ru" dirty="0">
-                  <a:solidFill>
-                    <a:schemeClr val="bg1">
-                      <a:lumMod val="95000"/>
-                    </a:schemeClr>
-                  </a:solidFill>
-                </a:rPr>
-                <a:t>Android SDK</a:t>
-              </a:r>
-            </a:p>
-          </p:txBody>
-        </p:sp>
-      </p:grpSp>
-      <p:grpSp>
-        <p:nvGrpSpPr>
-          <p:cNvPr id="121" name="Shape 121"/>
-          <p:cNvGrpSpPr/>
-          <p:nvPr/>
-        </p:nvGrpSpPr>
-        <p:grpSpPr>
-          <a:xfrm>
-            <a:off x="1993925" y="4058634"/>
-            <a:ext cx="1210200" cy="1636348"/>
-            <a:chOff x="537387" y="3941100"/>
-            <a:chExt cx="1210200" cy="1636348"/>
-          </a:xfrm>
-        </p:grpSpPr>
-        <p:pic>
-          <p:nvPicPr>
-            <p:cNvPr id="122" name="Shape 122"/>
-            <p:cNvPicPr preferRelativeResize="0"/>
-            <p:nvPr/>
-          </p:nvPicPr>
-          <p:blipFill>
-            <a:blip r:embed="rId8">
-              <a:alphaModFix/>
-            </a:blip>
-            <a:stretch>
-              <a:fillRect/>
-            </a:stretch>
-          </p:blipFill>
-          <p:spPr>
-            <a:xfrm>
-              <a:off x="599400" y="3941100"/>
-              <a:ext cx="1086199" cy="1120788"/>
-            </a:xfrm>
-            <a:prstGeom prst="rect">
-              <a:avLst/>
-            </a:prstGeom>
-            <a:noFill/>
-            <a:ln>
-              <a:noFill/>
-            </a:ln>
-          </p:spPr>
-        </p:pic>
-        <p:sp>
-          <p:nvSpPr>
-            <p:cNvPr id="123" name="Shape 123"/>
-            <p:cNvSpPr txBox="1"/>
-            <p:nvPr/>
-          </p:nvSpPr>
-          <p:spPr>
-            <a:xfrm>
-              <a:off x="537387" y="5161648"/>
-              <a:ext cx="1210200" cy="415800"/>
-            </a:xfrm>
-            <a:prstGeom prst="rect">
-              <a:avLst/>
-            </a:prstGeom>
-            <a:noFill/>
-            <a:ln>
-              <a:noFill/>
-            </a:ln>
-          </p:spPr>
-          <p:txBody>
-            <a:bodyPr lIns="91425" tIns="91425" rIns="91425" bIns="91425" anchor="t" anchorCtr="0">
-              <a:noAutofit/>
-            </a:bodyPr>
-            <a:lstStyle/>
-            <a:p>
-              <a:pPr lvl="0" rtl="0">
-                <a:spcBef>
-                  <a:spcPts val="0"/>
-                </a:spcBef>
-                <a:buNone/>
-              </a:pPr>
-              <a:r>
-                <a:rPr lang="ru" dirty="0">
-                  <a:solidFill>
-                    <a:schemeClr val="bg1">
-                      <a:lumMod val="95000"/>
-                    </a:schemeClr>
-                  </a:solidFill>
-                </a:rPr>
-                <a:t>PostgreSQL</a:t>
-              </a:r>
-            </a:p>
-          </p:txBody>
-        </p:sp>
-      </p:grpSp>
-      <p:grpSp>
-        <p:nvGrpSpPr>
-          <p:cNvPr id="124" name="Shape 124"/>
-          <p:cNvGrpSpPr/>
-          <p:nvPr/>
-        </p:nvGrpSpPr>
-        <p:grpSpPr>
-          <a:xfrm>
-            <a:off x="6799943" y="4034157"/>
-            <a:ext cx="1297500" cy="1660825"/>
-            <a:chOff x="6979718" y="3958400"/>
-            <a:chExt cx="1297500" cy="1660825"/>
-          </a:xfrm>
-        </p:grpSpPr>
-        <p:pic>
-          <p:nvPicPr>
-            <p:cNvPr id="125" name="Shape 125"/>
-            <p:cNvPicPr preferRelativeResize="0"/>
-            <p:nvPr/>
-          </p:nvPicPr>
-          <p:blipFill>
-            <a:blip r:embed="rId9">
-              <a:alphaModFix/>
-            </a:blip>
-            <a:stretch>
-              <a:fillRect/>
-            </a:stretch>
-          </p:blipFill>
-          <p:spPr>
-            <a:xfrm>
-              <a:off x="7105792" y="3958400"/>
-              <a:ext cx="1086200" cy="1086200"/>
-            </a:xfrm>
-            <a:prstGeom prst="rect">
-              <a:avLst/>
-            </a:prstGeom>
-            <a:noFill/>
-            <a:ln>
-              <a:noFill/>
-            </a:ln>
-          </p:spPr>
-        </p:pic>
-        <p:sp>
-          <p:nvSpPr>
-            <p:cNvPr id="126" name="Shape 126"/>
-            <p:cNvSpPr txBox="1"/>
-            <p:nvPr/>
-          </p:nvSpPr>
-          <p:spPr>
-            <a:xfrm>
-              <a:off x="6979718" y="5174625"/>
-              <a:ext cx="1297500" cy="444600"/>
-            </a:xfrm>
-            <a:prstGeom prst="rect">
-              <a:avLst/>
-            </a:prstGeom>
-            <a:noFill/>
-            <a:ln>
-              <a:noFill/>
-            </a:ln>
-          </p:spPr>
-          <p:txBody>
-            <a:bodyPr lIns="91425" tIns="91425" rIns="91425" bIns="91425" anchor="t" anchorCtr="0">
-              <a:noAutofit/>
-            </a:bodyPr>
-            <a:lstStyle/>
-            <a:p>
-              <a:pPr lvl="0" rtl="0">
-                <a:spcBef>
-                  <a:spcPts val="0"/>
-                </a:spcBef>
-                <a:buNone/>
-              </a:pPr>
-              <a:r>
-                <a:rPr lang="ru" dirty="0">
-                  <a:solidFill>
-                    <a:schemeClr val="bg1">
-                      <a:lumMod val="95000"/>
-                    </a:schemeClr>
-                  </a:solidFill>
-                </a:rPr>
-                <a:t>Sublime Text</a:t>
-              </a:r>
-            </a:p>
-          </p:txBody>
-        </p:sp>
-      </p:grpSp>
-      <p:grpSp>
-        <p:nvGrpSpPr>
-          <p:cNvPr id="127" name="Shape 127"/>
-          <p:cNvGrpSpPr/>
-          <p:nvPr/>
-        </p:nvGrpSpPr>
-        <p:grpSpPr>
-          <a:xfrm>
-            <a:off x="3497786" y="4034156"/>
-            <a:ext cx="1406464" cy="1620151"/>
-            <a:chOff x="1943285" y="3924635"/>
-            <a:chExt cx="1406464" cy="1660842"/>
-          </a:xfrm>
-        </p:grpSpPr>
-        <p:pic>
-          <p:nvPicPr>
-            <p:cNvPr id="128" name="Shape 128"/>
-            <p:cNvPicPr preferRelativeResize="0"/>
-            <p:nvPr/>
-          </p:nvPicPr>
-          <p:blipFill>
-            <a:blip r:embed="rId10">
-              <a:alphaModFix/>
-            </a:blip>
-            <a:stretch>
-              <a:fillRect/>
-            </a:stretch>
-          </p:blipFill>
-          <p:spPr>
-            <a:xfrm>
-              <a:off x="2139550" y="3924635"/>
-              <a:ext cx="1210200" cy="1153724"/>
-            </a:xfrm>
-            <a:prstGeom prst="rect">
-              <a:avLst/>
-            </a:prstGeom>
-            <a:noFill/>
-            <a:ln>
-              <a:noFill/>
-            </a:ln>
-          </p:spPr>
-        </p:pic>
-        <p:sp>
-          <p:nvSpPr>
-            <p:cNvPr id="129" name="Shape 129"/>
-            <p:cNvSpPr txBox="1"/>
-            <p:nvPr/>
-          </p:nvSpPr>
-          <p:spPr>
-            <a:xfrm>
-              <a:off x="1943285" y="5177777"/>
-              <a:ext cx="1393500" cy="407700"/>
-            </a:xfrm>
-            <a:prstGeom prst="rect">
-              <a:avLst/>
-            </a:prstGeom>
-            <a:noFill/>
-            <a:ln>
-              <a:noFill/>
-            </a:ln>
-          </p:spPr>
-          <p:txBody>
-            <a:bodyPr lIns="91425" tIns="91425" rIns="91425" bIns="91425" anchor="t" anchorCtr="0">
-              <a:noAutofit/>
-            </a:bodyPr>
-            <a:lstStyle/>
-            <a:p>
-              <a:pPr lvl="0" rtl="0">
-                <a:spcBef>
-                  <a:spcPts val="0"/>
-                </a:spcBef>
-                <a:buNone/>
-              </a:pPr>
-              <a:r>
-                <a:rPr lang="ru" dirty="0">
-                  <a:solidFill>
-                    <a:schemeClr val="bg1">
-                      <a:lumMod val="95000"/>
-                    </a:schemeClr>
-                  </a:solidFill>
-                </a:rPr>
-                <a:t>Apache Server</a:t>
-              </a:r>
-            </a:p>
-          </p:txBody>
-        </p:sp>
-      </p:grpSp>
-      <p:grpSp>
-        <p:nvGrpSpPr>
-          <p:cNvPr id="130" name="Shape 130"/>
-          <p:cNvGrpSpPr/>
-          <p:nvPr/>
-        </p:nvGrpSpPr>
-        <p:grpSpPr>
-          <a:xfrm>
-            <a:off x="477600" y="4053057"/>
-            <a:ext cx="1256699" cy="1641925"/>
-            <a:chOff x="477600" y="3945075"/>
-            <a:chExt cx="1256699" cy="1641925"/>
-          </a:xfrm>
-        </p:grpSpPr>
-        <p:pic>
-          <p:nvPicPr>
-            <p:cNvPr id="131" name="Shape 131"/>
-            <p:cNvPicPr preferRelativeResize="0"/>
-            <p:nvPr/>
-          </p:nvPicPr>
-          <p:blipFill>
-            <a:blip r:embed="rId11">
-              <a:alphaModFix/>
-            </a:blip>
-            <a:stretch>
-              <a:fillRect/>
-            </a:stretch>
-          </p:blipFill>
-          <p:spPr>
-            <a:xfrm>
-              <a:off x="477600" y="3945075"/>
-              <a:ext cx="1256699" cy="1181200"/>
-            </a:xfrm>
-            <a:prstGeom prst="rect">
-              <a:avLst/>
-            </a:prstGeom>
-            <a:noFill/>
-            <a:ln>
-              <a:noFill/>
-            </a:ln>
-          </p:spPr>
-        </p:pic>
-        <p:sp>
-          <p:nvSpPr>
-            <p:cNvPr id="132" name="Shape 132"/>
-            <p:cNvSpPr txBox="1"/>
-            <p:nvPr/>
-          </p:nvSpPr>
-          <p:spPr>
-            <a:xfrm>
-              <a:off x="562800" y="5171200"/>
-              <a:ext cx="1086300" cy="415800"/>
-            </a:xfrm>
-            <a:prstGeom prst="rect">
-              <a:avLst/>
-            </a:prstGeom>
-            <a:noFill/>
-            <a:ln>
-              <a:noFill/>
-            </a:ln>
-          </p:spPr>
-          <p:txBody>
-            <a:bodyPr lIns="91425" tIns="91425" rIns="91425" bIns="91425" anchor="t" anchorCtr="0">
-              <a:noAutofit/>
-            </a:bodyPr>
-            <a:lstStyle/>
-            <a:p>
-              <a:pPr lvl="0" rtl="0">
-                <a:spcBef>
-                  <a:spcPts val="0"/>
-                </a:spcBef>
-                <a:buNone/>
-              </a:pPr>
-              <a:r>
-                <a:rPr lang="ru" dirty="0">
-                  <a:solidFill>
-                    <a:schemeClr val="bg1">
-                      <a:lumMod val="95000"/>
-                    </a:schemeClr>
-                  </a:solidFill>
-                </a:rPr>
-                <a:t>Highcharts</a:t>
-              </a:r>
-            </a:p>
-          </p:txBody>
-        </p:sp>
-      </p:grpSp>
-      <p:grpSp>
-        <p:nvGrpSpPr>
-          <p:cNvPr id="133" name="Shape 133"/>
-          <p:cNvGrpSpPr/>
-          <p:nvPr/>
-        </p:nvGrpSpPr>
-        <p:grpSpPr>
-          <a:xfrm>
-            <a:off x="5197898" y="4088259"/>
-            <a:ext cx="1297513" cy="1606715"/>
-            <a:chOff x="5197898" y="4088259"/>
-            <a:chExt cx="1297513" cy="1606715"/>
-          </a:xfrm>
-        </p:grpSpPr>
-        <p:pic>
-          <p:nvPicPr>
-            <p:cNvPr id="134" name="Shape 134"/>
-            <p:cNvPicPr preferRelativeResize="0"/>
-            <p:nvPr/>
-          </p:nvPicPr>
-          <p:blipFill rotWithShape="1">
-            <a:blip r:embed="rId12">
-              <a:alphaModFix/>
-            </a:blip>
-            <a:srcRect r="-5351" b="-5351"/>
-            <a:stretch/>
-          </p:blipFill>
-          <p:spPr>
-            <a:xfrm>
-              <a:off x="5197898" y="4088259"/>
-              <a:ext cx="1297513" cy="1215560"/>
-            </a:xfrm>
-            <a:prstGeom prst="rect">
-              <a:avLst/>
-            </a:prstGeom>
-            <a:noFill/>
-            <a:ln>
-              <a:noFill/>
-            </a:ln>
-          </p:spPr>
-        </p:pic>
-        <p:sp>
-          <p:nvSpPr>
-            <p:cNvPr id="135" name="Shape 135"/>
-            <p:cNvSpPr txBox="1"/>
-            <p:nvPr/>
-          </p:nvSpPr>
-          <p:spPr>
-            <a:xfrm>
-              <a:off x="5586555" y="5250375"/>
-              <a:ext cx="520199" cy="444600"/>
-            </a:xfrm>
-            <a:prstGeom prst="rect">
-              <a:avLst/>
-            </a:prstGeom>
-            <a:noFill/>
-            <a:ln>
-              <a:noFill/>
-            </a:ln>
-          </p:spPr>
-          <p:txBody>
-            <a:bodyPr lIns="91425" tIns="91425" rIns="91425" bIns="91425" anchor="t" anchorCtr="0">
-              <a:noAutofit/>
-            </a:bodyPr>
-            <a:lstStyle/>
-            <a:p>
-              <a:pPr lvl="0" rtl="0">
-                <a:spcBef>
-                  <a:spcPts val="0"/>
-                </a:spcBef>
-                <a:buNone/>
-              </a:pPr>
-              <a:r>
-                <a:rPr lang="ru" dirty="0">
-                  <a:solidFill>
-                    <a:schemeClr val="bg1">
-                      <a:lumMod val="95000"/>
-                    </a:schemeClr>
-                  </a:solidFill>
-                </a:rPr>
-                <a:t>GIT</a:t>
-              </a:r>
-            </a:p>
-          </p:txBody>
-        </p:sp>
-      </p:grpSp>
-    </p:spTree>
-  </p:cSld>
-  <p:clrMapOvr>
-    <a:masterClrMapping/>
-  </p:clrMapOvr>
-  <p:transition spd="slow">
-    <p:cut/>
-  </p:transition>
-  <p:timing>
-    <p:tnLst>
-      <p:par>
-        <p:cTn id="1" dur="indefinite" restart="never" nodeType="tmRoot"/>
-      </p:par>
-    </p:tnLst>
-  </p:timing>
-</p:sld>
-</file>
-
-<file path=ppt/slides/slide5.xml><?xml version="1.0" encoding="utf-8"?>
 <p:sld xmlns:a="http://schemas.openxmlformats.org/drawingml/2006/main" xmlns:r="http://schemas.openxmlformats.org/officeDocument/2006/relationships" xmlns:p="http://schemas.openxmlformats.org/presentationml/2006/main">
   <p:cSld>
     <p:spTree>
@@ -11480,6 +11513,496 @@
 </p:sld>
 </file>
 
+<file path=ppt/slides/slide5.xml><?xml version="1.0" encoding="utf-8"?>
+<p:sld xmlns:a="http://schemas.openxmlformats.org/drawingml/2006/main" xmlns:r="http://schemas.openxmlformats.org/officeDocument/2006/relationships" xmlns:p="http://schemas.openxmlformats.org/presentationml/2006/main">
+  <p:cSld>
+    <p:spTree>
+      <p:nvGrpSpPr>
+        <p:cNvPr id="1" name="Shape 139"/>
+        <p:cNvGrpSpPr/>
+        <p:nvPr/>
+      </p:nvGrpSpPr>
+      <p:grpSpPr>
+        <a:xfrm>
+          <a:off x="0" y="0"/>
+          <a:ext cx="0" cy="0"/>
+          <a:chOff x="0" y="0"/>
+          <a:chExt cx="0" cy="0"/>
+        </a:xfrm>
+      </p:grpSpPr>
+      <p:sp>
+        <p:nvSpPr>
+          <p:cNvPr id="140" name="Shape 140"/>
+          <p:cNvSpPr txBox="1">
+            <a:spLocks noGrp="1"/>
+          </p:cNvSpPr>
+          <p:nvPr>
+            <p:ph type="title"/>
+          </p:nvPr>
+        </p:nvSpPr>
+        <p:spPr>
+          <a:xfrm>
+            <a:off x="457200" y="274637"/>
+            <a:ext cx="8229600" cy="1143000"/>
+          </a:xfrm>
+          <a:prstGeom prst="rect">
+            <a:avLst/>
+          </a:prstGeom>
+        </p:spPr>
+        <p:txBody>
+          <a:bodyPr lIns="91425" tIns="91425" rIns="91425" bIns="91425" anchor="b" anchorCtr="0">
+            <a:noAutofit/>
+          </a:bodyPr>
+          <a:lstStyle/>
+          <a:p>
+            <a:pPr>
+              <a:spcBef>
+                <a:spcPts val="0"/>
+              </a:spcBef>
+              <a:buNone/>
+            </a:pPr>
+            <a:r>
+              <a:rPr lang="ru-RU" dirty="0" smtClean="0"/>
+              <a:t>Анализ  системы</a:t>
+            </a:r>
+            <a:endParaRPr lang="ru" dirty="0"/>
+          </a:p>
+        </p:txBody>
+      </p:sp>
+      <p:sp>
+        <p:nvSpPr>
+          <p:cNvPr id="2" name="TextBox 1"/>
+          <p:cNvSpPr txBox="1"/>
+          <p:nvPr/>
+        </p:nvSpPr>
+        <p:spPr>
+          <a:xfrm>
+            <a:off x="457200" y="1622323"/>
+            <a:ext cx="4154129" cy="4785926"/>
+          </a:xfrm>
+          <a:prstGeom prst="rect">
+            <a:avLst/>
+          </a:prstGeom>
+          <a:noFill/>
+        </p:spPr>
+        <p:txBody>
+          <a:bodyPr wrap="square" rtlCol="0">
+            <a:spAutoFit/>
+          </a:bodyPr>
+          <a:lstStyle/>
+          <a:p>
+            <a:pPr>
+              <a:spcAft>
+                <a:spcPts val="1800"/>
+              </a:spcAft>
+            </a:pPr>
+            <a:r>
+              <a:rPr lang="ru-RU" sz="2000" dirty="0" smtClean="0">
+                <a:solidFill>
+                  <a:schemeClr val="bg1">
+                    <a:lumMod val="95000"/>
+                  </a:schemeClr>
+                </a:solidFill>
+              </a:rPr>
+              <a:t>Мероприятия, проведенные в ходе анализа системы</a:t>
+            </a:r>
+            <a:r>
+              <a:rPr lang="en-US" sz="2000" dirty="0" smtClean="0">
+                <a:solidFill>
+                  <a:schemeClr val="bg1">
+                    <a:lumMod val="95000"/>
+                  </a:schemeClr>
+                </a:solidFill>
+              </a:rPr>
+              <a:t>:</a:t>
+            </a:r>
+          </a:p>
+          <a:p>
+            <a:pPr marL="285750" indent="-285750">
+              <a:spcAft>
+                <a:spcPts val="1200"/>
+              </a:spcAft>
+              <a:buFont typeface="Arial" panose="020B0604020202020204" pitchFamily="34" charset="0"/>
+              <a:buChar char="•"/>
+            </a:pPr>
+            <a:r>
+              <a:rPr lang="ru-RU" sz="2000" dirty="0" smtClean="0">
+                <a:solidFill>
+                  <a:schemeClr val="bg1">
+                    <a:lumMod val="95000"/>
+                  </a:schemeClr>
+                </a:solidFill>
+              </a:rPr>
+              <a:t>Опрос потенциальных пользователей</a:t>
+            </a:r>
+            <a:endParaRPr lang="en-US" sz="2000" dirty="0" smtClean="0">
+              <a:solidFill>
+                <a:schemeClr val="bg1">
+                  <a:lumMod val="95000"/>
+                </a:schemeClr>
+              </a:solidFill>
+            </a:endParaRPr>
+          </a:p>
+          <a:p>
+            <a:pPr marL="285750" indent="-285750">
+              <a:spcAft>
+                <a:spcPts val="1200"/>
+              </a:spcAft>
+              <a:buFont typeface="Arial" panose="020B0604020202020204" pitchFamily="34" charset="0"/>
+              <a:buChar char="•"/>
+            </a:pPr>
+            <a:r>
+              <a:rPr lang="ru-RU" sz="2000" dirty="0">
+                <a:solidFill>
+                  <a:schemeClr val="bg1">
+                    <a:lumMod val="95000"/>
+                  </a:schemeClr>
+                </a:solidFill>
+              </a:rPr>
+              <a:t>Анализ журналов сервера</a:t>
+            </a:r>
+            <a:endParaRPr lang="ru-RU" sz="2000" dirty="0" smtClean="0">
+              <a:solidFill>
+                <a:schemeClr val="bg1">
+                  <a:lumMod val="95000"/>
+                </a:schemeClr>
+              </a:solidFill>
+            </a:endParaRPr>
+          </a:p>
+          <a:p>
+            <a:pPr marL="285750" indent="-285750">
+              <a:spcAft>
+                <a:spcPts val="1200"/>
+              </a:spcAft>
+              <a:buFont typeface="Arial" panose="020B0604020202020204" pitchFamily="34" charset="0"/>
+              <a:buChar char="•"/>
+            </a:pPr>
+            <a:r>
+              <a:rPr lang="ru-RU" sz="2000" dirty="0" smtClean="0">
+                <a:solidFill>
+                  <a:schemeClr val="bg1">
+                    <a:lumMod val="95000"/>
+                  </a:schemeClr>
+                </a:solidFill>
+              </a:rPr>
+              <a:t>Профайлинг </a:t>
+            </a:r>
+            <a:r>
+              <a:rPr lang="en-US" sz="2000" dirty="0" smtClean="0">
+                <a:solidFill>
+                  <a:schemeClr val="bg1">
+                    <a:lumMod val="95000"/>
+                  </a:schemeClr>
+                </a:solidFill>
+              </a:rPr>
+              <a:t>SQL</a:t>
+            </a:r>
+            <a:r>
+              <a:rPr lang="ru-RU" sz="2000" dirty="0" smtClean="0">
+                <a:solidFill>
+                  <a:schemeClr val="bg1">
+                    <a:lumMod val="95000"/>
+                  </a:schemeClr>
+                </a:solidFill>
+              </a:rPr>
+              <a:t>-запросов</a:t>
+            </a:r>
+          </a:p>
+          <a:p>
+            <a:pPr marL="285750" indent="-285750">
+              <a:spcAft>
+                <a:spcPts val="1200"/>
+              </a:spcAft>
+              <a:buFont typeface="Arial" panose="020B0604020202020204" pitchFamily="34" charset="0"/>
+              <a:buChar char="•"/>
+            </a:pPr>
+            <a:r>
+              <a:rPr lang="ru-RU" sz="2000" dirty="0" smtClean="0">
+                <a:solidFill>
+                  <a:schemeClr val="bg1">
+                    <a:lumMod val="95000"/>
+                  </a:schemeClr>
+                </a:solidFill>
+              </a:rPr>
+              <a:t>Сбор и анализ системной статистики </a:t>
+            </a:r>
+            <a:r>
+              <a:rPr lang="en-US" sz="2000" dirty="0" err="1" smtClean="0">
+                <a:solidFill>
+                  <a:schemeClr val="bg1">
+                    <a:lumMod val="95000"/>
+                  </a:schemeClr>
+                </a:solidFill>
+              </a:rPr>
+              <a:t>PostgreSQL</a:t>
+            </a:r>
+            <a:endParaRPr lang="ru-RU" sz="2000" dirty="0" smtClean="0">
+              <a:solidFill>
+                <a:schemeClr val="bg1">
+                  <a:lumMod val="95000"/>
+                </a:schemeClr>
+              </a:solidFill>
+            </a:endParaRPr>
+          </a:p>
+          <a:p>
+            <a:pPr marL="285750" indent="-285750">
+              <a:spcAft>
+                <a:spcPts val="1200"/>
+              </a:spcAft>
+              <a:buFont typeface="Arial" panose="020B0604020202020204" pitchFamily="34" charset="0"/>
+              <a:buChar char="•"/>
+            </a:pPr>
+            <a:r>
+              <a:rPr lang="ru-RU" sz="2000" dirty="0" smtClean="0">
+                <a:solidFill>
+                  <a:schemeClr val="bg1">
+                    <a:lumMod val="95000"/>
+                  </a:schemeClr>
+                </a:solidFill>
+              </a:rPr>
+              <a:t>Профайлинг </a:t>
+            </a:r>
+            <a:r>
+              <a:rPr lang="en-US" sz="2000" dirty="0" smtClean="0">
+                <a:solidFill>
+                  <a:schemeClr val="bg1">
+                    <a:lumMod val="95000"/>
+                  </a:schemeClr>
+                </a:solidFill>
+              </a:rPr>
+              <a:t>WEB-</a:t>
+            </a:r>
+            <a:r>
+              <a:rPr lang="ru-RU" sz="2000" dirty="0" smtClean="0">
+                <a:solidFill>
+                  <a:schemeClr val="bg1">
+                    <a:lumMod val="95000"/>
+                  </a:schemeClr>
+                </a:solidFill>
+              </a:rPr>
+              <a:t>сайта и мобильного приложения-</a:t>
+            </a:r>
+            <a:r>
+              <a:rPr lang="ru-RU" sz="2000" dirty="0" err="1" smtClean="0">
+                <a:solidFill>
+                  <a:schemeClr val="bg1">
+                    <a:lumMod val="95000"/>
+                  </a:schemeClr>
+                </a:solidFill>
+              </a:rPr>
+              <a:t>трекера</a:t>
+            </a:r>
+            <a:endParaRPr lang="ru-RU" sz="2000" dirty="0" smtClean="0">
+              <a:solidFill>
+                <a:schemeClr val="bg1">
+                  <a:lumMod val="95000"/>
+                </a:schemeClr>
+              </a:solidFill>
+            </a:endParaRPr>
+          </a:p>
+          <a:p>
+            <a:pPr marL="285750" indent="-285750">
+              <a:spcAft>
+                <a:spcPts val="1200"/>
+              </a:spcAft>
+              <a:buFont typeface="Arial" panose="020B0604020202020204" pitchFamily="34" charset="0"/>
+              <a:buChar char="•"/>
+            </a:pPr>
+            <a:endParaRPr lang="ru-RU" sz="2000" dirty="0" smtClean="0">
+              <a:solidFill>
+                <a:schemeClr val="bg1">
+                  <a:lumMod val="95000"/>
+                </a:schemeClr>
+              </a:solidFill>
+            </a:endParaRPr>
+          </a:p>
+        </p:txBody>
+      </p:sp>
+      <p:sp>
+        <p:nvSpPr>
+          <p:cNvPr id="18" name="TextBox 17"/>
+          <p:cNvSpPr txBox="1"/>
+          <p:nvPr/>
+        </p:nvSpPr>
+        <p:spPr>
+          <a:xfrm>
+            <a:off x="4611330" y="1622323"/>
+            <a:ext cx="4257368" cy="4124206"/>
+          </a:xfrm>
+          <a:prstGeom prst="rect">
+            <a:avLst/>
+          </a:prstGeom>
+          <a:noFill/>
+        </p:spPr>
+        <p:txBody>
+          <a:bodyPr wrap="square" rtlCol="0">
+            <a:spAutoFit/>
+          </a:bodyPr>
+          <a:lstStyle/>
+          <a:p>
+            <a:pPr>
+              <a:spcAft>
+                <a:spcPts val="1200"/>
+              </a:spcAft>
+            </a:pPr>
+            <a:r>
+              <a:rPr lang="ru-RU" sz="2000" dirty="0" smtClean="0">
+                <a:solidFill>
+                  <a:schemeClr val="bg1">
+                    <a:lumMod val="95000"/>
+                  </a:schemeClr>
+                </a:solidFill>
+              </a:rPr>
+              <a:t>Заключение</a:t>
+            </a:r>
+            <a:r>
+              <a:rPr lang="en-US" sz="2000" dirty="0" smtClean="0">
+                <a:solidFill>
+                  <a:schemeClr val="bg1">
+                    <a:lumMod val="95000"/>
+                  </a:schemeClr>
+                </a:solidFill>
+              </a:rPr>
+              <a:t>:</a:t>
+            </a:r>
+          </a:p>
+          <a:p>
+            <a:pPr marL="285750" indent="-285750">
+              <a:spcAft>
+                <a:spcPts val="1200"/>
+              </a:spcAft>
+              <a:buFont typeface="Arial" panose="020B0604020202020204" pitchFamily="34" charset="0"/>
+              <a:buChar char="•"/>
+            </a:pPr>
+            <a:r>
+              <a:rPr lang="ru-RU" sz="1600" dirty="0" smtClean="0">
+                <a:solidFill>
+                  <a:schemeClr val="bg1">
+                    <a:lumMod val="95000"/>
+                  </a:schemeClr>
+                </a:solidFill>
+              </a:rPr>
+              <a:t>В алгоритме распределения геоданных  выявлена ошибка</a:t>
+            </a:r>
+          </a:p>
+          <a:p>
+            <a:pPr marL="285750" indent="-285750">
+              <a:spcAft>
+                <a:spcPts val="1200"/>
+              </a:spcAft>
+              <a:buFont typeface="Arial" panose="020B0604020202020204" pitchFamily="34" charset="0"/>
+              <a:buChar char="•"/>
+            </a:pPr>
+            <a:r>
+              <a:rPr lang="ru-RU" sz="1600" dirty="0" smtClean="0">
+                <a:solidFill>
+                  <a:schemeClr val="bg1">
+                    <a:lumMod val="95000"/>
+                  </a:schemeClr>
+                </a:solidFill>
+              </a:rPr>
+              <a:t>Передаваемые геоданные нуждаются в фильтрации</a:t>
+            </a:r>
+          </a:p>
+          <a:p>
+            <a:pPr marL="285750" indent="-285750">
+              <a:spcAft>
+                <a:spcPts val="1200"/>
+              </a:spcAft>
+              <a:buFont typeface="Arial" panose="020B0604020202020204" pitchFamily="34" charset="0"/>
+              <a:buChar char="•"/>
+            </a:pPr>
+            <a:r>
+              <a:rPr lang="ru-RU" sz="1600" dirty="0" smtClean="0">
+                <a:solidFill>
+                  <a:schemeClr val="bg1">
+                    <a:lumMod val="95000"/>
+                  </a:schemeClr>
+                </a:solidFill>
+              </a:rPr>
+              <a:t>Алгоритм синхронизации локального хранилища трекера с сервером нуждается в оптимизации</a:t>
+            </a:r>
+          </a:p>
+          <a:p>
+            <a:pPr marL="285750" indent="-285750">
+              <a:spcAft>
+                <a:spcPts val="1200"/>
+              </a:spcAft>
+              <a:buFont typeface="Arial" panose="020B0604020202020204" pitchFamily="34" charset="0"/>
+              <a:buChar char="•"/>
+            </a:pPr>
+            <a:r>
+              <a:rPr lang="ru-RU" sz="1600" dirty="0" smtClean="0">
+                <a:solidFill>
+                  <a:schemeClr val="bg1">
+                    <a:lumMod val="95000"/>
+                  </a:schemeClr>
+                </a:solidFill>
+              </a:rPr>
+              <a:t>Загрузка страниц </a:t>
+            </a:r>
+            <a:r>
+              <a:rPr lang="en-US" sz="1600" dirty="0" smtClean="0">
+                <a:solidFill>
+                  <a:schemeClr val="bg1">
+                    <a:lumMod val="95000"/>
+                  </a:schemeClr>
+                </a:solidFill>
+              </a:rPr>
+              <a:t>WEB-</a:t>
+            </a:r>
+            <a:r>
+              <a:rPr lang="ru-RU" sz="1600" dirty="0" smtClean="0">
+                <a:solidFill>
+                  <a:schemeClr val="bg1">
+                    <a:lumMod val="95000"/>
+                  </a:schemeClr>
+                </a:solidFill>
+              </a:rPr>
+              <a:t>сайта, содержащих статистическую информацию, превышает допустимое время загрузки</a:t>
+            </a:r>
+          </a:p>
+          <a:p>
+            <a:pPr marL="285750" indent="-285750">
+              <a:spcAft>
+                <a:spcPts val="1200"/>
+              </a:spcAft>
+              <a:buFont typeface="Arial" panose="020B0604020202020204" pitchFamily="34" charset="0"/>
+              <a:buChar char="•"/>
+            </a:pPr>
+            <a:endParaRPr lang="ru-RU" sz="1600" dirty="0" smtClean="0">
+              <a:solidFill>
+                <a:schemeClr val="bg1">
+                  <a:lumMod val="95000"/>
+                </a:schemeClr>
+              </a:solidFill>
+            </a:endParaRPr>
+          </a:p>
+        </p:txBody>
+      </p:sp>
+    </p:spTree>
+    <p:extLst>
+      <p:ext uri="{BB962C8B-B14F-4D97-AF65-F5344CB8AC3E}">
+        <p14:creationId xmlns:p14="http://schemas.microsoft.com/office/powerpoint/2010/main" val="1414482282"/>
+      </p:ext>
+    </p:extLst>
+  </p:cSld>
+  <p:clrMapOvr>
+    <a:masterClrMapping/>
+  </p:clrMapOvr>
+  <p:transition spd="slow">
+    <p:cut/>
+  </p:transition>
+  <p:timing>
+    <p:tnLst>
+      <p:par>
+        <p:cTn id="1" dur="indefinite" restart="never" nodeType="tmRoot"/>
+      </p:par>
+    </p:tnLst>
+  </p:timing>
+</p:sld>
+</file>
+
 <file path=ppt/slides/slide6.xml><?xml version="1.0" encoding="utf-8"?>
 <p:sld xmlns:a="http://schemas.openxmlformats.org/drawingml/2006/main" xmlns:r="http://schemas.openxmlformats.org/officeDocument/2006/relationships" xmlns:p="http://schemas.openxmlformats.org/presentationml/2006/main">
   <p:cSld>
@@ -11530,7 +12053,7 @@
             </a:pPr>
             <a:r>
               <a:rPr lang="ru-RU" dirty="0" smtClean="0"/>
-              <a:t>Анализ  системы</a:t>
+              <a:t>Анализ и модернизация алгоритмов обработки геоданных</a:t>
             </a:r>
             <a:endParaRPr lang="ru" dirty="0"/>
           </a:p>
@@ -11545,7 +12068,7 @@
         <p:spPr>
           <a:xfrm>
             <a:off x="457200" y="1622323"/>
-            <a:ext cx="4154129" cy="4785926"/>
+            <a:ext cx="8229600" cy="2862322"/>
           </a:xfrm>
           <a:prstGeom prst="rect">
             <a:avLst/>
@@ -11564,17 +12087,17 @@
               </a:spcAft>
             </a:pPr>
             <a:r>
-              <a:rPr lang="ru-RU" sz="2000" dirty="0" smtClean="0">
+              <a:rPr lang="ru-RU" sz="2000" b="1" dirty="0" smtClean="0">
                 <a:solidFill>
                   <a:schemeClr val="bg1">
                     <a:lumMod val="95000"/>
                   </a:schemeClr>
                 </a:solidFill>
               </a:rPr>
-              <a:t>Мероприятия, проведенные в ходе анализа системы</a:t>
-            </a:r>
-            <a:r>
-              <a:rPr lang="en-US" sz="2000" dirty="0" smtClean="0">
+              <a:t>Основные алгоритмы, подвергнувшиеся модернизации</a:t>
+            </a:r>
+            <a:r>
+              <a:rPr lang="en-US" sz="2000" b="1" dirty="0" smtClean="0">
                 <a:solidFill>
                   <a:schemeClr val="bg1">
                     <a:lumMod val="95000"/>
@@ -11582,6 +12105,100 @@
                 </a:solidFill>
               </a:rPr>
               <a:t>:</a:t>
+            </a:r>
+            <a:endParaRPr lang="ru-RU" sz="2000" b="1" dirty="0" smtClean="0">
+              <a:solidFill>
+                <a:schemeClr val="bg1">
+                  <a:lumMod val="95000"/>
+                </a:schemeClr>
+              </a:solidFill>
+            </a:endParaRPr>
+          </a:p>
+          <a:p>
+            <a:pPr marL="342900" indent="-342900">
+              <a:spcAft>
+                <a:spcPts val="1800"/>
+              </a:spcAft>
+              <a:buFont typeface="Arial" panose="020B0604020202020204" pitchFamily="34" charset="0"/>
+              <a:buChar char="•"/>
+            </a:pPr>
+            <a:r>
+              <a:rPr lang="ru-RU" sz="2000" dirty="0">
+                <a:solidFill>
+                  <a:schemeClr val="bg1">
+                    <a:lumMod val="95000"/>
+                  </a:schemeClr>
+                </a:solidFill>
+              </a:rPr>
+              <a:t>Алгоритма фильтрации и предобработки геоданных.</a:t>
+            </a:r>
+          </a:p>
+          <a:p>
+            <a:pPr marL="342900" indent="-342900">
+              <a:spcAft>
+                <a:spcPts val="1800"/>
+              </a:spcAft>
+              <a:buFont typeface="Arial" panose="020B0604020202020204" pitchFamily="34" charset="0"/>
+              <a:buChar char="•"/>
+            </a:pPr>
+            <a:r>
+              <a:rPr lang="ru-RU" sz="2000" dirty="0">
+                <a:solidFill>
+                  <a:schemeClr val="bg1">
+                    <a:lumMod val="95000"/>
+                  </a:schemeClr>
+                </a:solidFill>
+              </a:rPr>
+              <a:t>Алгоритм синхронизации геоданных локального хранилища мобильного приложения-трекера с сервером системы</a:t>
+            </a:r>
+            <a:r>
+              <a:rPr lang="ru-RU" sz="2000" dirty="0" smtClean="0">
+                <a:solidFill>
+                  <a:schemeClr val="bg1">
+                    <a:lumMod val="95000"/>
+                  </a:schemeClr>
+                </a:solidFill>
+              </a:rPr>
+              <a:t>.</a:t>
+            </a:r>
+          </a:p>
+          <a:p>
+            <a:pPr marL="342900" indent="-342900">
+              <a:spcAft>
+                <a:spcPts val="1800"/>
+              </a:spcAft>
+              <a:buFont typeface="Arial" panose="020B0604020202020204" pitchFamily="34" charset="0"/>
+              <a:buChar char="•"/>
+            </a:pPr>
+            <a:r>
+              <a:rPr lang="ru-RU" sz="2000" dirty="0" smtClean="0">
+                <a:solidFill>
+                  <a:schemeClr val="bg1">
+                    <a:lumMod val="95000"/>
+                  </a:schemeClr>
+                </a:solidFill>
+              </a:rPr>
+              <a:t>Алгоритм </a:t>
+            </a:r>
+            <a:r>
+              <a:rPr lang="ru-RU" sz="2000" dirty="0">
+                <a:solidFill>
+                  <a:schemeClr val="bg1">
+                    <a:lumMod val="95000"/>
+                  </a:schemeClr>
+                </a:solidFill>
+              </a:rPr>
+              <a:t>распределения геоданных по </a:t>
+            </a:r>
+            <a:r>
+              <a:rPr lang="ru-RU" sz="2000" dirty="0" smtClean="0">
+                <a:solidFill>
+                  <a:schemeClr val="bg1">
+                    <a:lumMod val="95000"/>
+                  </a:schemeClr>
+                </a:solidFill>
+              </a:rPr>
+              <a:t>маршрутам.</a:t>
             </a:r>
           </a:p>
           <a:p>
@@ -11592,42 +12209,6 @@
               <a:buFont typeface="Arial" panose="020B0604020202020204" pitchFamily="34" charset="0"/>
               <a:buChar char="•"/>
             </a:pPr>
-            <a:r>
-              <a:rPr lang="ru-RU" sz="2000" dirty="0" smtClean="0">
-                <a:solidFill>
-                  <a:schemeClr val="bg1">
-                    <a:lumMod val="95000"/>
-                  </a:schemeClr>
-                </a:solidFill>
-              </a:rPr>
-              <a:t>Опрос потенциальных пользователей</a:t>
-            </a:r>
-            <a:endParaRPr lang="en-US" sz="2000" dirty="0" smtClean="0">
-              <a:solidFill>
-                <a:schemeClr val="bg1">
-                  <a:lumMod val="95000"/>
-                </a:schemeClr>
-              </a:solidFill>
-            </a:endParaRPr>
-          </a:p>
-          <a:p>
-            <a:pPr marL="285750" indent="-285750">
-              <a:spcAft>
-                <a:spcPts val="1200"/>
-              </a:spcAft>
-              <a:buFont typeface="Arial" panose="020B0604020202020204" pitchFamily="34" charset="0"/>
-              <a:buChar char="•"/>
-            </a:pPr>
-            <a:r>
-              <a:rPr lang="ru-RU" sz="2000" dirty="0">
-                <a:solidFill>
-                  <a:schemeClr val="bg1">
-                    <a:lumMod val="95000"/>
-                  </a:schemeClr>
-                </a:solidFill>
-              </a:rPr>
-              <a:t>Анализ журналов сервера</a:t>
-            </a:r>
             <a:endParaRPr lang="ru-RU" sz="2000" dirty="0" smtClean="0">
               <a:solidFill>
                 <a:schemeClr val="bg1">
@@ -11636,185 +12217,18 @@
               </a:solidFill>
             </a:endParaRPr>
           </a:p>
-          <a:p>
-            <a:pPr marL="285750" indent="-285750">
-              <a:spcAft>
-                <a:spcPts val="1200"/>
-              </a:spcAft>
-              <a:buFont typeface="Arial" panose="020B0604020202020204" pitchFamily="34" charset="0"/>
-              <a:buChar char="•"/>
-            </a:pPr>
-            <a:r>
-              <a:rPr lang="ru-RU" sz="2000" dirty="0" err="1" smtClean="0">
-                <a:solidFill>
-                  <a:schemeClr val="bg1">
-                    <a:lumMod val="95000"/>
-                  </a:schemeClr>
-                </a:solidFill>
-              </a:rPr>
-              <a:t>Профайлинг</a:t>
-            </a:r>
-            <a:r>
-              <a:rPr lang="ru-RU" sz="2000" dirty="0" smtClean="0">
-                <a:solidFill>
-                  <a:schemeClr val="bg1">
-                    <a:lumMod val="95000"/>
-                  </a:schemeClr>
-                </a:solidFill>
-              </a:rPr>
-              <a:t> </a:t>
-            </a:r>
-            <a:r>
-              <a:rPr lang="en-US" sz="2000" dirty="0" smtClean="0">
-                <a:solidFill>
-                  <a:schemeClr val="bg1">
-                    <a:lumMod val="95000"/>
-                  </a:schemeClr>
-                </a:solidFill>
-              </a:rPr>
-              <a:t>SQL</a:t>
-            </a:r>
-            <a:r>
-              <a:rPr lang="ru-RU" sz="2000" dirty="0" smtClean="0">
-                <a:solidFill>
-                  <a:schemeClr val="bg1">
-                    <a:lumMod val="95000"/>
-                  </a:schemeClr>
-                </a:solidFill>
-              </a:rPr>
-              <a:t>-запросов</a:t>
-            </a:r>
-          </a:p>
-          <a:p>
-            <a:pPr marL="285750" indent="-285750">
-              <a:spcAft>
-                <a:spcPts val="1200"/>
-              </a:spcAft>
-              <a:buFont typeface="Arial" panose="020B0604020202020204" pitchFamily="34" charset="0"/>
-              <a:buChar char="•"/>
-            </a:pPr>
-            <a:r>
-              <a:rPr lang="ru-RU" sz="2000" dirty="0" smtClean="0">
-                <a:solidFill>
-                  <a:schemeClr val="bg1">
-                    <a:lumMod val="95000"/>
-                  </a:schemeClr>
-                </a:solidFill>
-              </a:rPr>
-              <a:t>Сбор и анализ системной статистики </a:t>
-            </a:r>
-            <a:r>
-              <a:rPr lang="en-US" sz="2000" dirty="0" err="1" smtClean="0">
-                <a:solidFill>
-                  <a:schemeClr val="bg1">
-                    <a:lumMod val="95000"/>
-                  </a:schemeClr>
-                </a:solidFill>
-              </a:rPr>
-              <a:t>PostgreSQL</a:t>
-            </a:r>
-            <a:endParaRPr lang="ru-RU" sz="2000" dirty="0" smtClean="0">
-              <a:solidFill>
-                <a:schemeClr val="bg1">
-                  <a:lumMod val="95000"/>
-                </a:schemeClr>
-              </a:solidFill>
-            </a:endParaRPr>
-          </a:p>
-          <a:p>
-            <a:pPr marL="285750" indent="-285750">
-              <a:spcAft>
-                <a:spcPts val="1200"/>
-              </a:spcAft>
-              <a:buFont typeface="Arial" panose="020B0604020202020204" pitchFamily="34" charset="0"/>
-              <a:buChar char="•"/>
-            </a:pPr>
-            <a:r>
-              <a:rPr lang="ru-RU" sz="2000" dirty="0" err="1" smtClean="0">
-                <a:solidFill>
-                  <a:schemeClr val="bg1">
-                    <a:lumMod val="95000"/>
-                  </a:schemeClr>
-                </a:solidFill>
-              </a:rPr>
-              <a:t>Профайлинг</a:t>
-            </a:r>
-            <a:r>
-              <a:rPr lang="ru-RU" sz="2000" dirty="0" smtClean="0">
-                <a:solidFill>
-                  <a:schemeClr val="bg1">
-                    <a:lumMod val="95000"/>
-                  </a:schemeClr>
-                </a:solidFill>
-              </a:rPr>
-              <a:t> </a:t>
-            </a:r>
-            <a:r>
-              <a:rPr lang="en-US" sz="2000" dirty="0" smtClean="0">
-                <a:solidFill>
-                  <a:schemeClr val="bg1">
-                    <a:lumMod val="95000"/>
-                  </a:schemeClr>
-                </a:solidFill>
-              </a:rPr>
-              <a:t>WEB-</a:t>
-            </a:r>
-            <a:r>
-              <a:rPr lang="ru-RU" sz="2000" dirty="0" smtClean="0">
-                <a:solidFill>
-                  <a:schemeClr val="bg1">
-                    <a:lumMod val="95000"/>
-                  </a:schemeClr>
-                </a:solidFill>
-              </a:rPr>
-              <a:t>сайта и мобильного приложения-</a:t>
-            </a:r>
-            <a:r>
-              <a:rPr lang="ru-RU" sz="2000" dirty="0" err="1" smtClean="0">
-                <a:solidFill>
-                  <a:schemeClr val="bg1">
-                    <a:lumMod val="95000"/>
-                  </a:schemeClr>
-                </a:solidFill>
-              </a:rPr>
-              <a:t>трекера</a:t>
-            </a:r>
-            <a:endParaRPr lang="ru-RU" sz="2000" dirty="0" smtClean="0">
-              <a:solidFill>
-                <a:schemeClr val="bg1">
-                  <a:lumMod val="95000"/>
-                </a:schemeClr>
-              </a:solidFill>
-            </a:endParaRPr>
-          </a:p>
-          <a:p>
-            <a:pPr marL="285750" indent="-285750">
-              <a:spcAft>
-                <a:spcPts val="1200"/>
-              </a:spcAft>
-              <a:buFont typeface="Arial" panose="020B0604020202020204" pitchFamily="34" charset="0"/>
-              <a:buChar char="•"/>
-            </a:pPr>
-            <a:endParaRPr lang="ru-RU" sz="2000" dirty="0" smtClean="0">
-              <a:solidFill>
-                <a:schemeClr val="bg1">
-                  <a:lumMod val="95000"/>
-                </a:schemeClr>
-              </a:solidFill>
-            </a:endParaRPr>
-          </a:p>
         </p:txBody>
       </p:sp>
       <p:sp>
         <p:nvSpPr>
-          <p:cNvPr id="18" name="TextBox 17"/>
+          <p:cNvPr id="5" name="TextBox 4"/>
           <p:cNvSpPr txBox="1"/>
           <p:nvPr/>
         </p:nvSpPr>
         <p:spPr>
           <a:xfrm>
-            <a:off x="4611330" y="1622323"/>
-            <a:ext cx="4257368" cy="4770537"/>
+            <a:off x="457200" y="4095013"/>
+            <a:ext cx="8229600" cy="2554545"/>
           </a:xfrm>
           <a:prstGeom prst="rect">
             <a:avLst/>
@@ -11829,21 +12243,21 @@
           <a:p>
             <a:pPr>
               <a:spcAft>
-                <a:spcPts val="1200"/>
+                <a:spcPts val="1800"/>
               </a:spcAft>
             </a:pPr>
             <a:r>
-              <a:rPr lang="ru-RU" sz="2000" dirty="0" smtClean="0">
+              <a:rPr lang="ru-RU" sz="2000" b="1" dirty="0" smtClean="0">
                 <a:solidFill>
                   <a:schemeClr val="bg1">
                     <a:lumMod val="95000"/>
                   </a:schemeClr>
                 </a:solidFill>
               </a:rPr>
-              <a:t>Заключение</a:t>
-            </a:r>
-            <a:r>
-              <a:rPr lang="en-US" sz="2000" dirty="0" smtClean="0">
+              <a:t>Цели модернизации</a:t>
+            </a:r>
+            <a:r>
+              <a:rPr lang="en-US" sz="2000" b="1" dirty="0" smtClean="0">
                 <a:solidFill>
                   <a:schemeClr val="bg1">
                     <a:lumMod val="95000"/>
@@ -11851,6 +12265,63 @@
                 </a:solidFill>
               </a:rPr>
               <a:t>:</a:t>
+            </a:r>
+          </a:p>
+          <a:p>
+            <a:pPr marL="342900" indent="-342900">
+              <a:spcAft>
+                <a:spcPts val="1800"/>
+              </a:spcAft>
+              <a:buFont typeface="Arial" panose="020B0604020202020204" pitchFamily="34" charset="0"/>
+              <a:buChar char="•"/>
+            </a:pPr>
+            <a:r>
+              <a:rPr lang="ru-RU" sz="2000" dirty="0" smtClean="0">
+                <a:solidFill>
+                  <a:schemeClr val="bg1">
+                    <a:lumMod val="95000"/>
+                  </a:schemeClr>
+                </a:solidFill>
+              </a:rPr>
+              <a:t>Уменьшение сложности алгоритмов</a:t>
+            </a:r>
+          </a:p>
+          <a:p>
+            <a:pPr marL="342900" indent="-342900">
+              <a:spcAft>
+                <a:spcPts val="1800"/>
+              </a:spcAft>
+              <a:buFont typeface="Arial" panose="020B0604020202020204" pitchFamily="34" charset="0"/>
+              <a:buChar char="•"/>
+            </a:pPr>
+            <a:r>
+              <a:rPr lang="ru-RU" sz="2000" dirty="0" smtClean="0">
+                <a:solidFill>
+                  <a:schemeClr val="bg1">
+                    <a:lumMod val="95000"/>
+                  </a:schemeClr>
+                </a:solidFill>
+              </a:rPr>
+              <a:t>Оптимизация потребления ресурсов</a:t>
+            </a:r>
+          </a:p>
+          <a:p>
+            <a:pPr marL="342900" indent="-342900">
+              <a:spcAft>
+                <a:spcPts val="1800"/>
+              </a:spcAft>
+              <a:buFont typeface="Arial" panose="020B0604020202020204" pitchFamily="34" charset="0"/>
+              <a:buChar char="•"/>
+            </a:pPr>
+            <a:r>
+              <a:rPr lang="ru-RU" sz="2000" dirty="0" smtClean="0">
+                <a:solidFill>
+                  <a:schemeClr val="bg1">
+                    <a:lumMod val="95000"/>
+                  </a:schemeClr>
+                </a:solidFill>
+              </a:rPr>
+              <a:t>Увеличение скорости исполнения</a:t>
             </a:r>
           </a:p>
           <a:p>
@@ -11861,202 +12332,7 @@
               <a:buFont typeface="Arial" panose="020B0604020202020204" pitchFamily="34" charset="0"/>
               <a:buChar char="•"/>
             </a:pPr>
-            <a:r>
-              <a:rPr lang="ru-RU" sz="1600" dirty="0" smtClean="0">
-                <a:solidFill>
-                  <a:schemeClr val="bg1">
-                    <a:lumMod val="95000"/>
-                  </a:schemeClr>
-                </a:solidFill>
-              </a:rPr>
-              <a:t>Некоторые </a:t>
-            </a:r>
-            <a:r>
-              <a:rPr lang="en-US" sz="1600" dirty="0" smtClean="0">
-                <a:solidFill>
-                  <a:schemeClr val="bg1">
-                    <a:lumMod val="95000"/>
-                  </a:schemeClr>
-                </a:solidFill>
-              </a:rPr>
-              <a:t>SQL-</a:t>
-            </a:r>
-            <a:r>
-              <a:rPr lang="ru-RU" sz="1600" dirty="0" smtClean="0">
-                <a:solidFill>
-                  <a:schemeClr val="bg1">
-                    <a:lumMod val="95000"/>
-                  </a:schemeClr>
-                </a:solidFill>
-              </a:rPr>
-              <a:t>запросы превышают допустимое время выполнения</a:t>
-            </a:r>
-          </a:p>
-          <a:p>
-            <a:pPr marL="285750" indent="-285750">
-              <a:spcAft>
-                <a:spcPts val="1200"/>
-              </a:spcAft>
-              <a:buFont typeface="Arial" panose="020B0604020202020204" pitchFamily="34" charset="0"/>
-              <a:buChar char="•"/>
-            </a:pPr>
-            <a:r>
-              <a:rPr lang="ru-RU" sz="1600" dirty="0" smtClean="0">
-                <a:solidFill>
-                  <a:schemeClr val="bg1">
-                    <a:lumMod val="95000"/>
-                  </a:schemeClr>
-                </a:solidFill>
-              </a:rPr>
-              <a:t>В алгоритме распределения </a:t>
-            </a:r>
-            <a:r>
-              <a:rPr lang="ru-RU" sz="1600" dirty="0" err="1" smtClean="0">
-                <a:solidFill>
-                  <a:schemeClr val="bg1">
-                    <a:lumMod val="95000"/>
-                  </a:schemeClr>
-                </a:solidFill>
-              </a:rPr>
-              <a:t>геоданных</a:t>
-            </a:r>
-            <a:r>
-              <a:rPr lang="ru-RU" sz="1600" dirty="0" smtClean="0">
-                <a:solidFill>
-                  <a:schemeClr val="bg1">
-                    <a:lumMod val="95000"/>
-                  </a:schemeClr>
-                </a:solidFill>
-              </a:rPr>
-              <a:t>  выявлена ошибка</a:t>
-            </a:r>
-          </a:p>
-          <a:p>
-            <a:pPr marL="285750" indent="-285750">
-              <a:spcAft>
-                <a:spcPts val="1200"/>
-              </a:spcAft>
-              <a:buFont typeface="Arial" panose="020B0604020202020204" pitchFamily="34" charset="0"/>
-              <a:buChar char="•"/>
-            </a:pPr>
-            <a:r>
-              <a:rPr lang="ru-RU" sz="1600" dirty="0" smtClean="0">
-                <a:solidFill>
-                  <a:schemeClr val="bg1">
-                    <a:lumMod val="95000"/>
-                  </a:schemeClr>
-                </a:solidFill>
-              </a:rPr>
-              <a:t>Передаваемые </a:t>
-            </a:r>
-            <a:r>
-              <a:rPr lang="ru-RU" sz="1600" dirty="0" err="1" smtClean="0">
-                <a:solidFill>
-                  <a:schemeClr val="bg1">
-                    <a:lumMod val="95000"/>
-                  </a:schemeClr>
-                </a:solidFill>
-              </a:rPr>
-              <a:t>геоданные</a:t>
-            </a:r>
-            <a:r>
-              <a:rPr lang="ru-RU" sz="1600" dirty="0" smtClean="0">
-                <a:solidFill>
-                  <a:schemeClr val="bg1">
-                    <a:lumMod val="95000"/>
-                  </a:schemeClr>
-                </a:solidFill>
-              </a:rPr>
-              <a:t> нуждаются в фильтрации</a:t>
-            </a:r>
-          </a:p>
-          <a:p>
-            <a:pPr marL="285750" indent="-285750">
-              <a:spcAft>
-                <a:spcPts val="1200"/>
-              </a:spcAft>
-              <a:buFont typeface="Arial" panose="020B0604020202020204" pitchFamily="34" charset="0"/>
-              <a:buChar char="•"/>
-            </a:pPr>
-            <a:r>
-              <a:rPr lang="ru-RU" sz="1600" dirty="0" smtClean="0">
-                <a:solidFill>
-                  <a:schemeClr val="bg1">
-                    <a:lumMod val="95000"/>
-                  </a:schemeClr>
-                </a:solidFill>
-              </a:rPr>
-              <a:t>Алгоритм синхронизации локального хранилища </a:t>
-            </a:r>
-            <a:r>
-              <a:rPr lang="ru-RU" sz="1600" dirty="0" err="1" smtClean="0">
-                <a:solidFill>
-                  <a:schemeClr val="bg1">
-                    <a:lumMod val="95000"/>
-                  </a:schemeClr>
-                </a:solidFill>
-              </a:rPr>
-              <a:t>трекера</a:t>
-            </a:r>
-            <a:r>
-              <a:rPr lang="ru-RU" sz="1600" dirty="0" smtClean="0">
-                <a:solidFill>
-                  <a:schemeClr val="bg1">
-                    <a:lumMod val="95000"/>
-                  </a:schemeClr>
-                </a:solidFill>
-              </a:rPr>
-              <a:t> с сервером нуждается в оптимизации</a:t>
-            </a:r>
-          </a:p>
-          <a:p>
-            <a:pPr marL="285750" indent="-285750">
-              <a:spcAft>
-                <a:spcPts val="1200"/>
-              </a:spcAft>
-              <a:buFont typeface="Arial" panose="020B0604020202020204" pitchFamily="34" charset="0"/>
-              <a:buChar char="•"/>
-            </a:pPr>
-            <a:r>
-              <a:rPr lang="ru-RU" sz="1600" dirty="0" smtClean="0">
-                <a:solidFill>
-                  <a:schemeClr val="bg1">
-                    <a:lumMod val="95000"/>
-                  </a:schemeClr>
-                </a:solidFill>
-              </a:rPr>
-              <a:t>Загрузка страниц </a:t>
-            </a:r>
-            <a:r>
-              <a:rPr lang="en-US" sz="1600" dirty="0" smtClean="0">
-                <a:solidFill>
-                  <a:schemeClr val="bg1">
-                    <a:lumMod val="95000"/>
-                  </a:schemeClr>
-                </a:solidFill>
-              </a:rPr>
-              <a:t>WEB-</a:t>
-            </a:r>
-            <a:r>
-              <a:rPr lang="ru-RU" sz="1600" dirty="0" smtClean="0">
-                <a:solidFill>
-                  <a:schemeClr val="bg1">
-                    <a:lumMod val="95000"/>
-                  </a:schemeClr>
-                </a:solidFill>
-              </a:rPr>
-              <a:t>сайта, содержащих статистическую информацию, превышает допустимое время загрузки</a:t>
-            </a:r>
-          </a:p>
-          <a:p>
-            <a:pPr marL="285750" indent="-285750">
-              <a:spcAft>
-                <a:spcPts val="1200"/>
-              </a:spcAft>
-              <a:buFont typeface="Arial" panose="020B0604020202020204" pitchFamily="34" charset="0"/>
-              <a:buChar char="•"/>
-            </a:pPr>
-            <a:endParaRPr lang="ru-RU" sz="1600" dirty="0" smtClean="0">
+            <a:endParaRPr lang="ru-RU" sz="2000" dirty="0" smtClean="0">
               <a:solidFill>
                 <a:schemeClr val="bg1">
                   <a:lumMod val="95000"/>
@@ -12069,7 +12345,7 @@
     </p:spTree>
     <p:extLst>
       <p:ext uri="{BB962C8B-B14F-4D97-AF65-F5344CB8AC3E}">
-        <p14:creationId xmlns:p14="http://schemas.microsoft.com/office/powerpoint/2010/main" val="1414482282"/>
+        <p14:creationId xmlns:p14="http://schemas.microsoft.com/office/powerpoint/2010/main" val="3724144512"/>
       </p:ext>
     </p:extLst>
   </p:cSld>
@@ -12122,36 +12398,129 @@
           <a:lstStyle/>
           <a:p>
             <a:r>
-              <a:rPr lang="ru-RU" dirty="0" smtClean="0"/>
-              <a:t>Анализ и модернизация БД</a:t>
-            </a:r>
-            <a:endParaRPr lang="ru-RU" dirty="0"/>
+              <a:rPr lang="ru-RU" sz="3200" dirty="0" smtClean="0"/>
+              <a:t>Алгоритм фильтрации и предобработки геоданных</a:t>
+            </a:r>
+            <a:endParaRPr lang="ru-RU" sz="3200" dirty="0"/>
           </a:p>
         </p:txBody>
       </p:sp>
+      <p:pic>
+        <p:nvPicPr>
+          <p:cNvPr id="3" name="Рисунок 2"/>
+          <p:cNvPicPr>
+            <a:picLocks noChangeAspect="1"/>
+          </p:cNvPicPr>
+          <p:nvPr/>
+        </p:nvPicPr>
+        <p:blipFill>
+          <a:blip r:embed="rId2">
+            <a:extLst>
+              <a:ext uri="{28A0092B-C50C-407E-A947-70E740481C1C}">
+                <a14:useLocalDpi xmlns:a14="http://schemas.microsoft.com/office/drawing/2010/main" val="0"/>
+              </a:ext>
+            </a:extLst>
+          </a:blip>
+          <a:stretch>
+            <a:fillRect/>
+          </a:stretch>
+        </p:blipFill>
+        <p:spPr>
+          <a:xfrm>
+            <a:off x="580559" y="1509014"/>
+            <a:ext cx="3466939" cy="2485229"/>
+          </a:xfrm>
+          <a:prstGeom prst="rect">
+            <a:avLst/>
+          </a:prstGeom>
+        </p:spPr>
+      </p:pic>
+      <p:pic>
+        <p:nvPicPr>
+          <p:cNvPr id="4" name="Рисунок 3"/>
+          <p:cNvPicPr>
+            <a:picLocks noChangeAspect="1"/>
+          </p:cNvPicPr>
+          <p:nvPr/>
+        </p:nvPicPr>
+        <p:blipFill>
+          <a:blip r:embed="rId3">
+            <a:extLst>
+              <a:ext uri="{28A0092B-C50C-407E-A947-70E740481C1C}">
+                <a14:useLocalDpi xmlns:a14="http://schemas.microsoft.com/office/drawing/2010/main" val="0"/>
+              </a:ext>
+            </a:extLst>
+          </a:blip>
+          <a:stretch>
+            <a:fillRect/>
+          </a:stretch>
+        </p:blipFill>
+        <p:spPr>
+          <a:xfrm>
+            <a:off x="4572000" y="1509013"/>
+            <a:ext cx="3466938" cy="2485229"/>
+          </a:xfrm>
+          <a:prstGeom prst="rect">
+            <a:avLst/>
+          </a:prstGeom>
+        </p:spPr>
+      </p:pic>
+      <p:pic>
+        <p:nvPicPr>
+          <p:cNvPr id="8" name="Рисунок 7"/>
+          <p:cNvPicPr>
+            <a:picLocks noChangeAspect="1"/>
+          </p:cNvPicPr>
+          <p:nvPr/>
+        </p:nvPicPr>
+        <p:blipFill>
+          <a:blip r:embed="rId4">
+            <a:extLst>
+              <a:ext uri="{28A0092B-C50C-407E-A947-70E740481C1C}">
+                <a14:useLocalDpi xmlns:a14="http://schemas.microsoft.com/office/drawing/2010/main" val="0"/>
+              </a:ext>
+            </a:extLst>
+          </a:blip>
+          <a:stretch>
+            <a:fillRect/>
+          </a:stretch>
+        </p:blipFill>
+        <p:spPr>
+          <a:xfrm>
+            <a:off x="580559" y="4201259"/>
+            <a:ext cx="3466938" cy="2485228"/>
+          </a:xfrm>
+          <a:prstGeom prst="rect">
+            <a:avLst/>
+          </a:prstGeom>
+        </p:spPr>
+      </p:pic>
       <p:sp>
         <p:nvSpPr>
-          <p:cNvPr id="3" name="Текст 2"/>
-          <p:cNvSpPr>
-            <a:spLocks noGrp="1"/>
-          </p:cNvSpPr>
-          <p:nvPr>
-            <p:ph type="body" idx="1"/>
-          </p:nvPr>
+          <p:cNvPr id="5" name="TextBox 4"/>
+          <p:cNvSpPr txBox="1"/>
+          <p:nvPr/>
         </p:nvSpPr>
         <p:spPr>
           <a:xfrm>
-            <a:off x="457200" y="1417637"/>
-            <a:ext cx="8229600" cy="4914337"/>
+            <a:off x="4572000" y="4344787"/>
+            <a:ext cx="4198374" cy="2585323"/>
           </a:xfrm>
+          <a:prstGeom prst="rect">
+            <a:avLst/>
+          </a:prstGeom>
+          <a:noFill/>
         </p:spPr>
         <p:txBody>
-          <a:bodyPr/>
+          <a:bodyPr wrap="square" rtlCol="0">
+            <a:spAutoFit/>
+          </a:bodyPr>
           <a:lstStyle/>
           <a:p>
-            <a:pPr marL="457200" indent="-457200">
-              <a:buFont typeface="Arial" panose="020B0604020202020204" pitchFamily="34" charset="0"/>
-              <a:buChar char="•"/>
+            <a:pPr>
+              <a:spcAft>
+                <a:spcPts val="1200"/>
+              </a:spcAft>
             </a:pPr>
             <a:r>
               <a:rPr lang="ru-RU" dirty="0" smtClean="0">
@@ -12161,17 +12530,17 @@
                   </a:schemeClr>
                 </a:solidFill>
               </a:rPr>
-              <a:t>Был проведен анализ и </a:t>
-            </a:r>
-            <a:r>
-              <a:rPr lang="ru-RU" dirty="0" err="1" smtClean="0">
+              <a:t>Определяется </a:t>
+            </a:r>
+            <a:r>
+              <a:rPr lang="ru-RU" dirty="0">
                 <a:solidFill>
                   <a:schemeClr val="bg1">
                     <a:lumMod val="95000"/>
                   </a:schemeClr>
                 </a:solidFill>
               </a:rPr>
-              <a:t>профайлинг</a:t>
+              <a:t>д</a:t>
             </a:r>
             <a:r>
               <a:rPr lang="ru-RU" dirty="0" smtClean="0">
@@ -12181,14 +12550,18 @@
                   </a:schemeClr>
                 </a:solidFill>
               </a:rPr>
-              <a:t> запросов на основе журналов сервера</a:t>
-            </a:r>
-          </a:p>
-          <a:p>
-            <a:pPr marL="457200" indent="-457200">
-              <a:buFont typeface="Arial" panose="020B0604020202020204" pitchFamily="34" charset="0"/>
-              <a:buChar char="•"/>
-            </a:pPr>
+              <a:t>опустимое отдаление (на основе параметра </a:t>
+            </a:r>
+            <a:r>
+              <a:rPr lang="en-US" dirty="0" smtClean="0">
+                <a:solidFill>
+                  <a:schemeClr val="bg1">
+                    <a:lumMod val="95000"/>
+                  </a:schemeClr>
+                </a:solidFill>
+              </a:rPr>
+              <a:t>accuracy)</a:t>
+            </a:r>
             <a:endParaRPr lang="ru-RU" dirty="0" smtClean="0">
               <a:solidFill>
                 <a:schemeClr val="bg1">
@@ -12198,9 +12571,10 @@
             </a:endParaRPr>
           </a:p>
           <a:p>
-            <a:pPr marL="457200" indent="-457200">
-              <a:buFont typeface="Arial" panose="020B0604020202020204" pitchFamily="34" charset="0"/>
-              <a:buChar char="•"/>
+            <a:pPr>
+              <a:spcAft>
+                <a:spcPts val="1200"/>
+              </a:spcAft>
             </a:pPr>
             <a:r>
               <a:rPr lang="ru-RU" dirty="0" smtClean="0">
@@ -12210,13 +12584,46 @@
                   </a:schemeClr>
                 </a:solidFill>
               </a:rPr>
-              <a:t>По результатам тестирования была проведена оптимизация связей и структуры хранения данных.</a:t>
-            </a:r>
-          </a:p>
-          <a:p>
-            <a:pPr marL="457200" indent="-457200">
-              <a:buFont typeface="Arial" panose="020B0604020202020204" pitchFamily="34" charset="0"/>
-              <a:buChar char="•"/>
+              <a:t>Выборка геоданных с ненулевой скоростью</a:t>
+            </a:r>
+          </a:p>
+          <a:p>
+            <a:pPr>
+              <a:spcAft>
+                <a:spcPts val="1200"/>
+              </a:spcAft>
+            </a:pPr>
+            <a:r>
+              <a:rPr lang="ru-RU" dirty="0" smtClean="0">
+                <a:solidFill>
+                  <a:schemeClr val="bg1">
+                    <a:lumMod val="95000"/>
+                  </a:schemeClr>
+                </a:solidFill>
+              </a:rPr>
+              <a:t>Вычисление геометрического центра полигона</a:t>
+            </a:r>
+          </a:p>
+          <a:p>
+            <a:r>
+              <a:rPr lang="ru-RU" sz="1200" i="1" dirty="0">
+                <a:solidFill>
+                  <a:schemeClr val="bg1">
+                    <a:lumMod val="95000"/>
+                  </a:schemeClr>
+                </a:solidFill>
+              </a:rPr>
+              <a:t>Использование пула координат позволило не только использовать  фильтрацию геоданных, перед отправкой на сервер, но и уменьшить количество соединений с сервером</a:t>
+            </a:r>
+          </a:p>
+          <a:p>
+            <a:endParaRPr lang="ru-RU" dirty="0"/>
+          </a:p>
+          <a:p>
+            <a:pPr>
+              <a:spcAft>
+                <a:spcPts val="1200"/>
+              </a:spcAft>
             </a:pPr>
             <a:endParaRPr lang="ru-RU" dirty="0" smtClean="0">
               <a:solidFill>
@@ -12226,63 +12633,12 @@
               </a:solidFill>
             </a:endParaRPr>
           </a:p>
-          <a:p>
-            <a:pPr marL="457200" indent="-457200">
-              <a:buFont typeface="Arial" panose="020B0604020202020204" pitchFamily="34" charset="0"/>
-              <a:buChar char="•"/>
-            </a:pPr>
-            <a:r>
-              <a:rPr lang="ru-RU" dirty="0" smtClean="0">
-                <a:solidFill>
-                  <a:schemeClr val="bg1">
-                    <a:lumMod val="95000"/>
-                  </a:schemeClr>
-                </a:solidFill>
-              </a:rPr>
-              <a:t>Наиболее объемные и медленные запросы были переработаны</a:t>
-            </a:r>
-          </a:p>
-          <a:p>
-            <a:pPr marL="457200" indent="-457200">
-              <a:buFont typeface="Arial" panose="020B0604020202020204" pitchFamily="34" charset="0"/>
-              <a:buChar char="•"/>
-            </a:pPr>
-            <a:endParaRPr lang="ru-RU" dirty="0"/>
-          </a:p>
-          <a:p>
-            <a:pPr marL="457200" indent="-457200">
-              <a:buFont typeface="Arial" panose="020B0604020202020204" pitchFamily="34" charset="0"/>
-              <a:buChar char="•"/>
-            </a:pPr>
-            <a:endParaRPr lang="ru-RU" dirty="0" smtClean="0"/>
-          </a:p>
-          <a:p>
-            <a:pPr marL="457200" indent="-457200">
-              <a:buFont typeface="Arial" panose="020B0604020202020204" pitchFamily="34" charset="0"/>
-              <a:buChar char="•"/>
-            </a:pPr>
-            <a:endParaRPr lang="ru-RU" dirty="0" smtClean="0"/>
-          </a:p>
-          <a:p>
-            <a:pPr marL="457200" indent="-457200">
-              <a:buFont typeface="Arial" panose="020B0604020202020204" pitchFamily="34" charset="0"/>
-              <a:buChar char="•"/>
-            </a:pPr>
-            <a:endParaRPr lang="ru-RU" dirty="0" smtClean="0"/>
-          </a:p>
-          <a:p>
-            <a:pPr marL="457200" indent="-457200">
-              <a:buFont typeface="Arial" panose="020B0604020202020204" pitchFamily="34" charset="0"/>
-              <a:buChar char="•"/>
-            </a:pPr>
-            <a:endParaRPr lang="ru-RU" dirty="0"/>
-          </a:p>
         </p:txBody>
       </p:sp>
     </p:spTree>
     <p:extLst>
       <p:ext uri="{BB962C8B-B14F-4D97-AF65-F5344CB8AC3E}">
-        <p14:creationId xmlns:p14="http://schemas.microsoft.com/office/powerpoint/2010/main" val="2165145386"/>
+        <p14:creationId xmlns:p14="http://schemas.microsoft.com/office/powerpoint/2010/main" val="2870576481"/>
       </p:ext>
     </p:extLst>
   </p:cSld>
@@ -12333,15 +12689,7 @@
           <a:p>
             <a:r>
               <a:rPr lang="ru-RU" sz="3200" dirty="0" smtClean="0"/>
-              <a:t>Распределение </a:t>
-            </a:r>
-            <a:r>
-              <a:rPr lang="ru-RU" sz="3200" dirty="0" err="1" smtClean="0"/>
-              <a:t>геоданных</a:t>
-            </a:r>
-            <a:r>
-              <a:rPr lang="ru-RU" sz="3200" dirty="0" smtClean="0"/>
-              <a:t> по маршрутам</a:t>
+              <a:t>Алгоритм синхронизации геоданных локального хранилища с сервером</a:t>
             </a:r>
             <a:endParaRPr lang="ru-RU" sz="3200" dirty="0"/>
           </a:p>
@@ -12369,8 +12717,38 @@
         </p:blipFill>
         <p:spPr>
           <a:xfrm>
-            <a:off x="260529" y="1533833"/>
-            <a:ext cx="5151412" cy="4798142"/>
+            <a:off x="739306" y="1428908"/>
+            <a:ext cx="2789974" cy="3220730"/>
+          </a:xfrm>
+          <a:prstGeom prst="rect">
+            <a:avLst/>
+          </a:prstGeom>
+        </p:spPr>
+      </p:pic>
+      <p:pic>
+        <p:nvPicPr>
+          <p:cNvPr id="6" name="Рисунок 5"/>
+          <p:cNvPicPr>
+            <a:picLocks noChangeAspect="1"/>
+          </p:cNvPicPr>
+          <p:nvPr/>
+        </p:nvPicPr>
+        <p:blipFill>
+          <a:blip r:embed="rId3">
+            <a:extLst>
+              <a:ext uri="{28A0092B-C50C-407E-A947-70E740481C1C}">
+                <a14:useLocalDpi xmlns:a14="http://schemas.microsoft.com/office/drawing/2010/main" val="0"/>
+              </a:ext>
+            </a:extLst>
+          </a:blip>
+          <a:stretch>
+            <a:fillRect/>
+          </a:stretch>
+        </p:blipFill>
+        <p:spPr>
+          <a:xfrm>
+            <a:off x="4217670" y="1417637"/>
+            <a:ext cx="4149090" cy="3232001"/>
           </a:xfrm>
           <a:prstGeom prst="rect">
             <a:avLst/>
@@ -12379,41 +12757,43 @@
       </p:pic>
       <p:sp>
         <p:nvSpPr>
-          <p:cNvPr id="6" name="Текст 2"/>
-          <p:cNvSpPr>
-            <a:spLocks noGrp="1"/>
-          </p:cNvSpPr>
-          <p:nvPr>
-            <p:ph type="body" idx="1"/>
-          </p:nvPr>
+          <p:cNvPr id="7" name="TextBox 6"/>
+          <p:cNvSpPr txBox="1"/>
+          <p:nvPr/>
         </p:nvSpPr>
         <p:spPr>
           <a:xfrm>
-            <a:off x="5712541" y="1533833"/>
-            <a:ext cx="3156155" cy="4798142"/>
+            <a:off x="457200" y="4984696"/>
+            <a:ext cx="8046720" cy="2031325"/>
           </a:xfrm>
+          <a:prstGeom prst="rect">
+            <a:avLst/>
+          </a:prstGeom>
+          <a:noFill/>
         </p:spPr>
         <p:txBody>
-          <a:bodyPr/>
+          <a:bodyPr wrap="square" rtlCol="0">
+            <a:spAutoFit/>
+          </a:bodyPr>
           <a:lstStyle/>
           <a:p>
             <a:pPr>
               <a:spcAft>
-                <a:spcPts val="1800"/>
+                <a:spcPts val="1200"/>
               </a:spcAft>
             </a:pPr>
             <a:r>
-              <a:rPr lang="ru-RU" sz="1800" dirty="0" smtClean="0">
+              <a:rPr lang="ru-RU" sz="1600" dirty="0" smtClean="0">
                 <a:solidFill>
                   <a:schemeClr val="bg1">
                     <a:lumMod val="95000"/>
                   </a:schemeClr>
                 </a:solidFill>
               </a:rPr>
-              <a:t>Результаты оптимизации</a:t>
-            </a:r>
-            <a:r>
-              <a:rPr lang="en-US" sz="1800" dirty="0" smtClean="0">
+              <a:t>Уменьшение ресурсоемкости алгоритма обосновано уменьшением числа открытых соединений с сервером, что достигается за счет</a:t>
+            </a:r>
+            <a:r>
+              <a:rPr lang="en-US" sz="1600" dirty="0" smtClean="0">
                 <a:solidFill>
                   <a:schemeClr val="bg1">
                     <a:lumMod val="95000"/>
@@ -12422,7 +12802,55 @@
               </a:rPr>
               <a:t>:</a:t>
             </a:r>
-            <a:endParaRPr lang="ru-RU" sz="1800" dirty="0">
+          </a:p>
+          <a:p>
+            <a:pPr marL="342900" indent="-342900">
+              <a:spcAft>
+                <a:spcPts val="1200"/>
+              </a:spcAft>
+              <a:buFont typeface="+mj-lt"/>
+              <a:buAutoNum type="arabicParenR"/>
+            </a:pPr>
+            <a:r>
+              <a:rPr lang="ru-RU" sz="1600" dirty="0" smtClean="0">
+                <a:solidFill>
+                  <a:schemeClr val="bg1">
+                    <a:lumMod val="95000"/>
+                  </a:schemeClr>
+                </a:solidFill>
+              </a:rPr>
+              <a:t>создания пула с постоянным числом открытых соединением</a:t>
+            </a:r>
+            <a:r>
+              <a:rPr lang="en-US" sz="1600" dirty="0" smtClean="0">
+                <a:solidFill>
+                  <a:schemeClr val="bg1">
+                    <a:lumMod val="95000"/>
+                  </a:schemeClr>
+                </a:solidFill>
+              </a:rPr>
+              <a:t>;</a:t>
+            </a:r>
+          </a:p>
+          <a:p>
+            <a:pPr marL="342900" indent="-342900">
+              <a:spcAft>
+                <a:spcPts val="1200"/>
+              </a:spcAft>
+              <a:buFont typeface="+mj-lt"/>
+              <a:buAutoNum type="arabicParenR"/>
+            </a:pPr>
+            <a:r>
+              <a:rPr lang="ru-RU" sz="1600" dirty="0" smtClean="0">
+                <a:solidFill>
+                  <a:schemeClr val="bg1">
+                    <a:lumMod val="95000"/>
+                  </a:schemeClr>
+                </a:solidFill>
+              </a:rPr>
+              <a:t>передачи всего содержимого локального хранилища в пределах одного соединения.</a:t>
+            </a:r>
+            <a:endParaRPr lang="en-US" sz="1600" dirty="0" smtClean="0">
               <a:solidFill>
                 <a:schemeClr val="bg1">
                   <a:lumMod val="95000"/>
@@ -12431,87 +12859,14 @@
             </a:endParaRPr>
           </a:p>
           <a:p>
-            <a:pPr marL="457200" indent="-457200">
+            <a:pPr marL="285750" indent="-285750">
               <a:spcAft>
-                <a:spcPts val="1800"/>
+                <a:spcPts val="1200"/>
               </a:spcAft>
               <a:buFont typeface="Arial" panose="020B0604020202020204" pitchFamily="34" charset="0"/>
               <a:buChar char="•"/>
             </a:pPr>
-            <a:r>
-              <a:rPr lang="ru-RU" sz="1800" dirty="0" smtClean="0">
-                <a:solidFill>
-                  <a:schemeClr val="bg1">
-                    <a:lumMod val="95000"/>
-                  </a:schemeClr>
-                </a:solidFill>
-              </a:rPr>
-              <a:t>Динамическое вычисление времени начала, конца, длительности и протяжённости маршрута</a:t>
-            </a:r>
-          </a:p>
-          <a:p>
-            <a:pPr marL="457200" indent="-457200">
-              <a:spcAft>
-                <a:spcPts val="1800"/>
-              </a:spcAft>
-              <a:buFont typeface="Arial" panose="020B0604020202020204" pitchFamily="34" charset="0"/>
-              <a:buChar char="•"/>
-            </a:pPr>
-            <a:r>
-              <a:rPr lang="ru-RU" sz="1800" dirty="0" smtClean="0">
-                <a:solidFill>
-                  <a:schemeClr val="bg1">
-                    <a:lumMod val="95000"/>
-                  </a:schemeClr>
-                </a:solidFill>
-              </a:rPr>
-              <a:t>Высокая скорость поиска целевого трека</a:t>
-            </a:r>
-          </a:p>
-          <a:p>
-            <a:pPr marL="457200" indent="-457200">
-              <a:spcAft>
-                <a:spcPts val="1800"/>
-              </a:spcAft>
-              <a:buFont typeface="Arial" panose="020B0604020202020204" pitchFamily="34" charset="0"/>
-              <a:buChar char="•"/>
-            </a:pPr>
-            <a:r>
-              <a:rPr lang="ru-RU" sz="1800" dirty="0" smtClean="0">
-                <a:solidFill>
-                  <a:schemeClr val="bg1">
-                    <a:lumMod val="95000"/>
-                  </a:schemeClr>
-                </a:solidFill>
-              </a:rPr>
-              <a:t>Возможность объединения более двух треков.</a:t>
-            </a:r>
-          </a:p>
-          <a:p>
-            <a:pPr marL="457200" indent="-457200">
-              <a:spcAft>
-                <a:spcPts val="1800"/>
-              </a:spcAft>
-              <a:buFont typeface="Arial" panose="020B0604020202020204" pitchFamily="34" charset="0"/>
-              <a:buChar char="•"/>
-            </a:pPr>
-            <a:r>
-              <a:rPr lang="ru-RU" sz="1800" dirty="0" smtClean="0">
-                <a:solidFill>
-                  <a:schemeClr val="bg1">
-                    <a:lumMod val="95000"/>
-                  </a:schemeClr>
-                </a:solidFill>
-              </a:rPr>
-              <a:t>Устойчивость к коллизиям</a:t>
-            </a:r>
-          </a:p>
-          <a:p>
-            <a:pPr marL="457200" indent="-457200">
-              <a:buFont typeface="Arial" panose="020B0604020202020204" pitchFamily="34" charset="0"/>
-              <a:buChar char="•"/>
-            </a:pPr>
-            <a:endParaRPr lang="ru-RU" sz="1800" dirty="0">
+            <a:endParaRPr lang="ru-RU" sz="1600" dirty="0" smtClean="0">
               <a:solidFill>
                 <a:schemeClr val="bg1">
                   <a:lumMod val="95000"/>
@@ -12524,7 +12879,7 @@
     </p:spTree>
     <p:extLst>
       <p:ext uri="{BB962C8B-B14F-4D97-AF65-F5344CB8AC3E}">
-        <p14:creationId xmlns:p14="http://schemas.microsoft.com/office/powerpoint/2010/main" val="2689130680"/>
+        <p14:creationId xmlns:p14="http://schemas.microsoft.com/office/powerpoint/2010/main" val="431488912"/>
       </p:ext>
     </p:extLst>
   </p:cSld>
@@ -12574,10 +12929,10 @@
           <a:lstStyle/>
           <a:p>
             <a:r>
-              <a:rPr lang="ru-RU" dirty="0" smtClean="0"/>
-              <a:t>Оптимизация алгоритма синхронизации данных</a:t>
-            </a:r>
-            <a:endParaRPr lang="ru-RU" dirty="0"/>
+              <a:rPr lang="ru-RU" sz="3200" dirty="0" smtClean="0"/>
+              <a:t>Варианты распределение геоданных по маршрутам</a:t>
+            </a:r>
+            <a:endParaRPr lang="ru-RU" sz="3200" dirty="0"/>
           </a:p>
         </p:txBody>
       </p:sp>
@@ -12603,48 +12958,190 @@
         </p:blipFill>
         <p:spPr>
           <a:xfrm>
-            <a:off x="590715" y="2037070"/>
-            <a:ext cx="3036619" cy="3505456"/>
+            <a:off x="430384" y="1522403"/>
+            <a:ext cx="5151412" cy="4798142"/>
           </a:xfrm>
           <a:prstGeom prst="rect">
             <a:avLst/>
           </a:prstGeom>
         </p:spPr>
       </p:pic>
-      <p:pic>
-        <p:nvPicPr>
-          <p:cNvPr id="6" name="Рисунок 5"/>
-          <p:cNvPicPr>
-            <a:picLocks noChangeAspect="1"/>
-          </p:cNvPicPr>
+      <p:sp>
+        <p:nvSpPr>
+          <p:cNvPr id="7" name="TextBox 6"/>
+          <p:cNvSpPr txBox="1"/>
           <p:nvPr/>
-        </p:nvPicPr>
-        <p:blipFill>
-          <a:blip r:embed="rId3">
-            <a:extLst>
-              <a:ext uri="{28A0092B-C50C-407E-A947-70E740481C1C}">
-                <a14:useLocalDpi xmlns:a14="http://schemas.microsoft.com/office/drawing/2010/main" val="0"/>
-              </a:ext>
-            </a:extLst>
-          </a:blip>
-          <a:stretch>
-            <a:fillRect/>
-          </a:stretch>
-        </p:blipFill>
+        </p:nvSpPr>
         <p:spPr>
           <a:xfrm>
-            <a:off x="4186661" y="2037070"/>
-            <a:ext cx="4500139" cy="3505456"/>
+            <a:off x="5863591" y="1522403"/>
+            <a:ext cx="3154680" cy="4324261"/>
           </a:xfrm>
           <a:prstGeom prst="rect">
             <a:avLst/>
           </a:prstGeom>
+          <a:noFill/>
         </p:spPr>
-      </p:pic>
+        <p:txBody>
+          <a:bodyPr wrap="square" rtlCol="0">
+            <a:spAutoFit/>
+          </a:bodyPr>
+          <a:lstStyle/>
+          <a:p>
+            <a:pPr>
+              <a:spcAft>
+                <a:spcPts val="1800"/>
+              </a:spcAft>
+            </a:pPr>
+            <a:r>
+              <a:rPr lang="ru-RU" sz="2000" dirty="0" smtClean="0">
+                <a:solidFill>
+                  <a:schemeClr val="bg1">
+                    <a:lumMod val="95000"/>
+                  </a:schemeClr>
+                </a:solidFill>
+              </a:rPr>
+              <a:t>Основные исходного алгоритма проблемы</a:t>
+            </a:r>
+            <a:r>
+              <a:rPr lang="en-US" sz="2000" dirty="0" smtClean="0">
+                <a:solidFill>
+                  <a:schemeClr val="bg1">
+                    <a:lumMod val="95000"/>
+                  </a:schemeClr>
+                </a:solidFill>
+              </a:rPr>
+              <a:t>:</a:t>
+            </a:r>
+          </a:p>
+          <a:p>
+            <a:pPr marL="285750" indent="-285750">
+              <a:spcAft>
+                <a:spcPts val="1200"/>
+              </a:spcAft>
+              <a:buFont typeface="Arial" panose="020B0604020202020204" pitchFamily="34" charset="0"/>
+              <a:buChar char="•"/>
+            </a:pPr>
+            <a:r>
+              <a:rPr lang="ru-RU" sz="2000" dirty="0" smtClean="0">
+                <a:solidFill>
+                  <a:schemeClr val="bg1">
+                    <a:lumMod val="95000"/>
+                  </a:schemeClr>
+                </a:solidFill>
+              </a:rPr>
+              <a:t>наличие инцидентов (ошибок, исключений)</a:t>
+            </a:r>
+          </a:p>
+          <a:p>
+            <a:pPr marL="285750" indent="-285750">
+              <a:spcAft>
+                <a:spcPts val="1200"/>
+              </a:spcAft>
+              <a:buFont typeface="Arial" panose="020B0604020202020204" pitchFamily="34" charset="0"/>
+              <a:buChar char="•"/>
+            </a:pPr>
+            <a:r>
+              <a:rPr lang="ru-RU" sz="2000" dirty="0">
+                <a:solidFill>
+                  <a:schemeClr val="bg1">
+                    <a:lumMod val="95000"/>
+                  </a:schemeClr>
+                </a:solidFill>
+              </a:rPr>
+              <a:t>в</a:t>
+            </a:r>
+            <a:r>
+              <a:rPr lang="ru-RU" sz="2000" dirty="0" smtClean="0">
+                <a:solidFill>
+                  <a:schemeClr val="bg1">
+                    <a:lumMod val="95000"/>
+                  </a:schemeClr>
+                </a:solidFill>
+              </a:rPr>
+              <a:t>ысокая сложность алгоритма</a:t>
+            </a:r>
+          </a:p>
+          <a:p>
+            <a:pPr marL="285750" indent="-285750">
+              <a:spcAft>
+                <a:spcPts val="1200"/>
+              </a:spcAft>
+              <a:buFont typeface="Arial" panose="020B0604020202020204" pitchFamily="34" charset="0"/>
+              <a:buChar char="•"/>
+            </a:pPr>
+            <a:r>
+              <a:rPr lang="ru-RU" sz="2000" dirty="0">
+                <a:solidFill>
+                  <a:schemeClr val="bg1">
+                    <a:lumMod val="95000"/>
+                  </a:schemeClr>
+                </a:solidFill>
+              </a:rPr>
+              <a:t>м</a:t>
+            </a:r>
+            <a:r>
+              <a:rPr lang="ru-RU" sz="2000" dirty="0" smtClean="0">
+                <a:solidFill>
+                  <a:schemeClr val="bg1">
+                    <a:lumMod val="95000"/>
+                  </a:schemeClr>
+                </a:solidFill>
+              </a:rPr>
+              <a:t>едленная скорость выполнения</a:t>
+            </a:r>
+          </a:p>
+          <a:p>
+            <a:pPr marL="285750" indent="-285750">
+              <a:spcAft>
+                <a:spcPts val="1200"/>
+              </a:spcAft>
+              <a:buFont typeface="Arial" panose="020B0604020202020204" pitchFamily="34" charset="0"/>
+              <a:buChar char="•"/>
+            </a:pPr>
+            <a:r>
+              <a:rPr lang="ru-RU" sz="2000" dirty="0">
+                <a:solidFill>
+                  <a:schemeClr val="bg1">
+                    <a:lumMod val="95000"/>
+                  </a:schemeClr>
+                </a:solidFill>
+              </a:rPr>
+              <a:t>м</a:t>
+            </a:r>
+            <a:r>
+              <a:rPr lang="ru-RU" sz="2000" dirty="0" smtClean="0">
+                <a:solidFill>
+                  <a:schemeClr val="bg1">
+                    <a:lumMod val="95000"/>
+                  </a:schemeClr>
+                </a:solidFill>
+              </a:rPr>
+              <a:t>ножественные обращения к БД</a:t>
+            </a:r>
+          </a:p>
+          <a:p>
+            <a:pPr marL="285750" indent="-285750">
+              <a:spcAft>
+                <a:spcPts val="1200"/>
+              </a:spcAft>
+              <a:buFont typeface="Arial" panose="020B0604020202020204" pitchFamily="34" charset="0"/>
+              <a:buChar char="•"/>
+            </a:pPr>
+            <a:endParaRPr lang="ru-RU" sz="2000" dirty="0" smtClean="0">
+              <a:solidFill>
+                <a:schemeClr val="bg1">
+                  <a:lumMod val="95000"/>
+                </a:schemeClr>
+              </a:solidFill>
+            </a:endParaRPr>
+          </a:p>
+        </p:txBody>
+      </p:sp>
     </p:spTree>
     <p:extLst>
       <p:ext uri="{BB962C8B-B14F-4D97-AF65-F5344CB8AC3E}">
-        <p14:creationId xmlns:p14="http://schemas.microsoft.com/office/powerpoint/2010/main" val="431488912"/>
+        <p14:creationId xmlns:p14="http://schemas.microsoft.com/office/powerpoint/2010/main" val="2689130680"/>
       </p:ext>
     </p:extLst>
   </p:cSld>

--- a/Презентация.pptx
+++ b/Презентация.pptx
@@ -6954,19 +6954,7 @@
                 <a:cs typeface="Trebuchet MS"/>
                 <a:sym typeface="Trebuchet MS"/>
               </a:rPr>
-              <a:t>Порционное </a:t>
-            </a:r>
-            <a:r>
-              <a:rPr lang="ru" sz="1800" dirty="0" smtClean="0">
-                <a:solidFill>
-                  <a:srgbClr val="CAD3E4"/>
-                </a:solidFill>
-                <a:latin typeface="Trebuchet MS"/>
-                <a:ea typeface="Trebuchet MS"/>
-                <a:cs typeface="Trebuchet MS"/>
-                <a:sym typeface="Trebuchet MS"/>
-              </a:rPr>
-              <a:t>построение представлений</a:t>
+              <a:t>Порционное построение представлений</a:t>
             </a:r>
           </a:p>
           <a:p>
@@ -12876,6 +12864,36 @@
           </a:p>
         </p:txBody>
       </p:sp>
+      <p:sp>
+        <p:nvSpPr>
+          <p:cNvPr id="3" name="TextBox 2"/>
+          <p:cNvSpPr txBox="1"/>
+          <p:nvPr/>
+        </p:nvSpPr>
+        <p:spPr>
+          <a:xfrm>
+            <a:off x="4417454" y="3554569"/>
+            <a:ext cx="437881" cy="215444"/>
+          </a:xfrm>
+          <a:prstGeom prst="rect">
+            <a:avLst/>
+          </a:prstGeom>
+          <a:noFill/>
+        </p:spPr>
+        <p:txBody>
+          <a:bodyPr wrap="square" rtlCol="0">
+            <a:spAutoFit/>
+          </a:bodyPr>
+          <a:lstStyle/>
+          <a:p>
+            <a:r>
+              <a:rPr lang="ru-RU" sz="800" dirty="0" smtClean="0"/>
+              <a:t>Нет</a:t>
+            </a:r>
+            <a:endParaRPr lang="ru-RU" sz="800" dirty="0"/>
+          </a:p>
+        </p:txBody>
+      </p:sp>
     </p:spTree>
     <p:extLst>
       <p:ext uri="{BB962C8B-B14F-4D97-AF65-F5344CB8AC3E}">
